--- a/slides-aulas/analise-estatica.pptx
+++ b/slides-aulas/analise-estatica.pptx
@@ -5,7 +5,7 @@
     <p:sldMasterId id="2147483648" r:id="rId1"/>
   </p:sldMasterIdLst>
   <p:notesMasterIdLst>
-    <p:notesMasterId r:id="rId54"/>
+    <p:notesMasterId r:id="rId47"/>
   </p:notesMasterIdLst>
   <p:sldIdLst>
     <p:sldId id="256" r:id="rId2"/>
@@ -40,26 +40,19 @@
     <p:sldId id="359" r:id="rId31"/>
     <p:sldId id="348" r:id="rId32"/>
     <p:sldId id="349" r:id="rId33"/>
-    <p:sldId id="350" r:id="rId34"/>
-    <p:sldId id="338" r:id="rId35"/>
-    <p:sldId id="339" r:id="rId36"/>
-    <p:sldId id="352" r:id="rId37"/>
-    <p:sldId id="346" r:id="rId38"/>
-    <p:sldId id="340" r:id="rId39"/>
-    <p:sldId id="342" r:id="rId40"/>
-    <p:sldId id="347" r:id="rId41"/>
-    <p:sldId id="353" r:id="rId42"/>
-    <p:sldId id="331" r:id="rId43"/>
-    <p:sldId id="360" r:id="rId44"/>
-    <p:sldId id="361" r:id="rId45"/>
-    <p:sldId id="362" r:id="rId46"/>
-    <p:sldId id="334" r:id="rId47"/>
-    <p:sldId id="311" r:id="rId48"/>
-    <p:sldId id="312" r:id="rId49"/>
-    <p:sldId id="313" r:id="rId50"/>
-    <p:sldId id="314" r:id="rId51"/>
-    <p:sldId id="315" r:id="rId52"/>
-    <p:sldId id="335" r:id="rId53"/>
+    <p:sldId id="367" r:id="rId34"/>
+    <p:sldId id="350" r:id="rId35"/>
+    <p:sldId id="338" r:id="rId36"/>
+    <p:sldId id="339" r:id="rId37"/>
+    <p:sldId id="352" r:id="rId38"/>
+    <p:sldId id="346" r:id="rId39"/>
+    <p:sldId id="340" r:id="rId40"/>
+    <p:sldId id="342" r:id="rId41"/>
+    <p:sldId id="347" r:id="rId42"/>
+    <p:sldId id="353" r:id="rId43"/>
+    <p:sldId id="331" r:id="rId44"/>
+    <p:sldId id="360" r:id="rId45"/>
+    <p:sldId id="361" r:id="rId46"/>
   </p:sldIdLst>
   <p:sldSz cx="9144000" cy="6858000" type="screen4x3"/>
   <p:notesSz cx="6858000" cy="9144000"/>
@@ -243,7 +236,7 @@
           <a:p>
             <a:fld id="{FC84F72A-8595-4E3D-B461-021E801466C3}" type="datetimeFigureOut">
               <a:rPr lang="en-US" smtClean="0"/>
-              <a:t>03-Nov-16</a:t>
+              <a:t>12-Jun-17</a:t>
             </a:fld>
             <a:endParaRPr lang="en-US"/>
           </a:p>
@@ -1024,7 +1017,7 @@
           <a:p>
             <a:fld id="{2E700DB3-DBF0-4086-B675-117E7A9610B8}" type="datetimeFigureOut">
               <a:rPr lang="pt-BR" smtClean="0"/>
-              <a:t>03/11/2016</a:t>
+              <a:t>12/06/2017</a:t>
             </a:fld>
             <a:endParaRPr lang="pt-BR"/>
           </a:p>
@@ -1189,7 +1182,7 @@
           <a:p>
             <a:fld id="{2E700DB3-DBF0-4086-B675-117E7A9610B8}" type="datetimeFigureOut">
               <a:rPr lang="pt-BR" smtClean="0"/>
-              <a:t>03/11/2016</a:t>
+              <a:t>12/06/2017</a:t>
             </a:fld>
             <a:endParaRPr lang="pt-BR"/>
           </a:p>
@@ -1364,7 +1357,7 @@
           <a:p>
             <a:fld id="{2E700DB3-DBF0-4086-B675-117E7A9610B8}" type="datetimeFigureOut">
               <a:rPr lang="pt-BR" smtClean="0"/>
-              <a:t>03/11/2016</a:t>
+              <a:t>12/06/2017</a:t>
             </a:fld>
             <a:endParaRPr lang="pt-BR"/>
           </a:p>
@@ -1529,7 +1522,7 @@
           <a:p>
             <a:fld id="{2E700DB3-DBF0-4086-B675-117E7A9610B8}" type="datetimeFigureOut">
               <a:rPr lang="pt-BR" smtClean="0"/>
-              <a:t>03/11/2016</a:t>
+              <a:t>12/06/2017</a:t>
             </a:fld>
             <a:endParaRPr lang="pt-BR"/>
           </a:p>
@@ -1770,7 +1763,7 @@
           <a:p>
             <a:fld id="{2E700DB3-DBF0-4086-B675-117E7A9610B8}" type="datetimeFigureOut">
               <a:rPr lang="pt-BR" smtClean="0"/>
-              <a:t>03/11/2016</a:t>
+              <a:t>12/06/2017</a:t>
             </a:fld>
             <a:endParaRPr lang="pt-BR"/>
           </a:p>
@@ -2053,7 +2046,7 @@
           <a:p>
             <a:fld id="{2E700DB3-DBF0-4086-B675-117E7A9610B8}" type="datetimeFigureOut">
               <a:rPr lang="pt-BR" smtClean="0"/>
-              <a:t>03/11/2016</a:t>
+              <a:t>12/06/2017</a:t>
             </a:fld>
             <a:endParaRPr lang="pt-BR"/>
           </a:p>
@@ -2470,7 +2463,7 @@
           <a:p>
             <a:fld id="{2E700DB3-DBF0-4086-B675-117E7A9610B8}" type="datetimeFigureOut">
               <a:rPr lang="pt-BR" smtClean="0"/>
-              <a:t>03/11/2016</a:t>
+              <a:t>12/06/2017</a:t>
             </a:fld>
             <a:endParaRPr lang="pt-BR"/>
           </a:p>
@@ -2583,7 +2576,7 @@
           <a:p>
             <a:fld id="{2E700DB3-DBF0-4086-B675-117E7A9610B8}" type="datetimeFigureOut">
               <a:rPr lang="pt-BR" smtClean="0"/>
-              <a:t>03/11/2016</a:t>
+              <a:t>12/06/2017</a:t>
             </a:fld>
             <a:endParaRPr lang="pt-BR"/>
           </a:p>
@@ -2673,7 +2666,7 @@
           <a:p>
             <a:fld id="{2E700DB3-DBF0-4086-B675-117E7A9610B8}" type="datetimeFigureOut">
               <a:rPr lang="pt-BR" smtClean="0"/>
-              <a:t>03/11/2016</a:t>
+              <a:t>12/06/2017</a:t>
             </a:fld>
             <a:endParaRPr lang="pt-BR"/>
           </a:p>
@@ -2945,7 +2938,7 @@
           <a:p>
             <a:fld id="{2E700DB3-DBF0-4086-B675-117E7A9610B8}" type="datetimeFigureOut">
               <a:rPr lang="pt-BR" smtClean="0"/>
-              <a:t>03/11/2016</a:t>
+              <a:t>12/06/2017</a:t>
             </a:fld>
             <a:endParaRPr lang="pt-BR"/>
           </a:p>
@@ -3193,7 +3186,7 @@
           <a:p>
             <a:fld id="{2E700DB3-DBF0-4086-B675-117E7A9610B8}" type="datetimeFigureOut">
               <a:rPr lang="pt-BR" smtClean="0"/>
-              <a:t>03/11/2016</a:t>
+              <a:t>12/06/2017</a:t>
             </a:fld>
             <a:endParaRPr lang="pt-BR"/>
           </a:p>
@@ -3401,7 +3394,7 @@
           <a:p>
             <a:fld id="{2E700DB3-DBF0-4086-B675-117E7A9610B8}" type="datetimeFigureOut">
               <a:rPr lang="pt-BR" smtClean="0"/>
-              <a:t>03/11/2016</a:t>
+              <a:t>12/06/2017</a:t>
             </a:fld>
             <a:endParaRPr lang="pt-BR"/>
           </a:p>
@@ -3778,32 +3771,42 @@
             <a:spLocks noGrp="1"/>
           </p:cNvSpPr>
           <p:nvPr>
-            <p:ph type="ctrTitle"/>
+            <p:ph type="title"/>
           </p:nvPr>
         </p:nvSpPr>
-        <p:spPr>
-          <a:xfrm>
-            <a:off x="685800" y="2463031"/>
-            <a:ext cx="7772400" cy="1470025"/>
-          </a:xfrm>
-        </p:spPr>
+        <p:spPr/>
         <p:txBody>
           <a:bodyPr/>
           <a:lstStyle/>
           <a:p>
             <a:r>
-              <a:rPr lang="en-US" dirty="0" smtClean="0"/>
+              <a:rPr lang="en-US" smtClean="0"/>
               <a:t>An</a:t>
             </a:r>
             <a:r>
-              <a:rPr lang="pt-BR" dirty="0" err="1" smtClean="0"/>
-              <a:t>álise</a:t>
-            </a:r>
-            <a:r>
-              <a:rPr lang="pt-BR" dirty="0" smtClean="0"/>
-              <a:t> Estática</a:t>
+              <a:rPr lang="pt-BR" smtClean="0"/>
+              <a:t>álise Estática</a:t>
             </a:r>
             <a:endParaRPr lang="en-US" dirty="0"/>
+          </a:p>
+        </p:txBody>
+      </p:sp>
+      <p:sp>
+        <p:nvSpPr>
+          <p:cNvPr id="5" name="Espaço Reservado para Texto 4"/>
+          <p:cNvSpPr>
+            <a:spLocks noGrp="1"/>
+          </p:cNvSpPr>
+          <p:nvPr>
+            <p:ph type="body" idx="1"/>
+          </p:nvPr>
+        </p:nvSpPr>
+        <p:spPr/>
+        <p:txBody>
+          <a:bodyPr/>
+          <a:lstStyle/>
+          <a:p>
+            <a:endParaRPr lang="en-US"/>
           </a:p>
         </p:txBody>
       </p:sp>
@@ -14615,9 +14618,6 @@
               </a:rPr>
               <a:t>=i+1; }</a:t>
             </a:r>
-            <a:endParaRPr lang="en-US" sz="1600" dirty="0">
-              <a:latin typeface="Consolas" panose="020B0609020204030204" pitchFamily="49" charset="0"/>
-            </a:endParaRPr>
           </a:p>
         </p:txBody>
       </p:sp>
@@ -18628,15 +18628,7 @@
             </a:r>
             <a:r>
               <a:rPr lang="pt-BR" sz="3600" dirty="0" smtClean="0"/>
-              <a:t>vez.  </a:t>
-            </a:r>
-            <a:r>
-              <a:rPr lang="pt-BR" sz="3600" dirty="0" smtClean="0"/>
-              <a:t>Mas </a:t>
-            </a:r>
-            <a:r>
-              <a:rPr lang="pt-BR" sz="3600" dirty="0" smtClean="0"/>
-              <a:t>é importante que o processo termine!</a:t>
+              <a:t>vez.  Mas é importante que o processo termine!</a:t>
             </a:r>
             <a:endParaRPr lang="pt-BR" sz="3600" dirty="0"/>
           </a:p>
@@ -20382,6 +20374,513 @@
     </p:spTree>
     <p:extLst>
       <p:ext uri="{BB962C8B-B14F-4D97-AF65-F5344CB8AC3E}">
+        <p14:creationId xmlns:p14="http://schemas.microsoft.com/office/powerpoint/2010/main" val="3764737133"/>
+      </p:ext>
+    </p:extLst>
+  </p:cSld>
+  <p:clrMapOvr>
+    <a:masterClrMapping/>
+  </p:clrMapOvr>
+  <p:timing>
+    <p:tnLst>
+      <p:par>
+        <p:cTn id="1" dur="indefinite" restart="never" nodeType="tmRoot"/>
+      </p:par>
+    </p:tnLst>
+  </p:timing>
+</p:sld>
+</file>
+
+<file path=ppt/slides/slide34.xml><?xml version="1.0" encoding="utf-8"?>
+<p:sld xmlns:a="http://schemas.openxmlformats.org/drawingml/2006/main" xmlns:r="http://schemas.openxmlformats.org/officeDocument/2006/relationships" xmlns:p="http://schemas.openxmlformats.org/presentationml/2006/main">
+  <p:cSld>
+    <p:spTree>
+      <p:nvGrpSpPr>
+        <p:cNvPr id="1" name=""/>
+        <p:cNvGrpSpPr/>
+        <p:nvPr/>
+      </p:nvGrpSpPr>
+      <p:grpSpPr>
+        <a:xfrm>
+          <a:off x="0" y="0"/>
+          <a:ext cx="0" cy="0"/>
+          <a:chOff x="0" y="0"/>
+          <a:chExt cx="0" cy="0"/>
+        </a:xfrm>
+      </p:grpSpPr>
+      <p:sp>
+        <p:nvSpPr>
+          <p:cNvPr id="2" name="Título 1"/>
+          <p:cNvSpPr>
+            <a:spLocks noGrp="1"/>
+          </p:cNvSpPr>
+          <p:nvPr>
+            <p:ph type="title"/>
+          </p:nvPr>
+        </p:nvSpPr>
+        <p:spPr/>
+        <p:txBody>
+          <a:bodyPr/>
+          <a:lstStyle/>
+          <a:p>
+            <a:r>
+              <a:rPr lang="pt-BR" dirty="0" smtClean="0"/>
+              <a:t>Falso positivos e negativos</a:t>
+            </a:r>
+            <a:endParaRPr lang="en-US" dirty="0"/>
+          </a:p>
+        </p:txBody>
+      </p:sp>
+      <p:sp>
+        <p:nvSpPr>
+          <p:cNvPr id="3" name="Espaço Reservado para Conteúdo 2"/>
+          <p:cNvSpPr>
+            <a:spLocks noGrp="1"/>
+          </p:cNvSpPr>
+          <p:nvPr>
+            <p:ph idx="1"/>
+          </p:nvPr>
+        </p:nvSpPr>
+        <p:spPr>
+          <a:xfrm>
+            <a:off x="457200" y="1600200"/>
+            <a:ext cx="8686800" cy="4525963"/>
+          </a:xfrm>
+        </p:spPr>
+        <p:txBody>
+          <a:bodyPr/>
+          <a:lstStyle/>
+          <a:p>
+            <a:r>
+              <a:rPr lang="pt-BR" dirty="0" smtClean="0"/>
+              <a:t>Dado que análise de </a:t>
+            </a:r>
+            <a:r>
+              <a:rPr lang="pt-BR" dirty="0" err="1" smtClean="0"/>
+              <a:t>dataflow</a:t>
+            </a:r>
+            <a:r>
+              <a:rPr lang="pt-BR" dirty="0" smtClean="0"/>
+              <a:t> calcula conjunto de observações O = {o_1, ..., </a:t>
+            </a:r>
+            <a:r>
+              <a:rPr lang="pt-BR" dirty="0" err="1" smtClean="0"/>
+              <a:t>o_n</a:t>
+            </a:r>
+            <a:r>
+              <a:rPr lang="pt-BR" dirty="0" smtClean="0"/>
+              <a:t>}</a:t>
+            </a:r>
+          </a:p>
+          <a:p>
+            <a:r>
+              <a:rPr lang="pt-BR" dirty="0" smtClean="0"/>
+              <a:t>Conjuntos de observações reais R</a:t>
+            </a:r>
+          </a:p>
+        </p:txBody>
+      </p:sp>
+      <p:sp>
+        <p:nvSpPr>
+          <p:cNvPr id="6" name="Elipse 5"/>
+          <p:cNvSpPr/>
+          <p:nvPr/>
+        </p:nvSpPr>
+        <p:spPr>
+          <a:xfrm>
+            <a:off x="3707904" y="3717032"/>
+            <a:ext cx="2808312" cy="2664296"/>
+          </a:xfrm>
+          <a:prstGeom prst="ellipse">
+            <a:avLst/>
+          </a:prstGeom>
+          <a:solidFill>
+            <a:schemeClr val="tx2">
+              <a:lumMod val="20000"/>
+              <a:lumOff val="80000"/>
+            </a:schemeClr>
+          </a:solidFill>
+          <a:ln>
+            <a:solidFill>
+              <a:schemeClr val="tx1"/>
+            </a:solidFill>
+          </a:ln>
+        </p:spPr>
+        <p:style>
+          <a:lnRef idx="2">
+            <a:schemeClr val="accent1">
+              <a:shade val="50000"/>
+            </a:schemeClr>
+          </a:lnRef>
+          <a:fillRef idx="1">
+            <a:schemeClr val="accent1"/>
+          </a:fillRef>
+          <a:effectRef idx="0">
+            <a:schemeClr val="accent1"/>
+          </a:effectRef>
+          <a:fontRef idx="minor">
+            <a:schemeClr val="lt1"/>
+          </a:fontRef>
+        </p:style>
+        <p:txBody>
+          <a:bodyPr rtlCol="0" anchor="ctr"/>
+          <a:lstStyle/>
+          <a:p>
+            <a:pPr algn="ctr"/>
+            <a:endParaRPr lang="en-US"/>
+          </a:p>
+        </p:txBody>
+      </p:sp>
+      <p:sp>
+        <p:nvSpPr>
+          <p:cNvPr id="7" name="CaixaDeTexto 6"/>
+          <p:cNvSpPr txBox="1"/>
+          <p:nvPr/>
+        </p:nvSpPr>
+        <p:spPr>
+          <a:xfrm>
+            <a:off x="2339752" y="3717032"/>
+            <a:ext cx="336952" cy="369332"/>
+          </a:xfrm>
+          <a:prstGeom prst="rect">
+            <a:avLst/>
+          </a:prstGeom>
+          <a:noFill/>
+        </p:spPr>
+        <p:txBody>
+          <a:bodyPr wrap="none" rtlCol="0">
+            <a:spAutoFit/>
+          </a:bodyPr>
+          <a:lstStyle/>
+          <a:p>
+            <a:r>
+              <a:rPr lang="pt-BR" dirty="0" smtClean="0"/>
+              <a:t>O</a:t>
+            </a:r>
+            <a:endParaRPr lang="en-US" dirty="0"/>
+          </a:p>
+        </p:txBody>
+      </p:sp>
+      <p:sp>
+        <p:nvSpPr>
+          <p:cNvPr id="8" name="CaixaDeTexto 7"/>
+          <p:cNvSpPr txBox="1"/>
+          <p:nvPr/>
+        </p:nvSpPr>
+        <p:spPr>
+          <a:xfrm>
+            <a:off x="5963240" y="3717032"/>
+            <a:ext cx="309700" cy="369332"/>
+          </a:xfrm>
+          <a:prstGeom prst="rect">
+            <a:avLst/>
+          </a:prstGeom>
+          <a:noFill/>
+        </p:spPr>
+        <p:txBody>
+          <a:bodyPr wrap="none" rtlCol="0">
+            <a:spAutoFit/>
+          </a:bodyPr>
+          <a:lstStyle/>
+          <a:p>
+            <a:r>
+              <a:rPr lang="pt-BR" dirty="0"/>
+              <a:t>R</a:t>
+            </a:r>
+            <a:endParaRPr lang="en-US" dirty="0"/>
+          </a:p>
+        </p:txBody>
+      </p:sp>
+      <p:sp>
+        <p:nvSpPr>
+          <p:cNvPr id="9" name="Texto explicativo retangular 8"/>
+          <p:cNvSpPr/>
+          <p:nvPr/>
+        </p:nvSpPr>
+        <p:spPr>
+          <a:xfrm>
+            <a:off x="6948264" y="5301208"/>
+            <a:ext cx="1840260" cy="504056"/>
+          </a:xfrm>
+          <a:prstGeom prst="wedgeRectCallout">
+            <a:avLst>
+              <a:gd name="adj1" fmla="val -71438"/>
+              <a:gd name="adj2" fmla="val -34416"/>
+            </a:avLst>
+          </a:prstGeom>
+          <a:solidFill>
+            <a:schemeClr val="bg1"/>
+          </a:solidFill>
+          <a:ln>
+            <a:solidFill>
+              <a:schemeClr val="tx1"/>
+            </a:solidFill>
+          </a:ln>
+        </p:spPr>
+        <p:style>
+          <a:lnRef idx="2">
+            <a:schemeClr val="accent1">
+              <a:shade val="50000"/>
+            </a:schemeClr>
+          </a:lnRef>
+          <a:fillRef idx="1">
+            <a:schemeClr val="accent1"/>
+          </a:fillRef>
+          <a:effectRef idx="0">
+            <a:schemeClr val="accent1"/>
+          </a:effectRef>
+          <a:fontRef idx="minor">
+            <a:schemeClr val="lt1"/>
+          </a:fontRef>
+        </p:style>
+        <p:txBody>
+          <a:bodyPr rtlCol="0" anchor="ctr"/>
+          <a:lstStyle/>
+          <a:p>
+            <a:pPr algn="ctr"/>
+            <a:r>
+              <a:rPr lang="pt-BR" dirty="0">
+                <a:solidFill>
+                  <a:schemeClr val="tx1"/>
+                </a:solidFill>
+              </a:rPr>
+              <a:t>f</a:t>
+            </a:r>
+            <a:r>
+              <a:rPr lang="pt-BR" dirty="0" smtClean="0">
+                <a:solidFill>
+                  <a:schemeClr val="tx1"/>
+                </a:solidFill>
+              </a:rPr>
+              <a:t>also negativos</a:t>
+            </a:r>
+            <a:endParaRPr lang="en-US" dirty="0">
+              <a:solidFill>
+                <a:schemeClr val="tx1"/>
+              </a:solidFill>
+            </a:endParaRPr>
+          </a:p>
+        </p:txBody>
+      </p:sp>
+      <p:sp>
+        <p:nvSpPr>
+          <p:cNvPr id="5" name="Elipse 4"/>
+          <p:cNvSpPr/>
+          <p:nvPr/>
+        </p:nvSpPr>
+        <p:spPr>
+          <a:xfrm>
+            <a:off x="2119800" y="3717032"/>
+            <a:ext cx="2808312" cy="2664296"/>
+          </a:xfrm>
+          <a:prstGeom prst="ellipse">
+            <a:avLst/>
+          </a:prstGeom>
+          <a:solidFill>
+            <a:schemeClr val="bg1"/>
+          </a:solidFill>
+          <a:ln>
+            <a:solidFill>
+              <a:schemeClr val="tx1"/>
+            </a:solidFill>
+          </a:ln>
+        </p:spPr>
+        <p:style>
+          <a:lnRef idx="2">
+            <a:schemeClr val="accent1">
+              <a:shade val="50000"/>
+            </a:schemeClr>
+          </a:lnRef>
+          <a:fillRef idx="1">
+            <a:schemeClr val="accent1"/>
+          </a:fillRef>
+          <a:effectRef idx="0">
+            <a:schemeClr val="accent1"/>
+          </a:effectRef>
+          <a:fontRef idx="minor">
+            <a:schemeClr val="lt1"/>
+          </a:fontRef>
+        </p:style>
+        <p:txBody>
+          <a:bodyPr rtlCol="0" anchor="ctr"/>
+          <a:lstStyle/>
+          <a:p>
+            <a:pPr algn="ctr"/>
+            <a:endParaRPr lang="en-US"/>
+          </a:p>
+        </p:txBody>
+      </p:sp>
+      <p:sp>
+        <p:nvSpPr>
+          <p:cNvPr id="10" name="TextBox 4"/>
+          <p:cNvSpPr txBox="1"/>
+          <p:nvPr/>
+        </p:nvSpPr>
+        <p:spPr>
+          <a:xfrm>
+            <a:off x="899592" y="3717032"/>
+            <a:ext cx="7888932" cy="1200329"/>
+          </a:xfrm>
+          <a:prstGeom prst="rect">
+            <a:avLst/>
+          </a:prstGeom>
+          <a:solidFill>
+            <a:srgbClr val="FFFF00"/>
+          </a:solidFill>
+          <a:ln/>
+        </p:spPr>
+        <p:style>
+          <a:lnRef idx="2">
+            <a:schemeClr val="dk1"/>
+          </a:lnRef>
+          <a:fillRef idx="1">
+            <a:schemeClr val="lt1"/>
+          </a:fillRef>
+          <a:effectRef idx="0">
+            <a:schemeClr val="dk1"/>
+          </a:effectRef>
+          <a:fontRef idx="minor">
+            <a:schemeClr val="dk1"/>
+          </a:fontRef>
+        </p:style>
+        <p:txBody>
+          <a:bodyPr wrap="square" rtlCol="0">
+            <a:spAutoFit/>
+          </a:bodyPr>
+          <a:lstStyle/>
+          <a:p>
+            <a:pPr algn="ctr"/>
+            <a:r>
+              <a:rPr lang="en-US" sz="3600" dirty="0" err="1" smtClean="0">
+                <a:solidFill>
+                  <a:srgbClr val="05022C"/>
+                </a:solidFill>
+              </a:rPr>
+              <a:t>Em</a:t>
+            </a:r>
+            <a:r>
+              <a:rPr lang="en-US" sz="3600" dirty="0" smtClean="0">
+                <a:solidFill>
+                  <a:srgbClr val="05022C"/>
+                </a:solidFill>
+              </a:rPr>
+              <a:t> </a:t>
+            </a:r>
+            <a:r>
+              <a:rPr lang="en-US" sz="3600" dirty="0" err="1" smtClean="0">
+                <a:solidFill>
+                  <a:srgbClr val="05022C"/>
+                </a:solidFill>
+              </a:rPr>
+              <a:t>geral</a:t>
+            </a:r>
+            <a:r>
+              <a:rPr lang="en-US" sz="3600" dirty="0" smtClean="0">
+                <a:solidFill>
+                  <a:srgbClr val="05022C"/>
+                </a:solidFill>
+              </a:rPr>
+              <a:t>, </a:t>
+            </a:r>
+            <a:r>
+              <a:rPr lang="en-US" sz="3600" dirty="0" err="1" smtClean="0">
+                <a:solidFill>
+                  <a:srgbClr val="05022C"/>
+                </a:solidFill>
+              </a:rPr>
+              <a:t>análise</a:t>
+            </a:r>
+            <a:r>
+              <a:rPr lang="en-US" sz="3600" dirty="0" smtClean="0">
+                <a:solidFill>
+                  <a:srgbClr val="05022C"/>
+                </a:solidFill>
+              </a:rPr>
+              <a:t> de dataflow é </a:t>
+            </a:r>
+            <a:r>
+              <a:rPr lang="en-US" sz="3600" dirty="0" err="1" smtClean="0">
+                <a:solidFill>
+                  <a:srgbClr val="05022C"/>
+                </a:solidFill>
+              </a:rPr>
+              <a:t>conservadora</a:t>
+            </a:r>
+            <a:r>
+              <a:rPr lang="en-US" sz="3600" dirty="0" smtClean="0">
+                <a:solidFill>
+                  <a:srgbClr val="05022C"/>
+                </a:solidFill>
+              </a:rPr>
+              <a:t> =&gt; </a:t>
+            </a:r>
+            <a:r>
+              <a:rPr lang="en-US" sz="3600" dirty="0" err="1" smtClean="0">
+                <a:solidFill>
+                  <a:srgbClr val="05022C"/>
+                </a:solidFill>
+              </a:rPr>
+              <a:t>não</a:t>
+            </a:r>
+            <a:r>
+              <a:rPr lang="en-US" sz="3600" dirty="0">
+                <a:solidFill>
+                  <a:srgbClr val="05022C"/>
+                </a:solidFill>
+              </a:rPr>
+              <a:t> </a:t>
+            </a:r>
+            <a:r>
+              <a:rPr lang="en-US" sz="3600" dirty="0" err="1" smtClean="0">
+                <a:solidFill>
+                  <a:srgbClr val="05022C"/>
+                </a:solidFill>
+              </a:rPr>
+              <a:t>há</a:t>
+            </a:r>
+            <a:r>
+              <a:rPr lang="en-US" sz="3600" dirty="0" smtClean="0">
+                <a:solidFill>
+                  <a:srgbClr val="05022C"/>
+                </a:solidFill>
+              </a:rPr>
+              <a:t> </a:t>
+            </a:r>
+            <a:r>
+              <a:rPr lang="en-US" sz="3600" dirty="0" err="1" smtClean="0">
+                <a:solidFill>
+                  <a:srgbClr val="05022C"/>
+                </a:solidFill>
+              </a:rPr>
+              <a:t>falso</a:t>
+            </a:r>
+            <a:r>
+              <a:rPr lang="en-US" sz="3600" dirty="0" smtClean="0">
+                <a:solidFill>
+                  <a:srgbClr val="05022C"/>
+                </a:solidFill>
+              </a:rPr>
+              <a:t> </a:t>
+            </a:r>
+            <a:r>
+              <a:rPr lang="en-US" sz="3600" dirty="0" err="1" smtClean="0">
+                <a:solidFill>
+                  <a:srgbClr val="05022C"/>
+                </a:solidFill>
+              </a:rPr>
+              <a:t>negativos</a:t>
+            </a:r>
+            <a:endParaRPr lang="pt-BR" sz="3600" dirty="0">
+              <a:solidFill>
+                <a:srgbClr val="05022C"/>
+              </a:solidFill>
+            </a:endParaRPr>
+          </a:p>
+        </p:txBody>
+      </p:sp>
+    </p:spTree>
+    <p:extLst>
+      <p:ext uri="{BB962C8B-B14F-4D97-AF65-F5344CB8AC3E}">
         <p14:creationId xmlns:p14="http://schemas.microsoft.com/office/powerpoint/2010/main" val="4171893187"/>
       </p:ext>
     </p:extLst>
@@ -20399,7 +20898,7 @@
 </p:sld>
 </file>
 
-<file path=ppt/slides/slide34.xml><?xml version="1.0" encoding="utf-8"?>
+<file path=ppt/slides/slide35.xml><?xml version="1.0" encoding="utf-8"?>
 <p:sld xmlns:a="http://schemas.openxmlformats.org/drawingml/2006/main" xmlns:r="http://schemas.openxmlformats.org/officeDocument/2006/relationships" xmlns:p="http://schemas.openxmlformats.org/presentationml/2006/main">
   <p:cSld>
     <p:spTree>
@@ -20688,7 +21187,7 @@
 </p:sld>
 </file>
 
-<file path=ppt/slides/slide35.xml><?xml version="1.0" encoding="utf-8"?>
+<file path=ppt/slides/slide36.xml><?xml version="1.0" encoding="utf-8"?>
 <p:sld xmlns:a="http://schemas.openxmlformats.org/drawingml/2006/main" xmlns:r="http://schemas.openxmlformats.org/officeDocument/2006/relationships" xmlns:p="http://schemas.openxmlformats.org/presentationml/2006/main">
   <p:cSld>
     <p:spTree>
@@ -21118,7 +21617,7 @@
 </p:sld>
 </file>
 
-<file path=ppt/slides/slide36.xml><?xml version="1.0" encoding="utf-8"?>
+<file path=ppt/slides/slide37.xml><?xml version="1.0" encoding="utf-8"?>
 <p:sld xmlns:a="http://schemas.openxmlformats.org/drawingml/2006/main" xmlns:r="http://schemas.openxmlformats.org/officeDocument/2006/relationships" xmlns:p="http://schemas.openxmlformats.org/presentationml/2006/main">
   <p:cSld>
     <p:spTree>
@@ -21592,7 +22091,7 @@
 </p:sld>
 </file>
 
-<file path=ppt/slides/slide37.xml><?xml version="1.0" encoding="utf-8"?>
+<file path=ppt/slides/slide38.xml><?xml version="1.0" encoding="utf-8"?>
 <p:sld xmlns:a="http://schemas.openxmlformats.org/drawingml/2006/main" xmlns:r="http://schemas.openxmlformats.org/officeDocument/2006/relationships" xmlns:p="http://schemas.openxmlformats.org/presentationml/2006/main">
   <p:cSld>
     <p:spTree>
@@ -22166,7 +22665,7 @@
 </p:sld>
 </file>
 
-<file path=ppt/slides/slide38.xml><?xml version="1.0" encoding="utf-8"?>
+<file path=ppt/slides/slide39.xml><?xml version="1.0" encoding="utf-8"?>
 <p:sld xmlns:a="http://schemas.openxmlformats.org/drawingml/2006/main" xmlns:r="http://schemas.openxmlformats.org/officeDocument/2006/relationships" xmlns:p="http://schemas.openxmlformats.org/presentationml/2006/main">
   <p:cSld>
     <p:spTree>
@@ -22740,254 +23239,6 @@
 </p:sld>
 </file>
 
-<file path=ppt/slides/slide39.xml><?xml version="1.0" encoding="utf-8"?>
-<p:sld xmlns:a="http://schemas.openxmlformats.org/drawingml/2006/main" xmlns:r="http://schemas.openxmlformats.org/officeDocument/2006/relationships" xmlns:p="http://schemas.openxmlformats.org/presentationml/2006/main">
-  <p:cSld>
-    <p:spTree>
-      <p:nvGrpSpPr>
-        <p:cNvPr id="1" name=""/>
-        <p:cNvGrpSpPr/>
-        <p:nvPr/>
-      </p:nvGrpSpPr>
-      <p:grpSpPr>
-        <a:xfrm>
-          <a:off x="0" y="0"/>
-          <a:ext cx="0" cy="0"/>
-          <a:chOff x="0" y="0"/>
-          <a:chExt cx="0" cy="0"/>
-        </a:xfrm>
-      </p:grpSpPr>
-      <p:sp>
-        <p:nvSpPr>
-          <p:cNvPr id="2" name="Title 1"/>
-          <p:cNvSpPr>
-            <a:spLocks noGrp="1"/>
-          </p:cNvSpPr>
-          <p:nvPr>
-            <p:ph type="title"/>
-          </p:nvPr>
-        </p:nvSpPr>
-        <p:spPr/>
-        <p:txBody>
-          <a:bodyPr/>
-          <a:lstStyle/>
-          <a:p>
-            <a:r>
-              <a:rPr lang="en-US" dirty="0" err="1" smtClean="0"/>
-              <a:t>Em</a:t>
-            </a:r>
-            <a:r>
-              <a:rPr lang="en-US" dirty="0" smtClean="0"/>
-              <a:t> </a:t>
-            </a:r>
-            <a:r>
-              <a:rPr lang="en-US" dirty="0" err="1" smtClean="0"/>
-              <a:t>resumo</a:t>
-            </a:r>
-            <a:r>
-              <a:rPr lang="en-US" dirty="0" smtClean="0"/>
-              <a:t>…</a:t>
-            </a:r>
-            <a:endParaRPr lang="pt-BR" dirty="0"/>
-          </a:p>
-        </p:txBody>
-      </p:sp>
-      <p:sp>
-        <p:nvSpPr>
-          <p:cNvPr id="5" name="TextBox 4"/>
-          <p:cNvSpPr txBox="1"/>
-          <p:nvPr/>
-        </p:nvSpPr>
-        <p:spPr>
-          <a:xfrm>
-            <a:off x="1259632" y="2443160"/>
-            <a:ext cx="7175150" cy="1754326"/>
-          </a:xfrm>
-          <a:prstGeom prst="rect">
-            <a:avLst/>
-          </a:prstGeom>
-          <a:solidFill>
-            <a:srgbClr val="FFFF00"/>
-          </a:solidFill>
-          <a:ln/>
-        </p:spPr>
-        <p:style>
-          <a:lnRef idx="2">
-            <a:schemeClr val="dk1"/>
-          </a:lnRef>
-          <a:fillRef idx="1">
-            <a:schemeClr val="lt1"/>
-          </a:fillRef>
-          <a:effectRef idx="0">
-            <a:schemeClr val="dk1"/>
-          </a:effectRef>
-          <a:fontRef idx="minor">
-            <a:schemeClr val="dk1"/>
-          </a:fontRef>
-        </p:style>
-        <p:txBody>
-          <a:bodyPr wrap="square" rtlCol="0">
-            <a:spAutoFit/>
-          </a:bodyPr>
-          <a:lstStyle/>
-          <a:p>
-            <a:pPr algn="ctr"/>
-            <a:r>
-              <a:rPr lang="en-US" sz="3600" dirty="0" smtClean="0">
-                <a:solidFill>
-                  <a:srgbClr val="05022C"/>
-                </a:solidFill>
-              </a:rPr>
-              <a:t>É </a:t>
-            </a:r>
-            <a:r>
-              <a:rPr lang="en-US" sz="3600" dirty="0" err="1" smtClean="0">
-                <a:solidFill>
-                  <a:srgbClr val="05022C"/>
-                </a:solidFill>
-              </a:rPr>
-              <a:t>necessário</a:t>
-            </a:r>
-            <a:r>
-              <a:rPr lang="en-US" sz="3600" dirty="0" smtClean="0">
-                <a:solidFill>
-                  <a:srgbClr val="05022C"/>
-                </a:solidFill>
-              </a:rPr>
-              <a:t> </a:t>
-            </a:r>
-            <a:r>
-              <a:rPr lang="en-US" sz="3600" b="1" dirty="0" err="1" smtClean="0">
-                <a:solidFill>
-                  <a:srgbClr val="05022C"/>
-                </a:solidFill>
-              </a:rPr>
-              <a:t>aproximar</a:t>
-            </a:r>
-            <a:r>
-              <a:rPr lang="en-US" sz="3600" b="1" dirty="0" smtClean="0">
-                <a:solidFill>
-                  <a:srgbClr val="05022C"/>
-                </a:solidFill>
-              </a:rPr>
-              <a:t> </a:t>
-            </a:r>
-            <a:r>
-              <a:rPr lang="en-US" sz="3600" b="1" dirty="0" err="1" smtClean="0">
-                <a:solidFill>
-                  <a:srgbClr val="05022C"/>
-                </a:solidFill>
-              </a:rPr>
-              <a:t>resultados</a:t>
-            </a:r>
-            <a:r>
-              <a:rPr lang="en-US" sz="3600" dirty="0" smtClean="0">
-                <a:solidFill>
-                  <a:srgbClr val="05022C"/>
-                </a:solidFill>
-              </a:rPr>
-              <a:t> para </a:t>
-            </a:r>
-            <a:r>
-              <a:rPr lang="en-US" sz="3600" dirty="0" err="1" smtClean="0">
-                <a:solidFill>
-                  <a:srgbClr val="05022C"/>
-                </a:solidFill>
-              </a:rPr>
-              <a:t>tratar</a:t>
-            </a:r>
-            <a:r>
-              <a:rPr lang="en-US" sz="3600" dirty="0" smtClean="0">
-                <a:solidFill>
-                  <a:srgbClr val="05022C"/>
-                </a:solidFill>
-              </a:rPr>
-              <a:t> </a:t>
-            </a:r>
-            <a:r>
-              <a:rPr lang="en-US" sz="3600" dirty="0" err="1" smtClean="0">
-                <a:solidFill>
-                  <a:srgbClr val="05022C"/>
-                </a:solidFill>
-              </a:rPr>
-              <a:t>propriedades</a:t>
-            </a:r>
-            <a:r>
-              <a:rPr lang="en-US" sz="3600" dirty="0" smtClean="0">
-                <a:solidFill>
-                  <a:srgbClr val="05022C"/>
-                </a:solidFill>
-              </a:rPr>
-              <a:t> </a:t>
-            </a:r>
-            <a:r>
-              <a:rPr lang="en-US" sz="3600" dirty="0" err="1" smtClean="0">
-                <a:solidFill>
-                  <a:srgbClr val="05022C"/>
-                </a:solidFill>
-              </a:rPr>
-              <a:t>complexas</a:t>
-            </a:r>
-            <a:r>
-              <a:rPr lang="en-US" sz="3600" dirty="0" smtClean="0">
-                <a:solidFill>
-                  <a:srgbClr val="05022C"/>
-                </a:solidFill>
-              </a:rPr>
-              <a:t> e </a:t>
-            </a:r>
-            <a:r>
-              <a:rPr lang="en-US" sz="3600" dirty="0" err="1" smtClean="0">
-                <a:solidFill>
-                  <a:srgbClr val="05022C"/>
-                </a:solidFill>
-              </a:rPr>
-              <a:t>problemas</a:t>
-            </a:r>
-            <a:r>
-              <a:rPr lang="en-US" sz="3600" dirty="0" smtClean="0">
-                <a:solidFill>
-                  <a:srgbClr val="05022C"/>
-                </a:solidFill>
-              </a:rPr>
-              <a:t> </a:t>
-            </a:r>
-            <a:r>
-              <a:rPr lang="en-US" sz="3600" dirty="0" err="1" smtClean="0">
-                <a:solidFill>
-                  <a:srgbClr val="05022C"/>
-                </a:solidFill>
-              </a:rPr>
-              <a:t>complexos</a:t>
-            </a:r>
-            <a:endParaRPr lang="pt-BR" sz="3600" dirty="0">
-              <a:solidFill>
-                <a:srgbClr val="05022C"/>
-              </a:solidFill>
-            </a:endParaRPr>
-          </a:p>
-        </p:txBody>
-      </p:sp>
-    </p:spTree>
-    <p:extLst>
-      <p:ext uri="{BB962C8B-B14F-4D97-AF65-F5344CB8AC3E}">
-        <p14:creationId xmlns:p14="http://schemas.microsoft.com/office/powerpoint/2010/main" val="4028651953"/>
-      </p:ext>
-    </p:extLst>
-  </p:cSld>
-  <p:clrMapOvr>
-    <a:masterClrMapping/>
-  </p:clrMapOvr>
-  <p:timing>
-    <p:tnLst>
-      <p:par>
-        <p:cTn id="1" dur="indefinite" restart="never" nodeType="tmRoot"/>
-      </p:par>
-    </p:tnLst>
-  </p:timing>
-</p:sld>
-</file>
-
 <file path=ppt/slides/slide4.xml><?xml version="1.0" encoding="utf-8"?>
 <p:sld xmlns:a="http://schemas.openxmlformats.org/drawingml/2006/main" xmlns:r="http://schemas.openxmlformats.org/officeDocument/2006/relationships" xmlns:p="http://schemas.openxmlformats.org/presentationml/2006/main">
   <p:cSld>
@@ -23080,6 +23331,254 @@
 </file>
 
 <file path=ppt/slides/slide40.xml><?xml version="1.0" encoding="utf-8"?>
+<p:sld xmlns:a="http://schemas.openxmlformats.org/drawingml/2006/main" xmlns:r="http://schemas.openxmlformats.org/officeDocument/2006/relationships" xmlns:p="http://schemas.openxmlformats.org/presentationml/2006/main">
+  <p:cSld>
+    <p:spTree>
+      <p:nvGrpSpPr>
+        <p:cNvPr id="1" name=""/>
+        <p:cNvGrpSpPr/>
+        <p:nvPr/>
+      </p:nvGrpSpPr>
+      <p:grpSpPr>
+        <a:xfrm>
+          <a:off x="0" y="0"/>
+          <a:ext cx="0" cy="0"/>
+          <a:chOff x="0" y="0"/>
+          <a:chExt cx="0" cy="0"/>
+        </a:xfrm>
+      </p:grpSpPr>
+      <p:sp>
+        <p:nvSpPr>
+          <p:cNvPr id="2" name="Title 1"/>
+          <p:cNvSpPr>
+            <a:spLocks noGrp="1"/>
+          </p:cNvSpPr>
+          <p:nvPr>
+            <p:ph type="title"/>
+          </p:nvPr>
+        </p:nvSpPr>
+        <p:spPr/>
+        <p:txBody>
+          <a:bodyPr/>
+          <a:lstStyle/>
+          <a:p>
+            <a:r>
+              <a:rPr lang="en-US" dirty="0" err="1" smtClean="0"/>
+              <a:t>Em</a:t>
+            </a:r>
+            <a:r>
+              <a:rPr lang="en-US" dirty="0" smtClean="0"/>
+              <a:t> </a:t>
+            </a:r>
+            <a:r>
+              <a:rPr lang="en-US" dirty="0" err="1" smtClean="0"/>
+              <a:t>resumo</a:t>
+            </a:r>
+            <a:r>
+              <a:rPr lang="en-US" dirty="0" smtClean="0"/>
+              <a:t>…</a:t>
+            </a:r>
+            <a:endParaRPr lang="pt-BR" dirty="0"/>
+          </a:p>
+        </p:txBody>
+      </p:sp>
+      <p:sp>
+        <p:nvSpPr>
+          <p:cNvPr id="5" name="TextBox 4"/>
+          <p:cNvSpPr txBox="1"/>
+          <p:nvPr/>
+        </p:nvSpPr>
+        <p:spPr>
+          <a:xfrm>
+            <a:off x="1259632" y="2443160"/>
+            <a:ext cx="7175150" cy="1754326"/>
+          </a:xfrm>
+          <a:prstGeom prst="rect">
+            <a:avLst/>
+          </a:prstGeom>
+          <a:solidFill>
+            <a:srgbClr val="FFFF00"/>
+          </a:solidFill>
+          <a:ln/>
+        </p:spPr>
+        <p:style>
+          <a:lnRef idx="2">
+            <a:schemeClr val="dk1"/>
+          </a:lnRef>
+          <a:fillRef idx="1">
+            <a:schemeClr val="lt1"/>
+          </a:fillRef>
+          <a:effectRef idx="0">
+            <a:schemeClr val="dk1"/>
+          </a:effectRef>
+          <a:fontRef idx="minor">
+            <a:schemeClr val="dk1"/>
+          </a:fontRef>
+        </p:style>
+        <p:txBody>
+          <a:bodyPr wrap="square" rtlCol="0">
+            <a:spAutoFit/>
+          </a:bodyPr>
+          <a:lstStyle/>
+          <a:p>
+            <a:pPr algn="ctr"/>
+            <a:r>
+              <a:rPr lang="en-US" sz="3600" dirty="0" smtClean="0">
+                <a:solidFill>
+                  <a:srgbClr val="05022C"/>
+                </a:solidFill>
+              </a:rPr>
+              <a:t>É </a:t>
+            </a:r>
+            <a:r>
+              <a:rPr lang="en-US" sz="3600" dirty="0" err="1" smtClean="0">
+                <a:solidFill>
+                  <a:srgbClr val="05022C"/>
+                </a:solidFill>
+              </a:rPr>
+              <a:t>necessário</a:t>
+            </a:r>
+            <a:r>
+              <a:rPr lang="en-US" sz="3600" dirty="0" smtClean="0">
+                <a:solidFill>
+                  <a:srgbClr val="05022C"/>
+                </a:solidFill>
+              </a:rPr>
+              <a:t> </a:t>
+            </a:r>
+            <a:r>
+              <a:rPr lang="en-US" sz="3600" b="1" dirty="0" err="1" smtClean="0">
+                <a:solidFill>
+                  <a:srgbClr val="05022C"/>
+                </a:solidFill>
+              </a:rPr>
+              <a:t>aproximar</a:t>
+            </a:r>
+            <a:r>
+              <a:rPr lang="en-US" sz="3600" b="1" dirty="0" smtClean="0">
+                <a:solidFill>
+                  <a:srgbClr val="05022C"/>
+                </a:solidFill>
+              </a:rPr>
+              <a:t> </a:t>
+            </a:r>
+            <a:r>
+              <a:rPr lang="en-US" sz="3600" b="1" dirty="0" err="1" smtClean="0">
+                <a:solidFill>
+                  <a:srgbClr val="05022C"/>
+                </a:solidFill>
+              </a:rPr>
+              <a:t>resultados</a:t>
+            </a:r>
+            <a:r>
+              <a:rPr lang="en-US" sz="3600" dirty="0" smtClean="0">
+                <a:solidFill>
+                  <a:srgbClr val="05022C"/>
+                </a:solidFill>
+              </a:rPr>
+              <a:t> para </a:t>
+            </a:r>
+            <a:r>
+              <a:rPr lang="en-US" sz="3600" dirty="0" err="1" smtClean="0">
+                <a:solidFill>
+                  <a:srgbClr val="05022C"/>
+                </a:solidFill>
+              </a:rPr>
+              <a:t>tratar</a:t>
+            </a:r>
+            <a:r>
+              <a:rPr lang="en-US" sz="3600" dirty="0" smtClean="0">
+                <a:solidFill>
+                  <a:srgbClr val="05022C"/>
+                </a:solidFill>
+              </a:rPr>
+              <a:t> </a:t>
+            </a:r>
+            <a:r>
+              <a:rPr lang="en-US" sz="3600" dirty="0" err="1" smtClean="0">
+                <a:solidFill>
+                  <a:srgbClr val="05022C"/>
+                </a:solidFill>
+              </a:rPr>
+              <a:t>propriedades</a:t>
+            </a:r>
+            <a:r>
+              <a:rPr lang="en-US" sz="3600" dirty="0" smtClean="0">
+                <a:solidFill>
+                  <a:srgbClr val="05022C"/>
+                </a:solidFill>
+              </a:rPr>
+              <a:t> </a:t>
+            </a:r>
+            <a:r>
+              <a:rPr lang="en-US" sz="3600" dirty="0" err="1" smtClean="0">
+                <a:solidFill>
+                  <a:srgbClr val="05022C"/>
+                </a:solidFill>
+              </a:rPr>
+              <a:t>complexas</a:t>
+            </a:r>
+            <a:r>
+              <a:rPr lang="en-US" sz="3600" dirty="0" smtClean="0">
+                <a:solidFill>
+                  <a:srgbClr val="05022C"/>
+                </a:solidFill>
+              </a:rPr>
+              <a:t> e </a:t>
+            </a:r>
+            <a:r>
+              <a:rPr lang="en-US" sz="3600" dirty="0" err="1" smtClean="0">
+                <a:solidFill>
+                  <a:srgbClr val="05022C"/>
+                </a:solidFill>
+              </a:rPr>
+              <a:t>problemas</a:t>
+            </a:r>
+            <a:r>
+              <a:rPr lang="en-US" sz="3600" dirty="0" smtClean="0">
+                <a:solidFill>
+                  <a:srgbClr val="05022C"/>
+                </a:solidFill>
+              </a:rPr>
+              <a:t> </a:t>
+            </a:r>
+            <a:r>
+              <a:rPr lang="en-US" sz="3600" dirty="0" err="1" smtClean="0">
+                <a:solidFill>
+                  <a:srgbClr val="05022C"/>
+                </a:solidFill>
+              </a:rPr>
+              <a:t>complexos</a:t>
+            </a:r>
+            <a:endParaRPr lang="pt-BR" sz="3600" dirty="0">
+              <a:solidFill>
+                <a:srgbClr val="05022C"/>
+              </a:solidFill>
+            </a:endParaRPr>
+          </a:p>
+        </p:txBody>
+      </p:sp>
+    </p:spTree>
+    <p:extLst>
+      <p:ext uri="{BB962C8B-B14F-4D97-AF65-F5344CB8AC3E}">
+        <p14:creationId xmlns:p14="http://schemas.microsoft.com/office/powerpoint/2010/main" val="4028651953"/>
+      </p:ext>
+    </p:extLst>
+  </p:cSld>
+  <p:clrMapOvr>
+    <a:masterClrMapping/>
+  </p:clrMapOvr>
+  <p:timing>
+    <p:tnLst>
+      <p:par>
+        <p:cTn id="1" dur="indefinite" restart="never" nodeType="tmRoot"/>
+      </p:par>
+    </p:tnLst>
+  </p:timing>
+</p:sld>
+</file>
+
+<file path=ppt/slides/slide41.xml><?xml version="1.0" encoding="utf-8"?>
 <p:sld xmlns:a="http://schemas.openxmlformats.org/drawingml/2006/main" xmlns:r="http://schemas.openxmlformats.org/officeDocument/2006/relationships" xmlns:p="http://schemas.openxmlformats.org/presentationml/2006/main">
   <p:cSld>
     <p:spTree>
@@ -23696,7 +24195,7 @@
 </p:sld>
 </file>
 
-<file path=ppt/slides/slide41.xml><?xml version="1.0" encoding="utf-8"?>
+<file path=ppt/slides/slide42.xml><?xml version="1.0" encoding="utf-8"?>
 <p:sld xmlns:a="http://schemas.openxmlformats.org/drawingml/2006/main" xmlns:r="http://schemas.openxmlformats.org/officeDocument/2006/relationships" xmlns:p="http://schemas.openxmlformats.org/presentationml/2006/main">
   <p:cSld>
     <p:spTree>
@@ -31378,1748 +31877,6 @@
 </p:sld>
 </file>
 
-<file path=ppt/slides/slide42.xml><?xml version="1.0" encoding="utf-8"?>
-<p:sld xmlns:a="http://schemas.openxmlformats.org/drawingml/2006/main" xmlns:r="http://schemas.openxmlformats.org/officeDocument/2006/relationships" xmlns:p="http://schemas.openxmlformats.org/presentationml/2006/main">
-  <p:cSld>
-    <p:spTree>
-      <p:nvGrpSpPr>
-        <p:cNvPr id="1" name=""/>
-        <p:cNvGrpSpPr/>
-        <p:nvPr/>
-      </p:nvGrpSpPr>
-      <p:grpSpPr>
-        <a:xfrm>
-          <a:off x="0" y="0"/>
-          <a:ext cx="0" cy="0"/>
-          <a:chOff x="0" y="0"/>
-          <a:chExt cx="0" cy="0"/>
-        </a:xfrm>
-      </p:grpSpPr>
-      <p:sp>
-        <p:nvSpPr>
-          <p:cNvPr id="2" name="Title 1"/>
-          <p:cNvSpPr>
-            <a:spLocks noGrp="1"/>
-          </p:cNvSpPr>
-          <p:nvPr>
-            <p:ph type="title"/>
-          </p:nvPr>
-        </p:nvSpPr>
-        <p:spPr>
-          <a:xfrm>
-            <a:off x="107504" y="274638"/>
-            <a:ext cx="8712968" cy="1143000"/>
-          </a:xfrm>
-        </p:spPr>
-        <p:txBody>
-          <a:bodyPr>
-            <a:normAutofit/>
-          </a:bodyPr>
-          <a:lstStyle/>
-          <a:p>
-            <a:r>
-              <a:rPr lang="en-US" dirty="0" err="1" smtClean="0"/>
-              <a:t>Definições</a:t>
-            </a:r>
-            <a:r>
-              <a:rPr lang="en-US" dirty="0" smtClean="0"/>
-              <a:t> </a:t>
-            </a:r>
-            <a:r>
-              <a:rPr lang="en-US" dirty="0" err="1" smtClean="0"/>
-              <a:t>Alcançáveis</a:t>
-            </a:r>
-            <a:r>
-              <a:rPr lang="en-US" dirty="0" smtClean="0"/>
-              <a:t> (RD) </a:t>
-            </a:r>
-            <a:r>
-              <a:rPr lang="en-US" dirty="0" err="1" smtClean="0"/>
-              <a:t>em</a:t>
-            </a:r>
-            <a:r>
-              <a:rPr lang="en-US" dirty="0" smtClean="0"/>
-              <a:t> SOOT</a:t>
-            </a:r>
-            <a:endParaRPr lang="pt-BR" dirty="0"/>
-          </a:p>
-        </p:txBody>
-      </p:sp>
-      <p:sp>
-        <p:nvSpPr>
-          <p:cNvPr id="5" name="TextBox 4"/>
-          <p:cNvSpPr txBox="1"/>
-          <p:nvPr/>
-        </p:nvSpPr>
-        <p:spPr>
-          <a:xfrm>
-            <a:off x="571472" y="1857364"/>
-            <a:ext cx="8036174" cy="3970318"/>
-          </a:xfrm>
-          <a:prstGeom prst="rect">
-            <a:avLst/>
-          </a:prstGeom>
-          <a:noFill/>
-        </p:spPr>
-        <p:txBody>
-          <a:bodyPr wrap="none" rtlCol="0">
-            <a:spAutoFit/>
-          </a:bodyPr>
-          <a:lstStyle/>
-          <a:p>
-            <a:r>
-              <a:rPr lang="en-US" sz="1200" b="1" dirty="0" smtClean="0">
-                <a:latin typeface="Courier New" pitchFamily="49" charset="0"/>
-                <a:cs typeface="Courier New" pitchFamily="49" charset="0"/>
-              </a:rPr>
-              <a:t>public</a:t>
-            </a:r>
-            <a:r>
-              <a:rPr lang="en-US" sz="1200" dirty="0" smtClean="0">
-                <a:latin typeface="Courier New" pitchFamily="49" charset="0"/>
-                <a:cs typeface="Courier New" pitchFamily="49" charset="0"/>
-              </a:rPr>
-              <a:t> </a:t>
-            </a:r>
-            <a:r>
-              <a:rPr lang="en-US" sz="1200" b="1" dirty="0" smtClean="0">
-                <a:latin typeface="Courier New" pitchFamily="49" charset="0"/>
-                <a:cs typeface="Courier New" pitchFamily="49" charset="0"/>
-              </a:rPr>
-              <a:t>class</a:t>
-            </a:r>
-            <a:r>
-              <a:rPr lang="en-US" sz="1200" dirty="0" smtClean="0">
-                <a:latin typeface="Courier New" pitchFamily="49" charset="0"/>
-                <a:cs typeface="Courier New" pitchFamily="49" charset="0"/>
-              </a:rPr>
-              <a:t> </a:t>
-            </a:r>
-            <a:r>
-              <a:rPr lang="en-US" sz="1200" dirty="0" err="1" smtClean="0">
-                <a:latin typeface="Courier New" pitchFamily="49" charset="0"/>
-                <a:cs typeface="Courier New" pitchFamily="49" charset="0"/>
-              </a:rPr>
-              <a:t>SimpleReachingDefinitions</a:t>
-            </a:r>
-            <a:r>
-              <a:rPr lang="en-US" sz="1200" dirty="0" smtClean="0">
-                <a:latin typeface="Courier New" pitchFamily="49" charset="0"/>
-                <a:cs typeface="Courier New" pitchFamily="49" charset="0"/>
-              </a:rPr>
-              <a:t> </a:t>
-            </a:r>
-            <a:r>
-              <a:rPr lang="en-US" sz="1200" b="1" dirty="0" smtClean="0">
-                <a:latin typeface="Courier New" pitchFamily="49" charset="0"/>
-                <a:cs typeface="Courier New" pitchFamily="49" charset="0"/>
-              </a:rPr>
-              <a:t>implements</a:t>
-            </a:r>
-            <a:r>
-              <a:rPr lang="en-US" sz="1200" dirty="0" smtClean="0">
-                <a:latin typeface="Courier New" pitchFamily="49" charset="0"/>
-                <a:cs typeface="Courier New" pitchFamily="49" charset="0"/>
-              </a:rPr>
-              <a:t> </a:t>
-            </a:r>
-            <a:r>
-              <a:rPr lang="en-US" sz="1200" dirty="0" err="1" smtClean="0">
-                <a:latin typeface="Courier New" pitchFamily="49" charset="0"/>
-                <a:cs typeface="Courier New" pitchFamily="49" charset="0"/>
-              </a:rPr>
-              <a:t>ReachingDefinitions</a:t>
-            </a:r>
-            <a:r>
-              <a:rPr lang="en-US" sz="1200" dirty="0" smtClean="0">
-                <a:latin typeface="Courier New" pitchFamily="49" charset="0"/>
-                <a:cs typeface="Courier New" pitchFamily="49" charset="0"/>
-              </a:rPr>
-              <a:t> </a:t>
-            </a:r>
-            <a:r>
-              <a:rPr lang="pt-BR" sz="1200" dirty="0" smtClean="0">
-                <a:latin typeface="Courier New" pitchFamily="49" charset="0"/>
-                <a:cs typeface="Courier New" pitchFamily="49" charset="0"/>
-              </a:rPr>
-              <a:t>{</a:t>
-            </a:r>
-          </a:p>
-          <a:p>
-            <a:r>
-              <a:rPr lang="pt-BR" sz="1200" dirty="0" smtClean="0">
-                <a:latin typeface="Courier New" pitchFamily="49" charset="0"/>
-                <a:cs typeface="Courier New" pitchFamily="49" charset="0"/>
-              </a:rPr>
-              <a:t>  </a:t>
-            </a:r>
-            <a:r>
-              <a:rPr lang="pt-BR" sz="1200" b="1" dirty="0" err="1" smtClean="0">
-                <a:latin typeface="Courier New" pitchFamily="49" charset="0"/>
-                <a:cs typeface="Courier New" pitchFamily="49" charset="0"/>
-              </a:rPr>
-              <a:t>private</a:t>
-            </a:r>
-            <a:r>
-              <a:rPr lang="pt-BR" sz="1200" dirty="0" smtClean="0">
-                <a:latin typeface="Courier New" pitchFamily="49" charset="0"/>
-                <a:cs typeface="Courier New" pitchFamily="49" charset="0"/>
-              </a:rPr>
-              <a:t> </a:t>
-            </a:r>
-            <a:r>
-              <a:rPr lang="pt-BR" sz="1200" dirty="0" err="1" smtClean="0">
-                <a:latin typeface="Courier New" pitchFamily="49" charset="0"/>
-                <a:cs typeface="Courier New" pitchFamily="49" charset="0"/>
-              </a:rPr>
-              <a:t>HashMap</a:t>
-            </a:r>
-            <a:r>
-              <a:rPr lang="pt-BR" sz="1200" dirty="0" smtClean="0">
-                <a:latin typeface="Courier New" pitchFamily="49" charset="0"/>
-                <a:cs typeface="Courier New" pitchFamily="49" charset="0"/>
-              </a:rPr>
-              <a:t>&lt;</a:t>
-            </a:r>
-            <a:r>
-              <a:rPr lang="pt-BR" sz="1200" dirty="0" err="1" smtClean="0">
-                <a:latin typeface="Courier New" pitchFamily="49" charset="0"/>
-                <a:cs typeface="Courier New" pitchFamily="49" charset="0"/>
-              </a:rPr>
-              <a:t>Unit</a:t>
-            </a:r>
-            <a:r>
-              <a:rPr lang="pt-BR" sz="1200" dirty="0" smtClean="0">
-                <a:latin typeface="Courier New" pitchFamily="49" charset="0"/>
-                <a:cs typeface="Courier New" pitchFamily="49" charset="0"/>
-              </a:rPr>
-              <a:t>,</a:t>
-            </a:r>
-            <a:r>
-              <a:rPr lang="pt-BR" sz="1200" dirty="0" err="1" smtClean="0">
-                <a:latin typeface="Courier New" pitchFamily="49" charset="0"/>
-                <a:cs typeface="Courier New" pitchFamily="49" charset="0"/>
-              </a:rPr>
-              <a:t>List</a:t>
-            </a:r>
-            <a:r>
-              <a:rPr lang="pt-BR" sz="1200" dirty="0" smtClean="0">
-                <a:latin typeface="Courier New" pitchFamily="49" charset="0"/>
-                <a:cs typeface="Courier New" pitchFamily="49" charset="0"/>
-              </a:rPr>
-              <a:t>&lt;</a:t>
-            </a:r>
-            <a:r>
-              <a:rPr lang="pt-BR" sz="1200" dirty="0" err="1" smtClean="0">
-                <a:latin typeface="Courier New" pitchFamily="49" charset="0"/>
-                <a:cs typeface="Courier New" pitchFamily="49" charset="0"/>
-              </a:rPr>
-              <a:t>Definition</a:t>
-            </a:r>
-            <a:r>
-              <a:rPr lang="pt-BR" sz="1200" dirty="0" smtClean="0">
-                <a:latin typeface="Courier New" pitchFamily="49" charset="0"/>
-                <a:cs typeface="Courier New" pitchFamily="49" charset="0"/>
-              </a:rPr>
-              <a:t>&gt;&gt; </a:t>
-            </a:r>
-            <a:r>
-              <a:rPr lang="pt-BR" sz="1200" dirty="0" err="1" smtClean="0">
-                <a:latin typeface="Courier New" pitchFamily="49" charset="0"/>
-                <a:cs typeface="Courier New" pitchFamily="49" charset="0"/>
-              </a:rPr>
-              <a:t>unitToDefinitionAfter</a:t>
-            </a:r>
-            <a:r>
-              <a:rPr lang="pt-BR" sz="1200" dirty="0" smtClean="0">
-                <a:latin typeface="Courier New" pitchFamily="49" charset="0"/>
-                <a:cs typeface="Courier New" pitchFamily="49" charset="0"/>
-              </a:rPr>
-              <a:t>;</a:t>
-            </a:r>
-          </a:p>
-          <a:p>
-            <a:r>
-              <a:rPr lang="pt-BR" sz="1200" dirty="0" smtClean="0">
-                <a:latin typeface="Courier New" pitchFamily="49" charset="0"/>
-                <a:cs typeface="Courier New" pitchFamily="49" charset="0"/>
-              </a:rPr>
-              <a:t>  </a:t>
-            </a:r>
-            <a:r>
-              <a:rPr lang="pt-BR" sz="1200" b="1" dirty="0" err="1" smtClean="0">
-                <a:latin typeface="Courier New" pitchFamily="49" charset="0"/>
-                <a:cs typeface="Courier New" pitchFamily="49" charset="0"/>
-              </a:rPr>
-              <a:t>private</a:t>
-            </a:r>
-            <a:r>
-              <a:rPr lang="pt-BR" sz="1200" dirty="0" smtClean="0">
-                <a:latin typeface="Courier New" pitchFamily="49" charset="0"/>
-                <a:cs typeface="Courier New" pitchFamily="49" charset="0"/>
-              </a:rPr>
-              <a:t> </a:t>
-            </a:r>
-            <a:r>
-              <a:rPr lang="pt-BR" sz="1200" dirty="0" err="1" smtClean="0">
-                <a:latin typeface="Courier New" pitchFamily="49" charset="0"/>
-                <a:cs typeface="Courier New" pitchFamily="49" charset="0"/>
-              </a:rPr>
-              <a:t>HashMap</a:t>
-            </a:r>
-            <a:r>
-              <a:rPr lang="pt-BR" sz="1200" dirty="0" smtClean="0">
-                <a:latin typeface="Courier New" pitchFamily="49" charset="0"/>
-                <a:cs typeface="Courier New" pitchFamily="49" charset="0"/>
-              </a:rPr>
-              <a:t>&lt;</a:t>
-            </a:r>
-            <a:r>
-              <a:rPr lang="pt-BR" sz="1200" dirty="0" err="1" smtClean="0">
-                <a:latin typeface="Courier New" pitchFamily="49" charset="0"/>
-                <a:cs typeface="Courier New" pitchFamily="49" charset="0"/>
-              </a:rPr>
-              <a:t>Unit</a:t>
-            </a:r>
-            <a:r>
-              <a:rPr lang="pt-BR" sz="1200" dirty="0" smtClean="0">
-                <a:latin typeface="Courier New" pitchFamily="49" charset="0"/>
-                <a:cs typeface="Courier New" pitchFamily="49" charset="0"/>
-              </a:rPr>
-              <a:t>,</a:t>
-            </a:r>
-            <a:r>
-              <a:rPr lang="pt-BR" sz="1200" dirty="0" err="1" smtClean="0">
-                <a:latin typeface="Courier New" pitchFamily="49" charset="0"/>
-                <a:cs typeface="Courier New" pitchFamily="49" charset="0"/>
-              </a:rPr>
-              <a:t>List</a:t>
-            </a:r>
-            <a:r>
-              <a:rPr lang="pt-BR" sz="1200" dirty="0" smtClean="0">
-                <a:latin typeface="Courier New" pitchFamily="49" charset="0"/>
-                <a:cs typeface="Courier New" pitchFamily="49" charset="0"/>
-              </a:rPr>
-              <a:t>&lt;</a:t>
-            </a:r>
-            <a:r>
-              <a:rPr lang="pt-BR" sz="1200" dirty="0" err="1" smtClean="0">
-                <a:latin typeface="Courier New" pitchFamily="49" charset="0"/>
-                <a:cs typeface="Courier New" pitchFamily="49" charset="0"/>
-              </a:rPr>
-              <a:t>Definition</a:t>
-            </a:r>
-            <a:r>
-              <a:rPr lang="pt-BR" sz="1200" dirty="0" smtClean="0">
-                <a:latin typeface="Courier New" pitchFamily="49" charset="0"/>
-                <a:cs typeface="Courier New" pitchFamily="49" charset="0"/>
-              </a:rPr>
-              <a:t>&gt;&gt; </a:t>
-            </a:r>
-            <a:r>
-              <a:rPr lang="pt-BR" sz="1200" dirty="0" err="1" smtClean="0">
-                <a:latin typeface="Courier New" pitchFamily="49" charset="0"/>
-                <a:cs typeface="Courier New" pitchFamily="49" charset="0"/>
-              </a:rPr>
-              <a:t>unitToDefinitionBefore</a:t>
-            </a:r>
-            <a:r>
-              <a:rPr lang="pt-BR" sz="1200" dirty="0" smtClean="0">
-                <a:latin typeface="Courier New" pitchFamily="49" charset="0"/>
-                <a:cs typeface="Courier New" pitchFamily="49" charset="0"/>
-              </a:rPr>
-              <a:t>;</a:t>
-            </a:r>
-          </a:p>
-          <a:p>
-            <a:r>
-              <a:rPr lang="pt-BR" sz="1200" dirty="0" smtClean="0">
-                <a:latin typeface="Courier New" pitchFamily="49" charset="0"/>
-                <a:cs typeface="Courier New" pitchFamily="49" charset="0"/>
-              </a:rPr>
-              <a:t>  </a:t>
-            </a:r>
-            <a:r>
-              <a:rPr lang="pt-BR" sz="1200" b="1" dirty="0" err="1" smtClean="0">
-                <a:latin typeface="Courier New" pitchFamily="49" charset="0"/>
-                <a:cs typeface="Courier New" pitchFamily="49" charset="0"/>
-              </a:rPr>
-              <a:t>public</a:t>
-            </a:r>
-            <a:r>
-              <a:rPr lang="pt-BR" sz="1200" dirty="0" smtClean="0">
-                <a:latin typeface="Courier New" pitchFamily="49" charset="0"/>
-                <a:cs typeface="Courier New" pitchFamily="49" charset="0"/>
-              </a:rPr>
-              <a:t> </a:t>
-            </a:r>
-            <a:r>
-              <a:rPr lang="pt-BR" sz="1200" dirty="0" err="1" smtClean="0">
-                <a:latin typeface="Courier New" pitchFamily="49" charset="0"/>
-                <a:cs typeface="Courier New" pitchFamily="49" charset="0"/>
-              </a:rPr>
-              <a:t>SimpleReachingDefinitions</a:t>
-            </a:r>
-            <a:r>
-              <a:rPr lang="pt-BR" sz="1200" dirty="0" smtClean="0">
-                <a:latin typeface="Courier New" pitchFamily="49" charset="0"/>
-                <a:cs typeface="Courier New" pitchFamily="49" charset="0"/>
-              </a:rPr>
-              <a:t>(</a:t>
-            </a:r>
-            <a:r>
-              <a:rPr lang="pt-BR" sz="1200" dirty="0" err="1" smtClean="0">
-                <a:latin typeface="Courier New" pitchFamily="49" charset="0"/>
-                <a:cs typeface="Courier New" pitchFamily="49" charset="0"/>
-              </a:rPr>
-              <a:t>DirectedGraph</a:t>
-            </a:r>
-            <a:r>
-              <a:rPr lang="pt-BR" sz="1200" dirty="0" smtClean="0">
-                <a:latin typeface="Courier New" pitchFamily="49" charset="0"/>
-                <a:cs typeface="Courier New" pitchFamily="49" charset="0"/>
-              </a:rPr>
-              <a:t>&lt;</a:t>
-            </a:r>
-            <a:r>
-              <a:rPr lang="pt-BR" sz="1200" dirty="0" err="1" smtClean="0">
-                <a:latin typeface="Courier New" pitchFamily="49" charset="0"/>
-                <a:cs typeface="Courier New" pitchFamily="49" charset="0"/>
-              </a:rPr>
-              <a:t>Unit</a:t>
-            </a:r>
-            <a:r>
-              <a:rPr lang="pt-BR" sz="1200" dirty="0" smtClean="0">
-                <a:latin typeface="Courier New" pitchFamily="49" charset="0"/>
-                <a:cs typeface="Courier New" pitchFamily="49" charset="0"/>
-              </a:rPr>
-              <a:t>&gt; </a:t>
-            </a:r>
-            <a:r>
-              <a:rPr lang="pt-BR" sz="1200" dirty="0" err="1" smtClean="0">
-                <a:latin typeface="Courier New" pitchFamily="49" charset="0"/>
-                <a:cs typeface="Courier New" pitchFamily="49" charset="0"/>
-              </a:rPr>
-              <a:t>graph</a:t>
-            </a:r>
-            <a:r>
-              <a:rPr lang="pt-BR" sz="1200" dirty="0" smtClean="0">
-                <a:latin typeface="Courier New" pitchFamily="49" charset="0"/>
-                <a:cs typeface="Courier New" pitchFamily="49" charset="0"/>
-              </a:rPr>
-              <a:t>) {</a:t>
-            </a:r>
-            <a:r>
-              <a:rPr lang="en-US" sz="1200" dirty="0" smtClean="0">
-                <a:latin typeface="Courier New" pitchFamily="49" charset="0"/>
-                <a:cs typeface="Courier New" pitchFamily="49" charset="0"/>
-              </a:rPr>
-              <a:t>/*WORK*/}</a:t>
-            </a:r>
-          </a:p>
-          <a:p>
-            <a:r>
-              <a:rPr lang="pt-BR" sz="1200" dirty="0" smtClean="0">
-                <a:latin typeface="Courier New" pitchFamily="49" charset="0"/>
-                <a:cs typeface="Courier New" pitchFamily="49" charset="0"/>
-              </a:rPr>
-              <a:t>  </a:t>
-            </a:r>
-            <a:r>
-              <a:rPr lang="pt-BR" sz="1200" b="1" dirty="0" err="1" smtClean="0">
-                <a:latin typeface="Courier New" pitchFamily="49" charset="0"/>
-                <a:cs typeface="Courier New" pitchFamily="49" charset="0"/>
-              </a:rPr>
-              <a:t>public</a:t>
-            </a:r>
-            <a:r>
-              <a:rPr lang="pt-BR" sz="1200" dirty="0" smtClean="0">
-                <a:latin typeface="Courier New" pitchFamily="49" charset="0"/>
-                <a:cs typeface="Courier New" pitchFamily="49" charset="0"/>
-              </a:rPr>
-              <a:t> </a:t>
-            </a:r>
-            <a:r>
-              <a:rPr lang="pt-BR" sz="1200" dirty="0" err="1" smtClean="0">
-                <a:latin typeface="Courier New" pitchFamily="49" charset="0"/>
-                <a:cs typeface="Courier New" pitchFamily="49" charset="0"/>
-              </a:rPr>
-              <a:t>List</a:t>
-            </a:r>
-            <a:r>
-              <a:rPr lang="pt-BR" sz="1200" dirty="0" smtClean="0">
-                <a:latin typeface="Courier New" pitchFamily="49" charset="0"/>
-                <a:cs typeface="Courier New" pitchFamily="49" charset="0"/>
-              </a:rPr>
-              <a:t>&lt;</a:t>
-            </a:r>
-            <a:r>
-              <a:rPr lang="pt-BR" sz="1200" dirty="0" err="1" smtClean="0">
-                <a:latin typeface="Courier New" pitchFamily="49" charset="0"/>
-                <a:cs typeface="Courier New" pitchFamily="49" charset="0"/>
-              </a:rPr>
-              <a:t>Definition</a:t>
-            </a:r>
-            <a:r>
-              <a:rPr lang="pt-BR" sz="1200" dirty="0" smtClean="0">
-                <a:latin typeface="Courier New" pitchFamily="49" charset="0"/>
-                <a:cs typeface="Courier New" pitchFamily="49" charset="0"/>
-              </a:rPr>
-              <a:t>&gt; </a:t>
-            </a:r>
-            <a:r>
-              <a:rPr lang="pt-BR" sz="1200" dirty="0" err="1" smtClean="0">
-                <a:latin typeface="Courier New" pitchFamily="49" charset="0"/>
-                <a:cs typeface="Courier New" pitchFamily="49" charset="0"/>
-              </a:rPr>
-              <a:t>getReachingDefinitionsAfter</a:t>
-            </a:r>
-            <a:r>
-              <a:rPr lang="pt-BR" sz="1200" dirty="0" smtClean="0">
-                <a:latin typeface="Courier New" pitchFamily="49" charset="0"/>
-                <a:cs typeface="Courier New" pitchFamily="49" charset="0"/>
-              </a:rPr>
-              <a:t>(</a:t>
-            </a:r>
-            <a:r>
-              <a:rPr lang="pt-BR" sz="1200" dirty="0" err="1" smtClean="0">
-                <a:latin typeface="Courier New" pitchFamily="49" charset="0"/>
-                <a:cs typeface="Courier New" pitchFamily="49" charset="0"/>
-              </a:rPr>
-              <a:t>Unit</a:t>
-            </a:r>
-            <a:r>
-              <a:rPr lang="pt-BR" sz="1200" dirty="0" smtClean="0">
-                <a:latin typeface="Courier New" pitchFamily="49" charset="0"/>
-                <a:cs typeface="Courier New" pitchFamily="49" charset="0"/>
-              </a:rPr>
-              <a:t> _</a:t>
-            </a:r>
-            <a:r>
-              <a:rPr lang="pt-BR" sz="1200" dirty="0" err="1" smtClean="0">
-                <a:latin typeface="Courier New" pitchFamily="49" charset="0"/>
-                <a:cs typeface="Courier New" pitchFamily="49" charset="0"/>
-              </a:rPr>
-              <a:t>unit</a:t>
-            </a:r>
-            <a:r>
-              <a:rPr lang="pt-BR" sz="1200" dirty="0" smtClean="0">
-                <a:latin typeface="Courier New" pitchFamily="49" charset="0"/>
-                <a:cs typeface="Courier New" pitchFamily="49" charset="0"/>
-              </a:rPr>
-              <a:t>) { </a:t>
-            </a:r>
-          </a:p>
-          <a:p>
-            <a:r>
-              <a:rPr lang="pt-BR" sz="1200" dirty="0" smtClean="0">
-                <a:latin typeface="Courier New" pitchFamily="49" charset="0"/>
-                <a:cs typeface="Courier New" pitchFamily="49" charset="0"/>
-              </a:rPr>
-              <a:t>    </a:t>
-            </a:r>
-            <a:r>
-              <a:rPr lang="pt-BR" sz="1200" b="1" dirty="0" err="1" smtClean="0">
-                <a:latin typeface="Courier New" pitchFamily="49" charset="0"/>
-                <a:cs typeface="Courier New" pitchFamily="49" charset="0"/>
-              </a:rPr>
-              <a:t>return</a:t>
-            </a:r>
-            <a:r>
-              <a:rPr lang="pt-BR" sz="1200" dirty="0" smtClean="0">
-                <a:latin typeface="Courier New" pitchFamily="49" charset="0"/>
-                <a:cs typeface="Courier New" pitchFamily="49" charset="0"/>
-              </a:rPr>
-              <a:t> </a:t>
-            </a:r>
-            <a:r>
-              <a:rPr lang="pt-BR" sz="1200" dirty="0" err="1" smtClean="0">
-                <a:latin typeface="Courier New" pitchFamily="49" charset="0"/>
-                <a:cs typeface="Courier New" pitchFamily="49" charset="0"/>
-              </a:rPr>
-              <a:t>this</a:t>
-            </a:r>
-            <a:r>
-              <a:rPr lang="pt-BR" sz="1200" dirty="0" smtClean="0">
-                <a:latin typeface="Courier New" pitchFamily="49" charset="0"/>
-                <a:cs typeface="Courier New" pitchFamily="49" charset="0"/>
-              </a:rPr>
-              <a:t>.</a:t>
-            </a:r>
-            <a:r>
-              <a:rPr lang="pt-BR" sz="1200" dirty="0" err="1" smtClean="0">
-                <a:latin typeface="Courier New" pitchFamily="49" charset="0"/>
-                <a:cs typeface="Courier New" pitchFamily="49" charset="0"/>
-              </a:rPr>
-              <a:t>unitToDefinitionAfter</a:t>
-            </a:r>
-            <a:r>
-              <a:rPr lang="pt-BR" sz="1200" dirty="0" smtClean="0">
-                <a:latin typeface="Courier New" pitchFamily="49" charset="0"/>
-                <a:cs typeface="Courier New" pitchFamily="49" charset="0"/>
-              </a:rPr>
-              <a:t>.</a:t>
-            </a:r>
-            <a:r>
-              <a:rPr lang="pt-BR" sz="1200" dirty="0" err="1" smtClean="0">
-                <a:latin typeface="Courier New" pitchFamily="49" charset="0"/>
-                <a:cs typeface="Courier New" pitchFamily="49" charset="0"/>
-              </a:rPr>
-              <a:t>get</a:t>
-            </a:r>
-            <a:r>
-              <a:rPr lang="pt-BR" sz="1200" dirty="0" smtClean="0">
-                <a:latin typeface="Courier New" pitchFamily="49" charset="0"/>
-                <a:cs typeface="Courier New" pitchFamily="49" charset="0"/>
-              </a:rPr>
-              <a:t>(_</a:t>
-            </a:r>
-            <a:r>
-              <a:rPr lang="pt-BR" sz="1200" dirty="0" err="1" smtClean="0">
-                <a:latin typeface="Courier New" pitchFamily="49" charset="0"/>
-                <a:cs typeface="Courier New" pitchFamily="49" charset="0"/>
-              </a:rPr>
-              <a:t>unit</a:t>
-            </a:r>
-            <a:r>
-              <a:rPr lang="pt-BR" sz="1200" dirty="0" smtClean="0">
-                <a:latin typeface="Courier New" pitchFamily="49" charset="0"/>
-                <a:cs typeface="Courier New" pitchFamily="49" charset="0"/>
-              </a:rPr>
-              <a:t>);}</a:t>
-            </a:r>
-          </a:p>
-          <a:p>
-            <a:r>
-              <a:rPr lang="pt-BR" sz="1200" dirty="0" smtClean="0">
-                <a:latin typeface="Courier New" pitchFamily="49" charset="0"/>
-                <a:cs typeface="Courier New" pitchFamily="49" charset="0"/>
-              </a:rPr>
-              <a:t>  </a:t>
-            </a:r>
-            <a:r>
-              <a:rPr lang="pt-BR" sz="1200" b="1" dirty="0" err="1" smtClean="0">
-                <a:latin typeface="Courier New" pitchFamily="49" charset="0"/>
-                <a:cs typeface="Courier New" pitchFamily="49" charset="0"/>
-              </a:rPr>
-              <a:t>public</a:t>
-            </a:r>
-            <a:r>
-              <a:rPr lang="pt-BR" sz="1200" dirty="0" smtClean="0">
-                <a:latin typeface="Courier New" pitchFamily="49" charset="0"/>
-                <a:cs typeface="Courier New" pitchFamily="49" charset="0"/>
-              </a:rPr>
-              <a:t> </a:t>
-            </a:r>
-            <a:r>
-              <a:rPr lang="pt-BR" sz="1200" dirty="0" err="1" smtClean="0">
-                <a:latin typeface="Courier New" pitchFamily="49" charset="0"/>
-                <a:cs typeface="Courier New" pitchFamily="49" charset="0"/>
-              </a:rPr>
-              <a:t>List</a:t>
-            </a:r>
-            <a:r>
-              <a:rPr lang="pt-BR" sz="1200" dirty="0" smtClean="0">
-                <a:latin typeface="Courier New" pitchFamily="49" charset="0"/>
-                <a:cs typeface="Courier New" pitchFamily="49" charset="0"/>
-              </a:rPr>
-              <a:t>&lt;</a:t>
-            </a:r>
-            <a:r>
-              <a:rPr lang="pt-BR" sz="1200" dirty="0" err="1" smtClean="0">
-                <a:latin typeface="Courier New" pitchFamily="49" charset="0"/>
-                <a:cs typeface="Courier New" pitchFamily="49" charset="0"/>
-              </a:rPr>
-              <a:t>Definition</a:t>
-            </a:r>
-            <a:r>
-              <a:rPr lang="pt-BR" sz="1200" dirty="0" smtClean="0">
-                <a:latin typeface="Courier New" pitchFamily="49" charset="0"/>
-                <a:cs typeface="Courier New" pitchFamily="49" charset="0"/>
-              </a:rPr>
-              <a:t>&gt; </a:t>
-            </a:r>
-            <a:r>
-              <a:rPr lang="pt-BR" sz="1200" dirty="0" err="1" smtClean="0">
-                <a:latin typeface="Courier New" pitchFamily="49" charset="0"/>
-                <a:cs typeface="Courier New" pitchFamily="49" charset="0"/>
-              </a:rPr>
-              <a:t>getReachingDefinitionsBefore</a:t>
-            </a:r>
-            <a:r>
-              <a:rPr lang="pt-BR" sz="1200" dirty="0" smtClean="0">
-                <a:latin typeface="Courier New" pitchFamily="49" charset="0"/>
-                <a:cs typeface="Courier New" pitchFamily="49" charset="0"/>
-              </a:rPr>
-              <a:t>(</a:t>
-            </a:r>
-            <a:r>
-              <a:rPr lang="pt-BR" sz="1200" dirty="0" err="1" smtClean="0">
-                <a:latin typeface="Courier New" pitchFamily="49" charset="0"/>
-                <a:cs typeface="Courier New" pitchFamily="49" charset="0"/>
-              </a:rPr>
-              <a:t>Unit</a:t>
-            </a:r>
-            <a:r>
-              <a:rPr lang="pt-BR" sz="1200" dirty="0" smtClean="0">
-                <a:latin typeface="Courier New" pitchFamily="49" charset="0"/>
-                <a:cs typeface="Courier New" pitchFamily="49" charset="0"/>
-              </a:rPr>
-              <a:t> _</a:t>
-            </a:r>
-            <a:r>
-              <a:rPr lang="pt-BR" sz="1200" dirty="0" err="1" smtClean="0">
-                <a:latin typeface="Courier New" pitchFamily="49" charset="0"/>
-                <a:cs typeface="Courier New" pitchFamily="49" charset="0"/>
-              </a:rPr>
-              <a:t>unit</a:t>
-            </a:r>
-            <a:r>
-              <a:rPr lang="pt-BR" sz="1200" dirty="0" smtClean="0">
-                <a:latin typeface="Courier New" pitchFamily="49" charset="0"/>
-                <a:cs typeface="Courier New" pitchFamily="49" charset="0"/>
-              </a:rPr>
-              <a:t>) {</a:t>
-            </a:r>
-          </a:p>
-          <a:p>
-            <a:r>
-              <a:rPr lang="pt-BR" sz="1200" dirty="0" smtClean="0">
-                <a:latin typeface="Courier New" pitchFamily="49" charset="0"/>
-                <a:cs typeface="Courier New" pitchFamily="49" charset="0"/>
-              </a:rPr>
-              <a:t>    </a:t>
-            </a:r>
-            <a:r>
-              <a:rPr lang="pt-BR" sz="1200" b="1" dirty="0" err="1" smtClean="0">
-                <a:latin typeface="Courier New" pitchFamily="49" charset="0"/>
-                <a:cs typeface="Courier New" pitchFamily="49" charset="0"/>
-              </a:rPr>
-              <a:t>return</a:t>
-            </a:r>
-            <a:r>
-              <a:rPr lang="pt-BR" sz="1200" dirty="0" smtClean="0">
-                <a:latin typeface="Courier New" pitchFamily="49" charset="0"/>
-                <a:cs typeface="Courier New" pitchFamily="49" charset="0"/>
-              </a:rPr>
-              <a:t> </a:t>
-            </a:r>
-            <a:r>
-              <a:rPr lang="pt-BR" sz="1200" dirty="0" err="1" smtClean="0">
-                <a:latin typeface="Courier New" pitchFamily="49" charset="0"/>
-                <a:cs typeface="Courier New" pitchFamily="49" charset="0"/>
-              </a:rPr>
-              <a:t>this</a:t>
-            </a:r>
-            <a:r>
-              <a:rPr lang="pt-BR" sz="1200" dirty="0" smtClean="0">
-                <a:latin typeface="Courier New" pitchFamily="49" charset="0"/>
-                <a:cs typeface="Courier New" pitchFamily="49" charset="0"/>
-              </a:rPr>
-              <a:t>.</a:t>
-            </a:r>
-            <a:r>
-              <a:rPr lang="pt-BR" sz="1200" dirty="0" err="1" smtClean="0">
-                <a:latin typeface="Courier New" pitchFamily="49" charset="0"/>
-                <a:cs typeface="Courier New" pitchFamily="49" charset="0"/>
-              </a:rPr>
-              <a:t>unitToDefinitionBefore</a:t>
-            </a:r>
-            <a:r>
-              <a:rPr lang="pt-BR" sz="1200" dirty="0" smtClean="0">
-                <a:latin typeface="Courier New" pitchFamily="49" charset="0"/>
-                <a:cs typeface="Courier New" pitchFamily="49" charset="0"/>
-              </a:rPr>
-              <a:t>.</a:t>
-            </a:r>
-            <a:r>
-              <a:rPr lang="pt-BR" sz="1200" dirty="0" err="1" smtClean="0">
-                <a:latin typeface="Courier New" pitchFamily="49" charset="0"/>
-                <a:cs typeface="Courier New" pitchFamily="49" charset="0"/>
-              </a:rPr>
-              <a:t>get</a:t>
-            </a:r>
-            <a:r>
-              <a:rPr lang="pt-BR" sz="1200" dirty="0" smtClean="0">
-                <a:latin typeface="Courier New" pitchFamily="49" charset="0"/>
-                <a:cs typeface="Courier New" pitchFamily="49" charset="0"/>
-              </a:rPr>
-              <a:t>(_</a:t>
-            </a:r>
-            <a:r>
-              <a:rPr lang="pt-BR" sz="1200" dirty="0" err="1" smtClean="0">
-                <a:latin typeface="Courier New" pitchFamily="49" charset="0"/>
-                <a:cs typeface="Courier New" pitchFamily="49" charset="0"/>
-              </a:rPr>
-              <a:t>unit</a:t>
-            </a:r>
-            <a:r>
-              <a:rPr lang="pt-BR" sz="1200" dirty="0" smtClean="0">
-                <a:latin typeface="Courier New" pitchFamily="49" charset="0"/>
-                <a:cs typeface="Courier New" pitchFamily="49" charset="0"/>
-              </a:rPr>
-              <a:t>);}</a:t>
-            </a:r>
-          </a:p>
-          <a:p>
-            <a:r>
-              <a:rPr lang="en-US" sz="1200" dirty="0" smtClean="0">
-                <a:latin typeface="Courier New" pitchFamily="49" charset="0"/>
-                <a:cs typeface="Courier New" pitchFamily="49" charset="0"/>
-              </a:rPr>
-              <a:t>}</a:t>
-            </a:r>
-          </a:p>
-          <a:p>
-            <a:r>
-              <a:rPr lang="en-US" sz="1200" b="1" dirty="0" smtClean="0">
-                <a:latin typeface="Courier New" pitchFamily="49" charset="0"/>
-                <a:cs typeface="Courier New" pitchFamily="49" charset="0"/>
-              </a:rPr>
-              <a:t>class</a:t>
-            </a:r>
-            <a:r>
-              <a:rPr lang="en-US" sz="1200" dirty="0" smtClean="0">
-                <a:latin typeface="Courier New" pitchFamily="49" charset="0"/>
-                <a:cs typeface="Courier New" pitchFamily="49" charset="0"/>
-              </a:rPr>
-              <a:t> </a:t>
-            </a:r>
-            <a:r>
-              <a:rPr lang="en-US" sz="1200" dirty="0" err="1" smtClean="0">
-                <a:latin typeface="Courier New" pitchFamily="49" charset="0"/>
-                <a:cs typeface="Courier New" pitchFamily="49" charset="0"/>
-              </a:rPr>
-              <a:t>SimpleReachingDefinitionsAnalysis</a:t>
-            </a:r>
-            <a:r>
-              <a:rPr lang="en-US" sz="1200" dirty="0" smtClean="0">
-                <a:latin typeface="Courier New" pitchFamily="49" charset="0"/>
-                <a:cs typeface="Courier New" pitchFamily="49" charset="0"/>
-              </a:rPr>
-              <a:t> </a:t>
-            </a:r>
-            <a:r>
-              <a:rPr lang="en-US" sz="1200" b="1" dirty="0" smtClean="0">
-                <a:latin typeface="Courier New" pitchFamily="49" charset="0"/>
-                <a:cs typeface="Courier New" pitchFamily="49" charset="0"/>
-              </a:rPr>
-              <a:t>extends</a:t>
-            </a:r>
-            <a:r>
-              <a:rPr lang="en-US" sz="1200" dirty="0" smtClean="0">
-                <a:latin typeface="Courier New" pitchFamily="49" charset="0"/>
-                <a:cs typeface="Courier New" pitchFamily="49" charset="0"/>
-              </a:rPr>
-              <a:t> </a:t>
-            </a:r>
-            <a:r>
-              <a:rPr lang="en-US" sz="1200" dirty="0" err="1" smtClean="0">
-                <a:latin typeface="Courier New" pitchFamily="49" charset="0"/>
-                <a:cs typeface="Courier New" pitchFamily="49" charset="0"/>
-              </a:rPr>
-              <a:t>ForwardFlowAnalysis</a:t>
-            </a:r>
-            <a:r>
-              <a:rPr lang="en-US" sz="1200" dirty="0" smtClean="0">
-                <a:latin typeface="Courier New" pitchFamily="49" charset="0"/>
-                <a:cs typeface="Courier New" pitchFamily="49" charset="0"/>
-              </a:rPr>
-              <a:t>&lt;Unit, </a:t>
-            </a:r>
-            <a:r>
-              <a:rPr lang="en-US" sz="1200" dirty="0" err="1" smtClean="0">
-                <a:latin typeface="Courier New" pitchFamily="49" charset="0"/>
-                <a:cs typeface="Courier New" pitchFamily="49" charset="0"/>
-              </a:rPr>
-              <a:t>FlowSet</a:t>
-            </a:r>
-            <a:r>
-              <a:rPr lang="en-US" sz="1200" dirty="0" smtClean="0">
-                <a:latin typeface="Courier New" pitchFamily="49" charset="0"/>
-                <a:cs typeface="Courier New" pitchFamily="49" charset="0"/>
-              </a:rPr>
-              <a:t>&gt; {</a:t>
-            </a:r>
-          </a:p>
-          <a:p>
-            <a:r>
-              <a:rPr lang="pt-BR" sz="1200" dirty="0" smtClean="0">
-                <a:latin typeface="Courier New" pitchFamily="49" charset="0"/>
-                <a:cs typeface="Courier New" pitchFamily="49" charset="0"/>
-              </a:rPr>
-              <a:t>  </a:t>
-            </a:r>
-            <a:r>
-              <a:rPr lang="pt-BR" sz="1200" b="1" dirty="0" err="1" smtClean="0">
-                <a:latin typeface="Courier New" pitchFamily="49" charset="0"/>
-                <a:cs typeface="Courier New" pitchFamily="49" charset="0"/>
-              </a:rPr>
-              <a:t>private</a:t>
-            </a:r>
-            <a:r>
-              <a:rPr lang="pt-BR" sz="1200" dirty="0" smtClean="0">
-                <a:latin typeface="Courier New" pitchFamily="49" charset="0"/>
-                <a:cs typeface="Courier New" pitchFamily="49" charset="0"/>
-              </a:rPr>
-              <a:t> </a:t>
-            </a:r>
-            <a:r>
-              <a:rPr lang="pt-BR" sz="1200" dirty="0" err="1" smtClean="0">
-                <a:latin typeface="Courier New" pitchFamily="49" charset="0"/>
-                <a:cs typeface="Courier New" pitchFamily="49" charset="0"/>
-              </a:rPr>
-              <a:t>FlowSet</a:t>
-            </a:r>
-            <a:r>
-              <a:rPr lang="pt-BR" sz="1200" dirty="0" smtClean="0">
-                <a:latin typeface="Courier New" pitchFamily="49" charset="0"/>
-                <a:cs typeface="Courier New" pitchFamily="49" charset="0"/>
-              </a:rPr>
-              <a:t> </a:t>
-            </a:r>
-            <a:r>
-              <a:rPr lang="pt-BR" sz="1200" dirty="0" err="1" smtClean="0">
-                <a:latin typeface="Courier New" pitchFamily="49" charset="0"/>
-                <a:cs typeface="Courier New" pitchFamily="49" charset="0"/>
-              </a:rPr>
-              <a:t>emptySet</a:t>
-            </a:r>
-            <a:r>
-              <a:rPr lang="pt-BR" sz="1200" dirty="0" smtClean="0">
-                <a:latin typeface="Courier New" pitchFamily="49" charset="0"/>
-                <a:cs typeface="Courier New" pitchFamily="49" charset="0"/>
-              </a:rPr>
-              <a:t>;</a:t>
-            </a:r>
-          </a:p>
-          <a:p>
-            <a:r>
-              <a:rPr lang="pt-BR" sz="1200" dirty="0" smtClean="0">
-                <a:latin typeface="Courier New" pitchFamily="49" charset="0"/>
-                <a:cs typeface="Courier New" pitchFamily="49" charset="0"/>
-              </a:rPr>
-              <a:t>  </a:t>
-            </a:r>
-            <a:r>
-              <a:rPr lang="pt-BR" sz="1200" b="1" dirty="0" err="1" smtClean="0">
-                <a:latin typeface="Courier New" pitchFamily="49" charset="0"/>
-                <a:cs typeface="Courier New" pitchFamily="49" charset="0"/>
-              </a:rPr>
-              <a:t>public</a:t>
-            </a:r>
-            <a:r>
-              <a:rPr lang="pt-BR" sz="1200" dirty="0" smtClean="0">
-                <a:latin typeface="Courier New" pitchFamily="49" charset="0"/>
-                <a:cs typeface="Courier New" pitchFamily="49" charset="0"/>
-              </a:rPr>
-              <a:t> </a:t>
-            </a:r>
-            <a:r>
-              <a:rPr lang="pt-BR" sz="1200" dirty="0" err="1" smtClean="0">
-                <a:latin typeface="Courier New" pitchFamily="49" charset="0"/>
-                <a:cs typeface="Courier New" pitchFamily="49" charset="0"/>
-              </a:rPr>
-              <a:t>SimpleReachingDefinitionsAnalysis</a:t>
-            </a:r>
-            <a:r>
-              <a:rPr lang="pt-BR" sz="1200" dirty="0" smtClean="0">
-                <a:latin typeface="Courier New" pitchFamily="49" charset="0"/>
-                <a:cs typeface="Courier New" pitchFamily="49" charset="0"/>
-              </a:rPr>
-              <a:t>(</a:t>
-            </a:r>
-            <a:r>
-              <a:rPr lang="pt-BR" sz="1200" dirty="0" err="1" smtClean="0">
-                <a:latin typeface="Courier New" pitchFamily="49" charset="0"/>
-                <a:cs typeface="Courier New" pitchFamily="49" charset="0"/>
-              </a:rPr>
-              <a:t>DirectedGraph</a:t>
-            </a:r>
-            <a:r>
-              <a:rPr lang="pt-BR" sz="1200" dirty="0" smtClean="0">
-                <a:latin typeface="Courier New" pitchFamily="49" charset="0"/>
-                <a:cs typeface="Courier New" pitchFamily="49" charset="0"/>
-              </a:rPr>
-              <a:t>&lt;</a:t>
-            </a:r>
-            <a:r>
-              <a:rPr lang="pt-BR" sz="1200" dirty="0" err="1" smtClean="0">
-                <a:latin typeface="Courier New" pitchFamily="49" charset="0"/>
-                <a:cs typeface="Courier New" pitchFamily="49" charset="0"/>
-              </a:rPr>
-              <a:t>Unit</a:t>
-            </a:r>
-            <a:r>
-              <a:rPr lang="pt-BR" sz="1200" dirty="0" smtClean="0">
-                <a:latin typeface="Courier New" pitchFamily="49" charset="0"/>
-                <a:cs typeface="Courier New" pitchFamily="49" charset="0"/>
-              </a:rPr>
-              <a:t>&gt; _</a:t>
-            </a:r>
-            <a:r>
-              <a:rPr lang="pt-BR" sz="1200" dirty="0" err="1" smtClean="0">
-                <a:latin typeface="Courier New" pitchFamily="49" charset="0"/>
-                <a:cs typeface="Courier New" pitchFamily="49" charset="0"/>
-              </a:rPr>
-              <a:t>graph</a:t>
-            </a:r>
-            <a:r>
-              <a:rPr lang="pt-BR" sz="1200" dirty="0" smtClean="0">
-                <a:latin typeface="Courier New" pitchFamily="49" charset="0"/>
-                <a:cs typeface="Courier New" pitchFamily="49" charset="0"/>
-              </a:rPr>
-              <a:t>) { /*INIT*/}</a:t>
-            </a:r>
-          </a:p>
-          <a:p>
-            <a:r>
-              <a:rPr lang="en-US" sz="1200" dirty="0" smtClean="0">
-                <a:latin typeface="Courier New" pitchFamily="49" charset="0"/>
-                <a:cs typeface="Courier New" pitchFamily="49" charset="0"/>
-              </a:rPr>
-              <a:t>  </a:t>
-            </a:r>
-            <a:r>
-              <a:rPr lang="en-US" sz="1200" b="1" dirty="0" smtClean="0">
-                <a:latin typeface="Courier New" pitchFamily="49" charset="0"/>
-                <a:cs typeface="Courier New" pitchFamily="49" charset="0"/>
-              </a:rPr>
-              <a:t>protected</a:t>
-            </a:r>
-            <a:r>
-              <a:rPr lang="en-US" sz="1200" dirty="0" smtClean="0">
-                <a:latin typeface="Courier New" pitchFamily="49" charset="0"/>
-                <a:cs typeface="Courier New" pitchFamily="49" charset="0"/>
-              </a:rPr>
-              <a:t> </a:t>
-            </a:r>
-            <a:r>
-              <a:rPr lang="en-US" sz="1200" b="1" dirty="0" smtClean="0">
-                <a:latin typeface="Courier New" pitchFamily="49" charset="0"/>
-                <a:cs typeface="Courier New" pitchFamily="49" charset="0"/>
-              </a:rPr>
-              <a:t>void</a:t>
-            </a:r>
-            <a:r>
-              <a:rPr lang="en-US" sz="1200" dirty="0" smtClean="0">
-                <a:latin typeface="Courier New" pitchFamily="49" charset="0"/>
-                <a:cs typeface="Courier New" pitchFamily="49" charset="0"/>
-              </a:rPr>
-              <a:t> copy(</a:t>
-            </a:r>
-            <a:r>
-              <a:rPr lang="en-US" sz="1200" dirty="0" err="1" smtClean="0">
-                <a:latin typeface="Courier New" pitchFamily="49" charset="0"/>
-                <a:cs typeface="Courier New" pitchFamily="49" charset="0"/>
-              </a:rPr>
-              <a:t>FlowSet</a:t>
-            </a:r>
-            <a:r>
-              <a:rPr lang="en-US" sz="1200" dirty="0" smtClean="0">
-                <a:latin typeface="Courier New" pitchFamily="49" charset="0"/>
-                <a:cs typeface="Courier New" pitchFamily="49" charset="0"/>
-              </a:rPr>
-              <a:t> _source, </a:t>
-            </a:r>
-            <a:r>
-              <a:rPr lang="en-US" sz="1200" dirty="0" err="1" smtClean="0">
-                <a:latin typeface="Courier New" pitchFamily="49" charset="0"/>
-                <a:cs typeface="Courier New" pitchFamily="49" charset="0"/>
-              </a:rPr>
-              <a:t>FlowSet</a:t>
-            </a:r>
-            <a:r>
-              <a:rPr lang="en-US" sz="1200" dirty="0" smtClean="0">
-                <a:latin typeface="Courier New" pitchFamily="49" charset="0"/>
-                <a:cs typeface="Courier New" pitchFamily="49" charset="0"/>
-              </a:rPr>
-              <a:t> _</a:t>
-            </a:r>
-            <a:r>
-              <a:rPr lang="en-US" sz="1200" dirty="0" err="1" smtClean="0">
-                <a:latin typeface="Courier New" pitchFamily="49" charset="0"/>
-                <a:cs typeface="Courier New" pitchFamily="49" charset="0"/>
-              </a:rPr>
-              <a:t>dest</a:t>
-            </a:r>
-            <a:r>
-              <a:rPr lang="en-US" sz="1200" dirty="0" smtClean="0">
-                <a:latin typeface="Courier New" pitchFamily="49" charset="0"/>
-                <a:cs typeface="Courier New" pitchFamily="49" charset="0"/>
-              </a:rPr>
-              <a:t>) { …}</a:t>
-            </a:r>
-          </a:p>
-          <a:p>
-            <a:r>
-              <a:rPr lang="en-US" sz="1200" dirty="0" smtClean="0">
-                <a:latin typeface="Courier New" pitchFamily="49" charset="0"/>
-                <a:cs typeface="Courier New" pitchFamily="49" charset="0"/>
-              </a:rPr>
-              <a:t>  </a:t>
-            </a:r>
-            <a:r>
-              <a:rPr lang="en-US" sz="1200" b="1" dirty="0" smtClean="0">
-                <a:latin typeface="Courier New" pitchFamily="49" charset="0"/>
-                <a:cs typeface="Courier New" pitchFamily="49" charset="0"/>
-              </a:rPr>
-              <a:t>protected</a:t>
-            </a:r>
-            <a:r>
-              <a:rPr lang="en-US" sz="1200" dirty="0" smtClean="0">
-                <a:latin typeface="Courier New" pitchFamily="49" charset="0"/>
-                <a:cs typeface="Courier New" pitchFamily="49" charset="0"/>
-              </a:rPr>
-              <a:t> </a:t>
-            </a:r>
-            <a:r>
-              <a:rPr lang="en-US" sz="1200" b="1" dirty="0" smtClean="0">
-                <a:latin typeface="Courier New" pitchFamily="49" charset="0"/>
-                <a:cs typeface="Courier New" pitchFamily="49" charset="0"/>
-              </a:rPr>
-              <a:t>void</a:t>
-            </a:r>
-            <a:r>
-              <a:rPr lang="en-US" sz="1200" dirty="0" smtClean="0">
-                <a:latin typeface="Courier New" pitchFamily="49" charset="0"/>
-                <a:cs typeface="Courier New" pitchFamily="49" charset="0"/>
-              </a:rPr>
-              <a:t> copy(</a:t>
-            </a:r>
-            <a:r>
-              <a:rPr lang="en-US" sz="1200" dirty="0" err="1" smtClean="0">
-                <a:latin typeface="Courier New" pitchFamily="49" charset="0"/>
-                <a:cs typeface="Courier New" pitchFamily="49" charset="0"/>
-              </a:rPr>
-              <a:t>FlowSet</a:t>
-            </a:r>
-            <a:r>
-              <a:rPr lang="en-US" sz="1200" dirty="0" smtClean="0">
-                <a:latin typeface="Courier New" pitchFamily="49" charset="0"/>
-                <a:cs typeface="Courier New" pitchFamily="49" charset="0"/>
-              </a:rPr>
-              <a:t> _source, </a:t>
-            </a:r>
-            <a:r>
-              <a:rPr lang="en-US" sz="1200" dirty="0" err="1" smtClean="0">
-                <a:latin typeface="Courier New" pitchFamily="49" charset="0"/>
-                <a:cs typeface="Courier New" pitchFamily="49" charset="0"/>
-              </a:rPr>
-              <a:t>FlowSet</a:t>
-            </a:r>
-            <a:r>
-              <a:rPr lang="en-US" sz="1200" dirty="0" smtClean="0">
-                <a:latin typeface="Courier New" pitchFamily="49" charset="0"/>
-                <a:cs typeface="Courier New" pitchFamily="49" charset="0"/>
-              </a:rPr>
-              <a:t> _</a:t>
-            </a:r>
-            <a:r>
-              <a:rPr lang="en-US" sz="1200" dirty="0" err="1" smtClean="0">
-                <a:latin typeface="Courier New" pitchFamily="49" charset="0"/>
-                <a:cs typeface="Courier New" pitchFamily="49" charset="0"/>
-              </a:rPr>
-              <a:t>dest</a:t>
-            </a:r>
-            <a:r>
-              <a:rPr lang="en-US" sz="1200" dirty="0" smtClean="0">
-                <a:latin typeface="Courier New" pitchFamily="49" charset="0"/>
-                <a:cs typeface="Courier New" pitchFamily="49" charset="0"/>
-              </a:rPr>
-              <a:t>) { …}</a:t>
-            </a:r>
-          </a:p>
-          <a:p>
-            <a:r>
-              <a:rPr lang="pt-BR" sz="1200" dirty="0" smtClean="0">
-                <a:latin typeface="Courier New" pitchFamily="49" charset="0"/>
-                <a:cs typeface="Courier New" pitchFamily="49" charset="0"/>
-              </a:rPr>
-              <a:t>  </a:t>
-            </a:r>
-            <a:r>
-              <a:rPr lang="pt-BR" sz="1200" b="1" dirty="0" err="1" smtClean="0">
-                <a:latin typeface="Courier New" pitchFamily="49" charset="0"/>
-                <a:cs typeface="Courier New" pitchFamily="49" charset="0"/>
-              </a:rPr>
-              <a:t>protected</a:t>
-            </a:r>
-            <a:r>
-              <a:rPr lang="pt-BR" sz="1200" dirty="0" smtClean="0">
-                <a:latin typeface="Courier New" pitchFamily="49" charset="0"/>
-                <a:cs typeface="Courier New" pitchFamily="49" charset="0"/>
-              </a:rPr>
-              <a:t> </a:t>
-            </a:r>
-            <a:r>
-              <a:rPr lang="pt-BR" sz="1200" b="1" dirty="0" err="1" smtClean="0">
-                <a:latin typeface="Courier New" pitchFamily="49" charset="0"/>
-                <a:cs typeface="Courier New" pitchFamily="49" charset="0"/>
-              </a:rPr>
-              <a:t>void</a:t>
-            </a:r>
-            <a:r>
-              <a:rPr lang="pt-BR" sz="1200" dirty="0" smtClean="0">
-                <a:latin typeface="Courier New" pitchFamily="49" charset="0"/>
-                <a:cs typeface="Courier New" pitchFamily="49" charset="0"/>
-              </a:rPr>
-              <a:t> merge(</a:t>
-            </a:r>
-            <a:r>
-              <a:rPr lang="pt-BR" sz="1200" dirty="0" err="1" smtClean="0">
-                <a:latin typeface="Courier New" pitchFamily="49" charset="0"/>
-                <a:cs typeface="Courier New" pitchFamily="49" charset="0"/>
-              </a:rPr>
-              <a:t>FlowSet</a:t>
-            </a:r>
-            <a:r>
-              <a:rPr lang="pt-BR" sz="1200" dirty="0" smtClean="0">
-                <a:latin typeface="Courier New" pitchFamily="49" charset="0"/>
-                <a:cs typeface="Courier New" pitchFamily="49" charset="0"/>
-              </a:rPr>
-              <a:t> _source1, </a:t>
-            </a:r>
-            <a:r>
-              <a:rPr lang="pt-BR" sz="1200" dirty="0" err="1" smtClean="0">
-                <a:latin typeface="Courier New" pitchFamily="49" charset="0"/>
-                <a:cs typeface="Courier New" pitchFamily="49" charset="0"/>
-              </a:rPr>
-              <a:t>FlowSet</a:t>
-            </a:r>
-            <a:r>
-              <a:rPr lang="pt-BR" sz="1200" dirty="0" smtClean="0">
-                <a:latin typeface="Courier New" pitchFamily="49" charset="0"/>
-                <a:cs typeface="Courier New" pitchFamily="49" charset="0"/>
-              </a:rPr>
-              <a:t> _source2, </a:t>
-            </a:r>
-            <a:r>
-              <a:rPr lang="pt-BR" sz="1200" dirty="0" err="1" smtClean="0">
-                <a:latin typeface="Courier New" pitchFamily="49" charset="0"/>
-                <a:cs typeface="Courier New" pitchFamily="49" charset="0"/>
-              </a:rPr>
-              <a:t>FlowSet</a:t>
-            </a:r>
-            <a:r>
-              <a:rPr lang="pt-BR" sz="1200" dirty="0" smtClean="0">
-                <a:latin typeface="Courier New" pitchFamily="49" charset="0"/>
-                <a:cs typeface="Courier New" pitchFamily="49" charset="0"/>
-              </a:rPr>
-              <a:t> _</a:t>
-            </a:r>
-            <a:r>
-              <a:rPr lang="pt-BR" sz="1200" dirty="0" err="1" smtClean="0">
-                <a:latin typeface="Courier New" pitchFamily="49" charset="0"/>
-                <a:cs typeface="Courier New" pitchFamily="49" charset="0"/>
-              </a:rPr>
-              <a:t>dest</a:t>
-            </a:r>
-            <a:r>
-              <a:rPr lang="pt-BR" sz="1200" dirty="0" smtClean="0">
-                <a:latin typeface="Courier New" pitchFamily="49" charset="0"/>
-                <a:cs typeface="Courier New" pitchFamily="49" charset="0"/>
-              </a:rPr>
-              <a:t>) { ...}</a:t>
-            </a:r>
-          </a:p>
-          <a:p>
-            <a:r>
-              <a:rPr lang="pt-BR" sz="1200" dirty="0" smtClean="0">
-                <a:latin typeface="Courier New" pitchFamily="49" charset="0"/>
-                <a:cs typeface="Courier New" pitchFamily="49" charset="0"/>
-              </a:rPr>
-              <a:t>  </a:t>
-            </a:r>
-            <a:r>
-              <a:rPr lang="pt-BR" sz="1200" b="1" dirty="0" err="1" smtClean="0">
-                <a:latin typeface="Courier New" pitchFamily="49" charset="0"/>
-                <a:cs typeface="Courier New" pitchFamily="49" charset="0"/>
-              </a:rPr>
-              <a:t>protected</a:t>
-            </a:r>
-            <a:r>
-              <a:rPr lang="pt-BR" sz="1200" dirty="0" smtClean="0">
-                <a:latin typeface="Courier New" pitchFamily="49" charset="0"/>
-                <a:cs typeface="Courier New" pitchFamily="49" charset="0"/>
-              </a:rPr>
-              <a:t> </a:t>
-            </a:r>
-            <a:r>
-              <a:rPr lang="pt-BR" sz="1200" dirty="0" err="1" smtClean="0">
-                <a:latin typeface="Courier New" pitchFamily="49" charset="0"/>
-                <a:cs typeface="Courier New" pitchFamily="49" charset="0"/>
-              </a:rPr>
-              <a:t>FlowSet</a:t>
-            </a:r>
-            <a:r>
-              <a:rPr lang="pt-BR" sz="1200" dirty="0" smtClean="0">
-                <a:latin typeface="Courier New" pitchFamily="49" charset="0"/>
-                <a:cs typeface="Courier New" pitchFamily="49" charset="0"/>
-              </a:rPr>
-              <a:t> </a:t>
-            </a:r>
-            <a:r>
-              <a:rPr lang="pt-BR" sz="1200" dirty="0" err="1" smtClean="0">
-                <a:latin typeface="Courier New" pitchFamily="49" charset="0"/>
-                <a:cs typeface="Courier New" pitchFamily="49" charset="0"/>
-              </a:rPr>
-              <a:t>entryInitialFlow</a:t>
-            </a:r>
-            <a:r>
-              <a:rPr lang="pt-BR" sz="1200" dirty="0" smtClean="0">
-                <a:latin typeface="Courier New" pitchFamily="49" charset="0"/>
-                <a:cs typeface="Courier New" pitchFamily="49" charset="0"/>
-              </a:rPr>
-              <a:t>() { ...}</a:t>
-            </a:r>
-          </a:p>
-          <a:p>
-            <a:r>
-              <a:rPr lang="pt-BR" sz="1200" dirty="0" smtClean="0">
-                <a:latin typeface="Courier New" pitchFamily="49" charset="0"/>
-                <a:cs typeface="Courier New" pitchFamily="49" charset="0"/>
-              </a:rPr>
-              <a:t>  </a:t>
-            </a:r>
-            <a:r>
-              <a:rPr lang="pt-BR" sz="1200" b="1" dirty="0" err="1" smtClean="0">
-                <a:latin typeface="Courier New" pitchFamily="49" charset="0"/>
-                <a:cs typeface="Courier New" pitchFamily="49" charset="0"/>
-              </a:rPr>
-              <a:t>protected</a:t>
-            </a:r>
-            <a:r>
-              <a:rPr lang="pt-BR" sz="1200" dirty="0" smtClean="0">
-                <a:latin typeface="Courier New" pitchFamily="49" charset="0"/>
-                <a:cs typeface="Courier New" pitchFamily="49" charset="0"/>
-              </a:rPr>
-              <a:t> </a:t>
-            </a:r>
-            <a:r>
-              <a:rPr lang="pt-BR" sz="1200" dirty="0" err="1" smtClean="0">
-                <a:latin typeface="Courier New" pitchFamily="49" charset="0"/>
-                <a:cs typeface="Courier New" pitchFamily="49" charset="0"/>
-              </a:rPr>
-              <a:t>FlowSet</a:t>
-            </a:r>
-            <a:r>
-              <a:rPr lang="pt-BR" sz="1200" dirty="0" smtClean="0">
-                <a:latin typeface="Courier New" pitchFamily="49" charset="0"/>
-                <a:cs typeface="Courier New" pitchFamily="49" charset="0"/>
-              </a:rPr>
-              <a:t> </a:t>
-            </a:r>
-            <a:r>
-              <a:rPr lang="pt-BR" sz="1200" dirty="0" err="1" smtClean="0">
-                <a:latin typeface="Courier New" pitchFamily="49" charset="0"/>
-                <a:cs typeface="Courier New" pitchFamily="49" charset="0"/>
-              </a:rPr>
-              <a:t>newInitialFlow</a:t>
-            </a:r>
-            <a:r>
-              <a:rPr lang="pt-BR" sz="1200" dirty="0" smtClean="0">
-                <a:latin typeface="Courier New" pitchFamily="49" charset="0"/>
-                <a:cs typeface="Courier New" pitchFamily="49" charset="0"/>
-              </a:rPr>
-              <a:t>() { ...}</a:t>
-            </a:r>
-          </a:p>
-          <a:p>
-            <a:r>
-              <a:rPr lang="en-US" sz="1200" dirty="0" smtClean="0">
-                <a:latin typeface="Courier New" pitchFamily="49" charset="0"/>
-                <a:cs typeface="Courier New" pitchFamily="49" charset="0"/>
-              </a:rPr>
-              <a:t>  </a:t>
-            </a:r>
-            <a:r>
-              <a:rPr lang="en-US" sz="1200" b="1" dirty="0" smtClean="0">
-                <a:latin typeface="Courier New" pitchFamily="49" charset="0"/>
-                <a:cs typeface="Courier New" pitchFamily="49" charset="0"/>
-              </a:rPr>
-              <a:t>protected</a:t>
-            </a:r>
-            <a:r>
-              <a:rPr lang="en-US" sz="1200" dirty="0" smtClean="0">
-                <a:latin typeface="Courier New" pitchFamily="49" charset="0"/>
-                <a:cs typeface="Courier New" pitchFamily="49" charset="0"/>
-              </a:rPr>
-              <a:t> </a:t>
-            </a:r>
-            <a:r>
-              <a:rPr lang="en-US" sz="1200" b="1" dirty="0" smtClean="0">
-                <a:latin typeface="Courier New" pitchFamily="49" charset="0"/>
-                <a:cs typeface="Courier New" pitchFamily="49" charset="0"/>
-              </a:rPr>
-              <a:t>void</a:t>
-            </a:r>
-            <a:r>
-              <a:rPr lang="en-US" sz="1200" dirty="0" smtClean="0">
-                <a:latin typeface="Courier New" pitchFamily="49" charset="0"/>
-                <a:cs typeface="Courier New" pitchFamily="49" charset="0"/>
-              </a:rPr>
-              <a:t> </a:t>
-            </a:r>
-            <a:r>
-              <a:rPr lang="en-US" sz="1200" dirty="0" err="1" smtClean="0">
-                <a:latin typeface="Courier New" pitchFamily="49" charset="0"/>
-                <a:cs typeface="Courier New" pitchFamily="49" charset="0"/>
-              </a:rPr>
-              <a:t>flowThrough</a:t>
-            </a:r>
-            <a:r>
-              <a:rPr lang="en-US" sz="1200" dirty="0" smtClean="0">
-                <a:latin typeface="Courier New" pitchFamily="49" charset="0"/>
-                <a:cs typeface="Courier New" pitchFamily="49" charset="0"/>
-              </a:rPr>
-              <a:t>(</a:t>
-            </a:r>
-            <a:r>
-              <a:rPr lang="en-US" sz="1200" dirty="0" err="1" smtClean="0">
-                <a:latin typeface="Courier New" pitchFamily="49" charset="0"/>
-                <a:cs typeface="Courier New" pitchFamily="49" charset="0"/>
-              </a:rPr>
-              <a:t>FlowSet</a:t>
-            </a:r>
-            <a:r>
-              <a:rPr lang="en-US" sz="1200" dirty="0" smtClean="0">
-                <a:latin typeface="Courier New" pitchFamily="49" charset="0"/>
-                <a:cs typeface="Courier New" pitchFamily="49" charset="0"/>
-              </a:rPr>
-              <a:t> _source, Unit _unit, </a:t>
-            </a:r>
-            <a:r>
-              <a:rPr lang="en-US" sz="1200" dirty="0" err="1" smtClean="0">
-                <a:latin typeface="Courier New" pitchFamily="49" charset="0"/>
-                <a:cs typeface="Courier New" pitchFamily="49" charset="0"/>
-              </a:rPr>
-              <a:t>FlowSet</a:t>
-            </a:r>
-            <a:r>
-              <a:rPr lang="en-US" sz="1200" dirty="0" smtClean="0">
-                <a:latin typeface="Courier New" pitchFamily="49" charset="0"/>
-                <a:cs typeface="Courier New" pitchFamily="49" charset="0"/>
-              </a:rPr>
-              <a:t> _</a:t>
-            </a:r>
-            <a:r>
-              <a:rPr lang="en-US" sz="1200" dirty="0" err="1" smtClean="0">
-                <a:latin typeface="Courier New" pitchFamily="49" charset="0"/>
-                <a:cs typeface="Courier New" pitchFamily="49" charset="0"/>
-              </a:rPr>
-              <a:t>dest</a:t>
-            </a:r>
-            <a:r>
-              <a:rPr lang="en-US" sz="1200" dirty="0" smtClean="0">
-                <a:latin typeface="Courier New" pitchFamily="49" charset="0"/>
-                <a:cs typeface="Courier New" pitchFamily="49" charset="0"/>
-              </a:rPr>
-              <a:t>)</a:t>
-            </a:r>
-            <a:r>
-              <a:rPr lang="pt-BR" sz="1200" dirty="0" smtClean="0">
-                <a:latin typeface="Courier New" pitchFamily="49" charset="0"/>
-                <a:cs typeface="Courier New" pitchFamily="49" charset="0"/>
-              </a:rPr>
-              <a:t>	{...}</a:t>
-            </a:r>
-          </a:p>
-          <a:p>
-            <a:r>
-              <a:rPr lang="pt-BR" sz="1200" dirty="0" smtClean="0">
-                <a:latin typeface="Courier New" pitchFamily="49" charset="0"/>
-                <a:cs typeface="Courier New" pitchFamily="49" charset="0"/>
-              </a:rPr>
-              <a:t>  </a:t>
-            </a:r>
-            <a:r>
-              <a:rPr lang="pt-BR" sz="1200" b="1" dirty="0" err="1" smtClean="0">
-                <a:latin typeface="Courier New" pitchFamily="49" charset="0"/>
-                <a:cs typeface="Courier New" pitchFamily="49" charset="0"/>
-              </a:rPr>
-              <a:t>private</a:t>
-            </a:r>
-            <a:r>
-              <a:rPr lang="pt-BR" sz="1200" dirty="0" smtClean="0">
-                <a:latin typeface="Courier New" pitchFamily="49" charset="0"/>
-                <a:cs typeface="Courier New" pitchFamily="49" charset="0"/>
-              </a:rPr>
-              <a:t> </a:t>
-            </a:r>
-            <a:r>
-              <a:rPr lang="pt-BR" sz="1200" b="1" dirty="0" err="1" smtClean="0">
-                <a:latin typeface="Courier New" pitchFamily="49" charset="0"/>
-                <a:cs typeface="Courier New" pitchFamily="49" charset="0"/>
-              </a:rPr>
-              <a:t>void</a:t>
-            </a:r>
-            <a:r>
-              <a:rPr lang="pt-BR" sz="1200" dirty="0" smtClean="0">
-                <a:latin typeface="Courier New" pitchFamily="49" charset="0"/>
-                <a:cs typeface="Courier New" pitchFamily="49" charset="0"/>
-              </a:rPr>
-              <a:t> </a:t>
-            </a:r>
-            <a:r>
-              <a:rPr lang="pt-BR" sz="1200" dirty="0" err="1" smtClean="0">
-                <a:latin typeface="Courier New" pitchFamily="49" charset="0"/>
-                <a:cs typeface="Courier New" pitchFamily="49" charset="0"/>
-              </a:rPr>
-              <a:t>kill</a:t>
-            </a:r>
-            <a:r>
-              <a:rPr lang="pt-BR" sz="1200" dirty="0" smtClean="0">
-                <a:latin typeface="Courier New" pitchFamily="49" charset="0"/>
-                <a:cs typeface="Courier New" pitchFamily="49" charset="0"/>
-              </a:rPr>
-              <a:t>(</a:t>
-            </a:r>
-            <a:r>
-              <a:rPr lang="pt-BR" sz="1200" dirty="0" err="1" smtClean="0">
-                <a:latin typeface="Courier New" pitchFamily="49" charset="0"/>
-                <a:cs typeface="Courier New" pitchFamily="49" charset="0"/>
-              </a:rPr>
-              <a:t>FlowSet</a:t>
-            </a:r>
-            <a:r>
-              <a:rPr lang="pt-BR" sz="1200" dirty="0" smtClean="0">
-                <a:latin typeface="Courier New" pitchFamily="49" charset="0"/>
-                <a:cs typeface="Courier New" pitchFamily="49" charset="0"/>
-              </a:rPr>
-              <a:t> _source, </a:t>
-            </a:r>
-            <a:r>
-              <a:rPr lang="pt-BR" sz="1200" dirty="0" err="1" smtClean="0">
-                <a:latin typeface="Courier New" pitchFamily="49" charset="0"/>
-                <a:cs typeface="Courier New" pitchFamily="49" charset="0"/>
-              </a:rPr>
-              <a:t>Unit</a:t>
-            </a:r>
-            <a:r>
-              <a:rPr lang="pt-BR" sz="1200" dirty="0" smtClean="0">
-                <a:latin typeface="Courier New" pitchFamily="49" charset="0"/>
-                <a:cs typeface="Courier New" pitchFamily="49" charset="0"/>
-              </a:rPr>
-              <a:t> _</a:t>
-            </a:r>
-            <a:r>
-              <a:rPr lang="pt-BR" sz="1200" dirty="0" err="1" smtClean="0">
-                <a:latin typeface="Courier New" pitchFamily="49" charset="0"/>
-                <a:cs typeface="Courier New" pitchFamily="49" charset="0"/>
-              </a:rPr>
-              <a:t>unit</a:t>
-            </a:r>
-            <a:r>
-              <a:rPr lang="pt-BR" sz="1200" dirty="0" smtClean="0">
-                <a:latin typeface="Courier New" pitchFamily="49" charset="0"/>
-                <a:cs typeface="Courier New" pitchFamily="49" charset="0"/>
-              </a:rPr>
-              <a:t>, </a:t>
-            </a:r>
-            <a:r>
-              <a:rPr lang="pt-BR" sz="1200" dirty="0" err="1" smtClean="0">
-                <a:latin typeface="Courier New" pitchFamily="49" charset="0"/>
-                <a:cs typeface="Courier New" pitchFamily="49" charset="0"/>
-              </a:rPr>
-              <a:t>FlowSet</a:t>
-            </a:r>
-            <a:r>
-              <a:rPr lang="pt-BR" sz="1200" dirty="0" smtClean="0">
-                <a:latin typeface="Courier New" pitchFamily="49" charset="0"/>
-                <a:cs typeface="Courier New" pitchFamily="49" charset="0"/>
-              </a:rPr>
-              <a:t> _</a:t>
-            </a:r>
-            <a:r>
-              <a:rPr lang="pt-BR" sz="1200" dirty="0" err="1" smtClean="0">
-                <a:latin typeface="Courier New" pitchFamily="49" charset="0"/>
-                <a:cs typeface="Courier New" pitchFamily="49" charset="0"/>
-              </a:rPr>
-              <a:t>dest</a:t>
-            </a:r>
-            <a:r>
-              <a:rPr lang="pt-BR" sz="1200" dirty="0" smtClean="0">
-                <a:latin typeface="Courier New" pitchFamily="49" charset="0"/>
-                <a:cs typeface="Courier New" pitchFamily="49" charset="0"/>
-              </a:rPr>
-              <a:t>) {...}</a:t>
-            </a:r>
-          </a:p>
-          <a:p>
-            <a:r>
-              <a:rPr lang="pt-BR" sz="1200" dirty="0" smtClean="0">
-                <a:latin typeface="Courier New" pitchFamily="49" charset="0"/>
-                <a:cs typeface="Courier New" pitchFamily="49" charset="0"/>
-              </a:rPr>
-              <a:t>  </a:t>
-            </a:r>
-            <a:r>
-              <a:rPr lang="pt-BR" sz="1200" b="1" dirty="0" err="1" smtClean="0">
-                <a:latin typeface="Courier New" pitchFamily="49" charset="0"/>
-                <a:cs typeface="Courier New" pitchFamily="49" charset="0"/>
-              </a:rPr>
-              <a:t>private</a:t>
-            </a:r>
-            <a:r>
-              <a:rPr lang="pt-BR" sz="1200" dirty="0" smtClean="0">
-                <a:latin typeface="Courier New" pitchFamily="49" charset="0"/>
-                <a:cs typeface="Courier New" pitchFamily="49" charset="0"/>
-              </a:rPr>
-              <a:t> </a:t>
-            </a:r>
-            <a:r>
-              <a:rPr lang="pt-BR" sz="1200" dirty="0" err="1" smtClean="0">
-                <a:latin typeface="Courier New" pitchFamily="49" charset="0"/>
-                <a:cs typeface="Courier New" pitchFamily="49" charset="0"/>
-              </a:rPr>
-              <a:t>bdef</a:t>
-            </a:r>
-            <a:r>
-              <a:rPr lang="pt-BR" sz="1200" dirty="0" smtClean="0">
-                <a:latin typeface="Courier New" pitchFamily="49" charset="0"/>
-                <a:cs typeface="Courier New" pitchFamily="49" charset="0"/>
-              </a:rPr>
-              <a:t>(</a:t>
-            </a:r>
-            <a:r>
-              <a:rPr lang="pt-BR" sz="1200" dirty="0" err="1" smtClean="0">
-                <a:latin typeface="Courier New" pitchFamily="49" charset="0"/>
-                <a:cs typeface="Courier New" pitchFamily="49" charset="0"/>
-              </a:rPr>
-              <a:t>FlowSet</a:t>
-            </a:r>
-            <a:r>
-              <a:rPr lang="pt-BR" sz="1200" dirty="0" smtClean="0">
-                <a:latin typeface="Courier New" pitchFamily="49" charset="0"/>
-                <a:cs typeface="Courier New" pitchFamily="49" charset="0"/>
-              </a:rPr>
-              <a:t> _source, </a:t>
-            </a:r>
-            <a:r>
-              <a:rPr lang="pt-BR" sz="1200" dirty="0" err="1" smtClean="0">
-                <a:latin typeface="Courier New" pitchFamily="49" charset="0"/>
-                <a:cs typeface="Courier New" pitchFamily="49" charset="0"/>
-              </a:rPr>
-              <a:t>Unit</a:t>
-            </a:r>
-            <a:r>
-              <a:rPr lang="pt-BR" sz="1200" dirty="0" smtClean="0">
-                <a:latin typeface="Courier New" pitchFamily="49" charset="0"/>
-                <a:cs typeface="Courier New" pitchFamily="49" charset="0"/>
-              </a:rPr>
-              <a:t> _</a:t>
-            </a:r>
-            <a:r>
-              <a:rPr lang="pt-BR" sz="1200" dirty="0" err="1" smtClean="0">
-                <a:latin typeface="Courier New" pitchFamily="49" charset="0"/>
-                <a:cs typeface="Courier New" pitchFamily="49" charset="0"/>
-              </a:rPr>
-              <a:t>unit</a:t>
-            </a:r>
-            <a:r>
-              <a:rPr lang="pt-BR" sz="1200" dirty="0" smtClean="0">
-                <a:latin typeface="Courier New" pitchFamily="49" charset="0"/>
-                <a:cs typeface="Courier New" pitchFamily="49" charset="0"/>
-              </a:rPr>
-              <a:t>, </a:t>
-            </a:r>
-            <a:r>
-              <a:rPr lang="pt-BR" sz="1200" dirty="0" err="1" smtClean="0">
-                <a:latin typeface="Courier New" pitchFamily="49" charset="0"/>
-                <a:cs typeface="Courier New" pitchFamily="49" charset="0"/>
-              </a:rPr>
-              <a:t>FlowSet</a:t>
-            </a:r>
-            <a:r>
-              <a:rPr lang="pt-BR" sz="1200" dirty="0" smtClean="0">
-                <a:latin typeface="Courier New" pitchFamily="49" charset="0"/>
-                <a:cs typeface="Courier New" pitchFamily="49" charset="0"/>
-              </a:rPr>
-              <a:t> _</a:t>
-            </a:r>
-            <a:r>
-              <a:rPr lang="pt-BR" sz="1200" dirty="0" err="1" smtClean="0">
-                <a:latin typeface="Courier New" pitchFamily="49" charset="0"/>
-                <a:cs typeface="Courier New" pitchFamily="49" charset="0"/>
-              </a:rPr>
-              <a:t>dest</a:t>
-            </a:r>
-            <a:r>
-              <a:rPr lang="pt-BR" sz="1200" dirty="0" smtClean="0">
-                <a:latin typeface="Courier New" pitchFamily="49" charset="0"/>
-                <a:cs typeface="Courier New" pitchFamily="49" charset="0"/>
-              </a:rPr>
-              <a:t>) {...}</a:t>
-            </a:r>
-            <a:endParaRPr lang="en-US" sz="1200" dirty="0" smtClean="0">
-              <a:latin typeface="Courier New" pitchFamily="49" charset="0"/>
-              <a:cs typeface="Courier New" pitchFamily="49" charset="0"/>
-            </a:endParaRPr>
-          </a:p>
-          <a:p>
-            <a:r>
-              <a:rPr lang="en-US" sz="1200" dirty="0" smtClean="0">
-                <a:latin typeface="Courier New" pitchFamily="49" charset="0"/>
-                <a:cs typeface="Courier New" pitchFamily="49" charset="0"/>
-              </a:rPr>
-              <a:t>}</a:t>
-            </a:r>
-            <a:endParaRPr lang="pt-BR" sz="1200" dirty="0" smtClean="0">
-              <a:latin typeface="Courier New" pitchFamily="49" charset="0"/>
-              <a:cs typeface="Courier New" pitchFamily="49" charset="0"/>
-            </a:endParaRPr>
-          </a:p>
-        </p:txBody>
-      </p:sp>
-      <p:sp>
-        <p:nvSpPr>
-          <p:cNvPr id="3" name="Retângulo 2"/>
-          <p:cNvSpPr/>
-          <p:nvPr/>
-        </p:nvSpPr>
-        <p:spPr>
-          <a:xfrm>
-            <a:off x="6267956" y="0"/>
-            <a:ext cx="2876044" cy="369332"/>
-          </a:xfrm>
-          <a:prstGeom prst="rect">
-            <a:avLst/>
-          </a:prstGeom>
-        </p:spPr>
-        <p:txBody>
-          <a:bodyPr wrap="none">
-            <a:spAutoFit/>
-          </a:bodyPr>
-          <a:lstStyle/>
-          <a:p>
-            <a:r>
-              <a:rPr lang="en-US" dirty="0"/>
-              <a:t>https://sable.github.io/soot/</a:t>
-            </a:r>
-          </a:p>
-        </p:txBody>
-      </p:sp>
-    </p:spTree>
-    <p:extLst>
-      <p:ext uri="{BB962C8B-B14F-4D97-AF65-F5344CB8AC3E}">
-        <p14:creationId xmlns:p14="http://schemas.microsoft.com/office/powerpoint/2010/main" val="1355706454"/>
-      </p:ext>
-    </p:extLst>
-  </p:cSld>
-  <p:clrMapOvr>
-    <a:masterClrMapping/>
-  </p:clrMapOvr>
-  <p:timing>
-    <p:tnLst>
-      <p:par>
-        <p:cTn id="1" dur="indefinite" restart="never" nodeType="tmRoot"/>
-      </p:par>
-    </p:tnLst>
-  </p:timing>
-</p:sld>
-</file>
-
 <file path=ppt/slides/slide43.xml><?xml version="1.0" encoding="utf-8"?>
 <p:sld xmlns:a="http://schemas.openxmlformats.org/drawingml/2006/main" xmlns:r="http://schemas.openxmlformats.org/officeDocument/2006/relationships" xmlns:p="http://schemas.openxmlformats.org/presentationml/2006/main">
   <p:cSld>
@@ -34842,154 +33599,10 @@
           </a:p>
         </p:txBody>
       </p:sp>
-      <p:sp>
-        <p:nvSpPr>
-          <p:cNvPr id="6" name="TextBox 4"/>
-          <p:cNvSpPr txBox="1"/>
-          <p:nvPr/>
-        </p:nvSpPr>
-        <p:spPr>
-          <a:xfrm>
-            <a:off x="1187624" y="2876743"/>
-            <a:ext cx="7175150" cy="1200329"/>
-          </a:xfrm>
-          <a:prstGeom prst="rect">
-            <a:avLst/>
-          </a:prstGeom>
-          <a:solidFill>
-            <a:srgbClr val="FFFF00"/>
-          </a:solidFill>
-          <a:ln/>
-        </p:spPr>
-        <p:style>
-          <a:lnRef idx="2">
-            <a:schemeClr val="dk1"/>
-          </a:lnRef>
-          <a:fillRef idx="1">
-            <a:schemeClr val="lt1"/>
-          </a:fillRef>
-          <a:effectRef idx="0">
-            <a:schemeClr val="dk1"/>
-          </a:effectRef>
-          <a:fontRef idx="minor">
-            <a:schemeClr val="dk1"/>
-          </a:fontRef>
-        </p:style>
-        <p:txBody>
-          <a:bodyPr wrap="square" rtlCol="0">
-            <a:spAutoFit/>
-          </a:bodyPr>
-          <a:lstStyle/>
-          <a:p>
-            <a:pPr algn="ctr"/>
-            <a:r>
-              <a:rPr lang="en-US" sz="3600" dirty="0" err="1" smtClean="0">
-                <a:solidFill>
-                  <a:srgbClr val="05022C"/>
-                </a:solidFill>
-              </a:rPr>
-              <a:t>Várias</a:t>
-            </a:r>
-            <a:r>
-              <a:rPr lang="en-US" sz="3600" dirty="0" smtClean="0">
-                <a:solidFill>
-                  <a:srgbClr val="05022C"/>
-                </a:solidFill>
-              </a:rPr>
-              <a:t> </a:t>
-            </a:r>
-            <a:r>
-              <a:rPr lang="en-US" sz="3600" dirty="0" err="1" smtClean="0">
-                <a:solidFill>
-                  <a:srgbClr val="05022C"/>
-                </a:solidFill>
-              </a:rPr>
-              <a:t>análises</a:t>
-            </a:r>
-            <a:r>
-              <a:rPr lang="en-US" sz="3600" dirty="0" smtClean="0">
-                <a:solidFill>
-                  <a:srgbClr val="05022C"/>
-                </a:solidFill>
-              </a:rPr>
-              <a:t> que </a:t>
-            </a:r>
-            <a:r>
-              <a:rPr lang="en-US" sz="3600" dirty="0" err="1" smtClean="0">
-                <a:solidFill>
-                  <a:srgbClr val="05022C"/>
-                </a:solidFill>
-              </a:rPr>
-              <a:t>vimos</a:t>
-            </a:r>
-            <a:r>
-              <a:rPr lang="en-US" sz="3600" dirty="0" smtClean="0">
-                <a:solidFill>
-                  <a:srgbClr val="05022C"/>
-                </a:solidFill>
-              </a:rPr>
-              <a:t> (para </a:t>
-            </a:r>
-            <a:r>
-              <a:rPr lang="en-US" sz="3600" dirty="0" err="1" smtClean="0">
-                <a:solidFill>
-                  <a:srgbClr val="05022C"/>
-                </a:solidFill>
-              </a:rPr>
-              <a:t>otimização</a:t>
-            </a:r>
-            <a:r>
-              <a:rPr lang="en-US" sz="3600" dirty="0" smtClean="0">
-                <a:solidFill>
-                  <a:srgbClr val="05022C"/>
-                </a:solidFill>
-              </a:rPr>
-              <a:t>) se </a:t>
-            </a:r>
-            <a:r>
-              <a:rPr lang="en-US" sz="3600" dirty="0" err="1" smtClean="0">
-                <a:solidFill>
-                  <a:srgbClr val="05022C"/>
-                </a:solidFill>
-              </a:rPr>
-              <a:t>baseiam</a:t>
-            </a:r>
-            <a:r>
-              <a:rPr lang="en-US" sz="3600" dirty="0" smtClean="0">
-                <a:solidFill>
-                  <a:srgbClr val="05022C"/>
-                </a:solidFill>
-              </a:rPr>
-              <a:t> </a:t>
-            </a:r>
-            <a:r>
-              <a:rPr lang="en-US" sz="3600" dirty="0" err="1" smtClean="0">
-                <a:solidFill>
-                  <a:srgbClr val="05022C"/>
-                </a:solidFill>
-              </a:rPr>
-              <a:t>em</a:t>
-            </a:r>
-            <a:r>
-              <a:rPr lang="en-US" sz="3600" dirty="0" smtClean="0">
-                <a:solidFill>
-                  <a:srgbClr val="05022C"/>
-                </a:solidFill>
-              </a:rPr>
-              <a:t> RD.</a:t>
-            </a:r>
-            <a:endParaRPr lang="pt-BR" sz="3600" dirty="0">
-              <a:solidFill>
-                <a:srgbClr val="05022C"/>
-              </a:solidFill>
-            </a:endParaRPr>
-          </a:p>
-        </p:txBody>
-      </p:sp>
     </p:spTree>
     <p:extLst>
       <p:ext uri="{BB962C8B-B14F-4D97-AF65-F5344CB8AC3E}">
-        <p14:creationId xmlns:p14="http://schemas.microsoft.com/office/powerpoint/2010/main" val="3555504340"/>
+        <p14:creationId xmlns:p14="http://schemas.microsoft.com/office/powerpoint/2010/main" val="1355706454"/>
       </p:ext>
     </p:extLst>
   </p:cSld>
@@ -35033,24 +33646,21 @@
             <p:ph type="title"/>
           </p:nvPr>
         </p:nvSpPr>
-        <p:spPr/>
+        <p:spPr>
+          <a:xfrm>
+            <a:off x="107504" y="274638"/>
+            <a:ext cx="8712968" cy="1143000"/>
+          </a:xfrm>
+        </p:spPr>
         <p:txBody>
           <a:bodyPr>
-            <a:normAutofit fontScale="90000"/>
+            <a:normAutofit/>
           </a:bodyPr>
           <a:lstStyle/>
           <a:p>
             <a:r>
               <a:rPr lang="en-US" dirty="0" err="1" smtClean="0"/>
-              <a:t>Variações</a:t>
-            </a:r>
-            <a:r>
-              <a:rPr lang="en-US" dirty="0" smtClean="0"/>
-              <a:t> para </a:t>
-            </a:r>
-            <a:r>
-              <a:rPr lang="en-US" dirty="0" err="1" smtClean="0"/>
-              <a:t>tratar</a:t>
+              <a:t>Definições</a:t>
             </a:r>
             <a:r>
               <a:rPr lang="en-US" dirty="0" smtClean="0"/>
@@ -35058,42 +33668,19 @@
             </a:r>
             <a:r>
               <a:rPr lang="en-US" dirty="0" err="1" smtClean="0"/>
-              <a:t>complexidade</a:t>
+              <a:t>Alcançáveis</a:t>
             </a:r>
             <a:r>
               <a:rPr lang="en-US" dirty="0" smtClean="0"/>
-              <a:t> da </a:t>
+              <a:t> (RD) </a:t>
             </a:r>
             <a:r>
               <a:rPr lang="en-US" dirty="0" err="1" smtClean="0"/>
-              <a:t>Análise</a:t>
+              <a:t>em</a:t>
             </a:r>
             <a:r>
               <a:rPr lang="en-US" dirty="0" smtClean="0"/>
-              <a:t> de Dataflow</a:t>
-            </a:r>
-            <a:br>
-              <a:rPr lang="en-US" dirty="0" smtClean="0"/>
-            </a:br>
-            <a:r>
-              <a:rPr lang="en-US" sz="3100" dirty="0" smtClean="0"/>
-              <a:t>[“A few billion LOC latter”, </a:t>
-            </a:r>
-            <a:r>
-              <a:rPr lang="en-US" sz="3100" dirty="0" err="1" smtClean="0"/>
-              <a:t>Bessey</a:t>
-            </a:r>
-            <a:r>
-              <a:rPr lang="en-US" sz="3100" dirty="0" smtClean="0"/>
-              <a:t> </a:t>
-            </a:r>
-            <a:r>
-              <a:rPr lang="en-US" sz="3100" i="1" dirty="0" smtClean="0"/>
-              <a:t>et al.</a:t>
-            </a:r>
-            <a:r>
-              <a:rPr lang="en-US" sz="3100" dirty="0" smtClean="0"/>
-              <a:t>, CACM 2010]</a:t>
+              <a:t> SOOT</a:t>
             </a:r>
             <a:endParaRPr lang="pt-BR" dirty="0"/>
           </a:p>
@@ -35101,29 +33688,1687 @@
       </p:sp>
       <p:sp>
         <p:nvSpPr>
-          <p:cNvPr id="7" name="TextBox 6"/>
+          <p:cNvPr id="5" name="TextBox 4"/>
           <p:cNvSpPr txBox="1"/>
           <p:nvPr/>
         </p:nvSpPr>
         <p:spPr>
           <a:xfrm>
-            <a:off x="285720" y="2428868"/>
-            <a:ext cx="8643998" cy="3416320"/>
+            <a:off x="571472" y="1857364"/>
+            <a:ext cx="8036174" cy="3970318"/>
           </a:xfrm>
           <a:prstGeom prst="rect">
             <a:avLst/>
           </a:prstGeom>
+          <a:noFill/>
+        </p:spPr>
+        <p:txBody>
+          <a:bodyPr wrap="none" rtlCol="0">
+            <a:spAutoFit/>
+          </a:bodyPr>
+          <a:lstStyle/>
+          <a:p>
+            <a:r>
+              <a:rPr lang="en-US" sz="1200" b="1" dirty="0" smtClean="0">
+                <a:latin typeface="Courier New" pitchFamily="49" charset="0"/>
+                <a:cs typeface="Courier New" pitchFamily="49" charset="0"/>
+              </a:rPr>
+              <a:t>public</a:t>
+            </a:r>
+            <a:r>
+              <a:rPr lang="en-US" sz="1200" dirty="0" smtClean="0">
+                <a:latin typeface="Courier New" pitchFamily="49" charset="0"/>
+                <a:cs typeface="Courier New" pitchFamily="49" charset="0"/>
+              </a:rPr>
+              <a:t> </a:t>
+            </a:r>
+            <a:r>
+              <a:rPr lang="en-US" sz="1200" b="1" dirty="0" smtClean="0">
+                <a:latin typeface="Courier New" pitchFamily="49" charset="0"/>
+                <a:cs typeface="Courier New" pitchFamily="49" charset="0"/>
+              </a:rPr>
+              <a:t>class</a:t>
+            </a:r>
+            <a:r>
+              <a:rPr lang="en-US" sz="1200" dirty="0" smtClean="0">
+                <a:latin typeface="Courier New" pitchFamily="49" charset="0"/>
+                <a:cs typeface="Courier New" pitchFamily="49" charset="0"/>
+              </a:rPr>
+              <a:t> </a:t>
+            </a:r>
+            <a:r>
+              <a:rPr lang="en-US" sz="1200" dirty="0" err="1" smtClean="0">
+                <a:latin typeface="Courier New" pitchFamily="49" charset="0"/>
+                <a:cs typeface="Courier New" pitchFamily="49" charset="0"/>
+              </a:rPr>
+              <a:t>SimpleReachingDefinitions</a:t>
+            </a:r>
+            <a:r>
+              <a:rPr lang="en-US" sz="1200" dirty="0" smtClean="0">
+                <a:latin typeface="Courier New" pitchFamily="49" charset="0"/>
+                <a:cs typeface="Courier New" pitchFamily="49" charset="0"/>
+              </a:rPr>
+              <a:t> </a:t>
+            </a:r>
+            <a:r>
+              <a:rPr lang="en-US" sz="1200" b="1" dirty="0" smtClean="0">
+                <a:latin typeface="Courier New" pitchFamily="49" charset="0"/>
+                <a:cs typeface="Courier New" pitchFamily="49" charset="0"/>
+              </a:rPr>
+              <a:t>implements</a:t>
+            </a:r>
+            <a:r>
+              <a:rPr lang="en-US" sz="1200" dirty="0" smtClean="0">
+                <a:latin typeface="Courier New" pitchFamily="49" charset="0"/>
+                <a:cs typeface="Courier New" pitchFamily="49" charset="0"/>
+              </a:rPr>
+              <a:t> </a:t>
+            </a:r>
+            <a:r>
+              <a:rPr lang="en-US" sz="1200" dirty="0" err="1" smtClean="0">
+                <a:latin typeface="Courier New" pitchFamily="49" charset="0"/>
+                <a:cs typeface="Courier New" pitchFamily="49" charset="0"/>
+              </a:rPr>
+              <a:t>ReachingDefinitions</a:t>
+            </a:r>
+            <a:r>
+              <a:rPr lang="en-US" sz="1200" dirty="0" smtClean="0">
+                <a:latin typeface="Courier New" pitchFamily="49" charset="0"/>
+                <a:cs typeface="Courier New" pitchFamily="49" charset="0"/>
+              </a:rPr>
+              <a:t> </a:t>
+            </a:r>
+            <a:r>
+              <a:rPr lang="pt-BR" sz="1200" dirty="0" smtClean="0">
+                <a:latin typeface="Courier New" pitchFamily="49" charset="0"/>
+                <a:cs typeface="Courier New" pitchFamily="49" charset="0"/>
+              </a:rPr>
+              <a:t>{</a:t>
+            </a:r>
+          </a:p>
+          <a:p>
+            <a:r>
+              <a:rPr lang="pt-BR" sz="1200" dirty="0" smtClean="0">
+                <a:latin typeface="Courier New" pitchFamily="49" charset="0"/>
+                <a:cs typeface="Courier New" pitchFamily="49" charset="0"/>
+              </a:rPr>
+              <a:t>  </a:t>
+            </a:r>
+            <a:r>
+              <a:rPr lang="pt-BR" sz="1200" b="1" dirty="0" err="1" smtClean="0">
+                <a:latin typeface="Courier New" pitchFamily="49" charset="0"/>
+                <a:cs typeface="Courier New" pitchFamily="49" charset="0"/>
+              </a:rPr>
+              <a:t>private</a:t>
+            </a:r>
+            <a:r>
+              <a:rPr lang="pt-BR" sz="1200" dirty="0" smtClean="0">
+                <a:latin typeface="Courier New" pitchFamily="49" charset="0"/>
+                <a:cs typeface="Courier New" pitchFamily="49" charset="0"/>
+              </a:rPr>
+              <a:t> </a:t>
+            </a:r>
+            <a:r>
+              <a:rPr lang="pt-BR" sz="1200" dirty="0" err="1" smtClean="0">
+                <a:latin typeface="Courier New" pitchFamily="49" charset="0"/>
+                <a:cs typeface="Courier New" pitchFamily="49" charset="0"/>
+              </a:rPr>
+              <a:t>HashMap</a:t>
+            </a:r>
+            <a:r>
+              <a:rPr lang="pt-BR" sz="1200" dirty="0" smtClean="0">
+                <a:latin typeface="Courier New" pitchFamily="49" charset="0"/>
+                <a:cs typeface="Courier New" pitchFamily="49" charset="0"/>
+              </a:rPr>
+              <a:t>&lt;</a:t>
+            </a:r>
+            <a:r>
+              <a:rPr lang="pt-BR" sz="1200" dirty="0" err="1" smtClean="0">
+                <a:latin typeface="Courier New" pitchFamily="49" charset="0"/>
+                <a:cs typeface="Courier New" pitchFamily="49" charset="0"/>
+              </a:rPr>
+              <a:t>Unit</a:t>
+            </a:r>
+            <a:r>
+              <a:rPr lang="pt-BR" sz="1200" dirty="0" smtClean="0">
+                <a:latin typeface="Courier New" pitchFamily="49" charset="0"/>
+                <a:cs typeface="Courier New" pitchFamily="49" charset="0"/>
+              </a:rPr>
+              <a:t>,</a:t>
+            </a:r>
+            <a:r>
+              <a:rPr lang="pt-BR" sz="1200" dirty="0" err="1" smtClean="0">
+                <a:latin typeface="Courier New" pitchFamily="49" charset="0"/>
+                <a:cs typeface="Courier New" pitchFamily="49" charset="0"/>
+              </a:rPr>
+              <a:t>List</a:t>
+            </a:r>
+            <a:r>
+              <a:rPr lang="pt-BR" sz="1200" dirty="0" smtClean="0">
+                <a:latin typeface="Courier New" pitchFamily="49" charset="0"/>
+                <a:cs typeface="Courier New" pitchFamily="49" charset="0"/>
+              </a:rPr>
+              <a:t>&lt;</a:t>
+            </a:r>
+            <a:r>
+              <a:rPr lang="pt-BR" sz="1200" dirty="0" err="1" smtClean="0">
+                <a:latin typeface="Courier New" pitchFamily="49" charset="0"/>
+                <a:cs typeface="Courier New" pitchFamily="49" charset="0"/>
+              </a:rPr>
+              <a:t>Definition</a:t>
+            </a:r>
+            <a:r>
+              <a:rPr lang="pt-BR" sz="1200" dirty="0" smtClean="0">
+                <a:latin typeface="Courier New" pitchFamily="49" charset="0"/>
+                <a:cs typeface="Courier New" pitchFamily="49" charset="0"/>
+              </a:rPr>
+              <a:t>&gt;&gt; </a:t>
+            </a:r>
+            <a:r>
+              <a:rPr lang="pt-BR" sz="1200" dirty="0" err="1" smtClean="0">
+                <a:latin typeface="Courier New" pitchFamily="49" charset="0"/>
+                <a:cs typeface="Courier New" pitchFamily="49" charset="0"/>
+              </a:rPr>
+              <a:t>unitToDefinitionAfter</a:t>
+            </a:r>
+            <a:r>
+              <a:rPr lang="pt-BR" sz="1200" dirty="0" smtClean="0">
+                <a:latin typeface="Courier New" pitchFamily="49" charset="0"/>
+                <a:cs typeface="Courier New" pitchFamily="49" charset="0"/>
+              </a:rPr>
+              <a:t>;</a:t>
+            </a:r>
+          </a:p>
+          <a:p>
+            <a:r>
+              <a:rPr lang="pt-BR" sz="1200" dirty="0" smtClean="0">
+                <a:latin typeface="Courier New" pitchFamily="49" charset="0"/>
+                <a:cs typeface="Courier New" pitchFamily="49" charset="0"/>
+              </a:rPr>
+              <a:t>  </a:t>
+            </a:r>
+            <a:r>
+              <a:rPr lang="pt-BR" sz="1200" b="1" dirty="0" err="1" smtClean="0">
+                <a:latin typeface="Courier New" pitchFamily="49" charset="0"/>
+                <a:cs typeface="Courier New" pitchFamily="49" charset="0"/>
+              </a:rPr>
+              <a:t>private</a:t>
+            </a:r>
+            <a:r>
+              <a:rPr lang="pt-BR" sz="1200" dirty="0" smtClean="0">
+                <a:latin typeface="Courier New" pitchFamily="49" charset="0"/>
+                <a:cs typeface="Courier New" pitchFamily="49" charset="0"/>
+              </a:rPr>
+              <a:t> </a:t>
+            </a:r>
+            <a:r>
+              <a:rPr lang="pt-BR" sz="1200" dirty="0" err="1" smtClean="0">
+                <a:latin typeface="Courier New" pitchFamily="49" charset="0"/>
+                <a:cs typeface="Courier New" pitchFamily="49" charset="0"/>
+              </a:rPr>
+              <a:t>HashMap</a:t>
+            </a:r>
+            <a:r>
+              <a:rPr lang="pt-BR" sz="1200" dirty="0" smtClean="0">
+                <a:latin typeface="Courier New" pitchFamily="49" charset="0"/>
+                <a:cs typeface="Courier New" pitchFamily="49" charset="0"/>
+              </a:rPr>
+              <a:t>&lt;</a:t>
+            </a:r>
+            <a:r>
+              <a:rPr lang="pt-BR" sz="1200" dirty="0" err="1" smtClean="0">
+                <a:latin typeface="Courier New" pitchFamily="49" charset="0"/>
+                <a:cs typeface="Courier New" pitchFamily="49" charset="0"/>
+              </a:rPr>
+              <a:t>Unit</a:t>
+            </a:r>
+            <a:r>
+              <a:rPr lang="pt-BR" sz="1200" dirty="0" smtClean="0">
+                <a:latin typeface="Courier New" pitchFamily="49" charset="0"/>
+                <a:cs typeface="Courier New" pitchFamily="49" charset="0"/>
+              </a:rPr>
+              <a:t>,</a:t>
+            </a:r>
+            <a:r>
+              <a:rPr lang="pt-BR" sz="1200" dirty="0" err="1" smtClean="0">
+                <a:latin typeface="Courier New" pitchFamily="49" charset="0"/>
+                <a:cs typeface="Courier New" pitchFamily="49" charset="0"/>
+              </a:rPr>
+              <a:t>List</a:t>
+            </a:r>
+            <a:r>
+              <a:rPr lang="pt-BR" sz="1200" dirty="0" smtClean="0">
+                <a:latin typeface="Courier New" pitchFamily="49" charset="0"/>
+                <a:cs typeface="Courier New" pitchFamily="49" charset="0"/>
+              </a:rPr>
+              <a:t>&lt;</a:t>
+            </a:r>
+            <a:r>
+              <a:rPr lang="pt-BR" sz="1200" dirty="0" err="1" smtClean="0">
+                <a:latin typeface="Courier New" pitchFamily="49" charset="0"/>
+                <a:cs typeface="Courier New" pitchFamily="49" charset="0"/>
+              </a:rPr>
+              <a:t>Definition</a:t>
+            </a:r>
+            <a:r>
+              <a:rPr lang="pt-BR" sz="1200" dirty="0" smtClean="0">
+                <a:latin typeface="Courier New" pitchFamily="49" charset="0"/>
+                <a:cs typeface="Courier New" pitchFamily="49" charset="0"/>
+              </a:rPr>
+              <a:t>&gt;&gt; </a:t>
+            </a:r>
+            <a:r>
+              <a:rPr lang="pt-BR" sz="1200" dirty="0" err="1" smtClean="0">
+                <a:latin typeface="Courier New" pitchFamily="49" charset="0"/>
+                <a:cs typeface="Courier New" pitchFamily="49" charset="0"/>
+              </a:rPr>
+              <a:t>unitToDefinitionBefore</a:t>
+            </a:r>
+            <a:r>
+              <a:rPr lang="pt-BR" sz="1200" dirty="0" smtClean="0">
+                <a:latin typeface="Courier New" pitchFamily="49" charset="0"/>
+                <a:cs typeface="Courier New" pitchFamily="49" charset="0"/>
+              </a:rPr>
+              <a:t>;</a:t>
+            </a:r>
+          </a:p>
+          <a:p>
+            <a:r>
+              <a:rPr lang="pt-BR" sz="1200" dirty="0" smtClean="0">
+                <a:latin typeface="Courier New" pitchFamily="49" charset="0"/>
+                <a:cs typeface="Courier New" pitchFamily="49" charset="0"/>
+              </a:rPr>
+              <a:t>  </a:t>
+            </a:r>
+            <a:r>
+              <a:rPr lang="pt-BR" sz="1200" b="1" dirty="0" err="1" smtClean="0">
+                <a:latin typeface="Courier New" pitchFamily="49" charset="0"/>
+                <a:cs typeface="Courier New" pitchFamily="49" charset="0"/>
+              </a:rPr>
+              <a:t>public</a:t>
+            </a:r>
+            <a:r>
+              <a:rPr lang="pt-BR" sz="1200" dirty="0" smtClean="0">
+                <a:latin typeface="Courier New" pitchFamily="49" charset="0"/>
+                <a:cs typeface="Courier New" pitchFamily="49" charset="0"/>
+              </a:rPr>
+              <a:t> </a:t>
+            </a:r>
+            <a:r>
+              <a:rPr lang="pt-BR" sz="1200" dirty="0" err="1" smtClean="0">
+                <a:latin typeface="Courier New" pitchFamily="49" charset="0"/>
+                <a:cs typeface="Courier New" pitchFamily="49" charset="0"/>
+              </a:rPr>
+              <a:t>SimpleReachingDefinitions</a:t>
+            </a:r>
+            <a:r>
+              <a:rPr lang="pt-BR" sz="1200" dirty="0" smtClean="0">
+                <a:latin typeface="Courier New" pitchFamily="49" charset="0"/>
+                <a:cs typeface="Courier New" pitchFamily="49" charset="0"/>
+              </a:rPr>
+              <a:t>(</a:t>
+            </a:r>
+            <a:r>
+              <a:rPr lang="pt-BR" sz="1200" dirty="0" err="1" smtClean="0">
+                <a:latin typeface="Courier New" pitchFamily="49" charset="0"/>
+                <a:cs typeface="Courier New" pitchFamily="49" charset="0"/>
+              </a:rPr>
+              <a:t>DirectedGraph</a:t>
+            </a:r>
+            <a:r>
+              <a:rPr lang="pt-BR" sz="1200" dirty="0" smtClean="0">
+                <a:latin typeface="Courier New" pitchFamily="49" charset="0"/>
+                <a:cs typeface="Courier New" pitchFamily="49" charset="0"/>
+              </a:rPr>
+              <a:t>&lt;</a:t>
+            </a:r>
+            <a:r>
+              <a:rPr lang="pt-BR" sz="1200" dirty="0" err="1" smtClean="0">
+                <a:latin typeface="Courier New" pitchFamily="49" charset="0"/>
+                <a:cs typeface="Courier New" pitchFamily="49" charset="0"/>
+              </a:rPr>
+              <a:t>Unit</a:t>
+            </a:r>
+            <a:r>
+              <a:rPr lang="pt-BR" sz="1200" dirty="0" smtClean="0">
+                <a:latin typeface="Courier New" pitchFamily="49" charset="0"/>
+                <a:cs typeface="Courier New" pitchFamily="49" charset="0"/>
+              </a:rPr>
+              <a:t>&gt; </a:t>
+            </a:r>
+            <a:r>
+              <a:rPr lang="pt-BR" sz="1200" dirty="0" err="1" smtClean="0">
+                <a:latin typeface="Courier New" pitchFamily="49" charset="0"/>
+                <a:cs typeface="Courier New" pitchFamily="49" charset="0"/>
+              </a:rPr>
+              <a:t>graph</a:t>
+            </a:r>
+            <a:r>
+              <a:rPr lang="pt-BR" sz="1200" dirty="0" smtClean="0">
+                <a:latin typeface="Courier New" pitchFamily="49" charset="0"/>
+                <a:cs typeface="Courier New" pitchFamily="49" charset="0"/>
+              </a:rPr>
+              <a:t>) {</a:t>
+            </a:r>
+            <a:r>
+              <a:rPr lang="en-US" sz="1200" dirty="0" smtClean="0">
+                <a:latin typeface="Courier New" pitchFamily="49" charset="0"/>
+                <a:cs typeface="Courier New" pitchFamily="49" charset="0"/>
+              </a:rPr>
+              <a:t>/*WORK*/}</a:t>
+            </a:r>
+          </a:p>
+          <a:p>
+            <a:r>
+              <a:rPr lang="pt-BR" sz="1200" dirty="0" smtClean="0">
+                <a:latin typeface="Courier New" pitchFamily="49" charset="0"/>
+                <a:cs typeface="Courier New" pitchFamily="49" charset="0"/>
+              </a:rPr>
+              <a:t>  </a:t>
+            </a:r>
+            <a:r>
+              <a:rPr lang="pt-BR" sz="1200" b="1" dirty="0" err="1" smtClean="0">
+                <a:latin typeface="Courier New" pitchFamily="49" charset="0"/>
+                <a:cs typeface="Courier New" pitchFamily="49" charset="0"/>
+              </a:rPr>
+              <a:t>public</a:t>
+            </a:r>
+            <a:r>
+              <a:rPr lang="pt-BR" sz="1200" dirty="0" smtClean="0">
+                <a:latin typeface="Courier New" pitchFamily="49" charset="0"/>
+                <a:cs typeface="Courier New" pitchFamily="49" charset="0"/>
+              </a:rPr>
+              <a:t> </a:t>
+            </a:r>
+            <a:r>
+              <a:rPr lang="pt-BR" sz="1200" dirty="0" err="1" smtClean="0">
+                <a:latin typeface="Courier New" pitchFamily="49" charset="0"/>
+                <a:cs typeface="Courier New" pitchFamily="49" charset="0"/>
+              </a:rPr>
+              <a:t>List</a:t>
+            </a:r>
+            <a:r>
+              <a:rPr lang="pt-BR" sz="1200" dirty="0" smtClean="0">
+                <a:latin typeface="Courier New" pitchFamily="49" charset="0"/>
+                <a:cs typeface="Courier New" pitchFamily="49" charset="0"/>
+              </a:rPr>
+              <a:t>&lt;</a:t>
+            </a:r>
+            <a:r>
+              <a:rPr lang="pt-BR" sz="1200" dirty="0" err="1" smtClean="0">
+                <a:latin typeface="Courier New" pitchFamily="49" charset="0"/>
+                <a:cs typeface="Courier New" pitchFamily="49" charset="0"/>
+              </a:rPr>
+              <a:t>Definition</a:t>
+            </a:r>
+            <a:r>
+              <a:rPr lang="pt-BR" sz="1200" dirty="0" smtClean="0">
+                <a:latin typeface="Courier New" pitchFamily="49" charset="0"/>
+                <a:cs typeface="Courier New" pitchFamily="49" charset="0"/>
+              </a:rPr>
+              <a:t>&gt; </a:t>
+            </a:r>
+            <a:r>
+              <a:rPr lang="pt-BR" sz="1200" dirty="0" err="1" smtClean="0">
+                <a:latin typeface="Courier New" pitchFamily="49" charset="0"/>
+                <a:cs typeface="Courier New" pitchFamily="49" charset="0"/>
+              </a:rPr>
+              <a:t>getReachingDefinitionsAfter</a:t>
+            </a:r>
+            <a:r>
+              <a:rPr lang="pt-BR" sz="1200" dirty="0" smtClean="0">
+                <a:latin typeface="Courier New" pitchFamily="49" charset="0"/>
+                <a:cs typeface="Courier New" pitchFamily="49" charset="0"/>
+              </a:rPr>
+              <a:t>(</a:t>
+            </a:r>
+            <a:r>
+              <a:rPr lang="pt-BR" sz="1200" dirty="0" err="1" smtClean="0">
+                <a:latin typeface="Courier New" pitchFamily="49" charset="0"/>
+                <a:cs typeface="Courier New" pitchFamily="49" charset="0"/>
+              </a:rPr>
+              <a:t>Unit</a:t>
+            </a:r>
+            <a:r>
+              <a:rPr lang="pt-BR" sz="1200" dirty="0" smtClean="0">
+                <a:latin typeface="Courier New" pitchFamily="49" charset="0"/>
+                <a:cs typeface="Courier New" pitchFamily="49" charset="0"/>
+              </a:rPr>
+              <a:t> _</a:t>
+            </a:r>
+            <a:r>
+              <a:rPr lang="pt-BR" sz="1200" dirty="0" err="1" smtClean="0">
+                <a:latin typeface="Courier New" pitchFamily="49" charset="0"/>
+                <a:cs typeface="Courier New" pitchFamily="49" charset="0"/>
+              </a:rPr>
+              <a:t>unit</a:t>
+            </a:r>
+            <a:r>
+              <a:rPr lang="pt-BR" sz="1200" dirty="0" smtClean="0">
+                <a:latin typeface="Courier New" pitchFamily="49" charset="0"/>
+                <a:cs typeface="Courier New" pitchFamily="49" charset="0"/>
+              </a:rPr>
+              <a:t>) { </a:t>
+            </a:r>
+          </a:p>
+          <a:p>
+            <a:r>
+              <a:rPr lang="pt-BR" sz="1200" dirty="0" smtClean="0">
+                <a:latin typeface="Courier New" pitchFamily="49" charset="0"/>
+                <a:cs typeface="Courier New" pitchFamily="49" charset="0"/>
+              </a:rPr>
+              <a:t>    </a:t>
+            </a:r>
+            <a:r>
+              <a:rPr lang="pt-BR" sz="1200" b="1" dirty="0" err="1" smtClean="0">
+                <a:latin typeface="Courier New" pitchFamily="49" charset="0"/>
+                <a:cs typeface="Courier New" pitchFamily="49" charset="0"/>
+              </a:rPr>
+              <a:t>return</a:t>
+            </a:r>
+            <a:r>
+              <a:rPr lang="pt-BR" sz="1200" dirty="0" smtClean="0">
+                <a:latin typeface="Courier New" pitchFamily="49" charset="0"/>
+                <a:cs typeface="Courier New" pitchFamily="49" charset="0"/>
+              </a:rPr>
+              <a:t> </a:t>
+            </a:r>
+            <a:r>
+              <a:rPr lang="pt-BR" sz="1200" dirty="0" err="1" smtClean="0">
+                <a:latin typeface="Courier New" pitchFamily="49" charset="0"/>
+                <a:cs typeface="Courier New" pitchFamily="49" charset="0"/>
+              </a:rPr>
+              <a:t>this</a:t>
+            </a:r>
+            <a:r>
+              <a:rPr lang="pt-BR" sz="1200" dirty="0" smtClean="0">
+                <a:latin typeface="Courier New" pitchFamily="49" charset="0"/>
+                <a:cs typeface="Courier New" pitchFamily="49" charset="0"/>
+              </a:rPr>
+              <a:t>.</a:t>
+            </a:r>
+            <a:r>
+              <a:rPr lang="pt-BR" sz="1200" dirty="0" err="1" smtClean="0">
+                <a:latin typeface="Courier New" pitchFamily="49" charset="0"/>
+                <a:cs typeface="Courier New" pitchFamily="49" charset="0"/>
+              </a:rPr>
+              <a:t>unitToDefinitionAfter</a:t>
+            </a:r>
+            <a:r>
+              <a:rPr lang="pt-BR" sz="1200" dirty="0" smtClean="0">
+                <a:latin typeface="Courier New" pitchFamily="49" charset="0"/>
+                <a:cs typeface="Courier New" pitchFamily="49" charset="0"/>
+              </a:rPr>
+              <a:t>.</a:t>
+            </a:r>
+            <a:r>
+              <a:rPr lang="pt-BR" sz="1200" dirty="0" err="1" smtClean="0">
+                <a:latin typeface="Courier New" pitchFamily="49" charset="0"/>
+                <a:cs typeface="Courier New" pitchFamily="49" charset="0"/>
+              </a:rPr>
+              <a:t>get</a:t>
+            </a:r>
+            <a:r>
+              <a:rPr lang="pt-BR" sz="1200" dirty="0" smtClean="0">
+                <a:latin typeface="Courier New" pitchFamily="49" charset="0"/>
+                <a:cs typeface="Courier New" pitchFamily="49" charset="0"/>
+              </a:rPr>
+              <a:t>(_</a:t>
+            </a:r>
+            <a:r>
+              <a:rPr lang="pt-BR" sz="1200" dirty="0" err="1" smtClean="0">
+                <a:latin typeface="Courier New" pitchFamily="49" charset="0"/>
+                <a:cs typeface="Courier New" pitchFamily="49" charset="0"/>
+              </a:rPr>
+              <a:t>unit</a:t>
+            </a:r>
+            <a:r>
+              <a:rPr lang="pt-BR" sz="1200" dirty="0" smtClean="0">
+                <a:latin typeface="Courier New" pitchFamily="49" charset="0"/>
+                <a:cs typeface="Courier New" pitchFamily="49" charset="0"/>
+              </a:rPr>
+              <a:t>);}</a:t>
+            </a:r>
+          </a:p>
+          <a:p>
+            <a:r>
+              <a:rPr lang="pt-BR" sz="1200" dirty="0" smtClean="0">
+                <a:latin typeface="Courier New" pitchFamily="49" charset="0"/>
+                <a:cs typeface="Courier New" pitchFamily="49" charset="0"/>
+              </a:rPr>
+              <a:t>  </a:t>
+            </a:r>
+            <a:r>
+              <a:rPr lang="pt-BR" sz="1200" b="1" dirty="0" err="1" smtClean="0">
+                <a:latin typeface="Courier New" pitchFamily="49" charset="0"/>
+                <a:cs typeface="Courier New" pitchFamily="49" charset="0"/>
+              </a:rPr>
+              <a:t>public</a:t>
+            </a:r>
+            <a:r>
+              <a:rPr lang="pt-BR" sz="1200" dirty="0" smtClean="0">
+                <a:latin typeface="Courier New" pitchFamily="49" charset="0"/>
+                <a:cs typeface="Courier New" pitchFamily="49" charset="0"/>
+              </a:rPr>
+              <a:t> </a:t>
+            </a:r>
+            <a:r>
+              <a:rPr lang="pt-BR" sz="1200" dirty="0" err="1" smtClean="0">
+                <a:latin typeface="Courier New" pitchFamily="49" charset="0"/>
+                <a:cs typeface="Courier New" pitchFamily="49" charset="0"/>
+              </a:rPr>
+              <a:t>List</a:t>
+            </a:r>
+            <a:r>
+              <a:rPr lang="pt-BR" sz="1200" dirty="0" smtClean="0">
+                <a:latin typeface="Courier New" pitchFamily="49" charset="0"/>
+                <a:cs typeface="Courier New" pitchFamily="49" charset="0"/>
+              </a:rPr>
+              <a:t>&lt;</a:t>
+            </a:r>
+            <a:r>
+              <a:rPr lang="pt-BR" sz="1200" dirty="0" err="1" smtClean="0">
+                <a:latin typeface="Courier New" pitchFamily="49" charset="0"/>
+                <a:cs typeface="Courier New" pitchFamily="49" charset="0"/>
+              </a:rPr>
+              <a:t>Definition</a:t>
+            </a:r>
+            <a:r>
+              <a:rPr lang="pt-BR" sz="1200" dirty="0" smtClean="0">
+                <a:latin typeface="Courier New" pitchFamily="49" charset="0"/>
+                <a:cs typeface="Courier New" pitchFamily="49" charset="0"/>
+              </a:rPr>
+              <a:t>&gt; </a:t>
+            </a:r>
+            <a:r>
+              <a:rPr lang="pt-BR" sz="1200" dirty="0" err="1" smtClean="0">
+                <a:latin typeface="Courier New" pitchFamily="49" charset="0"/>
+                <a:cs typeface="Courier New" pitchFamily="49" charset="0"/>
+              </a:rPr>
+              <a:t>getReachingDefinitionsBefore</a:t>
+            </a:r>
+            <a:r>
+              <a:rPr lang="pt-BR" sz="1200" dirty="0" smtClean="0">
+                <a:latin typeface="Courier New" pitchFamily="49" charset="0"/>
+                <a:cs typeface="Courier New" pitchFamily="49" charset="0"/>
+              </a:rPr>
+              <a:t>(</a:t>
+            </a:r>
+            <a:r>
+              <a:rPr lang="pt-BR" sz="1200" dirty="0" err="1" smtClean="0">
+                <a:latin typeface="Courier New" pitchFamily="49" charset="0"/>
+                <a:cs typeface="Courier New" pitchFamily="49" charset="0"/>
+              </a:rPr>
+              <a:t>Unit</a:t>
+            </a:r>
+            <a:r>
+              <a:rPr lang="pt-BR" sz="1200" dirty="0" smtClean="0">
+                <a:latin typeface="Courier New" pitchFamily="49" charset="0"/>
+                <a:cs typeface="Courier New" pitchFamily="49" charset="0"/>
+              </a:rPr>
+              <a:t> _</a:t>
+            </a:r>
+            <a:r>
+              <a:rPr lang="pt-BR" sz="1200" dirty="0" err="1" smtClean="0">
+                <a:latin typeface="Courier New" pitchFamily="49" charset="0"/>
+                <a:cs typeface="Courier New" pitchFamily="49" charset="0"/>
+              </a:rPr>
+              <a:t>unit</a:t>
+            </a:r>
+            <a:r>
+              <a:rPr lang="pt-BR" sz="1200" dirty="0" smtClean="0">
+                <a:latin typeface="Courier New" pitchFamily="49" charset="0"/>
+                <a:cs typeface="Courier New" pitchFamily="49" charset="0"/>
+              </a:rPr>
+              <a:t>) {</a:t>
+            </a:r>
+          </a:p>
+          <a:p>
+            <a:r>
+              <a:rPr lang="pt-BR" sz="1200" dirty="0" smtClean="0">
+                <a:latin typeface="Courier New" pitchFamily="49" charset="0"/>
+                <a:cs typeface="Courier New" pitchFamily="49" charset="0"/>
+              </a:rPr>
+              <a:t>    </a:t>
+            </a:r>
+            <a:r>
+              <a:rPr lang="pt-BR" sz="1200" b="1" dirty="0" err="1" smtClean="0">
+                <a:latin typeface="Courier New" pitchFamily="49" charset="0"/>
+                <a:cs typeface="Courier New" pitchFamily="49" charset="0"/>
+              </a:rPr>
+              <a:t>return</a:t>
+            </a:r>
+            <a:r>
+              <a:rPr lang="pt-BR" sz="1200" dirty="0" smtClean="0">
+                <a:latin typeface="Courier New" pitchFamily="49" charset="0"/>
+                <a:cs typeface="Courier New" pitchFamily="49" charset="0"/>
+              </a:rPr>
+              <a:t> </a:t>
+            </a:r>
+            <a:r>
+              <a:rPr lang="pt-BR" sz="1200" dirty="0" err="1" smtClean="0">
+                <a:latin typeface="Courier New" pitchFamily="49" charset="0"/>
+                <a:cs typeface="Courier New" pitchFamily="49" charset="0"/>
+              </a:rPr>
+              <a:t>this</a:t>
+            </a:r>
+            <a:r>
+              <a:rPr lang="pt-BR" sz="1200" dirty="0" smtClean="0">
+                <a:latin typeface="Courier New" pitchFamily="49" charset="0"/>
+                <a:cs typeface="Courier New" pitchFamily="49" charset="0"/>
+              </a:rPr>
+              <a:t>.</a:t>
+            </a:r>
+            <a:r>
+              <a:rPr lang="pt-BR" sz="1200" dirty="0" err="1" smtClean="0">
+                <a:latin typeface="Courier New" pitchFamily="49" charset="0"/>
+                <a:cs typeface="Courier New" pitchFamily="49" charset="0"/>
+              </a:rPr>
+              <a:t>unitToDefinitionBefore</a:t>
+            </a:r>
+            <a:r>
+              <a:rPr lang="pt-BR" sz="1200" dirty="0" smtClean="0">
+                <a:latin typeface="Courier New" pitchFamily="49" charset="0"/>
+                <a:cs typeface="Courier New" pitchFamily="49" charset="0"/>
+              </a:rPr>
+              <a:t>.</a:t>
+            </a:r>
+            <a:r>
+              <a:rPr lang="pt-BR" sz="1200" dirty="0" err="1" smtClean="0">
+                <a:latin typeface="Courier New" pitchFamily="49" charset="0"/>
+                <a:cs typeface="Courier New" pitchFamily="49" charset="0"/>
+              </a:rPr>
+              <a:t>get</a:t>
+            </a:r>
+            <a:r>
+              <a:rPr lang="pt-BR" sz="1200" dirty="0" smtClean="0">
+                <a:latin typeface="Courier New" pitchFamily="49" charset="0"/>
+                <a:cs typeface="Courier New" pitchFamily="49" charset="0"/>
+              </a:rPr>
+              <a:t>(_</a:t>
+            </a:r>
+            <a:r>
+              <a:rPr lang="pt-BR" sz="1200" dirty="0" err="1" smtClean="0">
+                <a:latin typeface="Courier New" pitchFamily="49" charset="0"/>
+                <a:cs typeface="Courier New" pitchFamily="49" charset="0"/>
+              </a:rPr>
+              <a:t>unit</a:t>
+            </a:r>
+            <a:r>
+              <a:rPr lang="pt-BR" sz="1200" dirty="0" smtClean="0">
+                <a:latin typeface="Courier New" pitchFamily="49" charset="0"/>
+                <a:cs typeface="Courier New" pitchFamily="49" charset="0"/>
+              </a:rPr>
+              <a:t>);}</a:t>
+            </a:r>
+          </a:p>
+          <a:p>
+            <a:r>
+              <a:rPr lang="en-US" sz="1200" dirty="0" smtClean="0">
+                <a:latin typeface="Courier New" pitchFamily="49" charset="0"/>
+                <a:cs typeface="Courier New" pitchFamily="49" charset="0"/>
+              </a:rPr>
+              <a:t>}</a:t>
+            </a:r>
+          </a:p>
+          <a:p>
+            <a:r>
+              <a:rPr lang="en-US" sz="1200" b="1" dirty="0" smtClean="0">
+                <a:latin typeface="Courier New" pitchFamily="49" charset="0"/>
+                <a:cs typeface="Courier New" pitchFamily="49" charset="0"/>
+              </a:rPr>
+              <a:t>class</a:t>
+            </a:r>
+            <a:r>
+              <a:rPr lang="en-US" sz="1200" dirty="0" smtClean="0">
+                <a:latin typeface="Courier New" pitchFamily="49" charset="0"/>
+                <a:cs typeface="Courier New" pitchFamily="49" charset="0"/>
+              </a:rPr>
+              <a:t> </a:t>
+            </a:r>
+            <a:r>
+              <a:rPr lang="en-US" sz="1200" dirty="0" err="1" smtClean="0">
+                <a:latin typeface="Courier New" pitchFamily="49" charset="0"/>
+                <a:cs typeface="Courier New" pitchFamily="49" charset="0"/>
+              </a:rPr>
+              <a:t>SimpleReachingDefinitionsAnalysis</a:t>
+            </a:r>
+            <a:r>
+              <a:rPr lang="en-US" sz="1200" dirty="0" smtClean="0">
+                <a:latin typeface="Courier New" pitchFamily="49" charset="0"/>
+                <a:cs typeface="Courier New" pitchFamily="49" charset="0"/>
+              </a:rPr>
+              <a:t> </a:t>
+            </a:r>
+            <a:r>
+              <a:rPr lang="en-US" sz="1200" b="1" dirty="0" smtClean="0">
+                <a:latin typeface="Courier New" pitchFamily="49" charset="0"/>
+                <a:cs typeface="Courier New" pitchFamily="49" charset="0"/>
+              </a:rPr>
+              <a:t>extends</a:t>
+            </a:r>
+            <a:r>
+              <a:rPr lang="en-US" sz="1200" dirty="0" smtClean="0">
+                <a:latin typeface="Courier New" pitchFamily="49" charset="0"/>
+                <a:cs typeface="Courier New" pitchFamily="49" charset="0"/>
+              </a:rPr>
+              <a:t> </a:t>
+            </a:r>
+            <a:r>
+              <a:rPr lang="en-US" sz="1200" dirty="0" err="1" smtClean="0">
+                <a:latin typeface="Courier New" pitchFamily="49" charset="0"/>
+                <a:cs typeface="Courier New" pitchFamily="49" charset="0"/>
+              </a:rPr>
+              <a:t>ForwardFlowAnalysis</a:t>
+            </a:r>
+            <a:r>
+              <a:rPr lang="en-US" sz="1200" dirty="0" smtClean="0">
+                <a:latin typeface="Courier New" pitchFamily="49" charset="0"/>
+                <a:cs typeface="Courier New" pitchFamily="49" charset="0"/>
+              </a:rPr>
+              <a:t>&lt;Unit, </a:t>
+            </a:r>
+            <a:r>
+              <a:rPr lang="en-US" sz="1200" dirty="0" err="1" smtClean="0">
+                <a:latin typeface="Courier New" pitchFamily="49" charset="0"/>
+                <a:cs typeface="Courier New" pitchFamily="49" charset="0"/>
+              </a:rPr>
+              <a:t>FlowSet</a:t>
+            </a:r>
+            <a:r>
+              <a:rPr lang="en-US" sz="1200" dirty="0" smtClean="0">
+                <a:latin typeface="Courier New" pitchFamily="49" charset="0"/>
+                <a:cs typeface="Courier New" pitchFamily="49" charset="0"/>
+              </a:rPr>
+              <a:t>&gt; {</a:t>
+            </a:r>
+          </a:p>
+          <a:p>
+            <a:r>
+              <a:rPr lang="pt-BR" sz="1200" dirty="0" smtClean="0">
+                <a:latin typeface="Courier New" pitchFamily="49" charset="0"/>
+                <a:cs typeface="Courier New" pitchFamily="49" charset="0"/>
+              </a:rPr>
+              <a:t>  </a:t>
+            </a:r>
+            <a:r>
+              <a:rPr lang="pt-BR" sz="1200" b="1" dirty="0" err="1" smtClean="0">
+                <a:latin typeface="Courier New" pitchFamily="49" charset="0"/>
+                <a:cs typeface="Courier New" pitchFamily="49" charset="0"/>
+              </a:rPr>
+              <a:t>private</a:t>
+            </a:r>
+            <a:r>
+              <a:rPr lang="pt-BR" sz="1200" dirty="0" smtClean="0">
+                <a:latin typeface="Courier New" pitchFamily="49" charset="0"/>
+                <a:cs typeface="Courier New" pitchFamily="49" charset="0"/>
+              </a:rPr>
+              <a:t> </a:t>
+            </a:r>
+            <a:r>
+              <a:rPr lang="pt-BR" sz="1200" dirty="0" err="1" smtClean="0">
+                <a:latin typeface="Courier New" pitchFamily="49" charset="0"/>
+                <a:cs typeface="Courier New" pitchFamily="49" charset="0"/>
+              </a:rPr>
+              <a:t>FlowSet</a:t>
+            </a:r>
+            <a:r>
+              <a:rPr lang="pt-BR" sz="1200" dirty="0" smtClean="0">
+                <a:latin typeface="Courier New" pitchFamily="49" charset="0"/>
+                <a:cs typeface="Courier New" pitchFamily="49" charset="0"/>
+              </a:rPr>
+              <a:t> </a:t>
+            </a:r>
+            <a:r>
+              <a:rPr lang="pt-BR" sz="1200" dirty="0" err="1" smtClean="0">
+                <a:latin typeface="Courier New" pitchFamily="49" charset="0"/>
+                <a:cs typeface="Courier New" pitchFamily="49" charset="0"/>
+              </a:rPr>
+              <a:t>emptySet</a:t>
+            </a:r>
+            <a:r>
+              <a:rPr lang="pt-BR" sz="1200" dirty="0" smtClean="0">
+                <a:latin typeface="Courier New" pitchFamily="49" charset="0"/>
+                <a:cs typeface="Courier New" pitchFamily="49" charset="0"/>
+              </a:rPr>
+              <a:t>;</a:t>
+            </a:r>
+          </a:p>
+          <a:p>
+            <a:r>
+              <a:rPr lang="pt-BR" sz="1200" dirty="0" smtClean="0">
+                <a:latin typeface="Courier New" pitchFamily="49" charset="0"/>
+                <a:cs typeface="Courier New" pitchFamily="49" charset="0"/>
+              </a:rPr>
+              <a:t>  </a:t>
+            </a:r>
+            <a:r>
+              <a:rPr lang="pt-BR" sz="1200" b="1" dirty="0" err="1" smtClean="0">
+                <a:latin typeface="Courier New" pitchFamily="49" charset="0"/>
+                <a:cs typeface="Courier New" pitchFamily="49" charset="0"/>
+              </a:rPr>
+              <a:t>public</a:t>
+            </a:r>
+            <a:r>
+              <a:rPr lang="pt-BR" sz="1200" dirty="0" smtClean="0">
+                <a:latin typeface="Courier New" pitchFamily="49" charset="0"/>
+                <a:cs typeface="Courier New" pitchFamily="49" charset="0"/>
+              </a:rPr>
+              <a:t> </a:t>
+            </a:r>
+            <a:r>
+              <a:rPr lang="pt-BR" sz="1200" dirty="0" err="1" smtClean="0">
+                <a:latin typeface="Courier New" pitchFamily="49" charset="0"/>
+                <a:cs typeface="Courier New" pitchFamily="49" charset="0"/>
+              </a:rPr>
+              <a:t>SimpleReachingDefinitionsAnalysis</a:t>
+            </a:r>
+            <a:r>
+              <a:rPr lang="pt-BR" sz="1200" dirty="0" smtClean="0">
+                <a:latin typeface="Courier New" pitchFamily="49" charset="0"/>
+                <a:cs typeface="Courier New" pitchFamily="49" charset="0"/>
+              </a:rPr>
+              <a:t>(</a:t>
+            </a:r>
+            <a:r>
+              <a:rPr lang="pt-BR" sz="1200" dirty="0" err="1" smtClean="0">
+                <a:latin typeface="Courier New" pitchFamily="49" charset="0"/>
+                <a:cs typeface="Courier New" pitchFamily="49" charset="0"/>
+              </a:rPr>
+              <a:t>DirectedGraph</a:t>
+            </a:r>
+            <a:r>
+              <a:rPr lang="pt-BR" sz="1200" dirty="0" smtClean="0">
+                <a:latin typeface="Courier New" pitchFamily="49" charset="0"/>
+                <a:cs typeface="Courier New" pitchFamily="49" charset="0"/>
+              </a:rPr>
+              <a:t>&lt;</a:t>
+            </a:r>
+            <a:r>
+              <a:rPr lang="pt-BR" sz="1200" dirty="0" err="1" smtClean="0">
+                <a:latin typeface="Courier New" pitchFamily="49" charset="0"/>
+                <a:cs typeface="Courier New" pitchFamily="49" charset="0"/>
+              </a:rPr>
+              <a:t>Unit</a:t>
+            </a:r>
+            <a:r>
+              <a:rPr lang="pt-BR" sz="1200" dirty="0" smtClean="0">
+                <a:latin typeface="Courier New" pitchFamily="49" charset="0"/>
+                <a:cs typeface="Courier New" pitchFamily="49" charset="0"/>
+              </a:rPr>
+              <a:t>&gt; _</a:t>
+            </a:r>
+            <a:r>
+              <a:rPr lang="pt-BR" sz="1200" dirty="0" err="1" smtClean="0">
+                <a:latin typeface="Courier New" pitchFamily="49" charset="0"/>
+                <a:cs typeface="Courier New" pitchFamily="49" charset="0"/>
+              </a:rPr>
+              <a:t>graph</a:t>
+            </a:r>
+            <a:r>
+              <a:rPr lang="pt-BR" sz="1200" dirty="0" smtClean="0">
+                <a:latin typeface="Courier New" pitchFamily="49" charset="0"/>
+                <a:cs typeface="Courier New" pitchFamily="49" charset="0"/>
+              </a:rPr>
+              <a:t>) { /*INIT*/}</a:t>
+            </a:r>
+          </a:p>
+          <a:p>
+            <a:r>
+              <a:rPr lang="en-US" sz="1200" dirty="0" smtClean="0">
+                <a:latin typeface="Courier New" pitchFamily="49" charset="0"/>
+                <a:cs typeface="Courier New" pitchFamily="49" charset="0"/>
+              </a:rPr>
+              <a:t>  </a:t>
+            </a:r>
+            <a:r>
+              <a:rPr lang="en-US" sz="1200" b="1" dirty="0" smtClean="0">
+                <a:latin typeface="Courier New" pitchFamily="49" charset="0"/>
+                <a:cs typeface="Courier New" pitchFamily="49" charset="0"/>
+              </a:rPr>
+              <a:t>protected</a:t>
+            </a:r>
+            <a:r>
+              <a:rPr lang="en-US" sz="1200" dirty="0" smtClean="0">
+                <a:latin typeface="Courier New" pitchFamily="49" charset="0"/>
+                <a:cs typeface="Courier New" pitchFamily="49" charset="0"/>
+              </a:rPr>
+              <a:t> </a:t>
+            </a:r>
+            <a:r>
+              <a:rPr lang="en-US" sz="1200" b="1" dirty="0" smtClean="0">
+                <a:latin typeface="Courier New" pitchFamily="49" charset="0"/>
+                <a:cs typeface="Courier New" pitchFamily="49" charset="0"/>
+              </a:rPr>
+              <a:t>void</a:t>
+            </a:r>
+            <a:r>
+              <a:rPr lang="en-US" sz="1200" dirty="0" smtClean="0">
+                <a:latin typeface="Courier New" pitchFamily="49" charset="0"/>
+                <a:cs typeface="Courier New" pitchFamily="49" charset="0"/>
+              </a:rPr>
+              <a:t> copy(</a:t>
+            </a:r>
+            <a:r>
+              <a:rPr lang="en-US" sz="1200" dirty="0" err="1" smtClean="0">
+                <a:latin typeface="Courier New" pitchFamily="49" charset="0"/>
+                <a:cs typeface="Courier New" pitchFamily="49" charset="0"/>
+              </a:rPr>
+              <a:t>FlowSet</a:t>
+            </a:r>
+            <a:r>
+              <a:rPr lang="en-US" sz="1200" dirty="0" smtClean="0">
+                <a:latin typeface="Courier New" pitchFamily="49" charset="0"/>
+                <a:cs typeface="Courier New" pitchFamily="49" charset="0"/>
+              </a:rPr>
+              <a:t> _source, </a:t>
+            </a:r>
+            <a:r>
+              <a:rPr lang="en-US" sz="1200" dirty="0" err="1" smtClean="0">
+                <a:latin typeface="Courier New" pitchFamily="49" charset="0"/>
+                <a:cs typeface="Courier New" pitchFamily="49" charset="0"/>
+              </a:rPr>
+              <a:t>FlowSet</a:t>
+            </a:r>
+            <a:r>
+              <a:rPr lang="en-US" sz="1200" dirty="0" smtClean="0">
+                <a:latin typeface="Courier New" pitchFamily="49" charset="0"/>
+                <a:cs typeface="Courier New" pitchFamily="49" charset="0"/>
+              </a:rPr>
+              <a:t> _</a:t>
+            </a:r>
+            <a:r>
+              <a:rPr lang="en-US" sz="1200" dirty="0" err="1" smtClean="0">
+                <a:latin typeface="Courier New" pitchFamily="49" charset="0"/>
+                <a:cs typeface="Courier New" pitchFamily="49" charset="0"/>
+              </a:rPr>
+              <a:t>dest</a:t>
+            </a:r>
+            <a:r>
+              <a:rPr lang="en-US" sz="1200" dirty="0" smtClean="0">
+                <a:latin typeface="Courier New" pitchFamily="49" charset="0"/>
+                <a:cs typeface="Courier New" pitchFamily="49" charset="0"/>
+              </a:rPr>
+              <a:t>) { …}</a:t>
+            </a:r>
+          </a:p>
+          <a:p>
+            <a:r>
+              <a:rPr lang="en-US" sz="1200" dirty="0" smtClean="0">
+                <a:latin typeface="Courier New" pitchFamily="49" charset="0"/>
+                <a:cs typeface="Courier New" pitchFamily="49" charset="0"/>
+              </a:rPr>
+              <a:t>  </a:t>
+            </a:r>
+            <a:r>
+              <a:rPr lang="en-US" sz="1200" b="1" dirty="0" smtClean="0">
+                <a:latin typeface="Courier New" pitchFamily="49" charset="0"/>
+                <a:cs typeface="Courier New" pitchFamily="49" charset="0"/>
+              </a:rPr>
+              <a:t>protected</a:t>
+            </a:r>
+            <a:r>
+              <a:rPr lang="en-US" sz="1200" dirty="0" smtClean="0">
+                <a:latin typeface="Courier New" pitchFamily="49" charset="0"/>
+                <a:cs typeface="Courier New" pitchFamily="49" charset="0"/>
+              </a:rPr>
+              <a:t> </a:t>
+            </a:r>
+            <a:r>
+              <a:rPr lang="en-US" sz="1200" b="1" dirty="0" smtClean="0">
+                <a:latin typeface="Courier New" pitchFamily="49" charset="0"/>
+                <a:cs typeface="Courier New" pitchFamily="49" charset="0"/>
+              </a:rPr>
+              <a:t>void</a:t>
+            </a:r>
+            <a:r>
+              <a:rPr lang="en-US" sz="1200" dirty="0" smtClean="0">
+                <a:latin typeface="Courier New" pitchFamily="49" charset="0"/>
+                <a:cs typeface="Courier New" pitchFamily="49" charset="0"/>
+              </a:rPr>
+              <a:t> copy(</a:t>
+            </a:r>
+            <a:r>
+              <a:rPr lang="en-US" sz="1200" dirty="0" err="1" smtClean="0">
+                <a:latin typeface="Courier New" pitchFamily="49" charset="0"/>
+                <a:cs typeface="Courier New" pitchFamily="49" charset="0"/>
+              </a:rPr>
+              <a:t>FlowSet</a:t>
+            </a:r>
+            <a:r>
+              <a:rPr lang="en-US" sz="1200" dirty="0" smtClean="0">
+                <a:latin typeface="Courier New" pitchFamily="49" charset="0"/>
+                <a:cs typeface="Courier New" pitchFamily="49" charset="0"/>
+              </a:rPr>
+              <a:t> _source, </a:t>
+            </a:r>
+            <a:r>
+              <a:rPr lang="en-US" sz="1200" dirty="0" err="1" smtClean="0">
+                <a:latin typeface="Courier New" pitchFamily="49" charset="0"/>
+                <a:cs typeface="Courier New" pitchFamily="49" charset="0"/>
+              </a:rPr>
+              <a:t>FlowSet</a:t>
+            </a:r>
+            <a:r>
+              <a:rPr lang="en-US" sz="1200" dirty="0" smtClean="0">
+                <a:latin typeface="Courier New" pitchFamily="49" charset="0"/>
+                <a:cs typeface="Courier New" pitchFamily="49" charset="0"/>
+              </a:rPr>
+              <a:t> _</a:t>
+            </a:r>
+            <a:r>
+              <a:rPr lang="en-US" sz="1200" dirty="0" err="1" smtClean="0">
+                <a:latin typeface="Courier New" pitchFamily="49" charset="0"/>
+                <a:cs typeface="Courier New" pitchFamily="49" charset="0"/>
+              </a:rPr>
+              <a:t>dest</a:t>
+            </a:r>
+            <a:r>
+              <a:rPr lang="en-US" sz="1200" dirty="0" smtClean="0">
+                <a:latin typeface="Courier New" pitchFamily="49" charset="0"/>
+                <a:cs typeface="Courier New" pitchFamily="49" charset="0"/>
+              </a:rPr>
+              <a:t>) { …}</a:t>
+            </a:r>
+          </a:p>
+          <a:p>
+            <a:r>
+              <a:rPr lang="pt-BR" sz="1200" dirty="0" smtClean="0">
+                <a:latin typeface="Courier New" pitchFamily="49" charset="0"/>
+                <a:cs typeface="Courier New" pitchFamily="49" charset="0"/>
+              </a:rPr>
+              <a:t>  </a:t>
+            </a:r>
+            <a:r>
+              <a:rPr lang="pt-BR" sz="1200" b="1" dirty="0" err="1" smtClean="0">
+                <a:latin typeface="Courier New" pitchFamily="49" charset="0"/>
+                <a:cs typeface="Courier New" pitchFamily="49" charset="0"/>
+              </a:rPr>
+              <a:t>protected</a:t>
+            </a:r>
+            <a:r>
+              <a:rPr lang="pt-BR" sz="1200" dirty="0" smtClean="0">
+                <a:latin typeface="Courier New" pitchFamily="49" charset="0"/>
+                <a:cs typeface="Courier New" pitchFamily="49" charset="0"/>
+              </a:rPr>
+              <a:t> </a:t>
+            </a:r>
+            <a:r>
+              <a:rPr lang="pt-BR" sz="1200" b="1" dirty="0" err="1" smtClean="0">
+                <a:latin typeface="Courier New" pitchFamily="49" charset="0"/>
+                <a:cs typeface="Courier New" pitchFamily="49" charset="0"/>
+              </a:rPr>
+              <a:t>void</a:t>
+            </a:r>
+            <a:r>
+              <a:rPr lang="pt-BR" sz="1200" dirty="0" smtClean="0">
+                <a:latin typeface="Courier New" pitchFamily="49" charset="0"/>
+                <a:cs typeface="Courier New" pitchFamily="49" charset="0"/>
+              </a:rPr>
+              <a:t> merge(</a:t>
+            </a:r>
+            <a:r>
+              <a:rPr lang="pt-BR" sz="1200" dirty="0" err="1" smtClean="0">
+                <a:latin typeface="Courier New" pitchFamily="49" charset="0"/>
+                <a:cs typeface="Courier New" pitchFamily="49" charset="0"/>
+              </a:rPr>
+              <a:t>FlowSet</a:t>
+            </a:r>
+            <a:r>
+              <a:rPr lang="pt-BR" sz="1200" dirty="0" smtClean="0">
+                <a:latin typeface="Courier New" pitchFamily="49" charset="0"/>
+                <a:cs typeface="Courier New" pitchFamily="49" charset="0"/>
+              </a:rPr>
+              <a:t> _source1, </a:t>
+            </a:r>
+            <a:r>
+              <a:rPr lang="pt-BR" sz="1200" dirty="0" err="1" smtClean="0">
+                <a:latin typeface="Courier New" pitchFamily="49" charset="0"/>
+                <a:cs typeface="Courier New" pitchFamily="49" charset="0"/>
+              </a:rPr>
+              <a:t>FlowSet</a:t>
+            </a:r>
+            <a:r>
+              <a:rPr lang="pt-BR" sz="1200" dirty="0" smtClean="0">
+                <a:latin typeface="Courier New" pitchFamily="49" charset="0"/>
+                <a:cs typeface="Courier New" pitchFamily="49" charset="0"/>
+              </a:rPr>
+              <a:t> _source2, </a:t>
+            </a:r>
+            <a:r>
+              <a:rPr lang="pt-BR" sz="1200" dirty="0" err="1" smtClean="0">
+                <a:latin typeface="Courier New" pitchFamily="49" charset="0"/>
+                <a:cs typeface="Courier New" pitchFamily="49" charset="0"/>
+              </a:rPr>
+              <a:t>FlowSet</a:t>
+            </a:r>
+            <a:r>
+              <a:rPr lang="pt-BR" sz="1200" dirty="0" smtClean="0">
+                <a:latin typeface="Courier New" pitchFamily="49" charset="0"/>
+                <a:cs typeface="Courier New" pitchFamily="49" charset="0"/>
+              </a:rPr>
+              <a:t> _</a:t>
+            </a:r>
+            <a:r>
+              <a:rPr lang="pt-BR" sz="1200" dirty="0" err="1" smtClean="0">
+                <a:latin typeface="Courier New" pitchFamily="49" charset="0"/>
+                <a:cs typeface="Courier New" pitchFamily="49" charset="0"/>
+              </a:rPr>
+              <a:t>dest</a:t>
+            </a:r>
+            <a:r>
+              <a:rPr lang="pt-BR" sz="1200" dirty="0" smtClean="0">
+                <a:latin typeface="Courier New" pitchFamily="49" charset="0"/>
+                <a:cs typeface="Courier New" pitchFamily="49" charset="0"/>
+              </a:rPr>
+              <a:t>) { ...}</a:t>
+            </a:r>
+          </a:p>
+          <a:p>
+            <a:r>
+              <a:rPr lang="pt-BR" sz="1200" dirty="0" smtClean="0">
+                <a:latin typeface="Courier New" pitchFamily="49" charset="0"/>
+                <a:cs typeface="Courier New" pitchFamily="49" charset="0"/>
+              </a:rPr>
+              <a:t>  </a:t>
+            </a:r>
+            <a:r>
+              <a:rPr lang="pt-BR" sz="1200" b="1" dirty="0" err="1" smtClean="0">
+                <a:latin typeface="Courier New" pitchFamily="49" charset="0"/>
+                <a:cs typeface="Courier New" pitchFamily="49" charset="0"/>
+              </a:rPr>
+              <a:t>protected</a:t>
+            </a:r>
+            <a:r>
+              <a:rPr lang="pt-BR" sz="1200" dirty="0" smtClean="0">
+                <a:latin typeface="Courier New" pitchFamily="49" charset="0"/>
+                <a:cs typeface="Courier New" pitchFamily="49" charset="0"/>
+              </a:rPr>
+              <a:t> </a:t>
+            </a:r>
+            <a:r>
+              <a:rPr lang="pt-BR" sz="1200" dirty="0" err="1" smtClean="0">
+                <a:latin typeface="Courier New" pitchFamily="49" charset="0"/>
+                <a:cs typeface="Courier New" pitchFamily="49" charset="0"/>
+              </a:rPr>
+              <a:t>FlowSet</a:t>
+            </a:r>
+            <a:r>
+              <a:rPr lang="pt-BR" sz="1200" dirty="0" smtClean="0">
+                <a:latin typeface="Courier New" pitchFamily="49" charset="0"/>
+                <a:cs typeface="Courier New" pitchFamily="49" charset="0"/>
+              </a:rPr>
+              <a:t> </a:t>
+            </a:r>
+            <a:r>
+              <a:rPr lang="pt-BR" sz="1200" dirty="0" err="1" smtClean="0">
+                <a:latin typeface="Courier New" pitchFamily="49" charset="0"/>
+                <a:cs typeface="Courier New" pitchFamily="49" charset="0"/>
+              </a:rPr>
+              <a:t>entryInitialFlow</a:t>
+            </a:r>
+            <a:r>
+              <a:rPr lang="pt-BR" sz="1200" dirty="0" smtClean="0">
+                <a:latin typeface="Courier New" pitchFamily="49" charset="0"/>
+                <a:cs typeface="Courier New" pitchFamily="49" charset="0"/>
+              </a:rPr>
+              <a:t>() { ...}</a:t>
+            </a:r>
+          </a:p>
+          <a:p>
+            <a:r>
+              <a:rPr lang="pt-BR" sz="1200" dirty="0" smtClean="0">
+                <a:latin typeface="Courier New" pitchFamily="49" charset="0"/>
+                <a:cs typeface="Courier New" pitchFamily="49" charset="0"/>
+              </a:rPr>
+              <a:t>  </a:t>
+            </a:r>
+            <a:r>
+              <a:rPr lang="pt-BR" sz="1200" b="1" dirty="0" err="1" smtClean="0">
+                <a:latin typeface="Courier New" pitchFamily="49" charset="0"/>
+                <a:cs typeface="Courier New" pitchFamily="49" charset="0"/>
+              </a:rPr>
+              <a:t>protected</a:t>
+            </a:r>
+            <a:r>
+              <a:rPr lang="pt-BR" sz="1200" dirty="0" smtClean="0">
+                <a:latin typeface="Courier New" pitchFamily="49" charset="0"/>
+                <a:cs typeface="Courier New" pitchFamily="49" charset="0"/>
+              </a:rPr>
+              <a:t> </a:t>
+            </a:r>
+            <a:r>
+              <a:rPr lang="pt-BR" sz="1200" dirty="0" err="1" smtClean="0">
+                <a:latin typeface="Courier New" pitchFamily="49" charset="0"/>
+                <a:cs typeface="Courier New" pitchFamily="49" charset="0"/>
+              </a:rPr>
+              <a:t>FlowSet</a:t>
+            </a:r>
+            <a:r>
+              <a:rPr lang="pt-BR" sz="1200" dirty="0" smtClean="0">
+                <a:latin typeface="Courier New" pitchFamily="49" charset="0"/>
+                <a:cs typeface="Courier New" pitchFamily="49" charset="0"/>
+              </a:rPr>
+              <a:t> </a:t>
+            </a:r>
+            <a:r>
+              <a:rPr lang="pt-BR" sz="1200" dirty="0" err="1" smtClean="0">
+                <a:latin typeface="Courier New" pitchFamily="49" charset="0"/>
+                <a:cs typeface="Courier New" pitchFamily="49" charset="0"/>
+              </a:rPr>
+              <a:t>newInitialFlow</a:t>
+            </a:r>
+            <a:r>
+              <a:rPr lang="pt-BR" sz="1200" dirty="0" smtClean="0">
+                <a:latin typeface="Courier New" pitchFamily="49" charset="0"/>
+                <a:cs typeface="Courier New" pitchFamily="49" charset="0"/>
+              </a:rPr>
+              <a:t>() { ...}</a:t>
+            </a:r>
+          </a:p>
+          <a:p>
+            <a:r>
+              <a:rPr lang="en-US" sz="1200" dirty="0" smtClean="0">
+                <a:latin typeface="Courier New" pitchFamily="49" charset="0"/>
+                <a:cs typeface="Courier New" pitchFamily="49" charset="0"/>
+              </a:rPr>
+              <a:t>  </a:t>
+            </a:r>
+            <a:r>
+              <a:rPr lang="en-US" sz="1200" b="1" dirty="0" smtClean="0">
+                <a:latin typeface="Courier New" pitchFamily="49" charset="0"/>
+                <a:cs typeface="Courier New" pitchFamily="49" charset="0"/>
+              </a:rPr>
+              <a:t>protected</a:t>
+            </a:r>
+            <a:r>
+              <a:rPr lang="en-US" sz="1200" dirty="0" smtClean="0">
+                <a:latin typeface="Courier New" pitchFamily="49" charset="0"/>
+                <a:cs typeface="Courier New" pitchFamily="49" charset="0"/>
+              </a:rPr>
+              <a:t> </a:t>
+            </a:r>
+            <a:r>
+              <a:rPr lang="en-US" sz="1200" b="1" dirty="0" smtClean="0">
+                <a:latin typeface="Courier New" pitchFamily="49" charset="0"/>
+                <a:cs typeface="Courier New" pitchFamily="49" charset="0"/>
+              </a:rPr>
+              <a:t>void</a:t>
+            </a:r>
+            <a:r>
+              <a:rPr lang="en-US" sz="1200" dirty="0" smtClean="0">
+                <a:latin typeface="Courier New" pitchFamily="49" charset="0"/>
+                <a:cs typeface="Courier New" pitchFamily="49" charset="0"/>
+              </a:rPr>
+              <a:t> </a:t>
+            </a:r>
+            <a:r>
+              <a:rPr lang="en-US" sz="1200" dirty="0" err="1" smtClean="0">
+                <a:latin typeface="Courier New" pitchFamily="49" charset="0"/>
+                <a:cs typeface="Courier New" pitchFamily="49" charset="0"/>
+              </a:rPr>
+              <a:t>flowThrough</a:t>
+            </a:r>
+            <a:r>
+              <a:rPr lang="en-US" sz="1200" dirty="0" smtClean="0">
+                <a:latin typeface="Courier New" pitchFamily="49" charset="0"/>
+                <a:cs typeface="Courier New" pitchFamily="49" charset="0"/>
+              </a:rPr>
+              <a:t>(</a:t>
+            </a:r>
+            <a:r>
+              <a:rPr lang="en-US" sz="1200" dirty="0" err="1" smtClean="0">
+                <a:latin typeface="Courier New" pitchFamily="49" charset="0"/>
+                <a:cs typeface="Courier New" pitchFamily="49" charset="0"/>
+              </a:rPr>
+              <a:t>FlowSet</a:t>
+            </a:r>
+            <a:r>
+              <a:rPr lang="en-US" sz="1200" dirty="0" smtClean="0">
+                <a:latin typeface="Courier New" pitchFamily="49" charset="0"/>
+                <a:cs typeface="Courier New" pitchFamily="49" charset="0"/>
+              </a:rPr>
+              <a:t> _source, Unit _unit, </a:t>
+            </a:r>
+            <a:r>
+              <a:rPr lang="en-US" sz="1200" dirty="0" err="1" smtClean="0">
+                <a:latin typeface="Courier New" pitchFamily="49" charset="0"/>
+                <a:cs typeface="Courier New" pitchFamily="49" charset="0"/>
+              </a:rPr>
+              <a:t>FlowSet</a:t>
+            </a:r>
+            <a:r>
+              <a:rPr lang="en-US" sz="1200" dirty="0" smtClean="0">
+                <a:latin typeface="Courier New" pitchFamily="49" charset="0"/>
+                <a:cs typeface="Courier New" pitchFamily="49" charset="0"/>
+              </a:rPr>
+              <a:t> _</a:t>
+            </a:r>
+            <a:r>
+              <a:rPr lang="en-US" sz="1200" dirty="0" err="1" smtClean="0">
+                <a:latin typeface="Courier New" pitchFamily="49" charset="0"/>
+                <a:cs typeface="Courier New" pitchFamily="49" charset="0"/>
+              </a:rPr>
+              <a:t>dest</a:t>
+            </a:r>
+            <a:r>
+              <a:rPr lang="en-US" sz="1200" dirty="0" smtClean="0">
+                <a:latin typeface="Courier New" pitchFamily="49" charset="0"/>
+                <a:cs typeface="Courier New" pitchFamily="49" charset="0"/>
+              </a:rPr>
+              <a:t>)</a:t>
+            </a:r>
+            <a:r>
+              <a:rPr lang="pt-BR" sz="1200" dirty="0" smtClean="0">
+                <a:latin typeface="Courier New" pitchFamily="49" charset="0"/>
+                <a:cs typeface="Courier New" pitchFamily="49" charset="0"/>
+              </a:rPr>
+              <a:t>	{...}</a:t>
+            </a:r>
+          </a:p>
+          <a:p>
+            <a:r>
+              <a:rPr lang="pt-BR" sz="1200" dirty="0" smtClean="0">
+                <a:latin typeface="Courier New" pitchFamily="49" charset="0"/>
+                <a:cs typeface="Courier New" pitchFamily="49" charset="0"/>
+              </a:rPr>
+              <a:t>  </a:t>
+            </a:r>
+            <a:r>
+              <a:rPr lang="pt-BR" sz="1200" b="1" dirty="0" err="1" smtClean="0">
+                <a:latin typeface="Courier New" pitchFamily="49" charset="0"/>
+                <a:cs typeface="Courier New" pitchFamily="49" charset="0"/>
+              </a:rPr>
+              <a:t>private</a:t>
+            </a:r>
+            <a:r>
+              <a:rPr lang="pt-BR" sz="1200" dirty="0" smtClean="0">
+                <a:latin typeface="Courier New" pitchFamily="49" charset="0"/>
+                <a:cs typeface="Courier New" pitchFamily="49" charset="0"/>
+              </a:rPr>
+              <a:t> </a:t>
+            </a:r>
+            <a:r>
+              <a:rPr lang="pt-BR" sz="1200" b="1" dirty="0" err="1" smtClean="0">
+                <a:latin typeface="Courier New" pitchFamily="49" charset="0"/>
+                <a:cs typeface="Courier New" pitchFamily="49" charset="0"/>
+              </a:rPr>
+              <a:t>void</a:t>
+            </a:r>
+            <a:r>
+              <a:rPr lang="pt-BR" sz="1200" dirty="0" smtClean="0">
+                <a:latin typeface="Courier New" pitchFamily="49" charset="0"/>
+                <a:cs typeface="Courier New" pitchFamily="49" charset="0"/>
+              </a:rPr>
+              <a:t> </a:t>
+            </a:r>
+            <a:r>
+              <a:rPr lang="pt-BR" sz="1200" dirty="0" err="1" smtClean="0">
+                <a:latin typeface="Courier New" pitchFamily="49" charset="0"/>
+                <a:cs typeface="Courier New" pitchFamily="49" charset="0"/>
+              </a:rPr>
+              <a:t>kill</a:t>
+            </a:r>
+            <a:r>
+              <a:rPr lang="pt-BR" sz="1200" dirty="0" smtClean="0">
+                <a:latin typeface="Courier New" pitchFamily="49" charset="0"/>
+                <a:cs typeface="Courier New" pitchFamily="49" charset="0"/>
+              </a:rPr>
+              <a:t>(</a:t>
+            </a:r>
+            <a:r>
+              <a:rPr lang="pt-BR" sz="1200" dirty="0" err="1" smtClean="0">
+                <a:latin typeface="Courier New" pitchFamily="49" charset="0"/>
+                <a:cs typeface="Courier New" pitchFamily="49" charset="0"/>
+              </a:rPr>
+              <a:t>FlowSet</a:t>
+            </a:r>
+            <a:r>
+              <a:rPr lang="pt-BR" sz="1200" dirty="0" smtClean="0">
+                <a:latin typeface="Courier New" pitchFamily="49" charset="0"/>
+                <a:cs typeface="Courier New" pitchFamily="49" charset="0"/>
+              </a:rPr>
+              <a:t> _source, </a:t>
+            </a:r>
+            <a:r>
+              <a:rPr lang="pt-BR" sz="1200" dirty="0" err="1" smtClean="0">
+                <a:latin typeface="Courier New" pitchFamily="49" charset="0"/>
+                <a:cs typeface="Courier New" pitchFamily="49" charset="0"/>
+              </a:rPr>
+              <a:t>Unit</a:t>
+            </a:r>
+            <a:r>
+              <a:rPr lang="pt-BR" sz="1200" dirty="0" smtClean="0">
+                <a:latin typeface="Courier New" pitchFamily="49" charset="0"/>
+                <a:cs typeface="Courier New" pitchFamily="49" charset="0"/>
+              </a:rPr>
+              <a:t> _</a:t>
+            </a:r>
+            <a:r>
+              <a:rPr lang="pt-BR" sz="1200" dirty="0" err="1" smtClean="0">
+                <a:latin typeface="Courier New" pitchFamily="49" charset="0"/>
+                <a:cs typeface="Courier New" pitchFamily="49" charset="0"/>
+              </a:rPr>
+              <a:t>unit</a:t>
+            </a:r>
+            <a:r>
+              <a:rPr lang="pt-BR" sz="1200" dirty="0" smtClean="0">
+                <a:latin typeface="Courier New" pitchFamily="49" charset="0"/>
+                <a:cs typeface="Courier New" pitchFamily="49" charset="0"/>
+              </a:rPr>
+              <a:t>, </a:t>
+            </a:r>
+            <a:r>
+              <a:rPr lang="pt-BR" sz="1200" dirty="0" err="1" smtClean="0">
+                <a:latin typeface="Courier New" pitchFamily="49" charset="0"/>
+                <a:cs typeface="Courier New" pitchFamily="49" charset="0"/>
+              </a:rPr>
+              <a:t>FlowSet</a:t>
+            </a:r>
+            <a:r>
+              <a:rPr lang="pt-BR" sz="1200" dirty="0" smtClean="0">
+                <a:latin typeface="Courier New" pitchFamily="49" charset="0"/>
+                <a:cs typeface="Courier New" pitchFamily="49" charset="0"/>
+              </a:rPr>
+              <a:t> _</a:t>
+            </a:r>
+            <a:r>
+              <a:rPr lang="pt-BR" sz="1200" dirty="0" err="1" smtClean="0">
+                <a:latin typeface="Courier New" pitchFamily="49" charset="0"/>
+                <a:cs typeface="Courier New" pitchFamily="49" charset="0"/>
+              </a:rPr>
+              <a:t>dest</a:t>
+            </a:r>
+            <a:r>
+              <a:rPr lang="pt-BR" sz="1200" dirty="0" smtClean="0">
+                <a:latin typeface="Courier New" pitchFamily="49" charset="0"/>
+                <a:cs typeface="Courier New" pitchFamily="49" charset="0"/>
+              </a:rPr>
+              <a:t>) {...}</a:t>
+            </a:r>
+          </a:p>
+          <a:p>
+            <a:r>
+              <a:rPr lang="pt-BR" sz="1200" dirty="0" smtClean="0">
+                <a:latin typeface="Courier New" pitchFamily="49" charset="0"/>
+                <a:cs typeface="Courier New" pitchFamily="49" charset="0"/>
+              </a:rPr>
+              <a:t>  </a:t>
+            </a:r>
+            <a:r>
+              <a:rPr lang="pt-BR" sz="1200" b="1" dirty="0" err="1" smtClean="0">
+                <a:latin typeface="Courier New" pitchFamily="49" charset="0"/>
+                <a:cs typeface="Courier New" pitchFamily="49" charset="0"/>
+              </a:rPr>
+              <a:t>private</a:t>
+            </a:r>
+            <a:r>
+              <a:rPr lang="pt-BR" sz="1200" dirty="0" smtClean="0">
+                <a:latin typeface="Courier New" pitchFamily="49" charset="0"/>
+                <a:cs typeface="Courier New" pitchFamily="49" charset="0"/>
+              </a:rPr>
+              <a:t> </a:t>
+            </a:r>
+            <a:r>
+              <a:rPr lang="pt-BR" sz="1200" dirty="0" err="1" smtClean="0">
+                <a:latin typeface="Courier New" pitchFamily="49" charset="0"/>
+                <a:cs typeface="Courier New" pitchFamily="49" charset="0"/>
+              </a:rPr>
+              <a:t>bdef</a:t>
+            </a:r>
+            <a:r>
+              <a:rPr lang="pt-BR" sz="1200" dirty="0" smtClean="0">
+                <a:latin typeface="Courier New" pitchFamily="49" charset="0"/>
+                <a:cs typeface="Courier New" pitchFamily="49" charset="0"/>
+              </a:rPr>
+              <a:t>(</a:t>
+            </a:r>
+            <a:r>
+              <a:rPr lang="pt-BR" sz="1200" dirty="0" err="1" smtClean="0">
+                <a:latin typeface="Courier New" pitchFamily="49" charset="0"/>
+                <a:cs typeface="Courier New" pitchFamily="49" charset="0"/>
+              </a:rPr>
+              <a:t>FlowSet</a:t>
+            </a:r>
+            <a:r>
+              <a:rPr lang="pt-BR" sz="1200" dirty="0" smtClean="0">
+                <a:latin typeface="Courier New" pitchFamily="49" charset="0"/>
+                <a:cs typeface="Courier New" pitchFamily="49" charset="0"/>
+              </a:rPr>
+              <a:t> _source, </a:t>
+            </a:r>
+            <a:r>
+              <a:rPr lang="pt-BR" sz="1200" dirty="0" err="1" smtClean="0">
+                <a:latin typeface="Courier New" pitchFamily="49" charset="0"/>
+                <a:cs typeface="Courier New" pitchFamily="49" charset="0"/>
+              </a:rPr>
+              <a:t>Unit</a:t>
+            </a:r>
+            <a:r>
+              <a:rPr lang="pt-BR" sz="1200" dirty="0" smtClean="0">
+                <a:latin typeface="Courier New" pitchFamily="49" charset="0"/>
+                <a:cs typeface="Courier New" pitchFamily="49" charset="0"/>
+              </a:rPr>
+              <a:t> _</a:t>
+            </a:r>
+            <a:r>
+              <a:rPr lang="pt-BR" sz="1200" dirty="0" err="1" smtClean="0">
+                <a:latin typeface="Courier New" pitchFamily="49" charset="0"/>
+                <a:cs typeface="Courier New" pitchFamily="49" charset="0"/>
+              </a:rPr>
+              <a:t>unit</a:t>
+            </a:r>
+            <a:r>
+              <a:rPr lang="pt-BR" sz="1200" dirty="0" smtClean="0">
+                <a:latin typeface="Courier New" pitchFamily="49" charset="0"/>
+                <a:cs typeface="Courier New" pitchFamily="49" charset="0"/>
+              </a:rPr>
+              <a:t>, </a:t>
+            </a:r>
+            <a:r>
+              <a:rPr lang="pt-BR" sz="1200" dirty="0" err="1" smtClean="0">
+                <a:latin typeface="Courier New" pitchFamily="49" charset="0"/>
+                <a:cs typeface="Courier New" pitchFamily="49" charset="0"/>
+              </a:rPr>
+              <a:t>FlowSet</a:t>
+            </a:r>
+            <a:r>
+              <a:rPr lang="pt-BR" sz="1200" dirty="0" smtClean="0">
+                <a:latin typeface="Courier New" pitchFamily="49" charset="0"/>
+                <a:cs typeface="Courier New" pitchFamily="49" charset="0"/>
+              </a:rPr>
+              <a:t> _</a:t>
+            </a:r>
+            <a:r>
+              <a:rPr lang="pt-BR" sz="1200" dirty="0" err="1" smtClean="0">
+                <a:latin typeface="Courier New" pitchFamily="49" charset="0"/>
+                <a:cs typeface="Courier New" pitchFamily="49" charset="0"/>
+              </a:rPr>
+              <a:t>dest</a:t>
+            </a:r>
+            <a:r>
+              <a:rPr lang="pt-BR" sz="1200" dirty="0" smtClean="0">
+                <a:latin typeface="Courier New" pitchFamily="49" charset="0"/>
+                <a:cs typeface="Courier New" pitchFamily="49" charset="0"/>
+              </a:rPr>
+              <a:t>) {...}</a:t>
+            </a:r>
+            <a:endParaRPr lang="en-US" sz="1200" dirty="0" smtClean="0">
+              <a:latin typeface="Courier New" pitchFamily="49" charset="0"/>
+              <a:cs typeface="Courier New" pitchFamily="49" charset="0"/>
+            </a:endParaRPr>
+          </a:p>
+          <a:p>
+            <a:r>
+              <a:rPr lang="en-US" sz="1200" dirty="0" smtClean="0">
+                <a:latin typeface="Courier New" pitchFamily="49" charset="0"/>
+                <a:cs typeface="Courier New" pitchFamily="49" charset="0"/>
+              </a:rPr>
+              <a:t>}</a:t>
+            </a:r>
+            <a:endParaRPr lang="pt-BR" sz="1200" dirty="0" smtClean="0">
+              <a:latin typeface="Courier New" pitchFamily="49" charset="0"/>
+              <a:cs typeface="Courier New" pitchFamily="49" charset="0"/>
+            </a:endParaRPr>
+          </a:p>
+        </p:txBody>
+      </p:sp>
+      <p:sp>
+        <p:nvSpPr>
+          <p:cNvPr id="3" name="Retângulo 2"/>
+          <p:cNvSpPr/>
+          <p:nvPr/>
+        </p:nvSpPr>
+        <p:spPr>
+          <a:xfrm>
+            <a:off x="6267956" y="0"/>
+            <a:ext cx="2876044" cy="369332"/>
+          </a:xfrm>
+          <a:prstGeom prst="rect">
+            <a:avLst/>
+          </a:prstGeom>
+        </p:spPr>
+        <p:txBody>
+          <a:bodyPr wrap="none">
+            <a:spAutoFit/>
+          </a:bodyPr>
+          <a:lstStyle/>
+          <a:p>
+            <a:r>
+              <a:rPr lang="en-US" dirty="0"/>
+              <a:t>https://sable.github.io/soot/</a:t>
+            </a:r>
+          </a:p>
+        </p:txBody>
+      </p:sp>
+      <p:sp>
+        <p:nvSpPr>
+          <p:cNvPr id="6" name="TextBox 4"/>
+          <p:cNvSpPr txBox="1"/>
+          <p:nvPr/>
+        </p:nvSpPr>
+        <p:spPr>
+          <a:xfrm>
+            <a:off x="1187624" y="2876743"/>
+            <a:ext cx="7175150" cy="1200329"/>
+          </a:xfrm>
+          <a:prstGeom prst="rect">
+            <a:avLst/>
+          </a:prstGeom>
+          <a:solidFill>
+            <a:srgbClr val="FFFF00"/>
+          </a:solidFill>
           <a:ln/>
         </p:spPr>
         <p:style>
-          <a:lnRef idx="1">
-            <a:schemeClr val="accent1"/>
+          <a:lnRef idx="2">
+            <a:schemeClr val="dk1"/>
           </a:lnRef>
-          <a:fillRef idx="2">
-            <a:schemeClr val="accent1"/>
+          <a:fillRef idx="1">
+            <a:schemeClr val="lt1"/>
           </a:fillRef>
-          <a:effectRef idx="1">
-            <a:schemeClr val="accent1"/>
+          <a:effectRef idx="0">
+            <a:schemeClr val="dk1"/>
           </a:effectRef>
           <a:fontRef idx="minor">
             <a:schemeClr val="dk1"/>
@@ -35135,50 +35380,115 @@
           </a:bodyPr>
           <a:lstStyle/>
           <a:p>
-            <a:r>
-              <a:rPr lang="en-US" sz="3600" dirty="0" smtClean="0"/>
-              <a:t>[…] checkers […] traverse program paths in a forward direction (</a:t>
-            </a:r>
-            <a:r>
-              <a:rPr lang="en-US" sz="3600" b="1" dirty="0" smtClean="0"/>
-              <a:t>flow-sensitive</a:t>
-            </a:r>
-            <a:r>
-              <a:rPr lang="en-US" sz="3600" dirty="0" smtClean="0"/>
-              <a:t>), going across function calls (</a:t>
-            </a:r>
-            <a:r>
-              <a:rPr lang="en-US" sz="3600" b="1" dirty="0" smtClean="0"/>
-              <a:t>inter-procedural</a:t>
-            </a:r>
-            <a:r>
-              <a:rPr lang="en-US" sz="3600" dirty="0" smtClean="0"/>
-              <a:t>) while keeping track of call-site-specific information (</a:t>
-            </a:r>
-            <a:r>
-              <a:rPr lang="en-US" sz="3600" b="1" dirty="0" smtClean="0"/>
-              <a:t>context-sensitive</a:t>
-            </a:r>
-            <a:r>
-              <a:rPr lang="en-US" sz="3600" dirty="0" smtClean="0"/>
-              <a:t>) and […] detect when a path is infeasible (</a:t>
-            </a:r>
-            <a:r>
-              <a:rPr lang="en-US" sz="3600" b="1" dirty="0" smtClean="0"/>
-              <a:t>path-sensitive</a:t>
-            </a:r>
-            <a:r>
-              <a:rPr lang="en-US" sz="3600" dirty="0" smtClean="0"/>
-              <a:t>).</a:t>
-            </a:r>
-            <a:endParaRPr lang="pt-BR" sz="3600" dirty="0"/>
+            <a:pPr algn="ctr"/>
+            <a:r>
+              <a:rPr lang="en-US" sz="3600" dirty="0" err="1" smtClean="0">
+                <a:solidFill>
+                  <a:srgbClr val="05022C"/>
+                </a:solidFill>
+              </a:rPr>
+              <a:t>Várias</a:t>
+            </a:r>
+            <a:r>
+              <a:rPr lang="en-US" sz="3600" dirty="0" smtClean="0">
+                <a:solidFill>
+                  <a:srgbClr val="05022C"/>
+                </a:solidFill>
+              </a:rPr>
+              <a:t> </a:t>
+            </a:r>
+            <a:r>
+              <a:rPr lang="en-US" sz="3600" dirty="0" err="1" smtClean="0">
+                <a:solidFill>
+                  <a:srgbClr val="05022C"/>
+                </a:solidFill>
+              </a:rPr>
+              <a:t>análises</a:t>
+            </a:r>
+            <a:r>
+              <a:rPr lang="en-US" sz="3600" dirty="0" smtClean="0">
+                <a:solidFill>
+                  <a:srgbClr val="05022C"/>
+                </a:solidFill>
+              </a:rPr>
+              <a:t> que </a:t>
+            </a:r>
+            <a:r>
+              <a:rPr lang="en-US" sz="3600" dirty="0" err="1" smtClean="0">
+                <a:solidFill>
+                  <a:srgbClr val="05022C"/>
+                </a:solidFill>
+              </a:rPr>
+              <a:t>vimos</a:t>
+            </a:r>
+            <a:r>
+              <a:rPr lang="en-US" sz="3600" dirty="0" smtClean="0">
+                <a:solidFill>
+                  <a:srgbClr val="05022C"/>
+                </a:solidFill>
+              </a:rPr>
+              <a:t> (para </a:t>
+            </a:r>
+            <a:r>
+              <a:rPr lang="en-US" sz="3600" dirty="0" err="1" smtClean="0">
+                <a:solidFill>
+                  <a:srgbClr val="05022C"/>
+                </a:solidFill>
+              </a:rPr>
+              <a:t>otimização</a:t>
+            </a:r>
+            <a:r>
+              <a:rPr lang="en-US" sz="3600" dirty="0" smtClean="0">
+                <a:solidFill>
+                  <a:srgbClr val="05022C"/>
+                </a:solidFill>
+              </a:rPr>
+              <a:t>) se </a:t>
+            </a:r>
+            <a:r>
+              <a:rPr lang="en-US" sz="3600" dirty="0" err="1" smtClean="0">
+                <a:solidFill>
+                  <a:srgbClr val="05022C"/>
+                </a:solidFill>
+              </a:rPr>
+              <a:t>baseiam</a:t>
+            </a:r>
+            <a:r>
+              <a:rPr lang="en-US" sz="3600" dirty="0" smtClean="0">
+                <a:solidFill>
+                  <a:srgbClr val="05022C"/>
+                </a:solidFill>
+              </a:rPr>
+              <a:t> </a:t>
+            </a:r>
+            <a:r>
+              <a:rPr lang="en-US" sz="3600" dirty="0" err="1" smtClean="0">
+                <a:solidFill>
+                  <a:srgbClr val="05022C"/>
+                </a:solidFill>
+              </a:rPr>
+              <a:t>em</a:t>
+            </a:r>
+            <a:r>
+              <a:rPr lang="en-US" sz="3600" dirty="0" smtClean="0">
+                <a:solidFill>
+                  <a:srgbClr val="05022C"/>
+                </a:solidFill>
+              </a:rPr>
+              <a:t> RD.</a:t>
+            </a:r>
+            <a:endParaRPr lang="pt-BR" sz="3600" dirty="0">
+              <a:solidFill>
+                <a:srgbClr val="05022C"/>
+              </a:solidFill>
+            </a:endParaRPr>
           </a:p>
         </p:txBody>
       </p:sp>
     </p:spTree>
     <p:extLst>
       <p:ext uri="{BB962C8B-B14F-4D97-AF65-F5344CB8AC3E}">
-        <p14:creationId xmlns:p14="http://schemas.microsoft.com/office/powerpoint/2010/main" val="73552180"/>
+        <p14:creationId xmlns:p14="http://schemas.microsoft.com/office/powerpoint/2010/main" val="3555504340"/>
       </p:ext>
     </p:extLst>
   </p:cSld>
@@ -35224,12 +35534,22 @@
         </p:nvSpPr>
         <p:spPr/>
         <p:txBody>
-          <a:bodyPr/>
+          <a:bodyPr>
+            <a:normAutofit fontScale="90000"/>
+          </a:bodyPr>
           <a:lstStyle/>
           <a:p>
             <a:r>
               <a:rPr lang="en-US" dirty="0" err="1" smtClean="0"/>
-              <a:t>Vários</a:t>
+              <a:t>Variações</a:t>
+            </a:r>
+            <a:r>
+              <a:rPr lang="en-US" dirty="0" smtClean="0"/>
+              <a:t> para </a:t>
+            </a:r>
+            <a:r>
+              <a:rPr lang="en-US" dirty="0" err="1" smtClean="0"/>
+              <a:t>tratar</a:t>
             </a:r>
             <a:r>
               <a:rPr lang="en-US" dirty="0" smtClean="0"/>
@@ -35237,15 +35557,42 @@
             </a:r>
             <a:r>
               <a:rPr lang="en-US" dirty="0" err="1" smtClean="0"/>
-              <a:t>casos</a:t>
+              <a:t>complexidade</a:t>
             </a:r>
             <a:r>
               <a:rPr lang="en-US" dirty="0" smtClean="0"/>
-              <a:t> de </a:t>
+              <a:t> da </a:t>
             </a:r>
             <a:r>
               <a:rPr lang="en-US" dirty="0" err="1" smtClean="0"/>
-              <a:t>sucesso</a:t>
+              <a:t>Análise</a:t>
+            </a:r>
+            <a:r>
+              <a:rPr lang="en-US" dirty="0" smtClean="0"/>
+              <a:t> de Dataflow</a:t>
+            </a:r>
+            <a:br>
+              <a:rPr lang="en-US" dirty="0" smtClean="0"/>
+            </a:br>
+            <a:r>
+              <a:rPr lang="en-US" sz="3100" dirty="0" smtClean="0"/>
+              <a:t>[“A few billion LOC latter”, </a:t>
+            </a:r>
+            <a:r>
+              <a:rPr lang="en-US" sz="3100" dirty="0" err="1" smtClean="0"/>
+              <a:t>Bessey</a:t>
+            </a:r>
+            <a:r>
+              <a:rPr lang="en-US" sz="3100" dirty="0" smtClean="0"/>
+              <a:t> </a:t>
+            </a:r>
+            <a:r>
+              <a:rPr lang="en-US" sz="3100" i="1" dirty="0" smtClean="0"/>
+              <a:t>et al.</a:t>
+            </a:r>
+            <a:r>
+              <a:rPr lang="en-US" sz="3100" dirty="0" smtClean="0"/>
+              <a:t>, CACM 2010]</a:t>
             </a:r>
             <a:endParaRPr lang="pt-BR" dirty="0"/>
           </a:p>
@@ -35253,782 +35600,84 @@
       </p:sp>
       <p:sp>
         <p:nvSpPr>
-          <p:cNvPr id="3" name="Content Placeholder 2"/>
-          <p:cNvSpPr>
-            <a:spLocks noGrp="1"/>
-          </p:cNvSpPr>
-          <p:nvPr>
-            <p:ph idx="1"/>
-          </p:nvPr>
+          <p:cNvPr id="7" name="TextBox 6"/>
+          <p:cNvSpPr txBox="1"/>
+          <p:nvPr/>
         </p:nvSpPr>
         <p:spPr>
           <a:xfrm>
-            <a:off x="457200" y="1600200"/>
-            <a:ext cx="8229600" cy="5043510"/>
+            <a:off x="285720" y="2428868"/>
+            <a:ext cx="8643998" cy="3416320"/>
           </a:xfrm>
+          <a:prstGeom prst="rect">
+            <a:avLst/>
+          </a:prstGeom>
+          <a:ln/>
         </p:spPr>
+        <p:style>
+          <a:lnRef idx="1">
+            <a:schemeClr val="accent1"/>
+          </a:lnRef>
+          <a:fillRef idx="2">
+            <a:schemeClr val="accent1"/>
+          </a:fillRef>
+          <a:effectRef idx="1">
+            <a:schemeClr val="accent1"/>
+          </a:effectRef>
+          <a:fontRef idx="minor">
+            <a:schemeClr val="dk1"/>
+          </a:fontRef>
+        </p:style>
         <p:txBody>
-          <a:bodyPr>
-            <a:normAutofit/>
+          <a:bodyPr wrap="square" rtlCol="0">
+            <a:spAutoFit/>
           </a:bodyPr>
           <a:lstStyle/>
           <a:p>
             <a:r>
-              <a:rPr lang="pt-BR" dirty="0" err="1" smtClean="0"/>
-              <a:t>Coverity</a:t>
-            </a:r>
-            <a:r>
-              <a:rPr lang="pt-BR" dirty="0" smtClean="0"/>
-              <a:t>: </a:t>
-            </a:r>
-            <a:r>
-              <a:rPr lang="pt-BR" dirty="0" smtClean="0">
-                <a:hlinkClick r:id="rId2"/>
-              </a:rPr>
-              <a:t>http://www.coverity.com</a:t>
-            </a:r>
-            <a:endParaRPr lang="pt-BR" dirty="0" smtClean="0"/>
-          </a:p>
-          <a:p>
-            <a:r>
-              <a:rPr lang="en-US" dirty="0" err="1" smtClean="0"/>
-              <a:t>GrammaTech</a:t>
-            </a:r>
-            <a:r>
-              <a:rPr lang="en-US" dirty="0" smtClean="0"/>
-              <a:t>: </a:t>
-            </a:r>
-            <a:r>
-              <a:rPr lang="en-US" dirty="0" smtClean="0">
-                <a:hlinkClick r:id="rId3"/>
-              </a:rPr>
-              <a:t>http://www.grammatech.com</a:t>
-            </a:r>
-            <a:endParaRPr lang="en-US" dirty="0" smtClean="0"/>
-          </a:p>
-          <a:p>
-            <a:r>
-              <a:rPr lang="en-US" dirty="0" err="1" smtClean="0"/>
-              <a:t>KlocWork</a:t>
-            </a:r>
-            <a:r>
-              <a:rPr lang="en-US" dirty="0" smtClean="0"/>
-              <a:t>: </a:t>
-            </a:r>
-            <a:r>
-              <a:rPr lang="en-US" dirty="0" smtClean="0">
-                <a:hlinkClick r:id="rId4"/>
-              </a:rPr>
-              <a:t>http://www.klocwork.com</a:t>
-            </a:r>
-            <a:endParaRPr lang="en-US" dirty="0" smtClean="0"/>
-          </a:p>
-          <a:p>
-            <a:r>
-              <a:rPr lang="en-US" dirty="0" err="1" smtClean="0"/>
-              <a:t>Parasoft</a:t>
-            </a:r>
-            <a:r>
-              <a:rPr lang="en-US" dirty="0" smtClean="0"/>
-              <a:t>: </a:t>
-            </a:r>
-            <a:r>
-              <a:rPr lang="en-US" dirty="0" smtClean="0">
-                <a:hlinkClick r:id="rId5"/>
-              </a:rPr>
-              <a:t>http://www.parasoft.com</a:t>
-            </a:r>
-            <a:endParaRPr lang="en-US" dirty="0" smtClean="0"/>
-          </a:p>
-          <a:p>
-            <a:r>
-              <a:rPr lang="en-US" dirty="0" err="1" smtClean="0"/>
-              <a:t>Semmle</a:t>
-            </a:r>
-            <a:r>
-              <a:rPr lang="en-US" dirty="0" smtClean="0"/>
-              <a:t>: </a:t>
-            </a:r>
-            <a:r>
-              <a:rPr lang="en-US" dirty="0" smtClean="0">
-                <a:hlinkClick r:id="rId6"/>
-              </a:rPr>
-              <a:t>http://semmle.com</a:t>
-            </a:r>
-            <a:endParaRPr lang="en-US" dirty="0" smtClean="0"/>
-          </a:p>
-          <a:p>
-            <a:r>
-              <a:rPr lang="en-US" dirty="0" smtClean="0"/>
-              <a:t>…</a:t>
-            </a:r>
-          </a:p>
-          <a:p>
-            <a:pPr lvl="1"/>
-            <a:endParaRPr lang="en-US" dirty="0" smtClean="0"/>
-          </a:p>
-          <a:p>
-            <a:pPr lvl="1"/>
-            <a:endParaRPr lang="en-US" dirty="0" smtClean="0"/>
-          </a:p>
-          <a:p>
-            <a:pPr lvl="1"/>
-            <a:endParaRPr lang="en-US" dirty="0" smtClean="0"/>
-          </a:p>
-          <a:p>
-            <a:pPr lvl="1"/>
-            <a:endParaRPr lang="pt-BR" dirty="0"/>
+              <a:rPr lang="en-US" sz="3600" dirty="0" smtClean="0"/>
+              <a:t>[…] checkers […] traverse program paths in a forward direction (</a:t>
+            </a:r>
+            <a:r>
+              <a:rPr lang="en-US" sz="3600" b="1" dirty="0" smtClean="0"/>
+              <a:t>flow-sensitive</a:t>
+            </a:r>
+            <a:r>
+              <a:rPr lang="en-US" sz="3600" dirty="0" smtClean="0"/>
+              <a:t>), going across function calls (</a:t>
+            </a:r>
+            <a:r>
+              <a:rPr lang="en-US" sz="3600" b="1" dirty="0" smtClean="0"/>
+              <a:t>inter-procedural</a:t>
+            </a:r>
+            <a:r>
+              <a:rPr lang="en-US" sz="3600" dirty="0" smtClean="0"/>
+              <a:t>) while keeping track of call-site-specific information (</a:t>
+            </a:r>
+            <a:r>
+              <a:rPr lang="en-US" sz="3600" b="1" dirty="0" smtClean="0"/>
+              <a:t>context-sensitive</a:t>
+            </a:r>
+            <a:r>
+              <a:rPr lang="en-US" sz="3600" dirty="0" smtClean="0"/>
+              <a:t>) and […] detect when a path is infeasible (</a:t>
+            </a:r>
+            <a:r>
+              <a:rPr lang="en-US" sz="3600" b="1" dirty="0" smtClean="0"/>
+              <a:t>path-sensitive</a:t>
+            </a:r>
+            <a:r>
+              <a:rPr lang="en-US" sz="3600" dirty="0" smtClean="0"/>
+              <a:t>).</a:t>
+            </a:r>
+            <a:endParaRPr lang="pt-BR" sz="3600" dirty="0"/>
           </a:p>
         </p:txBody>
       </p:sp>
     </p:spTree>
     <p:extLst>
       <p:ext uri="{BB962C8B-B14F-4D97-AF65-F5344CB8AC3E}">
-        <p14:creationId xmlns:p14="http://schemas.microsoft.com/office/powerpoint/2010/main" val="880420201"/>
-      </p:ext>
-    </p:extLst>
-  </p:cSld>
-  <p:clrMapOvr>
-    <a:masterClrMapping/>
-  </p:clrMapOvr>
-  <p:timing>
-    <p:tnLst>
-      <p:par>
-        <p:cTn id="1" dur="indefinite" restart="never" nodeType="tmRoot"/>
-      </p:par>
-    </p:tnLst>
-  </p:timing>
-</p:sld>
-</file>
-
-<file path=ppt/slides/slide46.xml><?xml version="1.0" encoding="utf-8"?>
-<p:sld xmlns:a="http://schemas.openxmlformats.org/drawingml/2006/main" xmlns:r="http://schemas.openxmlformats.org/officeDocument/2006/relationships" xmlns:p="http://schemas.openxmlformats.org/presentationml/2006/main">
-  <p:cSld>
-    <p:spTree>
-      <p:nvGrpSpPr>
-        <p:cNvPr id="1" name=""/>
-        <p:cNvGrpSpPr/>
-        <p:nvPr/>
-      </p:nvGrpSpPr>
-      <p:grpSpPr>
-        <a:xfrm>
-          <a:off x="0" y="0"/>
-          <a:ext cx="0" cy="0"/>
-          <a:chOff x="0" y="0"/>
-          <a:chExt cx="0" cy="0"/>
-        </a:xfrm>
-      </p:grpSpPr>
-      <p:sp>
-        <p:nvSpPr>
-          <p:cNvPr id="2" name="Título 1"/>
-          <p:cNvSpPr>
-            <a:spLocks noGrp="1"/>
-          </p:cNvSpPr>
-          <p:nvPr>
-            <p:ph type="title"/>
-          </p:nvPr>
-        </p:nvSpPr>
-        <p:spPr/>
-        <p:txBody>
-          <a:bodyPr/>
-          <a:lstStyle/>
-          <a:p>
-            <a:r>
-              <a:rPr lang="en-US" dirty="0" err="1" smtClean="0"/>
-              <a:t>Análise</a:t>
-            </a:r>
-            <a:r>
-              <a:rPr lang="en-US" dirty="0" smtClean="0"/>
-              <a:t> </a:t>
-            </a:r>
-            <a:r>
-              <a:rPr lang="en-US" dirty="0" err="1" smtClean="0"/>
-              <a:t>interprocedural</a:t>
-            </a:r>
-            <a:r>
-              <a:rPr lang="en-US" dirty="0" smtClean="0"/>
-              <a:t> com Reads-writes set (RWSETS)</a:t>
-            </a:r>
-            <a:endParaRPr lang="en-US" dirty="0"/>
-          </a:p>
-        </p:txBody>
-      </p:sp>
-      <p:sp>
-        <p:nvSpPr>
-          <p:cNvPr id="3" name="Espaço Reservado para Texto 2"/>
-          <p:cNvSpPr>
-            <a:spLocks noGrp="1"/>
-          </p:cNvSpPr>
-          <p:nvPr>
-            <p:ph type="body" idx="1"/>
-          </p:nvPr>
-        </p:nvSpPr>
-        <p:spPr/>
-        <p:txBody>
-          <a:bodyPr/>
-          <a:lstStyle/>
-          <a:p>
-            <a:endParaRPr lang="en-US"/>
-          </a:p>
-        </p:txBody>
-      </p:sp>
-    </p:spTree>
-    <p:extLst>
-      <p:ext uri="{BB962C8B-B14F-4D97-AF65-F5344CB8AC3E}">
-        <p14:creationId xmlns:p14="http://schemas.microsoft.com/office/powerpoint/2010/main" val="505527278"/>
-      </p:ext>
-    </p:extLst>
-  </p:cSld>
-  <p:clrMapOvr>
-    <a:masterClrMapping/>
-  </p:clrMapOvr>
-  <p:timing>
-    <p:tnLst>
-      <p:par>
-        <p:cTn id="1" dur="indefinite" restart="never" nodeType="tmRoot"/>
-      </p:par>
-    </p:tnLst>
-  </p:timing>
-</p:sld>
-</file>
-
-<file path=ppt/slides/slide47.xml><?xml version="1.0" encoding="utf-8"?>
-<p:sld xmlns:a="http://schemas.openxmlformats.org/drawingml/2006/main" xmlns:r="http://schemas.openxmlformats.org/officeDocument/2006/relationships" xmlns:p="http://schemas.openxmlformats.org/presentationml/2006/main">
-  <p:cSld>
-    <p:spTree>
-      <p:nvGrpSpPr>
-        <p:cNvPr id="1" name=""/>
-        <p:cNvGrpSpPr/>
-        <p:nvPr/>
-      </p:nvGrpSpPr>
-      <p:grpSpPr>
-        <a:xfrm>
-          <a:off x="0" y="0"/>
-          <a:ext cx="0" cy="0"/>
-          <a:chOff x="0" y="0"/>
-          <a:chExt cx="0" cy="0"/>
-        </a:xfrm>
-      </p:grpSpPr>
-      <p:sp>
-        <p:nvSpPr>
-          <p:cNvPr id="2" name="Título 1"/>
-          <p:cNvSpPr>
-            <a:spLocks noGrp="1"/>
-          </p:cNvSpPr>
-          <p:nvPr>
-            <p:ph type="title"/>
-          </p:nvPr>
-        </p:nvSpPr>
-        <p:spPr/>
-        <p:txBody>
-          <a:bodyPr/>
-          <a:lstStyle/>
-          <a:p>
-            <a:r>
-              <a:rPr lang="pt-BR" dirty="0" err="1" smtClean="0"/>
-              <a:t>Read</a:t>
-            </a:r>
-            <a:r>
-              <a:rPr lang="pt-BR" dirty="0" smtClean="0"/>
-              <a:t>-Write (RW) sets</a:t>
-            </a:r>
-            <a:endParaRPr lang="en-US" dirty="0"/>
-          </a:p>
-        </p:txBody>
-      </p:sp>
-      <p:sp>
-        <p:nvSpPr>
-          <p:cNvPr id="3" name="Espaço Reservado para Conteúdo 2"/>
-          <p:cNvSpPr>
-            <a:spLocks noGrp="1"/>
-          </p:cNvSpPr>
-          <p:nvPr>
-            <p:ph idx="1"/>
-          </p:nvPr>
-        </p:nvSpPr>
-        <p:spPr/>
-        <p:txBody>
-          <a:bodyPr/>
-          <a:lstStyle/>
-          <a:p>
-            <a:r>
-              <a:rPr lang="pt-BR" dirty="0" smtClean="0"/>
-              <a:t>Método </a:t>
-            </a:r>
-            <a:r>
-              <a:rPr lang="pt-BR" b="1" dirty="0" smtClean="0"/>
-              <a:t>simples </a:t>
-            </a:r>
-            <a:r>
-              <a:rPr lang="pt-BR" dirty="0" smtClean="0"/>
-              <a:t>para capturar dependência entre métodos, entre classes, etc.</a:t>
-            </a:r>
-          </a:p>
-          <a:p>
-            <a:r>
-              <a:rPr lang="pt-BR" dirty="0" smtClean="0"/>
-              <a:t>Pode ser utilizado para </a:t>
-            </a:r>
-            <a:r>
-              <a:rPr lang="pt-BR" b="1" dirty="0" smtClean="0"/>
-              <a:t>análise de impacto</a:t>
-            </a:r>
-          </a:p>
-          <a:p>
-            <a:endParaRPr lang="pt-BR" dirty="0" smtClean="0"/>
-          </a:p>
-          <a:p>
-            <a:endParaRPr lang="pt-BR" dirty="0" smtClean="0"/>
-          </a:p>
-        </p:txBody>
-      </p:sp>
-    </p:spTree>
-    <p:extLst>
-      <p:ext uri="{BB962C8B-B14F-4D97-AF65-F5344CB8AC3E}">
-        <p14:creationId xmlns:p14="http://schemas.microsoft.com/office/powerpoint/2010/main" val="2049793886"/>
-      </p:ext>
-    </p:extLst>
-  </p:cSld>
-  <p:clrMapOvr>
-    <a:masterClrMapping/>
-  </p:clrMapOvr>
-  <p:timing>
-    <p:tnLst>
-      <p:par>
-        <p:cTn id="1" dur="indefinite" restart="never" nodeType="tmRoot"/>
-      </p:par>
-    </p:tnLst>
-  </p:timing>
-</p:sld>
-</file>
-
-<file path=ppt/slides/slide48.xml><?xml version="1.0" encoding="utf-8"?>
-<p:sld xmlns:a="http://schemas.openxmlformats.org/drawingml/2006/main" xmlns:r="http://schemas.openxmlformats.org/officeDocument/2006/relationships" xmlns:p="http://schemas.openxmlformats.org/presentationml/2006/main">
-  <p:cSld>
-    <p:spTree>
-      <p:nvGrpSpPr>
-        <p:cNvPr id="1" name=""/>
-        <p:cNvGrpSpPr/>
-        <p:nvPr/>
-      </p:nvGrpSpPr>
-      <p:grpSpPr>
-        <a:xfrm>
-          <a:off x="0" y="0"/>
-          <a:ext cx="0" cy="0"/>
-          <a:chOff x="0" y="0"/>
-          <a:chExt cx="0" cy="0"/>
-        </a:xfrm>
-      </p:grpSpPr>
-      <p:sp>
-        <p:nvSpPr>
-          <p:cNvPr id="2" name="Título 1"/>
-          <p:cNvSpPr>
-            <a:spLocks noGrp="1"/>
-          </p:cNvSpPr>
-          <p:nvPr>
-            <p:ph type="title"/>
-          </p:nvPr>
-        </p:nvSpPr>
-        <p:spPr/>
-        <p:txBody>
-          <a:bodyPr/>
-          <a:lstStyle/>
-          <a:p>
-            <a:r>
-              <a:rPr lang="pt-BR" dirty="0" smtClean="0"/>
-              <a:t>Algoritmo RW sets</a:t>
-            </a:r>
-            <a:endParaRPr lang="en-US" dirty="0"/>
-          </a:p>
-        </p:txBody>
-      </p:sp>
-      <p:sp>
-        <p:nvSpPr>
-          <p:cNvPr id="3" name="Espaço Reservado para Conteúdo 2"/>
-          <p:cNvSpPr>
-            <a:spLocks noGrp="1"/>
-          </p:cNvSpPr>
-          <p:nvPr>
-            <p:ph idx="1"/>
-          </p:nvPr>
-        </p:nvSpPr>
-        <p:spPr>
-          <a:xfrm>
-            <a:off x="457200" y="1600201"/>
-            <a:ext cx="8686800" cy="2908920"/>
-          </a:xfrm>
-        </p:spPr>
-        <p:txBody>
-          <a:bodyPr>
-            <a:normAutofit fontScale="92500" lnSpcReduction="10000"/>
-          </a:bodyPr>
-          <a:lstStyle/>
-          <a:p>
-            <a:pPr marL="514350" indent="-514350">
-              <a:buFont typeface="+mj-lt"/>
-              <a:buAutoNum type="arabicPeriod"/>
-            </a:pPr>
-            <a:r>
-              <a:rPr lang="pt-BR" dirty="0" smtClean="0"/>
-              <a:t>Calcule conjuntos de acesso para cada comando</a:t>
-            </a:r>
-          </a:p>
-          <a:p>
-            <a:pPr marL="914400" lvl="1" indent="-514350">
-              <a:buFont typeface="+mj-lt"/>
-              <a:buAutoNum type="arabicPeriod"/>
-            </a:pPr>
-            <a:r>
-              <a:rPr lang="pt-BR" dirty="0" smtClean="0"/>
-              <a:t>Acessos de leitura do comando i: </a:t>
-            </a:r>
-            <a:r>
-              <a:rPr lang="pt-BR" dirty="0" err="1" smtClean="0"/>
-              <a:t>Rset</a:t>
-            </a:r>
-            <a:r>
-              <a:rPr lang="pt-BR" dirty="0" smtClean="0"/>
-              <a:t>(i) </a:t>
-            </a:r>
-          </a:p>
-          <a:p>
-            <a:pPr marL="914400" lvl="1" indent="-514350">
-              <a:buFont typeface="+mj-lt"/>
-              <a:buAutoNum type="arabicPeriod"/>
-            </a:pPr>
-            <a:r>
-              <a:rPr lang="pt-BR" dirty="0" smtClean="0"/>
-              <a:t>Acessos </a:t>
-            </a:r>
-            <a:r>
-              <a:rPr lang="pt-BR" dirty="0"/>
-              <a:t>de </a:t>
-            </a:r>
-            <a:r>
-              <a:rPr lang="pt-BR" dirty="0" smtClean="0"/>
-              <a:t>escrita do comando </a:t>
-            </a:r>
-            <a:r>
-              <a:rPr lang="pt-BR" dirty="0"/>
-              <a:t>i: </a:t>
-            </a:r>
-            <a:r>
-              <a:rPr lang="pt-BR" dirty="0" err="1" smtClean="0"/>
-              <a:t>Wset</a:t>
-            </a:r>
-            <a:r>
-              <a:rPr lang="pt-BR" dirty="0" smtClean="0"/>
-              <a:t>(i</a:t>
-            </a:r>
-            <a:r>
-              <a:rPr lang="pt-BR" dirty="0"/>
-              <a:t>) </a:t>
-            </a:r>
-          </a:p>
-          <a:p>
-            <a:pPr marL="514350" indent="-514350">
-              <a:buFont typeface="+mj-lt"/>
-              <a:buAutoNum type="arabicPeriod"/>
-            </a:pPr>
-            <a:r>
-              <a:rPr lang="pt-BR" dirty="0" smtClean="0"/>
-              <a:t>Propague informação através do </a:t>
-            </a:r>
-            <a:r>
-              <a:rPr lang="pt-BR" dirty="0" err="1" smtClean="0"/>
-              <a:t>call</a:t>
-            </a:r>
-            <a:r>
-              <a:rPr lang="pt-BR" dirty="0" smtClean="0"/>
-              <a:t> </a:t>
-            </a:r>
-            <a:r>
-              <a:rPr lang="pt-BR" dirty="0" err="1" smtClean="0"/>
-              <a:t>graph</a:t>
-            </a:r>
-            <a:r>
-              <a:rPr lang="pt-BR" dirty="0" smtClean="0"/>
-              <a:t> do programa até encontrar um ponto fixo</a:t>
-            </a:r>
-          </a:p>
-          <a:p>
-            <a:pPr marL="514350" indent="-514350">
-              <a:buFont typeface="+mj-lt"/>
-              <a:buAutoNum type="arabicPeriod"/>
-            </a:pPr>
-            <a:r>
-              <a:rPr lang="pt-BR" dirty="0" smtClean="0"/>
-              <a:t>Declare interferência se</a:t>
-            </a:r>
-          </a:p>
-          <a:p>
-            <a:pPr marL="514350" indent="-514350">
-              <a:buFont typeface="+mj-lt"/>
-              <a:buAutoNum type="arabicPeriod"/>
-            </a:pPr>
-            <a:endParaRPr lang="pt-BR" dirty="0" smtClean="0"/>
-          </a:p>
-        </p:txBody>
-      </p:sp>
-      <mc:AlternateContent xmlns:mc="http://schemas.openxmlformats.org/markup-compatibility/2006" xmlns:a14="http://schemas.microsoft.com/office/drawing/2010/main">
-        <mc:Choice Requires="a14">
-          <p:sp>
-            <p:nvSpPr>
-              <p:cNvPr id="4" name="CaixaDeTexto 3"/>
-              <p:cNvSpPr txBox="1"/>
-              <p:nvPr/>
-            </p:nvSpPr>
-            <p:spPr>
-              <a:xfrm>
-                <a:off x="2771800" y="4566319"/>
-                <a:ext cx="3264740" cy="461665"/>
-              </a:xfrm>
-              <a:prstGeom prst="rect">
-                <a:avLst/>
-              </a:prstGeom>
-              <a:noFill/>
-            </p:spPr>
-            <p:txBody>
-              <a:bodyPr wrap="none" rtlCol="0">
-                <a:spAutoFit/>
-              </a:bodyPr>
-              <a:lstStyle/>
-              <a:p>
-                <a:pPr/>
-                <a14:m>
-                  <m:oMathPara xmlns:m="http://schemas.openxmlformats.org/officeDocument/2006/math">
-                    <m:oMathParaPr>
-                      <m:jc m:val="centerGroup"/>
-                    </m:oMathParaPr>
-                    <m:oMath xmlns:m="http://schemas.openxmlformats.org/officeDocument/2006/math">
-                      <m:r>
-                        <a:rPr lang="pt-BR" sz="2400" b="0" i="1" smtClean="0">
-                          <a:latin typeface="Cambria Math"/>
-                          <a:ea typeface="Cambria Math"/>
-                        </a:rPr>
-                        <m:t>𝑅𝑠𝑒𝑡</m:t>
-                      </m:r>
-                      <m:d>
-                        <m:dPr>
-                          <m:ctrlPr>
-                            <a:rPr lang="pt-BR" sz="2400" b="0" i="1" smtClean="0">
-                              <a:latin typeface="Cambria Math"/>
-                              <a:ea typeface="Cambria Math"/>
-                            </a:rPr>
-                          </m:ctrlPr>
-                        </m:dPr>
-                        <m:e>
-                          <m:r>
-                            <a:rPr lang="pt-BR" sz="2400" b="0" i="1" smtClean="0">
-                              <a:latin typeface="Cambria Math"/>
-                              <a:ea typeface="Cambria Math"/>
-                            </a:rPr>
-                            <m:t>𝑖</m:t>
-                          </m:r>
-                        </m:e>
-                      </m:d>
-                      <m:r>
-                        <a:rPr lang="en-US" sz="2400" i="1" smtClean="0">
-                          <a:latin typeface="Cambria Math"/>
-                          <a:ea typeface="Cambria Math"/>
-                        </a:rPr>
-                        <m:t>∩</m:t>
-                      </m:r>
-                      <m:r>
-                        <a:rPr lang="pt-BR" sz="2400" b="0" i="1" smtClean="0">
-                          <a:latin typeface="Cambria Math"/>
-                          <a:ea typeface="Cambria Math"/>
-                        </a:rPr>
-                        <m:t>𝑊</m:t>
-                      </m:r>
-                      <m:r>
-                        <a:rPr lang="pt-BR" sz="2400" i="1">
-                          <a:latin typeface="Cambria Math"/>
-                          <a:ea typeface="Cambria Math"/>
-                        </a:rPr>
-                        <m:t>𝑠𝑒𝑡</m:t>
-                      </m:r>
-                      <m:d>
-                        <m:dPr>
-                          <m:ctrlPr>
-                            <a:rPr lang="pt-BR" sz="2400" i="1">
-                              <a:latin typeface="Cambria Math"/>
-                              <a:ea typeface="Cambria Math"/>
-                            </a:rPr>
-                          </m:ctrlPr>
-                        </m:dPr>
-                        <m:e>
-                          <m:r>
-                            <a:rPr lang="pt-BR" sz="2400" b="0" i="1" smtClean="0">
-                              <a:latin typeface="Cambria Math"/>
-                              <a:ea typeface="Cambria Math"/>
-                            </a:rPr>
-                            <m:t>𝑗</m:t>
-                          </m:r>
-                        </m:e>
-                      </m:d>
-                      <m:r>
-                        <a:rPr lang="pt-BR" sz="2400" b="0" i="1" smtClean="0">
-                          <a:latin typeface="Cambria Math"/>
-                          <a:ea typeface="Cambria Math"/>
-                        </a:rPr>
-                        <m:t>≠</m:t>
-                      </m:r>
-                      <m:r>
-                        <a:rPr lang="pt-BR" sz="2400" i="1">
-                          <a:latin typeface="Cambria Math"/>
-                          <a:ea typeface="Cambria Math"/>
-                        </a:rPr>
-                        <m:t>∅</m:t>
-                      </m:r>
-                    </m:oMath>
-                  </m:oMathPara>
-                </a14:m>
-                <a:endParaRPr lang="en-US" sz="2400" dirty="0"/>
-              </a:p>
-            </p:txBody>
-          </p:sp>
-        </mc:Choice>
-        <mc:Fallback xmlns="">
-          <p:sp>
-            <p:nvSpPr>
-              <p:cNvPr id="4" name="CaixaDeTexto 3"/>
-              <p:cNvSpPr txBox="1">
-                <a:spLocks noRot="1" noChangeAspect="1" noMove="1" noResize="1" noEditPoints="1" noAdjustHandles="1" noChangeArrowheads="1" noChangeShapeType="1" noTextEdit="1"/>
-              </p:cNvSpPr>
-              <p:nvPr/>
-            </p:nvSpPr>
-            <p:spPr>
-              <a:xfrm>
-                <a:off x="2771800" y="4566319"/>
-                <a:ext cx="3264740" cy="461665"/>
-              </a:xfrm>
-              <a:prstGeom prst="rect">
-                <a:avLst/>
-              </a:prstGeom>
-              <a:blipFill rotWithShape="1">
-                <a:blip r:embed="rId3"/>
-                <a:stretch>
-                  <a:fillRect b="-15789"/>
-                </a:stretch>
-              </a:blipFill>
-            </p:spPr>
-            <p:txBody>
-              <a:bodyPr/>
-              <a:lstStyle/>
-              <a:p>
-                <a:r>
-                  <a:rPr lang="en-US">
-                    <a:noFill/>
-                  </a:rPr>
-                  <a:t> </a:t>
-                </a:r>
-              </a:p>
-            </p:txBody>
-          </p:sp>
-        </mc:Fallback>
-      </mc:AlternateContent>
-    </p:spTree>
-    <p:extLst>
-      <p:ext uri="{BB962C8B-B14F-4D97-AF65-F5344CB8AC3E}">
-        <p14:creationId xmlns:p14="http://schemas.microsoft.com/office/powerpoint/2010/main" val="2515327971"/>
-      </p:ext>
-    </p:extLst>
-  </p:cSld>
-  <p:clrMapOvr>
-    <a:masterClrMapping/>
-  </p:clrMapOvr>
-  <p:timing>
-    <p:tnLst>
-      <p:par>
-        <p:cTn id="1" dur="indefinite" restart="never" nodeType="tmRoot"/>
-      </p:par>
-    </p:tnLst>
-  </p:timing>
-</p:sld>
-</file>
-
-<file path=ppt/slides/slide49.xml><?xml version="1.0" encoding="utf-8"?>
-<p:sld xmlns:a="http://schemas.openxmlformats.org/drawingml/2006/main" xmlns:r="http://schemas.openxmlformats.org/officeDocument/2006/relationships" xmlns:p="http://schemas.openxmlformats.org/presentationml/2006/main">
-  <p:cSld>
-    <p:spTree>
-      <p:nvGrpSpPr>
-        <p:cNvPr id="1" name=""/>
-        <p:cNvGrpSpPr/>
-        <p:nvPr/>
-      </p:nvGrpSpPr>
-      <p:grpSpPr>
-        <a:xfrm>
-          <a:off x="0" y="0"/>
-          <a:ext cx="0" cy="0"/>
-          <a:chOff x="0" y="0"/>
-          <a:chExt cx="0" cy="0"/>
-        </a:xfrm>
-      </p:grpSpPr>
-      <p:sp>
-        <p:nvSpPr>
-          <p:cNvPr id="2" name="Título 1"/>
-          <p:cNvSpPr>
-            <a:spLocks noGrp="1"/>
-          </p:cNvSpPr>
-          <p:nvPr>
-            <p:ph type="title"/>
-          </p:nvPr>
-        </p:nvSpPr>
-        <p:spPr/>
-        <p:txBody>
-          <a:bodyPr/>
-          <a:lstStyle/>
-          <a:p>
-            <a:r>
-              <a:rPr lang="pt-BR" dirty="0" smtClean="0"/>
-              <a:t>Representação de acesso</a:t>
-            </a:r>
-            <a:endParaRPr lang="en-US" dirty="0"/>
-          </a:p>
-        </p:txBody>
-      </p:sp>
-      <p:sp>
-        <p:nvSpPr>
-          <p:cNvPr id="3" name="Espaço Reservado para Conteúdo 2"/>
-          <p:cNvSpPr>
-            <a:spLocks noGrp="1"/>
-          </p:cNvSpPr>
-          <p:nvPr>
-            <p:ph idx="1"/>
-          </p:nvPr>
-        </p:nvSpPr>
-        <p:spPr>
-          <a:xfrm>
-            <a:off x="457200" y="1600200"/>
-            <a:ext cx="8229600" cy="3484983"/>
-          </a:xfrm>
-        </p:spPr>
-        <p:txBody>
-          <a:bodyPr>
-            <a:normAutofit/>
-          </a:bodyPr>
-          <a:lstStyle/>
-          <a:p>
-            <a:r>
-              <a:rPr lang="pt-BR" dirty="0" smtClean="0"/>
-              <a:t>Várias possibilidades</a:t>
-            </a:r>
-          </a:p>
-          <a:p>
-            <a:pPr lvl="1"/>
-            <a:r>
-              <a:rPr lang="pt-BR" dirty="0" smtClean="0"/>
-              <a:t>E.g., par de classe e campo da classe (para OO)</a:t>
-            </a:r>
-            <a:endParaRPr lang="en-US" dirty="0"/>
-          </a:p>
-        </p:txBody>
-      </p:sp>
-    </p:spTree>
-    <p:extLst>
-      <p:ext uri="{BB962C8B-B14F-4D97-AF65-F5344CB8AC3E}">
-        <p14:creationId xmlns:p14="http://schemas.microsoft.com/office/powerpoint/2010/main" val="2081815604"/>
+        <p14:creationId xmlns:p14="http://schemas.microsoft.com/office/powerpoint/2010/main" val="73552180"/>
       </p:ext>
     </p:extLst>
   </p:cSld>
@@ -36120,1571 +35769,6 @@
     <p:extLst>
       <p:ext uri="{BB962C8B-B14F-4D97-AF65-F5344CB8AC3E}">
         <p14:creationId xmlns:p14="http://schemas.microsoft.com/office/powerpoint/2010/main" val="3908395378"/>
-      </p:ext>
-    </p:extLst>
-  </p:cSld>
-  <p:clrMapOvr>
-    <a:masterClrMapping/>
-  </p:clrMapOvr>
-  <p:timing>
-    <p:tnLst>
-      <p:par>
-        <p:cTn id="1" dur="indefinite" restart="never" nodeType="tmRoot"/>
-      </p:par>
-    </p:tnLst>
-  </p:timing>
-</p:sld>
-</file>
-
-<file path=ppt/slides/slide50.xml><?xml version="1.0" encoding="utf-8"?>
-<p:sld xmlns:a="http://schemas.openxmlformats.org/drawingml/2006/main" xmlns:r="http://schemas.openxmlformats.org/officeDocument/2006/relationships" xmlns:p="http://schemas.openxmlformats.org/presentationml/2006/main">
-  <p:cSld>
-    <p:spTree>
-      <p:nvGrpSpPr>
-        <p:cNvPr id="1" name=""/>
-        <p:cNvGrpSpPr/>
-        <p:nvPr/>
-      </p:nvGrpSpPr>
-      <p:grpSpPr>
-        <a:xfrm>
-          <a:off x="0" y="0"/>
-          <a:ext cx="0" cy="0"/>
-          <a:chOff x="0" y="0"/>
-          <a:chExt cx="0" cy="0"/>
-        </a:xfrm>
-      </p:grpSpPr>
-      <p:sp>
-        <p:nvSpPr>
-          <p:cNvPr id="2" name="Título 1"/>
-          <p:cNvSpPr>
-            <a:spLocks noGrp="1"/>
-          </p:cNvSpPr>
-          <p:nvPr>
-            <p:ph type="title"/>
-          </p:nvPr>
-        </p:nvSpPr>
-        <p:spPr/>
-        <p:txBody>
-          <a:bodyPr/>
-          <a:lstStyle/>
-          <a:p>
-            <a:r>
-              <a:rPr lang="pt-BR" dirty="0" smtClean="0"/>
-              <a:t>Exemplo 1</a:t>
-            </a:r>
-            <a:endParaRPr lang="en-US" dirty="0"/>
-          </a:p>
-        </p:txBody>
-      </p:sp>
-      <p:sp>
-        <p:nvSpPr>
-          <p:cNvPr id="4" name="TextBox 6"/>
-          <p:cNvSpPr txBox="1"/>
-          <p:nvPr/>
-        </p:nvSpPr>
-        <p:spPr>
-          <a:xfrm>
-            <a:off x="1835696" y="2217053"/>
-            <a:ext cx="5688632" cy="4524315"/>
-          </a:xfrm>
-          <a:prstGeom prst="rect">
-            <a:avLst/>
-          </a:prstGeom>
-        </p:spPr>
-        <p:style>
-          <a:lnRef idx="2">
-            <a:schemeClr val="dk1"/>
-          </a:lnRef>
-          <a:fillRef idx="1">
-            <a:schemeClr val="lt1"/>
-          </a:fillRef>
-          <a:effectRef idx="0">
-            <a:schemeClr val="dk1"/>
-          </a:effectRef>
-          <a:fontRef idx="minor">
-            <a:schemeClr val="dk1"/>
-          </a:fontRef>
-        </p:style>
-        <p:txBody>
-          <a:bodyPr wrap="square" rtlCol="0">
-            <a:spAutoFit/>
-          </a:bodyPr>
-          <a:lstStyle>
-            <a:defPPr>
-              <a:defRPr lang="pt-BR"/>
-            </a:defPPr>
-            <a:lvl1pPr marL="0" algn="l" defTabSz="914400" rtl="0" eaLnBrk="1" latinLnBrk="0" hangingPunct="1">
-              <a:defRPr sz="1800" kern="1200">
-                <a:solidFill>
-                  <a:schemeClr val="dk1"/>
-                </a:solidFill>
-                <a:latin typeface="+mn-lt"/>
-                <a:ea typeface="+mn-ea"/>
-                <a:cs typeface="+mn-cs"/>
-              </a:defRPr>
-            </a:lvl1pPr>
-            <a:lvl2pPr marL="457200" algn="l" defTabSz="914400" rtl="0" eaLnBrk="1" latinLnBrk="0" hangingPunct="1">
-              <a:defRPr sz="1800" kern="1200">
-                <a:solidFill>
-                  <a:schemeClr val="dk1"/>
-                </a:solidFill>
-                <a:latin typeface="+mn-lt"/>
-                <a:ea typeface="+mn-ea"/>
-                <a:cs typeface="+mn-cs"/>
-              </a:defRPr>
-            </a:lvl2pPr>
-            <a:lvl3pPr marL="914400" algn="l" defTabSz="914400" rtl="0" eaLnBrk="1" latinLnBrk="0" hangingPunct="1">
-              <a:defRPr sz="1800" kern="1200">
-                <a:solidFill>
-                  <a:schemeClr val="dk1"/>
-                </a:solidFill>
-                <a:latin typeface="+mn-lt"/>
-                <a:ea typeface="+mn-ea"/>
-                <a:cs typeface="+mn-cs"/>
-              </a:defRPr>
-            </a:lvl3pPr>
-            <a:lvl4pPr marL="1371600" algn="l" defTabSz="914400" rtl="0" eaLnBrk="1" latinLnBrk="0" hangingPunct="1">
-              <a:defRPr sz="1800" kern="1200">
-                <a:solidFill>
-                  <a:schemeClr val="dk1"/>
-                </a:solidFill>
-                <a:latin typeface="+mn-lt"/>
-                <a:ea typeface="+mn-ea"/>
-                <a:cs typeface="+mn-cs"/>
-              </a:defRPr>
-            </a:lvl4pPr>
-            <a:lvl5pPr marL="1828800" algn="l" defTabSz="914400" rtl="0" eaLnBrk="1" latinLnBrk="0" hangingPunct="1">
-              <a:defRPr sz="1800" kern="1200">
-                <a:solidFill>
-                  <a:schemeClr val="dk1"/>
-                </a:solidFill>
-                <a:latin typeface="+mn-lt"/>
-                <a:ea typeface="+mn-ea"/>
-                <a:cs typeface="+mn-cs"/>
-              </a:defRPr>
-            </a:lvl5pPr>
-            <a:lvl6pPr marL="2286000" algn="l" defTabSz="914400" rtl="0" eaLnBrk="1" latinLnBrk="0" hangingPunct="1">
-              <a:defRPr sz="1800" kern="1200">
-                <a:solidFill>
-                  <a:schemeClr val="dk1"/>
-                </a:solidFill>
-                <a:latin typeface="+mn-lt"/>
-                <a:ea typeface="+mn-ea"/>
-                <a:cs typeface="+mn-cs"/>
-              </a:defRPr>
-            </a:lvl6pPr>
-            <a:lvl7pPr marL="2743200" algn="l" defTabSz="914400" rtl="0" eaLnBrk="1" latinLnBrk="0" hangingPunct="1">
-              <a:defRPr sz="1800" kern="1200">
-                <a:solidFill>
-                  <a:schemeClr val="dk1"/>
-                </a:solidFill>
-                <a:latin typeface="+mn-lt"/>
-                <a:ea typeface="+mn-ea"/>
-                <a:cs typeface="+mn-cs"/>
-              </a:defRPr>
-            </a:lvl7pPr>
-            <a:lvl8pPr marL="3200400" algn="l" defTabSz="914400" rtl="0" eaLnBrk="1" latinLnBrk="0" hangingPunct="1">
-              <a:defRPr sz="1800" kern="1200">
-                <a:solidFill>
-                  <a:schemeClr val="dk1"/>
-                </a:solidFill>
-                <a:latin typeface="+mn-lt"/>
-                <a:ea typeface="+mn-ea"/>
-                <a:cs typeface="+mn-cs"/>
-              </a:defRPr>
-            </a:lvl8pPr>
-            <a:lvl9pPr marL="3657600" algn="l" defTabSz="914400" rtl="0" eaLnBrk="1" latinLnBrk="0" hangingPunct="1">
-              <a:defRPr sz="1800" kern="1200">
-                <a:solidFill>
-                  <a:schemeClr val="dk1"/>
-                </a:solidFill>
-                <a:latin typeface="+mn-lt"/>
-                <a:ea typeface="+mn-ea"/>
-                <a:cs typeface="+mn-cs"/>
-              </a:defRPr>
-            </a:lvl9pPr>
-          </a:lstStyle>
-          <a:p>
-            <a:r>
-              <a:rPr lang="pt-BR" sz="2400" b="1" dirty="0" err="1">
-                <a:latin typeface="Courier New" pitchFamily="49" charset="0"/>
-                <a:cs typeface="Courier New" pitchFamily="49" charset="0"/>
-              </a:rPr>
-              <a:t>c</a:t>
-            </a:r>
-            <a:r>
-              <a:rPr lang="pt-BR" sz="2400" b="1" dirty="0" err="1" smtClean="0">
-                <a:latin typeface="Courier New" pitchFamily="49" charset="0"/>
-                <a:cs typeface="Courier New" pitchFamily="49" charset="0"/>
-              </a:rPr>
-              <a:t>lass</a:t>
-            </a:r>
-            <a:r>
-              <a:rPr lang="pt-BR" sz="2400" b="1" dirty="0" smtClean="0">
-                <a:latin typeface="Courier New" pitchFamily="49" charset="0"/>
-                <a:cs typeface="Courier New" pitchFamily="49" charset="0"/>
-              </a:rPr>
-              <a:t> Conta {</a:t>
-            </a:r>
-          </a:p>
-          <a:p>
-            <a:r>
-              <a:rPr lang="pt-BR" sz="2400" b="1" dirty="0">
-                <a:latin typeface="Courier New" pitchFamily="49" charset="0"/>
-                <a:cs typeface="Courier New" pitchFamily="49" charset="0"/>
-              </a:rPr>
-              <a:t> </a:t>
-            </a:r>
-            <a:r>
-              <a:rPr lang="pt-BR" sz="2400" b="1" dirty="0" err="1" smtClean="0">
-                <a:latin typeface="Courier New" pitchFamily="49" charset="0"/>
-                <a:cs typeface="Courier New" pitchFamily="49" charset="0"/>
-              </a:rPr>
-              <a:t>double</a:t>
-            </a:r>
-            <a:r>
-              <a:rPr lang="pt-BR" sz="2400" b="1" dirty="0" smtClean="0">
-                <a:latin typeface="Courier New" pitchFamily="49" charset="0"/>
-                <a:cs typeface="Courier New" pitchFamily="49" charset="0"/>
-              </a:rPr>
-              <a:t> saldo;</a:t>
-            </a:r>
-          </a:p>
-          <a:p>
-            <a:r>
-              <a:rPr lang="pt-BR" sz="2400" b="1" dirty="0" smtClean="0">
-                <a:latin typeface="Courier New" pitchFamily="49" charset="0"/>
-                <a:cs typeface="Courier New" pitchFamily="49" charset="0"/>
-              </a:rPr>
-              <a:t> </a:t>
-            </a:r>
-            <a:r>
-              <a:rPr lang="pt-BR" sz="2400" b="1" dirty="0" err="1" smtClean="0">
-                <a:latin typeface="Courier New" pitchFamily="49" charset="0"/>
-                <a:cs typeface="Courier New" pitchFamily="49" charset="0"/>
-              </a:rPr>
-              <a:t>void</a:t>
-            </a:r>
-            <a:r>
-              <a:rPr lang="pt-BR" sz="2400" b="1" dirty="0" smtClean="0">
-                <a:latin typeface="Courier New" pitchFamily="49" charset="0"/>
-                <a:cs typeface="Courier New" pitchFamily="49" charset="0"/>
-              </a:rPr>
-              <a:t> </a:t>
-            </a:r>
-            <a:r>
-              <a:rPr lang="pt-BR" sz="2400" b="1" dirty="0" err="1" smtClean="0">
-                <a:latin typeface="Courier New" pitchFamily="49" charset="0"/>
-                <a:cs typeface="Courier New" pitchFamily="49" charset="0"/>
-              </a:rPr>
-              <a:t>deposit</a:t>
-            </a:r>
-            <a:r>
-              <a:rPr lang="pt-BR" sz="2400" b="1" dirty="0" smtClean="0">
-                <a:latin typeface="Courier New" pitchFamily="49" charset="0"/>
-                <a:cs typeface="Courier New" pitchFamily="49" charset="0"/>
-              </a:rPr>
-              <a:t>(</a:t>
-            </a:r>
-            <a:r>
-              <a:rPr lang="pt-BR" sz="2400" b="1" dirty="0" err="1" smtClean="0">
-                <a:latin typeface="Courier New" pitchFamily="49" charset="0"/>
-                <a:cs typeface="Courier New" pitchFamily="49" charset="0"/>
-              </a:rPr>
-              <a:t>double</a:t>
-            </a:r>
-            <a:r>
-              <a:rPr lang="pt-BR" sz="2400" b="1" dirty="0" smtClean="0">
-                <a:latin typeface="Courier New" pitchFamily="49" charset="0"/>
-                <a:cs typeface="Courier New" pitchFamily="49" charset="0"/>
-              </a:rPr>
-              <a:t> </a:t>
-            </a:r>
-            <a:r>
-              <a:rPr lang="pt-BR" sz="2400" b="1" dirty="0" err="1" smtClean="0">
-                <a:latin typeface="Courier New" pitchFamily="49" charset="0"/>
-                <a:cs typeface="Courier New" pitchFamily="49" charset="0"/>
-              </a:rPr>
-              <a:t>val</a:t>
-            </a:r>
-            <a:r>
-              <a:rPr lang="pt-BR" sz="2400" b="1" dirty="0" smtClean="0">
-                <a:latin typeface="Courier New" pitchFamily="49" charset="0"/>
-                <a:cs typeface="Courier New" pitchFamily="49" charset="0"/>
-              </a:rPr>
-              <a:t>) {</a:t>
-            </a:r>
-          </a:p>
-          <a:p>
-            <a:r>
-              <a:rPr lang="pt-BR" sz="2400" b="1" dirty="0">
-                <a:latin typeface="Courier New" pitchFamily="49" charset="0"/>
-                <a:cs typeface="Courier New" pitchFamily="49" charset="0"/>
-              </a:rPr>
-              <a:t>  </a:t>
-            </a:r>
-            <a:r>
-              <a:rPr lang="pt-BR" sz="2400" b="1" dirty="0" smtClean="0">
-                <a:latin typeface="Courier New" pitchFamily="49" charset="0"/>
-                <a:cs typeface="Courier New" pitchFamily="49" charset="0"/>
-              </a:rPr>
-              <a:t> saldo += </a:t>
-            </a:r>
-            <a:r>
-              <a:rPr lang="pt-BR" sz="2400" b="1" dirty="0" err="1" smtClean="0">
-                <a:latin typeface="Courier New" pitchFamily="49" charset="0"/>
-                <a:cs typeface="Courier New" pitchFamily="49" charset="0"/>
-              </a:rPr>
-              <a:t>val</a:t>
-            </a:r>
-            <a:r>
-              <a:rPr lang="pt-BR" sz="2400" b="1" dirty="0" smtClean="0">
-                <a:latin typeface="Courier New" pitchFamily="49" charset="0"/>
-                <a:cs typeface="Courier New" pitchFamily="49" charset="0"/>
-              </a:rPr>
-              <a:t>;</a:t>
-            </a:r>
-          </a:p>
-          <a:p>
-            <a:r>
-              <a:rPr lang="pt-BR" sz="2400" b="1" dirty="0" smtClean="0">
-                <a:latin typeface="Courier New" pitchFamily="49" charset="0"/>
-                <a:cs typeface="Courier New" pitchFamily="49" charset="0"/>
-              </a:rPr>
-              <a:t> }</a:t>
-            </a:r>
-          </a:p>
-          <a:p>
-            <a:r>
-              <a:rPr lang="pt-BR" sz="2400" b="1" dirty="0" smtClean="0">
-                <a:latin typeface="Courier New" pitchFamily="49" charset="0"/>
-                <a:cs typeface="Courier New" pitchFamily="49" charset="0"/>
-              </a:rPr>
-              <a:t> </a:t>
-            </a:r>
-            <a:r>
-              <a:rPr lang="pt-BR" sz="2400" b="1" dirty="0" err="1" smtClean="0">
-                <a:latin typeface="Courier New" pitchFamily="49" charset="0"/>
-                <a:cs typeface="Courier New" pitchFamily="49" charset="0"/>
-              </a:rPr>
-              <a:t>double</a:t>
-            </a:r>
-            <a:r>
-              <a:rPr lang="pt-BR" sz="2400" b="1" dirty="0" smtClean="0">
-                <a:latin typeface="Courier New" pitchFamily="49" charset="0"/>
-                <a:cs typeface="Courier New" pitchFamily="49" charset="0"/>
-              </a:rPr>
-              <a:t> saldo(){</a:t>
-            </a:r>
-          </a:p>
-          <a:p>
-            <a:r>
-              <a:rPr lang="pt-BR" sz="2400" b="1" dirty="0">
-                <a:latin typeface="Courier New" pitchFamily="49" charset="0"/>
-                <a:cs typeface="Courier New" pitchFamily="49" charset="0"/>
-              </a:rPr>
-              <a:t>  </a:t>
-            </a:r>
-            <a:r>
-              <a:rPr lang="pt-BR" sz="2400" b="1" dirty="0" smtClean="0">
-                <a:latin typeface="Courier New" pitchFamily="49" charset="0"/>
-                <a:cs typeface="Courier New" pitchFamily="49" charset="0"/>
-              </a:rPr>
-              <a:t> </a:t>
-            </a:r>
-            <a:r>
-              <a:rPr lang="pt-BR" sz="2400" b="1" dirty="0" err="1" smtClean="0">
-                <a:latin typeface="Courier New" pitchFamily="49" charset="0"/>
-                <a:cs typeface="Courier New" pitchFamily="49" charset="0"/>
-              </a:rPr>
-              <a:t>return</a:t>
-            </a:r>
-            <a:r>
-              <a:rPr lang="pt-BR" sz="2400" b="1" dirty="0" smtClean="0">
-                <a:latin typeface="Courier New" pitchFamily="49" charset="0"/>
-                <a:cs typeface="Courier New" pitchFamily="49" charset="0"/>
-              </a:rPr>
-              <a:t> saldo;</a:t>
-            </a:r>
-          </a:p>
-          <a:p>
-            <a:r>
-              <a:rPr lang="pt-BR" sz="2400" b="1" dirty="0">
-                <a:latin typeface="Courier New" pitchFamily="49" charset="0"/>
-                <a:cs typeface="Courier New" pitchFamily="49" charset="0"/>
-              </a:rPr>
-              <a:t> </a:t>
-            </a:r>
-            <a:r>
-              <a:rPr lang="pt-BR" sz="2400" b="1" dirty="0" smtClean="0">
-                <a:latin typeface="Courier New" pitchFamily="49" charset="0"/>
-                <a:cs typeface="Courier New" pitchFamily="49" charset="0"/>
-              </a:rPr>
-              <a:t>}</a:t>
-            </a:r>
-          </a:p>
-          <a:p>
-            <a:r>
-              <a:rPr lang="pt-BR" sz="2400" b="1" dirty="0">
-                <a:latin typeface="Courier New" pitchFamily="49" charset="0"/>
-                <a:cs typeface="Courier New" pitchFamily="49" charset="0"/>
-              </a:rPr>
-              <a:t> </a:t>
-            </a:r>
-            <a:r>
-              <a:rPr lang="pt-BR" sz="2400" b="1" dirty="0" err="1" smtClean="0">
-                <a:latin typeface="Courier New" pitchFamily="49" charset="0"/>
-                <a:cs typeface="Courier New" pitchFamily="49" charset="0"/>
-              </a:rPr>
-              <a:t>void</a:t>
-            </a:r>
-            <a:r>
-              <a:rPr lang="pt-BR" sz="2400" b="1" dirty="0" smtClean="0">
-                <a:latin typeface="Courier New" pitchFamily="49" charset="0"/>
-                <a:cs typeface="Courier New" pitchFamily="49" charset="0"/>
-              </a:rPr>
-              <a:t> retirada(</a:t>
-            </a:r>
-            <a:r>
-              <a:rPr lang="pt-BR" sz="2400" b="1" dirty="0" err="1" smtClean="0">
-                <a:latin typeface="Courier New" pitchFamily="49" charset="0"/>
-                <a:cs typeface="Courier New" pitchFamily="49" charset="0"/>
-              </a:rPr>
-              <a:t>double</a:t>
-            </a:r>
-            <a:r>
-              <a:rPr lang="pt-BR" sz="2400" b="1" dirty="0" smtClean="0">
-                <a:latin typeface="Courier New" pitchFamily="49" charset="0"/>
-                <a:cs typeface="Courier New" pitchFamily="49" charset="0"/>
-              </a:rPr>
-              <a:t> </a:t>
-            </a:r>
-            <a:r>
-              <a:rPr lang="pt-BR" sz="2400" b="1" dirty="0" err="1" smtClean="0">
-                <a:latin typeface="Courier New" pitchFamily="49" charset="0"/>
-                <a:cs typeface="Courier New" pitchFamily="49" charset="0"/>
-              </a:rPr>
-              <a:t>val</a:t>
-            </a:r>
-            <a:r>
-              <a:rPr lang="pt-BR" sz="2400" b="1" dirty="0" smtClean="0">
-                <a:latin typeface="Courier New" pitchFamily="49" charset="0"/>
-                <a:cs typeface="Courier New" pitchFamily="49" charset="0"/>
-              </a:rPr>
-              <a:t>) {</a:t>
-            </a:r>
-          </a:p>
-          <a:p>
-            <a:r>
-              <a:rPr lang="pt-BR" sz="2400" b="1" dirty="0">
-                <a:latin typeface="Courier New" pitchFamily="49" charset="0"/>
-                <a:cs typeface="Courier New" pitchFamily="49" charset="0"/>
-              </a:rPr>
-              <a:t>  </a:t>
-            </a:r>
-            <a:r>
-              <a:rPr lang="pt-BR" sz="2400" b="1" dirty="0" smtClean="0">
-                <a:latin typeface="Courier New" pitchFamily="49" charset="0"/>
-                <a:cs typeface="Courier New" pitchFamily="49" charset="0"/>
-              </a:rPr>
-              <a:t> saldo-=</a:t>
-            </a:r>
-            <a:r>
-              <a:rPr lang="pt-BR" sz="2400" b="1" dirty="0" err="1" smtClean="0">
-                <a:latin typeface="Courier New" pitchFamily="49" charset="0"/>
-                <a:cs typeface="Courier New" pitchFamily="49" charset="0"/>
-              </a:rPr>
-              <a:t>val</a:t>
-            </a:r>
-            <a:r>
-              <a:rPr lang="pt-BR" sz="2400" b="1" dirty="0" smtClean="0">
-                <a:latin typeface="Courier New" pitchFamily="49" charset="0"/>
-                <a:cs typeface="Courier New" pitchFamily="49" charset="0"/>
-              </a:rPr>
-              <a:t>;</a:t>
-            </a:r>
-          </a:p>
-          <a:p>
-            <a:r>
-              <a:rPr lang="pt-BR" sz="2400" b="1" dirty="0">
-                <a:latin typeface="Courier New" pitchFamily="49" charset="0"/>
-                <a:cs typeface="Courier New" pitchFamily="49" charset="0"/>
-              </a:rPr>
-              <a:t> }</a:t>
-            </a:r>
-            <a:endParaRPr lang="pt-BR" sz="2400" b="1" dirty="0" smtClean="0">
-              <a:latin typeface="Courier New" pitchFamily="49" charset="0"/>
-              <a:cs typeface="Courier New" pitchFamily="49" charset="0"/>
-            </a:endParaRPr>
-          </a:p>
-          <a:p>
-            <a:r>
-              <a:rPr lang="pt-BR" sz="2400" b="1" dirty="0">
-                <a:latin typeface="Courier New" pitchFamily="49" charset="0"/>
-                <a:cs typeface="Courier New" pitchFamily="49" charset="0"/>
-              </a:rPr>
-              <a:t>}</a:t>
-            </a:r>
-          </a:p>
-        </p:txBody>
-      </p:sp>
-      <p:sp>
-        <p:nvSpPr>
-          <p:cNvPr id="5" name="Freeform 6"/>
-          <p:cNvSpPr/>
-          <p:nvPr/>
-        </p:nvSpPr>
-        <p:spPr>
-          <a:xfrm rot="417461">
-            <a:off x="3808877" y="2911965"/>
-            <a:ext cx="1709675" cy="2959895"/>
-          </a:xfrm>
-          <a:custGeom>
-            <a:avLst/>
-            <a:gdLst>
-              <a:gd name="connsiteX0" fmla="*/ 0 w 267855"/>
-              <a:gd name="connsiteY0" fmla="*/ 928255 h 928255"/>
-              <a:gd name="connsiteX1" fmla="*/ 263237 w 267855"/>
-              <a:gd name="connsiteY1" fmla="*/ 263237 h 928255"/>
-              <a:gd name="connsiteX2" fmla="*/ 27709 w 267855"/>
-              <a:gd name="connsiteY2" fmla="*/ 0 h 928255"/>
-            </a:gdLst>
-            <a:ahLst/>
-            <a:cxnLst>
-              <a:cxn ang="0">
-                <a:pos x="connsiteX0" y="connsiteY0"/>
-              </a:cxn>
-              <a:cxn ang="0">
-                <a:pos x="connsiteX1" y="connsiteY1"/>
-              </a:cxn>
-              <a:cxn ang="0">
-                <a:pos x="connsiteX2" y="connsiteY2"/>
-              </a:cxn>
-            </a:cxnLst>
-            <a:rect l="l" t="t" r="r" b="b"/>
-            <a:pathLst>
-              <a:path w="267855" h="928255">
-                <a:moveTo>
-                  <a:pt x="0" y="928255"/>
-                </a:moveTo>
-                <a:cubicBezTo>
-                  <a:pt x="129309" y="673100"/>
-                  <a:pt x="258619" y="417946"/>
-                  <a:pt x="263237" y="263237"/>
-                </a:cubicBezTo>
-                <a:cubicBezTo>
-                  <a:pt x="267855" y="108528"/>
-                  <a:pt x="64655" y="46182"/>
-                  <a:pt x="27709" y="0"/>
-                </a:cubicBezTo>
-              </a:path>
-            </a:pathLst>
-          </a:custGeom>
-          <a:ln w="28575">
-            <a:solidFill>
-              <a:srgbClr val="0070C0"/>
-            </a:solidFill>
-            <a:prstDash val="dash"/>
-            <a:tailEnd type="triangle"/>
-          </a:ln>
-        </p:spPr>
-        <p:style>
-          <a:lnRef idx="1">
-            <a:schemeClr val="accent1"/>
-          </a:lnRef>
-          <a:fillRef idx="0">
-            <a:schemeClr val="accent1"/>
-          </a:fillRef>
-          <a:effectRef idx="0">
-            <a:schemeClr val="accent1"/>
-          </a:effectRef>
-          <a:fontRef idx="minor">
-            <a:schemeClr val="tx1"/>
-          </a:fontRef>
-        </p:style>
-        <p:txBody>
-          <a:bodyPr rtlCol="0" anchor="ctr"/>
-          <a:lstStyle/>
-          <a:p>
-            <a:pPr algn="ctr"/>
-            <a:endParaRPr lang="pt-BR">
-              <a:solidFill>
-                <a:srgbClr val="0070C0"/>
-              </a:solidFill>
-            </a:endParaRPr>
-          </a:p>
-        </p:txBody>
-      </p:sp>
-      <p:sp>
-        <p:nvSpPr>
-          <p:cNvPr id="6" name="Freeform 6"/>
-          <p:cNvSpPr/>
-          <p:nvPr/>
-        </p:nvSpPr>
-        <p:spPr>
-          <a:xfrm>
-            <a:off x="3635896" y="3573016"/>
-            <a:ext cx="814480" cy="2111652"/>
-          </a:xfrm>
-          <a:custGeom>
-            <a:avLst/>
-            <a:gdLst>
-              <a:gd name="connsiteX0" fmla="*/ 0 w 267855"/>
-              <a:gd name="connsiteY0" fmla="*/ 928255 h 928255"/>
-              <a:gd name="connsiteX1" fmla="*/ 263237 w 267855"/>
-              <a:gd name="connsiteY1" fmla="*/ 263237 h 928255"/>
-              <a:gd name="connsiteX2" fmla="*/ 27709 w 267855"/>
-              <a:gd name="connsiteY2" fmla="*/ 0 h 928255"/>
-            </a:gdLst>
-            <a:ahLst/>
-            <a:cxnLst>
-              <a:cxn ang="0">
-                <a:pos x="connsiteX0" y="connsiteY0"/>
-              </a:cxn>
-              <a:cxn ang="0">
-                <a:pos x="connsiteX1" y="connsiteY1"/>
-              </a:cxn>
-              <a:cxn ang="0">
-                <a:pos x="connsiteX2" y="connsiteY2"/>
-              </a:cxn>
-            </a:cxnLst>
-            <a:rect l="l" t="t" r="r" b="b"/>
-            <a:pathLst>
-              <a:path w="267855" h="928255">
-                <a:moveTo>
-                  <a:pt x="0" y="928255"/>
-                </a:moveTo>
-                <a:cubicBezTo>
-                  <a:pt x="129309" y="673100"/>
-                  <a:pt x="258619" y="417946"/>
-                  <a:pt x="263237" y="263237"/>
-                </a:cubicBezTo>
-                <a:cubicBezTo>
-                  <a:pt x="267855" y="108528"/>
-                  <a:pt x="64655" y="46182"/>
-                  <a:pt x="27709" y="0"/>
-                </a:cubicBezTo>
-              </a:path>
-            </a:pathLst>
-          </a:custGeom>
-          <a:ln w="28575">
-            <a:solidFill>
-              <a:srgbClr val="0070C0"/>
-            </a:solidFill>
-            <a:prstDash val="dash"/>
-            <a:tailEnd type="triangle"/>
-          </a:ln>
-        </p:spPr>
-        <p:style>
-          <a:lnRef idx="1">
-            <a:schemeClr val="accent1"/>
-          </a:lnRef>
-          <a:fillRef idx="0">
-            <a:schemeClr val="accent1"/>
-          </a:fillRef>
-          <a:effectRef idx="0">
-            <a:schemeClr val="accent1"/>
-          </a:effectRef>
-          <a:fontRef idx="minor">
-            <a:schemeClr val="tx1"/>
-          </a:fontRef>
-        </p:style>
-        <p:txBody>
-          <a:bodyPr rtlCol="0" anchor="ctr"/>
-          <a:lstStyle/>
-          <a:p>
-            <a:pPr algn="ctr"/>
-            <a:endParaRPr lang="pt-BR">
-              <a:solidFill>
-                <a:srgbClr val="0070C0"/>
-              </a:solidFill>
-            </a:endParaRPr>
-          </a:p>
-        </p:txBody>
-      </p:sp>
-      <p:sp>
-        <p:nvSpPr>
-          <p:cNvPr id="7" name="Freeform 6"/>
-          <p:cNvSpPr/>
-          <p:nvPr/>
-        </p:nvSpPr>
-        <p:spPr>
-          <a:xfrm rot="5792581" flipV="1">
-            <a:off x="3074096" y="5780722"/>
-            <a:ext cx="591189" cy="613054"/>
-          </a:xfrm>
-          <a:custGeom>
-            <a:avLst/>
-            <a:gdLst>
-              <a:gd name="connsiteX0" fmla="*/ 0 w 267855"/>
-              <a:gd name="connsiteY0" fmla="*/ 928255 h 928255"/>
-              <a:gd name="connsiteX1" fmla="*/ 263237 w 267855"/>
-              <a:gd name="connsiteY1" fmla="*/ 263237 h 928255"/>
-              <a:gd name="connsiteX2" fmla="*/ 27709 w 267855"/>
-              <a:gd name="connsiteY2" fmla="*/ 0 h 928255"/>
-            </a:gdLst>
-            <a:ahLst/>
-            <a:cxnLst>
-              <a:cxn ang="0">
-                <a:pos x="connsiteX0" y="connsiteY0"/>
-              </a:cxn>
-              <a:cxn ang="0">
-                <a:pos x="connsiteX1" y="connsiteY1"/>
-              </a:cxn>
-              <a:cxn ang="0">
-                <a:pos x="connsiteX2" y="connsiteY2"/>
-              </a:cxn>
-            </a:cxnLst>
-            <a:rect l="l" t="t" r="r" b="b"/>
-            <a:pathLst>
-              <a:path w="267855" h="928255">
-                <a:moveTo>
-                  <a:pt x="0" y="928255"/>
-                </a:moveTo>
-                <a:cubicBezTo>
-                  <a:pt x="129309" y="673100"/>
-                  <a:pt x="258619" y="417946"/>
-                  <a:pt x="263237" y="263237"/>
-                </a:cubicBezTo>
-                <a:cubicBezTo>
-                  <a:pt x="267855" y="108528"/>
-                  <a:pt x="64655" y="46182"/>
-                  <a:pt x="27709" y="0"/>
-                </a:cubicBezTo>
-              </a:path>
-            </a:pathLst>
-          </a:custGeom>
-          <a:ln w="28575">
-            <a:solidFill>
-              <a:srgbClr val="0070C0"/>
-            </a:solidFill>
-            <a:prstDash val="dash"/>
-            <a:tailEnd type="triangle"/>
-          </a:ln>
-        </p:spPr>
-        <p:style>
-          <a:lnRef idx="1">
-            <a:schemeClr val="accent1"/>
-          </a:lnRef>
-          <a:fillRef idx="0">
-            <a:schemeClr val="accent1"/>
-          </a:fillRef>
-          <a:effectRef idx="0">
-            <a:schemeClr val="accent1"/>
-          </a:effectRef>
-          <a:fontRef idx="minor">
-            <a:schemeClr val="tx1"/>
-          </a:fontRef>
-        </p:style>
-        <p:txBody>
-          <a:bodyPr rtlCol="0" anchor="ctr"/>
-          <a:lstStyle/>
-          <a:p>
-            <a:pPr algn="ctr"/>
-            <a:endParaRPr lang="pt-BR">
-              <a:solidFill>
-                <a:srgbClr val="0070C0"/>
-              </a:solidFill>
-            </a:endParaRPr>
-          </a:p>
-        </p:txBody>
-      </p:sp>
-      <p:sp>
-        <p:nvSpPr>
-          <p:cNvPr id="8" name="CaixaDeTexto 7"/>
-          <p:cNvSpPr txBox="1"/>
-          <p:nvPr/>
-        </p:nvSpPr>
-        <p:spPr>
-          <a:xfrm>
-            <a:off x="323528" y="1393612"/>
-            <a:ext cx="8928992" cy="523220"/>
-          </a:xfrm>
-          <a:prstGeom prst="rect">
-            <a:avLst/>
-          </a:prstGeom>
-          <a:noFill/>
-        </p:spPr>
-        <p:txBody>
-          <a:bodyPr wrap="square" rtlCol="0">
-            <a:spAutoFit/>
-          </a:bodyPr>
-          <a:lstStyle/>
-          <a:p>
-            <a:r>
-              <a:rPr lang="pt-BR" sz="2800" dirty="0" smtClean="0"/>
-              <a:t>Em destaque apenas dependências do método </a:t>
-            </a:r>
-            <a:r>
-              <a:rPr lang="pt-BR" sz="2400" dirty="0" smtClean="0">
-                <a:latin typeface="Courier New" panose="02070309020205020404" pitchFamily="49" charset="0"/>
-                <a:cs typeface="Courier New" panose="02070309020205020404" pitchFamily="49" charset="0"/>
-              </a:rPr>
-              <a:t>retirada</a:t>
-            </a:r>
-            <a:endParaRPr lang="en-US" sz="2800" dirty="0">
-              <a:latin typeface="Courier New" panose="02070309020205020404" pitchFamily="49" charset="0"/>
-              <a:cs typeface="Courier New" panose="02070309020205020404" pitchFamily="49" charset="0"/>
-            </a:endParaRPr>
-          </a:p>
-        </p:txBody>
-      </p:sp>
-    </p:spTree>
-    <p:extLst>
-      <p:ext uri="{BB962C8B-B14F-4D97-AF65-F5344CB8AC3E}">
-        <p14:creationId xmlns:p14="http://schemas.microsoft.com/office/powerpoint/2010/main" val="3081749454"/>
-      </p:ext>
-    </p:extLst>
-  </p:cSld>
-  <p:clrMapOvr>
-    <a:masterClrMapping/>
-  </p:clrMapOvr>
-  <p:timing>
-    <p:tnLst>
-      <p:par>
-        <p:cTn id="1" dur="indefinite" restart="never" nodeType="tmRoot"/>
-      </p:par>
-    </p:tnLst>
-  </p:timing>
-</p:sld>
-</file>
-
-<file path=ppt/slides/slide51.xml><?xml version="1.0" encoding="utf-8"?>
-<p:sld xmlns:a="http://schemas.openxmlformats.org/drawingml/2006/main" xmlns:r="http://schemas.openxmlformats.org/officeDocument/2006/relationships" xmlns:p="http://schemas.openxmlformats.org/presentationml/2006/main">
-  <p:cSld>
-    <p:spTree>
-      <p:nvGrpSpPr>
-        <p:cNvPr id="1" name=""/>
-        <p:cNvGrpSpPr/>
-        <p:nvPr/>
-      </p:nvGrpSpPr>
-      <p:grpSpPr>
-        <a:xfrm>
-          <a:off x="0" y="0"/>
-          <a:ext cx="0" cy="0"/>
-          <a:chOff x="0" y="0"/>
-          <a:chExt cx="0" cy="0"/>
-        </a:xfrm>
-      </p:grpSpPr>
-      <p:sp>
-        <p:nvSpPr>
-          <p:cNvPr id="2" name="Título 1"/>
-          <p:cNvSpPr>
-            <a:spLocks noGrp="1"/>
-          </p:cNvSpPr>
-          <p:nvPr>
-            <p:ph type="title"/>
-          </p:nvPr>
-        </p:nvSpPr>
-        <p:spPr/>
-        <p:txBody>
-          <a:bodyPr/>
-          <a:lstStyle/>
-          <a:p>
-            <a:r>
-              <a:rPr lang="pt-BR" dirty="0" smtClean="0"/>
-              <a:t>Exemplo 2</a:t>
-            </a:r>
-            <a:endParaRPr lang="en-US" dirty="0"/>
-          </a:p>
-        </p:txBody>
-      </p:sp>
-      <p:sp>
-        <p:nvSpPr>
-          <p:cNvPr id="4" name="TextBox 6"/>
-          <p:cNvSpPr txBox="1"/>
-          <p:nvPr/>
-        </p:nvSpPr>
-        <p:spPr>
-          <a:xfrm>
-            <a:off x="2267744" y="2883708"/>
-            <a:ext cx="5688632" cy="3785652"/>
-          </a:xfrm>
-          <a:prstGeom prst="rect">
-            <a:avLst/>
-          </a:prstGeom>
-        </p:spPr>
-        <p:style>
-          <a:lnRef idx="2">
-            <a:schemeClr val="dk1"/>
-          </a:lnRef>
-          <a:fillRef idx="1">
-            <a:schemeClr val="lt1"/>
-          </a:fillRef>
-          <a:effectRef idx="0">
-            <a:schemeClr val="dk1"/>
-          </a:effectRef>
-          <a:fontRef idx="minor">
-            <a:schemeClr val="dk1"/>
-          </a:fontRef>
-        </p:style>
-        <p:txBody>
-          <a:bodyPr wrap="square" rtlCol="0">
-            <a:spAutoFit/>
-          </a:bodyPr>
-          <a:lstStyle>
-            <a:defPPr>
-              <a:defRPr lang="pt-BR"/>
-            </a:defPPr>
-            <a:lvl1pPr marL="0" algn="l" defTabSz="914400" rtl="0" eaLnBrk="1" latinLnBrk="0" hangingPunct="1">
-              <a:defRPr sz="1800" kern="1200">
-                <a:solidFill>
-                  <a:schemeClr val="dk1"/>
-                </a:solidFill>
-                <a:latin typeface="+mn-lt"/>
-                <a:ea typeface="+mn-ea"/>
-                <a:cs typeface="+mn-cs"/>
-              </a:defRPr>
-            </a:lvl1pPr>
-            <a:lvl2pPr marL="457200" algn="l" defTabSz="914400" rtl="0" eaLnBrk="1" latinLnBrk="0" hangingPunct="1">
-              <a:defRPr sz="1800" kern="1200">
-                <a:solidFill>
-                  <a:schemeClr val="dk1"/>
-                </a:solidFill>
-                <a:latin typeface="+mn-lt"/>
-                <a:ea typeface="+mn-ea"/>
-                <a:cs typeface="+mn-cs"/>
-              </a:defRPr>
-            </a:lvl2pPr>
-            <a:lvl3pPr marL="914400" algn="l" defTabSz="914400" rtl="0" eaLnBrk="1" latinLnBrk="0" hangingPunct="1">
-              <a:defRPr sz="1800" kern="1200">
-                <a:solidFill>
-                  <a:schemeClr val="dk1"/>
-                </a:solidFill>
-                <a:latin typeface="+mn-lt"/>
-                <a:ea typeface="+mn-ea"/>
-                <a:cs typeface="+mn-cs"/>
-              </a:defRPr>
-            </a:lvl3pPr>
-            <a:lvl4pPr marL="1371600" algn="l" defTabSz="914400" rtl="0" eaLnBrk="1" latinLnBrk="0" hangingPunct="1">
-              <a:defRPr sz="1800" kern="1200">
-                <a:solidFill>
-                  <a:schemeClr val="dk1"/>
-                </a:solidFill>
-                <a:latin typeface="+mn-lt"/>
-                <a:ea typeface="+mn-ea"/>
-                <a:cs typeface="+mn-cs"/>
-              </a:defRPr>
-            </a:lvl4pPr>
-            <a:lvl5pPr marL="1828800" algn="l" defTabSz="914400" rtl="0" eaLnBrk="1" latinLnBrk="0" hangingPunct="1">
-              <a:defRPr sz="1800" kern="1200">
-                <a:solidFill>
-                  <a:schemeClr val="dk1"/>
-                </a:solidFill>
-                <a:latin typeface="+mn-lt"/>
-                <a:ea typeface="+mn-ea"/>
-                <a:cs typeface="+mn-cs"/>
-              </a:defRPr>
-            </a:lvl5pPr>
-            <a:lvl6pPr marL="2286000" algn="l" defTabSz="914400" rtl="0" eaLnBrk="1" latinLnBrk="0" hangingPunct="1">
-              <a:defRPr sz="1800" kern="1200">
-                <a:solidFill>
-                  <a:schemeClr val="dk1"/>
-                </a:solidFill>
-                <a:latin typeface="+mn-lt"/>
-                <a:ea typeface="+mn-ea"/>
-                <a:cs typeface="+mn-cs"/>
-              </a:defRPr>
-            </a:lvl6pPr>
-            <a:lvl7pPr marL="2743200" algn="l" defTabSz="914400" rtl="0" eaLnBrk="1" latinLnBrk="0" hangingPunct="1">
-              <a:defRPr sz="1800" kern="1200">
-                <a:solidFill>
-                  <a:schemeClr val="dk1"/>
-                </a:solidFill>
-                <a:latin typeface="+mn-lt"/>
-                <a:ea typeface="+mn-ea"/>
-                <a:cs typeface="+mn-cs"/>
-              </a:defRPr>
-            </a:lvl7pPr>
-            <a:lvl8pPr marL="3200400" algn="l" defTabSz="914400" rtl="0" eaLnBrk="1" latinLnBrk="0" hangingPunct="1">
-              <a:defRPr sz="1800" kern="1200">
-                <a:solidFill>
-                  <a:schemeClr val="dk1"/>
-                </a:solidFill>
-                <a:latin typeface="+mn-lt"/>
-                <a:ea typeface="+mn-ea"/>
-                <a:cs typeface="+mn-cs"/>
-              </a:defRPr>
-            </a:lvl8pPr>
-            <a:lvl9pPr marL="3657600" algn="l" defTabSz="914400" rtl="0" eaLnBrk="1" latinLnBrk="0" hangingPunct="1">
-              <a:defRPr sz="1800" kern="1200">
-                <a:solidFill>
-                  <a:schemeClr val="dk1"/>
-                </a:solidFill>
-                <a:latin typeface="+mn-lt"/>
-                <a:ea typeface="+mn-ea"/>
-                <a:cs typeface="+mn-cs"/>
-              </a:defRPr>
-            </a:lvl9pPr>
-          </a:lstStyle>
-          <a:p>
-            <a:r>
-              <a:rPr lang="pt-BR" sz="2400" b="1" dirty="0" err="1" smtClean="0">
-                <a:latin typeface="Courier New" pitchFamily="49" charset="0"/>
-                <a:cs typeface="Courier New" pitchFamily="49" charset="0"/>
-              </a:rPr>
-              <a:t>class</a:t>
-            </a:r>
-            <a:r>
-              <a:rPr lang="pt-BR" sz="2400" b="1" dirty="0" smtClean="0">
-                <a:latin typeface="Courier New" pitchFamily="49" charset="0"/>
-                <a:cs typeface="Courier New" pitchFamily="49" charset="0"/>
-              </a:rPr>
-              <a:t> Banco {</a:t>
-            </a:r>
-          </a:p>
-          <a:p>
-            <a:r>
-              <a:rPr lang="pt-BR" sz="2400" b="1" dirty="0" smtClean="0">
-                <a:latin typeface="Courier New" pitchFamily="49" charset="0"/>
-                <a:cs typeface="Courier New" pitchFamily="49" charset="0"/>
-              </a:rPr>
-              <a:t> </a:t>
-            </a:r>
-            <a:r>
-              <a:rPr lang="pt-BR" sz="2400" b="1" dirty="0" err="1" smtClean="0">
-                <a:latin typeface="Courier New" pitchFamily="49" charset="0"/>
-                <a:cs typeface="Courier New" pitchFamily="49" charset="0"/>
-              </a:rPr>
-              <a:t>List</a:t>
-            </a:r>
-            <a:r>
-              <a:rPr lang="pt-BR" sz="2400" b="1" dirty="0" smtClean="0">
-                <a:latin typeface="Courier New" pitchFamily="49" charset="0"/>
-                <a:cs typeface="Courier New" pitchFamily="49" charset="0"/>
-              </a:rPr>
-              <a:t>&lt;Conta&gt; contas = ...;</a:t>
-            </a:r>
-          </a:p>
-          <a:p>
-            <a:r>
-              <a:rPr lang="pt-BR" sz="2400" b="1" dirty="0" smtClean="0">
-                <a:latin typeface="Courier New" pitchFamily="49" charset="0"/>
-                <a:cs typeface="Courier New" pitchFamily="49" charset="0"/>
-              </a:rPr>
-              <a:t> </a:t>
-            </a:r>
-            <a:r>
-              <a:rPr lang="pt-BR" sz="2400" b="1" dirty="0" err="1" smtClean="0">
-                <a:latin typeface="Courier New" pitchFamily="49" charset="0"/>
-                <a:cs typeface="Courier New" pitchFamily="49" charset="0"/>
-              </a:rPr>
-              <a:t>List</a:t>
-            </a:r>
-            <a:r>
-              <a:rPr lang="pt-BR" sz="2400" b="1" dirty="0" smtClean="0">
-                <a:latin typeface="Courier New" pitchFamily="49" charset="0"/>
-                <a:cs typeface="Courier New" pitchFamily="49" charset="0"/>
-              </a:rPr>
-              <a:t>&lt;Cliente&gt; clientes = ...</a:t>
-            </a:r>
-          </a:p>
-          <a:p>
-            <a:r>
-              <a:rPr lang="pt-BR" sz="2400" b="1" dirty="0" smtClean="0">
-                <a:latin typeface="Courier New" pitchFamily="49" charset="0"/>
-                <a:cs typeface="Courier New" pitchFamily="49" charset="0"/>
-              </a:rPr>
-              <a:t> </a:t>
-            </a:r>
-            <a:r>
-              <a:rPr lang="pt-BR" sz="2400" b="1" dirty="0" err="1" smtClean="0">
-                <a:latin typeface="Courier New" pitchFamily="49" charset="0"/>
-                <a:cs typeface="Courier New" pitchFamily="49" charset="0"/>
-              </a:rPr>
-              <a:t>void</a:t>
-            </a:r>
-            <a:r>
-              <a:rPr lang="pt-BR" sz="2400" b="1" dirty="0" smtClean="0">
-                <a:latin typeface="Courier New" pitchFamily="49" charset="0"/>
-                <a:cs typeface="Courier New" pitchFamily="49" charset="0"/>
-              </a:rPr>
-              <a:t> </a:t>
-            </a:r>
-            <a:r>
-              <a:rPr lang="pt-BR" sz="2400" b="1" dirty="0" err="1" smtClean="0">
-                <a:latin typeface="Courier New" pitchFamily="49" charset="0"/>
-                <a:cs typeface="Courier New" pitchFamily="49" charset="0"/>
-              </a:rPr>
-              <a:t>addConta</a:t>
-            </a:r>
-            <a:r>
-              <a:rPr lang="pt-BR" sz="2400" b="1" dirty="0" smtClean="0">
-                <a:latin typeface="Courier New" pitchFamily="49" charset="0"/>
-                <a:cs typeface="Courier New" pitchFamily="49" charset="0"/>
-              </a:rPr>
-              <a:t>(Conta </a:t>
-            </a:r>
-            <a:r>
-              <a:rPr lang="pt-BR" sz="2400" b="1" dirty="0" err="1" smtClean="0">
-                <a:latin typeface="Courier New" pitchFamily="49" charset="0"/>
-                <a:cs typeface="Courier New" pitchFamily="49" charset="0"/>
-              </a:rPr>
-              <a:t>conta</a:t>
-            </a:r>
-            <a:r>
-              <a:rPr lang="pt-BR" sz="2400" b="1" dirty="0" smtClean="0">
-                <a:latin typeface="Courier New" pitchFamily="49" charset="0"/>
-                <a:cs typeface="Courier New" pitchFamily="49" charset="0"/>
-              </a:rPr>
-              <a:t>){</a:t>
-            </a:r>
-          </a:p>
-          <a:p>
-            <a:r>
-              <a:rPr lang="pt-BR" sz="2400" b="1" dirty="0">
-                <a:latin typeface="Courier New" pitchFamily="49" charset="0"/>
-                <a:cs typeface="Courier New" pitchFamily="49" charset="0"/>
-              </a:rPr>
-              <a:t> </a:t>
-            </a:r>
-            <a:r>
-              <a:rPr lang="pt-BR" sz="2400" b="1" dirty="0" smtClean="0">
-                <a:latin typeface="Courier New" pitchFamily="49" charset="0"/>
-                <a:cs typeface="Courier New" pitchFamily="49" charset="0"/>
-              </a:rPr>
-              <a:t>  </a:t>
-            </a:r>
-            <a:r>
-              <a:rPr lang="pt-BR" sz="2400" b="1" dirty="0" err="1" smtClean="0">
-                <a:latin typeface="Courier New" pitchFamily="49" charset="0"/>
-                <a:cs typeface="Courier New" pitchFamily="49" charset="0"/>
-              </a:rPr>
-              <a:t>contas.add</a:t>
-            </a:r>
-            <a:r>
-              <a:rPr lang="pt-BR" sz="2400" b="1" dirty="0" smtClean="0">
-                <a:latin typeface="Courier New" pitchFamily="49" charset="0"/>
-                <a:cs typeface="Courier New" pitchFamily="49" charset="0"/>
-              </a:rPr>
-              <a:t>(conta);</a:t>
-            </a:r>
-          </a:p>
-          <a:p>
-            <a:r>
-              <a:rPr lang="pt-BR" sz="2400" b="1" dirty="0">
-                <a:latin typeface="Courier New" pitchFamily="49" charset="0"/>
-                <a:cs typeface="Courier New" pitchFamily="49" charset="0"/>
-              </a:rPr>
-              <a:t> </a:t>
-            </a:r>
-            <a:r>
-              <a:rPr lang="pt-BR" sz="2400" b="1" dirty="0" smtClean="0">
-                <a:latin typeface="Courier New" pitchFamily="49" charset="0"/>
-                <a:cs typeface="Courier New" pitchFamily="49" charset="0"/>
-              </a:rPr>
-              <a:t>}</a:t>
-            </a:r>
-          </a:p>
-          <a:p>
-            <a:r>
-              <a:rPr lang="pt-BR" sz="2400" b="1" dirty="0">
-                <a:latin typeface="Courier New" pitchFamily="49" charset="0"/>
-                <a:cs typeface="Courier New" pitchFamily="49" charset="0"/>
-              </a:rPr>
-              <a:t> </a:t>
-            </a:r>
-            <a:r>
-              <a:rPr lang="pt-BR" sz="2400" b="1" dirty="0" err="1">
-                <a:latin typeface="Courier New" pitchFamily="49" charset="0"/>
-                <a:cs typeface="Courier New" pitchFamily="49" charset="0"/>
-              </a:rPr>
-              <a:t>void</a:t>
-            </a:r>
-            <a:r>
-              <a:rPr lang="pt-BR" sz="2400" b="1" dirty="0">
-                <a:latin typeface="Courier New" pitchFamily="49" charset="0"/>
-                <a:cs typeface="Courier New" pitchFamily="49" charset="0"/>
-              </a:rPr>
-              <a:t> </a:t>
-            </a:r>
-            <a:r>
-              <a:rPr lang="pt-BR" sz="2400" b="1" dirty="0" err="1" smtClean="0">
-                <a:latin typeface="Courier New" pitchFamily="49" charset="0"/>
-                <a:cs typeface="Courier New" pitchFamily="49" charset="0"/>
-              </a:rPr>
-              <a:t>addConta</a:t>
-            </a:r>
-            <a:r>
-              <a:rPr lang="pt-BR" sz="2400" b="1" dirty="0" smtClean="0">
-                <a:latin typeface="Courier New" pitchFamily="49" charset="0"/>
-                <a:cs typeface="Courier New" pitchFamily="49" charset="0"/>
-              </a:rPr>
-              <a:t>(Cliente </a:t>
-            </a:r>
-            <a:r>
-              <a:rPr lang="pt-BR" sz="2400" b="1" dirty="0" err="1" smtClean="0">
-                <a:latin typeface="Courier New" pitchFamily="49" charset="0"/>
-                <a:cs typeface="Courier New" pitchFamily="49" charset="0"/>
-              </a:rPr>
-              <a:t>cli</a:t>
-            </a:r>
-            <a:r>
-              <a:rPr lang="pt-BR" sz="2400" b="1" dirty="0" smtClean="0">
-                <a:latin typeface="Courier New" pitchFamily="49" charset="0"/>
-                <a:cs typeface="Courier New" pitchFamily="49" charset="0"/>
-              </a:rPr>
-              <a:t>){</a:t>
-            </a:r>
-            <a:endParaRPr lang="pt-BR" sz="2400" b="1" dirty="0">
-              <a:latin typeface="Courier New" pitchFamily="49" charset="0"/>
-              <a:cs typeface="Courier New" pitchFamily="49" charset="0"/>
-            </a:endParaRPr>
-          </a:p>
-          <a:p>
-            <a:r>
-              <a:rPr lang="pt-BR" sz="2400" b="1" dirty="0">
-                <a:latin typeface="Courier New" pitchFamily="49" charset="0"/>
-                <a:cs typeface="Courier New" pitchFamily="49" charset="0"/>
-              </a:rPr>
-              <a:t>   </a:t>
-            </a:r>
-            <a:r>
-              <a:rPr lang="pt-BR" sz="2400" b="1" dirty="0" err="1" smtClean="0">
-                <a:latin typeface="Courier New" pitchFamily="49" charset="0"/>
-                <a:cs typeface="Courier New" pitchFamily="49" charset="0"/>
-              </a:rPr>
-              <a:t>clientes.add</a:t>
-            </a:r>
-            <a:r>
-              <a:rPr lang="pt-BR" sz="2400" b="1" dirty="0" smtClean="0">
-                <a:latin typeface="Courier New" pitchFamily="49" charset="0"/>
-                <a:cs typeface="Courier New" pitchFamily="49" charset="0"/>
-              </a:rPr>
-              <a:t>(</a:t>
-            </a:r>
-            <a:r>
-              <a:rPr lang="pt-BR" sz="2400" b="1" dirty="0" err="1" smtClean="0">
-                <a:latin typeface="Courier New" pitchFamily="49" charset="0"/>
-                <a:cs typeface="Courier New" pitchFamily="49" charset="0"/>
-              </a:rPr>
-              <a:t>cli</a:t>
-            </a:r>
-            <a:r>
-              <a:rPr lang="pt-BR" sz="2400" b="1" dirty="0" smtClean="0">
-                <a:latin typeface="Courier New" pitchFamily="49" charset="0"/>
-                <a:cs typeface="Courier New" pitchFamily="49" charset="0"/>
-              </a:rPr>
-              <a:t>);</a:t>
-            </a:r>
-            <a:endParaRPr lang="pt-BR" sz="2400" b="1" dirty="0">
-              <a:latin typeface="Courier New" pitchFamily="49" charset="0"/>
-              <a:cs typeface="Courier New" pitchFamily="49" charset="0"/>
-            </a:endParaRPr>
-          </a:p>
-          <a:p>
-            <a:r>
-              <a:rPr lang="pt-BR" sz="2400" b="1" dirty="0">
-                <a:latin typeface="Courier New" pitchFamily="49" charset="0"/>
-                <a:cs typeface="Courier New" pitchFamily="49" charset="0"/>
-              </a:rPr>
-              <a:t> </a:t>
-            </a:r>
-            <a:r>
-              <a:rPr lang="pt-BR" sz="2400" b="1" dirty="0" smtClean="0">
-                <a:latin typeface="Courier New" pitchFamily="49" charset="0"/>
-                <a:cs typeface="Courier New" pitchFamily="49" charset="0"/>
-              </a:rPr>
-              <a:t>}</a:t>
-            </a:r>
-          </a:p>
-          <a:p>
-            <a:r>
-              <a:rPr lang="pt-BR" sz="2400" b="1" dirty="0" smtClean="0">
-                <a:latin typeface="Courier New" pitchFamily="49" charset="0"/>
-                <a:cs typeface="Courier New" pitchFamily="49" charset="0"/>
-              </a:rPr>
-              <a:t>}</a:t>
-            </a:r>
-            <a:endParaRPr lang="pt-BR" sz="2400" b="1" dirty="0">
-              <a:latin typeface="Courier New" pitchFamily="49" charset="0"/>
-              <a:cs typeface="Courier New" pitchFamily="49" charset="0"/>
-            </a:endParaRPr>
-          </a:p>
-        </p:txBody>
-      </p:sp>
-      <p:sp>
-        <p:nvSpPr>
-          <p:cNvPr id="10" name="Freeform 6"/>
-          <p:cNvSpPr/>
-          <p:nvPr/>
-        </p:nvSpPr>
-        <p:spPr>
-          <a:xfrm rot="1118940">
-            <a:off x="6959973" y="4387220"/>
-            <a:ext cx="1573270" cy="1682676"/>
-          </a:xfrm>
-          <a:custGeom>
-            <a:avLst/>
-            <a:gdLst>
-              <a:gd name="connsiteX0" fmla="*/ 0 w 267855"/>
-              <a:gd name="connsiteY0" fmla="*/ 928255 h 928255"/>
-              <a:gd name="connsiteX1" fmla="*/ 263237 w 267855"/>
-              <a:gd name="connsiteY1" fmla="*/ 263237 h 928255"/>
-              <a:gd name="connsiteX2" fmla="*/ 27709 w 267855"/>
-              <a:gd name="connsiteY2" fmla="*/ 0 h 928255"/>
-            </a:gdLst>
-            <a:ahLst/>
-            <a:cxnLst>
-              <a:cxn ang="0">
-                <a:pos x="connsiteX0" y="connsiteY0"/>
-              </a:cxn>
-              <a:cxn ang="0">
-                <a:pos x="connsiteX1" y="connsiteY1"/>
-              </a:cxn>
-              <a:cxn ang="0">
-                <a:pos x="connsiteX2" y="connsiteY2"/>
-              </a:cxn>
-            </a:cxnLst>
-            <a:rect l="l" t="t" r="r" b="b"/>
-            <a:pathLst>
-              <a:path w="267855" h="928255">
-                <a:moveTo>
-                  <a:pt x="0" y="928255"/>
-                </a:moveTo>
-                <a:cubicBezTo>
-                  <a:pt x="129309" y="673100"/>
-                  <a:pt x="258619" y="417946"/>
-                  <a:pt x="263237" y="263237"/>
-                </a:cubicBezTo>
-                <a:cubicBezTo>
-                  <a:pt x="267855" y="108528"/>
-                  <a:pt x="64655" y="46182"/>
-                  <a:pt x="27709" y="0"/>
-                </a:cubicBezTo>
-              </a:path>
-            </a:pathLst>
-          </a:custGeom>
-          <a:ln w="28575">
-            <a:solidFill>
-              <a:srgbClr val="0070C0"/>
-            </a:solidFill>
-            <a:prstDash val="dash"/>
-            <a:tailEnd type="triangle"/>
-          </a:ln>
-        </p:spPr>
-        <p:style>
-          <a:lnRef idx="1">
-            <a:schemeClr val="accent1"/>
-          </a:lnRef>
-          <a:fillRef idx="0">
-            <a:schemeClr val="accent1"/>
-          </a:fillRef>
-          <a:effectRef idx="0">
-            <a:schemeClr val="accent1"/>
-          </a:effectRef>
-          <a:fontRef idx="minor">
-            <a:schemeClr val="tx1"/>
-          </a:fontRef>
-        </p:style>
-        <p:txBody>
-          <a:bodyPr rtlCol="0" anchor="ctr"/>
-          <a:lstStyle/>
-          <a:p>
-            <a:pPr algn="ctr"/>
-            <a:endParaRPr lang="pt-BR">
-              <a:solidFill>
-                <a:srgbClr val="0070C0"/>
-              </a:solidFill>
-            </a:endParaRPr>
-          </a:p>
-        </p:txBody>
-      </p:sp>
-      <p:sp>
-        <p:nvSpPr>
-          <p:cNvPr id="3" name="CaixaDeTexto 2"/>
-          <p:cNvSpPr txBox="1"/>
-          <p:nvPr/>
-        </p:nvSpPr>
-        <p:spPr>
-          <a:xfrm>
-            <a:off x="8063279" y="4323868"/>
-            <a:ext cx="901209" cy="1446550"/>
-          </a:xfrm>
-          <a:prstGeom prst="rect">
-            <a:avLst/>
-          </a:prstGeom>
-          <a:noFill/>
-        </p:spPr>
-        <p:txBody>
-          <a:bodyPr wrap="none" rtlCol="0">
-            <a:spAutoFit/>
-          </a:bodyPr>
-          <a:lstStyle/>
-          <a:p>
-            <a:r>
-              <a:rPr lang="pt-BR" sz="8800" dirty="0" smtClean="0">
-                <a:solidFill>
-                  <a:srgbClr val="FF0000"/>
-                </a:solidFill>
-                <a:sym typeface="Wingdings"/>
-              </a:rPr>
-              <a:t></a:t>
-            </a:r>
-            <a:endParaRPr lang="en-US" sz="8800" dirty="0">
-              <a:solidFill>
-                <a:srgbClr val="FF0000"/>
-              </a:solidFill>
-            </a:endParaRPr>
-          </a:p>
-        </p:txBody>
-      </p:sp>
-      <p:sp>
-        <p:nvSpPr>
-          <p:cNvPr id="6" name="CaixaDeTexto 5"/>
-          <p:cNvSpPr txBox="1"/>
-          <p:nvPr/>
-        </p:nvSpPr>
-        <p:spPr>
-          <a:xfrm>
-            <a:off x="183222" y="1466781"/>
-            <a:ext cx="8960778" cy="1384995"/>
-          </a:xfrm>
-          <a:prstGeom prst="rect">
-            <a:avLst/>
-          </a:prstGeom>
-          <a:noFill/>
-        </p:spPr>
-        <p:txBody>
-          <a:bodyPr wrap="square" rtlCol="0">
-            <a:spAutoFit/>
-          </a:bodyPr>
-          <a:lstStyle/>
-          <a:p>
-            <a:r>
-              <a:rPr lang="pt-BR" sz="2800" dirty="0" smtClean="0"/>
-              <a:t>Encapsulamento de dados pode ser um problema.  Sensibilidade a objetos/ponteiros depende da representação de acesso.  </a:t>
-            </a:r>
-            <a:endParaRPr lang="en-US" sz="2800" dirty="0">
-              <a:latin typeface="Courier New" panose="02070309020205020404" pitchFamily="49" charset="0"/>
-              <a:cs typeface="Courier New" panose="02070309020205020404" pitchFamily="49" charset="0"/>
-            </a:endParaRPr>
-          </a:p>
-        </p:txBody>
-      </p:sp>
-    </p:spTree>
-    <p:extLst>
-      <p:ext uri="{BB962C8B-B14F-4D97-AF65-F5344CB8AC3E}">
-        <p14:creationId xmlns:p14="http://schemas.microsoft.com/office/powerpoint/2010/main" val="3729190192"/>
-      </p:ext>
-    </p:extLst>
-  </p:cSld>
-  <p:clrMapOvr>
-    <a:masterClrMapping/>
-  </p:clrMapOvr>
-  <p:timing>
-    <p:tnLst>
-      <p:par>
-        <p:cTn id="1" dur="indefinite" restart="never" nodeType="tmRoot"/>
-      </p:par>
-    </p:tnLst>
-  </p:timing>
-</p:sld>
-</file>
-
-<file path=ppt/slides/slide52.xml><?xml version="1.0" encoding="utf-8"?>
-<p:sld xmlns:a="http://schemas.openxmlformats.org/drawingml/2006/main" xmlns:r="http://schemas.openxmlformats.org/officeDocument/2006/relationships" xmlns:p="http://schemas.openxmlformats.org/presentationml/2006/main">
-  <p:cSld>
-    <p:spTree>
-      <p:nvGrpSpPr>
-        <p:cNvPr id="1" name=""/>
-        <p:cNvGrpSpPr/>
-        <p:nvPr/>
-      </p:nvGrpSpPr>
-      <p:grpSpPr>
-        <a:xfrm>
-          <a:off x="0" y="0"/>
-          <a:ext cx="0" cy="0"/>
-          <a:chOff x="0" y="0"/>
-          <a:chExt cx="0" cy="0"/>
-        </a:xfrm>
-      </p:grpSpPr>
-      <p:sp>
-        <p:nvSpPr>
-          <p:cNvPr id="2" name="Título 1"/>
-          <p:cNvSpPr>
-            <a:spLocks noGrp="1"/>
-          </p:cNvSpPr>
-          <p:nvPr>
-            <p:ph type="title"/>
-          </p:nvPr>
-        </p:nvSpPr>
-        <p:spPr/>
-        <p:txBody>
-          <a:bodyPr/>
-          <a:lstStyle/>
-          <a:p>
-            <a:r>
-              <a:rPr lang="en-US" dirty="0" smtClean="0"/>
-              <a:t>Demo</a:t>
-            </a:r>
-            <a:endParaRPr lang="en-US" dirty="0"/>
-          </a:p>
-        </p:txBody>
-      </p:sp>
-      <p:sp>
-        <p:nvSpPr>
-          <p:cNvPr id="3" name="Espaço Reservado para Conteúdo 2"/>
-          <p:cNvSpPr>
-            <a:spLocks noGrp="1"/>
-          </p:cNvSpPr>
-          <p:nvPr>
-            <p:ph idx="1"/>
-          </p:nvPr>
-        </p:nvSpPr>
-        <p:spPr/>
-        <p:txBody>
-          <a:bodyPr/>
-          <a:lstStyle/>
-          <a:p>
-            <a:r>
-              <a:rPr lang="en-US" dirty="0" err="1" smtClean="0"/>
-              <a:t>Ver</a:t>
-            </a:r>
-            <a:r>
-              <a:rPr lang="en-US" dirty="0" smtClean="0"/>
-              <a:t> </a:t>
-            </a:r>
-            <a:r>
-              <a:rPr lang="en-US" dirty="0" err="1" smtClean="0"/>
-              <a:t>diretório</a:t>
-            </a:r>
-            <a:r>
-              <a:rPr lang="en-US" dirty="0" smtClean="0"/>
-              <a:t> demos</a:t>
-            </a:r>
-            <a:r>
-              <a:rPr lang="pt-BR" dirty="0"/>
-              <a:t>/</a:t>
-            </a:r>
-            <a:r>
-              <a:rPr lang="en-US" dirty="0" err="1" smtClean="0"/>
-              <a:t>rwsets</a:t>
-            </a:r>
-            <a:r>
-              <a:rPr lang="en-US" dirty="0" smtClean="0"/>
-              <a:t> no </a:t>
-            </a:r>
-            <a:r>
-              <a:rPr lang="en-US" dirty="0" err="1" smtClean="0"/>
-              <a:t>repositório</a:t>
-            </a:r>
-            <a:r>
-              <a:rPr lang="en-US" dirty="0" smtClean="0"/>
-              <a:t> da </a:t>
-            </a:r>
-            <a:r>
-              <a:rPr lang="en-US" dirty="0" err="1" smtClean="0"/>
-              <a:t>disciplina</a:t>
-            </a:r>
-            <a:endParaRPr lang="en-US" dirty="0"/>
-          </a:p>
-        </p:txBody>
-      </p:sp>
-    </p:spTree>
-    <p:extLst>
-      <p:ext uri="{BB962C8B-B14F-4D97-AF65-F5344CB8AC3E}">
-        <p14:creationId xmlns:p14="http://schemas.microsoft.com/office/powerpoint/2010/main" val="3532406550"/>
       </p:ext>
     </p:extLst>
   </p:cSld>

--- a/slides-aulas/analise-estatica.pptx
+++ b/slides-aulas/analise-estatica.pptx
@@ -31,8 +31,8 @@
     <p:sldId id="332" r:id="rId22"/>
     <p:sldId id="351" r:id="rId23"/>
     <p:sldId id="308" r:id="rId24"/>
-    <p:sldId id="363" r:id="rId25"/>
-    <p:sldId id="356" r:id="rId26"/>
+    <p:sldId id="368" r:id="rId25"/>
+    <p:sldId id="369" r:id="rId26"/>
     <p:sldId id="357" r:id="rId27"/>
     <p:sldId id="366" r:id="rId28"/>
     <p:sldId id="365" r:id="rId29"/>
@@ -236,7 +236,7 @@
           <a:p>
             <a:fld id="{FC84F72A-8595-4E3D-B461-021E801466C3}" type="datetimeFigureOut">
               <a:rPr lang="en-US" smtClean="0"/>
-              <a:t>12-Jun-17</a:t>
+              <a:t>10/29/2019</a:t>
             </a:fld>
             <a:endParaRPr lang="en-US"/>
           </a:p>
@@ -1017,7 +1017,7 @@
           <a:p>
             <a:fld id="{2E700DB3-DBF0-4086-B675-117E7A9610B8}" type="datetimeFigureOut">
               <a:rPr lang="pt-BR" smtClean="0"/>
-              <a:t>12/06/2017</a:t>
+              <a:t>29/10/2019</a:t>
             </a:fld>
             <a:endParaRPr lang="pt-BR"/>
           </a:p>
@@ -1182,7 +1182,7 @@
           <a:p>
             <a:fld id="{2E700DB3-DBF0-4086-B675-117E7A9610B8}" type="datetimeFigureOut">
               <a:rPr lang="pt-BR" smtClean="0"/>
-              <a:t>12/06/2017</a:t>
+              <a:t>29/10/2019</a:t>
             </a:fld>
             <a:endParaRPr lang="pt-BR"/>
           </a:p>
@@ -1357,7 +1357,7 @@
           <a:p>
             <a:fld id="{2E700DB3-DBF0-4086-B675-117E7A9610B8}" type="datetimeFigureOut">
               <a:rPr lang="pt-BR" smtClean="0"/>
-              <a:t>12/06/2017</a:t>
+              <a:t>29/10/2019</a:t>
             </a:fld>
             <a:endParaRPr lang="pt-BR"/>
           </a:p>
@@ -1522,7 +1522,7 @@
           <a:p>
             <a:fld id="{2E700DB3-DBF0-4086-B675-117E7A9610B8}" type="datetimeFigureOut">
               <a:rPr lang="pt-BR" smtClean="0"/>
-              <a:t>12/06/2017</a:t>
+              <a:t>29/10/2019</a:t>
             </a:fld>
             <a:endParaRPr lang="pt-BR"/>
           </a:p>
@@ -1763,7 +1763,7 @@
           <a:p>
             <a:fld id="{2E700DB3-DBF0-4086-B675-117E7A9610B8}" type="datetimeFigureOut">
               <a:rPr lang="pt-BR" smtClean="0"/>
-              <a:t>12/06/2017</a:t>
+              <a:t>29/10/2019</a:t>
             </a:fld>
             <a:endParaRPr lang="pt-BR"/>
           </a:p>
@@ -2046,7 +2046,7 @@
           <a:p>
             <a:fld id="{2E700DB3-DBF0-4086-B675-117E7A9610B8}" type="datetimeFigureOut">
               <a:rPr lang="pt-BR" smtClean="0"/>
-              <a:t>12/06/2017</a:t>
+              <a:t>29/10/2019</a:t>
             </a:fld>
             <a:endParaRPr lang="pt-BR"/>
           </a:p>
@@ -2463,7 +2463,7 @@
           <a:p>
             <a:fld id="{2E700DB3-DBF0-4086-B675-117E7A9610B8}" type="datetimeFigureOut">
               <a:rPr lang="pt-BR" smtClean="0"/>
-              <a:t>12/06/2017</a:t>
+              <a:t>29/10/2019</a:t>
             </a:fld>
             <a:endParaRPr lang="pt-BR"/>
           </a:p>
@@ -2576,7 +2576,7 @@
           <a:p>
             <a:fld id="{2E700DB3-DBF0-4086-B675-117E7A9610B8}" type="datetimeFigureOut">
               <a:rPr lang="pt-BR" smtClean="0"/>
-              <a:t>12/06/2017</a:t>
+              <a:t>29/10/2019</a:t>
             </a:fld>
             <a:endParaRPr lang="pt-BR"/>
           </a:p>
@@ -2666,7 +2666,7 @@
           <a:p>
             <a:fld id="{2E700DB3-DBF0-4086-B675-117E7A9610B8}" type="datetimeFigureOut">
               <a:rPr lang="pt-BR" smtClean="0"/>
-              <a:t>12/06/2017</a:t>
+              <a:t>29/10/2019</a:t>
             </a:fld>
             <a:endParaRPr lang="pt-BR"/>
           </a:p>
@@ -2938,7 +2938,7 @@
           <a:p>
             <a:fld id="{2E700DB3-DBF0-4086-B675-117E7A9610B8}" type="datetimeFigureOut">
               <a:rPr lang="pt-BR" smtClean="0"/>
-              <a:t>12/06/2017</a:t>
+              <a:t>29/10/2019</a:t>
             </a:fld>
             <a:endParaRPr lang="pt-BR"/>
           </a:p>
@@ -3186,7 +3186,7 @@
           <a:p>
             <a:fld id="{2E700DB3-DBF0-4086-B675-117E7A9610B8}" type="datetimeFigureOut">
               <a:rPr lang="pt-BR" smtClean="0"/>
-              <a:t>12/06/2017</a:t>
+              <a:t>29/10/2019</a:t>
             </a:fld>
             <a:endParaRPr lang="pt-BR"/>
           </a:p>
@@ -3394,7 +3394,7 @@
           <a:p>
             <a:fld id="{2E700DB3-DBF0-4086-B675-117E7A9610B8}" type="datetimeFigureOut">
               <a:rPr lang="pt-BR" smtClean="0"/>
-              <a:t>12/06/2017</a:t>
+              <a:t>29/10/2019</a:t>
             </a:fld>
             <a:endParaRPr lang="pt-BR"/>
           </a:p>
@@ -7454,7 +7454,7 @@
         <p:spPr>
           <a:xfrm>
             <a:off x="457200" y="1600200"/>
-            <a:ext cx="8686800" cy="4525963"/>
+            <a:ext cx="8579296" cy="4525963"/>
           </a:xfrm>
         </p:spPr>
         <p:txBody>
@@ -7463,2087 +7463,70 @@
           <a:p>
             <a:r>
               <a:rPr lang="pt-BR" dirty="0" smtClean="0"/>
-              <a:t>O que faz? </a:t>
-            </a:r>
-          </a:p>
-          <a:p>
-            <a:pPr lvl="1"/>
+              <a:t>Técnica qu</a:t>
+            </a:r>
             <a:r>
               <a:rPr lang="pt-BR" dirty="0" smtClean="0"/>
-              <a:t>Coleta informação de análise (e.g., definições </a:t>
+              <a:t>e usa </a:t>
             </a:r>
             <a:r>
               <a:rPr lang="pt-BR" dirty="0" err="1" smtClean="0"/>
-              <a:t>alcancáveis</a:t>
+              <a:t>Flow</a:t>
             </a:r>
             <a:r>
               <a:rPr lang="pt-BR" dirty="0" smtClean="0"/>
-              <a:t>) até não encontrar nada novo</a:t>
-            </a:r>
+              <a:t> </a:t>
+            </a:r>
+            <a:r>
+              <a:rPr lang="pt-BR" dirty="0" err="1" smtClean="0"/>
+              <a:t>Graphs</a:t>
+            </a:r>
+            <a:r>
+              <a:rPr lang="pt-BR" dirty="0" smtClean="0"/>
+              <a:t>* para calcular fatos sobre programa</a:t>
+            </a:r>
+          </a:p>
+          <a:p>
+            <a:r>
+              <a:rPr lang="pt-BR" dirty="0" smtClean="0"/>
+              <a:t>Por exemplo, usa </a:t>
+            </a:r>
+            <a:r>
+              <a:rPr lang="pt-BR" dirty="0" err="1" smtClean="0"/>
+              <a:t>Control</a:t>
+            </a:r>
+            <a:r>
+              <a:rPr lang="pt-BR" dirty="0" smtClean="0"/>
+              <a:t> </a:t>
+            </a:r>
+            <a:r>
+              <a:rPr lang="pt-BR" dirty="0" err="1" smtClean="0"/>
+              <a:t>Flow</a:t>
+            </a:r>
+            <a:r>
+              <a:rPr lang="pt-BR" dirty="0" smtClean="0"/>
+              <a:t> </a:t>
+            </a:r>
+            <a:r>
+              <a:rPr lang="pt-BR" dirty="0" err="1" smtClean="0"/>
+              <a:t>Graph</a:t>
+            </a:r>
+            <a:r>
+              <a:rPr lang="pt-BR" dirty="0" smtClean="0"/>
+              <a:t> (CFG) para calcular </a:t>
+            </a:r>
+            <a:r>
+              <a:rPr lang="pt-BR" b="1" dirty="0" smtClean="0"/>
+              <a:t>Definiç</a:t>
+            </a:r>
+            <a:r>
+              <a:rPr lang="pt-BR" b="1" dirty="0" smtClean="0"/>
+              <a:t>ões Alcançáveis</a:t>
+            </a:r>
+            <a:endParaRPr lang="pt-BR" b="1" dirty="0" smtClean="0"/>
           </a:p>
         </p:txBody>
       </p:sp>
-      <p:pic>
-        <p:nvPicPr>
-          <p:cNvPr id="6" name="Picture 2"/>
-          <p:cNvPicPr>
-            <a:picLocks noChangeAspect="1" noChangeArrowheads="1"/>
-          </p:cNvPicPr>
-          <p:nvPr/>
-        </p:nvPicPr>
-        <p:blipFill>
-          <a:blip r:embed="rId2"/>
-          <a:srcRect/>
-          <a:stretch>
-            <a:fillRect/>
-          </a:stretch>
-        </p:blipFill>
-        <p:spPr bwMode="auto">
-          <a:xfrm>
-            <a:off x="251520" y="3861048"/>
-            <a:ext cx="3056374" cy="2786082"/>
-          </a:xfrm>
-          <a:prstGeom prst="rect">
-            <a:avLst/>
-          </a:prstGeom>
-          <a:noFill/>
-          <a:ln w="9525">
-            <a:noFill/>
-            <a:miter lim="800000"/>
-            <a:headEnd/>
-            <a:tailEnd/>
-          </a:ln>
-          <a:effectLst/>
-        </p:spPr>
-      </p:pic>
-      <p:cxnSp>
-        <p:nvCxnSpPr>
-          <p:cNvPr id="7" name="Conector de seta reta 6"/>
-          <p:cNvCxnSpPr/>
-          <p:nvPr/>
-        </p:nvCxnSpPr>
-        <p:spPr>
-          <a:xfrm flipH="1">
-            <a:off x="1779707" y="3140968"/>
-            <a:ext cx="1" cy="504056"/>
-          </a:xfrm>
-          <a:prstGeom prst="straightConnector1">
-            <a:avLst/>
-          </a:prstGeom>
-          <a:ln>
-            <a:headEnd type="none" w="med" len="med"/>
-            <a:tailEnd type="triangle" w="med" len="med"/>
-          </a:ln>
-        </p:spPr>
-        <p:style>
-          <a:lnRef idx="1">
-            <a:schemeClr val="dk1"/>
-          </a:lnRef>
-          <a:fillRef idx="0">
-            <a:schemeClr val="dk1"/>
-          </a:fillRef>
-          <a:effectRef idx="0">
-            <a:schemeClr val="dk1"/>
-          </a:effectRef>
-          <a:fontRef idx="minor">
-            <a:schemeClr val="tx1"/>
-          </a:fontRef>
-        </p:style>
-      </p:cxnSp>
-      <p:graphicFrame>
-        <p:nvGraphicFramePr>
-          <p:cNvPr id="10" name="Tabela 9"/>
-          <p:cNvGraphicFramePr>
-            <a:graphicFrameLocks noGrp="1"/>
-          </p:cNvGraphicFramePr>
-          <p:nvPr>
-            <p:extLst>
-              <p:ext uri="{D42A27DB-BD31-4B8C-83A1-F6EECF244321}">
-                <p14:modId xmlns:p14="http://schemas.microsoft.com/office/powerpoint/2010/main" val="1363550300"/>
-              </p:ext>
-            </p:extLst>
-          </p:nvPr>
-        </p:nvGraphicFramePr>
-        <p:xfrm>
-          <a:off x="3593023" y="3392996"/>
-          <a:ext cx="5371465" cy="3102187"/>
-        </p:xfrm>
-        <a:graphic>
-          <a:graphicData uri="http://schemas.openxmlformats.org/drawingml/2006/table">
-            <a:tbl>
-              <a:tblPr firstRow="1" bandRow="1">
-                <a:tableStyleId>{5C22544A-7EE6-4342-B048-85BDC9FD1C3A}</a:tableStyleId>
-              </a:tblPr>
-              <a:tblGrid>
-                <a:gridCol w="478155"/>
-                <a:gridCol w="1757680"/>
-                <a:gridCol w="3135630"/>
-              </a:tblGrid>
-              <a:tr h="295057">
-                <a:tc>
-                  <a:txBody>
-                    <a:bodyPr/>
-                    <a:lstStyle/>
-                    <a:p>
-                      <a:r>
-                        <a:rPr lang="pt-BR" sz="1400" b="1" dirty="0" smtClean="0">
-                          <a:solidFill>
-                            <a:schemeClr val="tx1"/>
-                          </a:solidFill>
-                          <a:latin typeface="Consolas" panose="020B0609020204030204" pitchFamily="49" charset="0"/>
-                        </a:rPr>
-                        <a:t>1</a:t>
-                      </a:r>
-                      <a:endParaRPr lang="en-US" sz="1400" b="1" dirty="0">
-                        <a:solidFill>
-                          <a:schemeClr val="tx1"/>
-                        </a:solidFill>
-                        <a:latin typeface="Consolas" panose="020B0609020204030204" pitchFamily="49" charset="0"/>
-                      </a:endParaRPr>
-                    </a:p>
-                  </a:txBody>
-                  <a:tcPr>
-                    <a:lnL w="12700" cap="flat" cmpd="sng" algn="ctr">
-                      <a:solidFill>
-                        <a:schemeClr val="tx1"/>
-                      </a:solidFill>
-                      <a:prstDash val="solid"/>
-                      <a:round/>
-                      <a:headEnd type="none" w="med" len="med"/>
-                      <a:tailEnd type="none" w="med" len="med"/>
-                    </a:lnL>
-                    <a:lnR w="12700" cap="flat" cmpd="sng" algn="ctr">
-                      <a:solidFill>
-                        <a:schemeClr val="tx1"/>
-                      </a:solidFill>
-                      <a:prstDash val="solid"/>
-                      <a:round/>
-                      <a:headEnd type="none" w="med" len="med"/>
-                      <a:tailEnd type="none" w="med" len="med"/>
-                    </a:lnR>
-                    <a:lnT w="12700" cap="flat" cmpd="sng" algn="ctr">
-                      <a:solidFill>
-                        <a:schemeClr val="tx1"/>
-                      </a:solidFill>
-                      <a:prstDash val="solid"/>
-                      <a:round/>
-                      <a:headEnd type="none" w="med" len="med"/>
-                      <a:tailEnd type="none" w="med" len="med"/>
-                    </a:lnT>
-                    <a:lnB w="12700" cap="flat" cmpd="sng" algn="ctr">
-                      <a:solidFill>
-                        <a:schemeClr val="tx1"/>
-                      </a:solidFill>
-                      <a:prstDash val="solid"/>
-                      <a:round/>
-                      <a:headEnd type="none" w="med" len="med"/>
-                      <a:tailEnd type="none" w="med" len="med"/>
-                    </a:lnB>
-                    <a:noFill/>
-                  </a:tcPr>
-                </a:tc>
-                <a:tc>
-                  <a:txBody>
-                    <a:bodyPr/>
-                    <a:lstStyle/>
-                    <a:p>
-                      <a:r>
-                        <a:rPr lang="pt-BR" sz="1400" b="1" dirty="0" err="1" smtClean="0">
-                          <a:solidFill>
-                            <a:schemeClr val="tx1"/>
-                          </a:solidFill>
-                          <a:latin typeface="Consolas" panose="020B0609020204030204" pitchFamily="49" charset="0"/>
-                        </a:rPr>
-                        <a:t>in</a:t>
-                      </a:r>
-                      <a:r>
-                        <a:rPr lang="pt-BR" sz="1400" b="1" baseline="0" dirty="0" err="1" smtClean="0">
-                          <a:solidFill>
-                            <a:schemeClr val="tx1"/>
-                          </a:solidFill>
-                          <a:latin typeface="Consolas" panose="020B0609020204030204" pitchFamily="49" charset="0"/>
-                        </a:rPr>
-                        <a:t>t</a:t>
-                      </a:r>
-                      <a:r>
-                        <a:rPr lang="pt-BR" sz="1400" b="1" baseline="0" dirty="0" smtClean="0">
-                          <a:solidFill>
-                            <a:schemeClr val="tx1"/>
-                          </a:solidFill>
-                          <a:latin typeface="Consolas" panose="020B0609020204030204" pitchFamily="49" charset="0"/>
-                        </a:rPr>
-                        <a:t> j, k</a:t>
-                      </a:r>
-                      <a:endParaRPr lang="en-US" sz="1400" b="1" dirty="0">
-                        <a:solidFill>
-                          <a:schemeClr val="tx1"/>
-                        </a:solidFill>
-                        <a:latin typeface="Consolas" panose="020B0609020204030204" pitchFamily="49" charset="0"/>
-                      </a:endParaRPr>
-                    </a:p>
-                  </a:txBody>
-                  <a:tcPr>
-                    <a:lnL w="12700" cap="flat" cmpd="sng" algn="ctr">
-                      <a:solidFill>
-                        <a:schemeClr val="tx1"/>
-                      </a:solidFill>
-                      <a:prstDash val="solid"/>
-                      <a:round/>
-                      <a:headEnd type="none" w="med" len="med"/>
-                      <a:tailEnd type="none" w="med" len="med"/>
-                    </a:lnL>
-                    <a:lnR w="12700" cap="flat" cmpd="sng" algn="ctr">
-                      <a:solidFill>
-                        <a:schemeClr val="tx1"/>
-                      </a:solidFill>
-                      <a:prstDash val="solid"/>
-                      <a:round/>
-                      <a:headEnd type="none" w="med" len="med"/>
-                      <a:tailEnd type="none" w="med" len="med"/>
-                    </a:lnR>
-                    <a:lnT w="12700" cap="flat" cmpd="sng" algn="ctr">
-                      <a:solidFill>
-                        <a:schemeClr val="tx1"/>
-                      </a:solidFill>
-                      <a:prstDash val="solid"/>
-                      <a:round/>
-                      <a:headEnd type="none" w="med" len="med"/>
-                      <a:tailEnd type="none" w="med" len="med"/>
-                    </a:lnT>
-                    <a:lnB w="12700" cap="flat" cmpd="sng" algn="ctr">
-                      <a:solidFill>
-                        <a:schemeClr val="tx1"/>
-                      </a:solidFill>
-                      <a:prstDash val="solid"/>
-                      <a:round/>
-                      <a:headEnd type="none" w="med" len="med"/>
-                      <a:tailEnd type="none" w="med" len="med"/>
-                    </a:lnB>
-                    <a:noFill/>
-                  </a:tcPr>
-                </a:tc>
-                <a:tc>
-                  <a:txBody>
-                    <a:bodyPr/>
-                    <a:lstStyle/>
-                    <a:p>
-                      <a:r>
-                        <a:rPr lang="pt-BR" sz="1400" b="1" dirty="0" smtClean="0">
-                          <a:solidFill>
-                            <a:schemeClr val="tx1"/>
-                          </a:solidFill>
-                          <a:latin typeface="Consolas" panose="020B0609020204030204" pitchFamily="49" charset="0"/>
-                        </a:rPr>
-                        <a:t>(j,0),(k,0),(m,0)</a:t>
-                      </a:r>
-                      <a:endParaRPr lang="en-US" sz="1400" b="1" dirty="0">
-                        <a:solidFill>
-                          <a:schemeClr val="tx1"/>
-                        </a:solidFill>
-                        <a:latin typeface="Consolas" panose="020B0609020204030204" pitchFamily="49" charset="0"/>
-                      </a:endParaRPr>
-                    </a:p>
-                  </a:txBody>
-                  <a:tcPr>
-                    <a:lnL w="12700" cap="flat" cmpd="sng" algn="ctr">
-                      <a:solidFill>
-                        <a:schemeClr val="tx1"/>
-                      </a:solidFill>
-                      <a:prstDash val="solid"/>
-                      <a:round/>
-                      <a:headEnd type="none" w="med" len="med"/>
-                      <a:tailEnd type="none" w="med" len="med"/>
-                    </a:lnL>
-                    <a:lnR w="12700" cap="flat" cmpd="sng" algn="ctr">
-                      <a:solidFill>
-                        <a:schemeClr val="tx1"/>
-                      </a:solidFill>
-                      <a:prstDash val="solid"/>
-                      <a:round/>
-                      <a:headEnd type="none" w="med" len="med"/>
-                      <a:tailEnd type="none" w="med" len="med"/>
-                    </a:lnR>
-                    <a:lnT w="12700" cap="flat" cmpd="sng" algn="ctr">
-                      <a:solidFill>
-                        <a:schemeClr val="tx1"/>
-                      </a:solidFill>
-                      <a:prstDash val="solid"/>
-                      <a:round/>
-                      <a:headEnd type="none" w="med" len="med"/>
-                      <a:tailEnd type="none" w="med" len="med"/>
-                    </a:lnT>
-                    <a:lnB w="12700" cap="flat" cmpd="sng" algn="ctr">
-                      <a:solidFill>
-                        <a:schemeClr val="tx1"/>
-                      </a:solidFill>
-                      <a:prstDash val="solid"/>
-                      <a:round/>
-                      <a:headEnd type="none" w="med" len="med"/>
-                      <a:tailEnd type="none" w="med" len="med"/>
-                    </a:lnB>
-                    <a:noFill/>
-                  </a:tcPr>
-                </a:tc>
-              </a:tr>
-              <a:tr h="295057">
-                <a:tc>
-                  <a:txBody>
-                    <a:bodyPr/>
-                    <a:lstStyle/>
-                    <a:p>
-                      <a:r>
-                        <a:rPr lang="pt-BR" sz="1400" b="1" dirty="0" smtClean="0">
-                          <a:solidFill>
-                            <a:schemeClr val="tx1"/>
-                          </a:solidFill>
-                          <a:latin typeface="Consolas" panose="020B0609020204030204" pitchFamily="49" charset="0"/>
-                        </a:rPr>
-                        <a:t>2</a:t>
-                      </a:r>
-                      <a:endParaRPr lang="en-US" sz="1400" b="1" dirty="0">
-                        <a:solidFill>
-                          <a:schemeClr val="tx1"/>
-                        </a:solidFill>
-                        <a:latin typeface="Consolas" panose="020B0609020204030204" pitchFamily="49" charset="0"/>
-                      </a:endParaRPr>
-                    </a:p>
-                  </a:txBody>
-                  <a:tcPr>
-                    <a:lnL w="12700" cap="flat" cmpd="sng" algn="ctr">
-                      <a:solidFill>
-                        <a:schemeClr val="tx1"/>
-                      </a:solidFill>
-                      <a:prstDash val="solid"/>
-                      <a:round/>
-                      <a:headEnd type="none" w="med" len="med"/>
-                      <a:tailEnd type="none" w="med" len="med"/>
-                    </a:lnL>
-                    <a:lnR w="12700" cap="flat" cmpd="sng" algn="ctr">
-                      <a:solidFill>
-                        <a:schemeClr val="tx1"/>
-                      </a:solidFill>
-                      <a:prstDash val="solid"/>
-                      <a:round/>
-                      <a:headEnd type="none" w="med" len="med"/>
-                      <a:tailEnd type="none" w="med" len="med"/>
-                    </a:lnR>
-                    <a:lnT w="12700" cap="flat" cmpd="sng" algn="ctr">
-                      <a:solidFill>
-                        <a:schemeClr val="tx1"/>
-                      </a:solidFill>
-                      <a:prstDash val="solid"/>
-                      <a:round/>
-                      <a:headEnd type="none" w="med" len="med"/>
-                      <a:tailEnd type="none" w="med" len="med"/>
-                    </a:lnT>
-                    <a:lnB w="12700" cap="flat" cmpd="sng" algn="ctr">
-                      <a:solidFill>
-                        <a:schemeClr val="tx1"/>
-                      </a:solidFill>
-                      <a:prstDash val="solid"/>
-                      <a:round/>
-                      <a:headEnd type="none" w="med" len="med"/>
-                      <a:tailEnd type="none" w="med" len="med"/>
-                    </a:lnB>
-                    <a:noFill/>
-                  </a:tcPr>
-                </a:tc>
-                <a:tc>
-                  <a:txBody>
-                    <a:bodyPr/>
-                    <a:lstStyle/>
-                    <a:p>
-                      <a:r>
-                        <a:rPr lang="pt-BR" sz="1400" b="1" dirty="0" smtClean="0">
-                          <a:solidFill>
-                            <a:schemeClr val="tx1"/>
-                          </a:solidFill>
-                          <a:latin typeface="Consolas" panose="020B0609020204030204" pitchFamily="49" charset="0"/>
-                        </a:rPr>
-                        <a:t>j=1;</a:t>
-                      </a:r>
-                      <a:endParaRPr lang="en-US" sz="1400" b="1" dirty="0">
-                        <a:solidFill>
-                          <a:schemeClr val="tx1"/>
-                        </a:solidFill>
-                        <a:latin typeface="Consolas" panose="020B0609020204030204" pitchFamily="49" charset="0"/>
-                      </a:endParaRPr>
-                    </a:p>
-                  </a:txBody>
-                  <a:tcPr>
-                    <a:lnL w="12700" cap="flat" cmpd="sng" algn="ctr">
-                      <a:solidFill>
-                        <a:schemeClr val="tx1"/>
-                      </a:solidFill>
-                      <a:prstDash val="solid"/>
-                      <a:round/>
-                      <a:headEnd type="none" w="med" len="med"/>
-                      <a:tailEnd type="none" w="med" len="med"/>
-                    </a:lnL>
-                    <a:lnR w="12700" cap="flat" cmpd="sng" algn="ctr">
-                      <a:solidFill>
-                        <a:schemeClr val="tx1"/>
-                      </a:solidFill>
-                      <a:prstDash val="solid"/>
-                      <a:round/>
-                      <a:headEnd type="none" w="med" len="med"/>
-                      <a:tailEnd type="none" w="med" len="med"/>
-                    </a:lnR>
-                    <a:lnT w="12700" cap="flat" cmpd="sng" algn="ctr">
-                      <a:solidFill>
-                        <a:schemeClr val="tx1"/>
-                      </a:solidFill>
-                      <a:prstDash val="solid"/>
-                      <a:round/>
-                      <a:headEnd type="none" w="med" len="med"/>
-                      <a:tailEnd type="none" w="med" len="med"/>
-                    </a:lnT>
-                    <a:lnB w="12700" cap="flat" cmpd="sng" algn="ctr">
-                      <a:solidFill>
-                        <a:schemeClr val="tx1"/>
-                      </a:solidFill>
-                      <a:prstDash val="solid"/>
-                      <a:round/>
-                      <a:headEnd type="none" w="med" len="med"/>
-                      <a:tailEnd type="none" w="med" len="med"/>
-                    </a:lnB>
-                    <a:noFill/>
-                  </a:tcPr>
-                </a:tc>
-                <a:tc>
-                  <a:txBody>
-                    <a:bodyPr/>
-                    <a:lstStyle/>
-                    <a:p>
-                      <a:r>
-                        <a:rPr lang="pt-BR" sz="1400" b="1" dirty="0" smtClean="0">
-                          <a:solidFill>
-                            <a:schemeClr val="tx1"/>
-                          </a:solidFill>
-                          <a:latin typeface="Consolas" panose="020B0609020204030204" pitchFamily="49" charset="0"/>
-                        </a:rPr>
-                        <a:t>(j,2),(k,0),(m,0)</a:t>
-                      </a:r>
-                      <a:endParaRPr lang="en-US" sz="1400" b="1" dirty="0">
-                        <a:solidFill>
-                          <a:schemeClr val="tx1"/>
-                        </a:solidFill>
-                        <a:latin typeface="Consolas" panose="020B0609020204030204" pitchFamily="49" charset="0"/>
-                      </a:endParaRPr>
-                    </a:p>
-                  </a:txBody>
-                  <a:tcPr>
-                    <a:lnL w="12700" cap="flat" cmpd="sng" algn="ctr">
-                      <a:solidFill>
-                        <a:schemeClr val="tx1"/>
-                      </a:solidFill>
-                      <a:prstDash val="solid"/>
-                      <a:round/>
-                      <a:headEnd type="none" w="med" len="med"/>
-                      <a:tailEnd type="none" w="med" len="med"/>
-                    </a:lnL>
-                    <a:lnR w="12700" cap="flat" cmpd="sng" algn="ctr">
-                      <a:solidFill>
-                        <a:schemeClr val="tx1"/>
-                      </a:solidFill>
-                      <a:prstDash val="solid"/>
-                      <a:round/>
-                      <a:headEnd type="none" w="med" len="med"/>
-                      <a:tailEnd type="none" w="med" len="med"/>
-                    </a:lnR>
-                    <a:lnT w="12700" cap="flat" cmpd="sng" algn="ctr">
-                      <a:solidFill>
-                        <a:schemeClr val="tx1"/>
-                      </a:solidFill>
-                      <a:prstDash val="solid"/>
-                      <a:round/>
-                      <a:headEnd type="none" w="med" len="med"/>
-                      <a:tailEnd type="none" w="med" len="med"/>
-                    </a:lnT>
-                    <a:lnB w="12700" cap="flat" cmpd="sng" algn="ctr">
-                      <a:solidFill>
-                        <a:schemeClr val="tx1"/>
-                      </a:solidFill>
-                      <a:prstDash val="solid"/>
-                      <a:round/>
-                      <a:headEnd type="none" w="med" len="med"/>
-                      <a:tailEnd type="none" w="med" len="med"/>
-                    </a:lnB>
-                    <a:noFill/>
-                  </a:tcPr>
-                </a:tc>
-              </a:tr>
-              <a:tr h="295057">
-                <a:tc>
-                  <a:txBody>
-                    <a:bodyPr/>
-                    <a:lstStyle/>
-                    <a:p>
-                      <a:r>
-                        <a:rPr lang="pt-BR" sz="1400" b="1" dirty="0" smtClean="0">
-                          <a:solidFill>
-                            <a:schemeClr val="tx1"/>
-                          </a:solidFill>
-                          <a:latin typeface="Consolas" panose="020B0609020204030204" pitchFamily="49" charset="0"/>
-                        </a:rPr>
-                        <a:t>3</a:t>
-                      </a:r>
-                      <a:endParaRPr lang="en-US" sz="1400" b="1" dirty="0">
-                        <a:solidFill>
-                          <a:schemeClr val="tx1"/>
-                        </a:solidFill>
-                        <a:latin typeface="Consolas" panose="020B0609020204030204" pitchFamily="49" charset="0"/>
-                      </a:endParaRPr>
-                    </a:p>
-                  </a:txBody>
-                  <a:tcPr>
-                    <a:lnL w="12700" cap="flat" cmpd="sng" algn="ctr">
-                      <a:solidFill>
-                        <a:schemeClr val="tx1"/>
-                      </a:solidFill>
-                      <a:prstDash val="solid"/>
-                      <a:round/>
-                      <a:headEnd type="none" w="med" len="med"/>
-                      <a:tailEnd type="none" w="med" len="med"/>
-                    </a:lnL>
-                    <a:lnR w="12700" cap="flat" cmpd="sng" algn="ctr">
-                      <a:solidFill>
-                        <a:schemeClr val="tx1"/>
-                      </a:solidFill>
-                      <a:prstDash val="solid"/>
-                      <a:round/>
-                      <a:headEnd type="none" w="med" len="med"/>
-                      <a:tailEnd type="none" w="med" len="med"/>
-                    </a:lnR>
-                    <a:lnT w="12700" cap="flat" cmpd="sng" algn="ctr">
-                      <a:solidFill>
-                        <a:schemeClr val="tx1"/>
-                      </a:solidFill>
-                      <a:prstDash val="solid"/>
-                      <a:round/>
-                      <a:headEnd type="none" w="med" len="med"/>
-                      <a:tailEnd type="none" w="med" len="med"/>
-                    </a:lnT>
-                    <a:lnB w="12700" cap="flat" cmpd="sng" algn="ctr">
-                      <a:solidFill>
-                        <a:schemeClr val="tx1"/>
-                      </a:solidFill>
-                      <a:prstDash val="solid"/>
-                      <a:round/>
-                      <a:headEnd type="none" w="med" len="med"/>
-                      <a:tailEnd type="none" w="med" len="med"/>
-                    </a:lnB>
-                    <a:noFill/>
-                  </a:tcPr>
-                </a:tc>
-                <a:tc>
-                  <a:txBody>
-                    <a:bodyPr/>
-                    <a:lstStyle/>
-                    <a:p>
-                      <a:r>
-                        <a:rPr lang="pt-BR" sz="1400" b="1" dirty="0" err="1" smtClean="0">
-                          <a:solidFill>
-                            <a:schemeClr val="tx1"/>
-                          </a:solidFill>
-                          <a:latin typeface="Consolas" panose="020B0609020204030204" pitchFamily="49" charset="0"/>
-                        </a:rPr>
-                        <a:t>if</a:t>
-                      </a:r>
-                      <a:r>
-                        <a:rPr lang="pt-BR" sz="1400" b="1" dirty="0" smtClean="0">
-                          <a:solidFill>
-                            <a:schemeClr val="tx1"/>
-                          </a:solidFill>
-                          <a:latin typeface="Consolas" panose="020B0609020204030204" pitchFamily="49" charset="0"/>
-                        </a:rPr>
-                        <a:t> (...) { </a:t>
-                      </a:r>
-                      <a:r>
-                        <a:rPr lang="pt-BR" sz="1400" b="1" baseline="0" dirty="0" smtClean="0">
-                          <a:solidFill>
-                            <a:schemeClr val="tx1"/>
-                          </a:solidFill>
-                          <a:latin typeface="Consolas" panose="020B0609020204030204" pitchFamily="49" charset="0"/>
-                        </a:rPr>
-                        <a:t>j=1;</a:t>
-                      </a:r>
-                      <a:endParaRPr lang="en-US" sz="1400" b="1" dirty="0">
-                        <a:solidFill>
-                          <a:schemeClr val="tx1"/>
-                        </a:solidFill>
-                        <a:latin typeface="Consolas" panose="020B0609020204030204" pitchFamily="49" charset="0"/>
-                      </a:endParaRPr>
-                    </a:p>
-                  </a:txBody>
-                  <a:tcPr>
-                    <a:lnL w="12700" cap="flat" cmpd="sng" algn="ctr">
-                      <a:solidFill>
-                        <a:schemeClr val="tx1"/>
-                      </a:solidFill>
-                      <a:prstDash val="solid"/>
-                      <a:round/>
-                      <a:headEnd type="none" w="med" len="med"/>
-                      <a:tailEnd type="none" w="med" len="med"/>
-                    </a:lnL>
-                    <a:lnR w="12700" cap="flat" cmpd="sng" algn="ctr">
-                      <a:solidFill>
-                        <a:schemeClr val="tx1"/>
-                      </a:solidFill>
-                      <a:prstDash val="solid"/>
-                      <a:round/>
-                      <a:headEnd type="none" w="med" len="med"/>
-                      <a:tailEnd type="none" w="med" len="med"/>
-                    </a:lnR>
-                    <a:lnT w="12700" cap="flat" cmpd="sng" algn="ctr">
-                      <a:solidFill>
-                        <a:schemeClr val="tx1"/>
-                      </a:solidFill>
-                      <a:prstDash val="solid"/>
-                      <a:round/>
-                      <a:headEnd type="none" w="med" len="med"/>
-                      <a:tailEnd type="none" w="med" len="med"/>
-                    </a:lnT>
-                    <a:lnB w="12700" cap="flat" cmpd="sng" algn="ctr">
-                      <a:solidFill>
-                        <a:schemeClr val="tx1"/>
-                      </a:solidFill>
-                      <a:prstDash val="solid"/>
-                      <a:round/>
-                      <a:headEnd type="none" w="med" len="med"/>
-                      <a:tailEnd type="none" w="med" len="med"/>
-                    </a:lnB>
-                    <a:noFill/>
-                  </a:tcPr>
-                </a:tc>
-                <a:tc>
-                  <a:txBody>
-                    <a:bodyPr/>
-                    <a:lstStyle/>
-                    <a:p>
-                      <a:r>
-                        <a:rPr lang="pt-BR" sz="1400" b="1" dirty="0" smtClean="0">
-                          <a:solidFill>
-                            <a:schemeClr val="tx1"/>
-                          </a:solidFill>
-                          <a:latin typeface="Consolas" panose="020B0609020204030204" pitchFamily="49" charset="0"/>
-                        </a:rPr>
-                        <a:t>(j,3),(k,0),(m,0)</a:t>
-                      </a:r>
-                      <a:endParaRPr lang="en-US" sz="1400" b="1" dirty="0">
-                        <a:solidFill>
-                          <a:schemeClr val="tx1"/>
-                        </a:solidFill>
-                        <a:latin typeface="Consolas" panose="020B0609020204030204" pitchFamily="49" charset="0"/>
-                      </a:endParaRPr>
-                    </a:p>
-                  </a:txBody>
-                  <a:tcPr>
-                    <a:lnL w="12700" cap="flat" cmpd="sng" algn="ctr">
-                      <a:solidFill>
-                        <a:schemeClr val="tx1"/>
-                      </a:solidFill>
-                      <a:prstDash val="solid"/>
-                      <a:round/>
-                      <a:headEnd type="none" w="med" len="med"/>
-                      <a:tailEnd type="none" w="med" len="med"/>
-                    </a:lnL>
-                    <a:lnR w="12700" cap="flat" cmpd="sng" algn="ctr">
-                      <a:solidFill>
-                        <a:schemeClr val="tx1"/>
-                      </a:solidFill>
-                      <a:prstDash val="solid"/>
-                      <a:round/>
-                      <a:headEnd type="none" w="med" len="med"/>
-                      <a:tailEnd type="none" w="med" len="med"/>
-                    </a:lnR>
-                    <a:lnT w="12700" cap="flat" cmpd="sng" algn="ctr">
-                      <a:solidFill>
-                        <a:schemeClr val="tx1"/>
-                      </a:solidFill>
-                      <a:prstDash val="solid"/>
-                      <a:round/>
-                      <a:headEnd type="none" w="med" len="med"/>
-                      <a:tailEnd type="none" w="med" len="med"/>
-                    </a:lnT>
-                    <a:lnB w="12700" cap="flat" cmpd="sng" algn="ctr">
-                      <a:solidFill>
-                        <a:schemeClr val="tx1"/>
-                      </a:solidFill>
-                      <a:prstDash val="solid"/>
-                      <a:round/>
-                      <a:headEnd type="none" w="med" len="med"/>
-                      <a:tailEnd type="none" w="med" len="med"/>
-                    </a:lnB>
-                    <a:noFill/>
-                  </a:tcPr>
-                </a:tc>
-              </a:tr>
-              <a:tr h="295057">
-                <a:tc>
-                  <a:txBody>
-                    <a:bodyPr/>
-                    <a:lstStyle/>
-                    <a:p>
-                      <a:r>
-                        <a:rPr lang="pt-BR" sz="1400" b="1" dirty="0" smtClean="0">
-                          <a:solidFill>
-                            <a:schemeClr val="tx1"/>
-                          </a:solidFill>
-                          <a:latin typeface="Consolas" panose="020B0609020204030204" pitchFamily="49" charset="0"/>
-                        </a:rPr>
-                        <a:t>4</a:t>
-                      </a:r>
-                      <a:endParaRPr lang="en-US" sz="1400" b="1" dirty="0">
-                        <a:solidFill>
-                          <a:schemeClr val="tx1"/>
-                        </a:solidFill>
-                        <a:latin typeface="Consolas" panose="020B0609020204030204" pitchFamily="49" charset="0"/>
-                      </a:endParaRPr>
-                    </a:p>
-                  </a:txBody>
-                  <a:tcPr>
-                    <a:lnL w="12700" cap="flat" cmpd="sng" algn="ctr">
-                      <a:solidFill>
-                        <a:schemeClr val="tx1"/>
-                      </a:solidFill>
-                      <a:prstDash val="solid"/>
-                      <a:round/>
-                      <a:headEnd type="none" w="med" len="med"/>
-                      <a:tailEnd type="none" w="med" len="med"/>
-                    </a:lnL>
-                    <a:lnR w="12700" cap="flat" cmpd="sng" algn="ctr">
-                      <a:solidFill>
-                        <a:schemeClr val="tx1"/>
-                      </a:solidFill>
-                      <a:prstDash val="solid"/>
-                      <a:round/>
-                      <a:headEnd type="none" w="med" len="med"/>
-                      <a:tailEnd type="none" w="med" len="med"/>
-                    </a:lnR>
-                    <a:lnT w="12700" cap="flat" cmpd="sng" algn="ctr">
-                      <a:solidFill>
-                        <a:schemeClr val="tx1"/>
-                      </a:solidFill>
-                      <a:prstDash val="solid"/>
-                      <a:round/>
-                      <a:headEnd type="none" w="med" len="med"/>
-                      <a:tailEnd type="none" w="med" len="med"/>
-                    </a:lnT>
-                    <a:lnB w="12700" cap="flat" cmpd="sng" algn="ctr">
-                      <a:solidFill>
-                        <a:schemeClr val="tx1"/>
-                      </a:solidFill>
-                      <a:prstDash val="solid"/>
-                      <a:round/>
-                      <a:headEnd type="none" w="med" len="med"/>
-                      <a:tailEnd type="none" w="med" len="med"/>
-                    </a:lnB>
-                    <a:noFill/>
-                  </a:tcPr>
-                </a:tc>
-                <a:tc>
-                  <a:txBody>
-                    <a:bodyPr/>
-                    <a:lstStyle/>
-                    <a:p>
-                      <a:r>
-                        <a:rPr lang="pt-BR" sz="1400" b="1" dirty="0" smtClean="0">
-                          <a:solidFill>
-                            <a:schemeClr val="tx1"/>
-                          </a:solidFill>
-                          <a:latin typeface="Consolas" panose="020B0609020204030204" pitchFamily="49" charset="0"/>
-                        </a:rPr>
-                        <a:t> </a:t>
-                      </a:r>
-                      <a:r>
-                        <a:rPr lang="pt-BR" sz="1400" b="1" dirty="0" err="1" smtClean="0">
-                          <a:solidFill>
-                            <a:schemeClr val="tx1"/>
-                          </a:solidFill>
-                          <a:latin typeface="Consolas" panose="020B0609020204030204" pitchFamily="49" charset="0"/>
-                        </a:rPr>
-                        <a:t>if</a:t>
-                      </a:r>
-                      <a:r>
-                        <a:rPr lang="pt-BR" sz="1400" b="1" baseline="0" dirty="0" smtClean="0">
-                          <a:solidFill>
-                            <a:schemeClr val="tx1"/>
-                          </a:solidFill>
-                          <a:latin typeface="Consolas" panose="020B0609020204030204" pitchFamily="49" charset="0"/>
-                        </a:rPr>
-                        <a:t>(...) j=2;</a:t>
-                      </a:r>
-                      <a:endParaRPr lang="en-US" sz="1400" b="1" dirty="0">
-                        <a:solidFill>
-                          <a:schemeClr val="tx1"/>
-                        </a:solidFill>
-                        <a:latin typeface="Consolas" panose="020B0609020204030204" pitchFamily="49" charset="0"/>
-                      </a:endParaRPr>
-                    </a:p>
-                  </a:txBody>
-                  <a:tcPr>
-                    <a:lnL w="12700" cap="flat" cmpd="sng" algn="ctr">
-                      <a:solidFill>
-                        <a:schemeClr val="tx1"/>
-                      </a:solidFill>
-                      <a:prstDash val="solid"/>
-                      <a:round/>
-                      <a:headEnd type="none" w="med" len="med"/>
-                      <a:tailEnd type="none" w="med" len="med"/>
-                    </a:lnL>
-                    <a:lnR w="12700" cap="flat" cmpd="sng" algn="ctr">
-                      <a:solidFill>
-                        <a:schemeClr val="tx1"/>
-                      </a:solidFill>
-                      <a:prstDash val="solid"/>
-                      <a:round/>
-                      <a:headEnd type="none" w="med" len="med"/>
-                      <a:tailEnd type="none" w="med" len="med"/>
-                    </a:lnR>
-                    <a:lnT w="12700" cap="flat" cmpd="sng" algn="ctr">
-                      <a:solidFill>
-                        <a:schemeClr val="tx1"/>
-                      </a:solidFill>
-                      <a:prstDash val="solid"/>
-                      <a:round/>
-                      <a:headEnd type="none" w="med" len="med"/>
-                      <a:tailEnd type="none" w="med" len="med"/>
-                    </a:lnT>
-                    <a:lnB w="12700" cap="flat" cmpd="sng" algn="ctr">
-                      <a:solidFill>
-                        <a:schemeClr val="tx1"/>
-                      </a:solidFill>
-                      <a:prstDash val="solid"/>
-                      <a:round/>
-                      <a:headEnd type="none" w="med" len="med"/>
-                      <a:tailEnd type="none" w="med" len="med"/>
-                    </a:lnB>
-                    <a:noFill/>
-                  </a:tcPr>
-                </a:tc>
-                <a:tc>
-                  <a:txBody>
-                    <a:bodyPr/>
-                    <a:lstStyle/>
-                    <a:p>
-                      <a:r>
-                        <a:rPr lang="pt-BR" sz="1400" b="1" dirty="0" smtClean="0">
-                          <a:solidFill>
-                            <a:schemeClr val="tx1"/>
-                          </a:solidFill>
-                          <a:latin typeface="Consolas" panose="020B0609020204030204" pitchFamily="49" charset="0"/>
-                        </a:rPr>
-                        <a:t>(j,4),(k,0),(m,0)</a:t>
-                      </a:r>
-                      <a:endParaRPr lang="en-US" sz="1400" b="1" dirty="0">
-                        <a:solidFill>
-                          <a:schemeClr val="tx1"/>
-                        </a:solidFill>
-                        <a:latin typeface="Consolas" panose="020B0609020204030204" pitchFamily="49" charset="0"/>
-                      </a:endParaRPr>
-                    </a:p>
-                  </a:txBody>
-                  <a:tcPr>
-                    <a:lnL w="12700" cap="flat" cmpd="sng" algn="ctr">
-                      <a:solidFill>
-                        <a:schemeClr val="tx1"/>
-                      </a:solidFill>
-                      <a:prstDash val="solid"/>
-                      <a:round/>
-                      <a:headEnd type="none" w="med" len="med"/>
-                      <a:tailEnd type="none" w="med" len="med"/>
-                    </a:lnL>
-                    <a:lnR w="12700" cap="flat" cmpd="sng" algn="ctr">
-                      <a:solidFill>
-                        <a:schemeClr val="tx1"/>
-                      </a:solidFill>
-                      <a:prstDash val="solid"/>
-                      <a:round/>
-                      <a:headEnd type="none" w="med" len="med"/>
-                      <a:tailEnd type="none" w="med" len="med"/>
-                    </a:lnR>
-                    <a:lnT w="12700" cap="flat" cmpd="sng" algn="ctr">
-                      <a:solidFill>
-                        <a:schemeClr val="tx1"/>
-                      </a:solidFill>
-                      <a:prstDash val="solid"/>
-                      <a:round/>
-                      <a:headEnd type="none" w="med" len="med"/>
-                      <a:tailEnd type="none" w="med" len="med"/>
-                    </a:lnT>
-                    <a:lnB w="12700" cap="flat" cmpd="sng" algn="ctr">
-                      <a:solidFill>
-                        <a:schemeClr val="tx1"/>
-                      </a:solidFill>
-                      <a:prstDash val="solid"/>
-                      <a:round/>
-                      <a:headEnd type="none" w="med" len="med"/>
-                      <a:tailEnd type="none" w="med" len="med"/>
-                    </a:lnB>
-                    <a:noFill/>
-                  </a:tcPr>
-                </a:tc>
-              </a:tr>
-              <a:tr h="295057">
-                <a:tc>
-                  <a:txBody>
-                    <a:bodyPr/>
-                    <a:lstStyle/>
-                    <a:p>
-                      <a:r>
-                        <a:rPr lang="pt-BR" sz="1400" b="1" dirty="0" smtClean="0">
-                          <a:solidFill>
-                            <a:schemeClr val="tx1"/>
-                          </a:solidFill>
-                          <a:latin typeface="Consolas" panose="020B0609020204030204" pitchFamily="49" charset="0"/>
-                        </a:rPr>
-                        <a:t>5</a:t>
-                      </a:r>
-                      <a:endParaRPr lang="en-US" sz="1400" b="1" dirty="0">
-                        <a:solidFill>
-                          <a:schemeClr val="tx1"/>
-                        </a:solidFill>
-                        <a:latin typeface="Consolas" panose="020B0609020204030204" pitchFamily="49" charset="0"/>
-                      </a:endParaRPr>
-                    </a:p>
-                  </a:txBody>
-                  <a:tcPr>
-                    <a:lnL w="12700" cap="flat" cmpd="sng" algn="ctr">
-                      <a:solidFill>
-                        <a:schemeClr val="tx1"/>
-                      </a:solidFill>
-                      <a:prstDash val="solid"/>
-                      <a:round/>
-                      <a:headEnd type="none" w="med" len="med"/>
-                      <a:tailEnd type="none" w="med" len="med"/>
-                    </a:lnL>
-                    <a:lnR w="12700" cap="flat" cmpd="sng" algn="ctr">
-                      <a:solidFill>
-                        <a:schemeClr val="tx1"/>
-                      </a:solidFill>
-                      <a:prstDash val="solid"/>
-                      <a:round/>
-                      <a:headEnd type="none" w="med" len="med"/>
-                      <a:tailEnd type="none" w="med" len="med"/>
-                    </a:lnR>
-                    <a:lnT w="12700" cap="flat" cmpd="sng" algn="ctr">
-                      <a:solidFill>
-                        <a:schemeClr val="tx1"/>
-                      </a:solidFill>
-                      <a:prstDash val="solid"/>
-                      <a:round/>
-                      <a:headEnd type="none" w="med" len="med"/>
-                      <a:tailEnd type="none" w="med" len="med"/>
-                    </a:lnT>
-                    <a:lnB w="12700" cap="flat" cmpd="sng" algn="ctr">
-                      <a:solidFill>
-                        <a:schemeClr val="tx1"/>
-                      </a:solidFill>
-                      <a:prstDash val="solid"/>
-                      <a:round/>
-                      <a:headEnd type="none" w="med" len="med"/>
-                      <a:tailEnd type="none" w="med" len="med"/>
-                    </a:lnB>
-                    <a:noFill/>
-                  </a:tcPr>
-                </a:tc>
-                <a:tc>
-                  <a:txBody>
-                    <a:bodyPr/>
-                    <a:lstStyle/>
-                    <a:p>
-                      <a:r>
-                        <a:rPr lang="pt-BR" sz="1400" b="1" dirty="0" smtClean="0">
-                          <a:solidFill>
-                            <a:schemeClr val="tx1"/>
-                          </a:solidFill>
-                          <a:latin typeface="Consolas" panose="020B0609020204030204" pitchFamily="49" charset="0"/>
-                        </a:rPr>
-                        <a:t> k=j*2;</a:t>
-                      </a:r>
-                      <a:endParaRPr lang="en-US" sz="1400" b="1" dirty="0">
-                        <a:solidFill>
-                          <a:schemeClr val="tx1"/>
-                        </a:solidFill>
-                        <a:latin typeface="Consolas" panose="020B0609020204030204" pitchFamily="49" charset="0"/>
-                      </a:endParaRPr>
-                    </a:p>
-                  </a:txBody>
-                  <a:tcPr>
-                    <a:lnL w="12700" cap="flat" cmpd="sng" algn="ctr">
-                      <a:solidFill>
-                        <a:schemeClr val="tx1"/>
-                      </a:solidFill>
-                      <a:prstDash val="solid"/>
-                      <a:round/>
-                      <a:headEnd type="none" w="med" len="med"/>
-                      <a:tailEnd type="none" w="med" len="med"/>
-                    </a:lnL>
-                    <a:lnR w="12700" cap="flat" cmpd="sng" algn="ctr">
-                      <a:solidFill>
-                        <a:schemeClr val="tx1"/>
-                      </a:solidFill>
-                      <a:prstDash val="solid"/>
-                      <a:round/>
-                      <a:headEnd type="none" w="med" len="med"/>
-                      <a:tailEnd type="none" w="med" len="med"/>
-                    </a:lnR>
-                    <a:lnT w="12700" cap="flat" cmpd="sng" algn="ctr">
-                      <a:solidFill>
-                        <a:schemeClr val="tx1"/>
-                      </a:solidFill>
-                      <a:prstDash val="solid"/>
-                      <a:round/>
-                      <a:headEnd type="none" w="med" len="med"/>
-                      <a:tailEnd type="none" w="med" len="med"/>
-                    </a:lnT>
-                    <a:lnB w="12700" cap="flat" cmpd="sng" algn="ctr">
-                      <a:solidFill>
-                        <a:schemeClr val="tx1"/>
-                      </a:solidFill>
-                      <a:prstDash val="solid"/>
-                      <a:round/>
-                      <a:headEnd type="none" w="med" len="med"/>
-                      <a:tailEnd type="none" w="med" len="med"/>
-                    </a:lnB>
-                    <a:noFill/>
-                  </a:tcPr>
-                </a:tc>
-                <a:tc>
-                  <a:txBody>
-                    <a:bodyPr/>
-                    <a:lstStyle/>
-                    <a:p>
-                      <a:r>
-                        <a:rPr lang="pt-BR" sz="1400" b="1" dirty="0" smtClean="0">
-                          <a:solidFill>
-                            <a:schemeClr val="tx1"/>
-                          </a:solidFill>
-                          <a:latin typeface="Consolas" panose="020B0609020204030204" pitchFamily="49" charset="0"/>
-                        </a:rPr>
-                        <a:t>(j,3),(j,4),(k,5),(m,0)</a:t>
-                      </a:r>
-                      <a:endParaRPr lang="en-US" sz="1400" b="1" dirty="0">
-                        <a:solidFill>
-                          <a:schemeClr val="tx1"/>
-                        </a:solidFill>
-                        <a:latin typeface="Consolas" panose="020B0609020204030204" pitchFamily="49" charset="0"/>
-                      </a:endParaRPr>
-                    </a:p>
-                  </a:txBody>
-                  <a:tcPr>
-                    <a:lnL w="12700" cap="flat" cmpd="sng" algn="ctr">
-                      <a:solidFill>
-                        <a:schemeClr val="tx1"/>
-                      </a:solidFill>
-                      <a:prstDash val="solid"/>
-                      <a:round/>
-                      <a:headEnd type="none" w="med" len="med"/>
-                      <a:tailEnd type="none" w="med" len="med"/>
-                    </a:lnL>
-                    <a:lnR w="12700" cap="flat" cmpd="sng" algn="ctr">
-                      <a:solidFill>
-                        <a:schemeClr val="tx1"/>
-                      </a:solidFill>
-                      <a:prstDash val="solid"/>
-                      <a:round/>
-                      <a:headEnd type="none" w="med" len="med"/>
-                      <a:tailEnd type="none" w="med" len="med"/>
-                    </a:lnR>
-                    <a:lnT w="12700" cap="flat" cmpd="sng" algn="ctr">
-                      <a:solidFill>
-                        <a:schemeClr val="tx1"/>
-                      </a:solidFill>
-                      <a:prstDash val="solid"/>
-                      <a:round/>
-                      <a:headEnd type="none" w="med" len="med"/>
-                      <a:tailEnd type="none" w="med" len="med"/>
-                    </a:lnT>
-                    <a:lnB w="12700" cap="flat" cmpd="sng" algn="ctr">
-                      <a:solidFill>
-                        <a:schemeClr val="tx1"/>
-                      </a:solidFill>
-                      <a:prstDash val="solid"/>
-                      <a:round/>
-                      <a:headEnd type="none" w="med" len="med"/>
-                      <a:tailEnd type="none" w="med" len="med"/>
-                    </a:lnB>
-                    <a:noFill/>
-                  </a:tcPr>
-                </a:tc>
-              </a:tr>
-              <a:tr h="295057">
-                <a:tc>
-                  <a:txBody>
-                    <a:bodyPr/>
-                    <a:lstStyle/>
-                    <a:p>
-                      <a:r>
-                        <a:rPr lang="pt-BR" sz="1400" b="1" dirty="0" smtClean="0">
-                          <a:solidFill>
-                            <a:schemeClr val="tx1"/>
-                          </a:solidFill>
-                          <a:latin typeface="Consolas" panose="020B0609020204030204" pitchFamily="49" charset="0"/>
-                        </a:rPr>
-                        <a:t>6</a:t>
-                      </a:r>
-                      <a:endParaRPr lang="en-US" sz="1400" b="1" dirty="0">
-                        <a:solidFill>
-                          <a:schemeClr val="tx1"/>
-                        </a:solidFill>
-                        <a:latin typeface="Consolas" panose="020B0609020204030204" pitchFamily="49" charset="0"/>
-                      </a:endParaRPr>
-                    </a:p>
-                  </a:txBody>
-                  <a:tcPr>
-                    <a:lnL w="12700" cap="flat" cmpd="sng" algn="ctr">
-                      <a:solidFill>
-                        <a:schemeClr val="tx1"/>
-                      </a:solidFill>
-                      <a:prstDash val="solid"/>
-                      <a:round/>
-                      <a:headEnd type="none" w="med" len="med"/>
-                      <a:tailEnd type="none" w="med" len="med"/>
-                    </a:lnL>
-                    <a:lnR w="12700" cap="flat" cmpd="sng" algn="ctr">
-                      <a:solidFill>
-                        <a:schemeClr val="tx1"/>
-                      </a:solidFill>
-                      <a:prstDash val="solid"/>
-                      <a:round/>
-                      <a:headEnd type="none" w="med" len="med"/>
-                      <a:tailEnd type="none" w="med" len="med"/>
-                    </a:lnR>
-                    <a:lnT w="12700" cap="flat" cmpd="sng" algn="ctr">
-                      <a:solidFill>
-                        <a:schemeClr val="tx1"/>
-                      </a:solidFill>
-                      <a:prstDash val="solid"/>
-                      <a:round/>
-                      <a:headEnd type="none" w="med" len="med"/>
-                      <a:tailEnd type="none" w="med" len="med"/>
-                    </a:lnT>
-                    <a:lnB w="12700" cap="flat" cmpd="sng" algn="ctr">
-                      <a:solidFill>
-                        <a:schemeClr val="tx1"/>
-                      </a:solidFill>
-                      <a:prstDash val="solid"/>
-                      <a:round/>
-                      <a:headEnd type="none" w="med" len="med"/>
-                      <a:tailEnd type="none" w="med" len="med"/>
-                    </a:lnB>
-                    <a:noFill/>
-                  </a:tcPr>
-                </a:tc>
-                <a:tc>
-                  <a:txBody>
-                    <a:bodyPr/>
-                    <a:lstStyle/>
-                    <a:p>
-                      <a:r>
-                        <a:rPr lang="pt-BR" sz="1400" b="1" dirty="0" smtClean="0">
-                          <a:solidFill>
-                            <a:schemeClr val="tx1"/>
-                          </a:solidFill>
-                          <a:latin typeface="Consolas" panose="020B0609020204030204" pitchFamily="49" charset="0"/>
-                        </a:rPr>
-                        <a:t> m</a:t>
-                      </a:r>
-                      <a:r>
-                        <a:rPr lang="pt-BR" sz="1400" b="1" baseline="0" dirty="0" smtClean="0">
-                          <a:solidFill>
-                            <a:schemeClr val="tx1"/>
-                          </a:solidFill>
-                          <a:latin typeface="Consolas" panose="020B0609020204030204" pitchFamily="49" charset="0"/>
-                        </a:rPr>
-                        <a:t>=j*2;</a:t>
-                      </a:r>
-                      <a:endParaRPr lang="en-US" sz="1400" b="1" dirty="0">
-                        <a:solidFill>
-                          <a:schemeClr val="tx1"/>
-                        </a:solidFill>
-                        <a:latin typeface="Consolas" panose="020B0609020204030204" pitchFamily="49" charset="0"/>
-                      </a:endParaRPr>
-                    </a:p>
-                  </a:txBody>
-                  <a:tcPr>
-                    <a:lnL w="12700" cap="flat" cmpd="sng" algn="ctr">
-                      <a:solidFill>
-                        <a:schemeClr val="tx1"/>
-                      </a:solidFill>
-                      <a:prstDash val="solid"/>
-                      <a:round/>
-                      <a:headEnd type="none" w="med" len="med"/>
-                      <a:tailEnd type="none" w="med" len="med"/>
-                    </a:lnL>
-                    <a:lnR w="12700" cap="flat" cmpd="sng" algn="ctr">
-                      <a:solidFill>
-                        <a:schemeClr val="tx1"/>
-                      </a:solidFill>
-                      <a:prstDash val="solid"/>
-                      <a:round/>
-                      <a:headEnd type="none" w="med" len="med"/>
-                      <a:tailEnd type="none" w="med" len="med"/>
-                    </a:lnR>
-                    <a:lnT w="12700" cap="flat" cmpd="sng" algn="ctr">
-                      <a:solidFill>
-                        <a:schemeClr val="tx1"/>
-                      </a:solidFill>
-                      <a:prstDash val="solid"/>
-                      <a:round/>
-                      <a:headEnd type="none" w="med" len="med"/>
-                      <a:tailEnd type="none" w="med" len="med"/>
-                    </a:lnT>
-                    <a:lnB w="12700" cap="flat" cmpd="sng" algn="ctr">
-                      <a:solidFill>
-                        <a:schemeClr val="tx1"/>
-                      </a:solidFill>
-                      <a:prstDash val="solid"/>
-                      <a:round/>
-                      <a:headEnd type="none" w="med" len="med"/>
-                      <a:tailEnd type="none" w="med" len="med"/>
-                    </a:lnB>
-                    <a:noFill/>
-                  </a:tcPr>
-                </a:tc>
-                <a:tc>
-                  <a:txBody>
-                    <a:bodyPr/>
-                    <a:lstStyle/>
-                    <a:p>
-                      <a:r>
-                        <a:rPr lang="pt-BR" sz="1400" b="1" dirty="0" smtClean="0">
-                          <a:solidFill>
-                            <a:schemeClr val="tx1"/>
-                          </a:solidFill>
-                          <a:latin typeface="Consolas" panose="020B0609020204030204" pitchFamily="49" charset="0"/>
-                        </a:rPr>
-                        <a:t>(j,3),(j,4),(k,5),(m,6)</a:t>
-                      </a:r>
-                      <a:endParaRPr lang="en-US" sz="1400" b="1" dirty="0">
-                        <a:solidFill>
-                          <a:schemeClr val="tx1"/>
-                        </a:solidFill>
-                        <a:latin typeface="Consolas" panose="020B0609020204030204" pitchFamily="49" charset="0"/>
-                      </a:endParaRPr>
-                    </a:p>
-                  </a:txBody>
-                  <a:tcPr>
-                    <a:lnL w="12700" cap="flat" cmpd="sng" algn="ctr">
-                      <a:solidFill>
-                        <a:schemeClr val="tx1"/>
-                      </a:solidFill>
-                      <a:prstDash val="solid"/>
-                      <a:round/>
-                      <a:headEnd type="none" w="med" len="med"/>
-                      <a:tailEnd type="none" w="med" len="med"/>
-                    </a:lnL>
-                    <a:lnR w="12700" cap="flat" cmpd="sng" algn="ctr">
-                      <a:solidFill>
-                        <a:schemeClr val="tx1"/>
-                      </a:solidFill>
-                      <a:prstDash val="solid"/>
-                      <a:round/>
-                      <a:headEnd type="none" w="med" len="med"/>
-                      <a:tailEnd type="none" w="med" len="med"/>
-                    </a:lnR>
-                    <a:lnT w="12700" cap="flat" cmpd="sng" algn="ctr">
-                      <a:solidFill>
-                        <a:schemeClr val="tx1"/>
-                      </a:solidFill>
-                      <a:prstDash val="solid"/>
-                      <a:round/>
-                      <a:headEnd type="none" w="med" len="med"/>
-                      <a:tailEnd type="none" w="med" len="med"/>
-                    </a:lnT>
-                    <a:lnB w="12700" cap="flat" cmpd="sng" algn="ctr">
-                      <a:solidFill>
-                        <a:schemeClr val="tx1"/>
-                      </a:solidFill>
-                      <a:prstDash val="solid"/>
-                      <a:round/>
-                      <a:headEnd type="none" w="med" len="med"/>
-                      <a:tailEnd type="none" w="med" len="med"/>
-                    </a:lnB>
-                    <a:noFill/>
-                  </a:tcPr>
-                </a:tc>
-              </a:tr>
-              <a:tr h="295057">
-                <a:tc>
-                  <a:txBody>
-                    <a:bodyPr/>
-                    <a:lstStyle/>
-                    <a:p>
-                      <a:r>
-                        <a:rPr lang="pt-BR" sz="1400" b="1" dirty="0" smtClean="0">
-                          <a:solidFill>
-                            <a:schemeClr val="tx1"/>
-                          </a:solidFill>
-                          <a:latin typeface="Consolas" panose="020B0609020204030204" pitchFamily="49" charset="0"/>
-                        </a:rPr>
-                        <a:t>7</a:t>
-                      </a:r>
-                      <a:endParaRPr lang="en-US" sz="1400" b="1" dirty="0">
-                        <a:solidFill>
-                          <a:schemeClr val="tx1"/>
-                        </a:solidFill>
-                        <a:latin typeface="Consolas" panose="020B0609020204030204" pitchFamily="49" charset="0"/>
-                      </a:endParaRPr>
-                    </a:p>
-                  </a:txBody>
-                  <a:tcPr>
-                    <a:lnL w="12700" cap="flat" cmpd="sng" algn="ctr">
-                      <a:solidFill>
-                        <a:schemeClr val="tx1"/>
-                      </a:solidFill>
-                      <a:prstDash val="solid"/>
-                      <a:round/>
-                      <a:headEnd type="none" w="med" len="med"/>
-                      <a:tailEnd type="none" w="med" len="med"/>
-                    </a:lnL>
-                    <a:lnR w="12700" cap="flat" cmpd="sng" algn="ctr">
-                      <a:solidFill>
-                        <a:schemeClr val="tx1"/>
-                      </a:solidFill>
-                      <a:prstDash val="solid"/>
-                      <a:round/>
-                      <a:headEnd type="none" w="med" len="med"/>
-                      <a:tailEnd type="none" w="med" len="med"/>
-                    </a:lnR>
-                    <a:lnT w="12700" cap="flat" cmpd="sng" algn="ctr">
-                      <a:solidFill>
-                        <a:schemeClr val="tx1"/>
-                      </a:solidFill>
-                      <a:prstDash val="solid"/>
-                      <a:round/>
-                      <a:headEnd type="none" w="med" len="med"/>
-                      <a:tailEnd type="none" w="med" len="med"/>
-                    </a:lnT>
-                    <a:lnB w="12700" cap="flat" cmpd="sng" algn="ctr">
-                      <a:solidFill>
-                        <a:schemeClr val="tx1"/>
-                      </a:solidFill>
-                      <a:prstDash val="solid"/>
-                      <a:round/>
-                      <a:headEnd type="none" w="med" len="med"/>
-                      <a:tailEnd type="none" w="med" len="med"/>
-                    </a:lnB>
-                    <a:noFill/>
-                  </a:tcPr>
-                </a:tc>
-                <a:tc>
-                  <a:txBody>
-                    <a:bodyPr/>
-                    <a:lstStyle/>
-                    <a:p>
-                      <a:r>
-                        <a:rPr lang="pt-BR" sz="1400" b="1" dirty="0" smtClean="0">
-                          <a:solidFill>
-                            <a:schemeClr val="tx1"/>
-                          </a:solidFill>
-                          <a:latin typeface="Consolas" panose="020B0609020204030204" pitchFamily="49" charset="0"/>
-                        </a:rPr>
-                        <a:t> j=1;</a:t>
-                      </a:r>
-                      <a:endParaRPr lang="en-US" sz="1400" b="1" dirty="0">
-                        <a:solidFill>
-                          <a:schemeClr val="tx1"/>
-                        </a:solidFill>
-                        <a:latin typeface="Consolas" panose="020B0609020204030204" pitchFamily="49" charset="0"/>
-                      </a:endParaRPr>
-                    </a:p>
-                  </a:txBody>
-                  <a:tcPr>
-                    <a:lnL w="12700" cap="flat" cmpd="sng" algn="ctr">
-                      <a:solidFill>
-                        <a:schemeClr val="tx1"/>
-                      </a:solidFill>
-                      <a:prstDash val="solid"/>
-                      <a:round/>
-                      <a:headEnd type="none" w="med" len="med"/>
-                      <a:tailEnd type="none" w="med" len="med"/>
-                    </a:lnL>
-                    <a:lnR w="12700" cap="flat" cmpd="sng" algn="ctr">
-                      <a:solidFill>
-                        <a:schemeClr val="tx1"/>
-                      </a:solidFill>
-                      <a:prstDash val="solid"/>
-                      <a:round/>
-                      <a:headEnd type="none" w="med" len="med"/>
-                      <a:tailEnd type="none" w="med" len="med"/>
-                    </a:lnR>
-                    <a:lnT w="12700" cap="flat" cmpd="sng" algn="ctr">
-                      <a:solidFill>
-                        <a:schemeClr val="tx1"/>
-                      </a:solidFill>
-                      <a:prstDash val="solid"/>
-                      <a:round/>
-                      <a:headEnd type="none" w="med" len="med"/>
-                      <a:tailEnd type="none" w="med" len="med"/>
-                    </a:lnT>
-                    <a:lnB w="12700" cap="flat" cmpd="sng" algn="ctr">
-                      <a:solidFill>
-                        <a:schemeClr val="tx1"/>
-                      </a:solidFill>
-                      <a:prstDash val="solid"/>
-                      <a:round/>
-                      <a:headEnd type="none" w="med" len="med"/>
-                      <a:tailEnd type="none" w="med" len="med"/>
-                    </a:lnB>
-                    <a:noFill/>
-                  </a:tcPr>
-                </a:tc>
-                <a:tc>
-                  <a:txBody>
-                    <a:bodyPr/>
-                    <a:lstStyle/>
-                    <a:p>
-                      <a:r>
-                        <a:rPr lang="pt-BR" sz="1400" b="1" dirty="0" smtClean="0">
-                          <a:solidFill>
-                            <a:schemeClr val="tx1"/>
-                          </a:solidFill>
-                          <a:latin typeface="Consolas" panose="020B0609020204030204" pitchFamily="49" charset="0"/>
-                        </a:rPr>
-                        <a:t>(j,7),(k,5),(m,6)</a:t>
-                      </a:r>
-                      <a:endParaRPr lang="en-US" sz="1400" b="1" dirty="0">
-                        <a:solidFill>
-                          <a:schemeClr val="tx1"/>
-                        </a:solidFill>
-                        <a:latin typeface="Consolas" panose="020B0609020204030204" pitchFamily="49" charset="0"/>
-                      </a:endParaRPr>
-                    </a:p>
-                  </a:txBody>
-                  <a:tcPr>
-                    <a:lnL w="12700" cap="flat" cmpd="sng" algn="ctr">
-                      <a:solidFill>
-                        <a:schemeClr val="tx1"/>
-                      </a:solidFill>
-                      <a:prstDash val="solid"/>
-                      <a:round/>
-                      <a:headEnd type="none" w="med" len="med"/>
-                      <a:tailEnd type="none" w="med" len="med"/>
-                    </a:lnL>
-                    <a:lnR w="12700" cap="flat" cmpd="sng" algn="ctr">
-                      <a:solidFill>
-                        <a:schemeClr val="tx1"/>
-                      </a:solidFill>
-                      <a:prstDash val="solid"/>
-                      <a:round/>
-                      <a:headEnd type="none" w="med" len="med"/>
-                      <a:tailEnd type="none" w="med" len="med"/>
-                    </a:lnR>
-                    <a:lnT w="12700" cap="flat" cmpd="sng" algn="ctr">
-                      <a:solidFill>
-                        <a:schemeClr val="tx1"/>
-                      </a:solidFill>
-                      <a:prstDash val="solid"/>
-                      <a:round/>
-                      <a:headEnd type="none" w="med" len="med"/>
-                      <a:tailEnd type="none" w="med" len="med"/>
-                    </a:lnT>
-                    <a:lnB w="12700" cap="flat" cmpd="sng" algn="ctr">
-                      <a:solidFill>
-                        <a:schemeClr val="tx1"/>
-                      </a:solidFill>
-                      <a:prstDash val="solid"/>
-                      <a:round/>
-                      <a:headEnd type="none" w="med" len="med"/>
-                      <a:tailEnd type="none" w="med" len="med"/>
-                    </a:lnB>
-                    <a:noFill/>
-                  </a:tcPr>
-                </a:tc>
-              </a:tr>
-              <a:tr h="296258">
-                <a:tc>
-                  <a:txBody>
-                    <a:bodyPr/>
-                    <a:lstStyle/>
-                    <a:p>
-                      <a:r>
-                        <a:rPr lang="pt-BR" sz="1400" b="1" dirty="0" smtClean="0">
-                          <a:solidFill>
-                            <a:schemeClr val="tx1"/>
-                          </a:solidFill>
-                          <a:latin typeface="Consolas" panose="020B0609020204030204" pitchFamily="49" charset="0"/>
-                        </a:rPr>
-                        <a:t>8</a:t>
-                      </a:r>
-                      <a:endParaRPr lang="en-US" sz="1400" b="1" dirty="0">
-                        <a:solidFill>
-                          <a:schemeClr val="tx1"/>
-                        </a:solidFill>
-                        <a:latin typeface="Consolas" panose="020B0609020204030204" pitchFamily="49" charset="0"/>
-                      </a:endParaRPr>
-                    </a:p>
-                  </a:txBody>
-                  <a:tcPr>
-                    <a:lnL w="12700" cap="flat" cmpd="sng" algn="ctr">
-                      <a:solidFill>
-                        <a:schemeClr val="tx1"/>
-                      </a:solidFill>
-                      <a:prstDash val="solid"/>
-                      <a:round/>
-                      <a:headEnd type="none" w="med" len="med"/>
-                      <a:tailEnd type="none" w="med" len="med"/>
-                    </a:lnL>
-                    <a:lnR w="12700" cap="flat" cmpd="sng" algn="ctr">
-                      <a:solidFill>
-                        <a:schemeClr val="tx1"/>
-                      </a:solidFill>
-                      <a:prstDash val="solid"/>
-                      <a:round/>
-                      <a:headEnd type="none" w="med" len="med"/>
-                      <a:tailEnd type="none" w="med" len="med"/>
-                    </a:lnR>
-                    <a:lnT w="12700" cap="flat" cmpd="sng" algn="ctr">
-                      <a:solidFill>
-                        <a:schemeClr val="tx1"/>
-                      </a:solidFill>
-                      <a:prstDash val="solid"/>
-                      <a:round/>
-                      <a:headEnd type="none" w="med" len="med"/>
-                      <a:tailEnd type="none" w="med" len="med"/>
-                    </a:lnT>
-                    <a:lnB w="12700" cap="flat" cmpd="sng" algn="ctr">
-                      <a:solidFill>
-                        <a:schemeClr val="tx1"/>
-                      </a:solidFill>
-                      <a:prstDash val="solid"/>
-                      <a:round/>
-                      <a:headEnd type="none" w="med" len="med"/>
-                      <a:tailEnd type="none" w="med" len="med"/>
-                    </a:lnB>
-                    <a:noFill/>
-                  </a:tcPr>
-                </a:tc>
-                <a:tc>
-                  <a:txBody>
-                    <a:bodyPr/>
-                    <a:lstStyle/>
-                    <a:p>
-                      <a:r>
-                        <a:rPr lang="pt-BR" sz="1400" b="1" dirty="0" err="1" smtClean="0">
-                          <a:solidFill>
-                            <a:schemeClr val="tx1"/>
-                          </a:solidFill>
-                          <a:latin typeface="Consolas" panose="020B0609020204030204" pitchFamily="49" charset="0"/>
-                        </a:rPr>
-                        <a:t>else</a:t>
-                      </a:r>
-                      <a:r>
-                        <a:rPr lang="pt-BR" sz="1400" b="1" dirty="0" smtClean="0">
-                          <a:solidFill>
-                            <a:schemeClr val="tx1"/>
-                          </a:solidFill>
-                          <a:latin typeface="Consolas" panose="020B0609020204030204" pitchFamily="49" charset="0"/>
-                        </a:rPr>
-                        <a:t> {...}</a:t>
-                      </a:r>
-                      <a:endParaRPr lang="en-US" sz="1400" b="1" dirty="0">
-                        <a:solidFill>
-                          <a:schemeClr val="tx1"/>
-                        </a:solidFill>
-                        <a:latin typeface="Consolas" panose="020B0609020204030204" pitchFamily="49" charset="0"/>
-                      </a:endParaRPr>
-                    </a:p>
-                  </a:txBody>
-                  <a:tcPr>
-                    <a:lnL w="12700" cap="flat" cmpd="sng" algn="ctr">
-                      <a:solidFill>
-                        <a:schemeClr val="tx1"/>
-                      </a:solidFill>
-                      <a:prstDash val="solid"/>
-                      <a:round/>
-                      <a:headEnd type="none" w="med" len="med"/>
-                      <a:tailEnd type="none" w="med" len="med"/>
-                    </a:lnL>
-                    <a:lnR w="12700" cap="flat" cmpd="sng" algn="ctr">
-                      <a:solidFill>
-                        <a:schemeClr val="tx1"/>
-                      </a:solidFill>
-                      <a:prstDash val="solid"/>
-                      <a:round/>
-                      <a:headEnd type="none" w="med" len="med"/>
-                      <a:tailEnd type="none" w="med" len="med"/>
-                    </a:lnR>
-                    <a:lnT w="12700" cap="flat" cmpd="sng" algn="ctr">
-                      <a:solidFill>
-                        <a:schemeClr val="tx1"/>
-                      </a:solidFill>
-                      <a:prstDash val="solid"/>
-                      <a:round/>
-                      <a:headEnd type="none" w="med" len="med"/>
-                      <a:tailEnd type="none" w="med" len="med"/>
-                    </a:lnT>
-                    <a:lnB w="12700" cap="flat" cmpd="sng" algn="ctr">
-                      <a:solidFill>
-                        <a:schemeClr val="tx1"/>
-                      </a:solidFill>
-                      <a:prstDash val="solid"/>
-                      <a:round/>
-                      <a:headEnd type="none" w="med" len="med"/>
-                      <a:tailEnd type="none" w="med" len="med"/>
-                    </a:lnB>
-                    <a:noFill/>
-                  </a:tcPr>
-                </a:tc>
-                <a:tc>
-                  <a:txBody>
-                    <a:bodyPr/>
-                    <a:lstStyle/>
-                    <a:p>
-                      <a:r>
-                        <a:rPr lang="pt-BR" sz="1400" b="1" dirty="0" smtClean="0">
-                          <a:solidFill>
-                            <a:schemeClr val="tx1"/>
-                          </a:solidFill>
-                          <a:latin typeface="Consolas" panose="020B0609020204030204" pitchFamily="49" charset="0"/>
-                        </a:rPr>
-                        <a:t>-</a:t>
-                      </a:r>
-                      <a:endParaRPr lang="en-US" sz="1400" b="1" dirty="0">
-                        <a:solidFill>
-                          <a:schemeClr val="tx1"/>
-                        </a:solidFill>
-                        <a:latin typeface="Consolas" panose="020B0609020204030204" pitchFamily="49" charset="0"/>
-                      </a:endParaRPr>
-                    </a:p>
-                  </a:txBody>
-                  <a:tcPr>
-                    <a:lnL w="12700" cap="flat" cmpd="sng" algn="ctr">
-                      <a:solidFill>
-                        <a:schemeClr val="tx1"/>
-                      </a:solidFill>
-                      <a:prstDash val="solid"/>
-                      <a:round/>
-                      <a:headEnd type="none" w="med" len="med"/>
-                      <a:tailEnd type="none" w="med" len="med"/>
-                    </a:lnL>
-                    <a:lnR w="12700" cap="flat" cmpd="sng" algn="ctr">
-                      <a:solidFill>
-                        <a:schemeClr val="tx1"/>
-                      </a:solidFill>
-                      <a:prstDash val="solid"/>
-                      <a:round/>
-                      <a:headEnd type="none" w="med" len="med"/>
-                      <a:tailEnd type="none" w="med" len="med"/>
-                    </a:lnR>
-                    <a:lnT w="12700" cap="flat" cmpd="sng" algn="ctr">
-                      <a:solidFill>
-                        <a:schemeClr val="tx1"/>
-                      </a:solidFill>
-                      <a:prstDash val="solid"/>
-                      <a:round/>
-                      <a:headEnd type="none" w="med" len="med"/>
-                      <a:tailEnd type="none" w="med" len="med"/>
-                    </a:lnT>
-                    <a:lnB w="12700" cap="flat" cmpd="sng" algn="ctr">
-                      <a:solidFill>
-                        <a:schemeClr val="tx1"/>
-                      </a:solidFill>
-                      <a:prstDash val="solid"/>
-                      <a:round/>
-                      <a:headEnd type="none" w="med" len="med"/>
-                      <a:tailEnd type="none" w="med" len="med"/>
-                    </a:lnB>
-                    <a:noFill/>
-                  </a:tcPr>
-                </a:tc>
-              </a:tr>
-              <a:tr h="295057">
-                <a:tc>
-                  <a:txBody>
-                    <a:bodyPr/>
-                    <a:lstStyle/>
-                    <a:p>
-                      <a:r>
-                        <a:rPr lang="pt-BR" sz="1400" b="1" dirty="0" smtClean="0">
-                          <a:solidFill>
-                            <a:schemeClr val="tx1"/>
-                          </a:solidFill>
-                          <a:latin typeface="Consolas" panose="020B0609020204030204" pitchFamily="49" charset="0"/>
-                        </a:rPr>
-                        <a:t>9</a:t>
-                      </a:r>
-                      <a:endParaRPr lang="en-US" sz="1400" b="1" dirty="0">
-                        <a:solidFill>
-                          <a:schemeClr val="tx1"/>
-                        </a:solidFill>
-                        <a:latin typeface="Consolas" panose="020B0609020204030204" pitchFamily="49" charset="0"/>
-                      </a:endParaRPr>
-                    </a:p>
-                  </a:txBody>
-                  <a:tcPr>
-                    <a:lnL w="12700" cap="flat" cmpd="sng" algn="ctr">
-                      <a:solidFill>
-                        <a:schemeClr val="tx1"/>
-                      </a:solidFill>
-                      <a:prstDash val="solid"/>
-                      <a:round/>
-                      <a:headEnd type="none" w="med" len="med"/>
-                      <a:tailEnd type="none" w="med" len="med"/>
-                    </a:lnL>
-                    <a:lnR w="12700" cap="flat" cmpd="sng" algn="ctr">
-                      <a:solidFill>
-                        <a:schemeClr val="tx1"/>
-                      </a:solidFill>
-                      <a:prstDash val="solid"/>
-                      <a:round/>
-                      <a:headEnd type="none" w="med" len="med"/>
-                      <a:tailEnd type="none" w="med" len="med"/>
-                    </a:lnR>
-                    <a:lnT w="12700" cap="flat" cmpd="sng" algn="ctr">
-                      <a:solidFill>
-                        <a:schemeClr val="tx1"/>
-                      </a:solidFill>
-                      <a:prstDash val="solid"/>
-                      <a:round/>
-                      <a:headEnd type="none" w="med" len="med"/>
-                      <a:tailEnd type="none" w="med" len="med"/>
-                    </a:lnT>
-                    <a:lnB w="12700" cap="flat" cmpd="sng" algn="ctr">
-                      <a:solidFill>
-                        <a:schemeClr val="tx1"/>
-                      </a:solidFill>
-                      <a:prstDash val="solid"/>
-                      <a:round/>
-                      <a:headEnd type="none" w="med" len="med"/>
-                      <a:tailEnd type="none" w="med" len="med"/>
-                    </a:lnB>
-                    <a:noFill/>
-                  </a:tcPr>
-                </a:tc>
-                <a:tc>
-                  <a:txBody>
-                    <a:bodyPr/>
-                    <a:lstStyle/>
-                    <a:p>
-                      <a:r>
-                        <a:rPr lang="pt-BR" sz="1400" b="1" dirty="0" smtClean="0">
-                          <a:solidFill>
-                            <a:schemeClr val="tx1"/>
-                          </a:solidFill>
-                          <a:latin typeface="Consolas" panose="020B0609020204030204" pitchFamily="49" charset="0"/>
-                        </a:rPr>
-                        <a:t>k=5*j+3;</a:t>
-                      </a:r>
-                      <a:endParaRPr lang="en-US" sz="1400" b="1" dirty="0">
-                        <a:solidFill>
-                          <a:schemeClr val="tx1"/>
-                        </a:solidFill>
-                        <a:latin typeface="Consolas" panose="020B0609020204030204" pitchFamily="49" charset="0"/>
-                      </a:endParaRPr>
-                    </a:p>
-                  </a:txBody>
-                  <a:tcPr>
-                    <a:lnL w="12700" cap="flat" cmpd="sng" algn="ctr">
-                      <a:solidFill>
-                        <a:schemeClr val="tx1"/>
-                      </a:solidFill>
-                      <a:prstDash val="solid"/>
-                      <a:round/>
-                      <a:headEnd type="none" w="med" len="med"/>
-                      <a:tailEnd type="none" w="med" len="med"/>
-                    </a:lnL>
-                    <a:lnR w="12700" cap="flat" cmpd="sng" algn="ctr">
-                      <a:solidFill>
-                        <a:schemeClr val="tx1"/>
-                      </a:solidFill>
-                      <a:prstDash val="solid"/>
-                      <a:round/>
-                      <a:headEnd type="none" w="med" len="med"/>
-                      <a:tailEnd type="none" w="med" len="med"/>
-                    </a:lnR>
-                    <a:lnT w="12700" cap="flat" cmpd="sng" algn="ctr">
-                      <a:solidFill>
-                        <a:schemeClr val="tx1"/>
-                      </a:solidFill>
-                      <a:prstDash val="solid"/>
-                      <a:round/>
-                      <a:headEnd type="none" w="med" len="med"/>
-                      <a:tailEnd type="none" w="med" len="med"/>
-                    </a:lnT>
-                    <a:lnB w="12700" cap="flat" cmpd="sng" algn="ctr">
-                      <a:solidFill>
-                        <a:schemeClr val="tx1"/>
-                      </a:solidFill>
-                      <a:prstDash val="solid"/>
-                      <a:round/>
-                      <a:headEnd type="none" w="med" len="med"/>
-                      <a:tailEnd type="none" w="med" len="med"/>
-                    </a:lnB>
-                    <a:noFill/>
-                  </a:tcPr>
-                </a:tc>
-                <a:tc>
-                  <a:txBody>
-                    <a:bodyPr/>
-                    <a:lstStyle/>
-                    <a:p>
-                      <a:r>
-                        <a:rPr lang="pt-BR" sz="1400" b="1" dirty="0" smtClean="0">
-                          <a:solidFill>
-                            <a:schemeClr val="tx1"/>
-                          </a:solidFill>
-                          <a:latin typeface="Consolas" panose="020B0609020204030204" pitchFamily="49" charset="0"/>
-                        </a:rPr>
-                        <a:t>(j,2),(j,7),(k,9),(m,0),(m,6)</a:t>
-                      </a:r>
-                      <a:endParaRPr lang="en-US" sz="1400" b="1" dirty="0">
-                        <a:solidFill>
-                          <a:schemeClr val="tx1"/>
-                        </a:solidFill>
-                        <a:latin typeface="Consolas" panose="020B0609020204030204" pitchFamily="49" charset="0"/>
-                      </a:endParaRPr>
-                    </a:p>
-                  </a:txBody>
-                  <a:tcPr>
-                    <a:lnL w="12700" cap="flat" cmpd="sng" algn="ctr">
-                      <a:solidFill>
-                        <a:schemeClr val="tx1"/>
-                      </a:solidFill>
-                      <a:prstDash val="solid"/>
-                      <a:round/>
-                      <a:headEnd type="none" w="med" len="med"/>
-                      <a:tailEnd type="none" w="med" len="med"/>
-                    </a:lnL>
-                    <a:lnR w="12700" cap="flat" cmpd="sng" algn="ctr">
-                      <a:solidFill>
-                        <a:schemeClr val="tx1"/>
-                      </a:solidFill>
-                      <a:prstDash val="solid"/>
-                      <a:round/>
-                      <a:headEnd type="none" w="med" len="med"/>
-                      <a:tailEnd type="none" w="med" len="med"/>
-                    </a:lnR>
-                    <a:lnT w="12700" cap="flat" cmpd="sng" algn="ctr">
-                      <a:solidFill>
-                        <a:schemeClr val="tx1"/>
-                      </a:solidFill>
-                      <a:prstDash val="solid"/>
-                      <a:round/>
-                      <a:headEnd type="none" w="med" len="med"/>
-                      <a:tailEnd type="none" w="med" len="med"/>
-                    </a:lnT>
-                    <a:lnB w="12700" cap="flat" cmpd="sng" algn="ctr">
-                      <a:solidFill>
-                        <a:schemeClr val="tx1"/>
-                      </a:solidFill>
-                      <a:prstDash val="solid"/>
-                      <a:round/>
-                      <a:headEnd type="none" w="med" len="med"/>
-                      <a:tailEnd type="none" w="med" len="med"/>
-                    </a:lnB>
-                    <a:noFill/>
-                  </a:tcPr>
-                </a:tc>
-              </a:tr>
-              <a:tr h="358987">
-                <a:tc>
-                  <a:txBody>
-                    <a:bodyPr/>
-                    <a:lstStyle/>
-                    <a:p>
-                      <a:r>
-                        <a:rPr lang="pt-BR" sz="1400" b="1" dirty="0" smtClean="0">
-                          <a:solidFill>
-                            <a:schemeClr val="tx1"/>
-                          </a:solidFill>
-                          <a:latin typeface="Consolas" panose="020B0609020204030204" pitchFamily="49" charset="0"/>
-                        </a:rPr>
-                        <a:t>10</a:t>
-                      </a:r>
-                      <a:endParaRPr lang="en-US" sz="1400" b="1" dirty="0">
-                        <a:solidFill>
-                          <a:schemeClr val="tx1"/>
-                        </a:solidFill>
-                        <a:latin typeface="Consolas" panose="020B0609020204030204" pitchFamily="49" charset="0"/>
-                      </a:endParaRPr>
-                    </a:p>
-                  </a:txBody>
-                  <a:tcPr>
-                    <a:lnL w="12700" cap="flat" cmpd="sng" algn="ctr">
-                      <a:solidFill>
-                        <a:schemeClr val="tx1"/>
-                      </a:solidFill>
-                      <a:prstDash val="solid"/>
-                      <a:round/>
-                      <a:headEnd type="none" w="med" len="med"/>
-                      <a:tailEnd type="none" w="med" len="med"/>
-                    </a:lnL>
-                    <a:lnR w="12700" cap="flat" cmpd="sng" algn="ctr">
-                      <a:solidFill>
-                        <a:schemeClr val="tx1"/>
-                      </a:solidFill>
-                      <a:prstDash val="solid"/>
-                      <a:round/>
-                      <a:headEnd type="none" w="med" len="med"/>
-                      <a:tailEnd type="none" w="med" len="med"/>
-                    </a:lnR>
-                    <a:lnT w="12700" cap="flat" cmpd="sng" algn="ctr">
-                      <a:solidFill>
-                        <a:schemeClr val="tx1"/>
-                      </a:solidFill>
-                      <a:prstDash val="solid"/>
-                      <a:round/>
-                      <a:headEnd type="none" w="med" len="med"/>
-                      <a:tailEnd type="none" w="med" len="med"/>
-                    </a:lnT>
-                    <a:lnB w="12700" cap="flat" cmpd="sng" algn="ctr">
-                      <a:solidFill>
-                        <a:schemeClr val="tx1"/>
-                      </a:solidFill>
-                      <a:prstDash val="solid"/>
-                      <a:round/>
-                      <a:headEnd type="none" w="med" len="med"/>
-                      <a:tailEnd type="none" w="med" len="med"/>
-                    </a:lnB>
-                    <a:noFill/>
-                  </a:tcPr>
-                </a:tc>
-                <a:tc>
-                  <a:txBody>
-                    <a:bodyPr/>
-                    <a:lstStyle/>
-                    <a:p>
-                      <a:r>
-                        <a:rPr lang="pt-BR" sz="1400" b="1" dirty="0" err="1" smtClean="0">
-                          <a:solidFill>
-                            <a:schemeClr val="tx1"/>
-                          </a:solidFill>
-                          <a:latin typeface="Consolas" panose="020B0609020204030204" pitchFamily="49" charset="0"/>
-                        </a:rPr>
-                        <a:t>return</a:t>
-                      </a:r>
-                      <a:r>
-                        <a:rPr lang="pt-BR" sz="1400" b="1" dirty="0" smtClean="0">
-                          <a:solidFill>
-                            <a:schemeClr val="tx1"/>
-                          </a:solidFill>
-                          <a:latin typeface="Consolas" panose="020B0609020204030204" pitchFamily="49" charset="0"/>
-                        </a:rPr>
-                        <a:t> k;</a:t>
-                      </a:r>
-                      <a:endParaRPr lang="en-US" sz="1400" b="1" dirty="0">
-                        <a:solidFill>
-                          <a:schemeClr val="tx1"/>
-                        </a:solidFill>
-                        <a:latin typeface="Consolas" panose="020B0609020204030204" pitchFamily="49" charset="0"/>
-                      </a:endParaRPr>
-                    </a:p>
-                  </a:txBody>
-                  <a:tcPr>
-                    <a:lnL w="12700" cap="flat" cmpd="sng" algn="ctr">
-                      <a:solidFill>
-                        <a:schemeClr val="tx1"/>
-                      </a:solidFill>
-                      <a:prstDash val="solid"/>
-                      <a:round/>
-                      <a:headEnd type="none" w="med" len="med"/>
-                      <a:tailEnd type="none" w="med" len="med"/>
-                    </a:lnL>
-                    <a:lnR w="12700" cap="flat" cmpd="sng" algn="ctr">
-                      <a:solidFill>
-                        <a:schemeClr val="tx1"/>
-                      </a:solidFill>
-                      <a:prstDash val="solid"/>
-                      <a:round/>
-                      <a:headEnd type="none" w="med" len="med"/>
-                      <a:tailEnd type="none" w="med" len="med"/>
-                    </a:lnR>
-                    <a:lnT w="12700" cap="flat" cmpd="sng" algn="ctr">
-                      <a:solidFill>
-                        <a:schemeClr val="tx1"/>
-                      </a:solidFill>
-                      <a:prstDash val="solid"/>
-                      <a:round/>
-                      <a:headEnd type="none" w="med" len="med"/>
-                      <a:tailEnd type="none" w="med" len="med"/>
-                    </a:lnT>
-                    <a:lnB w="12700" cap="flat" cmpd="sng" algn="ctr">
-                      <a:solidFill>
-                        <a:schemeClr val="tx1"/>
-                      </a:solidFill>
-                      <a:prstDash val="solid"/>
-                      <a:round/>
-                      <a:headEnd type="none" w="med" len="med"/>
-                      <a:tailEnd type="none" w="med" len="med"/>
-                    </a:lnB>
-                    <a:noFill/>
-                  </a:tcPr>
-                </a:tc>
-                <a:tc>
-                  <a:txBody>
-                    <a:bodyPr/>
-                    <a:lstStyle/>
-                    <a:p>
-                      <a:r>
-                        <a:rPr lang="pt-BR" sz="1400" b="1" dirty="0" smtClean="0">
-                          <a:solidFill>
-                            <a:schemeClr val="tx1"/>
-                          </a:solidFill>
-                          <a:latin typeface="Consolas" panose="020B0609020204030204" pitchFamily="49" charset="0"/>
-                        </a:rPr>
-                        <a:t>(j,2),(j,7),(k,9),(m,0),(m,6)</a:t>
-                      </a:r>
-                      <a:endParaRPr lang="en-US" sz="1400" b="1" dirty="0">
-                        <a:solidFill>
-                          <a:schemeClr val="tx1"/>
-                        </a:solidFill>
-                        <a:latin typeface="Consolas" panose="020B0609020204030204" pitchFamily="49" charset="0"/>
-                      </a:endParaRPr>
-                    </a:p>
-                  </a:txBody>
-                  <a:tcPr>
-                    <a:lnL w="12700" cap="flat" cmpd="sng" algn="ctr">
-                      <a:solidFill>
-                        <a:schemeClr val="tx1"/>
-                      </a:solidFill>
-                      <a:prstDash val="solid"/>
-                      <a:round/>
-                      <a:headEnd type="none" w="med" len="med"/>
-                      <a:tailEnd type="none" w="med" len="med"/>
-                    </a:lnL>
-                    <a:lnR w="12700" cap="flat" cmpd="sng" algn="ctr">
-                      <a:solidFill>
-                        <a:schemeClr val="tx1"/>
-                      </a:solidFill>
-                      <a:prstDash val="solid"/>
-                      <a:round/>
-                      <a:headEnd type="none" w="med" len="med"/>
-                      <a:tailEnd type="none" w="med" len="med"/>
-                    </a:lnR>
-                    <a:lnT w="12700" cap="flat" cmpd="sng" algn="ctr">
-                      <a:solidFill>
-                        <a:schemeClr val="tx1"/>
-                      </a:solidFill>
-                      <a:prstDash val="solid"/>
-                      <a:round/>
-                      <a:headEnd type="none" w="med" len="med"/>
-                      <a:tailEnd type="none" w="med" len="med"/>
-                    </a:lnT>
-                    <a:lnB w="12700" cap="flat" cmpd="sng" algn="ctr">
-                      <a:solidFill>
-                        <a:schemeClr val="tx1"/>
-                      </a:solidFill>
-                      <a:prstDash val="solid"/>
-                      <a:round/>
-                      <a:headEnd type="none" w="med" len="med"/>
-                      <a:tailEnd type="none" w="med" len="med"/>
-                    </a:lnB>
-                    <a:noFill/>
-                  </a:tcPr>
-                </a:tc>
-              </a:tr>
-            </a:tbl>
-          </a:graphicData>
-        </a:graphic>
-      </p:graphicFrame>
     </p:spTree>
     <p:extLst>
       <p:ext uri="{BB962C8B-B14F-4D97-AF65-F5344CB8AC3E}">
@@ -9597,147 +7580,38 @@
           <a:lstStyle/>
           <a:p>
             <a:r>
+              <a:rPr lang="en-US" dirty="0" err="1" smtClean="0"/>
+              <a:t>Defini</a:t>
+            </a:r>
+            <a:r>
               <a:rPr lang="pt-BR" dirty="0" err="1" smtClean="0"/>
-              <a:t>Dataflow</a:t>
+              <a:t>ções</a:t>
             </a:r>
             <a:r>
               <a:rPr lang="pt-BR" dirty="0" smtClean="0"/>
-              <a:t> </a:t>
-            </a:r>
-            <a:r>
-              <a:rPr lang="pt-BR" dirty="0" err="1" smtClean="0"/>
-              <a:t>Analysis</a:t>
-            </a:r>
-            <a:endParaRPr lang="en-US" dirty="0"/>
+              <a:t> Alcançáveis (DA)</a:t>
+            </a:r>
+            <a:endParaRPr lang="pt-BR" dirty="0"/>
           </a:p>
         </p:txBody>
       </p:sp>
-      <p:sp>
-        <p:nvSpPr>
-          <p:cNvPr id="3" name="Espaço Reservado para Conteúdo 2"/>
-          <p:cNvSpPr>
-            <a:spLocks noGrp="1"/>
-          </p:cNvSpPr>
-          <p:nvPr>
-            <p:ph idx="1"/>
-          </p:nvPr>
-        </p:nvSpPr>
-        <p:spPr>
-          <a:xfrm>
-            <a:off x="457200" y="1600200"/>
-            <a:ext cx="8686800" cy="4525963"/>
-          </a:xfrm>
-        </p:spPr>
-        <p:txBody>
-          <a:bodyPr/>
-          <a:lstStyle/>
-          <a:p>
-            <a:r>
-              <a:rPr lang="pt-BR" dirty="0" smtClean="0"/>
-              <a:t>O que faz? </a:t>
-            </a:r>
-          </a:p>
-          <a:p>
-            <a:pPr lvl="1"/>
-            <a:r>
-              <a:rPr lang="pt-BR" dirty="0" smtClean="0"/>
-              <a:t>Coleta informação de análise (e.g., definições </a:t>
-            </a:r>
-            <a:r>
-              <a:rPr lang="pt-BR" dirty="0" err="1" smtClean="0"/>
-              <a:t>alcancáveis</a:t>
-            </a:r>
-            <a:r>
-              <a:rPr lang="pt-BR" dirty="0" smtClean="0"/>
-              <a:t>) até não encontrar nada novo</a:t>
-            </a:r>
-          </a:p>
-        </p:txBody>
-      </p:sp>
-      <p:pic>
-        <p:nvPicPr>
-          <p:cNvPr id="6" name="Picture 2"/>
-          <p:cNvPicPr>
-            <a:picLocks noChangeAspect="1" noChangeArrowheads="1"/>
-          </p:cNvPicPr>
-          <p:nvPr/>
-        </p:nvPicPr>
-        <p:blipFill>
-          <a:blip r:embed="rId2"/>
-          <a:srcRect/>
-          <a:stretch>
-            <a:fillRect/>
-          </a:stretch>
-        </p:blipFill>
-        <p:spPr bwMode="auto">
-          <a:xfrm>
-            <a:off x="251520" y="3861048"/>
-            <a:ext cx="3056374" cy="2786082"/>
-          </a:xfrm>
-          <a:prstGeom prst="rect">
-            <a:avLst/>
-          </a:prstGeom>
-          <a:noFill/>
-          <a:ln w="9525">
-            <a:noFill/>
-            <a:miter lim="800000"/>
-            <a:headEnd/>
-            <a:tailEnd/>
-          </a:ln>
-          <a:effectLst/>
-        </p:spPr>
-      </p:pic>
-      <p:cxnSp>
-        <p:nvCxnSpPr>
-          <p:cNvPr id="7" name="Conector de seta reta 6"/>
-          <p:cNvCxnSpPr/>
-          <p:nvPr/>
-        </p:nvCxnSpPr>
-        <p:spPr>
-          <a:xfrm flipH="1">
-            <a:off x="1779707" y="3140968"/>
-            <a:ext cx="1" cy="504056"/>
-          </a:xfrm>
-          <a:prstGeom prst="straightConnector1">
-            <a:avLst/>
-          </a:prstGeom>
-          <a:ln>
-            <a:headEnd type="none" w="med" len="med"/>
-            <a:tailEnd type="triangle" w="med" len="med"/>
-          </a:ln>
-        </p:spPr>
-        <p:style>
-          <a:lnRef idx="1">
-            <a:schemeClr val="dk1"/>
-          </a:lnRef>
-          <a:fillRef idx="0">
-            <a:schemeClr val="dk1"/>
-          </a:fillRef>
-          <a:effectRef idx="0">
-            <a:schemeClr val="dk1"/>
-          </a:effectRef>
-          <a:fontRef idx="minor">
-            <a:schemeClr val="tx1"/>
-          </a:fontRef>
-        </p:style>
-      </p:cxnSp>
       <p:graphicFrame>
         <p:nvGraphicFramePr>
-          <p:cNvPr id="10" name="Tabela 9"/>
+          <p:cNvPr id="4" name="Tabela 3"/>
           <p:cNvGraphicFramePr>
             <a:graphicFrameLocks noGrp="1"/>
           </p:cNvGraphicFramePr>
           <p:nvPr>
             <p:extLst>
               <p:ext uri="{D42A27DB-BD31-4B8C-83A1-F6EECF244321}">
-                <p14:modId xmlns:p14="http://schemas.microsoft.com/office/powerpoint/2010/main" val="3516387757"/>
+                <p14:modId xmlns:p14="http://schemas.microsoft.com/office/powerpoint/2010/main" val="1685520696"/>
               </p:ext>
             </p:extLst>
           </p:nvPr>
         </p:nvGraphicFramePr>
         <p:xfrm>
-          <a:off x="3593023" y="3392996"/>
-          <a:ext cx="5371465" cy="3102187"/>
+          <a:off x="37177" y="3429000"/>
+          <a:ext cx="8855303" cy="3406987"/>
         </p:xfrm>
         <a:graphic>
           <a:graphicData uri="http://schemas.openxmlformats.org/drawingml/2006/table">
@@ -9747,9 +7621,251 @@
               </a:tblPr>
               <a:tblGrid>
                 <a:gridCol w="478155"/>
-                <a:gridCol w="1757680"/>
-                <a:gridCol w="3135630"/>
+                <a:gridCol w="2083841"/>
+                <a:gridCol w="3668336"/>
+                <a:gridCol w="2624971"/>
               </a:tblGrid>
+              <a:tr h="295057">
+                <a:tc>
+                  <a:txBody>
+                    <a:bodyPr/>
+                    <a:lstStyle/>
+                    <a:p>
+                      <a:r>
+                        <a:rPr lang="en-US" sz="1400" b="1" dirty="0" smtClean="0">
+                          <a:solidFill>
+                            <a:schemeClr val="tx1"/>
+                          </a:solidFill>
+                          <a:latin typeface="Consolas" panose="020B0609020204030204" pitchFamily="49" charset="0"/>
+                        </a:rPr>
+                        <a:t>Ln</a:t>
+                      </a:r>
+                      <a:endParaRPr lang="en-US" sz="1400" b="1" dirty="0">
+                        <a:solidFill>
+                          <a:schemeClr val="tx1"/>
+                        </a:solidFill>
+                        <a:latin typeface="Consolas" panose="020B0609020204030204" pitchFamily="49" charset="0"/>
+                      </a:endParaRPr>
+                    </a:p>
+                  </a:txBody>
+                  <a:tcPr>
+                    <a:lnL w="12700" cap="flat" cmpd="sng" algn="ctr">
+                      <a:solidFill>
+                        <a:schemeClr val="tx1"/>
+                      </a:solidFill>
+                      <a:prstDash val="solid"/>
+                      <a:round/>
+                      <a:headEnd type="none" w="med" len="med"/>
+                      <a:tailEnd type="none" w="med" len="med"/>
+                    </a:lnL>
+                    <a:lnR w="12700" cap="flat" cmpd="sng" algn="ctr">
+                      <a:solidFill>
+                        <a:schemeClr val="tx1"/>
+                      </a:solidFill>
+                      <a:prstDash val="solid"/>
+                      <a:round/>
+                      <a:headEnd type="none" w="med" len="med"/>
+                      <a:tailEnd type="none" w="med" len="med"/>
+                    </a:lnR>
+                    <a:lnT w="12700" cap="flat" cmpd="sng" algn="ctr">
+                      <a:solidFill>
+                        <a:schemeClr val="tx1"/>
+                      </a:solidFill>
+                      <a:prstDash val="solid"/>
+                      <a:round/>
+                      <a:headEnd type="none" w="med" len="med"/>
+                      <a:tailEnd type="none" w="med" len="med"/>
+                    </a:lnT>
+                    <a:lnB w="12700" cap="flat" cmpd="sng" algn="ctr">
+                      <a:solidFill>
+                        <a:schemeClr val="tx1"/>
+                      </a:solidFill>
+                      <a:prstDash val="solid"/>
+                      <a:round/>
+                      <a:headEnd type="none" w="med" len="med"/>
+                      <a:tailEnd type="none" w="med" len="med"/>
+                    </a:lnB>
+                    <a:noFill/>
+                  </a:tcPr>
+                </a:tc>
+                <a:tc>
+                  <a:txBody>
+                    <a:bodyPr/>
+                    <a:lstStyle/>
+                    <a:p>
+                      <a:endParaRPr lang="en-US" sz="1400" b="1" dirty="0">
+                        <a:solidFill>
+                          <a:schemeClr val="tx1"/>
+                        </a:solidFill>
+                        <a:latin typeface="Consolas" panose="020B0609020204030204" pitchFamily="49" charset="0"/>
+                      </a:endParaRPr>
+                    </a:p>
+                  </a:txBody>
+                  <a:tcPr>
+                    <a:lnL w="12700" cap="flat" cmpd="sng" algn="ctr">
+                      <a:solidFill>
+                        <a:schemeClr val="tx1"/>
+                      </a:solidFill>
+                      <a:prstDash val="solid"/>
+                      <a:round/>
+                      <a:headEnd type="none" w="med" len="med"/>
+                      <a:tailEnd type="none" w="med" len="med"/>
+                    </a:lnL>
+                    <a:lnR w="12700" cap="flat" cmpd="sng" algn="ctr">
+                      <a:solidFill>
+                        <a:schemeClr val="tx1"/>
+                      </a:solidFill>
+                      <a:prstDash val="solid"/>
+                      <a:round/>
+                      <a:headEnd type="none" w="med" len="med"/>
+                      <a:tailEnd type="none" w="med" len="med"/>
+                    </a:lnR>
+                    <a:lnT w="12700" cap="flat" cmpd="sng" algn="ctr">
+                      <a:solidFill>
+                        <a:schemeClr val="tx1"/>
+                      </a:solidFill>
+                      <a:prstDash val="solid"/>
+                      <a:round/>
+                      <a:headEnd type="none" w="med" len="med"/>
+                      <a:tailEnd type="none" w="med" len="med"/>
+                    </a:lnT>
+                    <a:lnB w="12700" cap="flat" cmpd="sng" algn="ctr">
+                      <a:solidFill>
+                        <a:schemeClr val="tx1"/>
+                      </a:solidFill>
+                      <a:prstDash val="solid"/>
+                      <a:round/>
+                      <a:headEnd type="none" w="med" len="med"/>
+                      <a:tailEnd type="none" w="med" len="med"/>
+                    </a:lnB>
+                    <a:noFill/>
+                  </a:tcPr>
+                </a:tc>
+                <a:tc>
+                  <a:txBody>
+                    <a:bodyPr/>
+                    <a:lstStyle/>
+                    <a:p>
+                      <a:r>
+                        <a:rPr lang="en-US" sz="1400" b="1" dirty="0" smtClean="0">
+                          <a:solidFill>
+                            <a:schemeClr val="tx1"/>
+                          </a:solidFill>
+                          <a:latin typeface="Consolas" panose="020B0609020204030204" pitchFamily="49" charset="0"/>
+                        </a:rPr>
+                        <a:t>Antes</a:t>
+                      </a:r>
+                      <a:endParaRPr lang="en-US" sz="1400" b="1" dirty="0">
+                        <a:solidFill>
+                          <a:schemeClr val="tx1"/>
+                        </a:solidFill>
+                        <a:latin typeface="Consolas" panose="020B0609020204030204" pitchFamily="49" charset="0"/>
+                      </a:endParaRPr>
+                    </a:p>
+                  </a:txBody>
+                  <a:tcPr>
+                    <a:lnL w="12700" cap="flat" cmpd="sng" algn="ctr">
+                      <a:solidFill>
+                        <a:schemeClr val="tx1"/>
+                      </a:solidFill>
+                      <a:prstDash val="solid"/>
+                      <a:round/>
+                      <a:headEnd type="none" w="med" len="med"/>
+                      <a:tailEnd type="none" w="med" len="med"/>
+                    </a:lnL>
+                    <a:lnR w="12700" cap="flat" cmpd="sng" algn="ctr">
+                      <a:solidFill>
+                        <a:schemeClr val="tx1"/>
+                      </a:solidFill>
+                      <a:prstDash val="solid"/>
+                      <a:round/>
+                      <a:headEnd type="none" w="med" len="med"/>
+                      <a:tailEnd type="none" w="med" len="med"/>
+                    </a:lnR>
+                    <a:lnT w="12700" cap="flat" cmpd="sng" algn="ctr">
+                      <a:solidFill>
+                        <a:schemeClr val="tx1"/>
+                      </a:solidFill>
+                      <a:prstDash val="solid"/>
+                      <a:round/>
+                      <a:headEnd type="none" w="med" len="med"/>
+                      <a:tailEnd type="none" w="med" len="med"/>
+                    </a:lnT>
+                    <a:lnB w="12700" cap="flat" cmpd="sng" algn="ctr">
+                      <a:solidFill>
+                        <a:schemeClr val="tx1"/>
+                      </a:solidFill>
+                      <a:prstDash val="solid"/>
+                      <a:round/>
+                      <a:headEnd type="none" w="med" len="med"/>
+                      <a:tailEnd type="none" w="med" len="med"/>
+                    </a:lnB>
+                    <a:noFill/>
+                  </a:tcPr>
+                </a:tc>
+                <a:tc>
+                  <a:txBody>
+                    <a:bodyPr/>
+                    <a:lstStyle/>
+                    <a:p>
+                      <a:r>
+                        <a:rPr lang="en-US" sz="1400" b="1" dirty="0" err="1" smtClean="0">
+                          <a:solidFill>
+                            <a:schemeClr val="tx1"/>
+                          </a:solidFill>
+                          <a:latin typeface="Consolas" panose="020B0609020204030204" pitchFamily="49" charset="0"/>
+                        </a:rPr>
+                        <a:t>Depois</a:t>
+                      </a:r>
+                      <a:endParaRPr lang="en-US" sz="1400" b="1" dirty="0">
+                        <a:solidFill>
+                          <a:schemeClr val="tx1"/>
+                        </a:solidFill>
+                        <a:latin typeface="Consolas" panose="020B0609020204030204" pitchFamily="49" charset="0"/>
+                      </a:endParaRPr>
+                    </a:p>
+                  </a:txBody>
+                  <a:tcPr>
+                    <a:lnL w="12700" cap="flat" cmpd="sng" algn="ctr">
+                      <a:solidFill>
+                        <a:schemeClr val="tx1"/>
+                      </a:solidFill>
+                      <a:prstDash val="solid"/>
+                      <a:round/>
+                      <a:headEnd type="none" w="med" len="med"/>
+                      <a:tailEnd type="none" w="med" len="med"/>
+                    </a:lnL>
+                    <a:lnR w="12700" cap="flat" cmpd="sng" algn="ctr">
+                      <a:solidFill>
+                        <a:schemeClr val="tx1"/>
+                      </a:solidFill>
+                      <a:prstDash val="solid"/>
+                      <a:round/>
+                      <a:headEnd type="none" w="med" len="med"/>
+                      <a:tailEnd type="none" w="med" len="med"/>
+                    </a:lnR>
+                    <a:lnT w="12700" cap="flat" cmpd="sng" algn="ctr">
+                      <a:solidFill>
+                        <a:schemeClr val="tx1"/>
+                      </a:solidFill>
+                      <a:prstDash val="solid"/>
+                      <a:round/>
+                      <a:headEnd type="none" w="med" len="med"/>
+                      <a:tailEnd type="none" w="med" len="med"/>
+                    </a:lnT>
+                    <a:lnB w="12700" cap="flat" cmpd="sng" algn="ctr">
+                      <a:solidFill>
+                        <a:schemeClr val="tx1"/>
+                      </a:solidFill>
+                      <a:prstDash val="solid"/>
+                      <a:round/>
+                      <a:headEnd type="none" w="med" len="med"/>
+                      <a:tailEnd type="none" w="med" len="med"/>
+                    </a:lnB>
+                    <a:noFill/>
+                  </a:tcPr>
+                </a:tc>
+              </a:tr>
               <a:tr h="295057">
                 <a:tc>
                   <a:txBody>
@@ -9955,6 +8071,85 @@
                     <a:noFill/>
                   </a:tcPr>
                 </a:tc>
+                <a:tc>
+                  <a:txBody>
+                    <a:bodyPr/>
+                    <a:lstStyle/>
+                    <a:p>
+                      <a:pPr marL="0" marR="0" indent="0" algn="l" defTabSz="914400" rtl="0" eaLnBrk="1" fontAlgn="auto" latinLnBrk="0" hangingPunct="1">
+                        <a:lnSpc>
+                          <a:spcPct val="100000"/>
+                        </a:lnSpc>
+                        <a:spcBef>
+                          <a:spcPts val="0"/>
+                        </a:spcBef>
+                        <a:spcAft>
+                          <a:spcPts val="0"/>
+                        </a:spcAft>
+                        <a:buClrTx/>
+                        <a:buSzTx/>
+                        <a:buFontTx/>
+                        <a:buNone/>
+                        <a:tabLst/>
+                        <a:defRPr/>
+                      </a:pPr>
+                      <a:r>
+                        <a:rPr lang="pt-BR" sz="1400" b="1" dirty="0" smtClean="0">
+                          <a:solidFill>
+                            <a:schemeClr val="tx1"/>
+                          </a:solidFill>
+                          <a:latin typeface="Consolas" panose="020B0609020204030204" pitchFamily="49" charset="0"/>
+                        </a:rPr>
+                        <a:t>(j,0),(k,0),(m,0)</a:t>
+                      </a:r>
+                      <a:endParaRPr lang="en-US" sz="1400" b="1" dirty="0" smtClean="0">
+                        <a:solidFill>
+                          <a:schemeClr val="tx1"/>
+                        </a:solidFill>
+                        <a:latin typeface="Consolas" panose="020B0609020204030204" pitchFamily="49" charset="0"/>
+                      </a:endParaRPr>
+                    </a:p>
+                  </a:txBody>
+                  <a:tcPr>
+                    <a:lnL w="12700" cap="flat" cmpd="sng" algn="ctr">
+                      <a:solidFill>
+                        <a:schemeClr val="tx1"/>
+                      </a:solidFill>
+                      <a:prstDash val="solid"/>
+                      <a:round/>
+                      <a:headEnd type="none" w="med" len="med"/>
+                      <a:tailEnd type="none" w="med" len="med"/>
+                    </a:lnL>
+                    <a:lnR w="12700" cap="flat" cmpd="sng" algn="ctr">
+                      <a:solidFill>
+                        <a:schemeClr val="tx1"/>
+                      </a:solidFill>
+                      <a:prstDash val="solid"/>
+                      <a:round/>
+                      <a:headEnd type="none" w="med" len="med"/>
+                      <a:tailEnd type="none" w="med" len="med"/>
+                    </a:lnR>
+                    <a:lnT w="12700" cap="flat" cmpd="sng" algn="ctr">
+                      <a:solidFill>
+                        <a:schemeClr val="tx1"/>
+                      </a:solidFill>
+                      <a:prstDash val="solid"/>
+                      <a:round/>
+                      <a:headEnd type="none" w="med" len="med"/>
+                      <a:tailEnd type="none" w="med" len="med"/>
+                    </a:lnT>
+                    <a:lnB w="12700" cap="flat" cmpd="sng" algn="ctr">
+                      <a:solidFill>
+                        <a:schemeClr val="tx1"/>
+                      </a:solidFill>
+                      <a:prstDash val="solid"/>
+                      <a:round/>
+                      <a:headEnd type="none" w="med" len="med"/>
+                      <a:tailEnd type="none" w="med" len="med"/>
+                    </a:lnB>
+                    <a:noFill/>
+                  </a:tcPr>
+                </a:tc>
               </a:tr>
               <a:tr h="295057">
                 <a:tc>
@@ -10093,9 +8288,97 @@
                           </a:solidFill>
                           <a:latin typeface="Consolas" panose="020B0609020204030204" pitchFamily="49" charset="0"/>
                         </a:rPr>
+                        <a:t>(j,0),(k,0</a:t>
+                      </a:r>
+                      <a:r>
+                        <a:rPr lang="pt-BR" sz="1400" b="1" dirty="0" smtClean="0">
+                          <a:solidFill>
+                            <a:schemeClr val="tx1"/>
+                          </a:solidFill>
+                          <a:latin typeface="Consolas" panose="020B0609020204030204" pitchFamily="49" charset="0"/>
+                        </a:rPr>
+                        <a:t>),(m,0)</a:t>
+                      </a:r>
+                      <a:endParaRPr lang="en-US" sz="1400" b="1" dirty="0">
+                        <a:solidFill>
+                          <a:schemeClr val="tx1"/>
+                        </a:solidFill>
+                        <a:latin typeface="Consolas" panose="020B0609020204030204" pitchFamily="49" charset="0"/>
+                      </a:endParaRPr>
+                    </a:p>
+                  </a:txBody>
+                  <a:tcPr>
+                    <a:lnL w="12700" cap="flat" cmpd="sng" algn="ctr">
+                      <a:solidFill>
+                        <a:schemeClr val="tx1"/>
+                      </a:solidFill>
+                      <a:prstDash val="solid"/>
+                      <a:round/>
+                      <a:headEnd type="none" w="med" len="med"/>
+                      <a:tailEnd type="none" w="med" len="med"/>
+                    </a:lnL>
+                    <a:lnR w="12700" cap="flat" cmpd="sng" algn="ctr">
+                      <a:solidFill>
+                        <a:schemeClr val="tx1"/>
+                      </a:solidFill>
+                      <a:prstDash val="solid"/>
+                      <a:round/>
+                      <a:headEnd type="none" w="med" len="med"/>
+                      <a:tailEnd type="none" w="med" len="med"/>
+                    </a:lnR>
+                    <a:lnT w="12700" cap="flat" cmpd="sng" algn="ctr">
+                      <a:solidFill>
+                        <a:schemeClr val="tx1"/>
+                      </a:solidFill>
+                      <a:prstDash val="solid"/>
+                      <a:round/>
+                      <a:headEnd type="none" w="med" len="med"/>
+                      <a:tailEnd type="none" w="med" len="med"/>
+                    </a:lnT>
+                    <a:lnB w="12700" cap="flat" cmpd="sng" algn="ctr">
+                      <a:solidFill>
+                        <a:schemeClr val="tx1"/>
+                      </a:solidFill>
+                      <a:prstDash val="solid"/>
+                      <a:round/>
+                      <a:headEnd type="none" w="med" len="med"/>
+                      <a:tailEnd type="none" w="med" len="med"/>
+                    </a:lnB>
+                    <a:noFill/>
+                  </a:tcPr>
+                </a:tc>
+                <a:tc>
+                  <a:txBody>
+                    <a:bodyPr/>
+                    <a:lstStyle/>
+                    <a:p>
+                      <a:pPr marL="0" marR="0" indent="0" algn="l" defTabSz="914400" rtl="0" eaLnBrk="1" fontAlgn="auto" latinLnBrk="0" hangingPunct="1">
+                        <a:lnSpc>
+                          <a:spcPct val="100000"/>
+                        </a:lnSpc>
+                        <a:spcBef>
+                          <a:spcPts val="0"/>
+                        </a:spcBef>
+                        <a:spcAft>
+                          <a:spcPts val="0"/>
+                        </a:spcAft>
+                        <a:buClrTx/>
+                        <a:buSzTx/>
+                        <a:buFontTx/>
+                        <a:buNone/>
+                        <a:tabLst/>
+                        <a:defRPr/>
+                      </a:pPr>
+                      <a:r>
+                        <a:rPr lang="pt-BR" sz="1400" b="1" dirty="0" smtClean="0">
+                          <a:solidFill>
+                            <a:schemeClr val="tx1"/>
+                          </a:solidFill>
+                          <a:latin typeface="Consolas" panose="020B0609020204030204" pitchFamily="49" charset="0"/>
+                        </a:rPr>
                         <a:t>(j,2),(k,0),(m,0)</a:t>
                       </a:r>
-                      <a:endParaRPr lang="en-US" sz="1400" b="1" dirty="0">
+                      <a:endParaRPr lang="en-US" sz="1400" b="1" dirty="0" smtClean="0">
                         <a:solidFill>
                           <a:schemeClr val="tx1"/>
                         </a:solidFill>
@@ -10299,9 +8582,106 @@
                           </a:solidFill>
                           <a:latin typeface="Consolas" panose="020B0609020204030204" pitchFamily="49" charset="0"/>
                         </a:rPr>
+                        <a:t>(</a:t>
+                      </a:r>
+                      <a:r>
+                        <a:rPr lang="pt-BR" sz="1400" b="1" dirty="0" smtClean="0">
+                          <a:solidFill>
+                            <a:schemeClr val="tx1"/>
+                          </a:solidFill>
+                          <a:latin typeface="Consolas" panose="020B0609020204030204" pitchFamily="49" charset="0"/>
+                        </a:rPr>
+                        <a:t>j,2),(</a:t>
+                      </a:r>
+                      <a:r>
+                        <a:rPr lang="pt-BR" sz="1400" b="1" dirty="0" smtClean="0">
+                          <a:solidFill>
+                            <a:schemeClr val="tx1"/>
+                          </a:solidFill>
+                          <a:latin typeface="Consolas" panose="020B0609020204030204" pitchFamily="49" charset="0"/>
+                        </a:rPr>
+                        <a:t>k,0),(m,0)</a:t>
+                      </a:r>
+                      <a:endParaRPr lang="en-US" sz="1400" b="1" dirty="0">
+                        <a:solidFill>
+                          <a:schemeClr val="tx1"/>
+                        </a:solidFill>
+                        <a:latin typeface="Consolas" panose="020B0609020204030204" pitchFamily="49" charset="0"/>
+                      </a:endParaRPr>
+                    </a:p>
+                  </a:txBody>
+                  <a:tcPr>
+                    <a:lnL w="12700" cap="flat" cmpd="sng" algn="ctr">
+                      <a:solidFill>
+                        <a:schemeClr val="tx1"/>
+                      </a:solidFill>
+                      <a:prstDash val="solid"/>
+                      <a:round/>
+                      <a:headEnd type="none" w="med" len="med"/>
+                      <a:tailEnd type="none" w="med" len="med"/>
+                    </a:lnL>
+                    <a:lnR w="12700" cap="flat" cmpd="sng" algn="ctr">
+                      <a:solidFill>
+                        <a:schemeClr val="tx1"/>
+                      </a:solidFill>
+                      <a:prstDash val="solid"/>
+                      <a:round/>
+                      <a:headEnd type="none" w="med" len="med"/>
+                      <a:tailEnd type="none" w="med" len="med"/>
+                    </a:lnR>
+                    <a:lnT w="12700" cap="flat" cmpd="sng" algn="ctr">
+                      <a:solidFill>
+                        <a:schemeClr val="tx1"/>
+                      </a:solidFill>
+                      <a:prstDash val="solid"/>
+                      <a:round/>
+                      <a:headEnd type="none" w="med" len="med"/>
+                      <a:tailEnd type="none" w="med" len="med"/>
+                    </a:lnT>
+                    <a:lnB w="12700" cap="flat" cmpd="sng" algn="ctr">
+                      <a:solidFill>
+                        <a:schemeClr val="tx1"/>
+                      </a:solidFill>
+                      <a:prstDash val="solid"/>
+                      <a:round/>
+                      <a:headEnd type="none" w="med" len="med"/>
+                      <a:tailEnd type="none" w="med" len="med"/>
+                    </a:lnB>
+                    <a:noFill/>
+                  </a:tcPr>
+                </a:tc>
+                <a:tc>
+                  <a:txBody>
+                    <a:bodyPr/>
+                    <a:lstStyle/>
+                    <a:p>
+                      <a:pPr marL="0" marR="0" indent="0" algn="l" defTabSz="914400" rtl="0" eaLnBrk="1" fontAlgn="auto" latinLnBrk="0" hangingPunct="1">
+                        <a:lnSpc>
+                          <a:spcPct val="100000"/>
+                        </a:lnSpc>
+                        <a:spcBef>
+                          <a:spcPts val="0"/>
+                        </a:spcBef>
+                        <a:spcAft>
+                          <a:spcPts val="0"/>
+                        </a:spcAft>
+                        <a:buClrTx/>
+                        <a:buSzTx/>
+                        <a:buFontTx/>
+                        <a:buNone/>
+                        <a:tabLst/>
+                        <a:defRPr/>
+                      </a:pPr>
+                      <a:r>
+                        <a:rPr lang="pt-BR" sz="1400" b="1" dirty="0" smtClean="0">
+                          <a:solidFill>
+                            <a:schemeClr val="tx1"/>
+                          </a:solidFill>
+                          <a:latin typeface="Consolas" panose="020B0609020204030204" pitchFamily="49" charset="0"/>
+                        </a:rPr>
                         <a:t>(j,3),(k,0),(m,0)</a:t>
                       </a:r>
-                      <a:endParaRPr lang="en-US" sz="1400" b="1" dirty="0">
+                      <a:endParaRPr lang="en-US" sz="1400" b="1" dirty="0" smtClean="0">
                         <a:solidFill>
                           <a:schemeClr val="tx1"/>
                         </a:solidFill>
@@ -10505,9 +8885,106 @@
                           </a:solidFill>
                           <a:latin typeface="Consolas" panose="020B0609020204030204" pitchFamily="49" charset="0"/>
                         </a:rPr>
+                        <a:t>(</a:t>
+                      </a:r>
+                      <a:r>
+                        <a:rPr lang="pt-BR" sz="1400" b="1" dirty="0" smtClean="0">
+                          <a:solidFill>
+                            <a:schemeClr val="tx1"/>
+                          </a:solidFill>
+                          <a:latin typeface="Consolas" panose="020B0609020204030204" pitchFamily="49" charset="0"/>
+                        </a:rPr>
+                        <a:t>j,3),(</a:t>
+                      </a:r>
+                      <a:r>
+                        <a:rPr lang="pt-BR" sz="1400" b="1" dirty="0" smtClean="0">
+                          <a:solidFill>
+                            <a:schemeClr val="tx1"/>
+                          </a:solidFill>
+                          <a:latin typeface="Consolas" panose="020B0609020204030204" pitchFamily="49" charset="0"/>
+                        </a:rPr>
+                        <a:t>k,0),(m,0)</a:t>
+                      </a:r>
+                      <a:endParaRPr lang="en-US" sz="1400" b="1" dirty="0">
+                        <a:solidFill>
+                          <a:schemeClr val="tx1"/>
+                        </a:solidFill>
+                        <a:latin typeface="Consolas" panose="020B0609020204030204" pitchFamily="49" charset="0"/>
+                      </a:endParaRPr>
+                    </a:p>
+                  </a:txBody>
+                  <a:tcPr>
+                    <a:lnL w="12700" cap="flat" cmpd="sng" algn="ctr">
+                      <a:solidFill>
+                        <a:schemeClr val="tx1"/>
+                      </a:solidFill>
+                      <a:prstDash val="solid"/>
+                      <a:round/>
+                      <a:headEnd type="none" w="med" len="med"/>
+                      <a:tailEnd type="none" w="med" len="med"/>
+                    </a:lnL>
+                    <a:lnR w="12700" cap="flat" cmpd="sng" algn="ctr">
+                      <a:solidFill>
+                        <a:schemeClr val="tx1"/>
+                      </a:solidFill>
+                      <a:prstDash val="solid"/>
+                      <a:round/>
+                      <a:headEnd type="none" w="med" len="med"/>
+                      <a:tailEnd type="none" w="med" len="med"/>
+                    </a:lnR>
+                    <a:lnT w="12700" cap="flat" cmpd="sng" algn="ctr">
+                      <a:solidFill>
+                        <a:schemeClr val="tx1"/>
+                      </a:solidFill>
+                      <a:prstDash val="solid"/>
+                      <a:round/>
+                      <a:headEnd type="none" w="med" len="med"/>
+                      <a:tailEnd type="none" w="med" len="med"/>
+                    </a:lnT>
+                    <a:lnB w="12700" cap="flat" cmpd="sng" algn="ctr">
+                      <a:solidFill>
+                        <a:schemeClr val="tx1"/>
+                      </a:solidFill>
+                      <a:prstDash val="solid"/>
+                      <a:round/>
+                      <a:headEnd type="none" w="med" len="med"/>
+                      <a:tailEnd type="none" w="med" len="med"/>
+                    </a:lnB>
+                    <a:noFill/>
+                  </a:tcPr>
+                </a:tc>
+                <a:tc>
+                  <a:txBody>
+                    <a:bodyPr/>
+                    <a:lstStyle/>
+                    <a:p>
+                      <a:pPr marL="0" marR="0" indent="0" algn="l" defTabSz="914400" rtl="0" eaLnBrk="1" fontAlgn="auto" latinLnBrk="0" hangingPunct="1">
+                        <a:lnSpc>
+                          <a:spcPct val="100000"/>
+                        </a:lnSpc>
+                        <a:spcBef>
+                          <a:spcPts val="0"/>
+                        </a:spcBef>
+                        <a:spcAft>
+                          <a:spcPts val="0"/>
+                        </a:spcAft>
+                        <a:buClrTx/>
+                        <a:buSzTx/>
+                        <a:buFontTx/>
+                        <a:buNone/>
+                        <a:tabLst/>
+                        <a:defRPr/>
+                      </a:pPr>
+                      <a:r>
+                        <a:rPr lang="pt-BR" sz="1400" b="1" dirty="0" smtClean="0">
+                          <a:solidFill>
+                            <a:schemeClr val="tx1"/>
+                          </a:solidFill>
+                          <a:latin typeface="Consolas" panose="020B0609020204030204" pitchFamily="49" charset="0"/>
+                        </a:rPr>
                         <a:t>(j,4),(k,0),(m,0)</a:t>
                       </a:r>
-                      <a:endParaRPr lang="en-US" sz="1400" b="1" dirty="0">
+                      <a:endParaRPr lang="en-US" sz="1400" b="1" dirty="0" smtClean="0">
                         <a:solidFill>
                           <a:schemeClr val="tx1"/>
                         </a:solidFill>
@@ -10693,9 +9170,106 @@
                           </a:solidFill>
                           <a:latin typeface="Consolas" panose="020B0609020204030204" pitchFamily="49" charset="0"/>
                         </a:rPr>
+                        <a:t>(j,3),(j,4),(</a:t>
+                      </a:r>
+                      <a:r>
+                        <a:rPr lang="pt-BR" sz="1400" b="1" dirty="0" smtClean="0">
+                          <a:solidFill>
+                            <a:schemeClr val="tx1"/>
+                          </a:solidFill>
+                          <a:latin typeface="Consolas" panose="020B0609020204030204" pitchFamily="49" charset="0"/>
+                        </a:rPr>
+                        <a:t>k,0),(</a:t>
+                      </a:r>
+                      <a:r>
+                        <a:rPr lang="pt-BR" sz="1400" b="1" dirty="0" smtClean="0">
+                          <a:solidFill>
+                            <a:schemeClr val="tx1"/>
+                          </a:solidFill>
+                          <a:latin typeface="Consolas" panose="020B0609020204030204" pitchFamily="49" charset="0"/>
+                        </a:rPr>
+                        <a:t>m,0)</a:t>
+                      </a:r>
+                      <a:endParaRPr lang="en-US" sz="1400" b="1" dirty="0">
+                        <a:solidFill>
+                          <a:schemeClr val="tx1"/>
+                        </a:solidFill>
+                        <a:latin typeface="Consolas" panose="020B0609020204030204" pitchFamily="49" charset="0"/>
+                      </a:endParaRPr>
+                    </a:p>
+                  </a:txBody>
+                  <a:tcPr>
+                    <a:lnL w="12700" cap="flat" cmpd="sng" algn="ctr">
+                      <a:solidFill>
+                        <a:schemeClr val="tx1"/>
+                      </a:solidFill>
+                      <a:prstDash val="solid"/>
+                      <a:round/>
+                      <a:headEnd type="none" w="med" len="med"/>
+                      <a:tailEnd type="none" w="med" len="med"/>
+                    </a:lnL>
+                    <a:lnR w="12700" cap="flat" cmpd="sng" algn="ctr">
+                      <a:solidFill>
+                        <a:schemeClr val="tx1"/>
+                      </a:solidFill>
+                      <a:prstDash val="solid"/>
+                      <a:round/>
+                      <a:headEnd type="none" w="med" len="med"/>
+                      <a:tailEnd type="none" w="med" len="med"/>
+                    </a:lnR>
+                    <a:lnT w="12700" cap="flat" cmpd="sng" algn="ctr">
+                      <a:solidFill>
+                        <a:schemeClr val="tx1"/>
+                      </a:solidFill>
+                      <a:prstDash val="solid"/>
+                      <a:round/>
+                      <a:headEnd type="none" w="med" len="med"/>
+                      <a:tailEnd type="none" w="med" len="med"/>
+                    </a:lnT>
+                    <a:lnB w="12700" cap="flat" cmpd="sng" algn="ctr">
+                      <a:solidFill>
+                        <a:schemeClr val="tx1"/>
+                      </a:solidFill>
+                      <a:prstDash val="solid"/>
+                      <a:round/>
+                      <a:headEnd type="none" w="med" len="med"/>
+                      <a:tailEnd type="none" w="med" len="med"/>
+                    </a:lnB>
+                    <a:noFill/>
+                  </a:tcPr>
+                </a:tc>
+                <a:tc>
+                  <a:txBody>
+                    <a:bodyPr/>
+                    <a:lstStyle/>
+                    <a:p>
+                      <a:pPr marL="0" marR="0" indent="0" algn="l" defTabSz="914400" rtl="0" eaLnBrk="1" fontAlgn="auto" latinLnBrk="0" hangingPunct="1">
+                        <a:lnSpc>
+                          <a:spcPct val="100000"/>
+                        </a:lnSpc>
+                        <a:spcBef>
+                          <a:spcPts val="0"/>
+                        </a:spcBef>
+                        <a:spcAft>
+                          <a:spcPts val="0"/>
+                        </a:spcAft>
+                        <a:buClrTx/>
+                        <a:buSzTx/>
+                        <a:buFontTx/>
+                        <a:buNone/>
+                        <a:tabLst/>
+                        <a:defRPr/>
+                      </a:pPr>
+                      <a:r>
+                        <a:rPr lang="pt-BR" sz="1400" b="1" dirty="0" smtClean="0">
+                          <a:solidFill>
+                            <a:schemeClr val="tx1"/>
+                          </a:solidFill>
+                          <a:latin typeface="Consolas" panose="020B0609020204030204" pitchFamily="49" charset="0"/>
+                        </a:rPr>
                         <a:t>(j,3),(j,4),(k,5),(m,0)</a:t>
                       </a:r>
-                      <a:endParaRPr lang="en-US" sz="1400" b="1" dirty="0">
+                      <a:endParaRPr lang="en-US" sz="1400" b="1" dirty="0" smtClean="0">
                         <a:solidFill>
                           <a:schemeClr val="tx1"/>
                         </a:solidFill>
@@ -10890,9 +9464,97 @@
                           </a:solidFill>
                           <a:latin typeface="Consolas" panose="020B0609020204030204" pitchFamily="49" charset="0"/>
                         </a:rPr>
+                        <a:t>(j,3),(j,4),(k,5),(</a:t>
+                      </a:r>
+                      <a:r>
+                        <a:rPr lang="pt-BR" sz="1400" b="1" dirty="0" smtClean="0">
+                          <a:solidFill>
+                            <a:schemeClr val="tx1"/>
+                          </a:solidFill>
+                          <a:latin typeface="Consolas" panose="020B0609020204030204" pitchFamily="49" charset="0"/>
+                        </a:rPr>
+                        <a:t>m,0)</a:t>
+                      </a:r>
+                      <a:endParaRPr lang="en-US" sz="1400" b="1" dirty="0">
+                        <a:solidFill>
+                          <a:schemeClr val="tx1"/>
+                        </a:solidFill>
+                        <a:latin typeface="Consolas" panose="020B0609020204030204" pitchFamily="49" charset="0"/>
+                      </a:endParaRPr>
+                    </a:p>
+                  </a:txBody>
+                  <a:tcPr>
+                    <a:lnL w="12700" cap="flat" cmpd="sng" algn="ctr">
+                      <a:solidFill>
+                        <a:schemeClr val="tx1"/>
+                      </a:solidFill>
+                      <a:prstDash val="solid"/>
+                      <a:round/>
+                      <a:headEnd type="none" w="med" len="med"/>
+                      <a:tailEnd type="none" w="med" len="med"/>
+                    </a:lnL>
+                    <a:lnR w="12700" cap="flat" cmpd="sng" algn="ctr">
+                      <a:solidFill>
+                        <a:schemeClr val="tx1"/>
+                      </a:solidFill>
+                      <a:prstDash val="solid"/>
+                      <a:round/>
+                      <a:headEnd type="none" w="med" len="med"/>
+                      <a:tailEnd type="none" w="med" len="med"/>
+                    </a:lnR>
+                    <a:lnT w="12700" cap="flat" cmpd="sng" algn="ctr">
+                      <a:solidFill>
+                        <a:schemeClr val="tx1"/>
+                      </a:solidFill>
+                      <a:prstDash val="solid"/>
+                      <a:round/>
+                      <a:headEnd type="none" w="med" len="med"/>
+                      <a:tailEnd type="none" w="med" len="med"/>
+                    </a:lnT>
+                    <a:lnB w="12700" cap="flat" cmpd="sng" algn="ctr">
+                      <a:solidFill>
+                        <a:schemeClr val="tx1"/>
+                      </a:solidFill>
+                      <a:prstDash val="solid"/>
+                      <a:round/>
+                      <a:headEnd type="none" w="med" len="med"/>
+                      <a:tailEnd type="none" w="med" len="med"/>
+                    </a:lnB>
+                    <a:noFill/>
+                  </a:tcPr>
+                </a:tc>
+                <a:tc>
+                  <a:txBody>
+                    <a:bodyPr/>
+                    <a:lstStyle/>
+                    <a:p>
+                      <a:pPr marL="0" marR="0" indent="0" algn="l" defTabSz="914400" rtl="0" eaLnBrk="1" fontAlgn="auto" latinLnBrk="0" hangingPunct="1">
+                        <a:lnSpc>
+                          <a:spcPct val="100000"/>
+                        </a:lnSpc>
+                        <a:spcBef>
+                          <a:spcPts val="0"/>
+                        </a:spcBef>
+                        <a:spcAft>
+                          <a:spcPts val="0"/>
+                        </a:spcAft>
+                        <a:buClrTx/>
+                        <a:buSzTx/>
+                        <a:buFontTx/>
+                        <a:buNone/>
+                        <a:tabLst/>
+                        <a:defRPr/>
+                      </a:pPr>
+                      <a:r>
+                        <a:rPr lang="pt-BR" sz="1400" b="1" dirty="0" smtClean="0">
+                          <a:solidFill>
+                            <a:schemeClr val="tx1"/>
+                          </a:solidFill>
+                          <a:latin typeface="Consolas" panose="020B0609020204030204" pitchFamily="49" charset="0"/>
+                        </a:rPr>
                         <a:t>(j,3),(j,4),(k,5),(m,6)</a:t>
                       </a:r>
-                      <a:endParaRPr lang="en-US" sz="1400" b="1" dirty="0">
+                      <a:endParaRPr lang="en-US" sz="1400" b="1" dirty="0" smtClean="0">
                         <a:solidFill>
                           <a:schemeClr val="tx1"/>
                         </a:solidFill>
@@ -11078,9 +9740,97 @@
                           </a:solidFill>
                           <a:latin typeface="Consolas" panose="020B0609020204030204" pitchFamily="49" charset="0"/>
                         </a:rPr>
+                        <a:t>(j,3),(j,4),(</a:t>
+                      </a:r>
+                      <a:r>
+                        <a:rPr lang="pt-BR" sz="1400" b="1" dirty="0" smtClean="0">
+                          <a:solidFill>
+                            <a:schemeClr val="tx1"/>
+                          </a:solidFill>
+                          <a:latin typeface="Consolas" panose="020B0609020204030204" pitchFamily="49" charset="0"/>
+                        </a:rPr>
+                        <a:t>k,5),(m,6)</a:t>
+                      </a:r>
+                      <a:endParaRPr lang="en-US" sz="1400" b="1" dirty="0">
+                        <a:solidFill>
+                          <a:schemeClr val="tx1"/>
+                        </a:solidFill>
+                        <a:latin typeface="Consolas" panose="020B0609020204030204" pitchFamily="49" charset="0"/>
+                      </a:endParaRPr>
+                    </a:p>
+                  </a:txBody>
+                  <a:tcPr>
+                    <a:lnL w="12700" cap="flat" cmpd="sng" algn="ctr">
+                      <a:solidFill>
+                        <a:schemeClr val="tx1"/>
+                      </a:solidFill>
+                      <a:prstDash val="solid"/>
+                      <a:round/>
+                      <a:headEnd type="none" w="med" len="med"/>
+                      <a:tailEnd type="none" w="med" len="med"/>
+                    </a:lnL>
+                    <a:lnR w="12700" cap="flat" cmpd="sng" algn="ctr">
+                      <a:solidFill>
+                        <a:schemeClr val="tx1"/>
+                      </a:solidFill>
+                      <a:prstDash val="solid"/>
+                      <a:round/>
+                      <a:headEnd type="none" w="med" len="med"/>
+                      <a:tailEnd type="none" w="med" len="med"/>
+                    </a:lnR>
+                    <a:lnT w="12700" cap="flat" cmpd="sng" algn="ctr">
+                      <a:solidFill>
+                        <a:schemeClr val="tx1"/>
+                      </a:solidFill>
+                      <a:prstDash val="solid"/>
+                      <a:round/>
+                      <a:headEnd type="none" w="med" len="med"/>
+                      <a:tailEnd type="none" w="med" len="med"/>
+                    </a:lnT>
+                    <a:lnB w="12700" cap="flat" cmpd="sng" algn="ctr">
+                      <a:solidFill>
+                        <a:schemeClr val="tx1"/>
+                      </a:solidFill>
+                      <a:prstDash val="solid"/>
+                      <a:round/>
+                      <a:headEnd type="none" w="med" len="med"/>
+                      <a:tailEnd type="none" w="med" len="med"/>
+                    </a:lnB>
+                    <a:noFill/>
+                  </a:tcPr>
+                </a:tc>
+                <a:tc>
+                  <a:txBody>
+                    <a:bodyPr/>
+                    <a:lstStyle/>
+                    <a:p>
+                      <a:pPr marL="0" marR="0" indent="0" algn="l" defTabSz="914400" rtl="0" eaLnBrk="1" fontAlgn="auto" latinLnBrk="0" hangingPunct="1">
+                        <a:lnSpc>
+                          <a:spcPct val="100000"/>
+                        </a:lnSpc>
+                        <a:spcBef>
+                          <a:spcPts val="0"/>
+                        </a:spcBef>
+                        <a:spcAft>
+                          <a:spcPts val="0"/>
+                        </a:spcAft>
+                        <a:buClrTx/>
+                        <a:buSzTx/>
+                        <a:buFontTx/>
+                        <a:buNone/>
+                        <a:tabLst/>
+                        <a:defRPr/>
+                      </a:pPr>
+                      <a:r>
+                        <a:rPr lang="pt-BR" sz="1400" b="1" dirty="0" smtClean="0">
+                          <a:solidFill>
+                            <a:schemeClr val="tx1"/>
+                          </a:solidFill>
+                          <a:latin typeface="Consolas" panose="020B0609020204030204" pitchFamily="49" charset="0"/>
+                        </a:rPr>
                         <a:t>(j,7),(k,5),(m,6)</a:t>
                       </a:r>
-                      <a:endParaRPr lang="en-US" sz="1400" b="1" dirty="0">
+                      <a:endParaRPr lang="en-US" sz="1400" b="1" dirty="0" smtClean="0">
                         <a:solidFill>
                           <a:schemeClr val="tx1"/>
                         </a:solidFill>
@@ -11325,6 +10075,59 @@
                     <a:noFill/>
                   </a:tcPr>
                 </a:tc>
+                <a:tc>
+                  <a:txBody>
+                    <a:bodyPr/>
+                    <a:lstStyle/>
+                    <a:p>
+                      <a:endParaRPr lang="en-US" sz="1400" b="1" dirty="0">
+                        <a:solidFill>
+                          <a:schemeClr val="tx1"/>
+                        </a:solidFill>
+                        <a:latin typeface="Consolas" panose="020B0609020204030204" pitchFamily="49" charset="0"/>
+                      </a:endParaRPr>
+                    </a:p>
+                  </a:txBody>
+                  <a:tcPr>
+                    <a:lnL w="12700" cap="flat" cmpd="sng" algn="ctr">
+                      <a:solidFill>
+                        <a:schemeClr val="tx1"/>
+                      </a:solidFill>
+                      <a:prstDash val="solid"/>
+                      <a:round/>
+                      <a:headEnd type="none" w="med" len="med"/>
+                      <a:tailEnd type="none" w="med" len="med"/>
+                    </a:lnL>
+                    <a:lnR w="12700" cap="flat" cmpd="sng" algn="ctr">
+                      <a:solidFill>
+                        <a:schemeClr val="tx1"/>
+                      </a:solidFill>
+                      <a:prstDash val="solid"/>
+                      <a:round/>
+                      <a:headEnd type="none" w="med" len="med"/>
+                      <a:tailEnd type="none" w="med" len="med"/>
+                    </a:lnR>
+                    <a:lnT w="12700" cap="flat" cmpd="sng" algn="ctr">
+                      <a:solidFill>
+                        <a:schemeClr val="tx1"/>
+                      </a:solidFill>
+                      <a:prstDash val="solid"/>
+                      <a:round/>
+                      <a:headEnd type="none" w="med" len="med"/>
+                      <a:tailEnd type="none" w="med" len="med"/>
+                    </a:lnT>
+                    <a:lnB w="12700" cap="flat" cmpd="sng" algn="ctr">
+                      <a:solidFill>
+                        <a:schemeClr val="tx1"/>
+                      </a:solidFill>
+                      <a:prstDash val="solid"/>
+                      <a:round/>
+                      <a:headEnd type="none" w="med" len="med"/>
+                      <a:tailEnd type="none" w="med" len="med"/>
+                    </a:lnB>
+                    <a:noFill/>
+                  </a:tcPr>
+                </a:tc>
               </a:tr>
               <a:tr h="295057">
                 <a:tc>
@@ -11463,8 +10266,79 @@
                           </a:solidFill>
                           <a:latin typeface="Consolas" panose="020B0609020204030204" pitchFamily="49" charset="0"/>
                         </a:rPr>
-                        <a:t>(j,2),(j,7),(k,9),(m,0),(m,6)</a:t>
+                        <a:t>(j,2),(j,7</a:t>
                       </a:r>
+                      <a:r>
+                        <a:rPr lang="pt-BR" sz="1400" b="1" dirty="0" smtClean="0">
+                          <a:solidFill>
+                            <a:schemeClr val="tx1"/>
+                          </a:solidFill>
+                          <a:latin typeface="Consolas" panose="020B0609020204030204" pitchFamily="49" charset="0"/>
+                        </a:rPr>
+                        <a:t>),(m,0</a:t>
+                      </a:r>
+                      <a:r>
+                        <a:rPr lang="pt-BR" sz="1400" b="1" dirty="0" smtClean="0">
+                          <a:solidFill>
+                            <a:schemeClr val="tx1"/>
+                          </a:solidFill>
+                          <a:latin typeface="Consolas" panose="020B0609020204030204" pitchFamily="49" charset="0"/>
+                        </a:rPr>
+                        <a:t>),(m,6)</a:t>
+                      </a:r>
+                      <a:endParaRPr lang="en-US" sz="1400" b="1" dirty="0">
+                        <a:solidFill>
+                          <a:schemeClr val="tx1"/>
+                        </a:solidFill>
+                        <a:latin typeface="Consolas" panose="020B0609020204030204" pitchFamily="49" charset="0"/>
+                      </a:endParaRPr>
+                    </a:p>
+                  </a:txBody>
+                  <a:tcPr>
+                    <a:lnL w="12700" cap="flat" cmpd="sng" algn="ctr">
+                      <a:solidFill>
+                        <a:schemeClr val="tx1"/>
+                      </a:solidFill>
+                      <a:prstDash val="solid"/>
+                      <a:round/>
+                      <a:headEnd type="none" w="med" len="med"/>
+                      <a:tailEnd type="none" w="med" len="med"/>
+                    </a:lnL>
+                    <a:lnR w="12700" cap="flat" cmpd="sng" algn="ctr">
+                      <a:solidFill>
+                        <a:schemeClr val="tx1"/>
+                      </a:solidFill>
+                      <a:prstDash val="solid"/>
+                      <a:round/>
+                      <a:headEnd type="none" w="med" len="med"/>
+                      <a:tailEnd type="none" w="med" len="med"/>
+                    </a:lnR>
+                    <a:lnT w="12700" cap="flat" cmpd="sng" algn="ctr">
+                      <a:solidFill>
+                        <a:schemeClr val="tx1"/>
+                      </a:solidFill>
+                      <a:prstDash val="solid"/>
+                      <a:round/>
+                      <a:headEnd type="none" w="med" len="med"/>
+                      <a:tailEnd type="none" w="med" len="med"/>
+                    </a:lnT>
+                    <a:lnB w="12700" cap="flat" cmpd="sng" algn="ctr">
+                      <a:solidFill>
+                        <a:schemeClr val="tx1"/>
+                      </a:solidFill>
+                      <a:prstDash val="solid"/>
+                      <a:round/>
+                      <a:headEnd type="none" w="med" len="med"/>
+                      <a:tailEnd type="none" w="med" len="med"/>
+                    </a:lnB>
+                    <a:noFill/>
+                  </a:tcPr>
+                </a:tc>
+                <a:tc>
+                  <a:txBody>
+                    <a:bodyPr/>
+                    <a:lstStyle/>
+                    <a:p>
                       <a:endParaRPr lang="en-US" sz="1400" b="1" dirty="0">
                         <a:solidFill>
                           <a:schemeClr val="tx1"/>
@@ -11710,62 +10584,101 @@
                     <a:noFill/>
                   </a:tcPr>
                 </a:tc>
+                <a:tc>
+                  <a:txBody>
+                    <a:bodyPr/>
+                    <a:lstStyle/>
+                    <a:p>
+                      <a:endParaRPr lang="en-US" sz="1400" b="1" dirty="0">
+                        <a:solidFill>
+                          <a:schemeClr val="tx1"/>
+                        </a:solidFill>
+                        <a:latin typeface="Consolas" panose="020B0609020204030204" pitchFamily="49" charset="0"/>
+                      </a:endParaRPr>
+                    </a:p>
+                  </a:txBody>
+                  <a:tcPr>
+                    <a:lnL w="12700" cap="flat" cmpd="sng" algn="ctr">
+                      <a:solidFill>
+                        <a:schemeClr val="tx1"/>
+                      </a:solidFill>
+                      <a:prstDash val="solid"/>
+                      <a:round/>
+                      <a:headEnd type="none" w="med" len="med"/>
+                      <a:tailEnd type="none" w="med" len="med"/>
+                    </a:lnL>
+                    <a:lnR w="12700" cap="flat" cmpd="sng" algn="ctr">
+                      <a:solidFill>
+                        <a:schemeClr val="tx1"/>
+                      </a:solidFill>
+                      <a:prstDash val="solid"/>
+                      <a:round/>
+                      <a:headEnd type="none" w="med" len="med"/>
+                      <a:tailEnd type="none" w="med" len="med"/>
+                    </a:lnR>
+                    <a:lnT w="12700" cap="flat" cmpd="sng" algn="ctr">
+                      <a:solidFill>
+                        <a:schemeClr val="tx1"/>
+                      </a:solidFill>
+                      <a:prstDash val="solid"/>
+                      <a:round/>
+                      <a:headEnd type="none" w="med" len="med"/>
+                      <a:tailEnd type="none" w="med" len="med"/>
+                    </a:lnT>
+                    <a:lnB w="12700" cap="flat" cmpd="sng" algn="ctr">
+                      <a:solidFill>
+                        <a:schemeClr val="tx1"/>
+                      </a:solidFill>
+                      <a:prstDash val="solid"/>
+                      <a:round/>
+                      <a:headEnd type="none" w="med" len="med"/>
+                      <a:tailEnd type="none" w="med" len="med"/>
+                    </a:lnB>
+                    <a:noFill/>
+                  </a:tcPr>
+                </a:tc>
               </a:tr>
             </a:tbl>
           </a:graphicData>
         </a:graphic>
       </p:graphicFrame>
-      <p:sp>
-        <p:nvSpPr>
-          <p:cNvPr id="8" name="Retângulo 7"/>
-          <p:cNvSpPr/>
+      <p:pic>
+        <p:nvPicPr>
+          <p:cNvPr id="5" name="Picture 2"/>
+          <p:cNvPicPr>
+            <a:picLocks noChangeAspect="1" noChangeArrowheads="1"/>
+          </p:cNvPicPr>
           <p:nvPr/>
-        </p:nvSpPr>
-        <p:spPr>
+        </p:nvPicPr>
+        <p:blipFill>
+          <a:blip r:embed="rId2"/>
+          <a:srcRect/>
+          <a:stretch>
+            <a:fillRect/>
+          </a:stretch>
+        </p:blipFill>
+        <p:spPr bwMode="auto">
           <a:xfrm>
-            <a:off x="467544" y="2106722"/>
-            <a:ext cx="8208912" cy="1754326"/>
+            <a:off x="31215" y="1052736"/>
+            <a:ext cx="2592288" cy="2363038"/>
           </a:xfrm>
           <a:prstGeom prst="rect">
             <a:avLst/>
           </a:prstGeom>
-          <a:solidFill>
-            <a:srgbClr val="FFFF00"/>
-          </a:solidFill>
+          <a:noFill/>
+          <a:ln w="9525">
+            <a:noFill/>
+            <a:miter lim="800000"/>
+            <a:headEnd/>
+            <a:tailEnd/>
+          </a:ln>
+          <a:effectLst/>
         </p:spPr>
-        <p:style>
-          <a:lnRef idx="2">
-            <a:schemeClr val="dk1"/>
-          </a:lnRef>
-          <a:fillRef idx="1">
-            <a:schemeClr val="lt1"/>
-          </a:fillRef>
-          <a:effectRef idx="0">
-            <a:schemeClr val="dk1"/>
-          </a:effectRef>
-          <a:fontRef idx="minor">
-            <a:schemeClr val="dk1"/>
-          </a:fontRef>
-        </p:style>
-        <p:txBody>
-          <a:bodyPr wrap="square">
-            <a:spAutoFit/>
-          </a:bodyPr>
-          <a:lstStyle/>
-          <a:p>
-            <a:pPr algn="ctr"/>
-            <a:r>
-              <a:rPr lang="pt-BR" sz="3600" dirty="0" smtClean="0"/>
-              <a:t>Neste caso, apenas uma iteração foi necessária para calcular o conjunto de interesse (definições alcançadas)</a:t>
-            </a:r>
-            <a:endParaRPr lang="pt-BR" sz="3600" dirty="0"/>
-          </a:p>
-        </p:txBody>
-      </p:sp>
+      </p:pic>
     </p:spTree>
     <p:extLst>
       <p:ext uri="{BB962C8B-B14F-4D97-AF65-F5344CB8AC3E}">
-        <p14:creationId xmlns:p14="http://schemas.microsoft.com/office/powerpoint/2010/main" val="3137548015"/>
+        <p14:creationId xmlns:p14="http://schemas.microsoft.com/office/powerpoint/2010/main" val="2695415452"/>
       </p:ext>
     </p:extLst>
   </p:cSld>
@@ -11815,147 +10728,38 @@
           <a:lstStyle/>
           <a:p>
             <a:r>
+              <a:rPr lang="en-US" dirty="0" err="1" smtClean="0"/>
+              <a:t>Defini</a:t>
+            </a:r>
+            <a:r>
               <a:rPr lang="pt-BR" dirty="0" err="1" smtClean="0"/>
-              <a:t>Dataflow</a:t>
+              <a:t>ções</a:t>
             </a:r>
             <a:r>
               <a:rPr lang="pt-BR" dirty="0" smtClean="0"/>
-              <a:t> </a:t>
-            </a:r>
-            <a:r>
-              <a:rPr lang="pt-BR" dirty="0" err="1" smtClean="0"/>
-              <a:t>Analysis</a:t>
-            </a:r>
-            <a:endParaRPr lang="en-US" dirty="0"/>
+              <a:t> Alcançáveis (DA)</a:t>
+            </a:r>
+            <a:endParaRPr lang="pt-BR" dirty="0"/>
           </a:p>
         </p:txBody>
       </p:sp>
-      <p:sp>
-        <p:nvSpPr>
-          <p:cNvPr id="3" name="Espaço Reservado para Conteúdo 2"/>
-          <p:cNvSpPr>
-            <a:spLocks noGrp="1"/>
-          </p:cNvSpPr>
-          <p:nvPr>
-            <p:ph idx="1"/>
-          </p:nvPr>
-        </p:nvSpPr>
-        <p:spPr>
-          <a:xfrm>
-            <a:off x="457200" y="1600200"/>
-            <a:ext cx="8686800" cy="4525963"/>
-          </a:xfrm>
-        </p:spPr>
-        <p:txBody>
-          <a:bodyPr/>
-          <a:lstStyle/>
-          <a:p>
-            <a:r>
-              <a:rPr lang="pt-BR" dirty="0" smtClean="0"/>
-              <a:t>O que faz? </a:t>
-            </a:r>
-          </a:p>
-          <a:p>
-            <a:pPr lvl="1"/>
-            <a:r>
-              <a:rPr lang="pt-BR" dirty="0" smtClean="0"/>
-              <a:t>Coleta informação de análise (e.g., definições </a:t>
-            </a:r>
-            <a:r>
-              <a:rPr lang="pt-BR" dirty="0" err="1" smtClean="0"/>
-              <a:t>alcancáveis</a:t>
-            </a:r>
-            <a:r>
-              <a:rPr lang="pt-BR" dirty="0" smtClean="0"/>
-              <a:t>) até não encontrar nada novo</a:t>
-            </a:r>
-          </a:p>
-        </p:txBody>
-      </p:sp>
-      <p:pic>
-        <p:nvPicPr>
-          <p:cNvPr id="6" name="Picture 2"/>
-          <p:cNvPicPr>
-            <a:picLocks noChangeAspect="1" noChangeArrowheads="1"/>
-          </p:cNvPicPr>
-          <p:nvPr/>
-        </p:nvPicPr>
-        <p:blipFill>
-          <a:blip r:embed="rId2"/>
-          <a:srcRect/>
-          <a:stretch>
-            <a:fillRect/>
-          </a:stretch>
-        </p:blipFill>
-        <p:spPr bwMode="auto">
-          <a:xfrm>
-            <a:off x="251520" y="3861048"/>
-            <a:ext cx="3056374" cy="2786082"/>
-          </a:xfrm>
-          <a:prstGeom prst="rect">
-            <a:avLst/>
-          </a:prstGeom>
-          <a:noFill/>
-          <a:ln w="9525">
-            <a:noFill/>
-            <a:miter lim="800000"/>
-            <a:headEnd/>
-            <a:tailEnd/>
-          </a:ln>
-          <a:effectLst/>
-        </p:spPr>
-      </p:pic>
-      <p:cxnSp>
-        <p:nvCxnSpPr>
-          <p:cNvPr id="7" name="Conector de seta reta 6"/>
-          <p:cNvCxnSpPr/>
-          <p:nvPr/>
-        </p:nvCxnSpPr>
-        <p:spPr>
-          <a:xfrm flipH="1">
-            <a:off x="1779707" y="3140968"/>
-            <a:ext cx="1" cy="504056"/>
-          </a:xfrm>
-          <a:prstGeom prst="straightConnector1">
-            <a:avLst/>
-          </a:prstGeom>
-          <a:ln>
-            <a:headEnd type="none" w="med" len="med"/>
-            <a:tailEnd type="triangle" w="med" len="med"/>
-          </a:ln>
-        </p:spPr>
-        <p:style>
-          <a:lnRef idx="1">
-            <a:schemeClr val="dk1"/>
-          </a:lnRef>
-          <a:fillRef idx="0">
-            <a:schemeClr val="dk1"/>
-          </a:fillRef>
-          <a:effectRef idx="0">
-            <a:schemeClr val="dk1"/>
-          </a:effectRef>
-          <a:fontRef idx="minor">
-            <a:schemeClr val="tx1"/>
-          </a:fontRef>
-        </p:style>
-      </p:cxnSp>
       <p:graphicFrame>
         <p:nvGraphicFramePr>
-          <p:cNvPr id="10" name="Tabela 9"/>
+          <p:cNvPr id="4" name="Tabela 3"/>
           <p:cNvGraphicFramePr>
             <a:graphicFrameLocks noGrp="1"/>
           </p:cNvGraphicFramePr>
           <p:nvPr>
             <p:extLst>
               <p:ext uri="{D42A27DB-BD31-4B8C-83A1-F6EECF244321}">
-                <p14:modId xmlns:p14="http://schemas.microsoft.com/office/powerpoint/2010/main" val="863199193"/>
+                <p14:modId xmlns:p14="http://schemas.microsoft.com/office/powerpoint/2010/main" val="675763003"/>
               </p:ext>
             </p:extLst>
           </p:nvPr>
         </p:nvGraphicFramePr>
         <p:xfrm>
-          <a:off x="3593023" y="3392996"/>
-          <a:ext cx="5371465" cy="3102187"/>
+          <a:off x="37177" y="3429000"/>
+          <a:ext cx="8855303" cy="3406987"/>
         </p:xfrm>
         <a:graphic>
           <a:graphicData uri="http://schemas.openxmlformats.org/drawingml/2006/table">
@@ -11965,9 +10769,251 @@
               </a:tblPr>
               <a:tblGrid>
                 <a:gridCol w="478155"/>
-                <a:gridCol w="1757680"/>
-                <a:gridCol w="3135630"/>
+                <a:gridCol w="2083841"/>
+                <a:gridCol w="3668336"/>
+                <a:gridCol w="2624971"/>
               </a:tblGrid>
+              <a:tr h="295057">
+                <a:tc>
+                  <a:txBody>
+                    <a:bodyPr/>
+                    <a:lstStyle/>
+                    <a:p>
+                      <a:r>
+                        <a:rPr lang="en-US" sz="1400" b="1" dirty="0" smtClean="0">
+                          <a:solidFill>
+                            <a:schemeClr val="tx1"/>
+                          </a:solidFill>
+                          <a:latin typeface="Consolas" panose="020B0609020204030204" pitchFamily="49" charset="0"/>
+                        </a:rPr>
+                        <a:t>Ln</a:t>
+                      </a:r>
+                      <a:endParaRPr lang="en-US" sz="1400" b="1" dirty="0">
+                        <a:solidFill>
+                          <a:schemeClr val="tx1"/>
+                        </a:solidFill>
+                        <a:latin typeface="Consolas" panose="020B0609020204030204" pitchFamily="49" charset="0"/>
+                      </a:endParaRPr>
+                    </a:p>
+                  </a:txBody>
+                  <a:tcPr>
+                    <a:lnL w="12700" cap="flat" cmpd="sng" algn="ctr">
+                      <a:solidFill>
+                        <a:schemeClr val="tx1"/>
+                      </a:solidFill>
+                      <a:prstDash val="solid"/>
+                      <a:round/>
+                      <a:headEnd type="none" w="med" len="med"/>
+                      <a:tailEnd type="none" w="med" len="med"/>
+                    </a:lnL>
+                    <a:lnR w="12700" cap="flat" cmpd="sng" algn="ctr">
+                      <a:solidFill>
+                        <a:schemeClr val="tx1"/>
+                      </a:solidFill>
+                      <a:prstDash val="solid"/>
+                      <a:round/>
+                      <a:headEnd type="none" w="med" len="med"/>
+                      <a:tailEnd type="none" w="med" len="med"/>
+                    </a:lnR>
+                    <a:lnT w="12700" cap="flat" cmpd="sng" algn="ctr">
+                      <a:solidFill>
+                        <a:schemeClr val="tx1"/>
+                      </a:solidFill>
+                      <a:prstDash val="solid"/>
+                      <a:round/>
+                      <a:headEnd type="none" w="med" len="med"/>
+                      <a:tailEnd type="none" w="med" len="med"/>
+                    </a:lnT>
+                    <a:lnB w="12700" cap="flat" cmpd="sng" algn="ctr">
+                      <a:solidFill>
+                        <a:schemeClr val="tx1"/>
+                      </a:solidFill>
+                      <a:prstDash val="solid"/>
+                      <a:round/>
+                      <a:headEnd type="none" w="med" len="med"/>
+                      <a:tailEnd type="none" w="med" len="med"/>
+                    </a:lnB>
+                    <a:noFill/>
+                  </a:tcPr>
+                </a:tc>
+                <a:tc>
+                  <a:txBody>
+                    <a:bodyPr/>
+                    <a:lstStyle/>
+                    <a:p>
+                      <a:endParaRPr lang="en-US" sz="1400" b="1" dirty="0">
+                        <a:solidFill>
+                          <a:schemeClr val="tx1"/>
+                        </a:solidFill>
+                        <a:latin typeface="Consolas" panose="020B0609020204030204" pitchFamily="49" charset="0"/>
+                      </a:endParaRPr>
+                    </a:p>
+                  </a:txBody>
+                  <a:tcPr>
+                    <a:lnL w="12700" cap="flat" cmpd="sng" algn="ctr">
+                      <a:solidFill>
+                        <a:schemeClr val="tx1"/>
+                      </a:solidFill>
+                      <a:prstDash val="solid"/>
+                      <a:round/>
+                      <a:headEnd type="none" w="med" len="med"/>
+                      <a:tailEnd type="none" w="med" len="med"/>
+                    </a:lnL>
+                    <a:lnR w="12700" cap="flat" cmpd="sng" algn="ctr">
+                      <a:solidFill>
+                        <a:schemeClr val="tx1"/>
+                      </a:solidFill>
+                      <a:prstDash val="solid"/>
+                      <a:round/>
+                      <a:headEnd type="none" w="med" len="med"/>
+                      <a:tailEnd type="none" w="med" len="med"/>
+                    </a:lnR>
+                    <a:lnT w="12700" cap="flat" cmpd="sng" algn="ctr">
+                      <a:solidFill>
+                        <a:schemeClr val="tx1"/>
+                      </a:solidFill>
+                      <a:prstDash val="solid"/>
+                      <a:round/>
+                      <a:headEnd type="none" w="med" len="med"/>
+                      <a:tailEnd type="none" w="med" len="med"/>
+                    </a:lnT>
+                    <a:lnB w="12700" cap="flat" cmpd="sng" algn="ctr">
+                      <a:solidFill>
+                        <a:schemeClr val="tx1"/>
+                      </a:solidFill>
+                      <a:prstDash val="solid"/>
+                      <a:round/>
+                      <a:headEnd type="none" w="med" len="med"/>
+                      <a:tailEnd type="none" w="med" len="med"/>
+                    </a:lnB>
+                    <a:noFill/>
+                  </a:tcPr>
+                </a:tc>
+                <a:tc>
+                  <a:txBody>
+                    <a:bodyPr/>
+                    <a:lstStyle/>
+                    <a:p>
+                      <a:r>
+                        <a:rPr lang="en-US" sz="1400" b="1" dirty="0" smtClean="0">
+                          <a:solidFill>
+                            <a:schemeClr val="tx1"/>
+                          </a:solidFill>
+                          <a:latin typeface="Consolas" panose="020B0609020204030204" pitchFamily="49" charset="0"/>
+                        </a:rPr>
+                        <a:t>Antes</a:t>
+                      </a:r>
+                      <a:endParaRPr lang="en-US" sz="1400" b="1" dirty="0">
+                        <a:solidFill>
+                          <a:schemeClr val="tx1"/>
+                        </a:solidFill>
+                        <a:latin typeface="Consolas" panose="020B0609020204030204" pitchFamily="49" charset="0"/>
+                      </a:endParaRPr>
+                    </a:p>
+                  </a:txBody>
+                  <a:tcPr>
+                    <a:lnL w="12700" cap="flat" cmpd="sng" algn="ctr">
+                      <a:solidFill>
+                        <a:schemeClr val="tx1"/>
+                      </a:solidFill>
+                      <a:prstDash val="solid"/>
+                      <a:round/>
+                      <a:headEnd type="none" w="med" len="med"/>
+                      <a:tailEnd type="none" w="med" len="med"/>
+                    </a:lnL>
+                    <a:lnR w="12700" cap="flat" cmpd="sng" algn="ctr">
+                      <a:solidFill>
+                        <a:schemeClr val="tx1"/>
+                      </a:solidFill>
+                      <a:prstDash val="solid"/>
+                      <a:round/>
+                      <a:headEnd type="none" w="med" len="med"/>
+                      <a:tailEnd type="none" w="med" len="med"/>
+                    </a:lnR>
+                    <a:lnT w="12700" cap="flat" cmpd="sng" algn="ctr">
+                      <a:solidFill>
+                        <a:schemeClr val="tx1"/>
+                      </a:solidFill>
+                      <a:prstDash val="solid"/>
+                      <a:round/>
+                      <a:headEnd type="none" w="med" len="med"/>
+                      <a:tailEnd type="none" w="med" len="med"/>
+                    </a:lnT>
+                    <a:lnB w="12700" cap="flat" cmpd="sng" algn="ctr">
+                      <a:solidFill>
+                        <a:schemeClr val="tx1"/>
+                      </a:solidFill>
+                      <a:prstDash val="solid"/>
+                      <a:round/>
+                      <a:headEnd type="none" w="med" len="med"/>
+                      <a:tailEnd type="none" w="med" len="med"/>
+                    </a:lnB>
+                    <a:noFill/>
+                  </a:tcPr>
+                </a:tc>
+                <a:tc>
+                  <a:txBody>
+                    <a:bodyPr/>
+                    <a:lstStyle/>
+                    <a:p>
+                      <a:r>
+                        <a:rPr lang="en-US" sz="1400" b="1" dirty="0" err="1" smtClean="0">
+                          <a:solidFill>
+                            <a:schemeClr val="tx1"/>
+                          </a:solidFill>
+                          <a:latin typeface="Consolas" panose="020B0609020204030204" pitchFamily="49" charset="0"/>
+                        </a:rPr>
+                        <a:t>Depois</a:t>
+                      </a:r>
+                      <a:endParaRPr lang="en-US" sz="1400" b="1" dirty="0">
+                        <a:solidFill>
+                          <a:schemeClr val="tx1"/>
+                        </a:solidFill>
+                        <a:latin typeface="Consolas" panose="020B0609020204030204" pitchFamily="49" charset="0"/>
+                      </a:endParaRPr>
+                    </a:p>
+                  </a:txBody>
+                  <a:tcPr>
+                    <a:lnL w="12700" cap="flat" cmpd="sng" algn="ctr">
+                      <a:solidFill>
+                        <a:schemeClr val="tx1"/>
+                      </a:solidFill>
+                      <a:prstDash val="solid"/>
+                      <a:round/>
+                      <a:headEnd type="none" w="med" len="med"/>
+                      <a:tailEnd type="none" w="med" len="med"/>
+                    </a:lnL>
+                    <a:lnR w="12700" cap="flat" cmpd="sng" algn="ctr">
+                      <a:solidFill>
+                        <a:schemeClr val="tx1"/>
+                      </a:solidFill>
+                      <a:prstDash val="solid"/>
+                      <a:round/>
+                      <a:headEnd type="none" w="med" len="med"/>
+                      <a:tailEnd type="none" w="med" len="med"/>
+                    </a:lnR>
+                    <a:lnT w="12700" cap="flat" cmpd="sng" algn="ctr">
+                      <a:solidFill>
+                        <a:schemeClr val="tx1"/>
+                      </a:solidFill>
+                      <a:prstDash val="solid"/>
+                      <a:round/>
+                      <a:headEnd type="none" w="med" len="med"/>
+                      <a:tailEnd type="none" w="med" len="med"/>
+                    </a:lnT>
+                    <a:lnB w="12700" cap="flat" cmpd="sng" algn="ctr">
+                      <a:solidFill>
+                        <a:schemeClr val="tx1"/>
+                      </a:solidFill>
+                      <a:prstDash val="solid"/>
+                      <a:round/>
+                      <a:headEnd type="none" w="med" len="med"/>
+                      <a:tailEnd type="none" w="med" len="med"/>
+                    </a:lnB>
+                    <a:noFill/>
+                  </a:tcPr>
+                </a:tc>
+              </a:tr>
               <a:tr h="295057">
                 <a:tc>
                   <a:txBody>
@@ -12173,6 +11219,85 @@
                     <a:noFill/>
                   </a:tcPr>
                 </a:tc>
+                <a:tc>
+                  <a:txBody>
+                    <a:bodyPr/>
+                    <a:lstStyle/>
+                    <a:p>
+                      <a:pPr marL="0" marR="0" indent="0" algn="l" defTabSz="914400" rtl="0" eaLnBrk="1" fontAlgn="auto" latinLnBrk="0" hangingPunct="1">
+                        <a:lnSpc>
+                          <a:spcPct val="100000"/>
+                        </a:lnSpc>
+                        <a:spcBef>
+                          <a:spcPts val="0"/>
+                        </a:spcBef>
+                        <a:spcAft>
+                          <a:spcPts val="0"/>
+                        </a:spcAft>
+                        <a:buClrTx/>
+                        <a:buSzTx/>
+                        <a:buFontTx/>
+                        <a:buNone/>
+                        <a:tabLst/>
+                        <a:defRPr/>
+                      </a:pPr>
+                      <a:r>
+                        <a:rPr lang="pt-BR" sz="1400" b="1" dirty="0" smtClean="0">
+                          <a:solidFill>
+                            <a:schemeClr val="tx1"/>
+                          </a:solidFill>
+                          <a:latin typeface="Consolas" panose="020B0609020204030204" pitchFamily="49" charset="0"/>
+                        </a:rPr>
+                        <a:t>(j,0),(k,0),(m,0)</a:t>
+                      </a:r>
+                      <a:endParaRPr lang="en-US" sz="1400" b="1" dirty="0" smtClean="0">
+                        <a:solidFill>
+                          <a:schemeClr val="tx1"/>
+                        </a:solidFill>
+                        <a:latin typeface="Consolas" panose="020B0609020204030204" pitchFamily="49" charset="0"/>
+                      </a:endParaRPr>
+                    </a:p>
+                  </a:txBody>
+                  <a:tcPr>
+                    <a:lnL w="12700" cap="flat" cmpd="sng" algn="ctr">
+                      <a:solidFill>
+                        <a:schemeClr val="tx1"/>
+                      </a:solidFill>
+                      <a:prstDash val="solid"/>
+                      <a:round/>
+                      <a:headEnd type="none" w="med" len="med"/>
+                      <a:tailEnd type="none" w="med" len="med"/>
+                    </a:lnL>
+                    <a:lnR w="12700" cap="flat" cmpd="sng" algn="ctr">
+                      <a:solidFill>
+                        <a:schemeClr val="tx1"/>
+                      </a:solidFill>
+                      <a:prstDash val="solid"/>
+                      <a:round/>
+                      <a:headEnd type="none" w="med" len="med"/>
+                      <a:tailEnd type="none" w="med" len="med"/>
+                    </a:lnR>
+                    <a:lnT w="12700" cap="flat" cmpd="sng" algn="ctr">
+                      <a:solidFill>
+                        <a:schemeClr val="tx1"/>
+                      </a:solidFill>
+                      <a:prstDash val="solid"/>
+                      <a:round/>
+                      <a:headEnd type="none" w="med" len="med"/>
+                      <a:tailEnd type="none" w="med" len="med"/>
+                    </a:lnT>
+                    <a:lnB w="12700" cap="flat" cmpd="sng" algn="ctr">
+                      <a:solidFill>
+                        <a:schemeClr val="tx1"/>
+                      </a:solidFill>
+                      <a:prstDash val="solid"/>
+                      <a:round/>
+                      <a:headEnd type="none" w="med" len="med"/>
+                      <a:tailEnd type="none" w="med" len="med"/>
+                    </a:lnB>
+                    <a:noFill/>
+                  </a:tcPr>
+                </a:tc>
               </a:tr>
               <a:tr h="295057">
                 <a:tc>
@@ -12311,9 +11436,97 @@
                           </a:solidFill>
                           <a:latin typeface="Consolas" panose="020B0609020204030204" pitchFamily="49" charset="0"/>
                         </a:rPr>
+                        <a:t>(j,0),(k,0</a:t>
+                      </a:r>
+                      <a:r>
+                        <a:rPr lang="pt-BR" sz="1400" b="1" dirty="0" smtClean="0">
+                          <a:solidFill>
+                            <a:schemeClr val="tx1"/>
+                          </a:solidFill>
+                          <a:latin typeface="Consolas" panose="020B0609020204030204" pitchFamily="49" charset="0"/>
+                        </a:rPr>
+                        <a:t>),(m,0)</a:t>
+                      </a:r>
+                      <a:endParaRPr lang="en-US" sz="1400" b="1" dirty="0">
+                        <a:solidFill>
+                          <a:schemeClr val="tx1"/>
+                        </a:solidFill>
+                        <a:latin typeface="Consolas" panose="020B0609020204030204" pitchFamily="49" charset="0"/>
+                      </a:endParaRPr>
+                    </a:p>
+                  </a:txBody>
+                  <a:tcPr>
+                    <a:lnL w="12700" cap="flat" cmpd="sng" algn="ctr">
+                      <a:solidFill>
+                        <a:schemeClr val="tx1"/>
+                      </a:solidFill>
+                      <a:prstDash val="solid"/>
+                      <a:round/>
+                      <a:headEnd type="none" w="med" len="med"/>
+                      <a:tailEnd type="none" w="med" len="med"/>
+                    </a:lnL>
+                    <a:lnR w="12700" cap="flat" cmpd="sng" algn="ctr">
+                      <a:solidFill>
+                        <a:schemeClr val="tx1"/>
+                      </a:solidFill>
+                      <a:prstDash val="solid"/>
+                      <a:round/>
+                      <a:headEnd type="none" w="med" len="med"/>
+                      <a:tailEnd type="none" w="med" len="med"/>
+                    </a:lnR>
+                    <a:lnT w="12700" cap="flat" cmpd="sng" algn="ctr">
+                      <a:solidFill>
+                        <a:schemeClr val="tx1"/>
+                      </a:solidFill>
+                      <a:prstDash val="solid"/>
+                      <a:round/>
+                      <a:headEnd type="none" w="med" len="med"/>
+                      <a:tailEnd type="none" w="med" len="med"/>
+                    </a:lnT>
+                    <a:lnB w="12700" cap="flat" cmpd="sng" algn="ctr">
+                      <a:solidFill>
+                        <a:schemeClr val="tx1"/>
+                      </a:solidFill>
+                      <a:prstDash val="solid"/>
+                      <a:round/>
+                      <a:headEnd type="none" w="med" len="med"/>
+                      <a:tailEnd type="none" w="med" len="med"/>
+                    </a:lnB>
+                    <a:noFill/>
+                  </a:tcPr>
+                </a:tc>
+                <a:tc>
+                  <a:txBody>
+                    <a:bodyPr/>
+                    <a:lstStyle/>
+                    <a:p>
+                      <a:pPr marL="0" marR="0" indent="0" algn="l" defTabSz="914400" rtl="0" eaLnBrk="1" fontAlgn="auto" latinLnBrk="0" hangingPunct="1">
+                        <a:lnSpc>
+                          <a:spcPct val="100000"/>
+                        </a:lnSpc>
+                        <a:spcBef>
+                          <a:spcPts val="0"/>
+                        </a:spcBef>
+                        <a:spcAft>
+                          <a:spcPts val="0"/>
+                        </a:spcAft>
+                        <a:buClrTx/>
+                        <a:buSzTx/>
+                        <a:buFontTx/>
+                        <a:buNone/>
+                        <a:tabLst/>
+                        <a:defRPr/>
+                      </a:pPr>
+                      <a:r>
+                        <a:rPr lang="pt-BR" sz="1400" b="1" dirty="0" smtClean="0">
+                          <a:solidFill>
+                            <a:schemeClr val="tx1"/>
+                          </a:solidFill>
+                          <a:latin typeface="Consolas" panose="020B0609020204030204" pitchFamily="49" charset="0"/>
+                        </a:rPr>
                         <a:t>(j,2),(k,0),(m,0)</a:t>
                       </a:r>
-                      <a:endParaRPr lang="en-US" sz="1400" b="1" dirty="0">
+                      <a:endParaRPr lang="en-US" sz="1400" b="1" dirty="0" smtClean="0">
                         <a:solidFill>
                           <a:schemeClr val="tx1"/>
                         </a:solidFill>
@@ -12517,9 +11730,106 @@
                           </a:solidFill>
                           <a:latin typeface="Consolas" panose="020B0609020204030204" pitchFamily="49" charset="0"/>
                         </a:rPr>
+                        <a:t>(</a:t>
+                      </a:r>
+                      <a:r>
+                        <a:rPr lang="pt-BR" sz="1400" b="1" dirty="0" smtClean="0">
+                          <a:solidFill>
+                            <a:schemeClr val="tx1"/>
+                          </a:solidFill>
+                          <a:latin typeface="Consolas" panose="020B0609020204030204" pitchFamily="49" charset="0"/>
+                        </a:rPr>
+                        <a:t>j,2),(</a:t>
+                      </a:r>
+                      <a:r>
+                        <a:rPr lang="pt-BR" sz="1400" b="1" dirty="0" smtClean="0">
+                          <a:solidFill>
+                            <a:schemeClr val="tx1"/>
+                          </a:solidFill>
+                          <a:latin typeface="Consolas" panose="020B0609020204030204" pitchFamily="49" charset="0"/>
+                        </a:rPr>
+                        <a:t>k,0),(m,0)</a:t>
+                      </a:r>
+                      <a:endParaRPr lang="en-US" sz="1400" b="1" dirty="0">
+                        <a:solidFill>
+                          <a:schemeClr val="tx1"/>
+                        </a:solidFill>
+                        <a:latin typeface="Consolas" panose="020B0609020204030204" pitchFamily="49" charset="0"/>
+                      </a:endParaRPr>
+                    </a:p>
+                  </a:txBody>
+                  <a:tcPr>
+                    <a:lnL w="12700" cap="flat" cmpd="sng" algn="ctr">
+                      <a:solidFill>
+                        <a:schemeClr val="tx1"/>
+                      </a:solidFill>
+                      <a:prstDash val="solid"/>
+                      <a:round/>
+                      <a:headEnd type="none" w="med" len="med"/>
+                      <a:tailEnd type="none" w="med" len="med"/>
+                    </a:lnL>
+                    <a:lnR w="12700" cap="flat" cmpd="sng" algn="ctr">
+                      <a:solidFill>
+                        <a:schemeClr val="tx1"/>
+                      </a:solidFill>
+                      <a:prstDash val="solid"/>
+                      <a:round/>
+                      <a:headEnd type="none" w="med" len="med"/>
+                      <a:tailEnd type="none" w="med" len="med"/>
+                    </a:lnR>
+                    <a:lnT w="12700" cap="flat" cmpd="sng" algn="ctr">
+                      <a:solidFill>
+                        <a:schemeClr val="tx1"/>
+                      </a:solidFill>
+                      <a:prstDash val="solid"/>
+                      <a:round/>
+                      <a:headEnd type="none" w="med" len="med"/>
+                      <a:tailEnd type="none" w="med" len="med"/>
+                    </a:lnT>
+                    <a:lnB w="12700" cap="flat" cmpd="sng" algn="ctr">
+                      <a:solidFill>
+                        <a:schemeClr val="tx1"/>
+                      </a:solidFill>
+                      <a:prstDash val="solid"/>
+                      <a:round/>
+                      <a:headEnd type="none" w="med" len="med"/>
+                      <a:tailEnd type="none" w="med" len="med"/>
+                    </a:lnB>
+                    <a:noFill/>
+                  </a:tcPr>
+                </a:tc>
+                <a:tc>
+                  <a:txBody>
+                    <a:bodyPr/>
+                    <a:lstStyle/>
+                    <a:p>
+                      <a:pPr marL="0" marR="0" indent="0" algn="l" defTabSz="914400" rtl="0" eaLnBrk="1" fontAlgn="auto" latinLnBrk="0" hangingPunct="1">
+                        <a:lnSpc>
+                          <a:spcPct val="100000"/>
+                        </a:lnSpc>
+                        <a:spcBef>
+                          <a:spcPts val="0"/>
+                        </a:spcBef>
+                        <a:spcAft>
+                          <a:spcPts val="0"/>
+                        </a:spcAft>
+                        <a:buClrTx/>
+                        <a:buSzTx/>
+                        <a:buFontTx/>
+                        <a:buNone/>
+                        <a:tabLst/>
+                        <a:defRPr/>
+                      </a:pPr>
+                      <a:r>
+                        <a:rPr lang="pt-BR" sz="1400" b="1" dirty="0" smtClean="0">
+                          <a:solidFill>
+                            <a:schemeClr val="tx1"/>
+                          </a:solidFill>
+                          <a:latin typeface="Consolas" panose="020B0609020204030204" pitchFamily="49" charset="0"/>
+                        </a:rPr>
                         <a:t>(j,3),(k,0),(m,0)</a:t>
                       </a:r>
-                      <a:endParaRPr lang="en-US" sz="1400" b="1" dirty="0">
+                      <a:endParaRPr lang="en-US" sz="1400" b="1" dirty="0" smtClean="0">
                         <a:solidFill>
                           <a:schemeClr val="tx1"/>
                         </a:solidFill>
@@ -12723,9 +12033,106 @@
                           </a:solidFill>
                           <a:latin typeface="Consolas" panose="020B0609020204030204" pitchFamily="49" charset="0"/>
                         </a:rPr>
+                        <a:t>(</a:t>
+                      </a:r>
+                      <a:r>
+                        <a:rPr lang="pt-BR" sz="1400" b="1" dirty="0" smtClean="0">
+                          <a:solidFill>
+                            <a:schemeClr val="tx1"/>
+                          </a:solidFill>
+                          <a:latin typeface="Consolas" panose="020B0609020204030204" pitchFamily="49" charset="0"/>
+                        </a:rPr>
+                        <a:t>j,3),(</a:t>
+                      </a:r>
+                      <a:r>
+                        <a:rPr lang="pt-BR" sz="1400" b="1" dirty="0" smtClean="0">
+                          <a:solidFill>
+                            <a:schemeClr val="tx1"/>
+                          </a:solidFill>
+                          <a:latin typeface="Consolas" panose="020B0609020204030204" pitchFamily="49" charset="0"/>
+                        </a:rPr>
+                        <a:t>k,0),(m,0)</a:t>
+                      </a:r>
+                      <a:endParaRPr lang="en-US" sz="1400" b="1" dirty="0">
+                        <a:solidFill>
+                          <a:schemeClr val="tx1"/>
+                        </a:solidFill>
+                        <a:latin typeface="Consolas" panose="020B0609020204030204" pitchFamily="49" charset="0"/>
+                      </a:endParaRPr>
+                    </a:p>
+                  </a:txBody>
+                  <a:tcPr>
+                    <a:lnL w="12700" cap="flat" cmpd="sng" algn="ctr">
+                      <a:solidFill>
+                        <a:schemeClr val="tx1"/>
+                      </a:solidFill>
+                      <a:prstDash val="solid"/>
+                      <a:round/>
+                      <a:headEnd type="none" w="med" len="med"/>
+                      <a:tailEnd type="none" w="med" len="med"/>
+                    </a:lnL>
+                    <a:lnR w="12700" cap="flat" cmpd="sng" algn="ctr">
+                      <a:solidFill>
+                        <a:schemeClr val="tx1"/>
+                      </a:solidFill>
+                      <a:prstDash val="solid"/>
+                      <a:round/>
+                      <a:headEnd type="none" w="med" len="med"/>
+                      <a:tailEnd type="none" w="med" len="med"/>
+                    </a:lnR>
+                    <a:lnT w="12700" cap="flat" cmpd="sng" algn="ctr">
+                      <a:solidFill>
+                        <a:schemeClr val="tx1"/>
+                      </a:solidFill>
+                      <a:prstDash val="solid"/>
+                      <a:round/>
+                      <a:headEnd type="none" w="med" len="med"/>
+                      <a:tailEnd type="none" w="med" len="med"/>
+                    </a:lnT>
+                    <a:lnB w="12700" cap="flat" cmpd="sng" algn="ctr">
+                      <a:solidFill>
+                        <a:schemeClr val="tx1"/>
+                      </a:solidFill>
+                      <a:prstDash val="solid"/>
+                      <a:round/>
+                      <a:headEnd type="none" w="med" len="med"/>
+                      <a:tailEnd type="none" w="med" len="med"/>
+                    </a:lnB>
+                    <a:noFill/>
+                  </a:tcPr>
+                </a:tc>
+                <a:tc>
+                  <a:txBody>
+                    <a:bodyPr/>
+                    <a:lstStyle/>
+                    <a:p>
+                      <a:pPr marL="0" marR="0" indent="0" algn="l" defTabSz="914400" rtl="0" eaLnBrk="1" fontAlgn="auto" latinLnBrk="0" hangingPunct="1">
+                        <a:lnSpc>
+                          <a:spcPct val="100000"/>
+                        </a:lnSpc>
+                        <a:spcBef>
+                          <a:spcPts val="0"/>
+                        </a:spcBef>
+                        <a:spcAft>
+                          <a:spcPts val="0"/>
+                        </a:spcAft>
+                        <a:buClrTx/>
+                        <a:buSzTx/>
+                        <a:buFontTx/>
+                        <a:buNone/>
+                        <a:tabLst/>
+                        <a:defRPr/>
+                      </a:pPr>
+                      <a:r>
+                        <a:rPr lang="pt-BR" sz="1400" b="1" dirty="0" smtClean="0">
+                          <a:solidFill>
+                            <a:schemeClr val="tx1"/>
+                          </a:solidFill>
+                          <a:latin typeface="Consolas" panose="020B0609020204030204" pitchFamily="49" charset="0"/>
+                        </a:rPr>
                         <a:t>(j,4),(k,0),(m,0)</a:t>
                       </a:r>
-                      <a:endParaRPr lang="en-US" sz="1400" b="1" dirty="0">
+                      <a:endParaRPr lang="en-US" sz="1400" b="1" dirty="0" smtClean="0">
                         <a:solidFill>
                           <a:schemeClr val="tx1"/>
                         </a:solidFill>
@@ -12911,9 +12318,106 @@
                           </a:solidFill>
                           <a:latin typeface="Consolas" panose="020B0609020204030204" pitchFamily="49" charset="0"/>
                         </a:rPr>
+                        <a:t>(j,3),(j,4),(</a:t>
+                      </a:r>
+                      <a:r>
+                        <a:rPr lang="pt-BR" sz="1400" b="1" dirty="0" smtClean="0">
+                          <a:solidFill>
+                            <a:schemeClr val="tx1"/>
+                          </a:solidFill>
+                          <a:latin typeface="Consolas" panose="020B0609020204030204" pitchFamily="49" charset="0"/>
+                        </a:rPr>
+                        <a:t>k,0),(</a:t>
+                      </a:r>
+                      <a:r>
+                        <a:rPr lang="pt-BR" sz="1400" b="1" dirty="0" smtClean="0">
+                          <a:solidFill>
+                            <a:schemeClr val="tx1"/>
+                          </a:solidFill>
+                          <a:latin typeface="Consolas" panose="020B0609020204030204" pitchFamily="49" charset="0"/>
+                        </a:rPr>
+                        <a:t>m,0)</a:t>
+                      </a:r>
+                      <a:endParaRPr lang="en-US" sz="1400" b="1" dirty="0">
+                        <a:solidFill>
+                          <a:schemeClr val="tx1"/>
+                        </a:solidFill>
+                        <a:latin typeface="Consolas" panose="020B0609020204030204" pitchFamily="49" charset="0"/>
+                      </a:endParaRPr>
+                    </a:p>
+                  </a:txBody>
+                  <a:tcPr>
+                    <a:lnL w="12700" cap="flat" cmpd="sng" algn="ctr">
+                      <a:solidFill>
+                        <a:schemeClr val="tx1"/>
+                      </a:solidFill>
+                      <a:prstDash val="solid"/>
+                      <a:round/>
+                      <a:headEnd type="none" w="med" len="med"/>
+                      <a:tailEnd type="none" w="med" len="med"/>
+                    </a:lnL>
+                    <a:lnR w="12700" cap="flat" cmpd="sng" algn="ctr">
+                      <a:solidFill>
+                        <a:schemeClr val="tx1"/>
+                      </a:solidFill>
+                      <a:prstDash val="solid"/>
+                      <a:round/>
+                      <a:headEnd type="none" w="med" len="med"/>
+                      <a:tailEnd type="none" w="med" len="med"/>
+                    </a:lnR>
+                    <a:lnT w="12700" cap="flat" cmpd="sng" algn="ctr">
+                      <a:solidFill>
+                        <a:schemeClr val="tx1"/>
+                      </a:solidFill>
+                      <a:prstDash val="solid"/>
+                      <a:round/>
+                      <a:headEnd type="none" w="med" len="med"/>
+                      <a:tailEnd type="none" w="med" len="med"/>
+                    </a:lnT>
+                    <a:lnB w="12700" cap="flat" cmpd="sng" algn="ctr">
+                      <a:solidFill>
+                        <a:schemeClr val="tx1"/>
+                      </a:solidFill>
+                      <a:prstDash val="solid"/>
+                      <a:round/>
+                      <a:headEnd type="none" w="med" len="med"/>
+                      <a:tailEnd type="none" w="med" len="med"/>
+                    </a:lnB>
+                    <a:noFill/>
+                  </a:tcPr>
+                </a:tc>
+                <a:tc>
+                  <a:txBody>
+                    <a:bodyPr/>
+                    <a:lstStyle/>
+                    <a:p>
+                      <a:pPr marL="0" marR="0" indent="0" algn="l" defTabSz="914400" rtl="0" eaLnBrk="1" fontAlgn="auto" latinLnBrk="0" hangingPunct="1">
+                        <a:lnSpc>
+                          <a:spcPct val="100000"/>
+                        </a:lnSpc>
+                        <a:spcBef>
+                          <a:spcPts val="0"/>
+                        </a:spcBef>
+                        <a:spcAft>
+                          <a:spcPts val="0"/>
+                        </a:spcAft>
+                        <a:buClrTx/>
+                        <a:buSzTx/>
+                        <a:buFontTx/>
+                        <a:buNone/>
+                        <a:tabLst/>
+                        <a:defRPr/>
+                      </a:pPr>
+                      <a:r>
+                        <a:rPr lang="pt-BR" sz="1400" b="1" dirty="0" smtClean="0">
+                          <a:solidFill>
+                            <a:schemeClr val="tx1"/>
+                          </a:solidFill>
+                          <a:latin typeface="Consolas" panose="020B0609020204030204" pitchFamily="49" charset="0"/>
+                        </a:rPr>
                         <a:t>(j,3),(j,4),(k,5),(m,0)</a:t>
                       </a:r>
-                      <a:endParaRPr lang="en-US" sz="1400" b="1" dirty="0">
+                      <a:endParaRPr lang="en-US" sz="1400" b="1" dirty="0" smtClean="0">
                         <a:solidFill>
                           <a:schemeClr val="tx1"/>
                         </a:solidFill>
@@ -13108,9 +12612,97 @@
                           </a:solidFill>
                           <a:latin typeface="Consolas" panose="020B0609020204030204" pitchFamily="49" charset="0"/>
                         </a:rPr>
+                        <a:t>(j,3),(j,4),(k,5),(</a:t>
+                      </a:r>
+                      <a:r>
+                        <a:rPr lang="pt-BR" sz="1400" b="1" dirty="0" smtClean="0">
+                          <a:solidFill>
+                            <a:schemeClr val="tx1"/>
+                          </a:solidFill>
+                          <a:latin typeface="Consolas" panose="020B0609020204030204" pitchFamily="49" charset="0"/>
+                        </a:rPr>
+                        <a:t>m,0)</a:t>
+                      </a:r>
+                      <a:endParaRPr lang="en-US" sz="1400" b="1" dirty="0">
+                        <a:solidFill>
+                          <a:schemeClr val="tx1"/>
+                        </a:solidFill>
+                        <a:latin typeface="Consolas" panose="020B0609020204030204" pitchFamily="49" charset="0"/>
+                      </a:endParaRPr>
+                    </a:p>
+                  </a:txBody>
+                  <a:tcPr>
+                    <a:lnL w="12700" cap="flat" cmpd="sng" algn="ctr">
+                      <a:solidFill>
+                        <a:schemeClr val="tx1"/>
+                      </a:solidFill>
+                      <a:prstDash val="solid"/>
+                      <a:round/>
+                      <a:headEnd type="none" w="med" len="med"/>
+                      <a:tailEnd type="none" w="med" len="med"/>
+                    </a:lnL>
+                    <a:lnR w="12700" cap="flat" cmpd="sng" algn="ctr">
+                      <a:solidFill>
+                        <a:schemeClr val="tx1"/>
+                      </a:solidFill>
+                      <a:prstDash val="solid"/>
+                      <a:round/>
+                      <a:headEnd type="none" w="med" len="med"/>
+                      <a:tailEnd type="none" w="med" len="med"/>
+                    </a:lnR>
+                    <a:lnT w="12700" cap="flat" cmpd="sng" algn="ctr">
+                      <a:solidFill>
+                        <a:schemeClr val="tx1"/>
+                      </a:solidFill>
+                      <a:prstDash val="solid"/>
+                      <a:round/>
+                      <a:headEnd type="none" w="med" len="med"/>
+                      <a:tailEnd type="none" w="med" len="med"/>
+                    </a:lnT>
+                    <a:lnB w="12700" cap="flat" cmpd="sng" algn="ctr">
+                      <a:solidFill>
+                        <a:schemeClr val="tx1"/>
+                      </a:solidFill>
+                      <a:prstDash val="solid"/>
+                      <a:round/>
+                      <a:headEnd type="none" w="med" len="med"/>
+                      <a:tailEnd type="none" w="med" len="med"/>
+                    </a:lnB>
+                    <a:noFill/>
+                  </a:tcPr>
+                </a:tc>
+                <a:tc>
+                  <a:txBody>
+                    <a:bodyPr/>
+                    <a:lstStyle/>
+                    <a:p>
+                      <a:pPr marL="0" marR="0" indent="0" algn="l" defTabSz="914400" rtl="0" eaLnBrk="1" fontAlgn="auto" latinLnBrk="0" hangingPunct="1">
+                        <a:lnSpc>
+                          <a:spcPct val="100000"/>
+                        </a:lnSpc>
+                        <a:spcBef>
+                          <a:spcPts val="0"/>
+                        </a:spcBef>
+                        <a:spcAft>
+                          <a:spcPts val="0"/>
+                        </a:spcAft>
+                        <a:buClrTx/>
+                        <a:buSzTx/>
+                        <a:buFontTx/>
+                        <a:buNone/>
+                        <a:tabLst/>
+                        <a:defRPr/>
+                      </a:pPr>
+                      <a:r>
+                        <a:rPr lang="pt-BR" sz="1400" b="1" dirty="0" smtClean="0">
+                          <a:solidFill>
+                            <a:schemeClr val="tx1"/>
+                          </a:solidFill>
+                          <a:latin typeface="Consolas" panose="020B0609020204030204" pitchFamily="49" charset="0"/>
+                        </a:rPr>
                         <a:t>(j,3),(j,4),(k,5),(m,6)</a:t>
                       </a:r>
-                      <a:endParaRPr lang="en-US" sz="1400" b="1" dirty="0">
+                      <a:endParaRPr lang="en-US" sz="1400" b="1" dirty="0" smtClean="0">
                         <a:solidFill>
                           <a:schemeClr val="tx1"/>
                         </a:solidFill>
@@ -13296,9 +12888,97 @@
                           </a:solidFill>
                           <a:latin typeface="Consolas" panose="020B0609020204030204" pitchFamily="49" charset="0"/>
                         </a:rPr>
+                        <a:t>(j,3),(j,4),(</a:t>
+                      </a:r>
+                      <a:r>
+                        <a:rPr lang="pt-BR" sz="1400" b="1" dirty="0" smtClean="0">
+                          <a:solidFill>
+                            <a:schemeClr val="tx1"/>
+                          </a:solidFill>
+                          <a:latin typeface="Consolas" panose="020B0609020204030204" pitchFamily="49" charset="0"/>
+                        </a:rPr>
+                        <a:t>k,5),(m,6)</a:t>
+                      </a:r>
+                      <a:endParaRPr lang="en-US" sz="1400" b="1" dirty="0">
+                        <a:solidFill>
+                          <a:schemeClr val="tx1"/>
+                        </a:solidFill>
+                        <a:latin typeface="Consolas" panose="020B0609020204030204" pitchFamily="49" charset="0"/>
+                      </a:endParaRPr>
+                    </a:p>
+                  </a:txBody>
+                  <a:tcPr>
+                    <a:lnL w="12700" cap="flat" cmpd="sng" algn="ctr">
+                      <a:solidFill>
+                        <a:schemeClr val="tx1"/>
+                      </a:solidFill>
+                      <a:prstDash val="solid"/>
+                      <a:round/>
+                      <a:headEnd type="none" w="med" len="med"/>
+                      <a:tailEnd type="none" w="med" len="med"/>
+                    </a:lnL>
+                    <a:lnR w="12700" cap="flat" cmpd="sng" algn="ctr">
+                      <a:solidFill>
+                        <a:schemeClr val="tx1"/>
+                      </a:solidFill>
+                      <a:prstDash val="solid"/>
+                      <a:round/>
+                      <a:headEnd type="none" w="med" len="med"/>
+                      <a:tailEnd type="none" w="med" len="med"/>
+                    </a:lnR>
+                    <a:lnT w="12700" cap="flat" cmpd="sng" algn="ctr">
+                      <a:solidFill>
+                        <a:schemeClr val="tx1"/>
+                      </a:solidFill>
+                      <a:prstDash val="solid"/>
+                      <a:round/>
+                      <a:headEnd type="none" w="med" len="med"/>
+                      <a:tailEnd type="none" w="med" len="med"/>
+                    </a:lnT>
+                    <a:lnB w="12700" cap="flat" cmpd="sng" algn="ctr">
+                      <a:solidFill>
+                        <a:schemeClr val="tx1"/>
+                      </a:solidFill>
+                      <a:prstDash val="solid"/>
+                      <a:round/>
+                      <a:headEnd type="none" w="med" len="med"/>
+                      <a:tailEnd type="none" w="med" len="med"/>
+                    </a:lnB>
+                    <a:noFill/>
+                  </a:tcPr>
+                </a:tc>
+                <a:tc>
+                  <a:txBody>
+                    <a:bodyPr/>
+                    <a:lstStyle/>
+                    <a:p>
+                      <a:pPr marL="0" marR="0" indent="0" algn="l" defTabSz="914400" rtl="0" eaLnBrk="1" fontAlgn="auto" latinLnBrk="0" hangingPunct="1">
+                        <a:lnSpc>
+                          <a:spcPct val="100000"/>
+                        </a:lnSpc>
+                        <a:spcBef>
+                          <a:spcPts val="0"/>
+                        </a:spcBef>
+                        <a:spcAft>
+                          <a:spcPts val="0"/>
+                        </a:spcAft>
+                        <a:buClrTx/>
+                        <a:buSzTx/>
+                        <a:buFontTx/>
+                        <a:buNone/>
+                        <a:tabLst/>
+                        <a:defRPr/>
+                      </a:pPr>
+                      <a:r>
+                        <a:rPr lang="pt-BR" sz="1400" b="1" dirty="0" smtClean="0">
+                          <a:solidFill>
+                            <a:schemeClr val="tx1"/>
+                          </a:solidFill>
+                          <a:latin typeface="Consolas" panose="020B0609020204030204" pitchFamily="49" charset="0"/>
+                        </a:rPr>
                         <a:t>(j,7),(k,5),(m,6)</a:t>
                       </a:r>
-                      <a:endParaRPr lang="en-US" sz="1400" b="1" dirty="0">
+                      <a:endParaRPr lang="en-US" sz="1400" b="1" dirty="0" smtClean="0">
                         <a:solidFill>
                           <a:schemeClr val="tx1"/>
                         </a:solidFill>
@@ -13543,6 +13223,59 @@
                     <a:noFill/>
                   </a:tcPr>
                 </a:tc>
+                <a:tc>
+                  <a:txBody>
+                    <a:bodyPr/>
+                    <a:lstStyle/>
+                    <a:p>
+                      <a:endParaRPr lang="en-US" sz="1400" b="1" dirty="0">
+                        <a:solidFill>
+                          <a:schemeClr val="tx1"/>
+                        </a:solidFill>
+                        <a:latin typeface="Consolas" panose="020B0609020204030204" pitchFamily="49" charset="0"/>
+                      </a:endParaRPr>
+                    </a:p>
+                  </a:txBody>
+                  <a:tcPr>
+                    <a:lnL w="12700" cap="flat" cmpd="sng" algn="ctr">
+                      <a:solidFill>
+                        <a:schemeClr val="tx1"/>
+                      </a:solidFill>
+                      <a:prstDash val="solid"/>
+                      <a:round/>
+                      <a:headEnd type="none" w="med" len="med"/>
+                      <a:tailEnd type="none" w="med" len="med"/>
+                    </a:lnL>
+                    <a:lnR w="12700" cap="flat" cmpd="sng" algn="ctr">
+                      <a:solidFill>
+                        <a:schemeClr val="tx1"/>
+                      </a:solidFill>
+                      <a:prstDash val="solid"/>
+                      <a:round/>
+                      <a:headEnd type="none" w="med" len="med"/>
+                      <a:tailEnd type="none" w="med" len="med"/>
+                    </a:lnR>
+                    <a:lnT w="12700" cap="flat" cmpd="sng" algn="ctr">
+                      <a:solidFill>
+                        <a:schemeClr val="tx1"/>
+                      </a:solidFill>
+                      <a:prstDash val="solid"/>
+                      <a:round/>
+                      <a:headEnd type="none" w="med" len="med"/>
+                      <a:tailEnd type="none" w="med" len="med"/>
+                    </a:lnT>
+                    <a:lnB w="12700" cap="flat" cmpd="sng" algn="ctr">
+                      <a:solidFill>
+                        <a:schemeClr val="tx1"/>
+                      </a:solidFill>
+                      <a:prstDash val="solid"/>
+                      <a:round/>
+                      <a:headEnd type="none" w="med" len="med"/>
+                      <a:tailEnd type="none" w="med" len="med"/>
+                    </a:lnB>
+                    <a:noFill/>
+                  </a:tcPr>
+                </a:tc>
               </a:tr>
               <a:tr h="295057">
                 <a:tc>
@@ -13681,8 +13414,79 @@
                           </a:solidFill>
                           <a:latin typeface="Consolas" panose="020B0609020204030204" pitchFamily="49" charset="0"/>
                         </a:rPr>
-                        <a:t>(j,2),(j,7),(k,9),(m,0),(m,6)</a:t>
+                        <a:t>(j,2),(j,7</a:t>
                       </a:r>
+                      <a:r>
+                        <a:rPr lang="pt-BR" sz="1400" b="1" dirty="0" smtClean="0">
+                          <a:solidFill>
+                            <a:schemeClr val="tx1"/>
+                          </a:solidFill>
+                          <a:latin typeface="Consolas" panose="020B0609020204030204" pitchFamily="49" charset="0"/>
+                        </a:rPr>
+                        <a:t>),(m,0</a:t>
+                      </a:r>
+                      <a:r>
+                        <a:rPr lang="pt-BR" sz="1400" b="1" dirty="0" smtClean="0">
+                          <a:solidFill>
+                            <a:schemeClr val="tx1"/>
+                          </a:solidFill>
+                          <a:latin typeface="Consolas" panose="020B0609020204030204" pitchFamily="49" charset="0"/>
+                        </a:rPr>
+                        <a:t>),(m,6)</a:t>
+                      </a:r>
+                      <a:endParaRPr lang="en-US" sz="1400" b="1" dirty="0">
+                        <a:solidFill>
+                          <a:schemeClr val="tx1"/>
+                        </a:solidFill>
+                        <a:latin typeface="Consolas" panose="020B0609020204030204" pitchFamily="49" charset="0"/>
+                      </a:endParaRPr>
+                    </a:p>
+                  </a:txBody>
+                  <a:tcPr>
+                    <a:lnL w="12700" cap="flat" cmpd="sng" algn="ctr">
+                      <a:solidFill>
+                        <a:schemeClr val="tx1"/>
+                      </a:solidFill>
+                      <a:prstDash val="solid"/>
+                      <a:round/>
+                      <a:headEnd type="none" w="med" len="med"/>
+                      <a:tailEnd type="none" w="med" len="med"/>
+                    </a:lnL>
+                    <a:lnR w="12700" cap="flat" cmpd="sng" algn="ctr">
+                      <a:solidFill>
+                        <a:schemeClr val="tx1"/>
+                      </a:solidFill>
+                      <a:prstDash val="solid"/>
+                      <a:round/>
+                      <a:headEnd type="none" w="med" len="med"/>
+                      <a:tailEnd type="none" w="med" len="med"/>
+                    </a:lnR>
+                    <a:lnT w="12700" cap="flat" cmpd="sng" algn="ctr">
+                      <a:solidFill>
+                        <a:schemeClr val="tx1"/>
+                      </a:solidFill>
+                      <a:prstDash val="solid"/>
+                      <a:round/>
+                      <a:headEnd type="none" w="med" len="med"/>
+                      <a:tailEnd type="none" w="med" len="med"/>
+                    </a:lnT>
+                    <a:lnB w="12700" cap="flat" cmpd="sng" algn="ctr">
+                      <a:solidFill>
+                        <a:schemeClr val="tx1"/>
+                      </a:solidFill>
+                      <a:prstDash val="solid"/>
+                      <a:round/>
+                      <a:headEnd type="none" w="med" len="med"/>
+                      <a:tailEnd type="none" w="med" len="med"/>
+                    </a:lnB>
+                    <a:noFill/>
+                  </a:tcPr>
+                </a:tc>
+                <a:tc>
+                  <a:txBody>
+                    <a:bodyPr/>
+                    <a:lstStyle/>
+                    <a:p>
                       <a:endParaRPr lang="en-US" sz="1400" b="1" dirty="0">
                         <a:solidFill>
                           <a:schemeClr val="tx1"/>
@@ -13928,20 +13732,106 @@
                     <a:noFill/>
                   </a:tcPr>
                 </a:tc>
+                <a:tc>
+                  <a:txBody>
+                    <a:bodyPr/>
+                    <a:lstStyle/>
+                    <a:p>
+                      <a:endParaRPr lang="en-US" sz="1400" b="1" dirty="0">
+                        <a:solidFill>
+                          <a:schemeClr val="tx1"/>
+                        </a:solidFill>
+                        <a:latin typeface="Consolas" panose="020B0609020204030204" pitchFamily="49" charset="0"/>
+                      </a:endParaRPr>
+                    </a:p>
+                  </a:txBody>
+                  <a:tcPr>
+                    <a:lnL w="12700" cap="flat" cmpd="sng" algn="ctr">
+                      <a:solidFill>
+                        <a:schemeClr val="tx1"/>
+                      </a:solidFill>
+                      <a:prstDash val="solid"/>
+                      <a:round/>
+                      <a:headEnd type="none" w="med" len="med"/>
+                      <a:tailEnd type="none" w="med" len="med"/>
+                    </a:lnL>
+                    <a:lnR w="12700" cap="flat" cmpd="sng" algn="ctr">
+                      <a:solidFill>
+                        <a:schemeClr val="tx1"/>
+                      </a:solidFill>
+                      <a:prstDash val="solid"/>
+                      <a:round/>
+                      <a:headEnd type="none" w="med" len="med"/>
+                      <a:tailEnd type="none" w="med" len="med"/>
+                    </a:lnR>
+                    <a:lnT w="12700" cap="flat" cmpd="sng" algn="ctr">
+                      <a:solidFill>
+                        <a:schemeClr val="tx1"/>
+                      </a:solidFill>
+                      <a:prstDash val="solid"/>
+                      <a:round/>
+                      <a:headEnd type="none" w="med" len="med"/>
+                      <a:tailEnd type="none" w="med" len="med"/>
+                    </a:lnT>
+                    <a:lnB w="12700" cap="flat" cmpd="sng" algn="ctr">
+                      <a:solidFill>
+                        <a:schemeClr val="tx1"/>
+                      </a:solidFill>
+                      <a:prstDash val="solid"/>
+                      <a:round/>
+                      <a:headEnd type="none" w="med" len="med"/>
+                      <a:tailEnd type="none" w="med" len="med"/>
+                    </a:lnB>
+                    <a:noFill/>
+                  </a:tcPr>
+                </a:tc>
               </a:tr>
             </a:tbl>
           </a:graphicData>
         </a:graphic>
       </p:graphicFrame>
+      <p:pic>
+        <p:nvPicPr>
+          <p:cNvPr id="5" name="Picture 2"/>
+          <p:cNvPicPr>
+            <a:picLocks noChangeAspect="1" noChangeArrowheads="1"/>
+          </p:cNvPicPr>
+          <p:nvPr/>
+        </p:nvPicPr>
+        <p:blipFill>
+          <a:blip r:embed="rId2"/>
+          <a:srcRect/>
+          <a:stretch>
+            <a:fillRect/>
+          </a:stretch>
+        </p:blipFill>
+        <p:spPr bwMode="auto">
+          <a:xfrm>
+            <a:off x="31215" y="1052736"/>
+            <a:ext cx="2592288" cy="2363038"/>
+          </a:xfrm>
+          <a:prstGeom prst="rect">
+            <a:avLst/>
+          </a:prstGeom>
+          <a:noFill/>
+          <a:ln w="9525">
+            <a:noFill/>
+            <a:miter lim="800000"/>
+            <a:headEnd/>
+            <a:tailEnd/>
+          </a:ln>
+          <a:effectLst/>
+        </p:spPr>
+      </p:pic>
       <p:sp>
         <p:nvSpPr>
-          <p:cNvPr id="8" name="Retângulo 7"/>
+          <p:cNvPr id="6" name="Retângulo 5"/>
           <p:cNvSpPr/>
           <p:nvPr/>
         </p:nvSpPr>
         <p:spPr>
           <a:xfrm>
-            <a:off x="467544" y="2106722"/>
+            <a:off x="467544" y="2538611"/>
             <a:ext cx="8208912" cy="1754326"/>
           </a:xfrm>
           <a:prstGeom prst="rect">
@@ -13980,81 +13870,10 @@
           </a:p>
         </p:txBody>
       </p:sp>
-      <p:sp>
-        <p:nvSpPr>
-          <p:cNvPr id="9" name="Retângulo 8"/>
-          <p:cNvSpPr/>
-          <p:nvPr/>
-        </p:nvSpPr>
-        <p:spPr>
-          <a:xfrm>
-            <a:off x="470559" y="4376926"/>
-            <a:ext cx="8208912" cy="1200329"/>
-          </a:xfrm>
-          <a:prstGeom prst="rect">
-            <a:avLst/>
-          </a:prstGeom>
-          <a:solidFill>
-            <a:srgbClr val="FFFF00"/>
-          </a:solidFill>
-        </p:spPr>
-        <p:style>
-          <a:lnRef idx="2">
-            <a:schemeClr val="dk1"/>
-          </a:lnRef>
-          <a:fillRef idx="1">
-            <a:schemeClr val="lt1"/>
-          </a:fillRef>
-          <a:effectRef idx="0">
-            <a:schemeClr val="dk1"/>
-          </a:effectRef>
-          <a:fontRef idx="minor">
-            <a:schemeClr val="dk1"/>
-          </a:fontRef>
-        </p:style>
-        <p:txBody>
-          <a:bodyPr wrap="square">
-            <a:spAutoFit/>
-          </a:bodyPr>
-          <a:lstStyle/>
-          <a:p>
-            <a:pPr algn="ctr"/>
-            <a:r>
-              <a:rPr lang="pt-BR" sz="3600" dirty="0" smtClean="0"/>
-              <a:t>Perceba que o </a:t>
-            </a:r>
-            <a:r>
-              <a:rPr lang="pt-BR" sz="3600" dirty="0" err="1" smtClean="0"/>
-              <a:t>Control</a:t>
-            </a:r>
-            <a:r>
-              <a:rPr lang="pt-BR" sz="3600" dirty="0" smtClean="0"/>
-              <a:t> </a:t>
-            </a:r>
-            <a:r>
-              <a:rPr lang="pt-BR" sz="3600" dirty="0" err="1" smtClean="0"/>
-              <a:t>Flow</a:t>
-            </a:r>
-            <a:r>
-              <a:rPr lang="pt-BR" sz="3600" dirty="0" smtClean="0"/>
-              <a:t> </a:t>
-            </a:r>
-            <a:r>
-              <a:rPr lang="pt-BR" sz="3600" dirty="0" err="1" smtClean="0"/>
-              <a:t>Graph</a:t>
-            </a:r>
-            <a:r>
-              <a:rPr lang="pt-BR" sz="3600" dirty="0" smtClean="0"/>
-              <a:t> do programa foi usado para orientar a análise</a:t>
-            </a:r>
-            <a:endParaRPr lang="pt-BR" sz="3600" dirty="0"/>
-          </a:p>
-        </p:txBody>
-      </p:sp>
     </p:spTree>
     <p:extLst>
       <p:ext uri="{BB962C8B-B14F-4D97-AF65-F5344CB8AC3E}">
-        <p14:creationId xmlns:p14="http://schemas.microsoft.com/office/powerpoint/2010/main" val="870847004"/>
+        <p14:creationId xmlns:p14="http://schemas.microsoft.com/office/powerpoint/2010/main" val="2859888621"/>
       </p:ext>
     </p:extLst>
   </p:cSld>
@@ -15171,14 +14990,14 @@
           <p:nvPr>
             <p:extLst>
               <p:ext uri="{D42A27DB-BD31-4B8C-83A1-F6EECF244321}">
-                <p14:modId xmlns:p14="http://schemas.microsoft.com/office/powerpoint/2010/main" val="649785816"/>
+                <p14:modId xmlns:p14="http://schemas.microsoft.com/office/powerpoint/2010/main" val="1677643509"/>
               </p:ext>
             </p:extLst>
           </p:nvPr>
         </p:nvGraphicFramePr>
         <p:xfrm>
-          <a:off x="1547664" y="3284984"/>
-          <a:ext cx="5666740" cy="2133600"/>
+          <a:off x="657940" y="3284984"/>
+          <a:ext cx="7992888" cy="2133600"/>
         </p:xfrm>
         <a:graphic>
           <a:graphicData uri="http://schemas.openxmlformats.org/drawingml/2006/table">
@@ -15187,9 +15006,9 @@
                 <a:tableStyleId>{5C22544A-7EE6-4342-B048-85BDC9FD1C3A}</a:tableStyleId>
               </a:tblPr>
               <a:tblGrid>
-                <a:gridCol w="478155"/>
-                <a:gridCol w="2052955"/>
-                <a:gridCol w="3135630"/>
+                <a:gridCol w="674434"/>
+                <a:gridCol w="2895675"/>
+                <a:gridCol w="4422779"/>
               </a:tblGrid>
               <a:tr h="295057">
                 <a:tc>
@@ -15259,6 +15078,123 @@
                           <a:latin typeface="Consolas" panose="020B0609020204030204" pitchFamily="49" charset="0"/>
                         </a:rPr>
                         <a:t>Iteração</a:t>
+                      </a:r>
+                      <a:r>
+                        <a:rPr lang="en-US" sz="1400" b="1" dirty="0" smtClean="0">
+                          <a:solidFill>
+                            <a:schemeClr val="tx1"/>
+                          </a:solidFill>
+                          <a:latin typeface="Consolas" panose="020B0609020204030204" pitchFamily="49" charset="0"/>
+                        </a:rPr>
+                        <a:t> (</a:t>
+                      </a:r>
+                      <a:r>
+                        <a:rPr lang="en-US" sz="1400" b="1" dirty="0" err="1" smtClean="0">
+                          <a:solidFill>
+                            <a:schemeClr val="tx1"/>
+                          </a:solidFill>
+                          <a:latin typeface="Consolas" panose="020B0609020204030204" pitchFamily="49" charset="0"/>
+                        </a:rPr>
+                        <a:t>Conjuntos</a:t>
+                      </a:r>
+                      <a:r>
+                        <a:rPr lang="en-US" sz="1400" b="1" dirty="0" smtClean="0">
+                          <a:solidFill>
+                            <a:schemeClr val="tx1"/>
+                          </a:solidFill>
+                          <a:latin typeface="Consolas" panose="020B0609020204030204" pitchFamily="49" charset="0"/>
+                        </a:rPr>
+                        <a:t> </a:t>
+                      </a:r>
+                      <a:r>
+                        <a:rPr lang="en-US" sz="1400" b="1" dirty="0" err="1" smtClean="0">
+                          <a:solidFill>
+                            <a:schemeClr val="tx1"/>
+                          </a:solidFill>
+                          <a:latin typeface="Consolas" panose="020B0609020204030204" pitchFamily="49" charset="0"/>
+                        </a:rPr>
+                        <a:t>Definições</a:t>
+                      </a:r>
+                      <a:r>
+                        <a:rPr lang="en-US" sz="1400" b="1" baseline="0" dirty="0" smtClean="0">
+                          <a:solidFill>
+                            <a:schemeClr val="tx1"/>
+                          </a:solidFill>
+                          <a:latin typeface="Consolas" panose="020B0609020204030204" pitchFamily="49" charset="0"/>
+                        </a:rPr>
+                        <a:t> </a:t>
+                      </a:r>
+                      <a:r>
+                        <a:rPr lang="en-US" sz="1400" b="1" baseline="0" dirty="0" err="1" smtClean="0">
+                          <a:solidFill>
+                            <a:schemeClr val="tx1"/>
+                          </a:solidFill>
+                          <a:latin typeface="Consolas" panose="020B0609020204030204" pitchFamily="49" charset="0"/>
+                        </a:rPr>
+                        <a:t>Alcancáveis</a:t>
+                      </a:r>
+                      <a:r>
+                        <a:rPr lang="en-US" sz="1400" b="1" baseline="0" dirty="0" smtClean="0">
+                          <a:solidFill>
+                            <a:schemeClr val="tx1"/>
+                          </a:solidFill>
+                          <a:latin typeface="Consolas" panose="020B0609020204030204" pitchFamily="49" charset="0"/>
+                        </a:rPr>
+                        <a:t> </a:t>
+                      </a:r>
+                      <a:r>
+                        <a:rPr lang="en-US" sz="1400" b="1" baseline="0" dirty="0" err="1" smtClean="0">
+                          <a:solidFill>
+                            <a:schemeClr val="tx1"/>
+                          </a:solidFill>
+                          <a:latin typeface="Consolas" panose="020B0609020204030204" pitchFamily="49" charset="0"/>
+                        </a:rPr>
+                        <a:t>Após</a:t>
+                      </a:r>
+                      <a:r>
+                        <a:rPr lang="en-US" sz="1400" b="1" baseline="0" dirty="0" smtClean="0">
+                          <a:solidFill>
+                            <a:schemeClr val="tx1"/>
+                          </a:solidFill>
+                          <a:latin typeface="Consolas" panose="020B0609020204030204" pitchFamily="49" charset="0"/>
+                        </a:rPr>
+                        <a:t> </a:t>
+                      </a:r>
+                      <a:r>
+                        <a:rPr lang="en-US" sz="1400" b="1" baseline="0" dirty="0" err="1" smtClean="0">
+                          <a:solidFill>
+                            <a:schemeClr val="tx1"/>
+                          </a:solidFill>
+                          <a:latin typeface="Consolas" panose="020B0609020204030204" pitchFamily="49" charset="0"/>
+                        </a:rPr>
+                        <a:t>Pontos</a:t>
+                      </a:r>
+                      <a:r>
+                        <a:rPr lang="en-US" sz="1400" b="1" baseline="0" dirty="0" smtClean="0">
+                          <a:solidFill>
+                            <a:schemeClr val="tx1"/>
+                          </a:solidFill>
+                          <a:latin typeface="Consolas" panose="020B0609020204030204" pitchFamily="49" charset="0"/>
+                        </a:rPr>
+                        <a:t> da </a:t>
+                      </a:r>
+                      <a:r>
+                        <a:rPr lang="en-US" sz="1400" b="1" baseline="0" dirty="0" err="1" smtClean="0">
+                          <a:solidFill>
+                            <a:schemeClr val="tx1"/>
+                          </a:solidFill>
+                          <a:latin typeface="Consolas" panose="020B0609020204030204" pitchFamily="49" charset="0"/>
+                        </a:rPr>
+                        <a:t>linha</a:t>
+                      </a:r>
+                      <a:r>
+                        <a:rPr lang="en-US" sz="1400" b="1" baseline="0" dirty="0" smtClean="0">
+                          <a:solidFill>
+                            <a:schemeClr val="tx1"/>
+                          </a:solidFill>
+                          <a:latin typeface="Consolas" panose="020B0609020204030204" pitchFamily="49" charset="0"/>
+                        </a:rPr>
+                        <a:t> Ln)</a:t>
                       </a:r>
                       <a:endParaRPr lang="en-US" sz="1400" b="1" dirty="0">
                         <a:solidFill>
@@ -15385,6 +15321,15 @@
                     <a:bodyPr/>
                     <a:lstStyle/>
                     <a:p>
+                      <a:r>
+                        <a:rPr lang="en-US" sz="1400" b="1" dirty="0" smtClean="0">
+                          <a:solidFill>
+                            <a:schemeClr val="tx1"/>
+                          </a:solidFill>
+                          <a:latin typeface="Consolas" panose="020B0609020204030204" pitchFamily="49" charset="0"/>
+                        </a:rPr>
+                        <a:t>Ln</a:t>
+                      </a:r>
                       <a:endParaRPr lang="en-US" sz="1400" b="1" dirty="0">
                         <a:solidFill>
                           <a:schemeClr val="tx1"/>
@@ -15645,7 +15590,25 @@
                           </a:solidFill>
                           <a:latin typeface="Consolas" panose="020B0609020204030204" pitchFamily="49" charset="0"/>
                         </a:rPr>
-                        <a:t>(c,1),(k,0)</a:t>
+                        <a:t>(c,1</a:t>
+                      </a:r>
+                      <a:r>
+                        <a:rPr lang="pt-BR" sz="1400" b="1" dirty="0" smtClean="0">
+                          <a:solidFill>
+                            <a:schemeClr val="tx1"/>
+                          </a:solidFill>
+                          <a:latin typeface="Consolas" panose="020B0609020204030204" pitchFamily="49" charset="0"/>
+                        </a:rPr>
+                        <a:t>),(i,0),(k,0</a:t>
+                      </a:r>
+                      <a:r>
+                        <a:rPr lang="pt-BR" sz="1400" b="1" dirty="0" smtClean="0">
+                          <a:solidFill>
+                            <a:schemeClr val="tx1"/>
+                          </a:solidFill>
+                          <a:latin typeface="Consolas" panose="020B0609020204030204" pitchFamily="49" charset="0"/>
+                        </a:rPr>
+                        <a:t>)</a:t>
                       </a:r>
                       <a:endParaRPr lang="en-US" sz="1400" b="1" dirty="0">
                         <a:solidFill>
@@ -15724,7 +15687,25 @@
                           </a:solidFill>
                           <a:latin typeface="Consolas" panose="020B0609020204030204" pitchFamily="49" charset="0"/>
                         </a:rPr>
-                        <a:t>(c,1),(k,0)</a:t>
+                        <a:t>(c,1</a:t>
+                      </a:r>
+                      <a:r>
+                        <a:rPr lang="pt-BR" sz="1400" b="1" dirty="0" smtClean="0">
+                          <a:solidFill>
+                            <a:schemeClr val="tx1"/>
+                          </a:solidFill>
+                          <a:latin typeface="Consolas" panose="020B0609020204030204" pitchFamily="49" charset="0"/>
+                        </a:rPr>
+                        <a:t>),(i,0),(k,0</a:t>
+                      </a:r>
+                      <a:r>
+                        <a:rPr lang="pt-BR" sz="1400" b="1" dirty="0" smtClean="0">
+                          <a:solidFill>
+                            <a:schemeClr val="tx1"/>
+                          </a:solidFill>
+                          <a:latin typeface="Consolas" panose="020B0609020204030204" pitchFamily="49" charset="0"/>
+                        </a:rPr>
+                        <a:t>)</a:t>
                       </a:r>
                       <a:endParaRPr lang="en-US" sz="1400" b="1" dirty="0" smtClean="0">
                         <a:solidFill>

--- a/slides-aulas/analise-estatica.pptx
+++ b/slides-aulas/analise-estatica.pptx
@@ -40,18 +40,18 @@
     <p:sldId id="358" r:id="rId31"/>
     <p:sldId id="371" r:id="rId32"/>
     <p:sldId id="359" r:id="rId33"/>
-    <p:sldId id="348" r:id="rId34"/>
-    <p:sldId id="349" r:id="rId35"/>
-    <p:sldId id="367" r:id="rId36"/>
-    <p:sldId id="350" r:id="rId37"/>
-    <p:sldId id="338" r:id="rId38"/>
-    <p:sldId id="339" r:id="rId39"/>
-    <p:sldId id="352" r:id="rId40"/>
-    <p:sldId id="346" r:id="rId41"/>
-    <p:sldId id="340" r:id="rId42"/>
-    <p:sldId id="342" r:id="rId43"/>
-    <p:sldId id="347" r:id="rId44"/>
-    <p:sldId id="353" r:id="rId45"/>
+    <p:sldId id="353" r:id="rId34"/>
+    <p:sldId id="348" r:id="rId35"/>
+    <p:sldId id="349" r:id="rId36"/>
+    <p:sldId id="367" r:id="rId37"/>
+    <p:sldId id="350" r:id="rId38"/>
+    <p:sldId id="338" r:id="rId39"/>
+    <p:sldId id="339" r:id="rId40"/>
+    <p:sldId id="352" r:id="rId41"/>
+    <p:sldId id="346" r:id="rId42"/>
+    <p:sldId id="340" r:id="rId43"/>
+    <p:sldId id="342" r:id="rId44"/>
+    <p:sldId id="347" r:id="rId45"/>
     <p:sldId id="331" r:id="rId46"/>
     <p:sldId id="360" r:id="rId47"/>
     <p:sldId id="361" r:id="rId48"/>
@@ -176,6 +176,7 @@
 <p1510:revInfo xmlns:a="http://schemas.openxmlformats.org/drawingml/2006/main" xmlns:r="http://schemas.openxmlformats.org/officeDocument/2006/relationships" xmlns:p1510="http://schemas.microsoft.com/office/powerpoint/2015/10/main">
   <p1510:revLst>
     <p1510:client id="{5E6A2BD9-5D64-4786-885F-CC6458E01271}" v="95" dt="2020-11-09T13:18:42.511"/>
+    <p1510:client id="{61D0A150-6C8C-488A-9F0F-C002AECCC2B2}" v="1" dt="2020-11-09T15:01:12.983"/>
   </p1510:revLst>
 </p1510:revInfo>
 </file>
@@ -679,7 +680,7 @@
           <a:p>
             <a:fld id="{8B1DF11F-2FBE-47B1-A1D9-2978F66A4F5E}" type="slidenum">
               <a:rPr lang="en-US" smtClean="0"/>
-              <a:t>18</a:t>
+              <a:t>19</a:t>
             </a:fld>
             <a:endParaRPr lang="en-US"/>
           </a:p>
@@ -766,7 +767,7 @@
             <a:fld id="{F55A198A-80B8-477A-A203-F6195CE1332C}" type="slidenum">
               <a:rPr lang="pt-BR" smtClean="0"/>
               <a:pPr/>
-              <a:t>19</a:t>
+              <a:t>20</a:t>
             </a:fld>
             <a:endParaRPr lang="pt-BR"/>
           </a:p>
@@ -848,7 +849,7 @@
             <a:fld id="{F55A198A-80B8-477A-A203-F6195CE1332C}" type="slidenum">
               <a:rPr lang="pt-BR" smtClean="0"/>
               <a:pPr/>
-              <a:t>20</a:t>
+              <a:t>21</a:t>
             </a:fld>
             <a:endParaRPr lang="pt-BR"/>
           </a:p>
@@ -19317,4549 +19318,6 @@
 </file>
 
 <file path=ppt/slides/slide33.xml><?xml version="1.0" encoding="utf-8"?>
-<p:sld xmlns:a="http://schemas.openxmlformats.org/drawingml/2006/main" xmlns:r="http://schemas.openxmlformats.org/officeDocument/2006/relationships" xmlns:p="http://schemas.openxmlformats.org/presentationml/2006/main">
-  <p:cSld>
-    <p:spTree>
-      <p:nvGrpSpPr>
-        <p:cNvPr id="1" name=""/>
-        <p:cNvGrpSpPr/>
-        <p:nvPr/>
-      </p:nvGrpSpPr>
-      <p:grpSpPr>
-        <a:xfrm>
-          <a:off x="0" y="0"/>
-          <a:ext cx="0" cy="0"/>
-          <a:chOff x="0" y="0"/>
-          <a:chExt cx="0" cy="0"/>
-        </a:xfrm>
-      </p:grpSpPr>
-      <p:sp>
-        <p:nvSpPr>
-          <p:cNvPr id="2" name="Título 1"/>
-          <p:cNvSpPr>
-            <a:spLocks noGrp="1"/>
-          </p:cNvSpPr>
-          <p:nvPr>
-            <p:ph type="title"/>
-          </p:nvPr>
-        </p:nvSpPr>
-        <p:spPr/>
-        <p:txBody>
-          <a:bodyPr/>
-          <a:lstStyle/>
-          <a:p>
-            <a:r>
-              <a:rPr lang="pt-BR" dirty="0"/>
-              <a:t>Falso positivos e negativos</a:t>
-            </a:r>
-            <a:endParaRPr lang="en-US" dirty="0"/>
-          </a:p>
-        </p:txBody>
-      </p:sp>
-      <p:sp>
-        <p:nvSpPr>
-          <p:cNvPr id="3" name="Espaço Reservado para Conteúdo 2"/>
-          <p:cNvSpPr>
-            <a:spLocks noGrp="1"/>
-          </p:cNvSpPr>
-          <p:nvPr>
-            <p:ph idx="1"/>
-          </p:nvPr>
-        </p:nvSpPr>
-        <p:spPr>
-          <a:xfrm>
-            <a:off x="457200" y="1600200"/>
-            <a:ext cx="8686800" cy="4525963"/>
-          </a:xfrm>
-        </p:spPr>
-        <p:txBody>
-          <a:bodyPr/>
-          <a:lstStyle/>
-          <a:p>
-            <a:r>
-              <a:rPr lang="pt-BR" dirty="0"/>
-              <a:t>Dado que análise de </a:t>
-            </a:r>
-            <a:r>
-              <a:rPr lang="pt-BR" dirty="0" err="1"/>
-              <a:t>dataflow</a:t>
-            </a:r>
-            <a:r>
-              <a:rPr lang="pt-BR" dirty="0"/>
-              <a:t> calcula conjunto de observações O = {o_1, ..., </a:t>
-            </a:r>
-            <a:r>
-              <a:rPr lang="pt-BR" dirty="0" err="1"/>
-              <a:t>o_n</a:t>
-            </a:r>
-            <a:r>
-              <a:rPr lang="pt-BR" dirty="0"/>
-              <a:t>}</a:t>
-            </a:r>
-          </a:p>
-          <a:p>
-            <a:r>
-              <a:rPr lang="pt-BR" dirty="0"/>
-              <a:t>Conjuntos de observações reais R</a:t>
-            </a:r>
-          </a:p>
-        </p:txBody>
-      </p:sp>
-      <p:sp>
-        <p:nvSpPr>
-          <p:cNvPr id="5" name="Elipse 4"/>
-          <p:cNvSpPr/>
-          <p:nvPr/>
-        </p:nvSpPr>
-        <p:spPr>
-          <a:xfrm>
-            <a:off x="2119800" y="3717032"/>
-            <a:ext cx="2808312" cy="2664296"/>
-          </a:xfrm>
-          <a:prstGeom prst="ellipse">
-            <a:avLst/>
-          </a:prstGeom>
-          <a:noFill/>
-          <a:ln>
-            <a:solidFill>
-              <a:schemeClr val="tx1"/>
-            </a:solidFill>
-          </a:ln>
-        </p:spPr>
-        <p:style>
-          <a:lnRef idx="2">
-            <a:schemeClr val="accent1">
-              <a:shade val="50000"/>
-            </a:schemeClr>
-          </a:lnRef>
-          <a:fillRef idx="1">
-            <a:schemeClr val="accent1"/>
-          </a:fillRef>
-          <a:effectRef idx="0">
-            <a:schemeClr val="accent1"/>
-          </a:effectRef>
-          <a:fontRef idx="minor">
-            <a:schemeClr val="lt1"/>
-          </a:fontRef>
-        </p:style>
-        <p:txBody>
-          <a:bodyPr rtlCol="0" anchor="ctr"/>
-          <a:lstStyle/>
-          <a:p>
-            <a:pPr algn="ctr"/>
-            <a:endParaRPr lang="en-US"/>
-          </a:p>
-        </p:txBody>
-      </p:sp>
-      <p:sp>
-        <p:nvSpPr>
-          <p:cNvPr id="6" name="Elipse 5"/>
-          <p:cNvSpPr/>
-          <p:nvPr/>
-        </p:nvSpPr>
-        <p:spPr>
-          <a:xfrm>
-            <a:off x="3707904" y="3717032"/>
-            <a:ext cx="2808312" cy="2664296"/>
-          </a:xfrm>
-          <a:prstGeom prst="ellipse">
-            <a:avLst/>
-          </a:prstGeom>
-          <a:noFill/>
-          <a:ln>
-            <a:solidFill>
-              <a:schemeClr val="tx1"/>
-            </a:solidFill>
-          </a:ln>
-        </p:spPr>
-        <p:style>
-          <a:lnRef idx="2">
-            <a:schemeClr val="accent1">
-              <a:shade val="50000"/>
-            </a:schemeClr>
-          </a:lnRef>
-          <a:fillRef idx="1">
-            <a:schemeClr val="accent1"/>
-          </a:fillRef>
-          <a:effectRef idx="0">
-            <a:schemeClr val="accent1"/>
-          </a:effectRef>
-          <a:fontRef idx="minor">
-            <a:schemeClr val="lt1"/>
-          </a:fontRef>
-        </p:style>
-        <p:txBody>
-          <a:bodyPr rtlCol="0" anchor="ctr"/>
-          <a:lstStyle/>
-          <a:p>
-            <a:pPr algn="ctr"/>
-            <a:endParaRPr lang="en-US"/>
-          </a:p>
-        </p:txBody>
-      </p:sp>
-      <p:sp>
-        <p:nvSpPr>
-          <p:cNvPr id="7" name="CaixaDeTexto 6"/>
-          <p:cNvSpPr txBox="1"/>
-          <p:nvPr/>
-        </p:nvSpPr>
-        <p:spPr>
-          <a:xfrm>
-            <a:off x="2339752" y="3717032"/>
-            <a:ext cx="336952" cy="369332"/>
-          </a:xfrm>
-          <a:prstGeom prst="rect">
-            <a:avLst/>
-          </a:prstGeom>
-          <a:noFill/>
-        </p:spPr>
-        <p:txBody>
-          <a:bodyPr wrap="none" rtlCol="0">
-            <a:spAutoFit/>
-          </a:bodyPr>
-          <a:lstStyle/>
-          <a:p>
-            <a:r>
-              <a:rPr lang="pt-BR" dirty="0"/>
-              <a:t>O</a:t>
-            </a:r>
-            <a:endParaRPr lang="en-US" dirty="0"/>
-          </a:p>
-        </p:txBody>
-      </p:sp>
-      <p:sp>
-        <p:nvSpPr>
-          <p:cNvPr id="8" name="CaixaDeTexto 7"/>
-          <p:cNvSpPr txBox="1"/>
-          <p:nvPr/>
-        </p:nvSpPr>
-        <p:spPr>
-          <a:xfrm>
-            <a:off x="5963240" y="3717032"/>
-            <a:ext cx="309700" cy="369332"/>
-          </a:xfrm>
-          <a:prstGeom prst="rect">
-            <a:avLst/>
-          </a:prstGeom>
-          <a:noFill/>
-        </p:spPr>
-        <p:txBody>
-          <a:bodyPr wrap="none" rtlCol="0">
-            <a:spAutoFit/>
-          </a:bodyPr>
-          <a:lstStyle/>
-          <a:p>
-            <a:r>
-              <a:rPr lang="pt-BR" dirty="0"/>
-              <a:t>R</a:t>
-            </a:r>
-            <a:endParaRPr lang="en-US" dirty="0"/>
-          </a:p>
-        </p:txBody>
-      </p:sp>
-    </p:spTree>
-    <p:extLst>
-      <p:ext uri="{BB962C8B-B14F-4D97-AF65-F5344CB8AC3E}">
-        <p14:creationId xmlns:p14="http://schemas.microsoft.com/office/powerpoint/2010/main" val="122820160"/>
-      </p:ext>
-    </p:extLst>
-  </p:cSld>
-  <p:clrMapOvr>
-    <a:masterClrMapping/>
-  </p:clrMapOvr>
-</p:sld>
-</file>
-
-<file path=ppt/slides/slide34.xml><?xml version="1.0" encoding="utf-8"?>
-<p:sld xmlns:a="http://schemas.openxmlformats.org/drawingml/2006/main" xmlns:r="http://schemas.openxmlformats.org/officeDocument/2006/relationships" xmlns:p="http://schemas.openxmlformats.org/presentationml/2006/main">
-  <p:cSld>
-    <p:spTree>
-      <p:nvGrpSpPr>
-        <p:cNvPr id="1" name=""/>
-        <p:cNvGrpSpPr/>
-        <p:nvPr/>
-      </p:nvGrpSpPr>
-      <p:grpSpPr>
-        <a:xfrm>
-          <a:off x="0" y="0"/>
-          <a:ext cx="0" cy="0"/>
-          <a:chOff x="0" y="0"/>
-          <a:chExt cx="0" cy="0"/>
-        </a:xfrm>
-      </p:grpSpPr>
-      <p:sp>
-        <p:nvSpPr>
-          <p:cNvPr id="2" name="Título 1"/>
-          <p:cNvSpPr>
-            <a:spLocks noGrp="1"/>
-          </p:cNvSpPr>
-          <p:nvPr>
-            <p:ph type="title"/>
-          </p:nvPr>
-        </p:nvSpPr>
-        <p:spPr/>
-        <p:txBody>
-          <a:bodyPr/>
-          <a:lstStyle/>
-          <a:p>
-            <a:r>
-              <a:rPr lang="pt-BR" dirty="0"/>
-              <a:t>Falso positivos e negativos</a:t>
-            </a:r>
-            <a:endParaRPr lang="en-US" dirty="0"/>
-          </a:p>
-        </p:txBody>
-      </p:sp>
-      <p:sp>
-        <p:nvSpPr>
-          <p:cNvPr id="3" name="Espaço Reservado para Conteúdo 2"/>
-          <p:cNvSpPr>
-            <a:spLocks noGrp="1"/>
-          </p:cNvSpPr>
-          <p:nvPr>
-            <p:ph idx="1"/>
-          </p:nvPr>
-        </p:nvSpPr>
-        <p:spPr>
-          <a:xfrm>
-            <a:off x="457200" y="1600200"/>
-            <a:ext cx="8686800" cy="4525963"/>
-          </a:xfrm>
-        </p:spPr>
-        <p:txBody>
-          <a:bodyPr/>
-          <a:lstStyle/>
-          <a:p>
-            <a:r>
-              <a:rPr lang="pt-BR" dirty="0"/>
-              <a:t>Dado que análise de </a:t>
-            </a:r>
-            <a:r>
-              <a:rPr lang="pt-BR" dirty="0" err="1"/>
-              <a:t>dataflow</a:t>
-            </a:r>
-            <a:r>
-              <a:rPr lang="pt-BR" dirty="0"/>
-              <a:t> calcula conjunto de observações O = {o_1, ..., </a:t>
-            </a:r>
-            <a:r>
-              <a:rPr lang="pt-BR" dirty="0" err="1"/>
-              <a:t>o_n</a:t>
-            </a:r>
-            <a:r>
-              <a:rPr lang="pt-BR" dirty="0"/>
-              <a:t>}</a:t>
-            </a:r>
-          </a:p>
-          <a:p>
-            <a:r>
-              <a:rPr lang="pt-BR" dirty="0"/>
-              <a:t>Conjuntos de observações reais R</a:t>
-            </a:r>
-          </a:p>
-        </p:txBody>
-      </p:sp>
-      <p:sp>
-        <p:nvSpPr>
-          <p:cNvPr id="5" name="Elipse 4"/>
-          <p:cNvSpPr/>
-          <p:nvPr/>
-        </p:nvSpPr>
-        <p:spPr>
-          <a:xfrm>
-            <a:off x="2119800" y="3717032"/>
-            <a:ext cx="2808312" cy="2664296"/>
-          </a:xfrm>
-          <a:prstGeom prst="ellipse">
-            <a:avLst/>
-          </a:prstGeom>
-          <a:solidFill>
-            <a:schemeClr val="tx2">
-              <a:lumMod val="20000"/>
-              <a:lumOff val="80000"/>
-            </a:schemeClr>
-          </a:solidFill>
-          <a:ln>
-            <a:solidFill>
-              <a:schemeClr val="tx1"/>
-            </a:solidFill>
-          </a:ln>
-        </p:spPr>
-        <p:style>
-          <a:lnRef idx="2">
-            <a:schemeClr val="accent1">
-              <a:shade val="50000"/>
-            </a:schemeClr>
-          </a:lnRef>
-          <a:fillRef idx="1">
-            <a:schemeClr val="accent1"/>
-          </a:fillRef>
-          <a:effectRef idx="0">
-            <a:schemeClr val="accent1"/>
-          </a:effectRef>
-          <a:fontRef idx="minor">
-            <a:schemeClr val="lt1"/>
-          </a:fontRef>
-        </p:style>
-        <p:txBody>
-          <a:bodyPr rtlCol="0" anchor="ctr"/>
-          <a:lstStyle/>
-          <a:p>
-            <a:pPr algn="ctr"/>
-            <a:endParaRPr lang="en-US" dirty="0"/>
-          </a:p>
-        </p:txBody>
-      </p:sp>
-      <p:sp>
-        <p:nvSpPr>
-          <p:cNvPr id="6" name="Elipse 5"/>
-          <p:cNvSpPr/>
-          <p:nvPr/>
-        </p:nvSpPr>
-        <p:spPr>
-          <a:xfrm>
-            <a:off x="3707904" y="3717032"/>
-            <a:ext cx="2808312" cy="2664296"/>
-          </a:xfrm>
-          <a:prstGeom prst="ellipse">
-            <a:avLst/>
-          </a:prstGeom>
-          <a:solidFill>
-            <a:schemeClr val="bg1"/>
-          </a:solidFill>
-          <a:ln>
-            <a:solidFill>
-              <a:schemeClr val="tx1"/>
-            </a:solidFill>
-          </a:ln>
-        </p:spPr>
-        <p:style>
-          <a:lnRef idx="2">
-            <a:schemeClr val="accent1">
-              <a:shade val="50000"/>
-            </a:schemeClr>
-          </a:lnRef>
-          <a:fillRef idx="1">
-            <a:schemeClr val="accent1"/>
-          </a:fillRef>
-          <a:effectRef idx="0">
-            <a:schemeClr val="accent1"/>
-          </a:effectRef>
-          <a:fontRef idx="minor">
-            <a:schemeClr val="lt1"/>
-          </a:fontRef>
-        </p:style>
-        <p:txBody>
-          <a:bodyPr rtlCol="0" anchor="ctr"/>
-          <a:lstStyle/>
-          <a:p>
-            <a:pPr algn="ctr"/>
-            <a:endParaRPr lang="en-US"/>
-          </a:p>
-        </p:txBody>
-      </p:sp>
-      <p:sp>
-        <p:nvSpPr>
-          <p:cNvPr id="7" name="CaixaDeTexto 6"/>
-          <p:cNvSpPr txBox="1"/>
-          <p:nvPr/>
-        </p:nvSpPr>
-        <p:spPr>
-          <a:xfrm>
-            <a:off x="2339752" y="3717032"/>
-            <a:ext cx="336952" cy="369332"/>
-          </a:xfrm>
-          <a:prstGeom prst="rect">
-            <a:avLst/>
-          </a:prstGeom>
-          <a:noFill/>
-        </p:spPr>
-        <p:txBody>
-          <a:bodyPr wrap="none" rtlCol="0">
-            <a:spAutoFit/>
-          </a:bodyPr>
-          <a:lstStyle/>
-          <a:p>
-            <a:r>
-              <a:rPr lang="pt-BR" dirty="0"/>
-              <a:t>O</a:t>
-            </a:r>
-            <a:endParaRPr lang="en-US" dirty="0"/>
-          </a:p>
-        </p:txBody>
-      </p:sp>
-      <p:sp>
-        <p:nvSpPr>
-          <p:cNvPr id="8" name="CaixaDeTexto 7"/>
-          <p:cNvSpPr txBox="1"/>
-          <p:nvPr/>
-        </p:nvSpPr>
-        <p:spPr>
-          <a:xfrm>
-            <a:off x="5963240" y="3717032"/>
-            <a:ext cx="309700" cy="369332"/>
-          </a:xfrm>
-          <a:prstGeom prst="rect">
-            <a:avLst/>
-          </a:prstGeom>
-          <a:noFill/>
-        </p:spPr>
-        <p:txBody>
-          <a:bodyPr wrap="none" rtlCol="0">
-            <a:spAutoFit/>
-          </a:bodyPr>
-          <a:lstStyle/>
-          <a:p>
-            <a:r>
-              <a:rPr lang="pt-BR" dirty="0"/>
-              <a:t>R</a:t>
-            </a:r>
-            <a:endParaRPr lang="en-US" dirty="0"/>
-          </a:p>
-        </p:txBody>
-      </p:sp>
-      <p:sp>
-        <p:nvSpPr>
-          <p:cNvPr id="4" name="Texto explicativo retangular 3"/>
-          <p:cNvSpPr/>
-          <p:nvPr/>
-        </p:nvSpPr>
-        <p:spPr>
-          <a:xfrm>
-            <a:off x="179512" y="5373216"/>
-            <a:ext cx="1840260" cy="504056"/>
-          </a:xfrm>
-          <a:prstGeom prst="wedgeRectCallout">
-            <a:avLst>
-              <a:gd name="adj1" fmla="val 59931"/>
-              <a:gd name="adj2" fmla="val -14536"/>
-            </a:avLst>
-          </a:prstGeom>
-          <a:solidFill>
-            <a:schemeClr val="bg1"/>
-          </a:solidFill>
-          <a:ln>
-            <a:solidFill>
-              <a:schemeClr val="tx1"/>
-            </a:solidFill>
-          </a:ln>
-        </p:spPr>
-        <p:style>
-          <a:lnRef idx="2">
-            <a:schemeClr val="accent1">
-              <a:shade val="50000"/>
-            </a:schemeClr>
-          </a:lnRef>
-          <a:fillRef idx="1">
-            <a:schemeClr val="accent1"/>
-          </a:fillRef>
-          <a:effectRef idx="0">
-            <a:schemeClr val="accent1"/>
-          </a:effectRef>
-          <a:fontRef idx="minor">
-            <a:schemeClr val="lt1"/>
-          </a:fontRef>
-        </p:style>
-        <p:txBody>
-          <a:bodyPr rtlCol="0" anchor="ctr"/>
-          <a:lstStyle/>
-          <a:p>
-            <a:pPr algn="ctr"/>
-            <a:r>
-              <a:rPr lang="pt-BR" dirty="0">
-                <a:solidFill>
-                  <a:schemeClr val="tx1"/>
-                </a:solidFill>
-              </a:rPr>
-              <a:t>falso positivos</a:t>
-            </a:r>
-            <a:endParaRPr lang="en-US" dirty="0">
-              <a:solidFill>
-                <a:schemeClr val="tx1"/>
-              </a:solidFill>
-            </a:endParaRPr>
-          </a:p>
-        </p:txBody>
-      </p:sp>
-    </p:spTree>
-    <p:extLst>
-      <p:ext uri="{BB962C8B-B14F-4D97-AF65-F5344CB8AC3E}">
-        <p14:creationId xmlns:p14="http://schemas.microsoft.com/office/powerpoint/2010/main" val="4171893187"/>
-      </p:ext>
-    </p:extLst>
-  </p:cSld>
-  <p:clrMapOvr>
-    <a:masterClrMapping/>
-  </p:clrMapOvr>
-</p:sld>
-</file>
-
-<file path=ppt/slides/slide35.xml><?xml version="1.0" encoding="utf-8"?>
-<p:sld xmlns:a="http://schemas.openxmlformats.org/drawingml/2006/main" xmlns:r="http://schemas.openxmlformats.org/officeDocument/2006/relationships" xmlns:p="http://schemas.openxmlformats.org/presentationml/2006/main">
-  <p:cSld>
-    <p:spTree>
-      <p:nvGrpSpPr>
-        <p:cNvPr id="1" name=""/>
-        <p:cNvGrpSpPr/>
-        <p:nvPr/>
-      </p:nvGrpSpPr>
-      <p:grpSpPr>
-        <a:xfrm>
-          <a:off x="0" y="0"/>
-          <a:ext cx="0" cy="0"/>
-          <a:chOff x="0" y="0"/>
-          <a:chExt cx="0" cy="0"/>
-        </a:xfrm>
-      </p:grpSpPr>
-      <p:sp>
-        <p:nvSpPr>
-          <p:cNvPr id="2" name="Título 1"/>
-          <p:cNvSpPr>
-            <a:spLocks noGrp="1"/>
-          </p:cNvSpPr>
-          <p:nvPr>
-            <p:ph type="title"/>
-          </p:nvPr>
-        </p:nvSpPr>
-        <p:spPr/>
-        <p:txBody>
-          <a:bodyPr/>
-          <a:lstStyle/>
-          <a:p>
-            <a:r>
-              <a:rPr lang="pt-BR" dirty="0"/>
-              <a:t>Falso positivos e negativos</a:t>
-            </a:r>
-            <a:endParaRPr lang="en-US" dirty="0"/>
-          </a:p>
-        </p:txBody>
-      </p:sp>
-      <p:sp>
-        <p:nvSpPr>
-          <p:cNvPr id="3" name="Espaço Reservado para Conteúdo 2"/>
-          <p:cNvSpPr>
-            <a:spLocks noGrp="1"/>
-          </p:cNvSpPr>
-          <p:nvPr>
-            <p:ph idx="1"/>
-          </p:nvPr>
-        </p:nvSpPr>
-        <p:spPr>
-          <a:xfrm>
-            <a:off x="457200" y="1600200"/>
-            <a:ext cx="8686800" cy="4525963"/>
-          </a:xfrm>
-        </p:spPr>
-        <p:txBody>
-          <a:bodyPr/>
-          <a:lstStyle/>
-          <a:p>
-            <a:r>
-              <a:rPr lang="pt-BR" dirty="0"/>
-              <a:t>Dado que análise de </a:t>
-            </a:r>
-            <a:r>
-              <a:rPr lang="pt-BR" dirty="0" err="1"/>
-              <a:t>dataflow</a:t>
-            </a:r>
-            <a:r>
-              <a:rPr lang="pt-BR" dirty="0"/>
-              <a:t> calcula conjunto de observações O = {o_1, ..., </a:t>
-            </a:r>
-            <a:r>
-              <a:rPr lang="pt-BR" dirty="0" err="1"/>
-              <a:t>o_n</a:t>
-            </a:r>
-            <a:r>
-              <a:rPr lang="pt-BR" dirty="0"/>
-              <a:t>}</a:t>
-            </a:r>
-          </a:p>
-          <a:p>
-            <a:r>
-              <a:rPr lang="pt-BR" dirty="0"/>
-              <a:t>Conjuntos de observações reais R</a:t>
-            </a:r>
-          </a:p>
-        </p:txBody>
-      </p:sp>
-      <p:sp>
-        <p:nvSpPr>
-          <p:cNvPr id="6" name="Elipse 5"/>
-          <p:cNvSpPr/>
-          <p:nvPr/>
-        </p:nvSpPr>
-        <p:spPr>
-          <a:xfrm>
-            <a:off x="3707904" y="3717032"/>
-            <a:ext cx="2808312" cy="2664296"/>
-          </a:xfrm>
-          <a:prstGeom prst="ellipse">
-            <a:avLst/>
-          </a:prstGeom>
-          <a:solidFill>
-            <a:schemeClr val="tx2">
-              <a:lumMod val="20000"/>
-              <a:lumOff val="80000"/>
-            </a:schemeClr>
-          </a:solidFill>
-          <a:ln>
-            <a:solidFill>
-              <a:schemeClr val="tx1"/>
-            </a:solidFill>
-          </a:ln>
-        </p:spPr>
-        <p:style>
-          <a:lnRef idx="2">
-            <a:schemeClr val="accent1">
-              <a:shade val="50000"/>
-            </a:schemeClr>
-          </a:lnRef>
-          <a:fillRef idx="1">
-            <a:schemeClr val="accent1"/>
-          </a:fillRef>
-          <a:effectRef idx="0">
-            <a:schemeClr val="accent1"/>
-          </a:effectRef>
-          <a:fontRef idx="minor">
-            <a:schemeClr val="lt1"/>
-          </a:fontRef>
-        </p:style>
-        <p:txBody>
-          <a:bodyPr rtlCol="0" anchor="ctr"/>
-          <a:lstStyle/>
-          <a:p>
-            <a:pPr algn="ctr"/>
-            <a:endParaRPr lang="en-US"/>
-          </a:p>
-        </p:txBody>
-      </p:sp>
-      <p:sp>
-        <p:nvSpPr>
-          <p:cNvPr id="7" name="CaixaDeTexto 6"/>
-          <p:cNvSpPr txBox="1"/>
-          <p:nvPr/>
-        </p:nvSpPr>
-        <p:spPr>
-          <a:xfrm>
-            <a:off x="2339752" y="3717032"/>
-            <a:ext cx="336952" cy="369332"/>
-          </a:xfrm>
-          <a:prstGeom prst="rect">
-            <a:avLst/>
-          </a:prstGeom>
-          <a:noFill/>
-        </p:spPr>
-        <p:txBody>
-          <a:bodyPr wrap="none" rtlCol="0">
-            <a:spAutoFit/>
-          </a:bodyPr>
-          <a:lstStyle/>
-          <a:p>
-            <a:r>
-              <a:rPr lang="pt-BR" dirty="0"/>
-              <a:t>O</a:t>
-            </a:r>
-            <a:endParaRPr lang="en-US" dirty="0"/>
-          </a:p>
-        </p:txBody>
-      </p:sp>
-      <p:sp>
-        <p:nvSpPr>
-          <p:cNvPr id="8" name="CaixaDeTexto 7"/>
-          <p:cNvSpPr txBox="1"/>
-          <p:nvPr/>
-        </p:nvSpPr>
-        <p:spPr>
-          <a:xfrm>
-            <a:off x="5963240" y="3717032"/>
-            <a:ext cx="309700" cy="369332"/>
-          </a:xfrm>
-          <a:prstGeom prst="rect">
-            <a:avLst/>
-          </a:prstGeom>
-          <a:noFill/>
-        </p:spPr>
-        <p:txBody>
-          <a:bodyPr wrap="none" rtlCol="0">
-            <a:spAutoFit/>
-          </a:bodyPr>
-          <a:lstStyle/>
-          <a:p>
-            <a:r>
-              <a:rPr lang="pt-BR" dirty="0"/>
-              <a:t>R</a:t>
-            </a:r>
-            <a:endParaRPr lang="en-US" dirty="0"/>
-          </a:p>
-        </p:txBody>
-      </p:sp>
-      <p:sp>
-        <p:nvSpPr>
-          <p:cNvPr id="9" name="Texto explicativo retangular 8"/>
-          <p:cNvSpPr/>
-          <p:nvPr/>
-        </p:nvSpPr>
-        <p:spPr>
-          <a:xfrm>
-            <a:off x="6948264" y="5301208"/>
-            <a:ext cx="1840260" cy="504056"/>
-          </a:xfrm>
-          <a:prstGeom prst="wedgeRectCallout">
-            <a:avLst>
-              <a:gd name="adj1" fmla="val -71438"/>
-              <a:gd name="adj2" fmla="val -34416"/>
-            </a:avLst>
-          </a:prstGeom>
-          <a:solidFill>
-            <a:schemeClr val="bg1"/>
-          </a:solidFill>
-          <a:ln>
-            <a:solidFill>
-              <a:schemeClr val="tx1"/>
-            </a:solidFill>
-          </a:ln>
-        </p:spPr>
-        <p:style>
-          <a:lnRef idx="2">
-            <a:schemeClr val="accent1">
-              <a:shade val="50000"/>
-            </a:schemeClr>
-          </a:lnRef>
-          <a:fillRef idx="1">
-            <a:schemeClr val="accent1"/>
-          </a:fillRef>
-          <a:effectRef idx="0">
-            <a:schemeClr val="accent1"/>
-          </a:effectRef>
-          <a:fontRef idx="minor">
-            <a:schemeClr val="lt1"/>
-          </a:fontRef>
-        </p:style>
-        <p:txBody>
-          <a:bodyPr rtlCol="0" anchor="ctr"/>
-          <a:lstStyle/>
-          <a:p>
-            <a:pPr algn="ctr"/>
-            <a:r>
-              <a:rPr lang="pt-BR" dirty="0">
-                <a:solidFill>
-                  <a:schemeClr val="tx1"/>
-                </a:solidFill>
-              </a:rPr>
-              <a:t>falso negativos</a:t>
-            </a:r>
-            <a:endParaRPr lang="en-US" dirty="0">
-              <a:solidFill>
-                <a:schemeClr val="tx1"/>
-              </a:solidFill>
-            </a:endParaRPr>
-          </a:p>
-        </p:txBody>
-      </p:sp>
-      <p:sp>
-        <p:nvSpPr>
-          <p:cNvPr id="5" name="Elipse 4"/>
-          <p:cNvSpPr/>
-          <p:nvPr/>
-        </p:nvSpPr>
-        <p:spPr>
-          <a:xfrm>
-            <a:off x="2119800" y="3717032"/>
-            <a:ext cx="2808312" cy="2664296"/>
-          </a:xfrm>
-          <a:prstGeom prst="ellipse">
-            <a:avLst/>
-          </a:prstGeom>
-          <a:solidFill>
-            <a:schemeClr val="bg1"/>
-          </a:solidFill>
-          <a:ln>
-            <a:solidFill>
-              <a:schemeClr val="tx1"/>
-            </a:solidFill>
-          </a:ln>
-        </p:spPr>
-        <p:style>
-          <a:lnRef idx="2">
-            <a:schemeClr val="accent1">
-              <a:shade val="50000"/>
-            </a:schemeClr>
-          </a:lnRef>
-          <a:fillRef idx="1">
-            <a:schemeClr val="accent1"/>
-          </a:fillRef>
-          <a:effectRef idx="0">
-            <a:schemeClr val="accent1"/>
-          </a:effectRef>
-          <a:fontRef idx="minor">
-            <a:schemeClr val="lt1"/>
-          </a:fontRef>
-        </p:style>
-        <p:txBody>
-          <a:bodyPr rtlCol="0" anchor="ctr"/>
-          <a:lstStyle/>
-          <a:p>
-            <a:pPr algn="ctr"/>
-            <a:endParaRPr lang="en-US"/>
-          </a:p>
-        </p:txBody>
-      </p:sp>
-    </p:spTree>
-    <p:extLst>
-      <p:ext uri="{BB962C8B-B14F-4D97-AF65-F5344CB8AC3E}">
-        <p14:creationId xmlns:p14="http://schemas.microsoft.com/office/powerpoint/2010/main" val="3764737133"/>
-      </p:ext>
-    </p:extLst>
-  </p:cSld>
-  <p:clrMapOvr>
-    <a:masterClrMapping/>
-  </p:clrMapOvr>
-</p:sld>
-</file>
-
-<file path=ppt/slides/slide36.xml><?xml version="1.0" encoding="utf-8"?>
-<p:sld xmlns:a="http://schemas.openxmlformats.org/drawingml/2006/main" xmlns:r="http://schemas.openxmlformats.org/officeDocument/2006/relationships" xmlns:p="http://schemas.openxmlformats.org/presentationml/2006/main">
-  <p:cSld>
-    <p:spTree>
-      <p:nvGrpSpPr>
-        <p:cNvPr id="1" name=""/>
-        <p:cNvGrpSpPr/>
-        <p:nvPr/>
-      </p:nvGrpSpPr>
-      <p:grpSpPr>
-        <a:xfrm>
-          <a:off x="0" y="0"/>
-          <a:ext cx="0" cy="0"/>
-          <a:chOff x="0" y="0"/>
-          <a:chExt cx="0" cy="0"/>
-        </a:xfrm>
-      </p:grpSpPr>
-      <p:sp>
-        <p:nvSpPr>
-          <p:cNvPr id="2" name="Título 1"/>
-          <p:cNvSpPr>
-            <a:spLocks noGrp="1"/>
-          </p:cNvSpPr>
-          <p:nvPr>
-            <p:ph type="title"/>
-          </p:nvPr>
-        </p:nvSpPr>
-        <p:spPr/>
-        <p:txBody>
-          <a:bodyPr/>
-          <a:lstStyle/>
-          <a:p>
-            <a:r>
-              <a:rPr lang="pt-BR" dirty="0"/>
-              <a:t>Falso positivos e negativos</a:t>
-            </a:r>
-            <a:endParaRPr lang="en-US" dirty="0"/>
-          </a:p>
-        </p:txBody>
-      </p:sp>
-      <p:sp>
-        <p:nvSpPr>
-          <p:cNvPr id="3" name="Espaço Reservado para Conteúdo 2"/>
-          <p:cNvSpPr>
-            <a:spLocks noGrp="1"/>
-          </p:cNvSpPr>
-          <p:nvPr>
-            <p:ph idx="1"/>
-          </p:nvPr>
-        </p:nvSpPr>
-        <p:spPr>
-          <a:xfrm>
-            <a:off x="457200" y="1600200"/>
-            <a:ext cx="8686800" cy="4525963"/>
-          </a:xfrm>
-        </p:spPr>
-        <p:txBody>
-          <a:bodyPr/>
-          <a:lstStyle/>
-          <a:p>
-            <a:r>
-              <a:rPr lang="pt-BR" dirty="0"/>
-              <a:t>Dado que análise de </a:t>
-            </a:r>
-            <a:r>
-              <a:rPr lang="pt-BR" dirty="0" err="1"/>
-              <a:t>dataflow</a:t>
-            </a:r>
-            <a:r>
-              <a:rPr lang="pt-BR" dirty="0"/>
-              <a:t> calcula conjunto de observações O = {o_1, ..., </a:t>
-            </a:r>
-            <a:r>
-              <a:rPr lang="pt-BR" dirty="0" err="1"/>
-              <a:t>o_n</a:t>
-            </a:r>
-            <a:r>
-              <a:rPr lang="pt-BR" dirty="0"/>
-              <a:t>}</a:t>
-            </a:r>
-          </a:p>
-          <a:p>
-            <a:r>
-              <a:rPr lang="pt-BR" dirty="0"/>
-              <a:t>Conjuntos de observações reais R</a:t>
-            </a:r>
-          </a:p>
-        </p:txBody>
-      </p:sp>
-      <p:sp>
-        <p:nvSpPr>
-          <p:cNvPr id="6" name="Elipse 5"/>
-          <p:cNvSpPr/>
-          <p:nvPr/>
-        </p:nvSpPr>
-        <p:spPr>
-          <a:xfrm>
-            <a:off x="3707904" y="3717032"/>
-            <a:ext cx="2808312" cy="2664296"/>
-          </a:xfrm>
-          <a:prstGeom prst="ellipse">
-            <a:avLst/>
-          </a:prstGeom>
-          <a:solidFill>
-            <a:schemeClr val="tx2">
-              <a:lumMod val="20000"/>
-              <a:lumOff val="80000"/>
-            </a:schemeClr>
-          </a:solidFill>
-          <a:ln>
-            <a:solidFill>
-              <a:schemeClr val="tx1"/>
-            </a:solidFill>
-          </a:ln>
-        </p:spPr>
-        <p:style>
-          <a:lnRef idx="2">
-            <a:schemeClr val="accent1">
-              <a:shade val="50000"/>
-            </a:schemeClr>
-          </a:lnRef>
-          <a:fillRef idx="1">
-            <a:schemeClr val="accent1"/>
-          </a:fillRef>
-          <a:effectRef idx="0">
-            <a:schemeClr val="accent1"/>
-          </a:effectRef>
-          <a:fontRef idx="minor">
-            <a:schemeClr val="lt1"/>
-          </a:fontRef>
-        </p:style>
-        <p:txBody>
-          <a:bodyPr rtlCol="0" anchor="ctr"/>
-          <a:lstStyle/>
-          <a:p>
-            <a:pPr algn="ctr"/>
-            <a:endParaRPr lang="en-US"/>
-          </a:p>
-        </p:txBody>
-      </p:sp>
-      <p:sp>
-        <p:nvSpPr>
-          <p:cNvPr id="7" name="CaixaDeTexto 6"/>
-          <p:cNvSpPr txBox="1"/>
-          <p:nvPr/>
-        </p:nvSpPr>
-        <p:spPr>
-          <a:xfrm>
-            <a:off x="2339752" y="3717032"/>
-            <a:ext cx="336952" cy="369332"/>
-          </a:xfrm>
-          <a:prstGeom prst="rect">
-            <a:avLst/>
-          </a:prstGeom>
-          <a:noFill/>
-        </p:spPr>
-        <p:txBody>
-          <a:bodyPr wrap="none" rtlCol="0">
-            <a:spAutoFit/>
-          </a:bodyPr>
-          <a:lstStyle/>
-          <a:p>
-            <a:r>
-              <a:rPr lang="pt-BR" dirty="0"/>
-              <a:t>O</a:t>
-            </a:r>
-            <a:endParaRPr lang="en-US" dirty="0"/>
-          </a:p>
-        </p:txBody>
-      </p:sp>
-      <p:sp>
-        <p:nvSpPr>
-          <p:cNvPr id="8" name="CaixaDeTexto 7"/>
-          <p:cNvSpPr txBox="1"/>
-          <p:nvPr/>
-        </p:nvSpPr>
-        <p:spPr>
-          <a:xfrm>
-            <a:off x="5963240" y="3717032"/>
-            <a:ext cx="309700" cy="369332"/>
-          </a:xfrm>
-          <a:prstGeom prst="rect">
-            <a:avLst/>
-          </a:prstGeom>
-          <a:noFill/>
-        </p:spPr>
-        <p:txBody>
-          <a:bodyPr wrap="none" rtlCol="0">
-            <a:spAutoFit/>
-          </a:bodyPr>
-          <a:lstStyle/>
-          <a:p>
-            <a:r>
-              <a:rPr lang="pt-BR" dirty="0"/>
-              <a:t>R</a:t>
-            </a:r>
-            <a:endParaRPr lang="en-US" dirty="0"/>
-          </a:p>
-        </p:txBody>
-      </p:sp>
-      <p:sp>
-        <p:nvSpPr>
-          <p:cNvPr id="9" name="Texto explicativo retangular 8"/>
-          <p:cNvSpPr/>
-          <p:nvPr/>
-        </p:nvSpPr>
-        <p:spPr>
-          <a:xfrm>
-            <a:off x="6948264" y="5301208"/>
-            <a:ext cx="1840260" cy="504056"/>
-          </a:xfrm>
-          <a:prstGeom prst="wedgeRectCallout">
-            <a:avLst>
-              <a:gd name="adj1" fmla="val -71438"/>
-              <a:gd name="adj2" fmla="val -34416"/>
-            </a:avLst>
-          </a:prstGeom>
-          <a:solidFill>
-            <a:schemeClr val="bg1"/>
-          </a:solidFill>
-          <a:ln>
-            <a:solidFill>
-              <a:schemeClr val="tx1"/>
-            </a:solidFill>
-          </a:ln>
-        </p:spPr>
-        <p:style>
-          <a:lnRef idx="2">
-            <a:schemeClr val="accent1">
-              <a:shade val="50000"/>
-            </a:schemeClr>
-          </a:lnRef>
-          <a:fillRef idx="1">
-            <a:schemeClr val="accent1"/>
-          </a:fillRef>
-          <a:effectRef idx="0">
-            <a:schemeClr val="accent1"/>
-          </a:effectRef>
-          <a:fontRef idx="minor">
-            <a:schemeClr val="lt1"/>
-          </a:fontRef>
-        </p:style>
-        <p:txBody>
-          <a:bodyPr rtlCol="0" anchor="ctr"/>
-          <a:lstStyle/>
-          <a:p>
-            <a:pPr algn="ctr"/>
-            <a:r>
-              <a:rPr lang="pt-BR" dirty="0">
-                <a:solidFill>
-                  <a:schemeClr val="tx1"/>
-                </a:solidFill>
-              </a:rPr>
-              <a:t>falso negativos</a:t>
-            </a:r>
-            <a:endParaRPr lang="en-US" dirty="0">
-              <a:solidFill>
-                <a:schemeClr val="tx1"/>
-              </a:solidFill>
-            </a:endParaRPr>
-          </a:p>
-        </p:txBody>
-      </p:sp>
-      <p:sp>
-        <p:nvSpPr>
-          <p:cNvPr id="5" name="Elipse 4"/>
-          <p:cNvSpPr/>
-          <p:nvPr/>
-        </p:nvSpPr>
-        <p:spPr>
-          <a:xfrm>
-            <a:off x="2119800" y="3717032"/>
-            <a:ext cx="2808312" cy="2664296"/>
-          </a:xfrm>
-          <a:prstGeom prst="ellipse">
-            <a:avLst/>
-          </a:prstGeom>
-          <a:solidFill>
-            <a:schemeClr val="bg1"/>
-          </a:solidFill>
-          <a:ln>
-            <a:solidFill>
-              <a:schemeClr val="tx1"/>
-            </a:solidFill>
-          </a:ln>
-        </p:spPr>
-        <p:style>
-          <a:lnRef idx="2">
-            <a:schemeClr val="accent1">
-              <a:shade val="50000"/>
-            </a:schemeClr>
-          </a:lnRef>
-          <a:fillRef idx="1">
-            <a:schemeClr val="accent1"/>
-          </a:fillRef>
-          <a:effectRef idx="0">
-            <a:schemeClr val="accent1"/>
-          </a:effectRef>
-          <a:fontRef idx="minor">
-            <a:schemeClr val="lt1"/>
-          </a:fontRef>
-        </p:style>
-        <p:txBody>
-          <a:bodyPr rtlCol="0" anchor="ctr"/>
-          <a:lstStyle/>
-          <a:p>
-            <a:pPr algn="ctr"/>
-            <a:endParaRPr lang="en-US"/>
-          </a:p>
-        </p:txBody>
-      </p:sp>
-      <p:sp>
-        <p:nvSpPr>
-          <p:cNvPr id="10" name="TextBox 4"/>
-          <p:cNvSpPr txBox="1"/>
-          <p:nvPr/>
-        </p:nvSpPr>
-        <p:spPr>
-          <a:xfrm>
-            <a:off x="899592" y="3717032"/>
-            <a:ext cx="7888932" cy="1200329"/>
-          </a:xfrm>
-          <a:prstGeom prst="rect">
-            <a:avLst/>
-          </a:prstGeom>
-          <a:solidFill>
-            <a:srgbClr val="FFFF00"/>
-          </a:solidFill>
-          <a:ln/>
-        </p:spPr>
-        <p:style>
-          <a:lnRef idx="2">
-            <a:schemeClr val="dk1"/>
-          </a:lnRef>
-          <a:fillRef idx="1">
-            <a:schemeClr val="lt1"/>
-          </a:fillRef>
-          <a:effectRef idx="0">
-            <a:schemeClr val="dk1"/>
-          </a:effectRef>
-          <a:fontRef idx="minor">
-            <a:schemeClr val="dk1"/>
-          </a:fontRef>
-        </p:style>
-        <p:txBody>
-          <a:bodyPr wrap="square" rtlCol="0">
-            <a:spAutoFit/>
-          </a:bodyPr>
-          <a:lstStyle/>
-          <a:p>
-            <a:pPr algn="ctr"/>
-            <a:r>
-              <a:rPr lang="en-US" sz="3600" dirty="0" err="1">
-                <a:solidFill>
-                  <a:srgbClr val="05022C"/>
-                </a:solidFill>
-              </a:rPr>
-              <a:t>Em</a:t>
-            </a:r>
-            <a:r>
-              <a:rPr lang="en-US" sz="3600" dirty="0">
-                <a:solidFill>
-                  <a:srgbClr val="05022C"/>
-                </a:solidFill>
-              </a:rPr>
-              <a:t> </a:t>
-            </a:r>
-            <a:r>
-              <a:rPr lang="en-US" sz="3600" dirty="0" err="1">
-                <a:solidFill>
-                  <a:srgbClr val="05022C"/>
-                </a:solidFill>
-              </a:rPr>
-              <a:t>geral</a:t>
-            </a:r>
-            <a:r>
-              <a:rPr lang="en-US" sz="3600" dirty="0">
-                <a:solidFill>
-                  <a:srgbClr val="05022C"/>
-                </a:solidFill>
-              </a:rPr>
-              <a:t>, </a:t>
-            </a:r>
-            <a:r>
-              <a:rPr lang="en-US" sz="3600" dirty="0" err="1">
-                <a:solidFill>
-                  <a:srgbClr val="05022C"/>
-                </a:solidFill>
-              </a:rPr>
-              <a:t>análise</a:t>
-            </a:r>
-            <a:r>
-              <a:rPr lang="en-US" sz="3600" dirty="0">
-                <a:solidFill>
-                  <a:srgbClr val="05022C"/>
-                </a:solidFill>
-              </a:rPr>
-              <a:t> de dataflow é </a:t>
-            </a:r>
-            <a:r>
-              <a:rPr lang="en-US" sz="3600" dirty="0" err="1">
-                <a:solidFill>
-                  <a:srgbClr val="05022C"/>
-                </a:solidFill>
-              </a:rPr>
-              <a:t>conservadora</a:t>
-            </a:r>
-            <a:r>
-              <a:rPr lang="en-US" sz="3600" dirty="0">
-                <a:solidFill>
-                  <a:srgbClr val="05022C"/>
-                </a:solidFill>
-              </a:rPr>
-              <a:t> =&gt; </a:t>
-            </a:r>
-            <a:r>
-              <a:rPr lang="en-US" sz="3600" dirty="0" err="1">
-                <a:solidFill>
-                  <a:srgbClr val="05022C"/>
-                </a:solidFill>
-              </a:rPr>
-              <a:t>não</a:t>
-            </a:r>
-            <a:r>
-              <a:rPr lang="en-US" sz="3600" dirty="0">
-                <a:solidFill>
-                  <a:srgbClr val="05022C"/>
-                </a:solidFill>
-              </a:rPr>
-              <a:t> </a:t>
-            </a:r>
-            <a:r>
-              <a:rPr lang="en-US" sz="3600" dirty="0" err="1">
-                <a:solidFill>
-                  <a:srgbClr val="05022C"/>
-                </a:solidFill>
-              </a:rPr>
-              <a:t>há</a:t>
-            </a:r>
-            <a:r>
-              <a:rPr lang="en-US" sz="3600" dirty="0">
-                <a:solidFill>
-                  <a:srgbClr val="05022C"/>
-                </a:solidFill>
-              </a:rPr>
-              <a:t> </a:t>
-            </a:r>
-            <a:r>
-              <a:rPr lang="en-US" sz="3600" dirty="0" err="1">
-                <a:solidFill>
-                  <a:srgbClr val="05022C"/>
-                </a:solidFill>
-              </a:rPr>
-              <a:t>falso</a:t>
-            </a:r>
-            <a:r>
-              <a:rPr lang="en-US" sz="3600" dirty="0">
-                <a:solidFill>
-                  <a:srgbClr val="05022C"/>
-                </a:solidFill>
-              </a:rPr>
-              <a:t> </a:t>
-            </a:r>
-            <a:r>
-              <a:rPr lang="en-US" sz="3600" dirty="0" err="1">
-                <a:solidFill>
-                  <a:srgbClr val="05022C"/>
-                </a:solidFill>
-              </a:rPr>
-              <a:t>negativos</a:t>
-            </a:r>
-            <a:endParaRPr lang="pt-BR" sz="3600" dirty="0">
-              <a:solidFill>
-                <a:srgbClr val="05022C"/>
-              </a:solidFill>
-            </a:endParaRPr>
-          </a:p>
-        </p:txBody>
-      </p:sp>
-    </p:spTree>
-    <p:extLst>
-      <p:ext uri="{BB962C8B-B14F-4D97-AF65-F5344CB8AC3E}">
-        <p14:creationId xmlns:p14="http://schemas.microsoft.com/office/powerpoint/2010/main" val="4171893187"/>
-      </p:ext>
-    </p:extLst>
-  </p:cSld>
-  <p:clrMapOvr>
-    <a:masterClrMapping/>
-  </p:clrMapOvr>
-</p:sld>
-</file>
-
-<file path=ppt/slides/slide37.xml><?xml version="1.0" encoding="utf-8"?>
-<p:sld xmlns:a="http://schemas.openxmlformats.org/drawingml/2006/main" xmlns:r="http://schemas.openxmlformats.org/officeDocument/2006/relationships" xmlns:p="http://schemas.openxmlformats.org/presentationml/2006/main">
-  <p:cSld>
-    <p:spTree>
-      <p:nvGrpSpPr>
-        <p:cNvPr id="1" name=""/>
-        <p:cNvGrpSpPr/>
-        <p:nvPr/>
-      </p:nvGrpSpPr>
-      <p:grpSpPr>
-        <a:xfrm>
-          <a:off x="0" y="0"/>
-          <a:ext cx="0" cy="0"/>
-          <a:chOff x="0" y="0"/>
-          <a:chExt cx="0" cy="0"/>
-        </a:xfrm>
-      </p:grpSpPr>
-      <p:sp>
-        <p:nvSpPr>
-          <p:cNvPr id="2" name="Title 1"/>
-          <p:cNvSpPr>
-            <a:spLocks noGrp="1"/>
-          </p:cNvSpPr>
-          <p:nvPr>
-            <p:ph type="title"/>
-          </p:nvPr>
-        </p:nvSpPr>
-        <p:spPr/>
-        <p:txBody>
-          <a:bodyPr/>
-          <a:lstStyle/>
-          <a:p>
-            <a:r>
-              <a:rPr lang="en-US" dirty="0"/>
-              <a:t>“No Silver Bullet, No Free Lunch”</a:t>
-            </a:r>
-            <a:endParaRPr lang="pt-BR" dirty="0"/>
-          </a:p>
-        </p:txBody>
-      </p:sp>
-      <p:cxnSp>
-        <p:nvCxnSpPr>
-          <p:cNvPr id="5" name="Straight Arrow Connector 4"/>
-          <p:cNvCxnSpPr/>
-          <p:nvPr/>
-        </p:nvCxnSpPr>
-        <p:spPr>
-          <a:xfrm rot="5400000" flipH="1" flipV="1">
-            <a:off x="3142446" y="3000372"/>
-            <a:ext cx="2001058" cy="794"/>
-          </a:xfrm>
-          <a:prstGeom prst="straightConnector1">
-            <a:avLst/>
-          </a:prstGeom>
-          <a:ln>
-            <a:tailEnd type="arrow"/>
-          </a:ln>
-        </p:spPr>
-        <p:style>
-          <a:lnRef idx="1">
-            <a:schemeClr val="dk1"/>
-          </a:lnRef>
-          <a:fillRef idx="0">
-            <a:schemeClr val="dk1"/>
-          </a:fillRef>
-          <a:effectRef idx="0">
-            <a:schemeClr val="dk1"/>
-          </a:effectRef>
-          <a:fontRef idx="minor">
-            <a:schemeClr val="tx1"/>
-          </a:fontRef>
-        </p:style>
-      </p:cxnSp>
-      <p:cxnSp>
-        <p:nvCxnSpPr>
-          <p:cNvPr id="6" name="Straight Arrow Connector 5"/>
-          <p:cNvCxnSpPr/>
-          <p:nvPr/>
-        </p:nvCxnSpPr>
-        <p:spPr>
-          <a:xfrm>
-            <a:off x="4143372" y="4000504"/>
-            <a:ext cx="2357454" cy="1588"/>
-          </a:xfrm>
-          <a:prstGeom prst="straightConnector1">
-            <a:avLst/>
-          </a:prstGeom>
-          <a:ln>
-            <a:tailEnd type="arrow"/>
-          </a:ln>
-        </p:spPr>
-        <p:style>
-          <a:lnRef idx="1">
-            <a:schemeClr val="dk1"/>
-          </a:lnRef>
-          <a:fillRef idx="0">
-            <a:schemeClr val="dk1"/>
-          </a:fillRef>
-          <a:effectRef idx="0">
-            <a:schemeClr val="dk1"/>
-          </a:effectRef>
-          <a:fontRef idx="minor">
-            <a:schemeClr val="tx1"/>
-          </a:fontRef>
-        </p:style>
-      </p:cxnSp>
-      <p:cxnSp>
-        <p:nvCxnSpPr>
-          <p:cNvPr id="11" name="Straight Arrow Connector 10"/>
-          <p:cNvCxnSpPr/>
-          <p:nvPr/>
-        </p:nvCxnSpPr>
-        <p:spPr>
-          <a:xfrm rot="5400000">
-            <a:off x="2928926" y="4071942"/>
-            <a:ext cx="1285884" cy="1143008"/>
-          </a:xfrm>
-          <a:prstGeom prst="straightConnector1">
-            <a:avLst/>
-          </a:prstGeom>
-          <a:ln>
-            <a:tailEnd type="arrow"/>
-          </a:ln>
-        </p:spPr>
-        <p:style>
-          <a:lnRef idx="1">
-            <a:schemeClr val="dk1"/>
-          </a:lnRef>
-          <a:fillRef idx="0">
-            <a:schemeClr val="dk1"/>
-          </a:fillRef>
-          <a:effectRef idx="0">
-            <a:schemeClr val="dk1"/>
-          </a:effectRef>
-          <a:fontRef idx="minor">
-            <a:schemeClr val="tx1"/>
-          </a:fontRef>
-        </p:style>
-      </p:cxnSp>
-      <p:sp>
-        <p:nvSpPr>
-          <p:cNvPr id="13" name="TextBox 12"/>
-          <p:cNvSpPr txBox="1"/>
-          <p:nvPr/>
-        </p:nvSpPr>
-        <p:spPr>
-          <a:xfrm>
-            <a:off x="2533743" y="2000240"/>
-            <a:ext cx="1606209" cy="369332"/>
-          </a:xfrm>
-          <a:prstGeom prst="rect">
-            <a:avLst/>
-          </a:prstGeom>
-          <a:noFill/>
-        </p:spPr>
-        <p:txBody>
-          <a:bodyPr wrap="none" rtlCol="0">
-            <a:spAutoFit/>
-          </a:bodyPr>
-          <a:lstStyle/>
-          <a:p>
-            <a:r>
-              <a:rPr lang="en-US" dirty="0" err="1"/>
-              <a:t>Falso</a:t>
-            </a:r>
-            <a:r>
-              <a:rPr lang="en-US" dirty="0"/>
-              <a:t> </a:t>
-            </a:r>
-            <a:r>
-              <a:rPr lang="en-US" dirty="0" err="1"/>
-              <a:t>negativos</a:t>
-            </a:r>
-            <a:endParaRPr lang="pt-BR" dirty="0"/>
-          </a:p>
-        </p:txBody>
-      </p:sp>
-      <p:sp>
-        <p:nvSpPr>
-          <p:cNvPr id="14" name="TextBox 13"/>
-          <p:cNvSpPr txBox="1"/>
-          <p:nvPr/>
-        </p:nvSpPr>
-        <p:spPr>
-          <a:xfrm>
-            <a:off x="5715008" y="3571876"/>
-            <a:ext cx="1542089" cy="369332"/>
-          </a:xfrm>
-          <a:prstGeom prst="rect">
-            <a:avLst/>
-          </a:prstGeom>
-          <a:noFill/>
-        </p:spPr>
-        <p:txBody>
-          <a:bodyPr wrap="none" rtlCol="0">
-            <a:spAutoFit/>
-          </a:bodyPr>
-          <a:lstStyle/>
-          <a:p>
-            <a:r>
-              <a:rPr lang="en-US" dirty="0" err="1"/>
-              <a:t>Falso</a:t>
-            </a:r>
-            <a:r>
-              <a:rPr lang="en-US" dirty="0"/>
-              <a:t> </a:t>
-            </a:r>
-            <a:r>
-              <a:rPr lang="en-US" dirty="0" err="1"/>
-              <a:t>positivos</a:t>
-            </a:r>
-            <a:endParaRPr lang="pt-BR" dirty="0"/>
-          </a:p>
-        </p:txBody>
-      </p:sp>
-      <p:sp>
-        <p:nvSpPr>
-          <p:cNvPr id="19" name="TextBox 18"/>
-          <p:cNvSpPr txBox="1"/>
-          <p:nvPr/>
-        </p:nvSpPr>
-        <p:spPr>
-          <a:xfrm>
-            <a:off x="1071539" y="4917056"/>
-            <a:ext cx="1556246" cy="923330"/>
-          </a:xfrm>
-          <a:prstGeom prst="rect">
-            <a:avLst/>
-          </a:prstGeom>
-          <a:noFill/>
-        </p:spPr>
-        <p:txBody>
-          <a:bodyPr wrap="square" rtlCol="0">
-            <a:spAutoFit/>
-          </a:bodyPr>
-          <a:lstStyle/>
-          <a:p>
-            <a:r>
-              <a:rPr lang="en-US" dirty="0" err="1"/>
-              <a:t>Complexidade</a:t>
-            </a:r>
-            <a:r>
-              <a:rPr lang="en-US" dirty="0"/>
-              <a:t> do </a:t>
-            </a:r>
-            <a:r>
-              <a:rPr lang="en-US" dirty="0" err="1"/>
-              <a:t>problema</a:t>
-            </a:r>
-            <a:r>
-              <a:rPr lang="en-US" dirty="0"/>
-              <a:t> e </a:t>
-            </a:r>
-            <a:r>
-              <a:rPr lang="en-US" dirty="0" err="1"/>
-              <a:t>programa</a:t>
-            </a:r>
-            <a:endParaRPr lang="pt-BR" dirty="0"/>
-          </a:p>
-        </p:txBody>
-      </p:sp>
-    </p:spTree>
-    <p:extLst>
-      <p:ext uri="{BB962C8B-B14F-4D97-AF65-F5344CB8AC3E}">
-        <p14:creationId xmlns:p14="http://schemas.microsoft.com/office/powerpoint/2010/main" val="2575406590"/>
-      </p:ext>
-    </p:extLst>
-  </p:cSld>
-  <p:clrMapOvr>
-    <a:masterClrMapping/>
-  </p:clrMapOvr>
-</p:sld>
-</file>
-
-<file path=ppt/slides/slide38.xml><?xml version="1.0" encoding="utf-8"?>
-<p:sld xmlns:a="http://schemas.openxmlformats.org/drawingml/2006/main" xmlns:r="http://schemas.openxmlformats.org/officeDocument/2006/relationships" xmlns:p="http://schemas.openxmlformats.org/presentationml/2006/main">
-  <p:cSld>
-    <p:spTree>
-      <p:nvGrpSpPr>
-        <p:cNvPr id="1" name=""/>
-        <p:cNvGrpSpPr/>
-        <p:nvPr/>
-      </p:nvGrpSpPr>
-      <p:grpSpPr>
-        <a:xfrm>
-          <a:off x="0" y="0"/>
-          <a:ext cx="0" cy="0"/>
-          <a:chOff x="0" y="0"/>
-          <a:chExt cx="0" cy="0"/>
-        </a:xfrm>
-      </p:grpSpPr>
-      <p:sp>
-        <p:nvSpPr>
-          <p:cNvPr id="2" name="Title 1"/>
-          <p:cNvSpPr>
-            <a:spLocks noGrp="1"/>
-          </p:cNvSpPr>
-          <p:nvPr>
-            <p:ph type="title"/>
-          </p:nvPr>
-        </p:nvSpPr>
-        <p:spPr/>
-        <p:txBody>
-          <a:bodyPr/>
-          <a:lstStyle/>
-          <a:p>
-            <a:r>
-              <a:rPr lang="en-US" dirty="0"/>
-              <a:t>“No Silver Bullet, No Free Lunch”</a:t>
-            </a:r>
-            <a:endParaRPr lang="pt-BR" dirty="0"/>
-          </a:p>
-        </p:txBody>
-      </p:sp>
-      <p:cxnSp>
-        <p:nvCxnSpPr>
-          <p:cNvPr id="5" name="Straight Arrow Connector 4"/>
-          <p:cNvCxnSpPr/>
-          <p:nvPr/>
-        </p:nvCxnSpPr>
-        <p:spPr>
-          <a:xfrm rot="5400000" flipH="1" flipV="1">
-            <a:off x="3142446" y="3000372"/>
-            <a:ext cx="2001058" cy="794"/>
-          </a:xfrm>
-          <a:prstGeom prst="straightConnector1">
-            <a:avLst/>
-          </a:prstGeom>
-          <a:ln>
-            <a:tailEnd type="arrow"/>
-          </a:ln>
-        </p:spPr>
-        <p:style>
-          <a:lnRef idx="1">
-            <a:schemeClr val="dk1"/>
-          </a:lnRef>
-          <a:fillRef idx="0">
-            <a:schemeClr val="dk1"/>
-          </a:fillRef>
-          <a:effectRef idx="0">
-            <a:schemeClr val="dk1"/>
-          </a:effectRef>
-          <a:fontRef idx="minor">
-            <a:schemeClr val="tx1"/>
-          </a:fontRef>
-        </p:style>
-      </p:cxnSp>
-      <p:cxnSp>
-        <p:nvCxnSpPr>
-          <p:cNvPr id="6" name="Straight Arrow Connector 5"/>
-          <p:cNvCxnSpPr/>
-          <p:nvPr/>
-        </p:nvCxnSpPr>
-        <p:spPr>
-          <a:xfrm>
-            <a:off x="4143372" y="4000504"/>
-            <a:ext cx="2357454" cy="1588"/>
-          </a:xfrm>
-          <a:prstGeom prst="straightConnector1">
-            <a:avLst/>
-          </a:prstGeom>
-          <a:ln>
-            <a:tailEnd type="arrow"/>
-          </a:ln>
-        </p:spPr>
-        <p:style>
-          <a:lnRef idx="1">
-            <a:schemeClr val="dk1"/>
-          </a:lnRef>
-          <a:fillRef idx="0">
-            <a:schemeClr val="dk1"/>
-          </a:fillRef>
-          <a:effectRef idx="0">
-            <a:schemeClr val="dk1"/>
-          </a:effectRef>
-          <a:fontRef idx="minor">
-            <a:schemeClr val="tx1"/>
-          </a:fontRef>
-        </p:style>
-      </p:cxnSp>
-      <p:cxnSp>
-        <p:nvCxnSpPr>
-          <p:cNvPr id="11" name="Straight Arrow Connector 10"/>
-          <p:cNvCxnSpPr/>
-          <p:nvPr/>
-        </p:nvCxnSpPr>
-        <p:spPr>
-          <a:xfrm rot="5400000">
-            <a:off x="2928926" y="4071942"/>
-            <a:ext cx="1285884" cy="1143008"/>
-          </a:xfrm>
-          <a:prstGeom prst="straightConnector1">
-            <a:avLst/>
-          </a:prstGeom>
-          <a:ln>
-            <a:tailEnd type="arrow"/>
-          </a:ln>
-        </p:spPr>
-        <p:style>
-          <a:lnRef idx="1">
-            <a:schemeClr val="dk1"/>
-          </a:lnRef>
-          <a:fillRef idx="0">
-            <a:schemeClr val="dk1"/>
-          </a:fillRef>
-          <a:effectRef idx="0">
-            <a:schemeClr val="dk1"/>
-          </a:effectRef>
-          <a:fontRef idx="minor">
-            <a:schemeClr val="tx1"/>
-          </a:fontRef>
-        </p:style>
-      </p:cxnSp>
-      <p:cxnSp>
-        <p:nvCxnSpPr>
-          <p:cNvPr id="18" name="Straight Connector 17"/>
-          <p:cNvCxnSpPr/>
-          <p:nvPr/>
-        </p:nvCxnSpPr>
-        <p:spPr>
-          <a:xfrm rot="5400000">
-            <a:off x="3000365" y="4071942"/>
-            <a:ext cx="1214445" cy="1071570"/>
-          </a:xfrm>
-          <a:prstGeom prst="line">
-            <a:avLst/>
-          </a:prstGeom>
-          <a:ln w="38100">
-            <a:solidFill>
-              <a:srgbClr val="FF0000"/>
-            </a:solidFill>
-          </a:ln>
-        </p:spPr>
-        <p:style>
-          <a:lnRef idx="1">
-            <a:schemeClr val="dk1"/>
-          </a:lnRef>
-          <a:fillRef idx="0">
-            <a:schemeClr val="dk1"/>
-          </a:fillRef>
-          <a:effectRef idx="0">
-            <a:schemeClr val="dk1"/>
-          </a:effectRef>
-          <a:fontRef idx="minor">
-            <a:schemeClr val="tx1"/>
-          </a:fontRef>
-        </p:style>
-      </p:cxnSp>
-      <p:sp>
-        <p:nvSpPr>
-          <p:cNvPr id="12" name="TextBox 11"/>
-          <p:cNvSpPr txBox="1"/>
-          <p:nvPr/>
-        </p:nvSpPr>
-        <p:spPr>
-          <a:xfrm>
-            <a:off x="4283968" y="4536547"/>
-            <a:ext cx="4680520" cy="1754326"/>
-          </a:xfrm>
-          <a:prstGeom prst="rect">
-            <a:avLst/>
-          </a:prstGeom>
-          <a:noFill/>
-          <a:ln>
-            <a:solidFill>
-              <a:schemeClr val="tx1"/>
-            </a:solidFill>
-          </a:ln>
-        </p:spPr>
-        <p:style>
-          <a:lnRef idx="1">
-            <a:schemeClr val="accent1"/>
-          </a:lnRef>
-          <a:fillRef idx="2">
-            <a:schemeClr val="accent1"/>
-          </a:fillRef>
-          <a:effectRef idx="1">
-            <a:schemeClr val="accent1"/>
-          </a:effectRef>
-          <a:fontRef idx="minor">
-            <a:schemeClr val="dk1"/>
-          </a:fontRef>
-        </p:style>
-        <p:txBody>
-          <a:bodyPr wrap="square" rtlCol="0">
-            <a:spAutoFit/>
-          </a:bodyPr>
-          <a:lstStyle/>
-          <a:p>
-            <a:pPr algn="ctr"/>
-            <a:r>
-              <a:rPr lang="en-US" sz="3600" dirty="0"/>
-              <a:t>I(</a:t>
-            </a:r>
-            <a:r>
-              <a:rPr lang="en-US" sz="3600" dirty="0" err="1"/>
-              <a:t>d|rr</a:t>
-            </a:r>
-            <a:r>
-              <a:rPr lang="en-US" sz="3600" dirty="0"/>
-              <a:t>)</a:t>
-            </a:r>
-            <a:r>
-              <a:rPr lang="en-US" sz="3600" dirty="0" err="1"/>
-              <a:t>eal</a:t>
-            </a:r>
-            <a:r>
-              <a:rPr lang="en-US" sz="3600" dirty="0"/>
-              <a:t>:  </a:t>
-            </a:r>
-            <a:r>
-              <a:rPr lang="en-US" sz="3600" dirty="0" err="1"/>
-              <a:t>Resultados</a:t>
-            </a:r>
-            <a:r>
-              <a:rPr lang="en-US" sz="3600" dirty="0"/>
-              <a:t> </a:t>
-            </a:r>
-            <a:r>
-              <a:rPr lang="en-US" sz="3600" dirty="0" err="1"/>
-              <a:t>perfeitos</a:t>
-            </a:r>
-            <a:r>
-              <a:rPr lang="en-US" sz="3600" dirty="0"/>
-              <a:t> </a:t>
-            </a:r>
-            <a:r>
-              <a:rPr lang="en-US" sz="3600" dirty="0" err="1"/>
-              <a:t>independente</a:t>
-            </a:r>
-            <a:r>
-              <a:rPr lang="en-US" sz="3600" dirty="0"/>
-              <a:t> de </a:t>
-            </a:r>
-            <a:r>
-              <a:rPr lang="en-US" sz="3600" dirty="0" err="1"/>
-              <a:t>complexidade</a:t>
-            </a:r>
-            <a:r>
-              <a:rPr lang="en-US" sz="3600" dirty="0"/>
-              <a:t>.</a:t>
-            </a:r>
-            <a:endParaRPr lang="pt-BR" sz="3600" dirty="0"/>
-          </a:p>
-        </p:txBody>
-      </p:sp>
-      <p:sp>
-        <p:nvSpPr>
-          <p:cNvPr id="16" name="TextBox 18"/>
-          <p:cNvSpPr txBox="1"/>
-          <p:nvPr/>
-        </p:nvSpPr>
-        <p:spPr>
-          <a:xfrm>
-            <a:off x="1071539" y="4917056"/>
-            <a:ext cx="1556246" cy="923330"/>
-          </a:xfrm>
-          <a:prstGeom prst="rect">
-            <a:avLst/>
-          </a:prstGeom>
-          <a:noFill/>
-        </p:spPr>
-        <p:txBody>
-          <a:bodyPr wrap="square" rtlCol="0">
-            <a:spAutoFit/>
-          </a:bodyPr>
-          <a:lstStyle/>
-          <a:p>
-            <a:r>
-              <a:rPr lang="en-US" dirty="0" err="1"/>
-              <a:t>Complexidade</a:t>
-            </a:r>
-            <a:r>
-              <a:rPr lang="en-US" dirty="0"/>
-              <a:t> do </a:t>
-            </a:r>
-            <a:r>
-              <a:rPr lang="en-US" dirty="0" err="1"/>
-              <a:t>problema</a:t>
-            </a:r>
-            <a:r>
-              <a:rPr lang="en-US" dirty="0"/>
-              <a:t> e </a:t>
-            </a:r>
-            <a:r>
-              <a:rPr lang="en-US" dirty="0" err="1"/>
-              <a:t>programa</a:t>
-            </a:r>
-            <a:endParaRPr lang="pt-BR" dirty="0"/>
-          </a:p>
-        </p:txBody>
-      </p:sp>
-      <p:sp>
-        <p:nvSpPr>
-          <p:cNvPr id="17" name="TextBox 12"/>
-          <p:cNvSpPr txBox="1"/>
-          <p:nvPr/>
-        </p:nvSpPr>
-        <p:spPr>
-          <a:xfrm>
-            <a:off x="2533743" y="2000240"/>
-            <a:ext cx="1606209" cy="369332"/>
-          </a:xfrm>
-          <a:prstGeom prst="rect">
-            <a:avLst/>
-          </a:prstGeom>
-          <a:noFill/>
-        </p:spPr>
-        <p:txBody>
-          <a:bodyPr wrap="none" rtlCol="0">
-            <a:spAutoFit/>
-          </a:bodyPr>
-          <a:lstStyle/>
-          <a:p>
-            <a:r>
-              <a:rPr lang="en-US" dirty="0" err="1"/>
-              <a:t>Falso</a:t>
-            </a:r>
-            <a:r>
-              <a:rPr lang="en-US" dirty="0"/>
-              <a:t> </a:t>
-            </a:r>
-            <a:r>
-              <a:rPr lang="en-US" dirty="0" err="1"/>
-              <a:t>negativos</a:t>
-            </a:r>
-            <a:endParaRPr lang="pt-BR" dirty="0"/>
-          </a:p>
-        </p:txBody>
-      </p:sp>
-      <p:sp>
-        <p:nvSpPr>
-          <p:cNvPr id="20" name="TextBox 13"/>
-          <p:cNvSpPr txBox="1"/>
-          <p:nvPr/>
-        </p:nvSpPr>
-        <p:spPr>
-          <a:xfrm>
-            <a:off x="5715008" y="3571876"/>
-            <a:ext cx="1542089" cy="369332"/>
-          </a:xfrm>
-          <a:prstGeom prst="rect">
-            <a:avLst/>
-          </a:prstGeom>
-          <a:noFill/>
-        </p:spPr>
-        <p:txBody>
-          <a:bodyPr wrap="none" rtlCol="0">
-            <a:spAutoFit/>
-          </a:bodyPr>
-          <a:lstStyle/>
-          <a:p>
-            <a:r>
-              <a:rPr lang="en-US" dirty="0" err="1"/>
-              <a:t>Falso</a:t>
-            </a:r>
-            <a:r>
-              <a:rPr lang="en-US" dirty="0"/>
-              <a:t> </a:t>
-            </a:r>
-            <a:r>
-              <a:rPr lang="en-US" dirty="0" err="1"/>
-              <a:t>positivos</a:t>
-            </a:r>
-            <a:endParaRPr lang="pt-BR" dirty="0"/>
-          </a:p>
-        </p:txBody>
-      </p:sp>
-    </p:spTree>
-    <p:extLst>
-      <p:ext uri="{BB962C8B-B14F-4D97-AF65-F5344CB8AC3E}">
-        <p14:creationId xmlns:p14="http://schemas.microsoft.com/office/powerpoint/2010/main" val="2858984440"/>
-      </p:ext>
-    </p:extLst>
-  </p:cSld>
-  <p:clrMapOvr>
-    <a:masterClrMapping/>
-  </p:clrMapOvr>
-</p:sld>
-</file>
-
-<file path=ppt/slides/slide39.xml><?xml version="1.0" encoding="utf-8"?>
-<p:sld xmlns:a="http://schemas.openxmlformats.org/drawingml/2006/main" xmlns:r="http://schemas.openxmlformats.org/officeDocument/2006/relationships" xmlns:p="http://schemas.openxmlformats.org/presentationml/2006/main">
-  <p:cSld>
-    <p:spTree>
-      <p:nvGrpSpPr>
-        <p:cNvPr id="1" name=""/>
-        <p:cNvGrpSpPr/>
-        <p:nvPr/>
-      </p:nvGrpSpPr>
-      <p:grpSpPr>
-        <a:xfrm>
-          <a:off x="0" y="0"/>
-          <a:ext cx="0" cy="0"/>
-          <a:chOff x="0" y="0"/>
-          <a:chExt cx="0" cy="0"/>
-        </a:xfrm>
-      </p:grpSpPr>
-      <p:sp>
-        <p:nvSpPr>
-          <p:cNvPr id="2" name="Title 1"/>
-          <p:cNvSpPr>
-            <a:spLocks noGrp="1"/>
-          </p:cNvSpPr>
-          <p:nvPr>
-            <p:ph type="title"/>
-          </p:nvPr>
-        </p:nvSpPr>
-        <p:spPr/>
-        <p:txBody>
-          <a:bodyPr/>
-          <a:lstStyle/>
-          <a:p>
-            <a:r>
-              <a:rPr lang="en-US" dirty="0"/>
-              <a:t>“No Silver Bullet, No Free Lunch”</a:t>
-            </a:r>
-            <a:endParaRPr lang="pt-BR" dirty="0"/>
-          </a:p>
-        </p:txBody>
-      </p:sp>
-      <p:cxnSp>
-        <p:nvCxnSpPr>
-          <p:cNvPr id="5" name="Straight Arrow Connector 4"/>
-          <p:cNvCxnSpPr/>
-          <p:nvPr/>
-        </p:nvCxnSpPr>
-        <p:spPr>
-          <a:xfrm rot="5400000" flipH="1" flipV="1">
-            <a:off x="3142446" y="3000372"/>
-            <a:ext cx="2001058" cy="794"/>
-          </a:xfrm>
-          <a:prstGeom prst="straightConnector1">
-            <a:avLst/>
-          </a:prstGeom>
-          <a:ln>
-            <a:tailEnd type="arrow"/>
-          </a:ln>
-        </p:spPr>
-        <p:style>
-          <a:lnRef idx="1">
-            <a:schemeClr val="dk1"/>
-          </a:lnRef>
-          <a:fillRef idx="0">
-            <a:schemeClr val="dk1"/>
-          </a:fillRef>
-          <a:effectRef idx="0">
-            <a:schemeClr val="dk1"/>
-          </a:effectRef>
-          <a:fontRef idx="minor">
-            <a:schemeClr val="tx1"/>
-          </a:fontRef>
-        </p:style>
-      </p:cxnSp>
-      <p:cxnSp>
-        <p:nvCxnSpPr>
-          <p:cNvPr id="6" name="Straight Arrow Connector 5"/>
-          <p:cNvCxnSpPr/>
-          <p:nvPr/>
-        </p:nvCxnSpPr>
-        <p:spPr>
-          <a:xfrm>
-            <a:off x="4143372" y="4000504"/>
-            <a:ext cx="2357454" cy="1588"/>
-          </a:xfrm>
-          <a:prstGeom prst="straightConnector1">
-            <a:avLst/>
-          </a:prstGeom>
-          <a:ln>
-            <a:tailEnd type="arrow"/>
-          </a:ln>
-        </p:spPr>
-        <p:style>
-          <a:lnRef idx="1">
-            <a:schemeClr val="dk1"/>
-          </a:lnRef>
-          <a:fillRef idx="0">
-            <a:schemeClr val="dk1"/>
-          </a:fillRef>
-          <a:effectRef idx="0">
-            <a:schemeClr val="dk1"/>
-          </a:effectRef>
-          <a:fontRef idx="minor">
-            <a:schemeClr val="tx1"/>
-          </a:fontRef>
-        </p:style>
-      </p:cxnSp>
-      <p:cxnSp>
-        <p:nvCxnSpPr>
-          <p:cNvPr id="11" name="Straight Arrow Connector 10"/>
-          <p:cNvCxnSpPr/>
-          <p:nvPr/>
-        </p:nvCxnSpPr>
-        <p:spPr>
-          <a:xfrm rot="5400000">
-            <a:off x="2928926" y="4071942"/>
-            <a:ext cx="1285884" cy="1143008"/>
-          </a:xfrm>
-          <a:prstGeom prst="straightConnector1">
-            <a:avLst/>
-          </a:prstGeom>
-          <a:ln>
-            <a:tailEnd type="arrow"/>
-          </a:ln>
-        </p:spPr>
-        <p:style>
-          <a:lnRef idx="1">
-            <a:schemeClr val="dk1"/>
-          </a:lnRef>
-          <a:fillRef idx="0">
-            <a:schemeClr val="dk1"/>
-          </a:fillRef>
-          <a:effectRef idx="0">
-            <a:schemeClr val="dk1"/>
-          </a:effectRef>
-          <a:fontRef idx="minor">
-            <a:schemeClr val="tx1"/>
-          </a:fontRef>
-        </p:style>
-      </p:cxnSp>
-      <p:cxnSp>
-        <p:nvCxnSpPr>
-          <p:cNvPr id="18" name="Straight Connector 17"/>
-          <p:cNvCxnSpPr/>
-          <p:nvPr/>
-        </p:nvCxnSpPr>
-        <p:spPr>
-          <a:xfrm rot="5400000">
-            <a:off x="3000365" y="4071942"/>
-            <a:ext cx="1214445" cy="1071570"/>
-          </a:xfrm>
-          <a:prstGeom prst="line">
-            <a:avLst/>
-          </a:prstGeom>
-          <a:ln w="38100">
-            <a:solidFill>
-              <a:srgbClr val="FF0000"/>
-            </a:solidFill>
-          </a:ln>
-        </p:spPr>
-        <p:style>
-          <a:lnRef idx="1">
-            <a:schemeClr val="dk1"/>
-          </a:lnRef>
-          <a:fillRef idx="0">
-            <a:schemeClr val="dk1"/>
-          </a:fillRef>
-          <a:effectRef idx="0">
-            <a:schemeClr val="dk1"/>
-          </a:effectRef>
-          <a:fontRef idx="minor">
-            <a:schemeClr val="tx1"/>
-          </a:fontRef>
-        </p:style>
-      </p:cxnSp>
-      <p:sp>
-        <p:nvSpPr>
-          <p:cNvPr id="12" name="TextBox 11"/>
-          <p:cNvSpPr txBox="1"/>
-          <p:nvPr/>
-        </p:nvSpPr>
-        <p:spPr>
-          <a:xfrm>
-            <a:off x="4283968" y="4536547"/>
-            <a:ext cx="4680520" cy="1754326"/>
-          </a:xfrm>
-          <a:prstGeom prst="rect">
-            <a:avLst/>
-          </a:prstGeom>
-          <a:noFill/>
-          <a:ln>
-            <a:solidFill>
-              <a:schemeClr val="tx1"/>
-            </a:solidFill>
-          </a:ln>
-        </p:spPr>
-        <p:style>
-          <a:lnRef idx="1">
-            <a:schemeClr val="accent1"/>
-          </a:lnRef>
-          <a:fillRef idx="2">
-            <a:schemeClr val="accent1"/>
-          </a:fillRef>
-          <a:effectRef idx="1">
-            <a:schemeClr val="accent1"/>
-          </a:effectRef>
-          <a:fontRef idx="minor">
-            <a:schemeClr val="dk1"/>
-          </a:fontRef>
-        </p:style>
-        <p:txBody>
-          <a:bodyPr wrap="square" rtlCol="0">
-            <a:spAutoFit/>
-          </a:bodyPr>
-          <a:lstStyle/>
-          <a:p>
-            <a:pPr algn="ctr"/>
-            <a:r>
-              <a:rPr lang="en-US" sz="3600" dirty="0"/>
-              <a:t>I(</a:t>
-            </a:r>
-            <a:r>
-              <a:rPr lang="en-US" sz="3600" dirty="0" err="1"/>
-              <a:t>d|rr</a:t>
-            </a:r>
-            <a:r>
-              <a:rPr lang="en-US" sz="3600" dirty="0"/>
-              <a:t>)</a:t>
-            </a:r>
-            <a:r>
-              <a:rPr lang="en-US" sz="3600" dirty="0" err="1"/>
-              <a:t>eal</a:t>
-            </a:r>
-            <a:r>
-              <a:rPr lang="en-US" sz="3600" dirty="0"/>
-              <a:t>:  </a:t>
-            </a:r>
-            <a:r>
-              <a:rPr lang="en-US" sz="3600" dirty="0" err="1"/>
-              <a:t>Resultados</a:t>
-            </a:r>
-            <a:r>
-              <a:rPr lang="en-US" sz="3600" dirty="0"/>
-              <a:t> </a:t>
-            </a:r>
-            <a:r>
-              <a:rPr lang="en-US" sz="3600" dirty="0" err="1"/>
-              <a:t>perfeitos</a:t>
-            </a:r>
-            <a:r>
-              <a:rPr lang="en-US" sz="3600" dirty="0"/>
-              <a:t> </a:t>
-            </a:r>
-            <a:r>
-              <a:rPr lang="en-US" sz="3600" dirty="0" err="1"/>
-              <a:t>independente</a:t>
-            </a:r>
-            <a:r>
-              <a:rPr lang="en-US" sz="3600" dirty="0"/>
-              <a:t> de </a:t>
-            </a:r>
-            <a:r>
-              <a:rPr lang="en-US" sz="3600" dirty="0" err="1"/>
-              <a:t>complexidade</a:t>
-            </a:r>
-            <a:r>
-              <a:rPr lang="en-US" sz="3600" dirty="0"/>
-              <a:t>.</a:t>
-            </a:r>
-            <a:endParaRPr lang="pt-BR" sz="3600" dirty="0"/>
-          </a:p>
-        </p:txBody>
-      </p:sp>
-      <p:sp>
-        <p:nvSpPr>
-          <p:cNvPr id="16" name="TextBox 18"/>
-          <p:cNvSpPr txBox="1"/>
-          <p:nvPr/>
-        </p:nvSpPr>
-        <p:spPr>
-          <a:xfrm>
-            <a:off x="1071539" y="4917056"/>
-            <a:ext cx="1556246" cy="923330"/>
-          </a:xfrm>
-          <a:prstGeom prst="rect">
-            <a:avLst/>
-          </a:prstGeom>
-          <a:noFill/>
-        </p:spPr>
-        <p:txBody>
-          <a:bodyPr wrap="square" rtlCol="0">
-            <a:spAutoFit/>
-          </a:bodyPr>
-          <a:lstStyle/>
-          <a:p>
-            <a:r>
-              <a:rPr lang="en-US" dirty="0" err="1"/>
-              <a:t>Complexidade</a:t>
-            </a:r>
-            <a:r>
-              <a:rPr lang="en-US" dirty="0"/>
-              <a:t> do </a:t>
-            </a:r>
-            <a:r>
-              <a:rPr lang="en-US" dirty="0" err="1"/>
-              <a:t>problema</a:t>
-            </a:r>
-            <a:r>
-              <a:rPr lang="en-US" dirty="0"/>
-              <a:t> e </a:t>
-            </a:r>
-            <a:r>
-              <a:rPr lang="en-US" dirty="0" err="1"/>
-              <a:t>programa</a:t>
-            </a:r>
-            <a:endParaRPr lang="pt-BR" dirty="0"/>
-          </a:p>
-        </p:txBody>
-      </p:sp>
-      <p:sp>
-        <p:nvSpPr>
-          <p:cNvPr id="17" name="TextBox 12"/>
-          <p:cNvSpPr txBox="1"/>
-          <p:nvPr/>
-        </p:nvSpPr>
-        <p:spPr>
-          <a:xfrm>
-            <a:off x="2533743" y="2000240"/>
-            <a:ext cx="1606209" cy="369332"/>
-          </a:xfrm>
-          <a:prstGeom prst="rect">
-            <a:avLst/>
-          </a:prstGeom>
-          <a:noFill/>
-        </p:spPr>
-        <p:txBody>
-          <a:bodyPr wrap="none" rtlCol="0">
-            <a:spAutoFit/>
-          </a:bodyPr>
-          <a:lstStyle/>
-          <a:p>
-            <a:r>
-              <a:rPr lang="en-US" dirty="0" err="1"/>
-              <a:t>Falso</a:t>
-            </a:r>
-            <a:r>
-              <a:rPr lang="en-US" dirty="0"/>
-              <a:t> </a:t>
-            </a:r>
-            <a:r>
-              <a:rPr lang="en-US" dirty="0" err="1"/>
-              <a:t>negativos</a:t>
-            </a:r>
-            <a:endParaRPr lang="pt-BR" dirty="0"/>
-          </a:p>
-        </p:txBody>
-      </p:sp>
-      <p:sp>
-        <p:nvSpPr>
-          <p:cNvPr id="19" name="Retângulo 18"/>
-          <p:cNvSpPr/>
-          <p:nvPr/>
-        </p:nvSpPr>
-        <p:spPr>
-          <a:xfrm>
-            <a:off x="611560" y="1916832"/>
-            <a:ext cx="8208912" cy="2308324"/>
-          </a:xfrm>
-          <a:prstGeom prst="rect">
-            <a:avLst/>
-          </a:prstGeom>
-          <a:solidFill>
-            <a:srgbClr val="FFFF00"/>
-          </a:solidFill>
-        </p:spPr>
-        <p:style>
-          <a:lnRef idx="2">
-            <a:schemeClr val="dk1"/>
-          </a:lnRef>
-          <a:fillRef idx="1">
-            <a:schemeClr val="lt1"/>
-          </a:fillRef>
-          <a:effectRef idx="0">
-            <a:schemeClr val="dk1"/>
-          </a:effectRef>
-          <a:fontRef idx="minor">
-            <a:schemeClr val="dk1"/>
-          </a:fontRef>
-        </p:style>
-        <p:txBody>
-          <a:bodyPr wrap="square">
-            <a:spAutoFit/>
-          </a:bodyPr>
-          <a:lstStyle/>
-          <a:p>
-            <a:pPr algn="ctr"/>
-            <a:r>
-              <a:rPr lang="pt-BR" sz="3600" dirty="0"/>
-              <a:t>Maioria dos problemas de análise são </a:t>
-            </a:r>
-            <a:r>
-              <a:rPr lang="pt-BR" sz="3600" dirty="0" err="1"/>
-              <a:t>indecidíveis</a:t>
-            </a:r>
-            <a:r>
-              <a:rPr lang="pt-BR" sz="3600" dirty="0"/>
-              <a:t>! Construções de linguagens modernas trazem mais complexidade: </a:t>
-            </a:r>
-            <a:r>
-              <a:rPr lang="pt-BR" sz="3600" dirty="0" err="1"/>
-              <a:t>dynamic</a:t>
-            </a:r>
-            <a:r>
-              <a:rPr lang="pt-BR" sz="3600" dirty="0"/>
-              <a:t> </a:t>
-            </a:r>
-            <a:r>
-              <a:rPr lang="pt-BR" sz="3600" dirty="0" err="1"/>
-              <a:t>binding</a:t>
-            </a:r>
-            <a:r>
-              <a:rPr lang="pt-BR" sz="3600" dirty="0"/>
-              <a:t>, </a:t>
-            </a:r>
-            <a:r>
-              <a:rPr lang="pt-BR" sz="3600" dirty="0" err="1"/>
-              <a:t>reflection</a:t>
-            </a:r>
-            <a:r>
-              <a:rPr lang="pt-BR" sz="3600" dirty="0"/>
-              <a:t>, IO, etc.</a:t>
-            </a:r>
-          </a:p>
-        </p:txBody>
-      </p:sp>
-    </p:spTree>
-    <p:extLst>
-      <p:ext uri="{BB962C8B-B14F-4D97-AF65-F5344CB8AC3E}">
-        <p14:creationId xmlns:p14="http://schemas.microsoft.com/office/powerpoint/2010/main" val="3960392174"/>
-      </p:ext>
-    </p:extLst>
-  </p:cSld>
-  <p:clrMapOvr>
-    <a:masterClrMapping/>
-  </p:clrMapOvr>
-</p:sld>
-</file>
-
-<file path=ppt/slides/slide4.xml><?xml version="1.0" encoding="utf-8"?>
-<p:sld xmlns:a="http://schemas.openxmlformats.org/drawingml/2006/main" xmlns:r="http://schemas.openxmlformats.org/officeDocument/2006/relationships" xmlns:p="http://schemas.openxmlformats.org/presentationml/2006/main">
-  <p:cSld>
-    <p:spTree>
-      <p:nvGrpSpPr>
-        <p:cNvPr id="1" name=""/>
-        <p:cNvGrpSpPr/>
-        <p:nvPr/>
-      </p:nvGrpSpPr>
-      <p:grpSpPr>
-        <a:xfrm>
-          <a:off x="0" y="0"/>
-          <a:ext cx="0" cy="0"/>
-          <a:chOff x="0" y="0"/>
-          <a:chExt cx="0" cy="0"/>
-        </a:xfrm>
-      </p:grpSpPr>
-      <p:pic>
-        <p:nvPicPr>
-          <p:cNvPr id="1026" name="Picture 2"/>
-          <p:cNvPicPr>
-            <a:picLocks noChangeAspect="1" noChangeArrowheads="1"/>
-          </p:cNvPicPr>
-          <p:nvPr/>
-        </p:nvPicPr>
-        <p:blipFill>
-          <a:blip r:embed="rId2">
-            <a:extLst>
-              <a:ext uri="{28A0092B-C50C-407E-A947-70E740481C1C}">
-                <a14:useLocalDpi xmlns:a14="http://schemas.microsoft.com/office/drawing/2010/main" val="0"/>
-              </a:ext>
-            </a:extLst>
-          </a:blip>
-          <a:srcRect/>
-          <a:stretch>
-            <a:fillRect/>
-          </a:stretch>
-        </p:blipFill>
-        <p:spPr bwMode="auto">
-          <a:xfrm>
-            <a:off x="7754" y="692695"/>
-            <a:ext cx="9136245" cy="5477257"/>
-          </a:xfrm>
-          <a:prstGeom prst="rect">
-            <a:avLst/>
-          </a:prstGeom>
-          <a:noFill/>
-          <a:ln>
-            <a:noFill/>
-          </a:ln>
-          <a:extLst>
-            <a:ext uri="{909E8E84-426E-40DD-AFC4-6F175D3DCCD1}">
-              <a14:hiddenFill xmlns:a14="http://schemas.microsoft.com/office/drawing/2010/main">
-                <a:solidFill>
-                  <a:schemeClr val="accent1"/>
-                </a:solidFill>
-              </a14:hiddenFill>
-            </a:ext>
-            <a:ext uri="{91240B29-F687-4F45-9708-019B960494DF}">
-              <a14:hiddenLine xmlns:a14="http://schemas.microsoft.com/office/drawing/2010/main" w="9525">
-                <a:solidFill>
-                  <a:schemeClr val="tx1"/>
-                </a:solidFill>
-                <a:miter lim="800000"/>
-                <a:headEnd/>
-                <a:tailEnd/>
-              </a14:hiddenLine>
-            </a:ext>
-          </a:extLst>
-        </p:spPr>
-      </p:pic>
-    </p:spTree>
-    <p:extLst>
-      <p:ext uri="{BB962C8B-B14F-4D97-AF65-F5344CB8AC3E}">
-        <p14:creationId xmlns:p14="http://schemas.microsoft.com/office/powerpoint/2010/main" val="994319169"/>
-      </p:ext>
-    </p:extLst>
-  </p:cSld>
-  <p:clrMapOvr>
-    <a:masterClrMapping/>
-  </p:clrMapOvr>
-</p:sld>
-</file>
-
-<file path=ppt/slides/slide40.xml><?xml version="1.0" encoding="utf-8"?>
-<p:sld xmlns:a="http://schemas.openxmlformats.org/drawingml/2006/main" xmlns:r="http://schemas.openxmlformats.org/officeDocument/2006/relationships" xmlns:p="http://schemas.openxmlformats.org/presentationml/2006/main">
-  <p:cSld>
-    <p:spTree>
-      <p:nvGrpSpPr>
-        <p:cNvPr id="1" name=""/>
-        <p:cNvGrpSpPr/>
-        <p:nvPr/>
-      </p:nvGrpSpPr>
-      <p:grpSpPr>
-        <a:xfrm>
-          <a:off x="0" y="0"/>
-          <a:ext cx="0" cy="0"/>
-          <a:chOff x="0" y="0"/>
-          <a:chExt cx="0" cy="0"/>
-        </a:xfrm>
-      </p:grpSpPr>
-      <p:sp>
-        <p:nvSpPr>
-          <p:cNvPr id="2" name="Title 1"/>
-          <p:cNvSpPr>
-            <a:spLocks noGrp="1"/>
-          </p:cNvSpPr>
-          <p:nvPr>
-            <p:ph type="title"/>
-          </p:nvPr>
-        </p:nvSpPr>
-        <p:spPr/>
-        <p:txBody>
-          <a:bodyPr/>
-          <a:lstStyle/>
-          <a:p>
-            <a:r>
-              <a:rPr lang="en-US" dirty="0"/>
-              <a:t>“No Silver Bullet, No Free Lunch”</a:t>
-            </a:r>
-            <a:endParaRPr lang="pt-BR" dirty="0"/>
-          </a:p>
-        </p:txBody>
-      </p:sp>
-      <p:cxnSp>
-        <p:nvCxnSpPr>
-          <p:cNvPr id="5" name="Straight Arrow Connector 4"/>
-          <p:cNvCxnSpPr/>
-          <p:nvPr/>
-        </p:nvCxnSpPr>
-        <p:spPr>
-          <a:xfrm rot="5400000" flipH="1" flipV="1">
-            <a:off x="3142446" y="3000372"/>
-            <a:ext cx="2001058" cy="794"/>
-          </a:xfrm>
-          <a:prstGeom prst="straightConnector1">
-            <a:avLst/>
-          </a:prstGeom>
-          <a:ln>
-            <a:tailEnd type="arrow"/>
-          </a:ln>
-        </p:spPr>
-        <p:style>
-          <a:lnRef idx="1">
-            <a:schemeClr val="dk1"/>
-          </a:lnRef>
-          <a:fillRef idx="0">
-            <a:schemeClr val="dk1"/>
-          </a:fillRef>
-          <a:effectRef idx="0">
-            <a:schemeClr val="dk1"/>
-          </a:effectRef>
-          <a:fontRef idx="minor">
-            <a:schemeClr val="tx1"/>
-          </a:fontRef>
-        </p:style>
-      </p:cxnSp>
-      <p:cxnSp>
-        <p:nvCxnSpPr>
-          <p:cNvPr id="6" name="Straight Arrow Connector 5"/>
-          <p:cNvCxnSpPr/>
-          <p:nvPr/>
-        </p:nvCxnSpPr>
-        <p:spPr>
-          <a:xfrm>
-            <a:off x="4143372" y="4000504"/>
-            <a:ext cx="2357454" cy="1588"/>
-          </a:xfrm>
-          <a:prstGeom prst="straightConnector1">
-            <a:avLst/>
-          </a:prstGeom>
-          <a:ln>
-            <a:tailEnd type="arrow"/>
-          </a:ln>
-        </p:spPr>
-        <p:style>
-          <a:lnRef idx="1">
-            <a:schemeClr val="dk1"/>
-          </a:lnRef>
-          <a:fillRef idx="0">
-            <a:schemeClr val="dk1"/>
-          </a:fillRef>
-          <a:effectRef idx="0">
-            <a:schemeClr val="dk1"/>
-          </a:effectRef>
-          <a:fontRef idx="minor">
-            <a:schemeClr val="tx1"/>
-          </a:fontRef>
-        </p:style>
-      </p:cxnSp>
-      <p:cxnSp>
-        <p:nvCxnSpPr>
-          <p:cNvPr id="11" name="Straight Arrow Connector 10"/>
-          <p:cNvCxnSpPr/>
-          <p:nvPr/>
-        </p:nvCxnSpPr>
-        <p:spPr>
-          <a:xfrm rot="5400000">
-            <a:off x="2928926" y="4071942"/>
-            <a:ext cx="1285884" cy="1143008"/>
-          </a:xfrm>
-          <a:prstGeom prst="straightConnector1">
-            <a:avLst/>
-          </a:prstGeom>
-          <a:ln>
-            <a:tailEnd type="arrow"/>
-          </a:ln>
-        </p:spPr>
-        <p:style>
-          <a:lnRef idx="1">
-            <a:schemeClr val="dk1"/>
-          </a:lnRef>
-          <a:fillRef idx="0">
-            <a:schemeClr val="dk1"/>
-          </a:fillRef>
-          <a:effectRef idx="0">
-            <a:schemeClr val="dk1"/>
-          </a:effectRef>
-          <a:fontRef idx="minor">
-            <a:schemeClr val="tx1"/>
-          </a:fontRef>
-        </p:style>
-      </p:cxnSp>
-      <p:sp>
-        <p:nvSpPr>
-          <p:cNvPr id="13" name="TextBox 12"/>
-          <p:cNvSpPr txBox="1"/>
-          <p:nvPr/>
-        </p:nvSpPr>
-        <p:spPr>
-          <a:xfrm>
-            <a:off x="2533743" y="2000240"/>
-            <a:ext cx="1606209" cy="369332"/>
-          </a:xfrm>
-          <a:prstGeom prst="rect">
-            <a:avLst/>
-          </a:prstGeom>
-          <a:noFill/>
-        </p:spPr>
-        <p:txBody>
-          <a:bodyPr wrap="none" rtlCol="0">
-            <a:spAutoFit/>
-          </a:bodyPr>
-          <a:lstStyle/>
-          <a:p>
-            <a:r>
-              <a:rPr lang="en-US" dirty="0" err="1"/>
-              <a:t>Falso</a:t>
-            </a:r>
-            <a:r>
-              <a:rPr lang="en-US" dirty="0"/>
-              <a:t> </a:t>
-            </a:r>
-            <a:r>
-              <a:rPr lang="en-US" dirty="0" err="1"/>
-              <a:t>negativos</a:t>
-            </a:r>
-            <a:endParaRPr lang="pt-BR" dirty="0"/>
-          </a:p>
-        </p:txBody>
-      </p:sp>
-      <p:sp>
-        <p:nvSpPr>
-          <p:cNvPr id="14" name="TextBox 13"/>
-          <p:cNvSpPr txBox="1"/>
-          <p:nvPr/>
-        </p:nvSpPr>
-        <p:spPr>
-          <a:xfrm>
-            <a:off x="5715008" y="3571876"/>
-            <a:ext cx="1542089" cy="369332"/>
-          </a:xfrm>
-          <a:prstGeom prst="rect">
-            <a:avLst/>
-          </a:prstGeom>
-          <a:noFill/>
-        </p:spPr>
-        <p:txBody>
-          <a:bodyPr wrap="none" rtlCol="0">
-            <a:spAutoFit/>
-          </a:bodyPr>
-          <a:lstStyle/>
-          <a:p>
-            <a:r>
-              <a:rPr lang="en-US" dirty="0" err="1"/>
-              <a:t>Falso</a:t>
-            </a:r>
-            <a:r>
-              <a:rPr lang="en-US" dirty="0"/>
-              <a:t> </a:t>
-            </a:r>
-            <a:r>
-              <a:rPr lang="en-US" dirty="0" err="1"/>
-              <a:t>positivos</a:t>
-            </a:r>
-            <a:endParaRPr lang="pt-BR" dirty="0"/>
-          </a:p>
-        </p:txBody>
-      </p:sp>
-      <p:sp>
-        <p:nvSpPr>
-          <p:cNvPr id="19" name="TextBox 18"/>
-          <p:cNvSpPr txBox="1"/>
-          <p:nvPr/>
-        </p:nvSpPr>
-        <p:spPr>
-          <a:xfrm>
-            <a:off x="1071539" y="4917056"/>
-            <a:ext cx="1556246" cy="923330"/>
-          </a:xfrm>
-          <a:prstGeom prst="rect">
-            <a:avLst/>
-          </a:prstGeom>
-          <a:noFill/>
-        </p:spPr>
-        <p:txBody>
-          <a:bodyPr wrap="square" rtlCol="0">
-            <a:spAutoFit/>
-          </a:bodyPr>
-          <a:lstStyle/>
-          <a:p>
-            <a:r>
-              <a:rPr lang="en-US" dirty="0" err="1"/>
-              <a:t>Complexidade</a:t>
-            </a:r>
-            <a:r>
-              <a:rPr lang="en-US" dirty="0"/>
-              <a:t> do </a:t>
-            </a:r>
-            <a:r>
-              <a:rPr lang="en-US" dirty="0" err="1"/>
-              <a:t>problema</a:t>
-            </a:r>
-            <a:r>
-              <a:rPr lang="en-US" dirty="0"/>
-              <a:t> e </a:t>
-            </a:r>
-            <a:r>
-              <a:rPr lang="en-US" dirty="0" err="1"/>
-              <a:t>programa</a:t>
-            </a:r>
-            <a:endParaRPr lang="pt-BR" dirty="0"/>
-          </a:p>
-        </p:txBody>
-      </p:sp>
-      <p:sp>
-        <p:nvSpPr>
-          <p:cNvPr id="21" name="Parallelogram 15"/>
-          <p:cNvSpPr/>
-          <p:nvPr/>
-        </p:nvSpPr>
-        <p:spPr>
-          <a:xfrm>
-            <a:off x="3143240" y="4052230"/>
-            <a:ext cx="3214710" cy="1143008"/>
-          </a:xfrm>
-          <a:prstGeom prst="parallelogram">
-            <a:avLst>
-              <a:gd name="adj" fmla="val 89615"/>
-            </a:avLst>
-          </a:prstGeom>
-        </p:spPr>
-        <p:style>
-          <a:lnRef idx="2">
-            <a:schemeClr val="accent1">
-              <a:shade val="50000"/>
-            </a:schemeClr>
-          </a:lnRef>
-          <a:fillRef idx="1">
-            <a:schemeClr val="accent1"/>
-          </a:fillRef>
-          <a:effectRef idx="0">
-            <a:schemeClr val="accent1"/>
-          </a:effectRef>
-          <a:fontRef idx="minor">
-            <a:schemeClr val="lt1"/>
-          </a:fontRef>
-        </p:style>
-        <p:txBody>
-          <a:bodyPr rtlCol="0" anchor="ctr"/>
-          <a:lstStyle/>
-          <a:p>
-            <a:pPr algn="ctr"/>
-            <a:endParaRPr lang="pt-BR"/>
-          </a:p>
-        </p:txBody>
-      </p:sp>
-      <p:sp>
-        <p:nvSpPr>
-          <p:cNvPr id="17" name="TextBox 20"/>
-          <p:cNvSpPr txBox="1"/>
-          <p:nvPr/>
-        </p:nvSpPr>
-        <p:spPr>
-          <a:xfrm>
-            <a:off x="4876218" y="2028305"/>
-            <a:ext cx="4088270" cy="1200329"/>
-          </a:xfrm>
-          <a:prstGeom prst="rect">
-            <a:avLst/>
-          </a:prstGeom>
-          <a:ln/>
-        </p:spPr>
-        <p:style>
-          <a:lnRef idx="2">
-            <a:schemeClr val="dk1"/>
-          </a:lnRef>
-          <a:fillRef idx="1">
-            <a:schemeClr val="lt1"/>
-          </a:fillRef>
-          <a:effectRef idx="0">
-            <a:schemeClr val="dk1"/>
-          </a:effectRef>
-          <a:fontRef idx="minor">
-            <a:schemeClr val="dk1"/>
-          </a:fontRef>
-        </p:style>
-        <p:txBody>
-          <a:bodyPr wrap="square" rtlCol="0">
-            <a:spAutoFit/>
-          </a:bodyPr>
-          <a:lstStyle/>
-          <a:p>
-            <a:pPr algn="ctr"/>
-            <a:r>
-              <a:rPr lang="en-US" sz="3600" dirty="0"/>
-              <a:t>Sound</a:t>
-            </a:r>
-          </a:p>
-          <a:p>
-            <a:pPr algn="ctr"/>
-            <a:r>
-              <a:rPr lang="en-US" sz="3600" dirty="0"/>
-              <a:t>(</a:t>
-            </a:r>
-            <a:r>
-              <a:rPr lang="en-US" sz="3600" dirty="0" err="1"/>
-              <a:t>sem</a:t>
-            </a:r>
-            <a:r>
-              <a:rPr lang="en-US" sz="3600" dirty="0"/>
-              <a:t> </a:t>
-            </a:r>
-            <a:r>
-              <a:rPr lang="en-US" sz="3600" dirty="0" err="1"/>
-              <a:t>falso</a:t>
-            </a:r>
-            <a:r>
-              <a:rPr lang="en-US" sz="3600" dirty="0"/>
-              <a:t> </a:t>
-            </a:r>
-            <a:r>
-              <a:rPr lang="en-US" sz="3600" dirty="0" err="1"/>
-              <a:t>negativos</a:t>
-            </a:r>
-            <a:r>
-              <a:rPr lang="en-US" sz="3600" dirty="0"/>
-              <a:t>)</a:t>
-            </a:r>
-            <a:endParaRPr lang="pt-BR" sz="3600" dirty="0"/>
-          </a:p>
-        </p:txBody>
-      </p:sp>
-      <p:sp>
-        <p:nvSpPr>
-          <p:cNvPr id="20" name="Elipse 19"/>
-          <p:cNvSpPr/>
-          <p:nvPr/>
-        </p:nvSpPr>
-        <p:spPr>
-          <a:xfrm>
-            <a:off x="15674" y="2492896"/>
-            <a:ext cx="2102994" cy="2088232"/>
-          </a:xfrm>
-          <a:prstGeom prst="ellipse">
-            <a:avLst/>
-          </a:prstGeom>
-          <a:solidFill>
-            <a:schemeClr val="bg1"/>
-          </a:solidFill>
-          <a:ln>
-            <a:solidFill>
-              <a:schemeClr val="tx1"/>
-            </a:solidFill>
-          </a:ln>
-        </p:spPr>
-        <p:style>
-          <a:lnRef idx="2">
-            <a:schemeClr val="accent1">
-              <a:shade val="50000"/>
-            </a:schemeClr>
-          </a:lnRef>
-          <a:fillRef idx="1">
-            <a:schemeClr val="accent1"/>
-          </a:fillRef>
-          <a:effectRef idx="0">
-            <a:schemeClr val="accent1"/>
-          </a:effectRef>
-          <a:fontRef idx="minor">
-            <a:schemeClr val="lt1"/>
-          </a:fontRef>
-        </p:style>
-        <p:txBody>
-          <a:bodyPr rtlCol="0" anchor="ctr"/>
-          <a:lstStyle/>
-          <a:p>
-            <a:pPr algn="ctr"/>
-            <a:endParaRPr lang="en-US"/>
-          </a:p>
-        </p:txBody>
-      </p:sp>
-      <p:sp>
-        <p:nvSpPr>
-          <p:cNvPr id="22" name="Elipse 21"/>
-          <p:cNvSpPr/>
-          <p:nvPr/>
-        </p:nvSpPr>
-        <p:spPr>
-          <a:xfrm>
-            <a:off x="325854" y="2869602"/>
-            <a:ext cx="1509842" cy="1410968"/>
-          </a:xfrm>
-          <a:prstGeom prst="ellipse">
-            <a:avLst/>
-          </a:prstGeom>
-          <a:solidFill>
-            <a:schemeClr val="tx2">
-              <a:lumMod val="20000"/>
-              <a:lumOff val="80000"/>
-            </a:schemeClr>
-          </a:solidFill>
-          <a:ln>
-            <a:solidFill>
-              <a:schemeClr val="tx1"/>
-            </a:solidFill>
-          </a:ln>
-        </p:spPr>
-        <p:style>
-          <a:lnRef idx="2">
-            <a:schemeClr val="accent1">
-              <a:shade val="50000"/>
-            </a:schemeClr>
-          </a:lnRef>
-          <a:fillRef idx="1">
-            <a:schemeClr val="accent1"/>
-          </a:fillRef>
-          <a:effectRef idx="0">
-            <a:schemeClr val="accent1"/>
-          </a:effectRef>
-          <a:fontRef idx="minor">
-            <a:schemeClr val="lt1"/>
-          </a:fontRef>
-        </p:style>
-        <p:txBody>
-          <a:bodyPr rtlCol="0" anchor="ctr"/>
-          <a:lstStyle/>
-          <a:p>
-            <a:pPr algn="ctr"/>
-            <a:endParaRPr lang="en-US"/>
-          </a:p>
-        </p:txBody>
-      </p:sp>
-      <p:sp>
-        <p:nvSpPr>
-          <p:cNvPr id="23" name="CaixaDeTexto 22"/>
-          <p:cNvSpPr txBox="1"/>
-          <p:nvPr/>
-        </p:nvSpPr>
-        <p:spPr>
-          <a:xfrm>
-            <a:off x="235626" y="2339588"/>
-            <a:ext cx="252325" cy="369332"/>
-          </a:xfrm>
-          <a:prstGeom prst="rect">
-            <a:avLst/>
-          </a:prstGeom>
-          <a:noFill/>
-        </p:spPr>
-        <p:txBody>
-          <a:bodyPr wrap="square" rtlCol="0">
-            <a:spAutoFit/>
-          </a:bodyPr>
-          <a:lstStyle/>
-          <a:p>
-            <a:r>
-              <a:rPr lang="pt-BR" dirty="0"/>
-              <a:t>O</a:t>
-            </a:r>
-            <a:endParaRPr lang="en-US" dirty="0"/>
-          </a:p>
-        </p:txBody>
-      </p:sp>
-      <p:sp>
-        <p:nvSpPr>
-          <p:cNvPr id="24" name="CaixaDeTexto 23"/>
-          <p:cNvSpPr txBox="1"/>
-          <p:nvPr/>
-        </p:nvSpPr>
-        <p:spPr>
-          <a:xfrm>
-            <a:off x="1403648" y="2699628"/>
-            <a:ext cx="231918" cy="369332"/>
-          </a:xfrm>
-          <a:prstGeom prst="rect">
-            <a:avLst/>
-          </a:prstGeom>
-          <a:noFill/>
-        </p:spPr>
-        <p:txBody>
-          <a:bodyPr wrap="square" rtlCol="0">
-            <a:spAutoFit/>
-          </a:bodyPr>
-          <a:lstStyle/>
-          <a:p>
-            <a:r>
-              <a:rPr lang="pt-BR" dirty="0"/>
-              <a:t>R</a:t>
-            </a:r>
-            <a:endParaRPr lang="en-US" dirty="0"/>
-          </a:p>
-        </p:txBody>
-      </p:sp>
-    </p:spTree>
-    <p:extLst>
-      <p:ext uri="{BB962C8B-B14F-4D97-AF65-F5344CB8AC3E}">
-        <p14:creationId xmlns:p14="http://schemas.microsoft.com/office/powerpoint/2010/main" val="3684802876"/>
-      </p:ext>
-    </p:extLst>
-  </p:cSld>
-  <p:clrMapOvr>
-    <a:masterClrMapping/>
-  </p:clrMapOvr>
-</p:sld>
-</file>
-
-<file path=ppt/slides/slide41.xml><?xml version="1.0" encoding="utf-8"?>
-<p:sld xmlns:a="http://schemas.openxmlformats.org/drawingml/2006/main" xmlns:r="http://schemas.openxmlformats.org/officeDocument/2006/relationships" xmlns:p="http://schemas.openxmlformats.org/presentationml/2006/main">
-  <p:cSld>
-    <p:spTree>
-      <p:nvGrpSpPr>
-        <p:cNvPr id="1" name=""/>
-        <p:cNvGrpSpPr/>
-        <p:nvPr/>
-      </p:nvGrpSpPr>
-      <p:grpSpPr>
-        <a:xfrm>
-          <a:off x="0" y="0"/>
-          <a:ext cx="0" cy="0"/>
-          <a:chOff x="0" y="0"/>
-          <a:chExt cx="0" cy="0"/>
-        </a:xfrm>
-      </p:grpSpPr>
-      <p:sp>
-        <p:nvSpPr>
-          <p:cNvPr id="2" name="Title 1"/>
-          <p:cNvSpPr>
-            <a:spLocks noGrp="1"/>
-          </p:cNvSpPr>
-          <p:nvPr>
-            <p:ph type="title"/>
-          </p:nvPr>
-        </p:nvSpPr>
-        <p:spPr/>
-        <p:txBody>
-          <a:bodyPr/>
-          <a:lstStyle/>
-          <a:p>
-            <a:r>
-              <a:rPr lang="en-US" dirty="0"/>
-              <a:t>“No Silver Bullet, No Free Lunch”</a:t>
-            </a:r>
-            <a:endParaRPr lang="pt-BR" dirty="0"/>
-          </a:p>
-        </p:txBody>
-      </p:sp>
-      <p:cxnSp>
-        <p:nvCxnSpPr>
-          <p:cNvPr id="5" name="Straight Arrow Connector 4"/>
-          <p:cNvCxnSpPr/>
-          <p:nvPr/>
-        </p:nvCxnSpPr>
-        <p:spPr>
-          <a:xfrm rot="5400000" flipH="1" flipV="1">
-            <a:off x="3142446" y="3000372"/>
-            <a:ext cx="2001058" cy="794"/>
-          </a:xfrm>
-          <a:prstGeom prst="straightConnector1">
-            <a:avLst/>
-          </a:prstGeom>
-          <a:ln>
-            <a:tailEnd type="arrow"/>
-          </a:ln>
-        </p:spPr>
-        <p:style>
-          <a:lnRef idx="1">
-            <a:schemeClr val="dk1"/>
-          </a:lnRef>
-          <a:fillRef idx="0">
-            <a:schemeClr val="dk1"/>
-          </a:fillRef>
-          <a:effectRef idx="0">
-            <a:schemeClr val="dk1"/>
-          </a:effectRef>
-          <a:fontRef idx="minor">
-            <a:schemeClr val="tx1"/>
-          </a:fontRef>
-        </p:style>
-      </p:cxnSp>
-      <p:cxnSp>
-        <p:nvCxnSpPr>
-          <p:cNvPr id="6" name="Straight Arrow Connector 5"/>
-          <p:cNvCxnSpPr/>
-          <p:nvPr/>
-        </p:nvCxnSpPr>
-        <p:spPr>
-          <a:xfrm>
-            <a:off x="4143372" y="4000504"/>
-            <a:ext cx="2357454" cy="1588"/>
-          </a:xfrm>
-          <a:prstGeom prst="straightConnector1">
-            <a:avLst/>
-          </a:prstGeom>
-          <a:ln>
-            <a:tailEnd type="arrow"/>
-          </a:ln>
-        </p:spPr>
-        <p:style>
-          <a:lnRef idx="1">
-            <a:schemeClr val="dk1"/>
-          </a:lnRef>
-          <a:fillRef idx="0">
-            <a:schemeClr val="dk1"/>
-          </a:fillRef>
-          <a:effectRef idx="0">
-            <a:schemeClr val="dk1"/>
-          </a:effectRef>
-          <a:fontRef idx="minor">
-            <a:schemeClr val="tx1"/>
-          </a:fontRef>
-        </p:style>
-      </p:cxnSp>
-      <p:cxnSp>
-        <p:nvCxnSpPr>
-          <p:cNvPr id="11" name="Straight Arrow Connector 10"/>
-          <p:cNvCxnSpPr/>
-          <p:nvPr/>
-        </p:nvCxnSpPr>
-        <p:spPr>
-          <a:xfrm rot="10800000" flipV="1">
-            <a:off x="2428860" y="4000504"/>
-            <a:ext cx="1714512" cy="1071570"/>
-          </a:xfrm>
-          <a:prstGeom prst="straightConnector1">
-            <a:avLst/>
-          </a:prstGeom>
-          <a:ln>
-            <a:tailEnd type="arrow"/>
-          </a:ln>
-        </p:spPr>
-        <p:style>
-          <a:lnRef idx="1">
-            <a:schemeClr val="dk1"/>
-          </a:lnRef>
-          <a:fillRef idx="0">
-            <a:schemeClr val="dk1"/>
-          </a:fillRef>
-          <a:effectRef idx="0">
-            <a:schemeClr val="dk1"/>
-          </a:effectRef>
-          <a:fontRef idx="minor">
-            <a:schemeClr val="tx1"/>
-          </a:fontRef>
-        </p:style>
-      </p:cxnSp>
-      <p:sp>
-        <p:nvSpPr>
-          <p:cNvPr id="21" name="TextBox 20"/>
-          <p:cNvSpPr txBox="1"/>
-          <p:nvPr/>
-        </p:nvSpPr>
-        <p:spPr>
-          <a:xfrm>
-            <a:off x="4876218" y="2028305"/>
-            <a:ext cx="4088270" cy="1200329"/>
-          </a:xfrm>
-          <a:prstGeom prst="rect">
-            <a:avLst/>
-          </a:prstGeom>
-          <a:ln/>
-        </p:spPr>
-        <p:style>
-          <a:lnRef idx="2">
-            <a:schemeClr val="dk1"/>
-          </a:lnRef>
-          <a:fillRef idx="1">
-            <a:schemeClr val="lt1"/>
-          </a:fillRef>
-          <a:effectRef idx="0">
-            <a:schemeClr val="dk1"/>
-          </a:effectRef>
-          <a:fontRef idx="minor">
-            <a:schemeClr val="dk1"/>
-          </a:fontRef>
-        </p:style>
-        <p:txBody>
-          <a:bodyPr wrap="square" rtlCol="0">
-            <a:spAutoFit/>
-          </a:bodyPr>
-          <a:lstStyle/>
-          <a:p>
-            <a:pPr algn="ctr"/>
-            <a:r>
-              <a:rPr lang="en-US" sz="3600" dirty="0"/>
-              <a:t>Complete </a:t>
-            </a:r>
-          </a:p>
-          <a:p>
-            <a:pPr algn="ctr"/>
-            <a:r>
-              <a:rPr lang="en-US" sz="3600" dirty="0"/>
-              <a:t>(</a:t>
-            </a:r>
-            <a:r>
-              <a:rPr lang="en-US" sz="3600" dirty="0" err="1"/>
-              <a:t>sem</a:t>
-            </a:r>
-            <a:r>
-              <a:rPr lang="en-US" sz="3600" dirty="0"/>
-              <a:t> </a:t>
-            </a:r>
-            <a:r>
-              <a:rPr lang="en-US" sz="3600" dirty="0" err="1"/>
-              <a:t>falso</a:t>
-            </a:r>
-            <a:r>
-              <a:rPr lang="en-US" sz="3600" dirty="0"/>
-              <a:t> </a:t>
-            </a:r>
-            <a:r>
-              <a:rPr lang="en-US" sz="3600" dirty="0" err="1"/>
-              <a:t>positivos</a:t>
-            </a:r>
-            <a:r>
-              <a:rPr lang="en-US" sz="3600" dirty="0"/>
-              <a:t>)</a:t>
-            </a:r>
-            <a:endParaRPr lang="pt-BR" sz="3600" dirty="0"/>
-          </a:p>
-        </p:txBody>
-      </p:sp>
-      <p:sp>
-        <p:nvSpPr>
-          <p:cNvPr id="15" name="Parallelogram 14"/>
-          <p:cNvSpPr/>
-          <p:nvPr/>
-        </p:nvSpPr>
-        <p:spPr>
-          <a:xfrm rot="8879006" flipH="1" flipV="1">
-            <a:off x="1974108" y="2912203"/>
-            <a:ext cx="2728208" cy="1438757"/>
-          </a:xfrm>
-          <a:prstGeom prst="parallelogram">
-            <a:avLst>
-              <a:gd name="adj" fmla="val 62185"/>
-            </a:avLst>
-          </a:prstGeom>
-        </p:spPr>
-        <p:style>
-          <a:lnRef idx="2">
-            <a:schemeClr val="accent1">
-              <a:shade val="50000"/>
-            </a:schemeClr>
-          </a:lnRef>
-          <a:fillRef idx="1">
-            <a:schemeClr val="accent1"/>
-          </a:fillRef>
-          <a:effectRef idx="0">
-            <a:schemeClr val="accent1"/>
-          </a:effectRef>
-          <a:fontRef idx="minor">
-            <a:schemeClr val="lt1"/>
-          </a:fontRef>
-        </p:style>
-        <p:txBody>
-          <a:bodyPr rtlCol="0" anchor="ctr"/>
-          <a:lstStyle/>
-          <a:p>
-            <a:pPr algn="ctr"/>
-            <a:endParaRPr lang="pt-BR"/>
-          </a:p>
-        </p:txBody>
-      </p:sp>
-      <p:sp>
-        <p:nvSpPr>
-          <p:cNvPr id="16" name="TextBox 18"/>
-          <p:cNvSpPr txBox="1"/>
-          <p:nvPr/>
-        </p:nvSpPr>
-        <p:spPr>
-          <a:xfrm>
-            <a:off x="1071539" y="4917056"/>
-            <a:ext cx="1556246" cy="923330"/>
-          </a:xfrm>
-          <a:prstGeom prst="rect">
-            <a:avLst/>
-          </a:prstGeom>
-          <a:noFill/>
-        </p:spPr>
-        <p:txBody>
-          <a:bodyPr wrap="square" rtlCol="0">
-            <a:spAutoFit/>
-          </a:bodyPr>
-          <a:lstStyle/>
-          <a:p>
-            <a:r>
-              <a:rPr lang="en-US" dirty="0" err="1"/>
-              <a:t>Complexidade</a:t>
-            </a:r>
-            <a:r>
-              <a:rPr lang="en-US" dirty="0"/>
-              <a:t> do </a:t>
-            </a:r>
-            <a:r>
-              <a:rPr lang="en-US" dirty="0" err="1"/>
-              <a:t>problema</a:t>
-            </a:r>
-            <a:r>
-              <a:rPr lang="en-US" dirty="0"/>
-              <a:t> e </a:t>
-            </a:r>
-            <a:r>
-              <a:rPr lang="en-US" dirty="0" err="1"/>
-              <a:t>programa</a:t>
-            </a:r>
-            <a:endParaRPr lang="pt-BR" dirty="0"/>
-          </a:p>
-        </p:txBody>
-      </p:sp>
-      <p:sp>
-        <p:nvSpPr>
-          <p:cNvPr id="18" name="TextBox 12"/>
-          <p:cNvSpPr txBox="1"/>
-          <p:nvPr/>
-        </p:nvSpPr>
-        <p:spPr>
-          <a:xfrm>
-            <a:off x="2533743" y="2000240"/>
-            <a:ext cx="1606209" cy="369332"/>
-          </a:xfrm>
-          <a:prstGeom prst="rect">
-            <a:avLst/>
-          </a:prstGeom>
-          <a:noFill/>
-        </p:spPr>
-        <p:txBody>
-          <a:bodyPr wrap="none" rtlCol="0">
-            <a:spAutoFit/>
-          </a:bodyPr>
-          <a:lstStyle/>
-          <a:p>
-            <a:r>
-              <a:rPr lang="en-US" dirty="0" err="1"/>
-              <a:t>Falso</a:t>
-            </a:r>
-            <a:r>
-              <a:rPr lang="en-US" dirty="0"/>
-              <a:t> </a:t>
-            </a:r>
-            <a:r>
-              <a:rPr lang="en-US" dirty="0" err="1"/>
-              <a:t>negativos</a:t>
-            </a:r>
-            <a:endParaRPr lang="pt-BR" dirty="0"/>
-          </a:p>
-        </p:txBody>
-      </p:sp>
-      <p:sp>
-        <p:nvSpPr>
-          <p:cNvPr id="19" name="TextBox 13"/>
-          <p:cNvSpPr txBox="1"/>
-          <p:nvPr/>
-        </p:nvSpPr>
-        <p:spPr>
-          <a:xfrm>
-            <a:off x="5715008" y="3571876"/>
-            <a:ext cx="1542089" cy="369332"/>
-          </a:xfrm>
-          <a:prstGeom prst="rect">
-            <a:avLst/>
-          </a:prstGeom>
-          <a:noFill/>
-        </p:spPr>
-        <p:txBody>
-          <a:bodyPr wrap="none" rtlCol="0">
-            <a:spAutoFit/>
-          </a:bodyPr>
-          <a:lstStyle/>
-          <a:p>
-            <a:r>
-              <a:rPr lang="en-US" dirty="0" err="1"/>
-              <a:t>Falso</a:t>
-            </a:r>
-            <a:r>
-              <a:rPr lang="en-US" dirty="0"/>
-              <a:t> </a:t>
-            </a:r>
-            <a:r>
-              <a:rPr lang="en-US" dirty="0" err="1"/>
-              <a:t>positivos</a:t>
-            </a:r>
-            <a:endParaRPr lang="pt-BR" dirty="0"/>
-          </a:p>
-        </p:txBody>
-      </p:sp>
-      <p:sp>
-        <p:nvSpPr>
-          <p:cNvPr id="20" name="Elipse 19"/>
-          <p:cNvSpPr/>
-          <p:nvPr/>
-        </p:nvSpPr>
-        <p:spPr>
-          <a:xfrm>
-            <a:off x="15674" y="2492896"/>
-            <a:ext cx="2102994" cy="2088232"/>
-          </a:xfrm>
-          <a:prstGeom prst="ellipse">
-            <a:avLst/>
-          </a:prstGeom>
-          <a:solidFill>
-            <a:schemeClr val="bg1"/>
-          </a:solidFill>
-          <a:ln>
-            <a:solidFill>
-              <a:schemeClr val="tx1"/>
-            </a:solidFill>
-          </a:ln>
-        </p:spPr>
-        <p:style>
-          <a:lnRef idx="2">
-            <a:schemeClr val="accent1">
-              <a:shade val="50000"/>
-            </a:schemeClr>
-          </a:lnRef>
-          <a:fillRef idx="1">
-            <a:schemeClr val="accent1"/>
-          </a:fillRef>
-          <a:effectRef idx="0">
-            <a:schemeClr val="accent1"/>
-          </a:effectRef>
-          <a:fontRef idx="minor">
-            <a:schemeClr val="lt1"/>
-          </a:fontRef>
-        </p:style>
-        <p:txBody>
-          <a:bodyPr rtlCol="0" anchor="ctr"/>
-          <a:lstStyle/>
-          <a:p>
-            <a:pPr algn="ctr"/>
-            <a:endParaRPr lang="en-US"/>
-          </a:p>
-        </p:txBody>
-      </p:sp>
-      <p:sp>
-        <p:nvSpPr>
-          <p:cNvPr id="23" name="Elipse 22"/>
-          <p:cNvSpPr/>
-          <p:nvPr/>
-        </p:nvSpPr>
-        <p:spPr>
-          <a:xfrm>
-            <a:off x="325854" y="2869602"/>
-            <a:ext cx="1509842" cy="1410968"/>
-          </a:xfrm>
-          <a:prstGeom prst="ellipse">
-            <a:avLst/>
-          </a:prstGeom>
-          <a:solidFill>
-            <a:schemeClr val="tx2">
-              <a:lumMod val="20000"/>
-              <a:lumOff val="80000"/>
-            </a:schemeClr>
-          </a:solidFill>
-          <a:ln>
-            <a:solidFill>
-              <a:schemeClr val="tx1"/>
-            </a:solidFill>
-          </a:ln>
-        </p:spPr>
-        <p:style>
-          <a:lnRef idx="2">
-            <a:schemeClr val="accent1">
-              <a:shade val="50000"/>
-            </a:schemeClr>
-          </a:lnRef>
-          <a:fillRef idx="1">
-            <a:schemeClr val="accent1"/>
-          </a:fillRef>
-          <a:effectRef idx="0">
-            <a:schemeClr val="accent1"/>
-          </a:effectRef>
-          <a:fontRef idx="minor">
-            <a:schemeClr val="lt1"/>
-          </a:fontRef>
-        </p:style>
-        <p:txBody>
-          <a:bodyPr rtlCol="0" anchor="ctr"/>
-          <a:lstStyle/>
-          <a:p>
-            <a:pPr algn="ctr"/>
-            <a:endParaRPr lang="en-US"/>
-          </a:p>
-        </p:txBody>
-      </p:sp>
-      <p:sp>
-        <p:nvSpPr>
-          <p:cNvPr id="24" name="CaixaDeTexto 23"/>
-          <p:cNvSpPr txBox="1"/>
-          <p:nvPr/>
-        </p:nvSpPr>
-        <p:spPr>
-          <a:xfrm>
-            <a:off x="235626" y="2339588"/>
-            <a:ext cx="252325" cy="369332"/>
-          </a:xfrm>
-          <a:prstGeom prst="rect">
-            <a:avLst/>
-          </a:prstGeom>
-          <a:noFill/>
-        </p:spPr>
-        <p:txBody>
-          <a:bodyPr wrap="square" rtlCol="0">
-            <a:spAutoFit/>
-          </a:bodyPr>
-          <a:lstStyle/>
-          <a:p>
-            <a:r>
-              <a:rPr lang="pt-BR" dirty="0"/>
-              <a:t>R</a:t>
-            </a:r>
-            <a:endParaRPr lang="en-US" dirty="0"/>
-          </a:p>
-        </p:txBody>
-      </p:sp>
-      <p:sp>
-        <p:nvSpPr>
-          <p:cNvPr id="25" name="CaixaDeTexto 24"/>
-          <p:cNvSpPr txBox="1"/>
-          <p:nvPr/>
-        </p:nvSpPr>
-        <p:spPr>
-          <a:xfrm>
-            <a:off x="1403648" y="2699628"/>
-            <a:ext cx="231918" cy="369332"/>
-          </a:xfrm>
-          <a:prstGeom prst="rect">
-            <a:avLst/>
-          </a:prstGeom>
-          <a:noFill/>
-        </p:spPr>
-        <p:txBody>
-          <a:bodyPr wrap="square" rtlCol="0">
-            <a:spAutoFit/>
-          </a:bodyPr>
-          <a:lstStyle/>
-          <a:p>
-            <a:r>
-              <a:rPr lang="pt-BR" dirty="0"/>
-              <a:t>O</a:t>
-            </a:r>
-            <a:endParaRPr lang="en-US" dirty="0"/>
-          </a:p>
-        </p:txBody>
-      </p:sp>
-    </p:spTree>
-    <p:extLst>
-      <p:ext uri="{BB962C8B-B14F-4D97-AF65-F5344CB8AC3E}">
-        <p14:creationId xmlns:p14="http://schemas.microsoft.com/office/powerpoint/2010/main" val="878075827"/>
-      </p:ext>
-    </p:extLst>
-  </p:cSld>
-  <p:clrMapOvr>
-    <a:masterClrMapping/>
-  </p:clrMapOvr>
-</p:sld>
-</file>
-
-<file path=ppt/slides/slide42.xml><?xml version="1.0" encoding="utf-8"?>
-<p:sld xmlns:a="http://schemas.openxmlformats.org/drawingml/2006/main" xmlns:r="http://schemas.openxmlformats.org/officeDocument/2006/relationships" xmlns:p="http://schemas.openxmlformats.org/presentationml/2006/main">
-  <p:cSld>
-    <p:spTree>
-      <p:nvGrpSpPr>
-        <p:cNvPr id="1" name=""/>
-        <p:cNvGrpSpPr/>
-        <p:nvPr/>
-      </p:nvGrpSpPr>
-      <p:grpSpPr>
-        <a:xfrm>
-          <a:off x="0" y="0"/>
-          <a:ext cx="0" cy="0"/>
-          <a:chOff x="0" y="0"/>
-          <a:chExt cx="0" cy="0"/>
-        </a:xfrm>
-      </p:grpSpPr>
-      <p:sp>
-        <p:nvSpPr>
-          <p:cNvPr id="2" name="Title 1"/>
-          <p:cNvSpPr>
-            <a:spLocks noGrp="1"/>
-          </p:cNvSpPr>
-          <p:nvPr>
-            <p:ph type="title"/>
-          </p:nvPr>
-        </p:nvSpPr>
-        <p:spPr/>
-        <p:txBody>
-          <a:bodyPr/>
-          <a:lstStyle/>
-          <a:p>
-            <a:r>
-              <a:rPr lang="en-US" dirty="0" err="1"/>
-              <a:t>Em</a:t>
-            </a:r>
-            <a:r>
-              <a:rPr lang="en-US" dirty="0"/>
-              <a:t> </a:t>
-            </a:r>
-            <a:r>
-              <a:rPr lang="en-US" dirty="0" err="1"/>
-              <a:t>resumo</a:t>
-            </a:r>
-            <a:r>
-              <a:rPr lang="en-US" dirty="0"/>
-              <a:t>…</a:t>
-            </a:r>
-            <a:endParaRPr lang="pt-BR" dirty="0"/>
-          </a:p>
-        </p:txBody>
-      </p:sp>
-      <p:sp>
-        <p:nvSpPr>
-          <p:cNvPr id="5" name="TextBox 4"/>
-          <p:cNvSpPr txBox="1"/>
-          <p:nvPr/>
-        </p:nvSpPr>
-        <p:spPr>
-          <a:xfrm>
-            <a:off x="1259632" y="2443160"/>
-            <a:ext cx="7175150" cy="1754326"/>
-          </a:xfrm>
-          <a:prstGeom prst="rect">
-            <a:avLst/>
-          </a:prstGeom>
-          <a:solidFill>
-            <a:srgbClr val="FFFF00"/>
-          </a:solidFill>
-          <a:ln/>
-        </p:spPr>
-        <p:style>
-          <a:lnRef idx="2">
-            <a:schemeClr val="dk1"/>
-          </a:lnRef>
-          <a:fillRef idx="1">
-            <a:schemeClr val="lt1"/>
-          </a:fillRef>
-          <a:effectRef idx="0">
-            <a:schemeClr val="dk1"/>
-          </a:effectRef>
-          <a:fontRef idx="minor">
-            <a:schemeClr val="dk1"/>
-          </a:fontRef>
-        </p:style>
-        <p:txBody>
-          <a:bodyPr wrap="square" rtlCol="0">
-            <a:spAutoFit/>
-          </a:bodyPr>
-          <a:lstStyle/>
-          <a:p>
-            <a:pPr algn="ctr"/>
-            <a:r>
-              <a:rPr lang="en-US" sz="3600" dirty="0">
-                <a:solidFill>
-                  <a:srgbClr val="05022C"/>
-                </a:solidFill>
-              </a:rPr>
-              <a:t>É </a:t>
-            </a:r>
-            <a:r>
-              <a:rPr lang="en-US" sz="3600" dirty="0" err="1">
-                <a:solidFill>
-                  <a:srgbClr val="05022C"/>
-                </a:solidFill>
-              </a:rPr>
-              <a:t>necessário</a:t>
-            </a:r>
-            <a:r>
-              <a:rPr lang="en-US" sz="3600" dirty="0">
-                <a:solidFill>
-                  <a:srgbClr val="05022C"/>
-                </a:solidFill>
-              </a:rPr>
-              <a:t> </a:t>
-            </a:r>
-            <a:r>
-              <a:rPr lang="en-US" sz="3600" b="1" dirty="0" err="1">
-                <a:solidFill>
-                  <a:srgbClr val="05022C"/>
-                </a:solidFill>
-              </a:rPr>
-              <a:t>aproximar</a:t>
-            </a:r>
-            <a:r>
-              <a:rPr lang="en-US" sz="3600" b="1" dirty="0">
-                <a:solidFill>
-                  <a:srgbClr val="05022C"/>
-                </a:solidFill>
-              </a:rPr>
-              <a:t> </a:t>
-            </a:r>
-            <a:r>
-              <a:rPr lang="en-US" sz="3600" b="1" dirty="0" err="1">
-                <a:solidFill>
-                  <a:srgbClr val="05022C"/>
-                </a:solidFill>
-              </a:rPr>
-              <a:t>resultados</a:t>
-            </a:r>
-            <a:r>
-              <a:rPr lang="en-US" sz="3600" dirty="0">
-                <a:solidFill>
-                  <a:srgbClr val="05022C"/>
-                </a:solidFill>
-              </a:rPr>
-              <a:t> para </a:t>
-            </a:r>
-            <a:r>
-              <a:rPr lang="en-US" sz="3600" dirty="0" err="1">
-                <a:solidFill>
-                  <a:srgbClr val="05022C"/>
-                </a:solidFill>
-              </a:rPr>
-              <a:t>tratar</a:t>
-            </a:r>
-            <a:r>
-              <a:rPr lang="en-US" sz="3600" dirty="0">
-                <a:solidFill>
-                  <a:srgbClr val="05022C"/>
-                </a:solidFill>
-              </a:rPr>
-              <a:t> </a:t>
-            </a:r>
-            <a:r>
-              <a:rPr lang="en-US" sz="3600" dirty="0" err="1">
-                <a:solidFill>
-                  <a:srgbClr val="05022C"/>
-                </a:solidFill>
-              </a:rPr>
-              <a:t>propriedades</a:t>
-            </a:r>
-            <a:r>
-              <a:rPr lang="en-US" sz="3600" dirty="0">
-                <a:solidFill>
-                  <a:srgbClr val="05022C"/>
-                </a:solidFill>
-              </a:rPr>
-              <a:t> </a:t>
-            </a:r>
-            <a:r>
-              <a:rPr lang="en-US" sz="3600" dirty="0" err="1">
-                <a:solidFill>
-                  <a:srgbClr val="05022C"/>
-                </a:solidFill>
-              </a:rPr>
-              <a:t>complexas</a:t>
-            </a:r>
-            <a:r>
-              <a:rPr lang="en-US" sz="3600" dirty="0">
-                <a:solidFill>
-                  <a:srgbClr val="05022C"/>
-                </a:solidFill>
-              </a:rPr>
-              <a:t> e </a:t>
-            </a:r>
-            <a:r>
-              <a:rPr lang="en-US" sz="3600" dirty="0" err="1">
-                <a:solidFill>
-                  <a:srgbClr val="05022C"/>
-                </a:solidFill>
-              </a:rPr>
-              <a:t>problemas</a:t>
-            </a:r>
-            <a:r>
-              <a:rPr lang="en-US" sz="3600" dirty="0">
-                <a:solidFill>
-                  <a:srgbClr val="05022C"/>
-                </a:solidFill>
-              </a:rPr>
-              <a:t> </a:t>
-            </a:r>
-            <a:r>
-              <a:rPr lang="en-US" sz="3600" dirty="0" err="1">
-                <a:solidFill>
-                  <a:srgbClr val="05022C"/>
-                </a:solidFill>
-              </a:rPr>
-              <a:t>complexos</a:t>
-            </a:r>
-            <a:endParaRPr lang="pt-BR" sz="3600" dirty="0">
-              <a:solidFill>
-                <a:srgbClr val="05022C"/>
-              </a:solidFill>
-            </a:endParaRPr>
-          </a:p>
-        </p:txBody>
-      </p:sp>
-    </p:spTree>
-    <p:extLst>
-      <p:ext uri="{BB962C8B-B14F-4D97-AF65-F5344CB8AC3E}">
-        <p14:creationId xmlns:p14="http://schemas.microsoft.com/office/powerpoint/2010/main" val="4028651953"/>
-      </p:ext>
-    </p:extLst>
-  </p:cSld>
-  <p:clrMapOvr>
-    <a:masterClrMapping/>
-  </p:clrMapOvr>
-</p:sld>
-</file>
-
-<file path=ppt/slides/slide43.xml><?xml version="1.0" encoding="utf-8"?>
-<p:sld xmlns:a="http://schemas.openxmlformats.org/drawingml/2006/main" xmlns:r="http://schemas.openxmlformats.org/officeDocument/2006/relationships" xmlns:p="http://schemas.openxmlformats.org/presentationml/2006/main">
-  <p:cSld>
-    <p:spTree>
-      <p:nvGrpSpPr>
-        <p:cNvPr id="1" name=""/>
-        <p:cNvGrpSpPr/>
-        <p:nvPr/>
-      </p:nvGrpSpPr>
-      <p:grpSpPr>
-        <a:xfrm>
-          <a:off x="0" y="0"/>
-          <a:ext cx="0" cy="0"/>
-          <a:chOff x="0" y="0"/>
-          <a:chExt cx="0" cy="0"/>
-        </a:xfrm>
-      </p:grpSpPr>
-      <p:sp>
-        <p:nvSpPr>
-          <p:cNvPr id="12" name="Parallelogram 15"/>
-          <p:cNvSpPr/>
-          <p:nvPr/>
-        </p:nvSpPr>
-        <p:spPr>
-          <a:xfrm>
-            <a:off x="3143240" y="4052230"/>
-            <a:ext cx="3444984" cy="1143008"/>
-          </a:xfrm>
-          <a:prstGeom prst="parallelogram">
-            <a:avLst>
-              <a:gd name="adj" fmla="val 89615"/>
-            </a:avLst>
-          </a:prstGeom>
-          <a:solidFill>
-            <a:schemeClr val="accent1">
-              <a:lumMod val="20000"/>
-              <a:lumOff val="80000"/>
-            </a:schemeClr>
-          </a:solidFill>
-          <a:ln>
-            <a:prstDash val="sysDot"/>
-          </a:ln>
-        </p:spPr>
-        <p:style>
-          <a:lnRef idx="2">
-            <a:schemeClr val="accent1">
-              <a:shade val="50000"/>
-            </a:schemeClr>
-          </a:lnRef>
-          <a:fillRef idx="1">
-            <a:schemeClr val="accent1"/>
-          </a:fillRef>
-          <a:effectRef idx="0">
-            <a:schemeClr val="accent1"/>
-          </a:effectRef>
-          <a:fontRef idx="minor">
-            <a:schemeClr val="lt1"/>
-          </a:fontRef>
-        </p:style>
-        <p:txBody>
-          <a:bodyPr rtlCol="0" anchor="ctr"/>
-          <a:lstStyle/>
-          <a:p>
-            <a:pPr algn="ctr"/>
-            <a:endParaRPr lang="pt-BR"/>
-          </a:p>
-        </p:txBody>
-      </p:sp>
-      <p:sp>
-        <p:nvSpPr>
-          <p:cNvPr id="2" name="Title 1"/>
-          <p:cNvSpPr>
-            <a:spLocks noGrp="1"/>
-          </p:cNvSpPr>
-          <p:nvPr>
-            <p:ph type="title"/>
-          </p:nvPr>
-        </p:nvSpPr>
-        <p:spPr/>
-        <p:txBody>
-          <a:bodyPr/>
-          <a:lstStyle/>
-          <a:p>
-            <a:r>
-              <a:rPr lang="en-US" dirty="0"/>
-              <a:t>“No Silver Bullet, No Free Lunch”</a:t>
-            </a:r>
-            <a:endParaRPr lang="pt-BR" dirty="0"/>
-          </a:p>
-        </p:txBody>
-      </p:sp>
-      <p:cxnSp>
-        <p:nvCxnSpPr>
-          <p:cNvPr id="5" name="Straight Arrow Connector 4"/>
-          <p:cNvCxnSpPr/>
-          <p:nvPr/>
-        </p:nvCxnSpPr>
-        <p:spPr>
-          <a:xfrm rot="5400000" flipH="1" flipV="1">
-            <a:off x="3142446" y="3000372"/>
-            <a:ext cx="2001058" cy="794"/>
-          </a:xfrm>
-          <a:prstGeom prst="straightConnector1">
-            <a:avLst/>
-          </a:prstGeom>
-          <a:ln>
-            <a:tailEnd type="arrow"/>
-          </a:ln>
-        </p:spPr>
-        <p:style>
-          <a:lnRef idx="1">
-            <a:schemeClr val="dk1"/>
-          </a:lnRef>
-          <a:fillRef idx="0">
-            <a:schemeClr val="dk1"/>
-          </a:fillRef>
-          <a:effectRef idx="0">
-            <a:schemeClr val="dk1"/>
-          </a:effectRef>
-          <a:fontRef idx="minor">
-            <a:schemeClr val="tx1"/>
-          </a:fontRef>
-        </p:style>
-      </p:cxnSp>
-      <p:cxnSp>
-        <p:nvCxnSpPr>
-          <p:cNvPr id="6" name="Straight Arrow Connector 5"/>
-          <p:cNvCxnSpPr/>
-          <p:nvPr/>
-        </p:nvCxnSpPr>
-        <p:spPr>
-          <a:xfrm>
-            <a:off x="4143372" y="4000504"/>
-            <a:ext cx="2357454" cy="1588"/>
-          </a:xfrm>
-          <a:prstGeom prst="straightConnector1">
-            <a:avLst/>
-          </a:prstGeom>
-          <a:ln>
-            <a:tailEnd type="arrow"/>
-          </a:ln>
-        </p:spPr>
-        <p:style>
-          <a:lnRef idx="1">
-            <a:schemeClr val="dk1"/>
-          </a:lnRef>
-          <a:fillRef idx="0">
-            <a:schemeClr val="dk1"/>
-          </a:fillRef>
-          <a:effectRef idx="0">
-            <a:schemeClr val="dk1"/>
-          </a:effectRef>
-          <a:fontRef idx="minor">
-            <a:schemeClr val="tx1"/>
-          </a:fontRef>
-        </p:style>
-      </p:cxnSp>
-      <p:cxnSp>
-        <p:nvCxnSpPr>
-          <p:cNvPr id="11" name="Straight Arrow Connector 10"/>
-          <p:cNvCxnSpPr/>
-          <p:nvPr/>
-        </p:nvCxnSpPr>
-        <p:spPr>
-          <a:xfrm rot="5400000">
-            <a:off x="2928926" y="4071942"/>
-            <a:ext cx="1285884" cy="1143008"/>
-          </a:xfrm>
-          <a:prstGeom prst="straightConnector1">
-            <a:avLst/>
-          </a:prstGeom>
-          <a:ln>
-            <a:tailEnd type="arrow"/>
-          </a:ln>
-        </p:spPr>
-        <p:style>
-          <a:lnRef idx="1">
-            <a:schemeClr val="dk1"/>
-          </a:lnRef>
-          <a:fillRef idx="0">
-            <a:schemeClr val="dk1"/>
-          </a:fillRef>
-          <a:effectRef idx="0">
-            <a:schemeClr val="dk1"/>
-          </a:effectRef>
-          <a:fontRef idx="minor">
-            <a:schemeClr val="tx1"/>
-          </a:fontRef>
-        </p:style>
-      </p:cxnSp>
-      <p:sp>
-        <p:nvSpPr>
-          <p:cNvPr id="13" name="TextBox 12"/>
-          <p:cNvSpPr txBox="1"/>
-          <p:nvPr/>
-        </p:nvSpPr>
-        <p:spPr>
-          <a:xfrm>
-            <a:off x="2533743" y="2000240"/>
-            <a:ext cx="1606209" cy="369332"/>
-          </a:xfrm>
-          <a:prstGeom prst="rect">
-            <a:avLst/>
-          </a:prstGeom>
-          <a:noFill/>
-        </p:spPr>
-        <p:txBody>
-          <a:bodyPr wrap="none" rtlCol="0">
-            <a:spAutoFit/>
-          </a:bodyPr>
-          <a:lstStyle/>
-          <a:p>
-            <a:r>
-              <a:rPr lang="en-US" dirty="0" err="1"/>
-              <a:t>Falso</a:t>
-            </a:r>
-            <a:r>
-              <a:rPr lang="en-US" dirty="0"/>
-              <a:t> </a:t>
-            </a:r>
-            <a:r>
-              <a:rPr lang="en-US" dirty="0" err="1"/>
-              <a:t>negativos</a:t>
-            </a:r>
-            <a:endParaRPr lang="pt-BR" dirty="0"/>
-          </a:p>
-        </p:txBody>
-      </p:sp>
-      <p:sp>
-        <p:nvSpPr>
-          <p:cNvPr id="14" name="TextBox 13"/>
-          <p:cNvSpPr txBox="1"/>
-          <p:nvPr/>
-        </p:nvSpPr>
-        <p:spPr>
-          <a:xfrm>
-            <a:off x="5715008" y="3571876"/>
-            <a:ext cx="1542089" cy="369332"/>
-          </a:xfrm>
-          <a:prstGeom prst="rect">
-            <a:avLst/>
-          </a:prstGeom>
-          <a:noFill/>
-        </p:spPr>
-        <p:txBody>
-          <a:bodyPr wrap="none" rtlCol="0">
-            <a:spAutoFit/>
-          </a:bodyPr>
-          <a:lstStyle/>
-          <a:p>
-            <a:r>
-              <a:rPr lang="en-US" dirty="0" err="1"/>
-              <a:t>Falso</a:t>
-            </a:r>
-            <a:r>
-              <a:rPr lang="en-US" dirty="0"/>
-              <a:t> </a:t>
-            </a:r>
-            <a:r>
-              <a:rPr lang="en-US" dirty="0" err="1"/>
-              <a:t>positivos</a:t>
-            </a:r>
-            <a:endParaRPr lang="pt-BR" dirty="0"/>
-          </a:p>
-        </p:txBody>
-      </p:sp>
-      <p:sp>
-        <p:nvSpPr>
-          <p:cNvPr id="19" name="TextBox 18"/>
-          <p:cNvSpPr txBox="1"/>
-          <p:nvPr/>
-        </p:nvSpPr>
-        <p:spPr>
-          <a:xfrm>
-            <a:off x="1071539" y="4917056"/>
-            <a:ext cx="1556246" cy="923330"/>
-          </a:xfrm>
-          <a:prstGeom prst="rect">
-            <a:avLst/>
-          </a:prstGeom>
-          <a:noFill/>
-        </p:spPr>
-        <p:txBody>
-          <a:bodyPr wrap="square" rtlCol="0">
-            <a:spAutoFit/>
-          </a:bodyPr>
-          <a:lstStyle/>
-          <a:p>
-            <a:r>
-              <a:rPr lang="en-US" dirty="0" err="1"/>
-              <a:t>Complexidade</a:t>
-            </a:r>
-            <a:r>
-              <a:rPr lang="en-US" dirty="0"/>
-              <a:t> do </a:t>
-            </a:r>
-            <a:r>
-              <a:rPr lang="en-US" dirty="0" err="1"/>
-              <a:t>problema</a:t>
-            </a:r>
-            <a:r>
-              <a:rPr lang="en-US" dirty="0"/>
-              <a:t> e </a:t>
-            </a:r>
-            <a:r>
-              <a:rPr lang="en-US" dirty="0" err="1"/>
-              <a:t>programa</a:t>
-            </a:r>
-            <a:endParaRPr lang="pt-BR" dirty="0"/>
-          </a:p>
-        </p:txBody>
-      </p:sp>
-      <p:sp>
-        <p:nvSpPr>
-          <p:cNvPr id="21" name="Parallelogram 15"/>
-          <p:cNvSpPr/>
-          <p:nvPr/>
-        </p:nvSpPr>
-        <p:spPr>
-          <a:xfrm>
-            <a:off x="3143240" y="4052230"/>
-            <a:ext cx="2292856" cy="1143008"/>
-          </a:xfrm>
-          <a:prstGeom prst="parallelogram">
-            <a:avLst>
-              <a:gd name="adj" fmla="val 89615"/>
-            </a:avLst>
-          </a:prstGeom>
-        </p:spPr>
-        <p:style>
-          <a:lnRef idx="2">
-            <a:schemeClr val="accent1">
-              <a:shade val="50000"/>
-            </a:schemeClr>
-          </a:lnRef>
-          <a:fillRef idx="1">
-            <a:schemeClr val="accent1"/>
-          </a:fillRef>
-          <a:effectRef idx="0">
-            <a:schemeClr val="accent1"/>
-          </a:effectRef>
-          <a:fontRef idx="minor">
-            <a:schemeClr val="lt1"/>
-          </a:fontRef>
-        </p:style>
-        <p:txBody>
-          <a:bodyPr rtlCol="0" anchor="ctr"/>
-          <a:lstStyle/>
-          <a:p>
-            <a:pPr algn="ctr"/>
-            <a:endParaRPr lang="pt-BR"/>
-          </a:p>
-        </p:txBody>
-      </p:sp>
-      <p:sp>
-        <p:nvSpPr>
-          <p:cNvPr id="15" name="Texto explicativo retangular 14"/>
-          <p:cNvSpPr/>
-          <p:nvPr/>
-        </p:nvSpPr>
-        <p:spPr>
-          <a:xfrm>
-            <a:off x="5322098" y="5807862"/>
-            <a:ext cx="3138334" cy="861498"/>
-          </a:xfrm>
-          <a:prstGeom prst="wedgeRectCallout">
-            <a:avLst>
-              <a:gd name="adj1" fmla="val -47943"/>
-              <a:gd name="adj2" fmla="val -111201"/>
-            </a:avLst>
-          </a:prstGeom>
-          <a:solidFill>
-            <a:schemeClr val="bg1"/>
-          </a:solidFill>
-          <a:ln>
-            <a:solidFill>
-              <a:schemeClr val="tx1"/>
-            </a:solidFill>
-          </a:ln>
-        </p:spPr>
-        <p:style>
-          <a:lnRef idx="2">
-            <a:schemeClr val="accent1">
-              <a:shade val="50000"/>
-            </a:schemeClr>
-          </a:lnRef>
-          <a:fillRef idx="1">
-            <a:schemeClr val="accent1"/>
-          </a:fillRef>
-          <a:effectRef idx="0">
-            <a:schemeClr val="accent1"/>
-          </a:effectRef>
-          <a:fontRef idx="minor">
-            <a:schemeClr val="lt1"/>
-          </a:fontRef>
-        </p:style>
-        <p:txBody>
-          <a:bodyPr rtlCol="0" anchor="ctr"/>
-          <a:lstStyle/>
-          <a:p>
-            <a:pPr algn="ctr"/>
-            <a:r>
-              <a:rPr lang="pt-BR" dirty="0">
-                <a:solidFill>
-                  <a:schemeClr val="tx1"/>
-                </a:solidFill>
-              </a:rPr>
-              <a:t>Foco é melhorar precisão, sem sacrificar performance significativamente</a:t>
-            </a:r>
-            <a:endParaRPr lang="en-US" dirty="0">
-              <a:solidFill>
-                <a:schemeClr val="tx1"/>
-              </a:solidFill>
-            </a:endParaRPr>
-          </a:p>
-        </p:txBody>
-      </p:sp>
-      <p:sp>
-        <p:nvSpPr>
-          <p:cNvPr id="16" name="TextBox 4"/>
-          <p:cNvSpPr txBox="1"/>
-          <p:nvPr/>
-        </p:nvSpPr>
-        <p:spPr>
-          <a:xfrm>
-            <a:off x="113203" y="2905468"/>
-            <a:ext cx="2802613" cy="1200329"/>
-          </a:xfrm>
-          <a:prstGeom prst="rect">
-            <a:avLst/>
-          </a:prstGeom>
-          <a:solidFill>
-            <a:srgbClr val="FFFF00"/>
-          </a:solidFill>
-          <a:ln/>
-        </p:spPr>
-        <p:style>
-          <a:lnRef idx="2">
-            <a:schemeClr val="dk1"/>
-          </a:lnRef>
-          <a:fillRef idx="1">
-            <a:schemeClr val="lt1"/>
-          </a:fillRef>
-          <a:effectRef idx="0">
-            <a:schemeClr val="dk1"/>
-          </a:effectRef>
-          <a:fontRef idx="minor">
-            <a:schemeClr val="dk1"/>
-          </a:fontRef>
-        </p:style>
-        <p:txBody>
-          <a:bodyPr wrap="square" rtlCol="0">
-            <a:spAutoFit/>
-          </a:bodyPr>
-          <a:lstStyle/>
-          <a:p>
-            <a:pPr algn="ctr"/>
-            <a:r>
-              <a:rPr lang="en-US" sz="3600" dirty="0" err="1">
-                <a:solidFill>
-                  <a:srgbClr val="05022C"/>
-                </a:solidFill>
-              </a:rPr>
-              <a:t>Cenário</a:t>
-            </a:r>
-            <a:r>
-              <a:rPr lang="en-US" sz="3600" dirty="0">
-                <a:solidFill>
-                  <a:srgbClr val="05022C"/>
-                </a:solidFill>
-              </a:rPr>
-              <a:t> </a:t>
-            </a:r>
-            <a:r>
-              <a:rPr lang="en-US" sz="3600" dirty="0" err="1">
-                <a:solidFill>
-                  <a:srgbClr val="05022C"/>
-                </a:solidFill>
-              </a:rPr>
-              <a:t>mais</a:t>
-            </a:r>
-            <a:r>
-              <a:rPr lang="en-US" sz="3600" dirty="0">
-                <a:solidFill>
-                  <a:srgbClr val="05022C"/>
-                </a:solidFill>
-              </a:rPr>
-              <a:t> </a:t>
-            </a:r>
-            <a:r>
-              <a:rPr lang="en-US" sz="3600" dirty="0" err="1">
-                <a:solidFill>
-                  <a:srgbClr val="05022C"/>
-                </a:solidFill>
-              </a:rPr>
-              <a:t>comum</a:t>
-            </a:r>
-            <a:endParaRPr lang="pt-BR" sz="3600" dirty="0">
-              <a:solidFill>
-                <a:srgbClr val="05022C"/>
-              </a:solidFill>
-            </a:endParaRPr>
-          </a:p>
-        </p:txBody>
-      </p:sp>
-      <p:sp>
-        <p:nvSpPr>
-          <p:cNvPr id="20" name="TextBox 20"/>
-          <p:cNvSpPr txBox="1"/>
-          <p:nvPr/>
-        </p:nvSpPr>
-        <p:spPr>
-          <a:xfrm>
-            <a:off x="4876218" y="2028305"/>
-            <a:ext cx="4088270" cy="1200329"/>
-          </a:xfrm>
-          <a:prstGeom prst="rect">
-            <a:avLst/>
-          </a:prstGeom>
-          <a:ln/>
-        </p:spPr>
-        <p:style>
-          <a:lnRef idx="2">
-            <a:schemeClr val="dk1"/>
-          </a:lnRef>
-          <a:fillRef idx="1">
-            <a:schemeClr val="lt1"/>
-          </a:fillRef>
-          <a:effectRef idx="0">
-            <a:schemeClr val="dk1"/>
-          </a:effectRef>
-          <a:fontRef idx="minor">
-            <a:schemeClr val="dk1"/>
-          </a:fontRef>
-        </p:style>
-        <p:txBody>
-          <a:bodyPr wrap="square" rtlCol="0">
-            <a:spAutoFit/>
-          </a:bodyPr>
-          <a:lstStyle/>
-          <a:p>
-            <a:pPr algn="ctr"/>
-            <a:r>
-              <a:rPr lang="en-US" sz="3600" dirty="0"/>
-              <a:t>Sound</a:t>
-            </a:r>
-          </a:p>
-          <a:p>
-            <a:pPr algn="ctr"/>
-            <a:r>
-              <a:rPr lang="en-US" sz="3600" dirty="0"/>
-              <a:t>(</a:t>
-            </a:r>
-            <a:r>
-              <a:rPr lang="en-US" sz="3600" dirty="0" err="1"/>
-              <a:t>sem</a:t>
-            </a:r>
-            <a:r>
-              <a:rPr lang="en-US" sz="3600" dirty="0"/>
-              <a:t> </a:t>
-            </a:r>
-            <a:r>
-              <a:rPr lang="en-US" sz="3600" dirty="0" err="1"/>
-              <a:t>falso</a:t>
-            </a:r>
-            <a:r>
-              <a:rPr lang="en-US" sz="3600" dirty="0"/>
-              <a:t> </a:t>
-            </a:r>
-            <a:r>
-              <a:rPr lang="en-US" sz="3600" dirty="0" err="1"/>
-              <a:t>negativos</a:t>
-            </a:r>
-            <a:r>
-              <a:rPr lang="en-US" sz="3600" dirty="0"/>
-              <a:t>)</a:t>
-            </a:r>
-            <a:endParaRPr lang="pt-BR" sz="3600" dirty="0"/>
-          </a:p>
-        </p:txBody>
-      </p:sp>
-    </p:spTree>
-    <p:extLst>
-      <p:ext uri="{BB962C8B-B14F-4D97-AF65-F5344CB8AC3E}">
-        <p14:creationId xmlns:p14="http://schemas.microsoft.com/office/powerpoint/2010/main" val="3621433749"/>
-      </p:ext>
-    </p:extLst>
-  </p:cSld>
-  <p:clrMapOvr>
-    <a:masterClrMapping/>
-  </p:clrMapOvr>
-</p:sld>
-</file>
-
-<file path=ppt/slides/slide44.xml><?xml version="1.0" encoding="utf-8"?>
 <p:sld xmlns:a="http://schemas.openxmlformats.org/drawingml/2006/main" xmlns:r="http://schemas.openxmlformats.org/officeDocument/2006/relationships" xmlns:p="http://schemas.openxmlformats.org/presentationml/2006/main">
   <p:cSld>
     <p:spTree>
@@ -31533,6 +26991,4549 @@
 </p:sld>
 </file>
 
+<file path=ppt/slides/slide34.xml><?xml version="1.0" encoding="utf-8"?>
+<p:sld xmlns:a="http://schemas.openxmlformats.org/drawingml/2006/main" xmlns:r="http://schemas.openxmlformats.org/officeDocument/2006/relationships" xmlns:p="http://schemas.openxmlformats.org/presentationml/2006/main">
+  <p:cSld>
+    <p:spTree>
+      <p:nvGrpSpPr>
+        <p:cNvPr id="1" name=""/>
+        <p:cNvGrpSpPr/>
+        <p:nvPr/>
+      </p:nvGrpSpPr>
+      <p:grpSpPr>
+        <a:xfrm>
+          <a:off x="0" y="0"/>
+          <a:ext cx="0" cy="0"/>
+          <a:chOff x="0" y="0"/>
+          <a:chExt cx="0" cy="0"/>
+        </a:xfrm>
+      </p:grpSpPr>
+      <p:sp>
+        <p:nvSpPr>
+          <p:cNvPr id="2" name="Título 1"/>
+          <p:cNvSpPr>
+            <a:spLocks noGrp="1"/>
+          </p:cNvSpPr>
+          <p:nvPr>
+            <p:ph type="title"/>
+          </p:nvPr>
+        </p:nvSpPr>
+        <p:spPr/>
+        <p:txBody>
+          <a:bodyPr/>
+          <a:lstStyle/>
+          <a:p>
+            <a:r>
+              <a:rPr lang="pt-BR" dirty="0"/>
+              <a:t>Falso positivos e negativos</a:t>
+            </a:r>
+            <a:endParaRPr lang="en-US" dirty="0"/>
+          </a:p>
+        </p:txBody>
+      </p:sp>
+      <p:sp>
+        <p:nvSpPr>
+          <p:cNvPr id="3" name="Espaço Reservado para Conteúdo 2"/>
+          <p:cNvSpPr>
+            <a:spLocks noGrp="1"/>
+          </p:cNvSpPr>
+          <p:nvPr>
+            <p:ph idx="1"/>
+          </p:nvPr>
+        </p:nvSpPr>
+        <p:spPr>
+          <a:xfrm>
+            <a:off x="457200" y="1600200"/>
+            <a:ext cx="8686800" cy="4525963"/>
+          </a:xfrm>
+        </p:spPr>
+        <p:txBody>
+          <a:bodyPr/>
+          <a:lstStyle/>
+          <a:p>
+            <a:r>
+              <a:rPr lang="pt-BR" dirty="0"/>
+              <a:t>Dado que análise de </a:t>
+            </a:r>
+            <a:r>
+              <a:rPr lang="pt-BR" dirty="0" err="1"/>
+              <a:t>dataflow</a:t>
+            </a:r>
+            <a:r>
+              <a:rPr lang="pt-BR" dirty="0"/>
+              <a:t> calcula conjunto de observações O = {o_1, ..., </a:t>
+            </a:r>
+            <a:r>
+              <a:rPr lang="pt-BR" dirty="0" err="1"/>
+              <a:t>o_n</a:t>
+            </a:r>
+            <a:r>
+              <a:rPr lang="pt-BR" dirty="0"/>
+              <a:t>}</a:t>
+            </a:r>
+          </a:p>
+          <a:p>
+            <a:r>
+              <a:rPr lang="pt-BR" dirty="0"/>
+              <a:t>Conjuntos de observações reais R</a:t>
+            </a:r>
+          </a:p>
+        </p:txBody>
+      </p:sp>
+      <p:sp>
+        <p:nvSpPr>
+          <p:cNvPr id="5" name="Elipse 4"/>
+          <p:cNvSpPr/>
+          <p:nvPr/>
+        </p:nvSpPr>
+        <p:spPr>
+          <a:xfrm>
+            <a:off x="2119800" y="3717032"/>
+            <a:ext cx="2808312" cy="2664296"/>
+          </a:xfrm>
+          <a:prstGeom prst="ellipse">
+            <a:avLst/>
+          </a:prstGeom>
+          <a:noFill/>
+          <a:ln>
+            <a:solidFill>
+              <a:schemeClr val="tx1"/>
+            </a:solidFill>
+          </a:ln>
+        </p:spPr>
+        <p:style>
+          <a:lnRef idx="2">
+            <a:schemeClr val="accent1">
+              <a:shade val="50000"/>
+            </a:schemeClr>
+          </a:lnRef>
+          <a:fillRef idx="1">
+            <a:schemeClr val="accent1"/>
+          </a:fillRef>
+          <a:effectRef idx="0">
+            <a:schemeClr val="accent1"/>
+          </a:effectRef>
+          <a:fontRef idx="minor">
+            <a:schemeClr val="lt1"/>
+          </a:fontRef>
+        </p:style>
+        <p:txBody>
+          <a:bodyPr rtlCol="0" anchor="ctr"/>
+          <a:lstStyle/>
+          <a:p>
+            <a:pPr algn="ctr"/>
+            <a:endParaRPr lang="en-US"/>
+          </a:p>
+        </p:txBody>
+      </p:sp>
+      <p:sp>
+        <p:nvSpPr>
+          <p:cNvPr id="6" name="Elipse 5"/>
+          <p:cNvSpPr/>
+          <p:nvPr/>
+        </p:nvSpPr>
+        <p:spPr>
+          <a:xfrm>
+            <a:off x="3707904" y="3717032"/>
+            <a:ext cx="2808312" cy="2664296"/>
+          </a:xfrm>
+          <a:prstGeom prst="ellipse">
+            <a:avLst/>
+          </a:prstGeom>
+          <a:noFill/>
+          <a:ln>
+            <a:solidFill>
+              <a:schemeClr val="tx1"/>
+            </a:solidFill>
+          </a:ln>
+        </p:spPr>
+        <p:style>
+          <a:lnRef idx="2">
+            <a:schemeClr val="accent1">
+              <a:shade val="50000"/>
+            </a:schemeClr>
+          </a:lnRef>
+          <a:fillRef idx="1">
+            <a:schemeClr val="accent1"/>
+          </a:fillRef>
+          <a:effectRef idx="0">
+            <a:schemeClr val="accent1"/>
+          </a:effectRef>
+          <a:fontRef idx="minor">
+            <a:schemeClr val="lt1"/>
+          </a:fontRef>
+        </p:style>
+        <p:txBody>
+          <a:bodyPr rtlCol="0" anchor="ctr"/>
+          <a:lstStyle/>
+          <a:p>
+            <a:pPr algn="ctr"/>
+            <a:endParaRPr lang="en-US"/>
+          </a:p>
+        </p:txBody>
+      </p:sp>
+      <p:sp>
+        <p:nvSpPr>
+          <p:cNvPr id="7" name="CaixaDeTexto 6"/>
+          <p:cNvSpPr txBox="1"/>
+          <p:nvPr/>
+        </p:nvSpPr>
+        <p:spPr>
+          <a:xfrm>
+            <a:off x="2339752" y="3717032"/>
+            <a:ext cx="336952" cy="369332"/>
+          </a:xfrm>
+          <a:prstGeom prst="rect">
+            <a:avLst/>
+          </a:prstGeom>
+          <a:noFill/>
+        </p:spPr>
+        <p:txBody>
+          <a:bodyPr wrap="none" rtlCol="0">
+            <a:spAutoFit/>
+          </a:bodyPr>
+          <a:lstStyle/>
+          <a:p>
+            <a:r>
+              <a:rPr lang="pt-BR" dirty="0"/>
+              <a:t>O</a:t>
+            </a:r>
+            <a:endParaRPr lang="en-US" dirty="0"/>
+          </a:p>
+        </p:txBody>
+      </p:sp>
+      <p:sp>
+        <p:nvSpPr>
+          <p:cNvPr id="8" name="CaixaDeTexto 7"/>
+          <p:cNvSpPr txBox="1"/>
+          <p:nvPr/>
+        </p:nvSpPr>
+        <p:spPr>
+          <a:xfrm>
+            <a:off x="5963240" y="3717032"/>
+            <a:ext cx="309700" cy="369332"/>
+          </a:xfrm>
+          <a:prstGeom prst="rect">
+            <a:avLst/>
+          </a:prstGeom>
+          <a:noFill/>
+        </p:spPr>
+        <p:txBody>
+          <a:bodyPr wrap="none" rtlCol="0">
+            <a:spAutoFit/>
+          </a:bodyPr>
+          <a:lstStyle/>
+          <a:p>
+            <a:r>
+              <a:rPr lang="pt-BR" dirty="0"/>
+              <a:t>R</a:t>
+            </a:r>
+            <a:endParaRPr lang="en-US" dirty="0"/>
+          </a:p>
+        </p:txBody>
+      </p:sp>
+    </p:spTree>
+    <p:extLst>
+      <p:ext uri="{BB962C8B-B14F-4D97-AF65-F5344CB8AC3E}">
+        <p14:creationId xmlns:p14="http://schemas.microsoft.com/office/powerpoint/2010/main" val="122820160"/>
+      </p:ext>
+    </p:extLst>
+  </p:cSld>
+  <p:clrMapOvr>
+    <a:masterClrMapping/>
+  </p:clrMapOvr>
+</p:sld>
+</file>
+
+<file path=ppt/slides/slide35.xml><?xml version="1.0" encoding="utf-8"?>
+<p:sld xmlns:a="http://schemas.openxmlformats.org/drawingml/2006/main" xmlns:r="http://schemas.openxmlformats.org/officeDocument/2006/relationships" xmlns:p="http://schemas.openxmlformats.org/presentationml/2006/main">
+  <p:cSld>
+    <p:spTree>
+      <p:nvGrpSpPr>
+        <p:cNvPr id="1" name=""/>
+        <p:cNvGrpSpPr/>
+        <p:nvPr/>
+      </p:nvGrpSpPr>
+      <p:grpSpPr>
+        <a:xfrm>
+          <a:off x="0" y="0"/>
+          <a:ext cx="0" cy="0"/>
+          <a:chOff x="0" y="0"/>
+          <a:chExt cx="0" cy="0"/>
+        </a:xfrm>
+      </p:grpSpPr>
+      <p:sp>
+        <p:nvSpPr>
+          <p:cNvPr id="2" name="Título 1"/>
+          <p:cNvSpPr>
+            <a:spLocks noGrp="1"/>
+          </p:cNvSpPr>
+          <p:nvPr>
+            <p:ph type="title"/>
+          </p:nvPr>
+        </p:nvSpPr>
+        <p:spPr/>
+        <p:txBody>
+          <a:bodyPr/>
+          <a:lstStyle/>
+          <a:p>
+            <a:r>
+              <a:rPr lang="pt-BR" dirty="0"/>
+              <a:t>Falso positivos e negativos</a:t>
+            </a:r>
+            <a:endParaRPr lang="en-US" dirty="0"/>
+          </a:p>
+        </p:txBody>
+      </p:sp>
+      <p:sp>
+        <p:nvSpPr>
+          <p:cNvPr id="3" name="Espaço Reservado para Conteúdo 2"/>
+          <p:cNvSpPr>
+            <a:spLocks noGrp="1"/>
+          </p:cNvSpPr>
+          <p:nvPr>
+            <p:ph idx="1"/>
+          </p:nvPr>
+        </p:nvSpPr>
+        <p:spPr>
+          <a:xfrm>
+            <a:off x="457200" y="1600200"/>
+            <a:ext cx="8686800" cy="4525963"/>
+          </a:xfrm>
+        </p:spPr>
+        <p:txBody>
+          <a:bodyPr/>
+          <a:lstStyle/>
+          <a:p>
+            <a:r>
+              <a:rPr lang="pt-BR" dirty="0"/>
+              <a:t>Dado que análise de </a:t>
+            </a:r>
+            <a:r>
+              <a:rPr lang="pt-BR" dirty="0" err="1"/>
+              <a:t>dataflow</a:t>
+            </a:r>
+            <a:r>
+              <a:rPr lang="pt-BR" dirty="0"/>
+              <a:t> calcula conjunto de observações O = {o_1, ..., </a:t>
+            </a:r>
+            <a:r>
+              <a:rPr lang="pt-BR" dirty="0" err="1"/>
+              <a:t>o_n</a:t>
+            </a:r>
+            <a:r>
+              <a:rPr lang="pt-BR" dirty="0"/>
+              <a:t>}</a:t>
+            </a:r>
+          </a:p>
+          <a:p>
+            <a:r>
+              <a:rPr lang="pt-BR" dirty="0"/>
+              <a:t>Conjuntos de observações reais R</a:t>
+            </a:r>
+          </a:p>
+        </p:txBody>
+      </p:sp>
+      <p:sp>
+        <p:nvSpPr>
+          <p:cNvPr id="5" name="Elipse 4"/>
+          <p:cNvSpPr/>
+          <p:nvPr/>
+        </p:nvSpPr>
+        <p:spPr>
+          <a:xfrm>
+            <a:off x="2119800" y="3717032"/>
+            <a:ext cx="2808312" cy="2664296"/>
+          </a:xfrm>
+          <a:prstGeom prst="ellipse">
+            <a:avLst/>
+          </a:prstGeom>
+          <a:solidFill>
+            <a:schemeClr val="tx2">
+              <a:lumMod val="20000"/>
+              <a:lumOff val="80000"/>
+            </a:schemeClr>
+          </a:solidFill>
+          <a:ln>
+            <a:solidFill>
+              <a:schemeClr val="tx1"/>
+            </a:solidFill>
+          </a:ln>
+        </p:spPr>
+        <p:style>
+          <a:lnRef idx="2">
+            <a:schemeClr val="accent1">
+              <a:shade val="50000"/>
+            </a:schemeClr>
+          </a:lnRef>
+          <a:fillRef idx="1">
+            <a:schemeClr val="accent1"/>
+          </a:fillRef>
+          <a:effectRef idx="0">
+            <a:schemeClr val="accent1"/>
+          </a:effectRef>
+          <a:fontRef idx="minor">
+            <a:schemeClr val="lt1"/>
+          </a:fontRef>
+        </p:style>
+        <p:txBody>
+          <a:bodyPr rtlCol="0" anchor="ctr"/>
+          <a:lstStyle/>
+          <a:p>
+            <a:pPr algn="ctr"/>
+            <a:endParaRPr lang="en-US" dirty="0"/>
+          </a:p>
+        </p:txBody>
+      </p:sp>
+      <p:sp>
+        <p:nvSpPr>
+          <p:cNvPr id="6" name="Elipse 5"/>
+          <p:cNvSpPr/>
+          <p:nvPr/>
+        </p:nvSpPr>
+        <p:spPr>
+          <a:xfrm>
+            <a:off x="3707904" y="3717032"/>
+            <a:ext cx="2808312" cy="2664296"/>
+          </a:xfrm>
+          <a:prstGeom prst="ellipse">
+            <a:avLst/>
+          </a:prstGeom>
+          <a:solidFill>
+            <a:schemeClr val="bg1"/>
+          </a:solidFill>
+          <a:ln>
+            <a:solidFill>
+              <a:schemeClr val="tx1"/>
+            </a:solidFill>
+          </a:ln>
+        </p:spPr>
+        <p:style>
+          <a:lnRef idx="2">
+            <a:schemeClr val="accent1">
+              <a:shade val="50000"/>
+            </a:schemeClr>
+          </a:lnRef>
+          <a:fillRef idx="1">
+            <a:schemeClr val="accent1"/>
+          </a:fillRef>
+          <a:effectRef idx="0">
+            <a:schemeClr val="accent1"/>
+          </a:effectRef>
+          <a:fontRef idx="minor">
+            <a:schemeClr val="lt1"/>
+          </a:fontRef>
+        </p:style>
+        <p:txBody>
+          <a:bodyPr rtlCol="0" anchor="ctr"/>
+          <a:lstStyle/>
+          <a:p>
+            <a:pPr algn="ctr"/>
+            <a:endParaRPr lang="en-US"/>
+          </a:p>
+        </p:txBody>
+      </p:sp>
+      <p:sp>
+        <p:nvSpPr>
+          <p:cNvPr id="7" name="CaixaDeTexto 6"/>
+          <p:cNvSpPr txBox="1"/>
+          <p:nvPr/>
+        </p:nvSpPr>
+        <p:spPr>
+          <a:xfrm>
+            <a:off x="2339752" y="3717032"/>
+            <a:ext cx="336952" cy="369332"/>
+          </a:xfrm>
+          <a:prstGeom prst="rect">
+            <a:avLst/>
+          </a:prstGeom>
+          <a:noFill/>
+        </p:spPr>
+        <p:txBody>
+          <a:bodyPr wrap="none" rtlCol="0">
+            <a:spAutoFit/>
+          </a:bodyPr>
+          <a:lstStyle/>
+          <a:p>
+            <a:r>
+              <a:rPr lang="pt-BR" dirty="0"/>
+              <a:t>O</a:t>
+            </a:r>
+            <a:endParaRPr lang="en-US" dirty="0"/>
+          </a:p>
+        </p:txBody>
+      </p:sp>
+      <p:sp>
+        <p:nvSpPr>
+          <p:cNvPr id="8" name="CaixaDeTexto 7"/>
+          <p:cNvSpPr txBox="1"/>
+          <p:nvPr/>
+        </p:nvSpPr>
+        <p:spPr>
+          <a:xfrm>
+            <a:off x="5963240" y="3717032"/>
+            <a:ext cx="309700" cy="369332"/>
+          </a:xfrm>
+          <a:prstGeom prst="rect">
+            <a:avLst/>
+          </a:prstGeom>
+          <a:noFill/>
+        </p:spPr>
+        <p:txBody>
+          <a:bodyPr wrap="none" rtlCol="0">
+            <a:spAutoFit/>
+          </a:bodyPr>
+          <a:lstStyle/>
+          <a:p>
+            <a:r>
+              <a:rPr lang="pt-BR" dirty="0"/>
+              <a:t>R</a:t>
+            </a:r>
+            <a:endParaRPr lang="en-US" dirty="0"/>
+          </a:p>
+        </p:txBody>
+      </p:sp>
+      <p:sp>
+        <p:nvSpPr>
+          <p:cNvPr id="4" name="Texto explicativo retangular 3"/>
+          <p:cNvSpPr/>
+          <p:nvPr/>
+        </p:nvSpPr>
+        <p:spPr>
+          <a:xfrm>
+            <a:off x="179512" y="5373216"/>
+            <a:ext cx="1840260" cy="504056"/>
+          </a:xfrm>
+          <a:prstGeom prst="wedgeRectCallout">
+            <a:avLst>
+              <a:gd name="adj1" fmla="val 59931"/>
+              <a:gd name="adj2" fmla="val -14536"/>
+            </a:avLst>
+          </a:prstGeom>
+          <a:solidFill>
+            <a:schemeClr val="bg1"/>
+          </a:solidFill>
+          <a:ln>
+            <a:solidFill>
+              <a:schemeClr val="tx1"/>
+            </a:solidFill>
+          </a:ln>
+        </p:spPr>
+        <p:style>
+          <a:lnRef idx="2">
+            <a:schemeClr val="accent1">
+              <a:shade val="50000"/>
+            </a:schemeClr>
+          </a:lnRef>
+          <a:fillRef idx="1">
+            <a:schemeClr val="accent1"/>
+          </a:fillRef>
+          <a:effectRef idx="0">
+            <a:schemeClr val="accent1"/>
+          </a:effectRef>
+          <a:fontRef idx="minor">
+            <a:schemeClr val="lt1"/>
+          </a:fontRef>
+        </p:style>
+        <p:txBody>
+          <a:bodyPr rtlCol="0" anchor="ctr"/>
+          <a:lstStyle/>
+          <a:p>
+            <a:pPr algn="ctr"/>
+            <a:r>
+              <a:rPr lang="pt-BR" dirty="0">
+                <a:solidFill>
+                  <a:schemeClr val="tx1"/>
+                </a:solidFill>
+              </a:rPr>
+              <a:t>falso positivos</a:t>
+            </a:r>
+            <a:endParaRPr lang="en-US" dirty="0">
+              <a:solidFill>
+                <a:schemeClr val="tx1"/>
+              </a:solidFill>
+            </a:endParaRPr>
+          </a:p>
+        </p:txBody>
+      </p:sp>
+    </p:spTree>
+    <p:extLst>
+      <p:ext uri="{BB962C8B-B14F-4D97-AF65-F5344CB8AC3E}">
+        <p14:creationId xmlns:p14="http://schemas.microsoft.com/office/powerpoint/2010/main" val="4171893187"/>
+      </p:ext>
+    </p:extLst>
+  </p:cSld>
+  <p:clrMapOvr>
+    <a:masterClrMapping/>
+  </p:clrMapOvr>
+</p:sld>
+</file>
+
+<file path=ppt/slides/slide36.xml><?xml version="1.0" encoding="utf-8"?>
+<p:sld xmlns:a="http://schemas.openxmlformats.org/drawingml/2006/main" xmlns:r="http://schemas.openxmlformats.org/officeDocument/2006/relationships" xmlns:p="http://schemas.openxmlformats.org/presentationml/2006/main">
+  <p:cSld>
+    <p:spTree>
+      <p:nvGrpSpPr>
+        <p:cNvPr id="1" name=""/>
+        <p:cNvGrpSpPr/>
+        <p:nvPr/>
+      </p:nvGrpSpPr>
+      <p:grpSpPr>
+        <a:xfrm>
+          <a:off x="0" y="0"/>
+          <a:ext cx="0" cy="0"/>
+          <a:chOff x="0" y="0"/>
+          <a:chExt cx="0" cy="0"/>
+        </a:xfrm>
+      </p:grpSpPr>
+      <p:sp>
+        <p:nvSpPr>
+          <p:cNvPr id="2" name="Título 1"/>
+          <p:cNvSpPr>
+            <a:spLocks noGrp="1"/>
+          </p:cNvSpPr>
+          <p:nvPr>
+            <p:ph type="title"/>
+          </p:nvPr>
+        </p:nvSpPr>
+        <p:spPr/>
+        <p:txBody>
+          <a:bodyPr/>
+          <a:lstStyle/>
+          <a:p>
+            <a:r>
+              <a:rPr lang="pt-BR" dirty="0"/>
+              <a:t>Falso positivos e negativos</a:t>
+            </a:r>
+            <a:endParaRPr lang="en-US" dirty="0"/>
+          </a:p>
+        </p:txBody>
+      </p:sp>
+      <p:sp>
+        <p:nvSpPr>
+          <p:cNvPr id="3" name="Espaço Reservado para Conteúdo 2"/>
+          <p:cNvSpPr>
+            <a:spLocks noGrp="1"/>
+          </p:cNvSpPr>
+          <p:nvPr>
+            <p:ph idx="1"/>
+          </p:nvPr>
+        </p:nvSpPr>
+        <p:spPr>
+          <a:xfrm>
+            <a:off x="457200" y="1600200"/>
+            <a:ext cx="8686800" cy="4525963"/>
+          </a:xfrm>
+        </p:spPr>
+        <p:txBody>
+          <a:bodyPr/>
+          <a:lstStyle/>
+          <a:p>
+            <a:r>
+              <a:rPr lang="pt-BR" dirty="0"/>
+              <a:t>Dado que análise de </a:t>
+            </a:r>
+            <a:r>
+              <a:rPr lang="pt-BR" dirty="0" err="1"/>
+              <a:t>dataflow</a:t>
+            </a:r>
+            <a:r>
+              <a:rPr lang="pt-BR" dirty="0"/>
+              <a:t> calcula conjunto de observações O = {o_1, ..., </a:t>
+            </a:r>
+            <a:r>
+              <a:rPr lang="pt-BR" dirty="0" err="1"/>
+              <a:t>o_n</a:t>
+            </a:r>
+            <a:r>
+              <a:rPr lang="pt-BR" dirty="0"/>
+              <a:t>}</a:t>
+            </a:r>
+          </a:p>
+          <a:p>
+            <a:r>
+              <a:rPr lang="pt-BR" dirty="0"/>
+              <a:t>Conjuntos de observações reais R</a:t>
+            </a:r>
+          </a:p>
+        </p:txBody>
+      </p:sp>
+      <p:sp>
+        <p:nvSpPr>
+          <p:cNvPr id="6" name="Elipse 5"/>
+          <p:cNvSpPr/>
+          <p:nvPr/>
+        </p:nvSpPr>
+        <p:spPr>
+          <a:xfrm>
+            <a:off x="3707904" y="3717032"/>
+            <a:ext cx="2808312" cy="2664296"/>
+          </a:xfrm>
+          <a:prstGeom prst="ellipse">
+            <a:avLst/>
+          </a:prstGeom>
+          <a:solidFill>
+            <a:schemeClr val="tx2">
+              <a:lumMod val="20000"/>
+              <a:lumOff val="80000"/>
+            </a:schemeClr>
+          </a:solidFill>
+          <a:ln>
+            <a:solidFill>
+              <a:schemeClr val="tx1"/>
+            </a:solidFill>
+          </a:ln>
+        </p:spPr>
+        <p:style>
+          <a:lnRef idx="2">
+            <a:schemeClr val="accent1">
+              <a:shade val="50000"/>
+            </a:schemeClr>
+          </a:lnRef>
+          <a:fillRef idx="1">
+            <a:schemeClr val="accent1"/>
+          </a:fillRef>
+          <a:effectRef idx="0">
+            <a:schemeClr val="accent1"/>
+          </a:effectRef>
+          <a:fontRef idx="minor">
+            <a:schemeClr val="lt1"/>
+          </a:fontRef>
+        </p:style>
+        <p:txBody>
+          <a:bodyPr rtlCol="0" anchor="ctr"/>
+          <a:lstStyle/>
+          <a:p>
+            <a:pPr algn="ctr"/>
+            <a:endParaRPr lang="en-US"/>
+          </a:p>
+        </p:txBody>
+      </p:sp>
+      <p:sp>
+        <p:nvSpPr>
+          <p:cNvPr id="7" name="CaixaDeTexto 6"/>
+          <p:cNvSpPr txBox="1"/>
+          <p:nvPr/>
+        </p:nvSpPr>
+        <p:spPr>
+          <a:xfrm>
+            <a:off x="2339752" y="3717032"/>
+            <a:ext cx="336952" cy="369332"/>
+          </a:xfrm>
+          <a:prstGeom prst="rect">
+            <a:avLst/>
+          </a:prstGeom>
+          <a:noFill/>
+        </p:spPr>
+        <p:txBody>
+          <a:bodyPr wrap="none" rtlCol="0">
+            <a:spAutoFit/>
+          </a:bodyPr>
+          <a:lstStyle/>
+          <a:p>
+            <a:r>
+              <a:rPr lang="pt-BR" dirty="0"/>
+              <a:t>O</a:t>
+            </a:r>
+            <a:endParaRPr lang="en-US" dirty="0"/>
+          </a:p>
+        </p:txBody>
+      </p:sp>
+      <p:sp>
+        <p:nvSpPr>
+          <p:cNvPr id="8" name="CaixaDeTexto 7"/>
+          <p:cNvSpPr txBox="1"/>
+          <p:nvPr/>
+        </p:nvSpPr>
+        <p:spPr>
+          <a:xfrm>
+            <a:off x="5963240" y="3717032"/>
+            <a:ext cx="309700" cy="369332"/>
+          </a:xfrm>
+          <a:prstGeom prst="rect">
+            <a:avLst/>
+          </a:prstGeom>
+          <a:noFill/>
+        </p:spPr>
+        <p:txBody>
+          <a:bodyPr wrap="none" rtlCol="0">
+            <a:spAutoFit/>
+          </a:bodyPr>
+          <a:lstStyle/>
+          <a:p>
+            <a:r>
+              <a:rPr lang="pt-BR" dirty="0"/>
+              <a:t>R</a:t>
+            </a:r>
+            <a:endParaRPr lang="en-US" dirty="0"/>
+          </a:p>
+        </p:txBody>
+      </p:sp>
+      <p:sp>
+        <p:nvSpPr>
+          <p:cNvPr id="9" name="Texto explicativo retangular 8"/>
+          <p:cNvSpPr/>
+          <p:nvPr/>
+        </p:nvSpPr>
+        <p:spPr>
+          <a:xfrm>
+            <a:off x="6948264" y="5301208"/>
+            <a:ext cx="1840260" cy="504056"/>
+          </a:xfrm>
+          <a:prstGeom prst="wedgeRectCallout">
+            <a:avLst>
+              <a:gd name="adj1" fmla="val -71438"/>
+              <a:gd name="adj2" fmla="val -34416"/>
+            </a:avLst>
+          </a:prstGeom>
+          <a:solidFill>
+            <a:schemeClr val="bg1"/>
+          </a:solidFill>
+          <a:ln>
+            <a:solidFill>
+              <a:schemeClr val="tx1"/>
+            </a:solidFill>
+          </a:ln>
+        </p:spPr>
+        <p:style>
+          <a:lnRef idx="2">
+            <a:schemeClr val="accent1">
+              <a:shade val="50000"/>
+            </a:schemeClr>
+          </a:lnRef>
+          <a:fillRef idx="1">
+            <a:schemeClr val="accent1"/>
+          </a:fillRef>
+          <a:effectRef idx="0">
+            <a:schemeClr val="accent1"/>
+          </a:effectRef>
+          <a:fontRef idx="minor">
+            <a:schemeClr val="lt1"/>
+          </a:fontRef>
+        </p:style>
+        <p:txBody>
+          <a:bodyPr rtlCol="0" anchor="ctr"/>
+          <a:lstStyle/>
+          <a:p>
+            <a:pPr algn="ctr"/>
+            <a:r>
+              <a:rPr lang="pt-BR" dirty="0">
+                <a:solidFill>
+                  <a:schemeClr val="tx1"/>
+                </a:solidFill>
+              </a:rPr>
+              <a:t>falso negativos</a:t>
+            </a:r>
+            <a:endParaRPr lang="en-US" dirty="0">
+              <a:solidFill>
+                <a:schemeClr val="tx1"/>
+              </a:solidFill>
+            </a:endParaRPr>
+          </a:p>
+        </p:txBody>
+      </p:sp>
+      <p:sp>
+        <p:nvSpPr>
+          <p:cNvPr id="5" name="Elipse 4"/>
+          <p:cNvSpPr/>
+          <p:nvPr/>
+        </p:nvSpPr>
+        <p:spPr>
+          <a:xfrm>
+            <a:off x="2119800" y="3717032"/>
+            <a:ext cx="2808312" cy="2664296"/>
+          </a:xfrm>
+          <a:prstGeom prst="ellipse">
+            <a:avLst/>
+          </a:prstGeom>
+          <a:solidFill>
+            <a:schemeClr val="bg1"/>
+          </a:solidFill>
+          <a:ln>
+            <a:solidFill>
+              <a:schemeClr val="tx1"/>
+            </a:solidFill>
+          </a:ln>
+        </p:spPr>
+        <p:style>
+          <a:lnRef idx="2">
+            <a:schemeClr val="accent1">
+              <a:shade val="50000"/>
+            </a:schemeClr>
+          </a:lnRef>
+          <a:fillRef idx="1">
+            <a:schemeClr val="accent1"/>
+          </a:fillRef>
+          <a:effectRef idx="0">
+            <a:schemeClr val="accent1"/>
+          </a:effectRef>
+          <a:fontRef idx="minor">
+            <a:schemeClr val="lt1"/>
+          </a:fontRef>
+        </p:style>
+        <p:txBody>
+          <a:bodyPr rtlCol="0" anchor="ctr"/>
+          <a:lstStyle/>
+          <a:p>
+            <a:pPr algn="ctr"/>
+            <a:endParaRPr lang="en-US"/>
+          </a:p>
+        </p:txBody>
+      </p:sp>
+    </p:spTree>
+    <p:extLst>
+      <p:ext uri="{BB962C8B-B14F-4D97-AF65-F5344CB8AC3E}">
+        <p14:creationId xmlns:p14="http://schemas.microsoft.com/office/powerpoint/2010/main" val="3764737133"/>
+      </p:ext>
+    </p:extLst>
+  </p:cSld>
+  <p:clrMapOvr>
+    <a:masterClrMapping/>
+  </p:clrMapOvr>
+</p:sld>
+</file>
+
+<file path=ppt/slides/slide37.xml><?xml version="1.0" encoding="utf-8"?>
+<p:sld xmlns:a="http://schemas.openxmlformats.org/drawingml/2006/main" xmlns:r="http://schemas.openxmlformats.org/officeDocument/2006/relationships" xmlns:p="http://schemas.openxmlformats.org/presentationml/2006/main">
+  <p:cSld>
+    <p:spTree>
+      <p:nvGrpSpPr>
+        <p:cNvPr id="1" name=""/>
+        <p:cNvGrpSpPr/>
+        <p:nvPr/>
+      </p:nvGrpSpPr>
+      <p:grpSpPr>
+        <a:xfrm>
+          <a:off x="0" y="0"/>
+          <a:ext cx="0" cy="0"/>
+          <a:chOff x="0" y="0"/>
+          <a:chExt cx="0" cy="0"/>
+        </a:xfrm>
+      </p:grpSpPr>
+      <p:sp>
+        <p:nvSpPr>
+          <p:cNvPr id="2" name="Título 1"/>
+          <p:cNvSpPr>
+            <a:spLocks noGrp="1"/>
+          </p:cNvSpPr>
+          <p:nvPr>
+            <p:ph type="title"/>
+          </p:nvPr>
+        </p:nvSpPr>
+        <p:spPr/>
+        <p:txBody>
+          <a:bodyPr/>
+          <a:lstStyle/>
+          <a:p>
+            <a:r>
+              <a:rPr lang="pt-BR" dirty="0"/>
+              <a:t>Falso positivos e negativos</a:t>
+            </a:r>
+            <a:endParaRPr lang="en-US" dirty="0"/>
+          </a:p>
+        </p:txBody>
+      </p:sp>
+      <p:sp>
+        <p:nvSpPr>
+          <p:cNvPr id="3" name="Espaço Reservado para Conteúdo 2"/>
+          <p:cNvSpPr>
+            <a:spLocks noGrp="1"/>
+          </p:cNvSpPr>
+          <p:nvPr>
+            <p:ph idx="1"/>
+          </p:nvPr>
+        </p:nvSpPr>
+        <p:spPr>
+          <a:xfrm>
+            <a:off x="457200" y="1600200"/>
+            <a:ext cx="8686800" cy="4525963"/>
+          </a:xfrm>
+        </p:spPr>
+        <p:txBody>
+          <a:bodyPr/>
+          <a:lstStyle/>
+          <a:p>
+            <a:r>
+              <a:rPr lang="pt-BR" dirty="0"/>
+              <a:t>Dado que análise de </a:t>
+            </a:r>
+            <a:r>
+              <a:rPr lang="pt-BR" dirty="0" err="1"/>
+              <a:t>dataflow</a:t>
+            </a:r>
+            <a:r>
+              <a:rPr lang="pt-BR" dirty="0"/>
+              <a:t> calcula conjunto de observações O = {o_1, ..., </a:t>
+            </a:r>
+            <a:r>
+              <a:rPr lang="pt-BR" dirty="0" err="1"/>
+              <a:t>o_n</a:t>
+            </a:r>
+            <a:r>
+              <a:rPr lang="pt-BR" dirty="0"/>
+              <a:t>}</a:t>
+            </a:r>
+          </a:p>
+          <a:p>
+            <a:r>
+              <a:rPr lang="pt-BR" dirty="0"/>
+              <a:t>Conjuntos de observações reais R</a:t>
+            </a:r>
+          </a:p>
+        </p:txBody>
+      </p:sp>
+      <p:sp>
+        <p:nvSpPr>
+          <p:cNvPr id="6" name="Elipse 5"/>
+          <p:cNvSpPr/>
+          <p:nvPr/>
+        </p:nvSpPr>
+        <p:spPr>
+          <a:xfrm>
+            <a:off x="3707904" y="3717032"/>
+            <a:ext cx="2808312" cy="2664296"/>
+          </a:xfrm>
+          <a:prstGeom prst="ellipse">
+            <a:avLst/>
+          </a:prstGeom>
+          <a:solidFill>
+            <a:schemeClr val="tx2">
+              <a:lumMod val="20000"/>
+              <a:lumOff val="80000"/>
+            </a:schemeClr>
+          </a:solidFill>
+          <a:ln>
+            <a:solidFill>
+              <a:schemeClr val="tx1"/>
+            </a:solidFill>
+          </a:ln>
+        </p:spPr>
+        <p:style>
+          <a:lnRef idx="2">
+            <a:schemeClr val="accent1">
+              <a:shade val="50000"/>
+            </a:schemeClr>
+          </a:lnRef>
+          <a:fillRef idx="1">
+            <a:schemeClr val="accent1"/>
+          </a:fillRef>
+          <a:effectRef idx="0">
+            <a:schemeClr val="accent1"/>
+          </a:effectRef>
+          <a:fontRef idx="minor">
+            <a:schemeClr val="lt1"/>
+          </a:fontRef>
+        </p:style>
+        <p:txBody>
+          <a:bodyPr rtlCol="0" anchor="ctr"/>
+          <a:lstStyle/>
+          <a:p>
+            <a:pPr algn="ctr"/>
+            <a:endParaRPr lang="en-US"/>
+          </a:p>
+        </p:txBody>
+      </p:sp>
+      <p:sp>
+        <p:nvSpPr>
+          <p:cNvPr id="7" name="CaixaDeTexto 6"/>
+          <p:cNvSpPr txBox="1"/>
+          <p:nvPr/>
+        </p:nvSpPr>
+        <p:spPr>
+          <a:xfrm>
+            <a:off x="2339752" y="3717032"/>
+            <a:ext cx="336952" cy="369332"/>
+          </a:xfrm>
+          <a:prstGeom prst="rect">
+            <a:avLst/>
+          </a:prstGeom>
+          <a:noFill/>
+        </p:spPr>
+        <p:txBody>
+          <a:bodyPr wrap="none" rtlCol="0">
+            <a:spAutoFit/>
+          </a:bodyPr>
+          <a:lstStyle/>
+          <a:p>
+            <a:r>
+              <a:rPr lang="pt-BR" dirty="0"/>
+              <a:t>O</a:t>
+            </a:r>
+            <a:endParaRPr lang="en-US" dirty="0"/>
+          </a:p>
+        </p:txBody>
+      </p:sp>
+      <p:sp>
+        <p:nvSpPr>
+          <p:cNvPr id="8" name="CaixaDeTexto 7"/>
+          <p:cNvSpPr txBox="1"/>
+          <p:nvPr/>
+        </p:nvSpPr>
+        <p:spPr>
+          <a:xfrm>
+            <a:off x="5963240" y="3717032"/>
+            <a:ext cx="309700" cy="369332"/>
+          </a:xfrm>
+          <a:prstGeom prst="rect">
+            <a:avLst/>
+          </a:prstGeom>
+          <a:noFill/>
+        </p:spPr>
+        <p:txBody>
+          <a:bodyPr wrap="none" rtlCol="0">
+            <a:spAutoFit/>
+          </a:bodyPr>
+          <a:lstStyle/>
+          <a:p>
+            <a:r>
+              <a:rPr lang="pt-BR" dirty="0"/>
+              <a:t>R</a:t>
+            </a:r>
+            <a:endParaRPr lang="en-US" dirty="0"/>
+          </a:p>
+        </p:txBody>
+      </p:sp>
+      <p:sp>
+        <p:nvSpPr>
+          <p:cNvPr id="9" name="Texto explicativo retangular 8"/>
+          <p:cNvSpPr/>
+          <p:nvPr/>
+        </p:nvSpPr>
+        <p:spPr>
+          <a:xfrm>
+            <a:off x="6948264" y="5301208"/>
+            <a:ext cx="1840260" cy="504056"/>
+          </a:xfrm>
+          <a:prstGeom prst="wedgeRectCallout">
+            <a:avLst>
+              <a:gd name="adj1" fmla="val -71438"/>
+              <a:gd name="adj2" fmla="val -34416"/>
+            </a:avLst>
+          </a:prstGeom>
+          <a:solidFill>
+            <a:schemeClr val="bg1"/>
+          </a:solidFill>
+          <a:ln>
+            <a:solidFill>
+              <a:schemeClr val="tx1"/>
+            </a:solidFill>
+          </a:ln>
+        </p:spPr>
+        <p:style>
+          <a:lnRef idx="2">
+            <a:schemeClr val="accent1">
+              <a:shade val="50000"/>
+            </a:schemeClr>
+          </a:lnRef>
+          <a:fillRef idx="1">
+            <a:schemeClr val="accent1"/>
+          </a:fillRef>
+          <a:effectRef idx="0">
+            <a:schemeClr val="accent1"/>
+          </a:effectRef>
+          <a:fontRef idx="minor">
+            <a:schemeClr val="lt1"/>
+          </a:fontRef>
+        </p:style>
+        <p:txBody>
+          <a:bodyPr rtlCol="0" anchor="ctr"/>
+          <a:lstStyle/>
+          <a:p>
+            <a:pPr algn="ctr"/>
+            <a:r>
+              <a:rPr lang="pt-BR" dirty="0">
+                <a:solidFill>
+                  <a:schemeClr val="tx1"/>
+                </a:solidFill>
+              </a:rPr>
+              <a:t>falso negativos</a:t>
+            </a:r>
+            <a:endParaRPr lang="en-US" dirty="0">
+              <a:solidFill>
+                <a:schemeClr val="tx1"/>
+              </a:solidFill>
+            </a:endParaRPr>
+          </a:p>
+        </p:txBody>
+      </p:sp>
+      <p:sp>
+        <p:nvSpPr>
+          <p:cNvPr id="5" name="Elipse 4"/>
+          <p:cNvSpPr/>
+          <p:nvPr/>
+        </p:nvSpPr>
+        <p:spPr>
+          <a:xfrm>
+            <a:off x="2119800" y="3717032"/>
+            <a:ext cx="2808312" cy="2664296"/>
+          </a:xfrm>
+          <a:prstGeom prst="ellipse">
+            <a:avLst/>
+          </a:prstGeom>
+          <a:solidFill>
+            <a:schemeClr val="bg1"/>
+          </a:solidFill>
+          <a:ln>
+            <a:solidFill>
+              <a:schemeClr val="tx1"/>
+            </a:solidFill>
+          </a:ln>
+        </p:spPr>
+        <p:style>
+          <a:lnRef idx="2">
+            <a:schemeClr val="accent1">
+              <a:shade val="50000"/>
+            </a:schemeClr>
+          </a:lnRef>
+          <a:fillRef idx="1">
+            <a:schemeClr val="accent1"/>
+          </a:fillRef>
+          <a:effectRef idx="0">
+            <a:schemeClr val="accent1"/>
+          </a:effectRef>
+          <a:fontRef idx="minor">
+            <a:schemeClr val="lt1"/>
+          </a:fontRef>
+        </p:style>
+        <p:txBody>
+          <a:bodyPr rtlCol="0" anchor="ctr"/>
+          <a:lstStyle/>
+          <a:p>
+            <a:pPr algn="ctr"/>
+            <a:endParaRPr lang="en-US"/>
+          </a:p>
+        </p:txBody>
+      </p:sp>
+      <p:sp>
+        <p:nvSpPr>
+          <p:cNvPr id="10" name="TextBox 4"/>
+          <p:cNvSpPr txBox="1"/>
+          <p:nvPr/>
+        </p:nvSpPr>
+        <p:spPr>
+          <a:xfrm>
+            <a:off x="899592" y="3717032"/>
+            <a:ext cx="7888932" cy="1200329"/>
+          </a:xfrm>
+          <a:prstGeom prst="rect">
+            <a:avLst/>
+          </a:prstGeom>
+          <a:solidFill>
+            <a:srgbClr val="FFFF00"/>
+          </a:solidFill>
+          <a:ln/>
+        </p:spPr>
+        <p:style>
+          <a:lnRef idx="2">
+            <a:schemeClr val="dk1"/>
+          </a:lnRef>
+          <a:fillRef idx="1">
+            <a:schemeClr val="lt1"/>
+          </a:fillRef>
+          <a:effectRef idx="0">
+            <a:schemeClr val="dk1"/>
+          </a:effectRef>
+          <a:fontRef idx="minor">
+            <a:schemeClr val="dk1"/>
+          </a:fontRef>
+        </p:style>
+        <p:txBody>
+          <a:bodyPr wrap="square" rtlCol="0">
+            <a:spAutoFit/>
+          </a:bodyPr>
+          <a:lstStyle/>
+          <a:p>
+            <a:pPr algn="ctr"/>
+            <a:r>
+              <a:rPr lang="en-US" sz="3600" dirty="0" err="1">
+                <a:solidFill>
+                  <a:srgbClr val="05022C"/>
+                </a:solidFill>
+              </a:rPr>
+              <a:t>Em</a:t>
+            </a:r>
+            <a:r>
+              <a:rPr lang="en-US" sz="3600" dirty="0">
+                <a:solidFill>
+                  <a:srgbClr val="05022C"/>
+                </a:solidFill>
+              </a:rPr>
+              <a:t> </a:t>
+            </a:r>
+            <a:r>
+              <a:rPr lang="en-US" sz="3600" dirty="0" err="1">
+                <a:solidFill>
+                  <a:srgbClr val="05022C"/>
+                </a:solidFill>
+              </a:rPr>
+              <a:t>geral</a:t>
+            </a:r>
+            <a:r>
+              <a:rPr lang="en-US" sz="3600" dirty="0">
+                <a:solidFill>
+                  <a:srgbClr val="05022C"/>
+                </a:solidFill>
+              </a:rPr>
+              <a:t>, </a:t>
+            </a:r>
+            <a:r>
+              <a:rPr lang="en-US" sz="3600" dirty="0" err="1">
+                <a:solidFill>
+                  <a:srgbClr val="05022C"/>
+                </a:solidFill>
+              </a:rPr>
+              <a:t>análise</a:t>
+            </a:r>
+            <a:r>
+              <a:rPr lang="en-US" sz="3600" dirty="0">
+                <a:solidFill>
+                  <a:srgbClr val="05022C"/>
+                </a:solidFill>
+              </a:rPr>
+              <a:t> de dataflow é </a:t>
+            </a:r>
+            <a:r>
+              <a:rPr lang="en-US" sz="3600" dirty="0" err="1">
+                <a:solidFill>
+                  <a:srgbClr val="05022C"/>
+                </a:solidFill>
+              </a:rPr>
+              <a:t>conservadora</a:t>
+            </a:r>
+            <a:r>
+              <a:rPr lang="en-US" sz="3600" dirty="0">
+                <a:solidFill>
+                  <a:srgbClr val="05022C"/>
+                </a:solidFill>
+              </a:rPr>
+              <a:t> =&gt; </a:t>
+            </a:r>
+            <a:r>
+              <a:rPr lang="en-US" sz="3600" dirty="0" err="1">
+                <a:solidFill>
+                  <a:srgbClr val="05022C"/>
+                </a:solidFill>
+              </a:rPr>
+              <a:t>não</a:t>
+            </a:r>
+            <a:r>
+              <a:rPr lang="en-US" sz="3600" dirty="0">
+                <a:solidFill>
+                  <a:srgbClr val="05022C"/>
+                </a:solidFill>
+              </a:rPr>
+              <a:t> </a:t>
+            </a:r>
+            <a:r>
+              <a:rPr lang="en-US" sz="3600" dirty="0" err="1">
+                <a:solidFill>
+                  <a:srgbClr val="05022C"/>
+                </a:solidFill>
+              </a:rPr>
+              <a:t>há</a:t>
+            </a:r>
+            <a:r>
+              <a:rPr lang="en-US" sz="3600" dirty="0">
+                <a:solidFill>
+                  <a:srgbClr val="05022C"/>
+                </a:solidFill>
+              </a:rPr>
+              <a:t> </a:t>
+            </a:r>
+            <a:r>
+              <a:rPr lang="en-US" sz="3600" dirty="0" err="1">
+                <a:solidFill>
+                  <a:srgbClr val="05022C"/>
+                </a:solidFill>
+              </a:rPr>
+              <a:t>falso</a:t>
+            </a:r>
+            <a:r>
+              <a:rPr lang="en-US" sz="3600" dirty="0">
+                <a:solidFill>
+                  <a:srgbClr val="05022C"/>
+                </a:solidFill>
+              </a:rPr>
+              <a:t> </a:t>
+            </a:r>
+            <a:r>
+              <a:rPr lang="en-US" sz="3600" dirty="0" err="1">
+                <a:solidFill>
+                  <a:srgbClr val="05022C"/>
+                </a:solidFill>
+              </a:rPr>
+              <a:t>negativos</a:t>
+            </a:r>
+            <a:endParaRPr lang="pt-BR" sz="3600" dirty="0">
+              <a:solidFill>
+                <a:srgbClr val="05022C"/>
+              </a:solidFill>
+            </a:endParaRPr>
+          </a:p>
+        </p:txBody>
+      </p:sp>
+    </p:spTree>
+    <p:extLst>
+      <p:ext uri="{BB962C8B-B14F-4D97-AF65-F5344CB8AC3E}">
+        <p14:creationId xmlns:p14="http://schemas.microsoft.com/office/powerpoint/2010/main" val="4171893187"/>
+      </p:ext>
+    </p:extLst>
+  </p:cSld>
+  <p:clrMapOvr>
+    <a:masterClrMapping/>
+  </p:clrMapOvr>
+</p:sld>
+</file>
+
+<file path=ppt/slides/slide38.xml><?xml version="1.0" encoding="utf-8"?>
+<p:sld xmlns:a="http://schemas.openxmlformats.org/drawingml/2006/main" xmlns:r="http://schemas.openxmlformats.org/officeDocument/2006/relationships" xmlns:p="http://schemas.openxmlformats.org/presentationml/2006/main">
+  <p:cSld>
+    <p:spTree>
+      <p:nvGrpSpPr>
+        <p:cNvPr id="1" name=""/>
+        <p:cNvGrpSpPr/>
+        <p:nvPr/>
+      </p:nvGrpSpPr>
+      <p:grpSpPr>
+        <a:xfrm>
+          <a:off x="0" y="0"/>
+          <a:ext cx="0" cy="0"/>
+          <a:chOff x="0" y="0"/>
+          <a:chExt cx="0" cy="0"/>
+        </a:xfrm>
+      </p:grpSpPr>
+      <p:sp>
+        <p:nvSpPr>
+          <p:cNvPr id="2" name="Title 1"/>
+          <p:cNvSpPr>
+            <a:spLocks noGrp="1"/>
+          </p:cNvSpPr>
+          <p:nvPr>
+            <p:ph type="title"/>
+          </p:nvPr>
+        </p:nvSpPr>
+        <p:spPr/>
+        <p:txBody>
+          <a:bodyPr/>
+          <a:lstStyle/>
+          <a:p>
+            <a:r>
+              <a:rPr lang="en-US" dirty="0"/>
+              <a:t>“No Silver Bullet, No Free Lunch”</a:t>
+            </a:r>
+            <a:endParaRPr lang="pt-BR" dirty="0"/>
+          </a:p>
+        </p:txBody>
+      </p:sp>
+      <p:cxnSp>
+        <p:nvCxnSpPr>
+          <p:cNvPr id="5" name="Straight Arrow Connector 4"/>
+          <p:cNvCxnSpPr/>
+          <p:nvPr/>
+        </p:nvCxnSpPr>
+        <p:spPr>
+          <a:xfrm rot="5400000" flipH="1" flipV="1">
+            <a:off x="3142446" y="3000372"/>
+            <a:ext cx="2001058" cy="794"/>
+          </a:xfrm>
+          <a:prstGeom prst="straightConnector1">
+            <a:avLst/>
+          </a:prstGeom>
+          <a:ln>
+            <a:tailEnd type="arrow"/>
+          </a:ln>
+        </p:spPr>
+        <p:style>
+          <a:lnRef idx="1">
+            <a:schemeClr val="dk1"/>
+          </a:lnRef>
+          <a:fillRef idx="0">
+            <a:schemeClr val="dk1"/>
+          </a:fillRef>
+          <a:effectRef idx="0">
+            <a:schemeClr val="dk1"/>
+          </a:effectRef>
+          <a:fontRef idx="minor">
+            <a:schemeClr val="tx1"/>
+          </a:fontRef>
+        </p:style>
+      </p:cxnSp>
+      <p:cxnSp>
+        <p:nvCxnSpPr>
+          <p:cNvPr id="6" name="Straight Arrow Connector 5"/>
+          <p:cNvCxnSpPr/>
+          <p:nvPr/>
+        </p:nvCxnSpPr>
+        <p:spPr>
+          <a:xfrm>
+            <a:off x="4143372" y="4000504"/>
+            <a:ext cx="2357454" cy="1588"/>
+          </a:xfrm>
+          <a:prstGeom prst="straightConnector1">
+            <a:avLst/>
+          </a:prstGeom>
+          <a:ln>
+            <a:tailEnd type="arrow"/>
+          </a:ln>
+        </p:spPr>
+        <p:style>
+          <a:lnRef idx="1">
+            <a:schemeClr val="dk1"/>
+          </a:lnRef>
+          <a:fillRef idx="0">
+            <a:schemeClr val="dk1"/>
+          </a:fillRef>
+          <a:effectRef idx="0">
+            <a:schemeClr val="dk1"/>
+          </a:effectRef>
+          <a:fontRef idx="minor">
+            <a:schemeClr val="tx1"/>
+          </a:fontRef>
+        </p:style>
+      </p:cxnSp>
+      <p:cxnSp>
+        <p:nvCxnSpPr>
+          <p:cNvPr id="11" name="Straight Arrow Connector 10"/>
+          <p:cNvCxnSpPr/>
+          <p:nvPr/>
+        </p:nvCxnSpPr>
+        <p:spPr>
+          <a:xfrm rot="5400000">
+            <a:off x="2928926" y="4071942"/>
+            <a:ext cx="1285884" cy="1143008"/>
+          </a:xfrm>
+          <a:prstGeom prst="straightConnector1">
+            <a:avLst/>
+          </a:prstGeom>
+          <a:ln>
+            <a:tailEnd type="arrow"/>
+          </a:ln>
+        </p:spPr>
+        <p:style>
+          <a:lnRef idx="1">
+            <a:schemeClr val="dk1"/>
+          </a:lnRef>
+          <a:fillRef idx="0">
+            <a:schemeClr val="dk1"/>
+          </a:fillRef>
+          <a:effectRef idx="0">
+            <a:schemeClr val="dk1"/>
+          </a:effectRef>
+          <a:fontRef idx="minor">
+            <a:schemeClr val="tx1"/>
+          </a:fontRef>
+        </p:style>
+      </p:cxnSp>
+      <p:sp>
+        <p:nvSpPr>
+          <p:cNvPr id="13" name="TextBox 12"/>
+          <p:cNvSpPr txBox="1"/>
+          <p:nvPr/>
+        </p:nvSpPr>
+        <p:spPr>
+          <a:xfrm>
+            <a:off x="2533743" y="2000240"/>
+            <a:ext cx="1606209" cy="369332"/>
+          </a:xfrm>
+          <a:prstGeom prst="rect">
+            <a:avLst/>
+          </a:prstGeom>
+          <a:noFill/>
+        </p:spPr>
+        <p:txBody>
+          <a:bodyPr wrap="none" rtlCol="0">
+            <a:spAutoFit/>
+          </a:bodyPr>
+          <a:lstStyle/>
+          <a:p>
+            <a:r>
+              <a:rPr lang="en-US" dirty="0" err="1"/>
+              <a:t>Falso</a:t>
+            </a:r>
+            <a:r>
+              <a:rPr lang="en-US" dirty="0"/>
+              <a:t> </a:t>
+            </a:r>
+            <a:r>
+              <a:rPr lang="en-US" dirty="0" err="1"/>
+              <a:t>negativos</a:t>
+            </a:r>
+            <a:endParaRPr lang="pt-BR" dirty="0"/>
+          </a:p>
+        </p:txBody>
+      </p:sp>
+      <p:sp>
+        <p:nvSpPr>
+          <p:cNvPr id="14" name="TextBox 13"/>
+          <p:cNvSpPr txBox="1"/>
+          <p:nvPr/>
+        </p:nvSpPr>
+        <p:spPr>
+          <a:xfrm>
+            <a:off x="5715008" y="3571876"/>
+            <a:ext cx="1542089" cy="369332"/>
+          </a:xfrm>
+          <a:prstGeom prst="rect">
+            <a:avLst/>
+          </a:prstGeom>
+          <a:noFill/>
+        </p:spPr>
+        <p:txBody>
+          <a:bodyPr wrap="none" rtlCol="0">
+            <a:spAutoFit/>
+          </a:bodyPr>
+          <a:lstStyle/>
+          <a:p>
+            <a:r>
+              <a:rPr lang="en-US" dirty="0" err="1"/>
+              <a:t>Falso</a:t>
+            </a:r>
+            <a:r>
+              <a:rPr lang="en-US" dirty="0"/>
+              <a:t> </a:t>
+            </a:r>
+            <a:r>
+              <a:rPr lang="en-US" dirty="0" err="1"/>
+              <a:t>positivos</a:t>
+            </a:r>
+            <a:endParaRPr lang="pt-BR" dirty="0"/>
+          </a:p>
+        </p:txBody>
+      </p:sp>
+      <p:sp>
+        <p:nvSpPr>
+          <p:cNvPr id="19" name="TextBox 18"/>
+          <p:cNvSpPr txBox="1"/>
+          <p:nvPr/>
+        </p:nvSpPr>
+        <p:spPr>
+          <a:xfrm>
+            <a:off x="1071539" y="4917056"/>
+            <a:ext cx="1556246" cy="923330"/>
+          </a:xfrm>
+          <a:prstGeom prst="rect">
+            <a:avLst/>
+          </a:prstGeom>
+          <a:noFill/>
+        </p:spPr>
+        <p:txBody>
+          <a:bodyPr wrap="square" rtlCol="0">
+            <a:spAutoFit/>
+          </a:bodyPr>
+          <a:lstStyle/>
+          <a:p>
+            <a:r>
+              <a:rPr lang="en-US" dirty="0" err="1"/>
+              <a:t>Complexidade</a:t>
+            </a:r>
+            <a:r>
+              <a:rPr lang="en-US" dirty="0"/>
+              <a:t> do </a:t>
+            </a:r>
+            <a:r>
+              <a:rPr lang="en-US" dirty="0" err="1"/>
+              <a:t>problema</a:t>
+            </a:r>
+            <a:r>
+              <a:rPr lang="en-US" dirty="0"/>
+              <a:t> e </a:t>
+            </a:r>
+            <a:r>
+              <a:rPr lang="en-US" dirty="0" err="1"/>
+              <a:t>programa</a:t>
+            </a:r>
+            <a:endParaRPr lang="pt-BR" dirty="0"/>
+          </a:p>
+        </p:txBody>
+      </p:sp>
+    </p:spTree>
+    <p:extLst>
+      <p:ext uri="{BB962C8B-B14F-4D97-AF65-F5344CB8AC3E}">
+        <p14:creationId xmlns:p14="http://schemas.microsoft.com/office/powerpoint/2010/main" val="2575406590"/>
+      </p:ext>
+    </p:extLst>
+  </p:cSld>
+  <p:clrMapOvr>
+    <a:masterClrMapping/>
+  </p:clrMapOvr>
+</p:sld>
+</file>
+
+<file path=ppt/slides/slide39.xml><?xml version="1.0" encoding="utf-8"?>
+<p:sld xmlns:a="http://schemas.openxmlformats.org/drawingml/2006/main" xmlns:r="http://schemas.openxmlformats.org/officeDocument/2006/relationships" xmlns:p="http://schemas.openxmlformats.org/presentationml/2006/main">
+  <p:cSld>
+    <p:spTree>
+      <p:nvGrpSpPr>
+        <p:cNvPr id="1" name=""/>
+        <p:cNvGrpSpPr/>
+        <p:nvPr/>
+      </p:nvGrpSpPr>
+      <p:grpSpPr>
+        <a:xfrm>
+          <a:off x="0" y="0"/>
+          <a:ext cx="0" cy="0"/>
+          <a:chOff x="0" y="0"/>
+          <a:chExt cx="0" cy="0"/>
+        </a:xfrm>
+      </p:grpSpPr>
+      <p:sp>
+        <p:nvSpPr>
+          <p:cNvPr id="2" name="Title 1"/>
+          <p:cNvSpPr>
+            <a:spLocks noGrp="1"/>
+          </p:cNvSpPr>
+          <p:nvPr>
+            <p:ph type="title"/>
+          </p:nvPr>
+        </p:nvSpPr>
+        <p:spPr/>
+        <p:txBody>
+          <a:bodyPr/>
+          <a:lstStyle/>
+          <a:p>
+            <a:r>
+              <a:rPr lang="en-US" dirty="0"/>
+              <a:t>“No Silver Bullet, No Free Lunch”</a:t>
+            </a:r>
+            <a:endParaRPr lang="pt-BR" dirty="0"/>
+          </a:p>
+        </p:txBody>
+      </p:sp>
+      <p:cxnSp>
+        <p:nvCxnSpPr>
+          <p:cNvPr id="5" name="Straight Arrow Connector 4"/>
+          <p:cNvCxnSpPr/>
+          <p:nvPr/>
+        </p:nvCxnSpPr>
+        <p:spPr>
+          <a:xfrm rot="5400000" flipH="1" flipV="1">
+            <a:off x="3142446" y="3000372"/>
+            <a:ext cx="2001058" cy="794"/>
+          </a:xfrm>
+          <a:prstGeom prst="straightConnector1">
+            <a:avLst/>
+          </a:prstGeom>
+          <a:ln>
+            <a:tailEnd type="arrow"/>
+          </a:ln>
+        </p:spPr>
+        <p:style>
+          <a:lnRef idx="1">
+            <a:schemeClr val="dk1"/>
+          </a:lnRef>
+          <a:fillRef idx="0">
+            <a:schemeClr val="dk1"/>
+          </a:fillRef>
+          <a:effectRef idx="0">
+            <a:schemeClr val="dk1"/>
+          </a:effectRef>
+          <a:fontRef idx="minor">
+            <a:schemeClr val="tx1"/>
+          </a:fontRef>
+        </p:style>
+      </p:cxnSp>
+      <p:cxnSp>
+        <p:nvCxnSpPr>
+          <p:cNvPr id="6" name="Straight Arrow Connector 5"/>
+          <p:cNvCxnSpPr/>
+          <p:nvPr/>
+        </p:nvCxnSpPr>
+        <p:spPr>
+          <a:xfrm>
+            <a:off x="4143372" y="4000504"/>
+            <a:ext cx="2357454" cy="1588"/>
+          </a:xfrm>
+          <a:prstGeom prst="straightConnector1">
+            <a:avLst/>
+          </a:prstGeom>
+          <a:ln>
+            <a:tailEnd type="arrow"/>
+          </a:ln>
+        </p:spPr>
+        <p:style>
+          <a:lnRef idx="1">
+            <a:schemeClr val="dk1"/>
+          </a:lnRef>
+          <a:fillRef idx="0">
+            <a:schemeClr val="dk1"/>
+          </a:fillRef>
+          <a:effectRef idx="0">
+            <a:schemeClr val="dk1"/>
+          </a:effectRef>
+          <a:fontRef idx="minor">
+            <a:schemeClr val="tx1"/>
+          </a:fontRef>
+        </p:style>
+      </p:cxnSp>
+      <p:cxnSp>
+        <p:nvCxnSpPr>
+          <p:cNvPr id="11" name="Straight Arrow Connector 10"/>
+          <p:cNvCxnSpPr/>
+          <p:nvPr/>
+        </p:nvCxnSpPr>
+        <p:spPr>
+          <a:xfrm rot="5400000">
+            <a:off x="2928926" y="4071942"/>
+            <a:ext cx="1285884" cy="1143008"/>
+          </a:xfrm>
+          <a:prstGeom prst="straightConnector1">
+            <a:avLst/>
+          </a:prstGeom>
+          <a:ln>
+            <a:tailEnd type="arrow"/>
+          </a:ln>
+        </p:spPr>
+        <p:style>
+          <a:lnRef idx="1">
+            <a:schemeClr val="dk1"/>
+          </a:lnRef>
+          <a:fillRef idx="0">
+            <a:schemeClr val="dk1"/>
+          </a:fillRef>
+          <a:effectRef idx="0">
+            <a:schemeClr val="dk1"/>
+          </a:effectRef>
+          <a:fontRef idx="minor">
+            <a:schemeClr val="tx1"/>
+          </a:fontRef>
+        </p:style>
+      </p:cxnSp>
+      <p:cxnSp>
+        <p:nvCxnSpPr>
+          <p:cNvPr id="18" name="Straight Connector 17"/>
+          <p:cNvCxnSpPr/>
+          <p:nvPr/>
+        </p:nvCxnSpPr>
+        <p:spPr>
+          <a:xfrm rot="5400000">
+            <a:off x="3000365" y="4071942"/>
+            <a:ext cx="1214445" cy="1071570"/>
+          </a:xfrm>
+          <a:prstGeom prst="line">
+            <a:avLst/>
+          </a:prstGeom>
+          <a:ln w="38100">
+            <a:solidFill>
+              <a:srgbClr val="FF0000"/>
+            </a:solidFill>
+          </a:ln>
+        </p:spPr>
+        <p:style>
+          <a:lnRef idx="1">
+            <a:schemeClr val="dk1"/>
+          </a:lnRef>
+          <a:fillRef idx="0">
+            <a:schemeClr val="dk1"/>
+          </a:fillRef>
+          <a:effectRef idx="0">
+            <a:schemeClr val="dk1"/>
+          </a:effectRef>
+          <a:fontRef idx="minor">
+            <a:schemeClr val="tx1"/>
+          </a:fontRef>
+        </p:style>
+      </p:cxnSp>
+      <p:sp>
+        <p:nvSpPr>
+          <p:cNvPr id="12" name="TextBox 11"/>
+          <p:cNvSpPr txBox="1"/>
+          <p:nvPr/>
+        </p:nvSpPr>
+        <p:spPr>
+          <a:xfrm>
+            <a:off x="4283968" y="4536547"/>
+            <a:ext cx="4680520" cy="1754326"/>
+          </a:xfrm>
+          <a:prstGeom prst="rect">
+            <a:avLst/>
+          </a:prstGeom>
+          <a:noFill/>
+          <a:ln>
+            <a:solidFill>
+              <a:schemeClr val="tx1"/>
+            </a:solidFill>
+          </a:ln>
+        </p:spPr>
+        <p:style>
+          <a:lnRef idx="1">
+            <a:schemeClr val="accent1"/>
+          </a:lnRef>
+          <a:fillRef idx="2">
+            <a:schemeClr val="accent1"/>
+          </a:fillRef>
+          <a:effectRef idx="1">
+            <a:schemeClr val="accent1"/>
+          </a:effectRef>
+          <a:fontRef idx="minor">
+            <a:schemeClr val="dk1"/>
+          </a:fontRef>
+        </p:style>
+        <p:txBody>
+          <a:bodyPr wrap="square" rtlCol="0">
+            <a:spAutoFit/>
+          </a:bodyPr>
+          <a:lstStyle/>
+          <a:p>
+            <a:pPr algn="ctr"/>
+            <a:r>
+              <a:rPr lang="en-US" sz="3600" dirty="0"/>
+              <a:t>I(</a:t>
+            </a:r>
+            <a:r>
+              <a:rPr lang="en-US" sz="3600" dirty="0" err="1"/>
+              <a:t>d|rr</a:t>
+            </a:r>
+            <a:r>
+              <a:rPr lang="en-US" sz="3600" dirty="0"/>
+              <a:t>)</a:t>
+            </a:r>
+            <a:r>
+              <a:rPr lang="en-US" sz="3600" dirty="0" err="1"/>
+              <a:t>eal</a:t>
+            </a:r>
+            <a:r>
+              <a:rPr lang="en-US" sz="3600" dirty="0"/>
+              <a:t>:  </a:t>
+            </a:r>
+            <a:r>
+              <a:rPr lang="en-US" sz="3600" dirty="0" err="1"/>
+              <a:t>Resultados</a:t>
+            </a:r>
+            <a:r>
+              <a:rPr lang="en-US" sz="3600" dirty="0"/>
+              <a:t> </a:t>
+            </a:r>
+            <a:r>
+              <a:rPr lang="en-US" sz="3600" dirty="0" err="1"/>
+              <a:t>perfeitos</a:t>
+            </a:r>
+            <a:r>
+              <a:rPr lang="en-US" sz="3600" dirty="0"/>
+              <a:t> </a:t>
+            </a:r>
+            <a:r>
+              <a:rPr lang="en-US" sz="3600" dirty="0" err="1"/>
+              <a:t>independente</a:t>
+            </a:r>
+            <a:r>
+              <a:rPr lang="en-US" sz="3600" dirty="0"/>
+              <a:t> de </a:t>
+            </a:r>
+            <a:r>
+              <a:rPr lang="en-US" sz="3600" dirty="0" err="1"/>
+              <a:t>complexidade</a:t>
+            </a:r>
+            <a:r>
+              <a:rPr lang="en-US" sz="3600" dirty="0"/>
+              <a:t>.</a:t>
+            </a:r>
+            <a:endParaRPr lang="pt-BR" sz="3600" dirty="0"/>
+          </a:p>
+        </p:txBody>
+      </p:sp>
+      <p:sp>
+        <p:nvSpPr>
+          <p:cNvPr id="16" name="TextBox 18"/>
+          <p:cNvSpPr txBox="1"/>
+          <p:nvPr/>
+        </p:nvSpPr>
+        <p:spPr>
+          <a:xfrm>
+            <a:off x="1071539" y="4917056"/>
+            <a:ext cx="1556246" cy="923330"/>
+          </a:xfrm>
+          <a:prstGeom prst="rect">
+            <a:avLst/>
+          </a:prstGeom>
+          <a:noFill/>
+        </p:spPr>
+        <p:txBody>
+          <a:bodyPr wrap="square" rtlCol="0">
+            <a:spAutoFit/>
+          </a:bodyPr>
+          <a:lstStyle/>
+          <a:p>
+            <a:r>
+              <a:rPr lang="en-US" dirty="0" err="1"/>
+              <a:t>Complexidade</a:t>
+            </a:r>
+            <a:r>
+              <a:rPr lang="en-US" dirty="0"/>
+              <a:t> do </a:t>
+            </a:r>
+            <a:r>
+              <a:rPr lang="en-US" dirty="0" err="1"/>
+              <a:t>problema</a:t>
+            </a:r>
+            <a:r>
+              <a:rPr lang="en-US" dirty="0"/>
+              <a:t> e </a:t>
+            </a:r>
+            <a:r>
+              <a:rPr lang="en-US" dirty="0" err="1"/>
+              <a:t>programa</a:t>
+            </a:r>
+            <a:endParaRPr lang="pt-BR" dirty="0"/>
+          </a:p>
+        </p:txBody>
+      </p:sp>
+      <p:sp>
+        <p:nvSpPr>
+          <p:cNvPr id="17" name="TextBox 12"/>
+          <p:cNvSpPr txBox="1"/>
+          <p:nvPr/>
+        </p:nvSpPr>
+        <p:spPr>
+          <a:xfrm>
+            <a:off x="2533743" y="2000240"/>
+            <a:ext cx="1606209" cy="369332"/>
+          </a:xfrm>
+          <a:prstGeom prst="rect">
+            <a:avLst/>
+          </a:prstGeom>
+          <a:noFill/>
+        </p:spPr>
+        <p:txBody>
+          <a:bodyPr wrap="none" rtlCol="0">
+            <a:spAutoFit/>
+          </a:bodyPr>
+          <a:lstStyle/>
+          <a:p>
+            <a:r>
+              <a:rPr lang="en-US" dirty="0" err="1"/>
+              <a:t>Falso</a:t>
+            </a:r>
+            <a:r>
+              <a:rPr lang="en-US" dirty="0"/>
+              <a:t> </a:t>
+            </a:r>
+            <a:r>
+              <a:rPr lang="en-US" dirty="0" err="1"/>
+              <a:t>negativos</a:t>
+            </a:r>
+            <a:endParaRPr lang="pt-BR" dirty="0"/>
+          </a:p>
+        </p:txBody>
+      </p:sp>
+      <p:sp>
+        <p:nvSpPr>
+          <p:cNvPr id="20" name="TextBox 13"/>
+          <p:cNvSpPr txBox="1"/>
+          <p:nvPr/>
+        </p:nvSpPr>
+        <p:spPr>
+          <a:xfrm>
+            <a:off x="5715008" y="3571876"/>
+            <a:ext cx="1542089" cy="369332"/>
+          </a:xfrm>
+          <a:prstGeom prst="rect">
+            <a:avLst/>
+          </a:prstGeom>
+          <a:noFill/>
+        </p:spPr>
+        <p:txBody>
+          <a:bodyPr wrap="none" rtlCol="0">
+            <a:spAutoFit/>
+          </a:bodyPr>
+          <a:lstStyle/>
+          <a:p>
+            <a:r>
+              <a:rPr lang="en-US" dirty="0" err="1"/>
+              <a:t>Falso</a:t>
+            </a:r>
+            <a:r>
+              <a:rPr lang="en-US" dirty="0"/>
+              <a:t> </a:t>
+            </a:r>
+            <a:r>
+              <a:rPr lang="en-US" dirty="0" err="1"/>
+              <a:t>positivos</a:t>
+            </a:r>
+            <a:endParaRPr lang="pt-BR" dirty="0"/>
+          </a:p>
+        </p:txBody>
+      </p:sp>
+    </p:spTree>
+    <p:extLst>
+      <p:ext uri="{BB962C8B-B14F-4D97-AF65-F5344CB8AC3E}">
+        <p14:creationId xmlns:p14="http://schemas.microsoft.com/office/powerpoint/2010/main" val="2858984440"/>
+      </p:ext>
+    </p:extLst>
+  </p:cSld>
+  <p:clrMapOvr>
+    <a:masterClrMapping/>
+  </p:clrMapOvr>
+</p:sld>
+</file>
+
+<file path=ppt/slides/slide4.xml><?xml version="1.0" encoding="utf-8"?>
+<p:sld xmlns:a="http://schemas.openxmlformats.org/drawingml/2006/main" xmlns:r="http://schemas.openxmlformats.org/officeDocument/2006/relationships" xmlns:p="http://schemas.openxmlformats.org/presentationml/2006/main">
+  <p:cSld>
+    <p:spTree>
+      <p:nvGrpSpPr>
+        <p:cNvPr id="1" name=""/>
+        <p:cNvGrpSpPr/>
+        <p:nvPr/>
+      </p:nvGrpSpPr>
+      <p:grpSpPr>
+        <a:xfrm>
+          <a:off x="0" y="0"/>
+          <a:ext cx="0" cy="0"/>
+          <a:chOff x="0" y="0"/>
+          <a:chExt cx="0" cy="0"/>
+        </a:xfrm>
+      </p:grpSpPr>
+      <p:pic>
+        <p:nvPicPr>
+          <p:cNvPr id="1026" name="Picture 2"/>
+          <p:cNvPicPr>
+            <a:picLocks noChangeAspect="1" noChangeArrowheads="1"/>
+          </p:cNvPicPr>
+          <p:nvPr/>
+        </p:nvPicPr>
+        <p:blipFill>
+          <a:blip r:embed="rId2">
+            <a:extLst>
+              <a:ext uri="{28A0092B-C50C-407E-A947-70E740481C1C}">
+                <a14:useLocalDpi xmlns:a14="http://schemas.microsoft.com/office/drawing/2010/main" val="0"/>
+              </a:ext>
+            </a:extLst>
+          </a:blip>
+          <a:srcRect/>
+          <a:stretch>
+            <a:fillRect/>
+          </a:stretch>
+        </p:blipFill>
+        <p:spPr bwMode="auto">
+          <a:xfrm>
+            <a:off x="7754" y="692695"/>
+            <a:ext cx="9136245" cy="5477257"/>
+          </a:xfrm>
+          <a:prstGeom prst="rect">
+            <a:avLst/>
+          </a:prstGeom>
+          <a:noFill/>
+          <a:ln>
+            <a:noFill/>
+          </a:ln>
+          <a:extLst>
+            <a:ext uri="{909E8E84-426E-40DD-AFC4-6F175D3DCCD1}">
+              <a14:hiddenFill xmlns:a14="http://schemas.microsoft.com/office/drawing/2010/main">
+                <a:solidFill>
+                  <a:schemeClr val="accent1"/>
+                </a:solidFill>
+              </a14:hiddenFill>
+            </a:ext>
+            <a:ext uri="{91240B29-F687-4F45-9708-019B960494DF}">
+              <a14:hiddenLine xmlns:a14="http://schemas.microsoft.com/office/drawing/2010/main" w="9525">
+                <a:solidFill>
+                  <a:schemeClr val="tx1"/>
+                </a:solidFill>
+                <a:miter lim="800000"/>
+                <a:headEnd/>
+                <a:tailEnd/>
+              </a14:hiddenLine>
+            </a:ext>
+          </a:extLst>
+        </p:spPr>
+      </p:pic>
+    </p:spTree>
+    <p:extLst>
+      <p:ext uri="{BB962C8B-B14F-4D97-AF65-F5344CB8AC3E}">
+        <p14:creationId xmlns:p14="http://schemas.microsoft.com/office/powerpoint/2010/main" val="994319169"/>
+      </p:ext>
+    </p:extLst>
+  </p:cSld>
+  <p:clrMapOvr>
+    <a:masterClrMapping/>
+  </p:clrMapOvr>
+</p:sld>
+</file>
+
+<file path=ppt/slides/slide40.xml><?xml version="1.0" encoding="utf-8"?>
+<p:sld xmlns:a="http://schemas.openxmlformats.org/drawingml/2006/main" xmlns:r="http://schemas.openxmlformats.org/officeDocument/2006/relationships" xmlns:p="http://schemas.openxmlformats.org/presentationml/2006/main">
+  <p:cSld>
+    <p:spTree>
+      <p:nvGrpSpPr>
+        <p:cNvPr id="1" name=""/>
+        <p:cNvGrpSpPr/>
+        <p:nvPr/>
+      </p:nvGrpSpPr>
+      <p:grpSpPr>
+        <a:xfrm>
+          <a:off x="0" y="0"/>
+          <a:ext cx="0" cy="0"/>
+          <a:chOff x="0" y="0"/>
+          <a:chExt cx="0" cy="0"/>
+        </a:xfrm>
+      </p:grpSpPr>
+      <p:sp>
+        <p:nvSpPr>
+          <p:cNvPr id="2" name="Title 1"/>
+          <p:cNvSpPr>
+            <a:spLocks noGrp="1"/>
+          </p:cNvSpPr>
+          <p:nvPr>
+            <p:ph type="title"/>
+          </p:nvPr>
+        </p:nvSpPr>
+        <p:spPr/>
+        <p:txBody>
+          <a:bodyPr/>
+          <a:lstStyle/>
+          <a:p>
+            <a:r>
+              <a:rPr lang="en-US" dirty="0"/>
+              <a:t>“No Silver Bullet, No Free Lunch”</a:t>
+            </a:r>
+            <a:endParaRPr lang="pt-BR" dirty="0"/>
+          </a:p>
+        </p:txBody>
+      </p:sp>
+      <p:cxnSp>
+        <p:nvCxnSpPr>
+          <p:cNvPr id="5" name="Straight Arrow Connector 4"/>
+          <p:cNvCxnSpPr/>
+          <p:nvPr/>
+        </p:nvCxnSpPr>
+        <p:spPr>
+          <a:xfrm rot="5400000" flipH="1" flipV="1">
+            <a:off x="3142446" y="3000372"/>
+            <a:ext cx="2001058" cy="794"/>
+          </a:xfrm>
+          <a:prstGeom prst="straightConnector1">
+            <a:avLst/>
+          </a:prstGeom>
+          <a:ln>
+            <a:tailEnd type="arrow"/>
+          </a:ln>
+        </p:spPr>
+        <p:style>
+          <a:lnRef idx="1">
+            <a:schemeClr val="dk1"/>
+          </a:lnRef>
+          <a:fillRef idx="0">
+            <a:schemeClr val="dk1"/>
+          </a:fillRef>
+          <a:effectRef idx="0">
+            <a:schemeClr val="dk1"/>
+          </a:effectRef>
+          <a:fontRef idx="minor">
+            <a:schemeClr val="tx1"/>
+          </a:fontRef>
+        </p:style>
+      </p:cxnSp>
+      <p:cxnSp>
+        <p:nvCxnSpPr>
+          <p:cNvPr id="6" name="Straight Arrow Connector 5"/>
+          <p:cNvCxnSpPr/>
+          <p:nvPr/>
+        </p:nvCxnSpPr>
+        <p:spPr>
+          <a:xfrm>
+            <a:off x="4143372" y="4000504"/>
+            <a:ext cx="2357454" cy="1588"/>
+          </a:xfrm>
+          <a:prstGeom prst="straightConnector1">
+            <a:avLst/>
+          </a:prstGeom>
+          <a:ln>
+            <a:tailEnd type="arrow"/>
+          </a:ln>
+        </p:spPr>
+        <p:style>
+          <a:lnRef idx="1">
+            <a:schemeClr val="dk1"/>
+          </a:lnRef>
+          <a:fillRef idx="0">
+            <a:schemeClr val="dk1"/>
+          </a:fillRef>
+          <a:effectRef idx="0">
+            <a:schemeClr val="dk1"/>
+          </a:effectRef>
+          <a:fontRef idx="minor">
+            <a:schemeClr val="tx1"/>
+          </a:fontRef>
+        </p:style>
+      </p:cxnSp>
+      <p:cxnSp>
+        <p:nvCxnSpPr>
+          <p:cNvPr id="11" name="Straight Arrow Connector 10"/>
+          <p:cNvCxnSpPr/>
+          <p:nvPr/>
+        </p:nvCxnSpPr>
+        <p:spPr>
+          <a:xfrm rot="5400000">
+            <a:off x="2928926" y="4071942"/>
+            <a:ext cx="1285884" cy="1143008"/>
+          </a:xfrm>
+          <a:prstGeom prst="straightConnector1">
+            <a:avLst/>
+          </a:prstGeom>
+          <a:ln>
+            <a:tailEnd type="arrow"/>
+          </a:ln>
+        </p:spPr>
+        <p:style>
+          <a:lnRef idx="1">
+            <a:schemeClr val="dk1"/>
+          </a:lnRef>
+          <a:fillRef idx="0">
+            <a:schemeClr val="dk1"/>
+          </a:fillRef>
+          <a:effectRef idx="0">
+            <a:schemeClr val="dk1"/>
+          </a:effectRef>
+          <a:fontRef idx="minor">
+            <a:schemeClr val="tx1"/>
+          </a:fontRef>
+        </p:style>
+      </p:cxnSp>
+      <p:cxnSp>
+        <p:nvCxnSpPr>
+          <p:cNvPr id="18" name="Straight Connector 17"/>
+          <p:cNvCxnSpPr/>
+          <p:nvPr/>
+        </p:nvCxnSpPr>
+        <p:spPr>
+          <a:xfrm rot="5400000">
+            <a:off x="3000365" y="4071942"/>
+            <a:ext cx="1214445" cy="1071570"/>
+          </a:xfrm>
+          <a:prstGeom prst="line">
+            <a:avLst/>
+          </a:prstGeom>
+          <a:ln w="38100">
+            <a:solidFill>
+              <a:srgbClr val="FF0000"/>
+            </a:solidFill>
+          </a:ln>
+        </p:spPr>
+        <p:style>
+          <a:lnRef idx="1">
+            <a:schemeClr val="dk1"/>
+          </a:lnRef>
+          <a:fillRef idx="0">
+            <a:schemeClr val="dk1"/>
+          </a:fillRef>
+          <a:effectRef idx="0">
+            <a:schemeClr val="dk1"/>
+          </a:effectRef>
+          <a:fontRef idx="minor">
+            <a:schemeClr val="tx1"/>
+          </a:fontRef>
+        </p:style>
+      </p:cxnSp>
+      <p:sp>
+        <p:nvSpPr>
+          <p:cNvPr id="12" name="TextBox 11"/>
+          <p:cNvSpPr txBox="1"/>
+          <p:nvPr/>
+        </p:nvSpPr>
+        <p:spPr>
+          <a:xfrm>
+            <a:off x="4283968" y="4536547"/>
+            <a:ext cx="4680520" cy="1754326"/>
+          </a:xfrm>
+          <a:prstGeom prst="rect">
+            <a:avLst/>
+          </a:prstGeom>
+          <a:noFill/>
+          <a:ln>
+            <a:solidFill>
+              <a:schemeClr val="tx1"/>
+            </a:solidFill>
+          </a:ln>
+        </p:spPr>
+        <p:style>
+          <a:lnRef idx="1">
+            <a:schemeClr val="accent1"/>
+          </a:lnRef>
+          <a:fillRef idx="2">
+            <a:schemeClr val="accent1"/>
+          </a:fillRef>
+          <a:effectRef idx="1">
+            <a:schemeClr val="accent1"/>
+          </a:effectRef>
+          <a:fontRef idx="minor">
+            <a:schemeClr val="dk1"/>
+          </a:fontRef>
+        </p:style>
+        <p:txBody>
+          <a:bodyPr wrap="square" rtlCol="0">
+            <a:spAutoFit/>
+          </a:bodyPr>
+          <a:lstStyle/>
+          <a:p>
+            <a:pPr algn="ctr"/>
+            <a:r>
+              <a:rPr lang="en-US" sz="3600" dirty="0"/>
+              <a:t>I(</a:t>
+            </a:r>
+            <a:r>
+              <a:rPr lang="en-US" sz="3600" dirty="0" err="1"/>
+              <a:t>d|rr</a:t>
+            </a:r>
+            <a:r>
+              <a:rPr lang="en-US" sz="3600" dirty="0"/>
+              <a:t>)</a:t>
+            </a:r>
+            <a:r>
+              <a:rPr lang="en-US" sz="3600" dirty="0" err="1"/>
+              <a:t>eal</a:t>
+            </a:r>
+            <a:r>
+              <a:rPr lang="en-US" sz="3600" dirty="0"/>
+              <a:t>:  </a:t>
+            </a:r>
+            <a:r>
+              <a:rPr lang="en-US" sz="3600" dirty="0" err="1"/>
+              <a:t>Resultados</a:t>
+            </a:r>
+            <a:r>
+              <a:rPr lang="en-US" sz="3600" dirty="0"/>
+              <a:t> </a:t>
+            </a:r>
+            <a:r>
+              <a:rPr lang="en-US" sz="3600" dirty="0" err="1"/>
+              <a:t>perfeitos</a:t>
+            </a:r>
+            <a:r>
+              <a:rPr lang="en-US" sz="3600" dirty="0"/>
+              <a:t> </a:t>
+            </a:r>
+            <a:r>
+              <a:rPr lang="en-US" sz="3600" dirty="0" err="1"/>
+              <a:t>independente</a:t>
+            </a:r>
+            <a:r>
+              <a:rPr lang="en-US" sz="3600" dirty="0"/>
+              <a:t> de </a:t>
+            </a:r>
+            <a:r>
+              <a:rPr lang="en-US" sz="3600" dirty="0" err="1"/>
+              <a:t>complexidade</a:t>
+            </a:r>
+            <a:r>
+              <a:rPr lang="en-US" sz="3600" dirty="0"/>
+              <a:t>.</a:t>
+            </a:r>
+            <a:endParaRPr lang="pt-BR" sz="3600" dirty="0"/>
+          </a:p>
+        </p:txBody>
+      </p:sp>
+      <p:sp>
+        <p:nvSpPr>
+          <p:cNvPr id="16" name="TextBox 18"/>
+          <p:cNvSpPr txBox="1"/>
+          <p:nvPr/>
+        </p:nvSpPr>
+        <p:spPr>
+          <a:xfrm>
+            <a:off x="1071539" y="4917056"/>
+            <a:ext cx="1556246" cy="923330"/>
+          </a:xfrm>
+          <a:prstGeom prst="rect">
+            <a:avLst/>
+          </a:prstGeom>
+          <a:noFill/>
+        </p:spPr>
+        <p:txBody>
+          <a:bodyPr wrap="square" rtlCol="0">
+            <a:spAutoFit/>
+          </a:bodyPr>
+          <a:lstStyle/>
+          <a:p>
+            <a:r>
+              <a:rPr lang="en-US" dirty="0" err="1"/>
+              <a:t>Complexidade</a:t>
+            </a:r>
+            <a:r>
+              <a:rPr lang="en-US" dirty="0"/>
+              <a:t> do </a:t>
+            </a:r>
+            <a:r>
+              <a:rPr lang="en-US" dirty="0" err="1"/>
+              <a:t>problema</a:t>
+            </a:r>
+            <a:r>
+              <a:rPr lang="en-US" dirty="0"/>
+              <a:t> e </a:t>
+            </a:r>
+            <a:r>
+              <a:rPr lang="en-US" dirty="0" err="1"/>
+              <a:t>programa</a:t>
+            </a:r>
+            <a:endParaRPr lang="pt-BR" dirty="0"/>
+          </a:p>
+        </p:txBody>
+      </p:sp>
+      <p:sp>
+        <p:nvSpPr>
+          <p:cNvPr id="17" name="TextBox 12"/>
+          <p:cNvSpPr txBox="1"/>
+          <p:nvPr/>
+        </p:nvSpPr>
+        <p:spPr>
+          <a:xfrm>
+            <a:off x="2533743" y="2000240"/>
+            <a:ext cx="1606209" cy="369332"/>
+          </a:xfrm>
+          <a:prstGeom prst="rect">
+            <a:avLst/>
+          </a:prstGeom>
+          <a:noFill/>
+        </p:spPr>
+        <p:txBody>
+          <a:bodyPr wrap="none" rtlCol="0">
+            <a:spAutoFit/>
+          </a:bodyPr>
+          <a:lstStyle/>
+          <a:p>
+            <a:r>
+              <a:rPr lang="en-US" dirty="0" err="1"/>
+              <a:t>Falso</a:t>
+            </a:r>
+            <a:r>
+              <a:rPr lang="en-US" dirty="0"/>
+              <a:t> </a:t>
+            </a:r>
+            <a:r>
+              <a:rPr lang="en-US" dirty="0" err="1"/>
+              <a:t>negativos</a:t>
+            </a:r>
+            <a:endParaRPr lang="pt-BR" dirty="0"/>
+          </a:p>
+        </p:txBody>
+      </p:sp>
+      <p:sp>
+        <p:nvSpPr>
+          <p:cNvPr id="19" name="Retângulo 18"/>
+          <p:cNvSpPr/>
+          <p:nvPr/>
+        </p:nvSpPr>
+        <p:spPr>
+          <a:xfrm>
+            <a:off x="611560" y="1916832"/>
+            <a:ext cx="8208912" cy="2308324"/>
+          </a:xfrm>
+          <a:prstGeom prst="rect">
+            <a:avLst/>
+          </a:prstGeom>
+          <a:solidFill>
+            <a:srgbClr val="FFFF00"/>
+          </a:solidFill>
+        </p:spPr>
+        <p:style>
+          <a:lnRef idx="2">
+            <a:schemeClr val="dk1"/>
+          </a:lnRef>
+          <a:fillRef idx="1">
+            <a:schemeClr val="lt1"/>
+          </a:fillRef>
+          <a:effectRef idx="0">
+            <a:schemeClr val="dk1"/>
+          </a:effectRef>
+          <a:fontRef idx="minor">
+            <a:schemeClr val="dk1"/>
+          </a:fontRef>
+        </p:style>
+        <p:txBody>
+          <a:bodyPr wrap="square">
+            <a:spAutoFit/>
+          </a:bodyPr>
+          <a:lstStyle/>
+          <a:p>
+            <a:pPr algn="ctr"/>
+            <a:r>
+              <a:rPr lang="pt-BR" sz="3600" dirty="0"/>
+              <a:t>Maioria dos problemas de análise são </a:t>
+            </a:r>
+            <a:r>
+              <a:rPr lang="pt-BR" sz="3600" dirty="0" err="1"/>
+              <a:t>indecidíveis</a:t>
+            </a:r>
+            <a:r>
+              <a:rPr lang="pt-BR" sz="3600" dirty="0"/>
+              <a:t>! Construções de linguagens modernas trazem mais complexidade: </a:t>
+            </a:r>
+            <a:r>
+              <a:rPr lang="pt-BR" sz="3600" dirty="0" err="1"/>
+              <a:t>dynamic</a:t>
+            </a:r>
+            <a:r>
+              <a:rPr lang="pt-BR" sz="3600" dirty="0"/>
+              <a:t> </a:t>
+            </a:r>
+            <a:r>
+              <a:rPr lang="pt-BR" sz="3600" dirty="0" err="1"/>
+              <a:t>binding</a:t>
+            </a:r>
+            <a:r>
+              <a:rPr lang="pt-BR" sz="3600" dirty="0"/>
+              <a:t>, </a:t>
+            </a:r>
+            <a:r>
+              <a:rPr lang="pt-BR" sz="3600" dirty="0" err="1"/>
+              <a:t>reflection</a:t>
+            </a:r>
+            <a:r>
+              <a:rPr lang="pt-BR" sz="3600" dirty="0"/>
+              <a:t>, IO, etc.</a:t>
+            </a:r>
+          </a:p>
+        </p:txBody>
+      </p:sp>
+    </p:spTree>
+    <p:extLst>
+      <p:ext uri="{BB962C8B-B14F-4D97-AF65-F5344CB8AC3E}">
+        <p14:creationId xmlns:p14="http://schemas.microsoft.com/office/powerpoint/2010/main" val="3960392174"/>
+      </p:ext>
+    </p:extLst>
+  </p:cSld>
+  <p:clrMapOvr>
+    <a:masterClrMapping/>
+  </p:clrMapOvr>
+</p:sld>
+</file>
+
+<file path=ppt/slides/slide41.xml><?xml version="1.0" encoding="utf-8"?>
+<p:sld xmlns:a="http://schemas.openxmlformats.org/drawingml/2006/main" xmlns:r="http://schemas.openxmlformats.org/officeDocument/2006/relationships" xmlns:p="http://schemas.openxmlformats.org/presentationml/2006/main">
+  <p:cSld>
+    <p:spTree>
+      <p:nvGrpSpPr>
+        <p:cNvPr id="1" name=""/>
+        <p:cNvGrpSpPr/>
+        <p:nvPr/>
+      </p:nvGrpSpPr>
+      <p:grpSpPr>
+        <a:xfrm>
+          <a:off x="0" y="0"/>
+          <a:ext cx="0" cy="0"/>
+          <a:chOff x="0" y="0"/>
+          <a:chExt cx="0" cy="0"/>
+        </a:xfrm>
+      </p:grpSpPr>
+      <p:sp>
+        <p:nvSpPr>
+          <p:cNvPr id="2" name="Title 1"/>
+          <p:cNvSpPr>
+            <a:spLocks noGrp="1"/>
+          </p:cNvSpPr>
+          <p:nvPr>
+            <p:ph type="title"/>
+          </p:nvPr>
+        </p:nvSpPr>
+        <p:spPr/>
+        <p:txBody>
+          <a:bodyPr/>
+          <a:lstStyle/>
+          <a:p>
+            <a:r>
+              <a:rPr lang="en-US" dirty="0"/>
+              <a:t>“No Silver Bullet, No Free Lunch”</a:t>
+            </a:r>
+            <a:endParaRPr lang="pt-BR" dirty="0"/>
+          </a:p>
+        </p:txBody>
+      </p:sp>
+      <p:cxnSp>
+        <p:nvCxnSpPr>
+          <p:cNvPr id="5" name="Straight Arrow Connector 4"/>
+          <p:cNvCxnSpPr/>
+          <p:nvPr/>
+        </p:nvCxnSpPr>
+        <p:spPr>
+          <a:xfrm rot="5400000" flipH="1" flipV="1">
+            <a:off x="3142446" y="3000372"/>
+            <a:ext cx="2001058" cy="794"/>
+          </a:xfrm>
+          <a:prstGeom prst="straightConnector1">
+            <a:avLst/>
+          </a:prstGeom>
+          <a:ln>
+            <a:tailEnd type="arrow"/>
+          </a:ln>
+        </p:spPr>
+        <p:style>
+          <a:lnRef idx="1">
+            <a:schemeClr val="dk1"/>
+          </a:lnRef>
+          <a:fillRef idx="0">
+            <a:schemeClr val="dk1"/>
+          </a:fillRef>
+          <a:effectRef idx="0">
+            <a:schemeClr val="dk1"/>
+          </a:effectRef>
+          <a:fontRef idx="minor">
+            <a:schemeClr val="tx1"/>
+          </a:fontRef>
+        </p:style>
+      </p:cxnSp>
+      <p:cxnSp>
+        <p:nvCxnSpPr>
+          <p:cNvPr id="6" name="Straight Arrow Connector 5"/>
+          <p:cNvCxnSpPr/>
+          <p:nvPr/>
+        </p:nvCxnSpPr>
+        <p:spPr>
+          <a:xfrm>
+            <a:off x="4143372" y="4000504"/>
+            <a:ext cx="2357454" cy="1588"/>
+          </a:xfrm>
+          <a:prstGeom prst="straightConnector1">
+            <a:avLst/>
+          </a:prstGeom>
+          <a:ln>
+            <a:tailEnd type="arrow"/>
+          </a:ln>
+        </p:spPr>
+        <p:style>
+          <a:lnRef idx="1">
+            <a:schemeClr val="dk1"/>
+          </a:lnRef>
+          <a:fillRef idx="0">
+            <a:schemeClr val="dk1"/>
+          </a:fillRef>
+          <a:effectRef idx="0">
+            <a:schemeClr val="dk1"/>
+          </a:effectRef>
+          <a:fontRef idx="minor">
+            <a:schemeClr val="tx1"/>
+          </a:fontRef>
+        </p:style>
+      </p:cxnSp>
+      <p:cxnSp>
+        <p:nvCxnSpPr>
+          <p:cNvPr id="11" name="Straight Arrow Connector 10"/>
+          <p:cNvCxnSpPr/>
+          <p:nvPr/>
+        </p:nvCxnSpPr>
+        <p:spPr>
+          <a:xfrm rot="5400000">
+            <a:off x="2928926" y="4071942"/>
+            <a:ext cx="1285884" cy="1143008"/>
+          </a:xfrm>
+          <a:prstGeom prst="straightConnector1">
+            <a:avLst/>
+          </a:prstGeom>
+          <a:ln>
+            <a:tailEnd type="arrow"/>
+          </a:ln>
+        </p:spPr>
+        <p:style>
+          <a:lnRef idx="1">
+            <a:schemeClr val="dk1"/>
+          </a:lnRef>
+          <a:fillRef idx="0">
+            <a:schemeClr val="dk1"/>
+          </a:fillRef>
+          <a:effectRef idx="0">
+            <a:schemeClr val="dk1"/>
+          </a:effectRef>
+          <a:fontRef idx="minor">
+            <a:schemeClr val="tx1"/>
+          </a:fontRef>
+        </p:style>
+      </p:cxnSp>
+      <p:sp>
+        <p:nvSpPr>
+          <p:cNvPr id="13" name="TextBox 12"/>
+          <p:cNvSpPr txBox="1"/>
+          <p:nvPr/>
+        </p:nvSpPr>
+        <p:spPr>
+          <a:xfrm>
+            <a:off x="2533743" y="2000240"/>
+            <a:ext cx="1606209" cy="369332"/>
+          </a:xfrm>
+          <a:prstGeom prst="rect">
+            <a:avLst/>
+          </a:prstGeom>
+          <a:noFill/>
+        </p:spPr>
+        <p:txBody>
+          <a:bodyPr wrap="none" rtlCol="0">
+            <a:spAutoFit/>
+          </a:bodyPr>
+          <a:lstStyle/>
+          <a:p>
+            <a:r>
+              <a:rPr lang="en-US" dirty="0" err="1"/>
+              <a:t>Falso</a:t>
+            </a:r>
+            <a:r>
+              <a:rPr lang="en-US" dirty="0"/>
+              <a:t> </a:t>
+            </a:r>
+            <a:r>
+              <a:rPr lang="en-US" dirty="0" err="1"/>
+              <a:t>negativos</a:t>
+            </a:r>
+            <a:endParaRPr lang="pt-BR" dirty="0"/>
+          </a:p>
+        </p:txBody>
+      </p:sp>
+      <p:sp>
+        <p:nvSpPr>
+          <p:cNvPr id="14" name="TextBox 13"/>
+          <p:cNvSpPr txBox="1"/>
+          <p:nvPr/>
+        </p:nvSpPr>
+        <p:spPr>
+          <a:xfrm>
+            <a:off x="5715008" y="3571876"/>
+            <a:ext cx="1542089" cy="369332"/>
+          </a:xfrm>
+          <a:prstGeom prst="rect">
+            <a:avLst/>
+          </a:prstGeom>
+          <a:noFill/>
+        </p:spPr>
+        <p:txBody>
+          <a:bodyPr wrap="none" rtlCol="0">
+            <a:spAutoFit/>
+          </a:bodyPr>
+          <a:lstStyle/>
+          <a:p>
+            <a:r>
+              <a:rPr lang="en-US" dirty="0" err="1"/>
+              <a:t>Falso</a:t>
+            </a:r>
+            <a:r>
+              <a:rPr lang="en-US" dirty="0"/>
+              <a:t> </a:t>
+            </a:r>
+            <a:r>
+              <a:rPr lang="en-US" dirty="0" err="1"/>
+              <a:t>positivos</a:t>
+            </a:r>
+            <a:endParaRPr lang="pt-BR" dirty="0"/>
+          </a:p>
+        </p:txBody>
+      </p:sp>
+      <p:sp>
+        <p:nvSpPr>
+          <p:cNvPr id="19" name="TextBox 18"/>
+          <p:cNvSpPr txBox="1"/>
+          <p:nvPr/>
+        </p:nvSpPr>
+        <p:spPr>
+          <a:xfrm>
+            <a:off x="1071539" y="4917056"/>
+            <a:ext cx="1556246" cy="923330"/>
+          </a:xfrm>
+          <a:prstGeom prst="rect">
+            <a:avLst/>
+          </a:prstGeom>
+          <a:noFill/>
+        </p:spPr>
+        <p:txBody>
+          <a:bodyPr wrap="square" rtlCol="0">
+            <a:spAutoFit/>
+          </a:bodyPr>
+          <a:lstStyle/>
+          <a:p>
+            <a:r>
+              <a:rPr lang="en-US" dirty="0" err="1"/>
+              <a:t>Complexidade</a:t>
+            </a:r>
+            <a:r>
+              <a:rPr lang="en-US" dirty="0"/>
+              <a:t> do </a:t>
+            </a:r>
+            <a:r>
+              <a:rPr lang="en-US" dirty="0" err="1"/>
+              <a:t>problema</a:t>
+            </a:r>
+            <a:r>
+              <a:rPr lang="en-US" dirty="0"/>
+              <a:t> e </a:t>
+            </a:r>
+            <a:r>
+              <a:rPr lang="en-US" dirty="0" err="1"/>
+              <a:t>programa</a:t>
+            </a:r>
+            <a:endParaRPr lang="pt-BR" dirty="0"/>
+          </a:p>
+        </p:txBody>
+      </p:sp>
+      <p:sp>
+        <p:nvSpPr>
+          <p:cNvPr id="21" name="Parallelogram 15"/>
+          <p:cNvSpPr/>
+          <p:nvPr/>
+        </p:nvSpPr>
+        <p:spPr>
+          <a:xfrm>
+            <a:off x="3143240" y="4052230"/>
+            <a:ext cx="3214710" cy="1143008"/>
+          </a:xfrm>
+          <a:prstGeom prst="parallelogram">
+            <a:avLst>
+              <a:gd name="adj" fmla="val 89615"/>
+            </a:avLst>
+          </a:prstGeom>
+        </p:spPr>
+        <p:style>
+          <a:lnRef idx="2">
+            <a:schemeClr val="accent1">
+              <a:shade val="50000"/>
+            </a:schemeClr>
+          </a:lnRef>
+          <a:fillRef idx="1">
+            <a:schemeClr val="accent1"/>
+          </a:fillRef>
+          <a:effectRef idx="0">
+            <a:schemeClr val="accent1"/>
+          </a:effectRef>
+          <a:fontRef idx="minor">
+            <a:schemeClr val="lt1"/>
+          </a:fontRef>
+        </p:style>
+        <p:txBody>
+          <a:bodyPr rtlCol="0" anchor="ctr"/>
+          <a:lstStyle/>
+          <a:p>
+            <a:pPr algn="ctr"/>
+            <a:endParaRPr lang="pt-BR"/>
+          </a:p>
+        </p:txBody>
+      </p:sp>
+      <p:sp>
+        <p:nvSpPr>
+          <p:cNvPr id="17" name="TextBox 20"/>
+          <p:cNvSpPr txBox="1"/>
+          <p:nvPr/>
+        </p:nvSpPr>
+        <p:spPr>
+          <a:xfrm>
+            <a:off x="4876218" y="2028305"/>
+            <a:ext cx="4088270" cy="1200329"/>
+          </a:xfrm>
+          <a:prstGeom prst="rect">
+            <a:avLst/>
+          </a:prstGeom>
+          <a:ln/>
+        </p:spPr>
+        <p:style>
+          <a:lnRef idx="2">
+            <a:schemeClr val="dk1"/>
+          </a:lnRef>
+          <a:fillRef idx="1">
+            <a:schemeClr val="lt1"/>
+          </a:fillRef>
+          <a:effectRef idx="0">
+            <a:schemeClr val="dk1"/>
+          </a:effectRef>
+          <a:fontRef idx="minor">
+            <a:schemeClr val="dk1"/>
+          </a:fontRef>
+        </p:style>
+        <p:txBody>
+          <a:bodyPr wrap="square" rtlCol="0">
+            <a:spAutoFit/>
+          </a:bodyPr>
+          <a:lstStyle/>
+          <a:p>
+            <a:pPr algn="ctr"/>
+            <a:r>
+              <a:rPr lang="en-US" sz="3600" dirty="0"/>
+              <a:t>Sound</a:t>
+            </a:r>
+          </a:p>
+          <a:p>
+            <a:pPr algn="ctr"/>
+            <a:r>
+              <a:rPr lang="en-US" sz="3600" dirty="0"/>
+              <a:t>(</a:t>
+            </a:r>
+            <a:r>
+              <a:rPr lang="en-US" sz="3600" dirty="0" err="1"/>
+              <a:t>sem</a:t>
+            </a:r>
+            <a:r>
+              <a:rPr lang="en-US" sz="3600" dirty="0"/>
+              <a:t> </a:t>
+            </a:r>
+            <a:r>
+              <a:rPr lang="en-US" sz="3600" dirty="0" err="1"/>
+              <a:t>falso</a:t>
+            </a:r>
+            <a:r>
+              <a:rPr lang="en-US" sz="3600" dirty="0"/>
+              <a:t> </a:t>
+            </a:r>
+            <a:r>
+              <a:rPr lang="en-US" sz="3600" dirty="0" err="1"/>
+              <a:t>negativos</a:t>
+            </a:r>
+            <a:r>
+              <a:rPr lang="en-US" sz="3600" dirty="0"/>
+              <a:t>)</a:t>
+            </a:r>
+            <a:endParaRPr lang="pt-BR" sz="3600" dirty="0"/>
+          </a:p>
+        </p:txBody>
+      </p:sp>
+      <p:sp>
+        <p:nvSpPr>
+          <p:cNvPr id="20" name="Elipse 19"/>
+          <p:cNvSpPr/>
+          <p:nvPr/>
+        </p:nvSpPr>
+        <p:spPr>
+          <a:xfrm>
+            <a:off x="15674" y="2492896"/>
+            <a:ext cx="2102994" cy="2088232"/>
+          </a:xfrm>
+          <a:prstGeom prst="ellipse">
+            <a:avLst/>
+          </a:prstGeom>
+          <a:solidFill>
+            <a:schemeClr val="bg1"/>
+          </a:solidFill>
+          <a:ln>
+            <a:solidFill>
+              <a:schemeClr val="tx1"/>
+            </a:solidFill>
+          </a:ln>
+        </p:spPr>
+        <p:style>
+          <a:lnRef idx="2">
+            <a:schemeClr val="accent1">
+              <a:shade val="50000"/>
+            </a:schemeClr>
+          </a:lnRef>
+          <a:fillRef idx="1">
+            <a:schemeClr val="accent1"/>
+          </a:fillRef>
+          <a:effectRef idx="0">
+            <a:schemeClr val="accent1"/>
+          </a:effectRef>
+          <a:fontRef idx="minor">
+            <a:schemeClr val="lt1"/>
+          </a:fontRef>
+        </p:style>
+        <p:txBody>
+          <a:bodyPr rtlCol="0" anchor="ctr"/>
+          <a:lstStyle/>
+          <a:p>
+            <a:pPr algn="ctr"/>
+            <a:endParaRPr lang="en-US"/>
+          </a:p>
+        </p:txBody>
+      </p:sp>
+      <p:sp>
+        <p:nvSpPr>
+          <p:cNvPr id="22" name="Elipse 21"/>
+          <p:cNvSpPr/>
+          <p:nvPr/>
+        </p:nvSpPr>
+        <p:spPr>
+          <a:xfrm>
+            <a:off x="325854" y="2869602"/>
+            <a:ext cx="1509842" cy="1410968"/>
+          </a:xfrm>
+          <a:prstGeom prst="ellipse">
+            <a:avLst/>
+          </a:prstGeom>
+          <a:solidFill>
+            <a:schemeClr val="tx2">
+              <a:lumMod val="20000"/>
+              <a:lumOff val="80000"/>
+            </a:schemeClr>
+          </a:solidFill>
+          <a:ln>
+            <a:solidFill>
+              <a:schemeClr val="tx1"/>
+            </a:solidFill>
+          </a:ln>
+        </p:spPr>
+        <p:style>
+          <a:lnRef idx="2">
+            <a:schemeClr val="accent1">
+              <a:shade val="50000"/>
+            </a:schemeClr>
+          </a:lnRef>
+          <a:fillRef idx="1">
+            <a:schemeClr val="accent1"/>
+          </a:fillRef>
+          <a:effectRef idx="0">
+            <a:schemeClr val="accent1"/>
+          </a:effectRef>
+          <a:fontRef idx="minor">
+            <a:schemeClr val="lt1"/>
+          </a:fontRef>
+        </p:style>
+        <p:txBody>
+          <a:bodyPr rtlCol="0" anchor="ctr"/>
+          <a:lstStyle/>
+          <a:p>
+            <a:pPr algn="ctr"/>
+            <a:endParaRPr lang="en-US"/>
+          </a:p>
+        </p:txBody>
+      </p:sp>
+      <p:sp>
+        <p:nvSpPr>
+          <p:cNvPr id="23" name="CaixaDeTexto 22"/>
+          <p:cNvSpPr txBox="1"/>
+          <p:nvPr/>
+        </p:nvSpPr>
+        <p:spPr>
+          <a:xfrm>
+            <a:off x="235626" y="2339588"/>
+            <a:ext cx="252325" cy="369332"/>
+          </a:xfrm>
+          <a:prstGeom prst="rect">
+            <a:avLst/>
+          </a:prstGeom>
+          <a:noFill/>
+        </p:spPr>
+        <p:txBody>
+          <a:bodyPr wrap="square" rtlCol="0">
+            <a:spAutoFit/>
+          </a:bodyPr>
+          <a:lstStyle/>
+          <a:p>
+            <a:r>
+              <a:rPr lang="pt-BR" dirty="0"/>
+              <a:t>O</a:t>
+            </a:r>
+            <a:endParaRPr lang="en-US" dirty="0"/>
+          </a:p>
+        </p:txBody>
+      </p:sp>
+      <p:sp>
+        <p:nvSpPr>
+          <p:cNvPr id="24" name="CaixaDeTexto 23"/>
+          <p:cNvSpPr txBox="1"/>
+          <p:nvPr/>
+        </p:nvSpPr>
+        <p:spPr>
+          <a:xfrm>
+            <a:off x="1403648" y="2699628"/>
+            <a:ext cx="231918" cy="369332"/>
+          </a:xfrm>
+          <a:prstGeom prst="rect">
+            <a:avLst/>
+          </a:prstGeom>
+          <a:noFill/>
+        </p:spPr>
+        <p:txBody>
+          <a:bodyPr wrap="square" rtlCol="0">
+            <a:spAutoFit/>
+          </a:bodyPr>
+          <a:lstStyle/>
+          <a:p>
+            <a:r>
+              <a:rPr lang="pt-BR" dirty="0"/>
+              <a:t>R</a:t>
+            </a:r>
+            <a:endParaRPr lang="en-US" dirty="0"/>
+          </a:p>
+        </p:txBody>
+      </p:sp>
+    </p:spTree>
+    <p:extLst>
+      <p:ext uri="{BB962C8B-B14F-4D97-AF65-F5344CB8AC3E}">
+        <p14:creationId xmlns:p14="http://schemas.microsoft.com/office/powerpoint/2010/main" val="3684802876"/>
+      </p:ext>
+    </p:extLst>
+  </p:cSld>
+  <p:clrMapOvr>
+    <a:masterClrMapping/>
+  </p:clrMapOvr>
+</p:sld>
+</file>
+
+<file path=ppt/slides/slide42.xml><?xml version="1.0" encoding="utf-8"?>
+<p:sld xmlns:a="http://schemas.openxmlformats.org/drawingml/2006/main" xmlns:r="http://schemas.openxmlformats.org/officeDocument/2006/relationships" xmlns:p="http://schemas.openxmlformats.org/presentationml/2006/main">
+  <p:cSld>
+    <p:spTree>
+      <p:nvGrpSpPr>
+        <p:cNvPr id="1" name=""/>
+        <p:cNvGrpSpPr/>
+        <p:nvPr/>
+      </p:nvGrpSpPr>
+      <p:grpSpPr>
+        <a:xfrm>
+          <a:off x="0" y="0"/>
+          <a:ext cx="0" cy="0"/>
+          <a:chOff x="0" y="0"/>
+          <a:chExt cx="0" cy="0"/>
+        </a:xfrm>
+      </p:grpSpPr>
+      <p:sp>
+        <p:nvSpPr>
+          <p:cNvPr id="2" name="Title 1"/>
+          <p:cNvSpPr>
+            <a:spLocks noGrp="1"/>
+          </p:cNvSpPr>
+          <p:nvPr>
+            <p:ph type="title"/>
+          </p:nvPr>
+        </p:nvSpPr>
+        <p:spPr/>
+        <p:txBody>
+          <a:bodyPr/>
+          <a:lstStyle/>
+          <a:p>
+            <a:r>
+              <a:rPr lang="en-US" dirty="0"/>
+              <a:t>“No Silver Bullet, No Free Lunch”</a:t>
+            </a:r>
+            <a:endParaRPr lang="pt-BR" dirty="0"/>
+          </a:p>
+        </p:txBody>
+      </p:sp>
+      <p:cxnSp>
+        <p:nvCxnSpPr>
+          <p:cNvPr id="5" name="Straight Arrow Connector 4"/>
+          <p:cNvCxnSpPr/>
+          <p:nvPr/>
+        </p:nvCxnSpPr>
+        <p:spPr>
+          <a:xfrm rot="5400000" flipH="1" flipV="1">
+            <a:off x="3142446" y="3000372"/>
+            <a:ext cx="2001058" cy="794"/>
+          </a:xfrm>
+          <a:prstGeom prst="straightConnector1">
+            <a:avLst/>
+          </a:prstGeom>
+          <a:ln>
+            <a:tailEnd type="arrow"/>
+          </a:ln>
+        </p:spPr>
+        <p:style>
+          <a:lnRef idx="1">
+            <a:schemeClr val="dk1"/>
+          </a:lnRef>
+          <a:fillRef idx="0">
+            <a:schemeClr val="dk1"/>
+          </a:fillRef>
+          <a:effectRef idx="0">
+            <a:schemeClr val="dk1"/>
+          </a:effectRef>
+          <a:fontRef idx="minor">
+            <a:schemeClr val="tx1"/>
+          </a:fontRef>
+        </p:style>
+      </p:cxnSp>
+      <p:cxnSp>
+        <p:nvCxnSpPr>
+          <p:cNvPr id="6" name="Straight Arrow Connector 5"/>
+          <p:cNvCxnSpPr/>
+          <p:nvPr/>
+        </p:nvCxnSpPr>
+        <p:spPr>
+          <a:xfrm>
+            <a:off x="4143372" y="4000504"/>
+            <a:ext cx="2357454" cy="1588"/>
+          </a:xfrm>
+          <a:prstGeom prst="straightConnector1">
+            <a:avLst/>
+          </a:prstGeom>
+          <a:ln>
+            <a:tailEnd type="arrow"/>
+          </a:ln>
+        </p:spPr>
+        <p:style>
+          <a:lnRef idx="1">
+            <a:schemeClr val="dk1"/>
+          </a:lnRef>
+          <a:fillRef idx="0">
+            <a:schemeClr val="dk1"/>
+          </a:fillRef>
+          <a:effectRef idx="0">
+            <a:schemeClr val="dk1"/>
+          </a:effectRef>
+          <a:fontRef idx="minor">
+            <a:schemeClr val="tx1"/>
+          </a:fontRef>
+        </p:style>
+      </p:cxnSp>
+      <p:cxnSp>
+        <p:nvCxnSpPr>
+          <p:cNvPr id="11" name="Straight Arrow Connector 10"/>
+          <p:cNvCxnSpPr/>
+          <p:nvPr/>
+        </p:nvCxnSpPr>
+        <p:spPr>
+          <a:xfrm rot="10800000" flipV="1">
+            <a:off x="2428860" y="4000504"/>
+            <a:ext cx="1714512" cy="1071570"/>
+          </a:xfrm>
+          <a:prstGeom prst="straightConnector1">
+            <a:avLst/>
+          </a:prstGeom>
+          <a:ln>
+            <a:tailEnd type="arrow"/>
+          </a:ln>
+        </p:spPr>
+        <p:style>
+          <a:lnRef idx="1">
+            <a:schemeClr val="dk1"/>
+          </a:lnRef>
+          <a:fillRef idx="0">
+            <a:schemeClr val="dk1"/>
+          </a:fillRef>
+          <a:effectRef idx="0">
+            <a:schemeClr val="dk1"/>
+          </a:effectRef>
+          <a:fontRef idx="minor">
+            <a:schemeClr val="tx1"/>
+          </a:fontRef>
+        </p:style>
+      </p:cxnSp>
+      <p:sp>
+        <p:nvSpPr>
+          <p:cNvPr id="21" name="TextBox 20"/>
+          <p:cNvSpPr txBox="1"/>
+          <p:nvPr/>
+        </p:nvSpPr>
+        <p:spPr>
+          <a:xfrm>
+            <a:off x="4876218" y="2028305"/>
+            <a:ext cx="4088270" cy="1200329"/>
+          </a:xfrm>
+          <a:prstGeom prst="rect">
+            <a:avLst/>
+          </a:prstGeom>
+          <a:ln/>
+        </p:spPr>
+        <p:style>
+          <a:lnRef idx="2">
+            <a:schemeClr val="dk1"/>
+          </a:lnRef>
+          <a:fillRef idx="1">
+            <a:schemeClr val="lt1"/>
+          </a:fillRef>
+          <a:effectRef idx="0">
+            <a:schemeClr val="dk1"/>
+          </a:effectRef>
+          <a:fontRef idx="minor">
+            <a:schemeClr val="dk1"/>
+          </a:fontRef>
+        </p:style>
+        <p:txBody>
+          <a:bodyPr wrap="square" rtlCol="0">
+            <a:spAutoFit/>
+          </a:bodyPr>
+          <a:lstStyle/>
+          <a:p>
+            <a:pPr algn="ctr"/>
+            <a:r>
+              <a:rPr lang="en-US" sz="3600" dirty="0"/>
+              <a:t>Complete </a:t>
+            </a:r>
+          </a:p>
+          <a:p>
+            <a:pPr algn="ctr"/>
+            <a:r>
+              <a:rPr lang="en-US" sz="3600" dirty="0"/>
+              <a:t>(</a:t>
+            </a:r>
+            <a:r>
+              <a:rPr lang="en-US" sz="3600" dirty="0" err="1"/>
+              <a:t>sem</a:t>
+            </a:r>
+            <a:r>
+              <a:rPr lang="en-US" sz="3600" dirty="0"/>
+              <a:t> </a:t>
+            </a:r>
+            <a:r>
+              <a:rPr lang="en-US" sz="3600" dirty="0" err="1"/>
+              <a:t>falso</a:t>
+            </a:r>
+            <a:r>
+              <a:rPr lang="en-US" sz="3600" dirty="0"/>
+              <a:t> </a:t>
+            </a:r>
+            <a:r>
+              <a:rPr lang="en-US" sz="3600" dirty="0" err="1"/>
+              <a:t>positivos</a:t>
+            </a:r>
+            <a:r>
+              <a:rPr lang="en-US" sz="3600" dirty="0"/>
+              <a:t>)</a:t>
+            </a:r>
+            <a:endParaRPr lang="pt-BR" sz="3600" dirty="0"/>
+          </a:p>
+        </p:txBody>
+      </p:sp>
+      <p:sp>
+        <p:nvSpPr>
+          <p:cNvPr id="15" name="Parallelogram 14"/>
+          <p:cNvSpPr/>
+          <p:nvPr/>
+        </p:nvSpPr>
+        <p:spPr>
+          <a:xfrm rot="8879006" flipH="1" flipV="1">
+            <a:off x="1974108" y="2912203"/>
+            <a:ext cx="2728208" cy="1438757"/>
+          </a:xfrm>
+          <a:prstGeom prst="parallelogram">
+            <a:avLst>
+              <a:gd name="adj" fmla="val 62185"/>
+            </a:avLst>
+          </a:prstGeom>
+        </p:spPr>
+        <p:style>
+          <a:lnRef idx="2">
+            <a:schemeClr val="accent1">
+              <a:shade val="50000"/>
+            </a:schemeClr>
+          </a:lnRef>
+          <a:fillRef idx="1">
+            <a:schemeClr val="accent1"/>
+          </a:fillRef>
+          <a:effectRef idx="0">
+            <a:schemeClr val="accent1"/>
+          </a:effectRef>
+          <a:fontRef idx="minor">
+            <a:schemeClr val="lt1"/>
+          </a:fontRef>
+        </p:style>
+        <p:txBody>
+          <a:bodyPr rtlCol="0" anchor="ctr"/>
+          <a:lstStyle/>
+          <a:p>
+            <a:pPr algn="ctr"/>
+            <a:endParaRPr lang="pt-BR"/>
+          </a:p>
+        </p:txBody>
+      </p:sp>
+      <p:sp>
+        <p:nvSpPr>
+          <p:cNvPr id="16" name="TextBox 18"/>
+          <p:cNvSpPr txBox="1"/>
+          <p:nvPr/>
+        </p:nvSpPr>
+        <p:spPr>
+          <a:xfrm>
+            <a:off x="1071539" y="4917056"/>
+            <a:ext cx="1556246" cy="923330"/>
+          </a:xfrm>
+          <a:prstGeom prst="rect">
+            <a:avLst/>
+          </a:prstGeom>
+          <a:noFill/>
+        </p:spPr>
+        <p:txBody>
+          <a:bodyPr wrap="square" rtlCol="0">
+            <a:spAutoFit/>
+          </a:bodyPr>
+          <a:lstStyle/>
+          <a:p>
+            <a:r>
+              <a:rPr lang="en-US" dirty="0" err="1"/>
+              <a:t>Complexidade</a:t>
+            </a:r>
+            <a:r>
+              <a:rPr lang="en-US" dirty="0"/>
+              <a:t> do </a:t>
+            </a:r>
+            <a:r>
+              <a:rPr lang="en-US" dirty="0" err="1"/>
+              <a:t>problema</a:t>
+            </a:r>
+            <a:r>
+              <a:rPr lang="en-US" dirty="0"/>
+              <a:t> e </a:t>
+            </a:r>
+            <a:r>
+              <a:rPr lang="en-US" dirty="0" err="1"/>
+              <a:t>programa</a:t>
+            </a:r>
+            <a:endParaRPr lang="pt-BR" dirty="0"/>
+          </a:p>
+        </p:txBody>
+      </p:sp>
+      <p:sp>
+        <p:nvSpPr>
+          <p:cNvPr id="18" name="TextBox 12"/>
+          <p:cNvSpPr txBox="1"/>
+          <p:nvPr/>
+        </p:nvSpPr>
+        <p:spPr>
+          <a:xfrm>
+            <a:off x="2533743" y="2000240"/>
+            <a:ext cx="1606209" cy="369332"/>
+          </a:xfrm>
+          <a:prstGeom prst="rect">
+            <a:avLst/>
+          </a:prstGeom>
+          <a:noFill/>
+        </p:spPr>
+        <p:txBody>
+          <a:bodyPr wrap="none" rtlCol="0">
+            <a:spAutoFit/>
+          </a:bodyPr>
+          <a:lstStyle/>
+          <a:p>
+            <a:r>
+              <a:rPr lang="en-US" dirty="0" err="1"/>
+              <a:t>Falso</a:t>
+            </a:r>
+            <a:r>
+              <a:rPr lang="en-US" dirty="0"/>
+              <a:t> </a:t>
+            </a:r>
+            <a:r>
+              <a:rPr lang="en-US" dirty="0" err="1"/>
+              <a:t>negativos</a:t>
+            </a:r>
+            <a:endParaRPr lang="pt-BR" dirty="0"/>
+          </a:p>
+        </p:txBody>
+      </p:sp>
+      <p:sp>
+        <p:nvSpPr>
+          <p:cNvPr id="19" name="TextBox 13"/>
+          <p:cNvSpPr txBox="1"/>
+          <p:nvPr/>
+        </p:nvSpPr>
+        <p:spPr>
+          <a:xfrm>
+            <a:off x="5715008" y="3571876"/>
+            <a:ext cx="1542089" cy="369332"/>
+          </a:xfrm>
+          <a:prstGeom prst="rect">
+            <a:avLst/>
+          </a:prstGeom>
+          <a:noFill/>
+        </p:spPr>
+        <p:txBody>
+          <a:bodyPr wrap="none" rtlCol="0">
+            <a:spAutoFit/>
+          </a:bodyPr>
+          <a:lstStyle/>
+          <a:p>
+            <a:r>
+              <a:rPr lang="en-US" dirty="0" err="1"/>
+              <a:t>Falso</a:t>
+            </a:r>
+            <a:r>
+              <a:rPr lang="en-US" dirty="0"/>
+              <a:t> </a:t>
+            </a:r>
+            <a:r>
+              <a:rPr lang="en-US" dirty="0" err="1"/>
+              <a:t>positivos</a:t>
+            </a:r>
+            <a:endParaRPr lang="pt-BR" dirty="0"/>
+          </a:p>
+        </p:txBody>
+      </p:sp>
+      <p:sp>
+        <p:nvSpPr>
+          <p:cNvPr id="20" name="Elipse 19"/>
+          <p:cNvSpPr/>
+          <p:nvPr/>
+        </p:nvSpPr>
+        <p:spPr>
+          <a:xfrm>
+            <a:off x="15674" y="2492896"/>
+            <a:ext cx="2102994" cy="2088232"/>
+          </a:xfrm>
+          <a:prstGeom prst="ellipse">
+            <a:avLst/>
+          </a:prstGeom>
+          <a:solidFill>
+            <a:schemeClr val="bg1"/>
+          </a:solidFill>
+          <a:ln>
+            <a:solidFill>
+              <a:schemeClr val="tx1"/>
+            </a:solidFill>
+          </a:ln>
+        </p:spPr>
+        <p:style>
+          <a:lnRef idx="2">
+            <a:schemeClr val="accent1">
+              <a:shade val="50000"/>
+            </a:schemeClr>
+          </a:lnRef>
+          <a:fillRef idx="1">
+            <a:schemeClr val="accent1"/>
+          </a:fillRef>
+          <a:effectRef idx="0">
+            <a:schemeClr val="accent1"/>
+          </a:effectRef>
+          <a:fontRef idx="minor">
+            <a:schemeClr val="lt1"/>
+          </a:fontRef>
+        </p:style>
+        <p:txBody>
+          <a:bodyPr rtlCol="0" anchor="ctr"/>
+          <a:lstStyle/>
+          <a:p>
+            <a:pPr algn="ctr"/>
+            <a:endParaRPr lang="en-US"/>
+          </a:p>
+        </p:txBody>
+      </p:sp>
+      <p:sp>
+        <p:nvSpPr>
+          <p:cNvPr id="23" name="Elipse 22"/>
+          <p:cNvSpPr/>
+          <p:nvPr/>
+        </p:nvSpPr>
+        <p:spPr>
+          <a:xfrm>
+            <a:off x="325854" y="2869602"/>
+            <a:ext cx="1509842" cy="1410968"/>
+          </a:xfrm>
+          <a:prstGeom prst="ellipse">
+            <a:avLst/>
+          </a:prstGeom>
+          <a:solidFill>
+            <a:schemeClr val="tx2">
+              <a:lumMod val="20000"/>
+              <a:lumOff val="80000"/>
+            </a:schemeClr>
+          </a:solidFill>
+          <a:ln>
+            <a:solidFill>
+              <a:schemeClr val="tx1"/>
+            </a:solidFill>
+          </a:ln>
+        </p:spPr>
+        <p:style>
+          <a:lnRef idx="2">
+            <a:schemeClr val="accent1">
+              <a:shade val="50000"/>
+            </a:schemeClr>
+          </a:lnRef>
+          <a:fillRef idx="1">
+            <a:schemeClr val="accent1"/>
+          </a:fillRef>
+          <a:effectRef idx="0">
+            <a:schemeClr val="accent1"/>
+          </a:effectRef>
+          <a:fontRef idx="minor">
+            <a:schemeClr val="lt1"/>
+          </a:fontRef>
+        </p:style>
+        <p:txBody>
+          <a:bodyPr rtlCol="0" anchor="ctr"/>
+          <a:lstStyle/>
+          <a:p>
+            <a:pPr algn="ctr"/>
+            <a:endParaRPr lang="en-US"/>
+          </a:p>
+        </p:txBody>
+      </p:sp>
+      <p:sp>
+        <p:nvSpPr>
+          <p:cNvPr id="24" name="CaixaDeTexto 23"/>
+          <p:cNvSpPr txBox="1"/>
+          <p:nvPr/>
+        </p:nvSpPr>
+        <p:spPr>
+          <a:xfrm>
+            <a:off x="235626" y="2339588"/>
+            <a:ext cx="252325" cy="369332"/>
+          </a:xfrm>
+          <a:prstGeom prst="rect">
+            <a:avLst/>
+          </a:prstGeom>
+          <a:noFill/>
+        </p:spPr>
+        <p:txBody>
+          <a:bodyPr wrap="square" rtlCol="0">
+            <a:spAutoFit/>
+          </a:bodyPr>
+          <a:lstStyle/>
+          <a:p>
+            <a:r>
+              <a:rPr lang="pt-BR" dirty="0"/>
+              <a:t>R</a:t>
+            </a:r>
+            <a:endParaRPr lang="en-US" dirty="0"/>
+          </a:p>
+        </p:txBody>
+      </p:sp>
+      <p:sp>
+        <p:nvSpPr>
+          <p:cNvPr id="25" name="CaixaDeTexto 24"/>
+          <p:cNvSpPr txBox="1"/>
+          <p:nvPr/>
+        </p:nvSpPr>
+        <p:spPr>
+          <a:xfrm>
+            <a:off x="1403648" y="2699628"/>
+            <a:ext cx="231918" cy="369332"/>
+          </a:xfrm>
+          <a:prstGeom prst="rect">
+            <a:avLst/>
+          </a:prstGeom>
+          <a:noFill/>
+        </p:spPr>
+        <p:txBody>
+          <a:bodyPr wrap="square" rtlCol="0">
+            <a:spAutoFit/>
+          </a:bodyPr>
+          <a:lstStyle/>
+          <a:p>
+            <a:r>
+              <a:rPr lang="pt-BR" dirty="0"/>
+              <a:t>O</a:t>
+            </a:r>
+            <a:endParaRPr lang="en-US" dirty="0"/>
+          </a:p>
+        </p:txBody>
+      </p:sp>
+    </p:spTree>
+    <p:extLst>
+      <p:ext uri="{BB962C8B-B14F-4D97-AF65-F5344CB8AC3E}">
+        <p14:creationId xmlns:p14="http://schemas.microsoft.com/office/powerpoint/2010/main" val="878075827"/>
+      </p:ext>
+    </p:extLst>
+  </p:cSld>
+  <p:clrMapOvr>
+    <a:masterClrMapping/>
+  </p:clrMapOvr>
+</p:sld>
+</file>
+
+<file path=ppt/slides/slide43.xml><?xml version="1.0" encoding="utf-8"?>
+<p:sld xmlns:a="http://schemas.openxmlformats.org/drawingml/2006/main" xmlns:r="http://schemas.openxmlformats.org/officeDocument/2006/relationships" xmlns:p="http://schemas.openxmlformats.org/presentationml/2006/main">
+  <p:cSld>
+    <p:spTree>
+      <p:nvGrpSpPr>
+        <p:cNvPr id="1" name=""/>
+        <p:cNvGrpSpPr/>
+        <p:nvPr/>
+      </p:nvGrpSpPr>
+      <p:grpSpPr>
+        <a:xfrm>
+          <a:off x="0" y="0"/>
+          <a:ext cx="0" cy="0"/>
+          <a:chOff x="0" y="0"/>
+          <a:chExt cx="0" cy="0"/>
+        </a:xfrm>
+      </p:grpSpPr>
+      <p:sp>
+        <p:nvSpPr>
+          <p:cNvPr id="2" name="Title 1"/>
+          <p:cNvSpPr>
+            <a:spLocks noGrp="1"/>
+          </p:cNvSpPr>
+          <p:nvPr>
+            <p:ph type="title"/>
+          </p:nvPr>
+        </p:nvSpPr>
+        <p:spPr/>
+        <p:txBody>
+          <a:bodyPr/>
+          <a:lstStyle/>
+          <a:p>
+            <a:r>
+              <a:rPr lang="en-US" dirty="0" err="1"/>
+              <a:t>Em</a:t>
+            </a:r>
+            <a:r>
+              <a:rPr lang="en-US" dirty="0"/>
+              <a:t> </a:t>
+            </a:r>
+            <a:r>
+              <a:rPr lang="en-US" dirty="0" err="1"/>
+              <a:t>resumo</a:t>
+            </a:r>
+            <a:r>
+              <a:rPr lang="en-US" dirty="0"/>
+              <a:t>…</a:t>
+            </a:r>
+            <a:endParaRPr lang="pt-BR" dirty="0"/>
+          </a:p>
+        </p:txBody>
+      </p:sp>
+      <p:sp>
+        <p:nvSpPr>
+          <p:cNvPr id="5" name="TextBox 4"/>
+          <p:cNvSpPr txBox="1"/>
+          <p:nvPr/>
+        </p:nvSpPr>
+        <p:spPr>
+          <a:xfrm>
+            <a:off x="1259632" y="2443160"/>
+            <a:ext cx="7175150" cy="1754326"/>
+          </a:xfrm>
+          <a:prstGeom prst="rect">
+            <a:avLst/>
+          </a:prstGeom>
+          <a:solidFill>
+            <a:srgbClr val="FFFF00"/>
+          </a:solidFill>
+          <a:ln/>
+        </p:spPr>
+        <p:style>
+          <a:lnRef idx="2">
+            <a:schemeClr val="dk1"/>
+          </a:lnRef>
+          <a:fillRef idx="1">
+            <a:schemeClr val="lt1"/>
+          </a:fillRef>
+          <a:effectRef idx="0">
+            <a:schemeClr val="dk1"/>
+          </a:effectRef>
+          <a:fontRef idx="minor">
+            <a:schemeClr val="dk1"/>
+          </a:fontRef>
+        </p:style>
+        <p:txBody>
+          <a:bodyPr wrap="square" rtlCol="0">
+            <a:spAutoFit/>
+          </a:bodyPr>
+          <a:lstStyle/>
+          <a:p>
+            <a:pPr algn="ctr"/>
+            <a:r>
+              <a:rPr lang="en-US" sz="3600" dirty="0">
+                <a:solidFill>
+                  <a:srgbClr val="05022C"/>
+                </a:solidFill>
+              </a:rPr>
+              <a:t>É </a:t>
+            </a:r>
+            <a:r>
+              <a:rPr lang="en-US" sz="3600" dirty="0" err="1">
+                <a:solidFill>
+                  <a:srgbClr val="05022C"/>
+                </a:solidFill>
+              </a:rPr>
+              <a:t>necessário</a:t>
+            </a:r>
+            <a:r>
+              <a:rPr lang="en-US" sz="3600" dirty="0">
+                <a:solidFill>
+                  <a:srgbClr val="05022C"/>
+                </a:solidFill>
+              </a:rPr>
+              <a:t> </a:t>
+            </a:r>
+            <a:r>
+              <a:rPr lang="en-US" sz="3600" b="1" dirty="0" err="1">
+                <a:solidFill>
+                  <a:srgbClr val="05022C"/>
+                </a:solidFill>
+              </a:rPr>
+              <a:t>aproximar</a:t>
+            </a:r>
+            <a:r>
+              <a:rPr lang="en-US" sz="3600" b="1" dirty="0">
+                <a:solidFill>
+                  <a:srgbClr val="05022C"/>
+                </a:solidFill>
+              </a:rPr>
+              <a:t> </a:t>
+            </a:r>
+            <a:r>
+              <a:rPr lang="en-US" sz="3600" b="1" dirty="0" err="1">
+                <a:solidFill>
+                  <a:srgbClr val="05022C"/>
+                </a:solidFill>
+              </a:rPr>
+              <a:t>resultados</a:t>
+            </a:r>
+            <a:r>
+              <a:rPr lang="en-US" sz="3600" dirty="0">
+                <a:solidFill>
+                  <a:srgbClr val="05022C"/>
+                </a:solidFill>
+              </a:rPr>
+              <a:t> para </a:t>
+            </a:r>
+            <a:r>
+              <a:rPr lang="en-US" sz="3600" dirty="0" err="1">
+                <a:solidFill>
+                  <a:srgbClr val="05022C"/>
+                </a:solidFill>
+              </a:rPr>
+              <a:t>tratar</a:t>
+            </a:r>
+            <a:r>
+              <a:rPr lang="en-US" sz="3600" dirty="0">
+                <a:solidFill>
+                  <a:srgbClr val="05022C"/>
+                </a:solidFill>
+              </a:rPr>
+              <a:t> </a:t>
+            </a:r>
+            <a:r>
+              <a:rPr lang="en-US" sz="3600" dirty="0" err="1">
+                <a:solidFill>
+                  <a:srgbClr val="05022C"/>
+                </a:solidFill>
+              </a:rPr>
+              <a:t>propriedades</a:t>
+            </a:r>
+            <a:r>
+              <a:rPr lang="en-US" sz="3600" dirty="0">
+                <a:solidFill>
+                  <a:srgbClr val="05022C"/>
+                </a:solidFill>
+              </a:rPr>
+              <a:t> </a:t>
+            </a:r>
+            <a:r>
+              <a:rPr lang="en-US" sz="3600" dirty="0" err="1">
+                <a:solidFill>
+                  <a:srgbClr val="05022C"/>
+                </a:solidFill>
+              </a:rPr>
+              <a:t>complexas</a:t>
+            </a:r>
+            <a:r>
+              <a:rPr lang="en-US" sz="3600" dirty="0">
+                <a:solidFill>
+                  <a:srgbClr val="05022C"/>
+                </a:solidFill>
+              </a:rPr>
+              <a:t> e </a:t>
+            </a:r>
+            <a:r>
+              <a:rPr lang="en-US" sz="3600" dirty="0" err="1">
+                <a:solidFill>
+                  <a:srgbClr val="05022C"/>
+                </a:solidFill>
+              </a:rPr>
+              <a:t>problemas</a:t>
+            </a:r>
+            <a:r>
+              <a:rPr lang="en-US" sz="3600" dirty="0">
+                <a:solidFill>
+                  <a:srgbClr val="05022C"/>
+                </a:solidFill>
+              </a:rPr>
+              <a:t> </a:t>
+            </a:r>
+            <a:r>
+              <a:rPr lang="en-US" sz="3600" dirty="0" err="1">
+                <a:solidFill>
+                  <a:srgbClr val="05022C"/>
+                </a:solidFill>
+              </a:rPr>
+              <a:t>complexos</a:t>
+            </a:r>
+            <a:endParaRPr lang="pt-BR" sz="3600" dirty="0">
+              <a:solidFill>
+                <a:srgbClr val="05022C"/>
+              </a:solidFill>
+            </a:endParaRPr>
+          </a:p>
+        </p:txBody>
+      </p:sp>
+    </p:spTree>
+    <p:extLst>
+      <p:ext uri="{BB962C8B-B14F-4D97-AF65-F5344CB8AC3E}">
+        <p14:creationId xmlns:p14="http://schemas.microsoft.com/office/powerpoint/2010/main" val="4028651953"/>
+      </p:ext>
+    </p:extLst>
+  </p:cSld>
+  <p:clrMapOvr>
+    <a:masterClrMapping/>
+  </p:clrMapOvr>
+</p:sld>
+</file>
+
+<file path=ppt/slides/slide44.xml><?xml version="1.0" encoding="utf-8"?>
+<p:sld xmlns:a="http://schemas.openxmlformats.org/drawingml/2006/main" xmlns:r="http://schemas.openxmlformats.org/officeDocument/2006/relationships" xmlns:p="http://schemas.openxmlformats.org/presentationml/2006/main">
+  <p:cSld>
+    <p:spTree>
+      <p:nvGrpSpPr>
+        <p:cNvPr id="1" name=""/>
+        <p:cNvGrpSpPr/>
+        <p:nvPr/>
+      </p:nvGrpSpPr>
+      <p:grpSpPr>
+        <a:xfrm>
+          <a:off x="0" y="0"/>
+          <a:ext cx="0" cy="0"/>
+          <a:chOff x="0" y="0"/>
+          <a:chExt cx="0" cy="0"/>
+        </a:xfrm>
+      </p:grpSpPr>
+      <p:sp>
+        <p:nvSpPr>
+          <p:cNvPr id="12" name="Parallelogram 15"/>
+          <p:cNvSpPr/>
+          <p:nvPr/>
+        </p:nvSpPr>
+        <p:spPr>
+          <a:xfrm>
+            <a:off x="3143240" y="4052230"/>
+            <a:ext cx="3444984" cy="1143008"/>
+          </a:xfrm>
+          <a:prstGeom prst="parallelogram">
+            <a:avLst>
+              <a:gd name="adj" fmla="val 89615"/>
+            </a:avLst>
+          </a:prstGeom>
+          <a:solidFill>
+            <a:schemeClr val="accent1">
+              <a:lumMod val="20000"/>
+              <a:lumOff val="80000"/>
+            </a:schemeClr>
+          </a:solidFill>
+          <a:ln>
+            <a:prstDash val="sysDot"/>
+          </a:ln>
+        </p:spPr>
+        <p:style>
+          <a:lnRef idx="2">
+            <a:schemeClr val="accent1">
+              <a:shade val="50000"/>
+            </a:schemeClr>
+          </a:lnRef>
+          <a:fillRef idx="1">
+            <a:schemeClr val="accent1"/>
+          </a:fillRef>
+          <a:effectRef idx="0">
+            <a:schemeClr val="accent1"/>
+          </a:effectRef>
+          <a:fontRef idx="minor">
+            <a:schemeClr val="lt1"/>
+          </a:fontRef>
+        </p:style>
+        <p:txBody>
+          <a:bodyPr rtlCol="0" anchor="ctr"/>
+          <a:lstStyle/>
+          <a:p>
+            <a:pPr algn="ctr"/>
+            <a:endParaRPr lang="pt-BR"/>
+          </a:p>
+        </p:txBody>
+      </p:sp>
+      <p:sp>
+        <p:nvSpPr>
+          <p:cNvPr id="2" name="Title 1"/>
+          <p:cNvSpPr>
+            <a:spLocks noGrp="1"/>
+          </p:cNvSpPr>
+          <p:nvPr>
+            <p:ph type="title"/>
+          </p:nvPr>
+        </p:nvSpPr>
+        <p:spPr/>
+        <p:txBody>
+          <a:bodyPr/>
+          <a:lstStyle/>
+          <a:p>
+            <a:r>
+              <a:rPr lang="en-US" dirty="0"/>
+              <a:t>“No Silver Bullet, No Free Lunch”</a:t>
+            </a:r>
+            <a:endParaRPr lang="pt-BR" dirty="0"/>
+          </a:p>
+        </p:txBody>
+      </p:sp>
+      <p:cxnSp>
+        <p:nvCxnSpPr>
+          <p:cNvPr id="5" name="Straight Arrow Connector 4"/>
+          <p:cNvCxnSpPr/>
+          <p:nvPr/>
+        </p:nvCxnSpPr>
+        <p:spPr>
+          <a:xfrm rot="5400000" flipH="1" flipV="1">
+            <a:off x="3142446" y="3000372"/>
+            <a:ext cx="2001058" cy="794"/>
+          </a:xfrm>
+          <a:prstGeom prst="straightConnector1">
+            <a:avLst/>
+          </a:prstGeom>
+          <a:ln>
+            <a:tailEnd type="arrow"/>
+          </a:ln>
+        </p:spPr>
+        <p:style>
+          <a:lnRef idx="1">
+            <a:schemeClr val="dk1"/>
+          </a:lnRef>
+          <a:fillRef idx="0">
+            <a:schemeClr val="dk1"/>
+          </a:fillRef>
+          <a:effectRef idx="0">
+            <a:schemeClr val="dk1"/>
+          </a:effectRef>
+          <a:fontRef idx="minor">
+            <a:schemeClr val="tx1"/>
+          </a:fontRef>
+        </p:style>
+      </p:cxnSp>
+      <p:cxnSp>
+        <p:nvCxnSpPr>
+          <p:cNvPr id="6" name="Straight Arrow Connector 5"/>
+          <p:cNvCxnSpPr/>
+          <p:nvPr/>
+        </p:nvCxnSpPr>
+        <p:spPr>
+          <a:xfrm>
+            <a:off x="4143372" y="4000504"/>
+            <a:ext cx="2357454" cy="1588"/>
+          </a:xfrm>
+          <a:prstGeom prst="straightConnector1">
+            <a:avLst/>
+          </a:prstGeom>
+          <a:ln>
+            <a:tailEnd type="arrow"/>
+          </a:ln>
+        </p:spPr>
+        <p:style>
+          <a:lnRef idx="1">
+            <a:schemeClr val="dk1"/>
+          </a:lnRef>
+          <a:fillRef idx="0">
+            <a:schemeClr val="dk1"/>
+          </a:fillRef>
+          <a:effectRef idx="0">
+            <a:schemeClr val="dk1"/>
+          </a:effectRef>
+          <a:fontRef idx="minor">
+            <a:schemeClr val="tx1"/>
+          </a:fontRef>
+        </p:style>
+      </p:cxnSp>
+      <p:cxnSp>
+        <p:nvCxnSpPr>
+          <p:cNvPr id="11" name="Straight Arrow Connector 10"/>
+          <p:cNvCxnSpPr/>
+          <p:nvPr/>
+        </p:nvCxnSpPr>
+        <p:spPr>
+          <a:xfrm rot="5400000">
+            <a:off x="2928926" y="4071942"/>
+            <a:ext cx="1285884" cy="1143008"/>
+          </a:xfrm>
+          <a:prstGeom prst="straightConnector1">
+            <a:avLst/>
+          </a:prstGeom>
+          <a:ln>
+            <a:tailEnd type="arrow"/>
+          </a:ln>
+        </p:spPr>
+        <p:style>
+          <a:lnRef idx="1">
+            <a:schemeClr val="dk1"/>
+          </a:lnRef>
+          <a:fillRef idx="0">
+            <a:schemeClr val="dk1"/>
+          </a:fillRef>
+          <a:effectRef idx="0">
+            <a:schemeClr val="dk1"/>
+          </a:effectRef>
+          <a:fontRef idx="minor">
+            <a:schemeClr val="tx1"/>
+          </a:fontRef>
+        </p:style>
+      </p:cxnSp>
+      <p:sp>
+        <p:nvSpPr>
+          <p:cNvPr id="13" name="TextBox 12"/>
+          <p:cNvSpPr txBox="1"/>
+          <p:nvPr/>
+        </p:nvSpPr>
+        <p:spPr>
+          <a:xfrm>
+            <a:off x="2533743" y="2000240"/>
+            <a:ext cx="1606209" cy="369332"/>
+          </a:xfrm>
+          <a:prstGeom prst="rect">
+            <a:avLst/>
+          </a:prstGeom>
+          <a:noFill/>
+        </p:spPr>
+        <p:txBody>
+          <a:bodyPr wrap="none" rtlCol="0">
+            <a:spAutoFit/>
+          </a:bodyPr>
+          <a:lstStyle/>
+          <a:p>
+            <a:r>
+              <a:rPr lang="en-US" dirty="0" err="1"/>
+              <a:t>Falso</a:t>
+            </a:r>
+            <a:r>
+              <a:rPr lang="en-US" dirty="0"/>
+              <a:t> </a:t>
+            </a:r>
+            <a:r>
+              <a:rPr lang="en-US" dirty="0" err="1"/>
+              <a:t>negativos</a:t>
+            </a:r>
+            <a:endParaRPr lang="pt-BR" dirty="0"/>
+          </a:p>
+        </p:txBody>
+      </p:sp>
+      <p:sp>
+        <p:nvSpPr>
+          <p:cNvPr id="14" name="TextBox 13"/>
+          <p:cNvSpPr txBox="1"/>
+          <p:nvPr/>
+        </p:nvSpPr>
+        <p:spPr>
+          <a:xfrm>
+            <a:off x="5715008" y="3571876"/>
+            <a:ext cx="1542089" cy="369332"/>
+          </a:xfrm>
+          <a:prstGeom prst="rect">
+            <a:avLst/>
+          </a:prstGeom>
+          <a:noFill/>
+        </p:spPr>
+        <p:txBody>
+          <a:bodyPr wrap="none" rtlCol="0">
+            <a:spAutoFit/>
+          </a:bodyPr>
+          <a:lstStyle/>
+          <a:p>
+            <a:r>
+              <a:rPr lang="en-US" dirty="0" err="1"/>
+              <a:t>Falso</a:t>
+            </a:r>
+            <a:r>
+              <a:rPr lang="en-US" dirty="0"/>
+              <a:t> </a:t>
+            </a:r>
+            <a:r>
+              <a:rPr lang="en-US" dirty="0" err="1"/>
+              <a:t>positivos</a:t>
+            </a:r>
+            <a:endParaRPr lang="pt-BR" dirty="0"/>
+          </a:p>
+        </p:txBody>
+      </p:sp>
+      <p:sp>
+        <p:nvSpPr>
+          <p:cNvPr id="19" name="TextBox 18"/>
+          <p:cNvSpPr txBox="1"/>
+          <p:nvPr/>
+        </p:nvSpPr>
+        <p:spPr>
+          <a:xfrm>
+            <a:off x="1071539" y="4917056"/>
+            <a:ext cx="1556246" cy="923330"/>
+          </a:xfrm>
+          <a:prstGeom prst="rect">
+            <a:avLst/>
+          </a:prstGeom>
+          <a:noFill/>
+        </p:spPr>
+        <p:txBody>
+          <a:bodyPr wrap="square" rtlCol="0">
+            <a:spAutoFit/>
+          </a:bodyPr>
+          <a:lstStyle/>
+          <a:p>
+            <a:r>
+              <a:rPr lang="en-US" dirty="0" err="1"/>
+              <a:t>Complexidade</a:t>
+            </a:r>
+            <a:r>
+              <a:rPr lang="en-US" dirty="0"/>
+              <a:t> do </a:t>
+            </a:r>
+            <a:r>
+              <a:rPr lang="en-US" dirty="0" err="1"/>
+              <a:t>problema</a:t>
+            </a:r>
+            <a:r>
+              <a:rPr lang="en-US" dirty="0"/>
+              <a:t> e </a:t>
+            </a:r>
+            <a:r>
+              <a:rPr lang="en-US" dirty="0" err="1"/>
+              <a:t>programa</a:t>
+            </a:r>
+            <a:endParaRPr lang="pt-BR" dirty="0"/>
+          </a:p>
+        </p:txBody>
+      </p:sp>
+      <p:sp>
+        <p:nvSpPr>
+          <p:cNvPr id="21" name="Parallelogram 15"/>
+          <p:cNvSpPr/>
+          <p:nvPr/>
+        </p:nvSpPr>
+        <p:spPr>
+          <a:xfrm>
+            <a:off x="3143240" y="4052230"/>
+            <a:ext cx="2292856" cy="1143008"/>
+          </a:xfrm>
+          <a:prstGeom prst="parallelogram">
+            <a:avLst>
+              <a:gd name="adj" fmla="val 89615"/>
+            </a:avLst>
+          </a:prstGeom>
+        </p:spPr>
+        <p:style>
+          <a:lnRef idx="2">
+            <a:schemeClr val="accent1">
+              <a:shade val="50000"/>
+            </a:schemeClr>
+          </a:lnRef>
+          <a:fillRef idx="1">
+            <a:schemeClr val="accent1"/>
+          </a:fillRef>
+          <a:effectRef idx="0">
+            <a:schemeClr val="accent1"/>
+          </a:effectRef>
+          <a:fontRef idx="minor">
+            <a:schemeClr val="lt1"/>
+          </a:fontRef>
+        </p:style>
+        <p:txBody>
+          <a:bodyPr rtlCol="0" anchor="ctr"/>
+          <a:lstStyle/>
+          <a:p>
+            <a:pPr algn="ctr"/>
+            <a:endParaRPr lang="pt-BR"/>
+          </a:p>
+        </p:txBody>
+      </p:sp>
+      <p:sp>
+        <p:nvSpPr>
+          <p:cNvPr id="15" name="Texto explicativo retangular 14"/>
+          <p:cNvSpPr/>
+          <p:nvPr/>
+        </p:nvSpPr>
+        <p:spPr>
+          <a:xfrm>
+            <a:off x="5322098" y="5807862"/>
+            <a:ext cx="3138334" cy="861498"/>
+          </a:xfrm>
+          <a:prstGeom prst="wedgeRectCallout">
+            <a:avLst>
+              <a:gd name="adj1" fmla="val -47943"/>
+              <a:gd name="adj2" fmla="val -111201"/>
+            </a:avLst>
+          </a:prstGeom>
+          <a:solidFill>
+            <a:schemeClr val="bg1"/>
+          </a:solidFill>
+          <a:ln>
+            <a:solidFill>
+              <a:schemeClr val="tx1"/>
+            </a:solidFill>
+          </a:ln>
+        </p:spPr>
+        <p:style>
+          <a:lnRef idx="2">
+            <a:schemeClr val="accent1">
+              <a:shade val="50000"/>
+            </a:schemeClr>
+          </a:lnRef>
+          <a:fillRef idx="1">
+            <a:schemeClr val="accent1"/>
+          </a:fillRef>
+          <a:effectRef idx="0">
+            <a:schemeClr val="accent1"/>
+          </a:effectRef>
+          <a:fontRef idx="minor">
+            <a:schemeClr val="lt1"/>
+          </a:fontRef>
+        </p:style>
+        <p:txBody>
+          <a:bodyPr rtlCol="0" anchor="ctr"/>
+          <a:lstStyle/>
+          <a:p>
+            <a:pPr algn="ctr"/>
+            <a:r>
+              <a:rPr lang="pt-BR" dirty="0">
+                <a:solidFill>
+                  <a:schemeClr val="tx1"/>
+                </a:solidFill>
+              </a:rPr>
+              <a:t>Foco é melhorar precisão, sem sacrificar performance significativamente</a:t>
+            </a:r>
+            <a:endParaRPr lang="en-US" dirty="0">
+              <a:solidFill>
+                <a:schemeClr val="tx1"/>
+              </a:solidFill>
+            </a:endParaRPr>
+          </a:p>
+        </p:txBody>
+      </p:sp>
+      <p:sp>
+        <p:nvSpPr>
+          <p:cNvPr id="16" name="TextBox 4"/>
+          <p:cNvSpPr txBox="1"/>
+          <p:nvPr/>
+        </p:nvSpPr>
+        <p:spPr>
+          <a:xfrm>
+            <a:off x="113203" y="2905468"/>
+            <a:ext cx="2802613" cy="1200329"/>
+          </a:xfrm>
+          <a:prstGeom prst="rect">
+            <a:avLst/>
+          </a:prstGeom>
+          <a:solidFill>
+            <a:srgbClr val="FFFF00"/>
+          </a:solidFill>
+          <a:ln/>
+        </p:spPr>
+        <p:style>
+          <a:lnRef idx="2">
+            <a:schemeClr val="dk1"/>
+          </a:lnRef>
+          <a:fillRef idx="1">
+            <a:schemeClr val="lt1"/>
+          </a:fillRef>
+          <a:effectRef idx="0">
+            <a:schemeClr val="dk1"/>
+          </a:effectRef>
+          <a:fontRef idx="minor">
+            <a:schemeClr val="dk1"/>
+          </a:fontRef>
+        </p:style>
+        <p:txBody>
+          <a:bodyPr wrap="square" rtlCol="0">
+            <a:spAutoFit/>
+          </a:bodyPr>
+          <a:lstStyle/>
+          <a:p>
+            <a:pPr algn="ctr"/>
+            <a:r>
+              <a:rPr lang="en-US" sz="3600" dirty="0" err="1">
+                <a:solidFill>
+                  <a:srgbClr val="05022C"/>
+                </a:solidFill>
+              </a:rPr>
+              <a:t>Cenário</a:t>
+            </a:r>
+            <a:r>
+              <a:rPr lang="en-US" sz="3600" dirty="0">
+                <a:solidFill>
+                  <a:srgbClr val="05022C"/>
+                </a:solidFill>
+              </a:rPr>
+              <a:t> </a:t>
+            </a:r>
+            <a:r>
+              <a:rPr lang="en-US" sz="3600" dirty="0" err="1">
+                <a:solidFill>
+                  <a:srgbClr val="05022C"/>
+                </a:solidFill>
+              </a:rPr>
+              <a:t>mais</a:t>
+            </a:r>
+            <a:r>
+              <a:rPr lang="en-US" sz="3600" dirty="0">
+                <a:solidFill>
+                  <a:srgbClr val="05022C"/>
+                </a:solidFill>
+              </a:rPr>
+              <a:t> </a:t>
+            </a:r>
+            <a:r>
+              <a:rPr lang="en-US" sz="3600" dirty="0" err="1">
+                <a:solidFill>
+                  <a:srgbClr val="05022C"/>
+                </a:solidFill>
+              </a:rPr>
+              <a:t>comum</a:t>
+            </a:r>
+            <a:endParaRPr lang="pt-BR" sz="3600" dirty="0">
+              <a:solidFill>
+                <a:srgbClr val="05022C"/>
+              </a:solidFill>
+            </a:endParaRPr>
+          </a:p>
+        </p:txBody>
+      </p:sp>
+      <p:sp>
+        <p:nvSpPr>
+          <p:cNvPr id="20" name="TextBox 20"/>
+          <p:cNvSpPr txBox="1"/>
+          <p:nvPr/>
+        </p:nvSpPr>
+        <p:spPr>
+          <a:xfrm>
+            <a:off x="4876218" y="2028305"/>
+            <a:ext cx="4088270" cy="1200329"/>
+          </a:xfrm>
+          <a:prstGeom prst="rect">
+            <a:avLst/>
+          </a:prstGeom>
+          <a:ln/>
+        </p:spPr>
+        <p:style>
+          <a:lnRef idx="2">
+            <a:schemeClr val="dk1"/>
+          </a:lnRef>
+          <a:fillRef idx="1">
+            <a:schemeClr val="lt1"/>
+          </a:fillRef>
+          <a:effectRef idx="0">
+            <a:schemeClr val="dk1"/>
+          </a:effectRef>
+          <a:fontRef idx="minor">
+            <a:schemeClr val="dk1"/>
+          </a:fontRef>
+        </p:style>
+        <p:txBody>
+          <a:bodyPr wrap="square" rtlCol="0">
+            <a:spAutoFit/>
+          </a:bodyPr>
+          <a:lstStyle/>
+          <a:p>
+            <a:pPr algn="ctr"/>
+            <a:r>
+              <a:rPr lang="en-US" sz="3600" dirty="0"/>
+              <a:t>Sound</a:t>
+            </a:r>
+          </a:p>
+          <a:p>
+            <a:pPr algn="ctr"/>
+            <a:r>
+              <a:rPr lang="en-US" sz="3600" dirty="0"/>
+              <a:t>(</a:t>
+            </a:r>
+            <a:r>
+              <a:rPr lang="en-US" sz="3600" dirty="0" err="1"/>
+              <a:t>sem</a:t>
+            </a:r>
+            <a:r>
+              <a:rPr lang="en-US" sz="3600" dirty="0"/>
+              <a:t> </a:t>
+            </a:r>
+            <a:r>
+              <a:rPr lang="en-US" sz="3600" dirty="0" err="1"/>
+              <a:t>falso</a:t>
+            </a:r>
+            <a:r>
+              <a:rPr lang="en-US" sz="3600" dirty="0"/>
+              <a:t> </a:t>
+            </a:r>
+            <a:r>
+              <a:rPr lang="en-US" sz="3600" dirty="0" err="1"/>
+              <a:t>negativos</a:t>
+            </a:r>
+            <a:r>
+              <a:rPr lang="en-US" sz="3600" dirty="0"/>
+              <a:t>)</a:t>
+            </a:r>
+            <a:endParaRPr lang="pt-BR" sz="3600" dirty="0"/>
+          </a:p>
+        </p:txBody>
+      </p:sp>
+    </p:spTree>
+    <p:extLst>
+      <p:ext uri="{BB962C8B-B14F-4D97-AF65-F5344CB8AC3E}">
+        <p14:creationId xmlns:p14="http://schemas.microsoft.com/office/powerpoint/2010/main" val="3621433749"/>
+      </p:ext>
+    </p:extLst>
+  </p:cSld>
+  <p:clrMapOvr>
+    <a:masterClrMapping/>
+  </p:clrMapOvr>
+</p:sld>
+</file>
+
 <file path=ppt/slides/slide45.xml><?xml version="1.0" encoding="utf-8"?>
 <p:sld xmlns:a="http://schemas.openxmlformats.org/drawingml/2006/main" xmlns:r="http://schemas.openxmlformats.org/officeDocument/2006/relationships" xmlns:p="http://schemas.openxmlformats.org/presentationml/2006/main">
   <p:cSld>
